--- a/Control de Acceso.pptx
+++ b/Control de Acceso.pptx
@@ -10,13 +10,15 @@
     <p:sldId id="257" r:id="rId4"/>
     <p:sldId id="262" r:id="rId5"/>
     <p:sldId id="259" r:id="rId6"/>
-    <p:sldId id="260" r:id="rId7"/>
-    <p:sldId id="261" r:id="rId8"/>
-    <p:sldId id="263" r:id="rId9"/>
-    <p:sldId id="264" r:id="rId10"/>
-    <p:sldId id="265" r:id="rId11"/>
-    <p:sldId id="267" r:id="rId12"/>
-    <p:sldId id="266" r:id="rId13"/>
+    <p:sldId id="268" r:id="rId7"/>
+    <p:sldId id="269" r:id="rId8"/>
+    <p:sldId id="260" r:id="rId9"/>
+    <p:sldId id="261" r:id="rId10"/>
+    <p:sldId id="263" r:id="rId11"/>
+    <p:sldId id="264" r:id="rId12"/>
+    <p:sldId id="265" r:id="rId13"/>
+    <p:sldId id="267" r:id="rId14"/>
+    <p:sldId id="266" r:id="rId15"/>
   </p:sldIdLst>
   <p:sldSz cx="12192000" cy="6858000"/>
   <p:notesSz cx="6858000" cy="9144000"/>
@@ -115,6 +117,11 @@
       </a:defRPr>
     </a:lvl9pPr>
   </p:defaultTextStyle>
+  <p:extLst>
+    <p:ext uri="{EFAFB233-063F-42B5-8137-9DF3F51BA10A}">
+      <p15:sldGuideLst xmlns:p15="http://schemas.microsoft.com/office/powerpoint/2012/main"/>
+    </p:ext>
+  </p:extLst>
 </p:presentation>
 </file>
 
@@ -1704,6 +1711,13 @@
         </dgm:presLayoutVars>
       </dgm:prSet>
       <dgm:spPr/>
+      <dgm:t>
+        <a:bodyPr/>
+        <a:lstStyle/>
+        <a:p>
+          <a:endParaRPr lang="es-ES"/>
+        </a:p>
+      </dgm:t>
     </dgm:pt>
     <dgm:pt modelId="{7FBC73CD-6899-48F0-97D2-0FAF099D00D7}" type="pres">
       <dgm:prSet presAssocID="{1C5F8750-0E8D-4A4F-A5C4-6A02757B2CEE}" presName="hierFlow" presStyleCnt="0"/>
@@ -1730,6 +1744,13 @@
         </dgm:presLayoutVars>
       </dgm:prSet>
       <dgm:spPr/>
+      <dgm:t>
+        <a:bodyPr/>
+        <a:lstStyle/>
+        <a:p>
+          <a:endParaRPr lang="es-ES"/>
+        </a:p>
+      </dgm:t>
     </dgm:pt>
     <dgm:pt modelId="{DCCD5EFE-7876-4BE0-8B52-0B8CAA5B5D98}" type="pres">
       <dgm:prSet presAssocID="{9A3D543D-1E9A-4BE5-BFBC-B65722739982}" presName="hierChild2" presStyleCnt="0"/>
@@ -1738,6 +1759,13 @@
     <dgm:pt modelId="{41AB122B-081A-4865-AD38-E3670CB221C3}" type="pres">
       <dgm:prSet presAssocID="{675114A4-4D40-4091-9275-9C8175883DB4}" presName="Name19" presStyleLbl="parChTrans1D2" presStyleIdx="0" presStyleCnt="4"/>
       <dgm:spPr/>
+      <dgm:t>
+        <a:bodyPr/>
+        <a:lstStyle/>
+        <a:p>
+          <a:endParaRPr lang="es-ES"/>
+        </a:p>
+      </dgm:t>
     </dgm:pt>
     <dgm:pt modelId="{CF8D64B8-D61F-466F-8ABA-43D7D9B04C06}" type="pres">
       <dgm:prSet presAssocID="{35DCDA67-F2A2-441C-AE5D-C1B198AC0662}" presName="Name21" presStyleCnt="0"/>
@@ -1746,6 +1774,13 @@
     <dgm:pt modelId="{0ECD015A-E51F-4E92-93F8-42CA82FE8288}" type="pres">
       <dgm:prSet presAssocID="{35DCDA67-F2A2-441C-AE5D-C1B198AC0662}" presName="level2Shape" presStyleLbl="node2" presStyleIdx="0" presStyleCnt="4"/>
       <dgm:spPr/>
+      <dgm:t>
+        <a:bodyPr/>
+        <a:lstStyle/>
+        <a:p>
+          <a:endParaRPr lang="es-ES"/>
+        </a:p>
+      </dgm:t>
     </dgm:pt>
     <dgm:pt modelId="{26362DDC-DD1A-4BB8-AE23-6E6A6745B19C}" type="pres">
       <dgm:prSet presAssocID="{35DCDA67-F2A2-441C-AE5D-C1B198AC0662}" presName="hierChild3" presStyleCnt="0"/>
@@ -1754,6 +1789,13 @@
     <dgm:pt modelId="{53593E82-FE48-4799-B3D5-9BF8476C7795}" type="pres">
       <dgm:prSet presAssocID="{FC0286EA-4B69-4B09-B5C5-A002ECF296A6}" presName="Name19" presStyleLbl="parChTrans1D3" presStyleIdx="0" presStyleCnt="8"/>
       <dgm:spPr/>
+      <dgm:t>
+        <a:bodyPr/>
+        <a:lstStyle/>
+        <a:p>
+          <a:endParaRPr lang="es-ES"/>
+        </a:p>
+      </dgm:t>
     </dgm:pt>
     <dgm:pt modelId="{C941A05A-5682-4F10-9964-D12E822952DE}" type="pres">
       <dgm:prSet presAssocID="{63E0C32F-5CB1-4C0B-BFC5-95C3688A5952}" presName="Name21" presStyleCnt="0"/>
@@ -1762,6 +1804,13 @@
     <dgm:pt modelId="{9ADE6EBB-D0A9-4302-BC75-1FB70BC17255}" type="pres">
       <dgm:prSet presAssocID="{63E0C32F-5CB1-4C0B-BFC5-95C3688A5952}" presName="level2Shape" presStyleLbl="node3" presStyleIdx="0" presStyleCnt="8"/>
       <dgm:spPr/>
+      <dgm:t>
+        <a:bodyPr/>
+        <a:lstStyle/>
+        <a:p>
+          <a:endParaRPr lang="es-ES"/>
+        </a:p>
+      </dgm:t>
     </dgm:pt>
     <dgm:pt modelId="{65679440-020D-4210-B943-BEE04BE83EB1}" type="pres">
       <dgm:prSet presAssocID="{63E0C32F-5CB1-4C0B-BFC5-95C3688A5952}" presName="hierChild3" presStyleCnt="0"/>
@@ -1770,6 +1819,13 @@
     <dgm:pt modelId="{2B44D44D-9C15-4BE4-8857-6902DD216E02}" type="pres">
       <dgm:prSet presAssocID="{AEF768B3-89BD-4493-B753-D5C7E3F86037}" presName="Name19" presStyleLbl="parChTrans1D4" presStyleIdx="0" presStyleCnt="5"/>
       <dgm:spPr/>
+      <dgm:t>
+        <a:bodyPr/>
+        <a:lstStyle/>
+        <a:p>
+          <a:endParaRPr lang="es-ES"/>
+        </a:p>
+      </dgm:t>
     </dgm:pt>
     <dgm:pt modelId="{52E0AE4D-5240-4116-8871-F00A2F071C25}" type="pres">
       <dgm:prSet presAssocID="{E116835A-3D10-450B-9413-E1B97894FFA3}" presName="Name21" presStyleCnt="0"/>
@@ -1778,6 +1834,13 @@
     <dgm:pt modelId="{03CEC701-59F7-4F6F-A2FB-6D1193C6C0E9}" type="pres">
       <dgm:prSet presAssocID="{E116835A-3D10-450B-9413-E1B97894FFA3}" presName="level2Shape" presStyleLbl="node4" presStyleIdx="0" presStyleCnt="5"/>
       <dgm:spPr/>
+      <dgm:t>
+        <a:bodyPr/>
+        <a:lstStyle/>
+        <a:p>
+          <a:endParaRPr lang="es-ES"/>
+        </a:p>
+      </dgm:t>
     </dgm:pt>
     <dgm:pt modelId="{70C641D7-008F-491D-A8A1-389516750A5F}" type="pres">
       <dgm:prSet presAssocID="{E116835A-3D10-450B-9413-E1B97894FFA3}" presName="hierChild3" presStyleCnt="0"/>
@@ -1786,6 +1849,13 @@
     <dgm:pt modelId="{6D500FE4-6E88-4115-B204-2A401C1E43A0}" type="pres">
       <dgm:prSet presAssocID="{5A2D30D4-EEF4-4274-A404-AB129065637F}" presName="Name19" presStyleLbl="parChTrans1D2" presStyleIdx="1" presStyleCnt="4"/>
       <dgm:spPr/>
+      <dgm:t>
+        <a:bodyPr/>
+        <a:lstStyle/>
+        <a:p>
+          <a:endParaRPr lang="es-ES"/>
+        </a:p>
+      </dgm:t>
     </dgm:pt>
     <dgm:pt modelId="{68735FE1-5986-4989-BCFA-E7980B972273}" type="pres">
       <dgm:prSet presAssocID="{5A9D0339-AA51-434F-8B6C-60F99E3633CF}" presName="Name21" presStyleCnt="0"/>
@@ -1794,6 +1864,13 @@
     <dgm:pt modelId="{1EE97BA3-462E-4247-9C64-D91A323268AC}" type="pres">
       <dgm:prSet presAssocID="{5A9D0339-AA51-434F-8B6C-60F99E3633CF}" presName="level2Shape" presStyleLbl="node2" presStyleIdx="1" presStyleCnt="4"/>
       <dgm:spPr/>
+      <dgm:t>
+        <a:bodyPr/>
+        <a:lstStyle/>
+        <a:p>
+          <a:endParaRPr lang="es-ES"/>
+        </a:p>
+      </dgm:t>
     </dgm:pt>
     <dgm:pt modelId="{F5F29C6D-26F6-440B-88FF-DE5D242CB299}" type="pres">
       <dgm:prSet presAssocID="{5A9D0339-AA51-434F-8B6C-60F99E3633CF}" presName="hierChild3" presStyleCnt="0"/>
@@ -1802,6 +1879,13 @@
     <dgm:pt modelId="{6DFBC8DC-FB04-4552-ACB4-2C723637561B}" type="pres">
       <dgm:prSet presAssocID="{14CBFDCC-3ECF-4077-AAFC-9035D3532054}" presName="Name19" presStyleLbl="parChTrans1D3" presStyleIdx="1" presStyleCnt="8"/>
       <dgm:spPr/>
+      <dgm:t>
+        <a:bodyPr/>
+        <a:lstStyle/>
+        <a:p>
+          <a:endParaRPr lang="es-ES"/>
+        </a:p>
+      </dgm:t>
     </dgm:pt>
     <dgm:pt modelId="{01B1FE0B-F591-4A2D-B9D9-4DFCE938EC84}" type="pres">
       <dgm:prSet presAssocID="{5CA15CE3-8396-42E1-8E7E-BD11A58851E2}" presName="Name21" presStyleCnt="0"/>
@@ -1810,6 +1894,13 @@
     <dgm:pt modelId="{7C0EA656-1D18-4980-86E2-83309EF67A1B}" type="pres">
       <dgm:prSet presAssocID="{5CA15CE3-8396-42E1-8E7E-BD11A58851E2}" presName="level2Shape" presStyleLbl="node3" presStyleIdx="1" presStyleCnt="8"/>
       <dgm:spPr/>
+      <dgm:t>
+        <a:bodyPr/>
+        <a:lstStyle/>
+        <a:p>
+          <a:endParaRPr lang="es-ES"/>
+        </a:p>
+      </dgm:t>
     </dgm:pt>
     <dgm:pt modelId="{7EF65181-3316-4D40-8098-EFE2CDDA0653}" type="pres">
       <dgm:prSet presAssocID="{5CA15CE3-8396-42E1-8E7E-BD11A58851E2}" presName="hierChild3" presStyleCnt="0"/>
@@ -1818,6 +1909,13 @@
     <dgm:pt modelId="{190E5C43-FF52-41EF-BC65-4C3846DF4B2F}" type="pres">
       <dgm:prSet presAssocID="{27B0B7D4-9290-4FFB-8E4F-E55C7EC9F8B5}" presName="Name19" presStyleLbl="parChTrans1D4" presStyleIdx="1" presStyleCnt="5"/>
       <dgm:spPr/>
+      <dgm:t>
+        <a:bodyPr/>
+        <a:lstStyle/>
+        <a:p>
+          <a:endParaRPr lang="es-ES"/>
+        </a:p>
+      </dgm:t>
     </dgm:pt>
     <dgm:pt modelId="{37FB32C3-A5F1-4812-A1A1-DE1AA871D2FD}" type="pres">
       <dgm:prSet presAssocID="{F66CC7BD-674A-437D-8C62-29898B13049D}" presName="Name21" presStyleCnt="0"/>
@@ -1826,6 +1924,13 @@
     <dgm:pt modelId="{403A2617-6E68-42B4-BEB9-915729DD91B2}" type="pres">
       <dgm:prSet presAssocID="{F66CC7BD-674A-437D-8C62-29898B13049D}" presName="level2Shape" presStyleLbl="node4" presStyleIdx="1" presStyleCnt="5"/>
       <dgm:spPr/>
+      <dgm:t>
+        <a:bodyPr/>
+        <a:lstStyle/>
+        <a:p>
+          <a:endParaRPr lang="es-ES"/>
+        </a:p>
+      </dgm:t>
     </dgm:pt>
     <dgm:pt modelId="{E6CA9CB2-9465-4706-AB82-6534488FC1B5}" type="pres">
       <dgm:prSet presAssocID="{F66CC7BD-674A-437D-8C62-29898B13049D}" presName="hierChild3" presStyleCnt="0"/>
@@ -1834,6 +1939,13 @@
     <dgm:pt modelId="{86087C67-4375-477E-84D1-836C1F14C793}" type="pres">
       <dgm:prSet presAssocID="{441A3D14-7823-4933-A226-6CEE16869DD4}" presName="Name19" presStyleLbl="parChTrans1D3" presStyleIdx="2" presStyleCnt="8"/>
       <dgm:spPr/>
+      <dgm:t>
+        <a:bodyPr/>
+        <a:lstStyle/>
+        <a:p>
+          <a:endParaRPr lang="es-ES"/>
+        </a:p>
+      </dgm:t>
     </dgm:pt>
     <dgm:pt modelId="{85B79B7E-F00E-48C7-AF60-37DCF3CD811A}" type="pres">
       <dgm:prSet presAssocID="{540823D0-D4AA-438F-B805-D3CA6D4539F8}" presName="Name21" presStyleCnt="0"/>
@@ -1842,6 +1954,13 @@
     <dgm:pt modelId="{A445E83A-B1D7-4754-AB40-1BD356E2B23A}" type="pres">
       <dgm:prSet presAssocID="{540823D0-D4AA-438F-B805-D3CA6D4539F8}" presName="level2Shape" presStyleLbl="node3" presStyleIdx="2" presStyleCnt="8" custLinFactNeighborY="10785"/>
       <dgm:spPr/>
+      <dgm:t>
+        <a:bodyPr/>
+        <a:lstStyle/>
+        <a:p>
+          <a:endParaRPr lang="es-ES"/>
+        </a:p>
+      </dgm:t>
     </dgm:pt>
     <dgm:pt modelId="{B24DE3F9-9CB7-4F27-BB97-71205C9A2479}" type="pres">
       <dgm:prSet presAssocID="{540823D0-D4AA-438F-B805-D3CA6D4539F8}" presName="hierChild3" presStyleCnt="0"/>
@@ -1850,6 +1969,13 @@
     <dgm:pt modelId="{F7EDE524-7426-42F9-9EA5-E64F8887CFAA}" type="pres">
       <dgm:prSet presAssocID="{C7818523-DD8A-4226-93BE-3030326F44BF}" presName="Name19" presStyleLbl="parChTrans1D2" presStyleIdx="2" presStyleCnt="4"/>
       <dgm:spPr/>
+      <dgm:t>
+        <a:bodyPr/>
+        <a:lstStyle/>
+        <a:p>
+          <a:endParaRPr lang="es-ES"/>
+        </a:p>
+      </dgm:t>
     </dgm:pt>
     <dgm:pt modelId="{5DA55476-FD85-4BDC-BCF0-DB2BB19B160F}" type="pres">
       <dgm:prSet presAssocID="{66EE189E-5075-46F1-AF74-59651897F29C}" presName="Name21" presStyleCnt="0"/>
@@ -1858,6 +1984,13 @@
     <dgm:pt modelId="{532A0C2D-ACD5-4BE7-B893-91B3018C35E8}" type="pres">
       <dgm:prSet presAssocID="{66EE189E-5075-46F1-AF74-59651897F29C}" presName="level2Shape" presStyleLbl="node2" presStyleIdx="2" presStyleCnt="4"/>
       <dgm:spPr/>
+      <dgm:t>
+        <a:bodyPr/>
+        <a:lstStyle/>
+        <a:p>
+          <a:endParaRPr lang="es-ES"/>
+        </a:p>
+      </dgm:t>
     </dgm:pt>
     <dgm:pt modelId="{C2545C84-F611-4AA0-BF48-AF255CC892C6}" type="pres">
       <dgm:prSet presAssocID="{66EE189E-5075-46F1-AF74-59651897F29C}" presName="hierChild3" presStyleCnt="0"/>
@@ -1866,6 +1999,13 @@
     <dgm:pt modelId="{7D9DF814-EB3C-4A52-B166-0E4DD46DE296}" type="pres">
       <dgm:prSet presAssocID="{A1E0D595-9930-49C1-A7D6-ABF215D5DF74}" presName="Name19" presStyleLbl="parChTrans1D3" presStyleIdx="3" presStyleCnt="8"/>
       <dgm:spPr/>
+      <dgm:t>
+        <a:bodyPr/>
+        <a:lstStyle/>
+        <a:p>
+          <a:endParaRPr lang="es-ES"/>
+        </a:p>
+      </dgm:t>
     </dgm:pt>
     <dgm:pt modelId="{2CEE8531-70A8-468C-BBF2-59E50CD56C67}" type="pres">
       <dgm:prSet presAssocID="{C194289A-C687-45FE-8049-89294C7C2B30}" presName="Name21" presStyleCnt="0"/>
@@ -1874,6 +2014,13 @@
     <dgm:pt modelId="{7ECB5281-3BE3-458D-9668-FC45289E3411}" type="pres">
       <dgm:prSet presAssocID="{C194289A-C687-45FE-8049-89294C7C2B30}" presName="level2Shape" presStyleLbl="node3" presStyleIdx="3" presStyleCnt="8" custScaleX="4325"/>
       <dgm:spPr/>
+      <dgm:t>
+        <a:bodyPr/>
+        <a:lstStyle/>
+        <a:p>
+          <a:endParaRPr lang="es-ES"/>
+        </a:p>
+      </dgm:t>
     </dgm:pt>
     <dgm:pt modelId="{41C358C0-DB22-445C-99B0-377F9DD83D02}" type="pres">
       <dgm:prSet presAssocID="{C194289A-C687-45FE-8049-89294C7C2B30}" presName="hierChild3" presStyleCnt="0"/>
@@ -1882,6 +2029,13 @@
     <dgm:pt modelId="{6693D620-D3B4-43A1-8165-358A23FCEFAD}" type="pres">
       <dgm:prSet presAssocID="{3B12340C-4A3C-4DC8-BCCA-8F5CFA7F81A0}" presName="Name19" presStyleLbl="parChTrans1D4" presStyleIdx="2" presStyleCnt="5"/>
       <dgm:spPr/>
+      <dgm:t>
+        <a:bodyPr/>
+        <a:lstStyle/>
+        <a:p>
+          <a:endParaRPr lang="es-ES"/>
+        </a:p>
+      </dgm:t>
     </dgm:pt>
     <dgm:pt modelId="{08142567-EB1E-46C4-9246-CEF821B3E862}" type="pres">
       <dgm:prSet presAssocID="{20A85F18-8AB9-4E57-B52A-9BF4B306A9C3}" presName="Name21" presStyleCnt="0"/>
@@ -1890,6 +2044,13 @@
     <dgm:pt modelId="{21465F75-534B-4A28-8D74-771BE4C5037B}" type="pres">
       <dgm:prSet presAssocID="{20A85F18-8AB9-4E57-B52A-9BF4B306A9C3}" presName="level2Shape" presStyleLbl="node4" presStyleIdx="2" presStyleCnt="5"/>
       <dgm:spPr/>
+      <dgm:t>
+        <a:bodyPr/>
+        <a:lstStyle/>
+        <a:p>
+          <a:endParaRPr lang="es-ES"/>
+        </a:p>
+      </dgm:t>
     </dgm:pt>
     <dgm:pt modelId="{C3BA241D-0E4D-4333-A147-0E28C11C25A8}" type="pres">
       <dgm:prSet presAssocID="{20A85F18-8AB9-4E57-B52A-9BF4B306A9C3}" presName="hierChild3" presStyleCnt="0"/>
@@ -1898,6 +2059,13 @@
     <dgm:pt modelId="{E6E5601B-39F7-4D6D-B067-78B9A4C88F76}" type="pres">
       <dgm:prSet presAssocID="{77CADEB3-FE54-482D-8679-4F469A4B4A67}" presName="Name19" presStyleLbl="parChTrans1D3" presStyleIdx="4" presStyleCnt="8"/>
       <dgm:spPr/>
+      <dgm:t>
+        <a:bodyPr/>
+        <a:lstStyle/>
+        <a:p>
+          <a:endParaRPr lang="es-ES"/>
+        </a:p>
+      </dgm:t>
     </dgm:pt>
     <dgm:pt modelId="{B04A295C-90DF-4BF7-B61D-05ED6E05E355}" type="pres">
       <dgm:prSet presAssocID="{FA12C214-3A8B-4C17-8251-A885B4B6E072}" presName="Name21" presStyleCnt="0"/>
@@ -1906,6 +2074,13 @@
     <dgm:pt modelId="{E9154DCD-71BE-4D6B-9077-16D4BC71B579}" type="pres">
       <dgm:prSet presAssocID="{FA12C214-3A8B-4C17-8251-A885B4B6E072}" presName="level2Shape" presStyleLbl="node3" presStyleIdx="4" presStyleCnt="8"/>
       <dgm:spPr/>
+      <dgm:t>
+        <a:bodyPr/>
+        <a:lstStyle/>
+        <a:p>
+          <a:endParaRPr lang="es-ES"/>
+        </a:p>
+      </dgm:t>
     </dgm:pt>
     <dgm:pt modelId="{4A5187CE-49B5-4E30-A7E4-92E6662A3F4C}" type="pres">
       <dgm:prSet presAssocID="{FA12C214-3A8B-4C17-8251-A885B4B6E072}" presName="hierChild3" presStyleCnt="0"/>
@@ -1914,6 +2089,13 @@
     <dgm:pt modelId="{7F15DC38-3E35-4ED9-83CB-208CB23EA7A4}" type="pres">
       <dgm:prSet presAssocID="{A72855AD-81B2-4E1F-8F76-C9BFC49D9668}" presName="Name19" presStyleLbl="parChTrans1D3" presStyleIdx="5" presStyleCnt="8"/>
       <dgm:spPr/>
+      <dgm:t>
+        <a:bodyPr/>
+        <a:lstStyle/>
+        <a:p>
+          <a:endParaRPr lang="es-ES"/>
+        </a:p>
+      </dgm:t>
     </dgm:pt>
     <dgm:pt modelId="{C65D37BC-8B02-49EF-9F13-487314C878DF}" type="pres">
       <dgm:prSet presAssocID="{0BFEC22B-8AB5-4E37-B44F-16371DB8A2C2}" presName="Name21" presStyleCnt="0"/>
@@ -1922,6 +2104,13 @@
     <dgm:pt modelId="{F7AD1C98-5033-4CC0-A62F-4F6538B25AE3}" type="pres">
       <dgm:prSet presAssocID="{0BFEC22B-8AB5-4E37-B44F-16371DB8A2C2}" presName="level2Shape" presStyleLbl="node3" presStyleIdx="5" presStyleCnt="8"/>
       <dgm:spPr/>
+      <dgm:t>
+        <a:bodyPr/>
+        <a:lstStyle/>
+        <a:p>
+          <a:endParaRPr lang="es-ES"/>
+        </a:p>
+      </dgm:t>
     </dgm:pt>
     <dgm:pt modelId="{BB0EFE43-F219-4D1A-861D-FBDCD7B654F0}" type="pres">
       <dgm:prSet presAssocID="{0BFEC22B-8AB5-4E37-B44F-16371DB8A2C2}" presName="hierChild3" presStyleCnt="0"/>
@@ -1930,6 +2119,13 @@
     <dgm:pt modelId="{5B1BDFAD-02C6-44F1-B889-E8B7F6D74DD3}" type="pres">
       <dgm:prSet presAssocID="{17037C34-3FCA-415A-87E6-9101440E5570}" presName="Name19" presStyleLbl="parChTrans1D2" presStyleIdx="3" presStyleCnt="4"/>
       <dgm:spPr/>
+      <dgm:t>
+        <a:bodyPr/>
+        <a:lstStyle/>
+        <a:p>
+          <a:endParaRPr lang="es-ES"/>
+        </a:p>
+      </dgm:t>
     </dgm:pt>
     <dgm:pt modelId="{01B6D1A8-8C94-444F-9E80-984192C4CBB3}" type="pres">
       <dgm:prSet presAssocID="{6F1D5CA6-5F34-4F88-BF44-BEF250924727}" presName="Name21" presStyleCnt="0"/>
@@ -1938,6 +2134,13 @@
     <dgm:pt modelId="{71C29F20-975B-4341-B41B-50CEA49FE606}" type="pres">
       <dgm:prSet presAssocID="{6F1D5CA6-5F34-4F88-BF44-BEF250924727}" presName="level2Shape" presStyleLbl="node2" presStyleIdx="3" presStyleCnt="4"/>
       <dgm:spPr/>
+      <dgm:t>
+        <a:bodyPr/>
+        <a:lstStyle/>
+        <a:p>
+          <a:endParaRPr lang="es-ES"/>
+        </a:p>
+      </dgm:t>
     </dgm:pt>
     <dgm:pt modelId="{50576EB6-16F3-4FB3-8DA8-5510D9A6E531}" type="pres">
       <dgm:prSet presAssocID="{6F1D5CA6-5F34-4F88-BF44-BEF250924727}" presName="hierChild3" presStyleCnt="0"/>
@@ -1946,6 +2149,13 @@
     <dgm:pt modelId="{15A86F3B-D9E7-41FD-8AB1-37718931BB58}" type="pres">
       <dgm:prSet presAssocID="{BC758844-95DE-4CB7-BF5C-1913FC8DACE3}" presName="Name19" presStyleLbl="parChTrans1D3" presStyleIdx="6" presStyleCnt="8"/>
       <dgm:spPr/>
+      <dgm:t>
+        <a:bodyPr/>
+        <a:lstStyle/>
+        <a:p>
+          <a:endParaRPr lang="es-ES"/>
+        </a:p>
+      </dgm:t>
     </dgm:pt>
     <dgm:pt modelId="{4DCF8025-6022-453E-91DD-DB1107FB7A3D}" type="pres">
       <dgm:prSet presAssocID="{9E518E89-E95C-4ACB-844A-03740305B219}" presName="Name21" presStyleCnt="0"/>
@@ -1954,6 +2164,13 @@
     <dgm:pt modelId="{88895C10-858B-4A7B-A18D-1D602190A6DC}" type="pres">
       <dgm:prSet presAssocID="{9E518E89-E95C-4ACB-844A-03740305B219}" presName="level2Shape" presStyleLbl="node3" presStyleIdx="6" presStyleCnt="8"/>
       <dgm:spPr/>
+      <dgm:t>
+        <a:bodyPr/>
+        <a:lstStyle/>
+        <a:p>
+          <a:endParaRPr lang="es-ES"/>
+        </a:p>
+      </dgm:t>
     </dgm:pt>
     <dgm:pt modelId="{D74F9E80-937B-4BB2-947D-1B67CE841119}" type="pres">
       <dgm:prSet presAssocID="{9E518E89-E95C-4ACB-844A-03740305B219}" presName="hierChild3" presStyleCnt="0"/>
@@ -1962,6 +2179,13 @@
     <dgm:pt modelId="{531E14F9-BE8E-487D-9FBC-BD239BDE74DC}" type="pres">
       <dgm:prSet presAssocID="{062FEC7E-C2B6-4825-AEF5-A95DE82F0985}" presName="Name19" presStyleLbl="parChTrans1D4" presStyleIdx="3" presStyleCnt="5"/>
       <dgm:spPr/>
+      <dgm:t>
+        <a:bodyPr/>
+        <a:lstStyle/>
+        <a:p>
+          <a:endParaRPr lang="es-ES"/>
+        </a:p>
+      </dgm:t>
     </dgm:pt>
     <dgm:pt modelId="{ED6E231F-CD0C-42F9-A7DE-726CDDB3436F}" type="pres">
       <dgm:prSet presAssocID="{F0DF681D-458E-4B75-B5AD-7BFFC8188D2E}" presName="Name21" presStyleCnt="0"/>
@@ -1970,6 +2194,13 @@
     <dgm:pt modelId="{D452570C-AFCD-4136-A3A6-087661427F8A}" type="pres">
       <dgm:prSet presAssocID="{F0DF681D-458E-4B75-B5AD-7BFFC8188D2E}" presName="level2Shape" presStyleLbl="node4" presStyleIdx="3" presStyleCnt="5"/>
       <dgm:spPr/>
+      <dgm:t>
+        <a:bodyPr/>
+        <a:lstStyle/>
+        <a:p>
+          <a:endParaRPr lang="es-ES"/>
+        </a:p>
+      </dgm:t>
     </dgm:pt>
     <dgm:pt modelId="{D59E6A46-F6D1-4AE5-B446-983B1A0850E0}" type="pres">
       <dgm:prSet presAssocID="{F0DF681D-458E-4B75-B5AD-7BFFC8188D2E}" presName="hierChild3" presStyleCnt="0"/>
@@ -1978,6 +2209,13 @@
     <dgm:pt modelId="{85E03D00-B215-4479-AFBA-5CEB429504C9}" type="pres">
       <dgm:prSet presAssocID="{C19AA72F-C2D7-4EE9-B1BA-7ECE7C3CEF01}" presName="Name19" presStyleLbl="parChTrans1D3" presStyleIdx="7" presStyleCnt="8"/>
       <dgm:spPr/>
+      <dgm:t>
+        <a:bodyPr/>
+        <a:lstStyle/>
+        <a:p>
+          <a:endParaRPr lang="es-ES"/>
+        </a:p>
+      </dgm:t>
     </dgm:pt>
     <dgm:pt modelId="{53BFC912-34ED-40CA-9C93-8A07FACBF70C}" type="pres">
       <dgm:prSet presAssocID="{958A8FAA-E7A3-48C0-98A6-4C3A773E5590}" presName="Name21" presStyleCnt="0"/>
@@ -1986,6 +2224,13 @@
     <dgm:pt modelId="{66064A56-0EC5-47D8-BA37-8F16F1EE2F1C}" type="pres">
       <dgm:prSet presAssocID="{958A8FAA-E7A3-48C0-98A6-4C3A773E5590}" presName="level2Shape" presStyleLbl="node3" presStyleIdx="7" presStyleCnt="8" custFlipHor="0" custScaleX="5240"/>
       <dgm:spPr/>
+      <dgm:t>
+        <a:bodyPr/>
+        <a:lstStyle/>
+        <a:p>
+          <a:endParaRPr lang="es-ES"/>
+        </a:p>
+      </dgm:t>
     </dgm:pt>
     <dgm:pt modelId="{480F4877-0FEB-44BE-B4B5-8DFC6EA57DF2}" type="pres">
       <dgm:prSet presAssocID="{958A8FAA-E7A3-48C0-98A6-4C3A773E5590}" presName="hierChild3" presStyleCnt="0"/>
@@ -1994,6 +2239,13 @@
     <dgm:pt modelId="{ECB6E3E8-C365-4657-9343-AE63156F3519}" type="pres">
       <dgm:prSet presAssocID="{DFF14EEF-DE88-442F-96F5-8520D939A002}" presName="Name19" presStyleLbl="parChTrans1D4" presStyleIdx="4" presStyleCnt="5"/>
       <dgm:spPr/>
+      <dgm:t>
+        <a:bodyPr/>
+        <a:lstStyle/>
+        <a:p>
+          <a:endParaRPr lang="es-ES"/>
+        </a:p>
+      </dgm:t>
     </dgm:pt>
     <dgm:pt modelId="{2FB899E1-F33D-4074-BE68-BB45CEB71DDF}" type="pres">
       <dgm:prSet presAssocID="{26B52B06-5624-4E82-B142-B70F4DEDA5A8}" presName="Name21" presStyleCnt="0"/>
@@ -2002,6 +2254,13 @@
     <dgm:pt modelId="{1073E1FD-017C-4D04-87E7-1344708FEFFE}" type="pres">
       <dgm:prSet presAssocID="{26B52B06-5624-4E82-B142-B70F4DEDA5A8}" presName="level2Shape" presStyleLbl="node4" presStyleIdx="4" presStyleCnt="5"/>
       <dgm:spPr/>
+      <dgm:t>
+        <a:bodyPr/>
+        <a:lstStyle/>
+        <a:p>
+          <a:endParaRPr lang="es-ES"/>
+        </a:p>
+      </dgm:t>
     </dgm:pt>
     <dgm:pt modelId="{B38A26E1-7D8C-4815-A93B-633FB9A0F19D}" type="pres">
       <dgm:prSet presAssocID="{26B52B06-5624-4E82-B142-B70F4DEDA5A8}" presName="hierChild3" presStyleCnt="0"/>
@@ -2013,59 +2272,59 @@
     </dgm:pt>
   </dgm:ptLst>
   <dgm:cxnLst>
+    <dgm:cxn modelId="{205C703F-1F2B-4BBE-91DB-4AA98703A6C6}" type="presOf" srcId="{14CBFDCC-3ECF-4077-AAFC-9035D3532054}" destId="{6DFBC8DC-FB04-4552-ACB4-2C723637561B}" srcOrd="0" destOrd="0" presId="urn:microsoft.com/office/officeart/2005/8/layout/hierarchy6"/>
+    <dgm:cxn modelId="{E81DF5F5-37A0-4888-9BA0-494538CF0BB6}" type="presOf" srcId="{77CADEB3-FE54-482D-8679-4F469A4B4A67}" destId="{E6E5601B-39F7-4D6D-B067-78B9A4C88F76}" srcOrd="0" destOrd="0" presId="urn:microsoft.com/office/officeart/2005/8/layout/hierarchy6"/>
     <dgm:cxn modelId="{77D8D004-A2EB-4E11-98EE-9DECE6854379}" srcId="{958A8FAA-E7A3-48C0-98A6-4C3A773E5590}" destId="{26B52B06-5624-4E82-B142-B70F4DEDA5A8}" srcOrd="0" destOrd="0" parTransId="{DFF14EEF-DE88-442F-96F5-8520D939A002}" sibTransId="{46956D88-D793-4A84-8153-D8C8237FB384}"/>
+    <dgm:cxn modelId="{662F0A59-CA57-4CE2-A8B8-E74730432C88}" type="presOf" srcId="{A1E0D595-9930-49C1-A7D6-ABF215D5DF74}" destId="{7D9DF814-EB3C-4A52-B166-0E4DD46DE296}" srcOrd="0" destOrd="0" presId="urn:microsoft.com/office/officeart/2005/8/layout/hierarchy6"/>
+    <dgm:cxn modelId="{07BE1776-EA48-4D7E-A814-895EC8871C5B}" srcId="{6F1D5CA6-5F34-4F88-BF44-BEF250924727}" destId="{958A8FAA-E7A3-48C0-98A6-4C3A773E5590}" srcOrd="1" destOrd="0" parTransId="{C19AA72F-C2D7-4EE9-B1BA-7ECE7C3CEF01}" sibTransId="{ED185C4A-EB92-4BBA-8205-4A313A30A566}"/>
+    <dgm:cxn modelId="{0B9DE4A7-538D-400C-9BBD-957230918BC8}" type="presOf" srcId="{6F1D5CA6-5F34-4F88-BF44-BEF250924727}" destId="{71C29F20-975B-4341-B41B-50CEA49FE606}" srcOrd="0" destOrd="0" presId="urn:microsoft.com/office/officeart/2005/8/layout/hierarchy6"/>
+    <dgm:cxn modelId="{9DB55486-A002-422C-B535-E66CF2B97C80}" type="presOf" srcId="{540823D0-D4AA-438F-B805-D3CA6D4539F8}" destId="{A445E83A-B1D7-4754-AB40-1BD356E2B23A}" srcOrd="0" destOrd="0" presId="urn:microsoft.com/office/officeart/2005/8/layout/hierarchy6"/>
+    <dgm:cxn modelId="{5811BAAA-C778-4938-B9A0-254EA33A3D9B}" srcId="{63E0C32F-5CB1-4C0B-BFC5-95C3688A5952}" destId="{E116835A-3D10-450B-9413-E1B97894FFA3}" srcOrd="0" destOrd="0" parTransId="{AEF768B3-89BD-4493-B753-D5C7E3F86037}" sibTransId="{52D43CBC-A4A2-45B3-BE26-8C6C6134A79F}"/>
+    <dgm:cxn modelId="{8754D5A6-FA6C-4190-A145-9C83C339C99D}" srcId="{5CA15CE3-8396-42E1-8E7E-BD11A58851E2}" destId="{F66CC7BD-674A-437D-8C62-29898B13049D}" srcOrd="0" destOrd="0" parTransId="{27B0B7D4-9290-4FFB-8E4F-E55C7EC9F8B5}" sibTransId="{0AE695F0-1447-4B3E-9061-2D7EB833CB67}"/>
+    <dgm:cxn modelId="{4EE51E6B-647F-4094-8AC7-17EA1989F979}" type="presOf" srcId="{9E518E89-E95C-4ACB-844A-03740305B219}" destId="{88895C10-858B-4A7B-A18D-1D602190A6DC}" srcOrd="0" destOrd="0" presId="urn:microsoft.com/office/officeart/2005/8/layout/hierarchy6"/>
+    <dgm:cxn modelId="{27234CF3-F13C-46A4-A309-CAF2C76771B6}" type="presOf" srcId="{958A8FAA-E7A3-48C0-98A6-4C3A773E5590}" destId="{66064A56-0EC5-47D8-BA37-8F16F1EE2F1C}" srcOrd="0" destOrd="0" presId="urn:microsoft.com/office/officeart/2005/8/layout/hierarchy6"/>
+    <dgm:cxn modelId="{0F581FEE-607D-4847-B816-C0141EF64EED}" srcId="{5A9D0339-AA51-434F-8B6C-60F99E3633CF}" destId="{540823D0-D4AA-438F-B805-D3CA6D4539F8}" srcOrd="1" destOrd="0" parTransId="{441A3D14-7823-4933-A226-6CEE16869DD4}" sibTransId="{2DF52586-D00E-4C55-8704-4E1840133706}"/>
+    <dgm:cxn modelId="{5D7BED3C-308F-46E7-9F02-67CDF1491CA1}" type="presOf" srcId="{F0DF681D-458E-4B75-B5AD-7BFFC8188D2E}" destId="{D452570C-AFCD-4136-A3A6-087661427F8A}" srcOrd="0" destOrd="0" presId="urn:microsoft.com/office/officeart/2005/8/layout/hierarchy6"/>
+    <dgm:cxn modelId="{6E77064D-F778-4D34-BE87-8943DB3A0BEC}" srcId="{9A3D543D-1E9A-4BE5-BFBC-B65722739982}" destId="{5A9D0339-AA51-434F-8B6C-60F99E3633CF}" srcOrd="1" destOrd="0" parTransId="{5A2D30D4-EEF4-4274-A404-AB129065637F}" sibTransId="{CEC8408D-1C1F-4517-8C11-F42FD84E8BAB}"/>
+    <dgm:cxn modelId="{8DBD8D5C-080E-42D5-AE53-F26EF0C4B25D}" type="presOf" srcId="{F66CC7BD-674A-437D-8C62-29898B13049D}" destId="{403A2617-6E68-42B4-BEB9-915729DD91B2}" srcOrd="0" destOrd="0" presId="urn:microsoft.com/office/officeart/2005/8/layout/hierarchy6"/>
+    <dgm:cxn modelId="{569C8930-F8BB-4BC7-BEC6-8A4C6AF26313}" type="presOf" srcId="{5A9D0339-AA51-434F-8B6C-60F99E3633CF}" destId="{1EE97BA3-462E-4247-9C64-D91A323268AC}" srcOrd="0" destOrd="0" presId="urn:microsoft.com/office/officeart/2005/8/layout/hierarchy6"/>
+    <dgm:cxn modelId="{9B6F5641-5EC1-4662-AA22-4A30AE34EFAB}" srcId="{9A3D543D-1E9A-4BE5-BFBC-B65722739982}" destId="{6F1D5CA6-5F34-4F88-BF44-BEF250924727}" srcOrd="3" destOrd="0" parTransId="{17037C34-3FCA-415A-87E6-9101440E5570}" sibTransId="{F1A32AF2-6499-482D-92E7-26CA18A1E783}"/>
     <dgm:cxn modelId="{FC77AA06-4551-4525-9261-28001F8F0395}" type="presOf" srcId="{9A3D543D-1E9A-4BE5-BFBC-B65722739982}" destId="{9903AFBA-5A13-4349-A39D-854233A67AAB}" srcOrd="0" destOrd="0" presId="urn:microsoft.com/office/officeart/2005/8/layout/hierarchy6"/>
+    <dgm:cxn modelId="{189DD1E4-2B81-4BF3-89BB-FDFA88959959}" srcId="{C194289A-C687-45FE-8049-89294C7C2B30}" destId="{20A85F18-8AB9-4E57-B52A-9BF4B306A9C3}" srcOrd="0" destOrd="0" parTransId="{3B12340C-4A3C-4DC8-BCCA-8F5CFA7F81A0}" sibTransId="{B7E51429-AA15-40A6-AE25-DC8252353AA9}"/>
+    <dgm:cxn modelId="{F25B2F81-A6CF-43B6-949B-D8DE03316882}" type="presOf" srcId="{C19AA72F-C2D7-4EE9-B1BA-7ECE7C3CEF01}" destId="{85E03D00-B215-4479-AFBA-5CEB429504C9}" srcOrd="0" destOrd="0" presId="urn:microsoft.com/office/officeart/2005/8/layout/hierarchy6"/>
+    <dgm:cxn modelId="{1775ACB4-D98E-4C6B-BA64-A6156C422A9C}" type="presOf" srcId="{63E0C32F-5CB1-4C0B-BFC5-95C3688A5952}" destId="{9ADE6EBB-D0A9-4302-BC75-1FB70BC17255}" srcOrd="0" destOrd="0" presId="urn:microsoft.com/office/officeart/2005/8/layout/hierarchy6"/>
+    <dgm:cxn modelId="{F60FDD36-6A54-47BF-8EED-07E5DD1F04E9}" srcId="{66EE189E-5075-46F1-AF74-59651897F29C}" destId="{C194289A-C687-45FE-8049-89294C7C2B30}" srcOrd="0" destOrd="0" parTransId="{A1E0D595-9930-49C1-A7D6-ABF215D5DF74}" sibTransId="{C80CDFA2-386C-46C7-B2F7-98BAECE1CEE5}"/>
+    <dgm:cxn modelId="{5250D644-4541-49BB-AE6D-7633048CD1EF}" srcId="{6F1D5CA6-5F34-4F88-BF44-BEF250924727}" destId="{9E518E89-E95C-4ACB-844A-03740305B219}" srcOrd="0" destOrd="0" parTransId="{BC758844-95DE-4CB7-BF5C-1913FC8DACE3}" sibTransId="{4828EE8C-8752-46CA-AF7A-DF4A39243D65}"/>
+    <dgm:cxn modelId="{7E28F19B-13A0-47DD-A9ED-6FBF60F8C37C}" type="presOf" srcId="{E116835A-3D10-450B-9413-E1B97894FFA3}" destId="{03CEC701-59F7-4F6F-A2FB-6D1193C6C0E9}" srcOrd="0" destOrd="0" presId="urn:microsoft.com/office/officeart/2005/8/layout/hierarchy6"/>
+    <dgm:cxn modelId="{925CFD1C-CD56-4DC6-813F-70B1E5243183}" type="presOf" srcId="{66EE189E-5075-46F1-AF74-59651897F29C}" destId="{532A0C2D-ACD5-4BE7-B893-91B3018C35E8}" srcOrd="0" destOrd="0" presId="urn:microsoft.com/office/officeart/2005/8/layout/hierarchy6"/>
+    <dgm:cxn modelId="{8F84316C-D7CF-4E70-A84F-FC3AEF7A98DD}" srcId="{1C5F8750-0E8D-4A4F-A5C4-6A02757B2CEE}" destId="{9A3D543D-1E9A-4BE5-BFBC-B65722739982}" srcOrd="0" destOrd="0" parTransId="{9B09A68A-FA35-4BB2-B59F-0D5048C372BC}" sibTransId="{4E033150-6172-41B8-A447-633A4A116347}"/>
+    <dgm:cxn modelId="{74BEEBB6-8087-40DD-823A-CE567002062C}" type="presOf" srcId="{FC0286EA-4B69-4B09-B5C5-A002ECF296A6}" destId="{53593E82-FE48-4799-B3D5-9BF8476C7795}" srcOrd="0" destOrd="0" presId="urn:microsoft.com/office/officeart/2005/8/layout/hierarchy6"/>
+    <dgm:cxn modelId="{E2F81E9C-FEF2-41D8-879F-2194C54923C3}" type="presOf" srcId="{062FEC7E-C2B6-4825-AEF5-A95DE82F0985}" destId="{531E14F9-BE8E-487D-9FBC-BD239BDE74DC}" srcOrd="0" destOrd="0" presId="urn:microsoft.com/office/officeart/2005/8/layout/hierarchy6"/>
+    <dgm:cxn modelId="{B5F53BE2-8ED6-4519-894D-D35C5AACE93A}" type="presOf" srcId="{26B52B06-5624-4E82-B142-B70F4DEDA5A8}" destId="{1073E1FD-017C-4D04-87E7-1344708FEFFE}" srcOrd="0" destOrd="0" presId="urn:microsoft.com/office/officeart/2005/8/layout/hierarchy6"/>
+    <dgm:cxn modelId="{48045230-B8B4-462B-BF0A-EF8B7544C145}" type="presOf" srcId="{A72855AD-81B2-4E1F-8F76-C9BFC49D9668}" destId="{7F15DC38-3E35-4ED9-83CB-208CB23EA7A4}" srcOrd="0" destOrd="0" presId="urn:microsoft.com/office/officeart/2005/8/layout/hierarchy6"/>
+    <dgm:cxn modelId="{ACD92EDD-5B80-43F8-8AE7-8438CE86337A}" type="presOf" srcId="{BC758844-95DE-4CB7-BF5C-1913FC8DACE3}" destId="{15A86F3B-D9E7-41FD-8AB1-37718931BB58}" srcOrd="0" destOrd="0" presId="urn:microsoft.com/office/officeart/2005/8/layout/hierarchy6"/>
+    <dgm:cxn modelId="{5E4A92C4-FC82-499F-8060-EE9E3CB03401}" srcId="{9A3D543D-1E9A-4BE5-BFBC-B65722739982}" destId="{35DCDA67-F2A2-441C-AE5D-C1B198AC0662}" srcOrd="0" destOrd="0" parTransId="{675114A4-4D40-4091-9275-9C8175883DB4}" sibTransId="{D315B3E9-E343-4B13-8EAD-6B260F20DDCE}"/>
+    <dgm:cxn modelId="{1F547D3E-B87B-4960-AF5C-8D15A786ACAF}" type="presOf" srcId="{27B0B7D4-9290-4FFB-8E4F-E55C7EC9F8B5}" destId="{190E5C43-FF52-41EF-BC65-4C3846DF4B2F}" srcOrd="0" destOrd="0" presId="urn:microsoft.com/office/officeart/2005/8/layout/hierarchy6"/>
+    <dgm:cxn modelId="{2EDCA332-FA0E-49FA-8C8E-EB6D90DD39C4}" srcId="{35DCDA67-F2A2-441C-AE5D-C1B198AC0662}" destId="{63E0C32F-5CB1-4C0B-BFC5-95C3688A5952}" srcOrd="0" destOrd="0" parTransId="{FC0286EA-4B69-4B09-B5C5-A002ECF296A6}" sibTransId="{DDDB3BA4-5927-4112-81E0-912E28DBF488}"/>
+    <dgm:cxn modelId="{71CEC4D2-DE78-479D-BD43-05EDE136BCCD}" type="presOf" srcId="{3B12340C-4A3C-4DC8-BCCA-8F5CFA7F81A0}" destId="{6693D620-D3B4-43A1-8165-358A23FCEFAD}" srcOrd="0" destOrd="0" presId="urn:microsoft.com/office/officeart/2005/8/layout/hierarchy6"/>
+    <dgm:cxn modelId="{5330A575-C6B1-42EB-8FC0-CBFDF772777D}" type="presOf" srcId="{C194289A-C687-45FE-8049-89294C7C2B30}" destId="{7ECB5281-3BE3-458D-9668-FC45289E3411}" srcOrd="0" destOrd="0" presId="urn:microsoft.com/office/officeart/2005/8/layout/hierarchy6"/>
+    <dgm:cxn modelId="{915B9641-7D8A-4799-900D-2B8537C02E58}" srcId="{66EE189E-5075-46F1-AF74-59651897F29C}" destId="{0BFEC22B-8AB5-4E37-B44F-16371DB8A2C2}" srcOrd="2" destOrd="0" parTransId="{A72855AD-81B2-4E1F-8F76-C9BFC49D9668}" sibTransId="{5D381B9F-D38A-4BC9-AA35-A6DD8D7A0E88}"/>
+    <dgm:cxn modelId="{84E6488C-253B-438D-AAFD-33CB151FD11C}" srcId="{9A3D543D-1E9A-4BE5-BFBC-B65722739982}" destId="{66EE189E-5075-46F1-AF74-59651897F29C}" srcOrd="2" destOrd="0" parTransId="{C7818523-DD8A-4226-93BE-3030326F44BF}" sibTransId="{347A939D-BFB7-46AB-8A82-4221C36A4DC6}"/>
+    <dgm:cxn modelId="{725699EB-3058-4FB9-8B2A-41B4F916C9EB}" srcId="{66EE189E-5075-46F1-AF74-59651897F29C}" destId="{FA12C214-3A8B-4C17-8251-A885B4B6E072}" srcOrd="1" destOrd="0" parTransId="{77CADEB3-FE54-482D-8679-4F469A4B4A67}" sibTransId="{34D708C3-EA3A-45EC-B3D6-6EEEBFABC684}"/>
+    <dgm:cxn modelId="{F20877BF-0CB4-4FAF-A20F-52021D1AC4CF}" type="presOf" srcId="{DFF14EEF-DE88-442F-96F5-8520D939A002}" destId="{ECB6E3E8-C365-4657-9343-AE63156F3519}" srcOrd="0" destOrd="0" presId="urn:microsoft.com/office/officeart/2005/8/layout/hierarchy6"/>
+    <dgm:cxn modelId="{42C2BCF5-DC4D-4803-8CDB-1724D7266FF2}" type="presOf" srcId="{20A85F18-8AB9-4E57-B52A-9BF4B306A9C3}" destId="{21465F75-534B-4A28-8D74-771BE4C5037B}" srcOrd="0" destOrd="0" presId="urn:microsoft.com/office/officeart/2005/8/layout/hierarchy6"/>
+    <dgm:cxn modelId="{5358C9CD-4C9F-4E16-B72C-FFBB6D6C75B6}" type="presOf" srcId="{1C5F8750-0E8D-4A4F-A5C4-6A02757B2CEE}" destId="{C647C14C-60E2-48E5-85A4-92CF88C6F009}" srcOrd="0" destOrd="0" presId="urn:microsoft.com/office/officeart/2005/8/layout/hierarchy6"/>
+    <dgm:cxn modelId="{06A9FBF4-0355-4854-ADF0-FCEBBB8DD16E}" srcId="{9E518E89-E95C-4ACB-844A-03740305B219}" destId="{F0DF681D-458E-4B75-B5AD-7BFFC8188D2E}" srcOrd="0" destOrd="0" parTransId="{062FEC7E-C2B6-4825-AEF5-A95DE82F0985}" sibTransId="{3A0BA01E-3A25-4697-867F-F5E62715EE19}"/>
+    <dgm:cxn modelId="{33C7AFE6-8C27-4185-8CD1-C5B810CD6A6E}" type="presOf" srcId="{5CA15CE3-8396-42E1-8E7E-BD11A58851E2}" destId="{7C0EA656-1D18-4980-86E2-83309EF67A1B}" srcOrd="0" destOrd="0" presId="urn:microsoft.com/office/officeart/2005/8/layout/hierarchy6"/>
+    <dgm:cxn modelId="{4F63A585-9D94-44A3-8134-AB9FEAC94CB3}" type="presOf" srcId="{AEF768B3-89BD-4493-B753-D5C7E3F86037}" destId="{2B44D44D-9C15-4BE4-8857-6902DD216E02}" srcOrd="0" destOrd="0" presId="urn:microsoft.com/office/officeart/2005/8/layout/hierarchy6"/>
+    <dgm:cxn modelId="{F1FC97C5-4AFC-483B-8A1A-C27B2BE745B7}" type="presOf" srcId="{5A2D30D4-EEF4-4274-A404-AB129065637F}" destId="{6D500FE4-6E88-4115-B204-2A401C1E43A0}" srcOrd="0" destOrd="0" presId="urn:microsoft.com/office/officeart/2005/8/layout/hierarchy6"/>
+    <dgm:cxn modelId="{50644D6C-CE5C-45B2-A94A-446055AA3E94}" type="presOf" srcId="{17037C34-3FCA-415A-87E6-9101440E5570}" destId="{5B1BDFAD-02C6-44F1-B889-E8B7F6D74DD3}" srcOrd="0" destOrd="0" presId="urn:microsoft.com/office/officeart/2005/8/layout/hierarchy6"/>
+    <dgm:cxn modelId="{36080CC3-E829-43B7-B964-5AD80EB222C8}" type="presOf" srcId="{441A3D14-7823-4933-A226-6CEE16869DD4}" destId="{86087C67-4375-477E-84D1-836C1F14C793}" srcOrd="0" destOrd="0" presId="urn:microsoft.com/office/officeart/2005/8/layout/hierarchy6"/>
+    <dgm:cxn modelId="{79B249DC-4833-49D8-9857-9CE7EF5DF86E}" type="presOf" srcId="{675114A4-4D40-4091-9275-9C8175883DB4}" destId="{41AB122B-081A-4865-AD38-E3670CB221C3}" srcOrd="0" destOrd="0" presId="urn:microsoft.com/office/officeart/2005/8/layout/hierarchy6"/>
+    <dgm:cxn modelId="{DF7AABBE-8237-4DDD-BBFF-90A7B8F794E1}" type="presOf" srcId="{FA12C214-3A8B-4C17-8251-A885B4B6E072}" destId="{E9154DCD-71BE-4D6B-9077-16D4BC71B579}" srcOrd="0" destOrd="0" presId="urn:microsoft.com/office/officeart/2005/8/layout/hierarchy6"/>
+    <dgm:cxn modelId="{7FB98C4F-DCCA-4C59-A3BF-C3B8534B4C0E}" srcId="{5A9D0339-AA51-434F-8B6C-60F99E3633CF}" destId="{5CA15CE3-8396-42E1-8E7E-BD11A58851E2}" srcOrd="0" destOrd="0" parTransId="{14CBFDCC-3ECF-4077-AAFC-9035D3532054}" sibTransId="{4EF2F922-12E7-4FD4-81DA-E3CD0818CD32}"/>
     <dgm:cxn modelId="{0F49240D-DCAE-4441-AF35-7AEAEFD9A362}" type="presOf" srcId="{C7818523-DD8A-4226-93BE-3030326F44BF}" destId="{F7EDE524-7426-42F9-9EA5-E64F8887CFAA}" srcOrd="0" destOrd="0" presId="urn:microsoft.com/office/officeart/2005/8/layout/hierarchy6"/>
-    <dgm:cxn modelId="{925CFD1C-CD56-4DC6-813F-70B1E5243183}" type="presOf" srcId="{66EE189E-5075-46F1-AF74-59651897F29C}" destId="{532A0C2D-ACD5-4BE7-B893-91B3018C35E8}" srcOrd="0" destOrd="0" presId="urn:microsoft.com/office/officeart/2005/8/layout/hierarchy6"/>
-    <dgm:cxn modelId="{48045230-B8B4-462B-BF0A-EF8B7544C145}" type="presOf" srcId="{A72855AD-81B2-4E1F-8F76-C9BFC49D9668}" destId="{7F15DC38-3E35-4ED9-83CB-208CB23EA7A4}" srcOrd="0" destOrd="0" presId="urn:microsoft.com/office/officeart/2005/8/layout/hierarchy6"/>
-    <dgm:cxn modelId="{569C8930-F8BB-4BC7-BEC6-8A4C6AF26313}" type="presOf" srcId="{5A9D0339-AA51-434F-8B6C-60F99E3633CF}" destId="{1EE97BA3-462E-4247-9C64-D91A323268AC}" srcOrd="0" destOrd="0" presId="urn:microsoft.com/office/officeart/2005/8/layout/hierarchy6"/>
-    <dgm:cxn modelId="{2EDCA332-FA0E-49FA-8C8E-EB6D90DD39C4}" srcId="{35DCDA67-F2A2-441C-AE5D-C1B198AC0662}" destId="{63E0C32F-5CB1-4C0B-BFC5-95C3688A5952}" srcOrd="0" destOrd="0" parTransId="{FC0286EA-4B69-4B09-B5C5-A002ECF296A6}" sibTransId="{DDDB3BA4-5927-4112-81E0-912E28DBF488}"/>
-    <dgm:cxn modelId="{F60FDD36-6A54-47BF-8EED-07E5DD1F04E9}" srcId="{66EE189E-5075-46F1-AF74-59651897F29C}" destId="{C194289A-C687-45FE-8049-89294C7C2B30}" srcOrd="0" destOrd="0" parTransId="{A1E0D595-9930-49C1-A7D6-ABF215D5DF74}" sibTransId="{C80CDFA2-386C-46C7-B2F7-98BAECE1CEE5}"/>
-    <dgm:cxn modelId="{5D7BED3C-308F-46E7-9F02-67CDF1491CA1}" type="presOf" srcId="{F0DF681D-458E-4B75-B5AD-7BFFC8188D2E}" destId="{D452570C-AFCD-4136-A3A6-087661427F8A}" srcOrd="0" destOrd="0" presId="urn:microsoft.com/office/officeart/2005/8/layout/hierarchy6"/>
-    <dgm:cxn modelId="{1F547D3E-B87B-4960-AF5C-8D15A786ACAF}" type="presOf" srcId="{27B0B7D4-9290-4FFB-8E4F-E55C7EC9F8B5}" destId="{190E5C43-FF52-41EF-BC65-4C3846DF4B2F}" srcOrd="0" destOrd="0" presId="urn:microsoft.com/office/officeart/2005/8/layout/hierarchy6"/>
-    <dgm:cxn modelId="{205C703F-1F2B-4BBE-91DB-4AA98703A6C6}" type="presOf" srcId="{14CBFDCC-3ECF-4077-AAFC-9035D3532054}" destId="{6DFBC8DC-FB04-4552-ACB4-2C723637561B}" srcOrd="0" destOrd="0" presId="urn:microsoft.com/office/officeart/2005/8/layout/hierarchy6"/>
-    <dgm:cxn modelId="{8DBD8D5C-080E-42D5-AE53-F26EF0C4B25D}" type="presOf" srcId="{F66CC7BD-674A-437D-8C62-29898B13049D}" destId="{403A2617-6E68-42B4-BEB9-915729DD91B2}" srcOrd="0" destOrd="0" presId="urn:microsoft.com/office/officeart/2005/8/layout/hierarchy6"/>
-    <dgm:cxn modelId="{9B6F5641-5EC1-4662-AA22-4A30AE34EFAB}" srcId="{9A3D543D-1E9A-4BE5-BFBC-B65722739982}" destId="{6F1D5CA6-5F34-4F88-BF44-BEF250924727}" srcOrd="3" destOrd="0" parTransId="{17037C34-3FCA-415A-87E6-9101440E5570}" sibTransId="{F1A32AF2-6499-482D-92E7-26CA18A1E783}"/>
-    <dgm:cxn modelId="{915B9641-7D8A-4799-900D-2B8537C02E58}" srcId="{66EE189E-5075-46F1-AF74-59651897F29C}" destId="{0BFEC22B-8AB5-4E37-B44F-16371DB8A2C2}" srcOrd="2" destOrd="0" parTransId="{A72855AD-81B2-4E1F-8F76-C9BFC49D9668}" sibTransId="{5D381B9F-D38A-4BC9-AA35-A6DD8D7A0E88}"/>
-    <dgm:cxn modelId="{5250D644-4541-49BB-AE6D-7633048CD1EF}" srcId="{6F1D5CA6-5F34-4F88-BF44-BEF250924727}" destId="{9E518E89-E95C-4ACB-844A-03740305B219}" srcOrd="0" destOrd="0" parTransId="{BC758844-95DE-4CB7-BF5C-1913FC8DACE3}" sibTransId="{4828EE8C-8752-46CA-AF7A-DF4A39243D65}"/>
-    <dgm:cxn modelId="{4EE51E6B-647F-4094-8AC7-17EA1989F979}" type="presOf" srcId="{9E518E89-E95C-4ACB-844A-03740305B219}" destId="{88895C10-858B-4A7B-A18D-1D602190A6DC}" srcOrd="0" destOrd="0" presId="urn:microsoft.com/office/officeart/2005/8/layout/hierarchy6"/>
-    <dgm:cxn modelId="{8F84316C-D7CF-4E70-A84F-FC3AEF7A98DD}" srcId="{1C5F8750-0E8D-4A4F-A5C4-6A02757B2CEE}" destId="{9A3D543D-1E9A-4BE5-BFBC-B65722739982}" srcOrd="0" destOrd="0" parTransId="{9B09A68A-FA35-4BB2-B59F-0D5048C372BC}" sibTransId="{4E033150-6172-41B8-A447-633A4A116347}"/>
-    <dgm:cxn modelId="{50644D6C-CE5C-45B2-A94A-446055AA3E94}" type="presOf" srcId="{17037C34-3FCA-415A-87E6-9101440E5570}" destId="{5B1BDFAD-02C6-44F1-B889-E8B7F6D74DD3}" srcOrd="0" destOrd="0" presId="urn:microsoft.com/office/officeart/2005/8/layout/hierarchy6"/>
-    <dgm:cxn modelId="{6E77064D-F778-4D34-BE87-8943DB3A0BEC}" srcId="{9A3D543D-1E9A-4BE5-BFBC-B65722739982}" destId="{5A9D0339-AA51-434F-8B6C-60F99E3633CF}" srcOrd="1" destOrd="0" parTransId="{5A2D30D4-EEF4-4274-A404-AB129065637F}" sibTransId="{CEC8408D-1C1F-4517-8C11-F42FD84E8BAB}"/>
-    <dgm:cxn modelId="{7FB98C4F-DCCA-4C59-A3BF-C3B8534B4C0E}" srcId="{5A9D0339-AA51-434F-8B6C-60F99E3633CF}" destId="{5CA15CE3-8396-42E1-8E7E-BD11A58851E2}" srcOrd="0" destOrd="0" parTransId="{14CBFDCC-3ECF-4077-AAFC-9035D3532054}" sibTransId="{4EF2F922-12E7-4FD4-81DA-E3CD0818CD32}"/>
-    <dgm:cxn modelId="{5330A575-C6B1-42EB-8FC0-CBFDF772777D}" type="presOf" srcId="{C194289A-C687-45FE-8049-89294C7C2B30}" destId="{7ECB5281-3BE3-458D-9668-FC45289E3411}" srcOrd="0" destOrd="0" presId="urn:microsoft.com/office/officeart/2005/8/layout/hierarchy6"/>
-    <dgm:cxn modelId="{07BE1776-EA48-4D7E-A814-895EC8871C5B}" srcId="{6F1D5CA6-5F34-4F88-BF44-BEF250924727}" destId="{958A8FAA-E7A3-48C0-98A6-4C3A773E5590}" srcOrd="1" destOrd="0" parTransId="{C19AA72F-C2D7-4EE9-B1BA-7ECE7C3CEF01}" sibTransId="{ED185C4A-EB92-4BBA-8205-4A313A30A566}"/>
-    <dgm:cxn modelId="{662F0A59-CA57-4CE2-A8B8-E74730432C88}" type="presOf" srcId="{A1E0D595-9930-49C1-A7D6-ABF215D5DF74}" destId="{7D9DF814-EB3C-4A52-B166-0E4DD46DE296}" srcOrd="0" destOrd="0" presId="urn:microsoft.com/office/officeart/2005/8/layout/hierarchy6"/>
     <dgm:cxn modelId="{82DACA7E-BA77-45DE-A508-21AA17F6B2C9}" type="presOf" srcId="{35DCDA67-F2A2-441C-AE5D-C1B198AC0662}" destId="{0ECD015A-E51F-4E92-93F8-42CA82FE8288}" srcOrd="0" destOrd="0" presId="urn:microsoft.com/office/officeart/2005/8/layout/hierarchy6"/>
-    <dgm:cxn modelId="{F25B2F81-A6CF-43B6-949B-D8DE03316882}" type="presOf" srcId="{C19AA72F-C2D7-4EE9-B1BA-7ECE7C3CEF01}" destId="{85E03D00-B215-4479-AFBA-5CEB429504C9}" srcOrd="0" destOrd="0" presId="urn:microsoft.com/office/officeart/2005/8/layout/hierarchy6"/>
-    <dgm:cxn modelId="{4F63A585-9D94-44A3-8134-AB9FEAC94CB3}" type="presOf" srcId="{AEF768B3-89BD-4493-B753-D5C7E3F86037}" destId="{2B44D44D-9C15-4BE4-8857-6902DD216E02}" srcOrd="0" destOrd="0" presId="urn:microsoft.com/office/officeart/2005/8/layout/hierarchy6"/>
-    <dgm:cxn modelId="{9DB55486-A002-422C-B535-E66CF2B97C80}" type="presOf" srcId="{540823D0-D4AA-438F-B805-D3CA6D4539F8}" destId="{A445E83A-B1D7-4754-AB40-1BD356E2B23A}" srcOrd="0" destOrd="0" presId="urn:microsoft.com/office/officeart/2005/8/layout/hierarchy6"/>
-    <dgm:cxn modelId="{84E6488C-253B-438D-AAFD-33CB151FD11C}" srcId="{9A3D543D-1E9A-4BE5-BFBC-B65722739982}" destId="{66EE189E-5075-46F1-AF74-59651897F29C}" srcOrd="2" destOrd="0" parTransId="{C7818523-DD8A-4226-93BE-3030326F44BF}" sibTransId="{347A939D-BFB7-46AB-8A82-4221C36A4DC6}"/>
-    <dgm:cxn modelId="{7E28F19B-13A0-47DD-A9ED-6FBF60F8C37C}" type="presOf" srcId="{E116835A-3D10-450B-9413-E1B97894FFA3}" destId="{03CEC701-59F7-4F6F-A2FB-6D1193C6C0E9}" srcOrd="0" destOrd="0" presId="urn:microsoft.com/office/officeart/2005/8/layout/hierarchy6"/>
-    <dgm:cxn modelId="{E2F81E9C-FEF2-41D8-879F-2194C54923C3}" type="presOf" srcId="{062FEC7E-C2B6-4825-AEF5-A95DE82F0985}" destId="{531E14F9-BE8E-487D-9FBC-BD239BDE74DC}" srcOrd="0" destOrd="0" presId="urn:microsoft.com/office/officeart/2005/8/layout/hierarchy6"/>
-    <dgm:cxn modelId="{8754D5A6-FA6C-4190-A145-9C83C339C99D}" srcId="{5CA15CE3-8396-42E1-8E7E-BD11A58851E2}" destId="{F66CC7BD-674A-437D-8C62-29898B13049D}" srcOrd="0" destOrd="0" parTransId="{27B0B7D4-9290-4FFB-8E4F-E55C7EC9F8B5}" sibTransId="{0AE695F0-1447-4B3E-9061-2D7EB833CB67}"/>
-    <dgm:cxn modelId="{0B9DE4A7-538D-400C-9BBD-957230918BC8}" type="presOf" srcId="{6F1D5CA6-5F34-4F88-BF44-BEF250924727}" destId="{71C29F20-975B-4341-B41B-50CEA49FE606}" srcOrd="0" destOrd="0" presId="urn:microsoft.com/office/officeart/2005/8/layout/hierarchy6"/>
-    <dgm:cxn modelId="{5811BAAA-C778-4938-B9A0-254EA33A3D9B}" srcId="{63E0C32F-5CB1-4C0B-BFC5-95C3688A5952}" destId="{E116835A-3D10-450B-9413-E1B97894FFA3}" srcOrd="0" destOrd="0" parTransId="{AEF768B3-89BD-4493-B753-D5C7E3F86037}" sibTransId="{52D43CBC-A4A2-45B3-BE26-8C6C6134A79F}"/>
-    <dgm:cxn modelId="{1775ACB4-D98E-4C6B-BA64-A6156C422A9C}" type="presOf" srcId="{63E0C32F-5CB1-4C0B-BFC5-95C3688A5952}" destId="{9ADE6EBB-D0A9-4302-BC75-1FB70BC17255}" srcOrd="0" destOrd="0" presId="urn:microsoft.com/office/officeart/2005/8/layout/hierarchy6"/>
-    <dgm:cxn modelId="{74BEEBB6-8087-40DD-823A-CE567002062C}" type="presOf" srcId="{FC0286EA-4B69-4B09-B5C5-A002ECF296A6}" destId="{53593E82-FE48-4799-B3D5-9BF8476C7795}" srcOrd="0" destOrd="0" presId="urn:microsoft.com/office/officeart/2005/8/layout/hierarchy6"/>
-    <dgm:cxn modelId="{DF7AABBE-8237-4DDD-BBFF-90A7B8F794E1}" type="presOf" srcId="{FA12C214-3A8B-4C17-8251-A885B4B6E072}" destId="{E9154DCD-71BE-4D6B-9077-16D4BC71B579}" srcOrd="0" destOrd="0" presId="urn:microsoft.com/office/officeart/2005/8/layout/hierarchy6"/>
-    <dgm:cxn modelId="{F20877BF-0CB4-4FAF-A20F-52021D1AC4CF}" type="presOf" srcId="{DFF14EEF-DE88-442F-96F5-8520D939A002}" destId="{ECB6E3E8-C365-4657-9343-AE63156F3519}" srcOrd="0" destOrd="0" presId="urn:microsoft.com/office/officeart/2005/8/layout/hierarchy6"/>
-    <dgm:cxn modelId="{36080CC3-E829-43B7-B964-5AD80EB222C8}" type="presOf" srcId="{441A3D14-7823-4933-A226-6CEE16869DD4}" destId="{86087C67-4375-477E-84D1-836C1F14C793}" srcOrd="0" destOrd="0" presId="urn:microsoft.com/office/officeart/2005/8/layout/hierarchy6"/>
-    <dgm:cxn modelId="{5E4A92C4-FC82-499F-8060-EE9E3CB03401}" srcId="{9A3D543D-1E9A-4BE5-BFBC-B65722739982}" destId="{35DCDA67-F2A2-441C-AE5D-C1B198AC0662}" srcOrd="0" destOrd="0" parTransId="{675114A4-4D40-4091-9275-9C8175883DB4}" sibTransId="{D315B3E9-E343-4B13-8EAD-6B260F20DDCE}"/>
-    <dgm:cxn modelId="{F1FC97C5-4AFC-483B-8A1A-C27B2BE745B7}" type="presOf" srcId="{5A2D30D4-EEF4-4274-A404-AB129065637F}" destId="{6D500FE4-6E88-4115-B204-2A401C1E43A0}" srcOrd="0" destOrd="0" presId="urn:microsoft.com/office/officeart/2005/8/layout/hierarchy6"/>
-    <dgm:cxn modelId="{5358C9CD-4C9F-4E16-B72C-FFBB6D6C75B6}" type="presOf" srcId="{1C5F8750-0E8D-4A4F-A5C4-6A02757B2CEE}" destId="{C647C14C-60E2-48E5-85A4-92CF88C6F009}" srcOrd="0" destOrd="0" presId="urn:microsoft.com/office/officeart/2005/8/layout/hierarchy6"/>
-    <dgm:cxn modelId="{71CEC4D2-DE78-479D-BD43-05EDE136BCCD}" type="presOf" srcId="{3B12340C-4A3C-4DC8-BCCA-8F5CFA7F81A0}" destId="{6693D620-D3B4-43A1-8165-358A23FCEFAD}" srcOrd="0" destOrd="0" presId="urn:microsoft.com/office/officeart/2005/8/layout/hierarchy6"/>
-    <dgm:cxn modelId="{79B249DC-4833-49D8-9857-9CE7EF5DF86E}" type="presOf" srcId="{675114A4-4D40-4091-9275-9C8175883DB4}" destId="{41AB122B-081A-4865-AD38-E3670CB221C3}" srcOrd="0" destOrd="0" presId="urn:microsoft.com/office/officeart/2005/8/layout/hierarchy6"/>
-    <dgm:cxn modelId="{ACD92EDD-5B80-43F8-8AE7-8438CE86337A}" type="presOf" srcId="{BC758844-95DE-4CB7-BF5C-1913FC8DACE3}" destId="{15A86F3B-D9E7-41FD-8AB1-37718931BB58}" srcOrd="0" destOrd="0" presId="urn:microsoft.com/office/officeart/2005/8/layout/hierarchy6"/>
-    <dgm:cxn modelId="{B5F53BE2-8ED6-4519-894D-D35C5AACE93A}" type="presOf" srcId="{26B52B06-5624-4E82-B142-B70F4DEDA5A8}" destId="{1073E1FD-017C-4D04-87E7-1344708FEFFE}" srcOrd="0" destOrd="0" presId="urn:microsoft.com/office/officeart/2005/8/layout/hierarchy6"/>
-    <dgm:cxn modelId="{189DD1E4-2B81-4BF3-89BB-FDFA88959959}" srcId="{C194289A-C687-45FE-8049-89294C7C2B30}" destId="{20A85F18-8AB9-4E57-B52A-9BF4B306A9C3}" srcOrd="0" destOrd="0" parTransId="{3B12340C-4A3C-4DC8-BCCA-8F5CFA7F81A0}" sibTransId="{B7E51429-AA15-40A6-AE25-DC8252353AA9}"/>
-    <dgm:cxn modelId="{33C7AFE6-8C27-4185-8CD1-C5B810CD6A6E}" type="presOf" srcId="{5CA15CE3-8396-42E1-8E7E-BD11A58851E2}" destId="{7C0EA656-1D18-4980-86E2-83309EF67A1B}" srcOrd="0" destOrd="0" presId="urn:microsoft.com/office/officeart/2005/8/layout/hierarchy6"/>
-    <dgm:cxn modelId="{725699EB-3058-4FB9-8B2A-41B4F916C9EB}" srcId="{66EE189E-5075-46F1-AF74-59651897F29C}" destId="{FA12C214-3A8B-4C17-8251-A885B4B6E072}" srcOrd="1" destOrd="0" parTransId="{77CADEB3-FE54-482D-8679-4F469A4B4A67}" sibTransId="{34D708C3-EA3A-45EC-B3D6-6EEEBFABC684}"/>
-    <dgm:cxn modelId="{0F581FEE-607D-4847-B816-C0141EF64EED}" srcId="{5A9D0339-AA51-434F-8B6C-60F99E3633CF}" destId="{540823D0-D4AA-438F-B805-D3CA6D4539F8}" srcOrd="1" destOrd="0" parTransId="{441A3D14-7823-4933-A226-6CEE16869DD4}" sibTransId="{2DF52586-D00E-4C55-8704-4E1840133706}"/>
-    <dgm:cxn modelId="{27234CF3-F13C-46A4-A309-CAF2C76771B6}" type="presOf" srcId="{958A8FAA-E7A3-48C0-98A6-4C3A773E5590}" destId="{66064A56-0EC5-47D8-BA37-8F16F1EE2F1C}" srcOrd="0" destOrd="0" presId="urn:microsoft.com/office/officeart/2005/8/layout/hierarchy6"/>
-    <dgm:cxn modelId="{06A9FBF4-0355-4854-ADF0-FCEBBB8DD16E}" srcId="{9E518E89-E95C-4ACB-844A-03740305B219}" destId="{F0DF681D-458E-4B75-B5AD-7BFFC8188D2E}" srcOrd="0" destOrd="0" parTransId="{062FEC7E-C2B6-4825-AEF5-A95DE82F0985}" sibTransId="{3A0BA01E-3A25-4697-867F-F5E62715EE19}"/>
-    <dgm:cxn modelId="{42C2BCF5-DC4D-4803-8CDB-1724D7266FF2}" type="presOf" srcId="{20A85F18-8AB9-4E57-B52A-9BF4B306A9C3}" destId="{21465F75-534B-4A28-8D74-771BE4C5037B}" srcOrd="0" destOrd="0" presId="urn:microsoft.com/office/officeart/2005/8/layout/hierarchy6"/>
-    <dgm:cxn modelId="{E81DF5F5-37A0-4888-9BA0-494538CF0BB6}" type="presOf" srcId="{77CADEB3-FE54-482D-8679-4F469A4B4A67}" destId="{E6E5601B-39F7-4D6D-B067-78B9A4C88F76}" srcOrd="0" destOrd="0" presId="urn:microsoft.com/office/officeart/2005/8/layout/hierarchy6"/>
     <dgm:cxn modelId="{77B07BF6-1D5D-4DD8-84DE-CD1CF985B596}" type="presOf" srcId="{0BFEC22B-8AB5-4E37-B44F-16371DB8A2C2}" destId="{F7AD1C98-5033-4CC0-A62F-4F6538B25AE3}" srcOrd="0" destOrd="0" presId="urn:microsoft.com/office/officeart/2005/8/layout/hierarchy6"/>
     <dgm:cxn modelId="{2D64ED38-1EE4-4F7E-B3C2-A897AC7AB7FF}" type="presParOf" srcId="{C647C14C-60E2-48E5-85A4-92CF88C6F009}" destId="{7FBC73CD-6899-48F0-97D2-0FAF099D00D7}" srcOrd="0" destOrd="0" presId="urn:microsoft.com/office/officeart/2005/8/layout/hierarchy6"/>
     <dgm:cxn modelId="{740D6EF3-2D28-4ABA-B191-DA09BDBD1B77}" type="presParOf" srcId="{7FBC73CD-6899-48F0-97D2-0FAF099D00D7}" destId="{345ABD8D-1ABA-4A43-A568-C10F9BC71744}" srcOrd="0" destOrd="0" presId="urn:microsoft.com/office/officeart/2005/8/layout/hierarchy6"/>
@@ -2220,7 +2479,7 @@
         </a:bodyPr>
         <a:lstStyle/>
         <a:p>
-          <a:pPr marL="0" lvl="0" indent="0" algn="ctr" defTabSz="711200">
+          <a:pPr lvl="0" algn="ctr" defTabSz="711200">
             <a:lnSpc>
               <a:spcPct val="90000"/>
             </a:lnSpc>
@@ -2230,7 +2489,6 @@
             <a:spcAft>
               <a:spcPct val="35000"/>
             </a:spcAft>
-            <a:buNone/>
           </a:pPr>
           <a:r>
             <a:rPr lang="es-AR" sz="1600" kern="1200" dirty="0"/>
@@ -2372,7 +2630,7 @@
         </a:bodyPr>
         <a:lstStyle/>
         <a:p>
-          <a:pPr marL="0" lvl="0" indent="0" algn="ctr" defTabSz="711200">
+          <a:pPr lvl="0" algn="ctr" defTabSz="711200">
             <a:lnSpc>
               <a:spcPct val="90000"/>
             </a:lnSpc>
@@ -2382,7 +2640,6 @@
             <a:spcAft>
               <a:spcPct val="35000"/>
             </a:spcAft>
-            <a:buNone/>
           </a:pPr>
           <a:r>
             <a:rPr lang="es-AR" sz="1600" kern="1200" dirty="0"/>
@@ -2518,7 +2775,7 @@
         </a:bodyPr>
         <a:lstStyle/>
         <a:p>
-          <a:pPr marL="0" lvl="0" indent="0" algn="ctr" defTabSz="711200">
+          <a:pPr lvl="0" algn="ctr" defTabSz="711200">
             <a:lnSpc>
               <a:spcPct val="90000"/>
             </a:lnSpc>
@@ -2528,7 +2785,6 @@
             <a:spcAft>
               <a:spcPct val="35000"/>
             </a:spcAft>
-            <a:buNone/>
           </a:pPr>
           <a:r>
             <a:rPr lang="es-AR" sz="1600" kern="1200" dirty="0"/>
@@ -2664,7 +2920,7 @@
         </a:bodyPr>
         <a:lstStyle/>
         <a:p>
-          <a:pPr marL="0" lvl="0" indent="0" algn="ctr" defTabSz="711200">
+          <a:pPr lvl="0" algn="ctr" defTabSz="711200">
             <a:lnSpc>
               <a:spcPct val="90000"/>
             </a:lnSpc>
@@ -2674,7 +2930,6 @@
             <a:spcAft>
               <a:spcPct val="35000"/>
             </a:spcAft>
-            <a:buNone/>
           </a:pPr>
           <a:r>
             <a:rPr lang="es-AR" sz="1600" kern="1200" dirty="0"/>
@@ -2816,7 +3071,7 @@
         </a:bodyPr>
         <a:lstStyle/>
         <a:p>
-          <a:pPr marL="0" lvl="0" indent="0" algn="ctr" defTabSz="711200">
+          <a:pPr lvl="0" algn="ctr" defTabSz="711200">
             <a:lnSpc>
               <a:spcPct val="90000"/>
             </a:lnSpc>
@@ -2826,7 +3081,6 @@
             <a:spcAft>
               <a:spcPct val="35000"/>
             </a:spcAft>
-            <a:buNone/>
           </a:pPr>
           <a:r>
             <a:rPr lang="es-AR" sz="1600" kern="1200" dirty="0"/>
@@ -2968,7 +3222,7 @@
         </a:bodyPr>
         <a:lstStyle/>
         <a:p>
-          <a:pPr marL="0" lvl="0" indent="0" algn="ctr" defTabSz="711200">
+          <a:pPr lvl="0" algn="ctr" defTabSz="711200">
             <a:lnSpc>
               <a:spcPct val="90000"/>
             </a:lnSpc>
@@ -2978,7 +3232,6 @@
             <a:spcAft>
               <a:spcPct val="35000"/>
             </a:spcAft>
-            <a:buNone/>
           </a:pPr>
           <a:r>
             <a:rPr lang="es-AR" sz="1600" kern="1200" dirty="0"/>
@@ -3114,7 +3367,7 @@
         </a:bodyPr>
         <a:lstStyle/>
         <a:p>
-          <a:pPr marL="0" lvl="0" indent="0" algn="ctr" defTabSz="711200">
+          <a:pPr lvl="0" algn="ctr" defTabSz="711200">
             <a:lnSpc>
               <a:spcPct val="90000"/>
             </a:lnSpc>
@@ -3124,7 +3377,6 @@
             <a:spcAft>
               <a:spcPct val="35000"/>
             </a:spcAft>
-            <a:buNone/>
           </a:pPr>
           <a:r>
             <a:rPr lang="es-AR" sz="1600" kern="1200" dirty="0"/>
@@ -3266,7 +3518,7 @@
         </a:bodyPr>
         <a:lstStyle/>
         <a:p>
-          <a:pPr marL="0" lvl="0" indent="0" algn="ctr" defTabSz="711200">
+          <a:pPr lvl="0" algn="ctr" defTabSz="711200">
             <a:lnSpc>
               <a:spcPct val="90000"/>
             </a:lnSpc>
@@ -3276,7 +3528,6 @@
             <a:spcAft>
               <a:spcPct val="35000"/>
             </a:spcAft>
-            <a:buNone/>
           </a:pPr>
           <a:r>
             <a:rPr lang="es-AR" sz="1600" kern="1200" dirty="0"/>
@@ -3418,7 +3669,7 @@
         </a:bodyPr>
         <a:lstStyle/>
         <a:p>
-          <a:pPr marL="0" lvl="0" indent="0" algn="ctr" defTabSz="711200">
+          <a:pPr lvl="0" algn="ctr" defTabSz="711200">
             <a:lnSpc>
               <a:spcPct val="90000"/>
             </a:lnSpc>
@@ -3428,7 +3679,6 @@
             <a:spcAft>
               <a:spcPct val="35000"/>
             </a:spcAft>
-            <a:buNone/>
           </a:pPr>
           <a:r>
             <a:rPr lang="es-AR" sz="1600" kern="1200" dirty="0"/>
@@ -3570,7 +3820,7 @@
         </a:bodyPr>
         <a:lstStyle/>
         <a:p>
-          <a:pPr marL="0" lvl="0" indent="0" algn="ctr" defTabSz="711200">
+          <a:pPr lvl="0" algn="ctr" defTabSz="711200">
             <a:lnSpc>
               <a:spcPct val="90000"/>
             </a:lnSpc>
@@ -3580,7 +3830,6 @@
             <a:spcAft>
               <a:spcPct val="35000"/>
             </a:spcAft>
-            <a:buNone/>
           </a:pPr>
           <a:endParaRPr lang="es-AR" sz="1600" kern="1200" dirty="0"/>
         </a:p>
@@ -3713,7 +3962,7 @@
         </a:bodyPr>
         <a:lstStyle/>
         <a:p>
-          <a:pPr marL="0" lvl="0" indent="0" algn="ctr" defTabSz="711200">
+          <a:pPr lvl="0" algn="ctr" defTabSz="711200">
             <a:lnSpc>
               <a:spcPct val="90000"/>
             </a:lnSpc>
@@ -3723,7 +3972,6 @@
             <a:spcAft>
               <a:spcPct val="35000"/>
             </a:spcAft>
-            <a:buNone/>
           </a:pPr>
           <a:r>
             <a:rPr lang="es-AR" sz="1600" kern="1200" dirty="0"/>
@@ -3865,7 +4113,7 @@
         </a:bodyPr>
         <a:lstStyle/>
         <a:p>
-          <a:pPr marL="0" lvl="0" indent="0" algn="ctr" defTabSz="711200">
+          <a:pPr lvl="0" algn="ctr" defTabSz="711200">
             <a:lnSpc>
               <a:spcPct val="90000"/>
             </a:lnSpc>
@@ -3875,7 +4123,6 @@
             <a:spcAft>
               <a:spcPct val="35000"/>
             </a:spcAft>
-            <a:buNone/>
           </a:pPr>
           <a:r>
             <a:rPr lang="es-AR" sz="1600" kern="1200" dirty="0"/>
@@ -4017,7 +4264,7 @@
         </a:bodyPr>
         <a:lstStyle/>
         <a:p>
-          <a:pPr marL="0" lvl="0" indent="0" algn="ctr" defTabSz="711200">
+          <a:pPr lvl="0" algn="ctr" defTabSz="711200">
             <a:lnSpc>
               <a:spcPct val="90000"/>
             </a:lnSpc>
@@ -4027,7 +4274,6 @@
             <a:spcAft>
               <a:spcPct val="35000"/>
             </a:spcAft>
-            <a:buNone/>
           </a:pPr>
           <a:r>
             <a:rPr lang="es-AR" sz="1600" kern="1200" dirty="0"/>
@@ -4169,7 +4415,7 @@
         </a:bodyPr>
         <a:lstStyle/>
         <a:p>
-          <a:pPr marL="0" lvl="0" indent="0" algn="ctr" defTabSz="711200">
+          <a:pPr lvl="0" algn="ctr" defTabSz="711200">
             <a:lnSpc>
               <a:spcPct val="90000"/>
             </a:lnSpc>
@@ -4179,7 +4425,6 @@
             <a:spcAft>
               <a:spcPct val="35000"/>
             </a:spcAft>
-            <a:buNone/>
           </a:pPr>
           <a:r>
             <a:rPr lang="es-AR" sz="1600" kern="1200" dirty="0"/>
@@ -4321,7 +4566,7 @@
         </a:bodyPr>
         <a:lstStyle/>
         <a:p>
-          <a:pPr marL="0" lvl="0" indent="0" algn="ctr" defTabSz="711200">
+          <a:pPr lvl="0" algn="ctr" defTabSz="711200">
             <a:lnSpc>
               <a:spcPct val="90000"/>
             </a:lnSpc>
@@ -4331,7 +4576,6 @@
             <a:spcAft>
               <a:spcPct val="35000"/>
             </a:spcAft>
-            <a:buNone/>
           </a:pPr>
           <a:r>
             <a:rPr lang="es-AR" sz="1600" kern="1200" dirty="0"/>
@@ -4467,7 +4711,7 @@
         </a:bodyPr>
         <a:lstStyle/>
         <a:p>
-          <a:pPr marL="0" lvl="0" indent="0" algn="ctr" defTabSz="711200">
+          <a:pPr lvl="0" algn="ctr" defTabSz="711200">
             <a:lnSpc>
               <a:spcPct val="90000"/>
             </a:lnSpc>
@@ -4477,7 +4721,6 @@
             <a:spcAft>
               <a:spcPct val="35000"/>
             </a:spcAft>
-            <a:buNone/>
           </a:pPr>
           <a:r>
             <a:rPr lang="es-AR" sz="1600" kern="1200" dirty="0"/>
@@ -4619,7 +4862,7 @@
         </a:bodyPr>
         <a:lstStyle/>
         <a:p>
-          <a:pPr marL="0" lvl="0" indent="0" algn="ctr" defTabSz="711200">
+          <a:pPr lvl="0" algn="ctr" defTabSz="711200">
             <a:lnSpc>
               <a:spcPct val="90000"/>
             </a:lnSpc>
@@ -4629,7 +4872,6 @@
             <a:spcAft>
               <a:spcPct val="35000"/>
             </a:spcAft>
-            <a:buNone/>
           </a:pPr>
           <a:endParaRPr lang="es-AR" sz="1600" kern="1200" dirty="0"/>
         </a:p>
@@ -4762,7 +5004,7 @@
         </a:bodyPr>
         <a:lstStyle/>
         <a:p>
-          <a:pPr marL="0" lvl="0" indent="0" algn="ctr" defTabSz="711200">
+          <a:pPr lvl="0" algn="ctr" defTabSz="711200">
             <a:lnSpc>
               <a:spcPct val="90000"/>
             </a:lnSpc>
@@ -4772,7 +5014,6 @@
             <a:spcAft>
               <a:spcPct val="35000"/>
             </a:spcAft>
-            <a:buNone/>
           </a:pPr>
           <a:r>
             <a:rPr lang="es-AR" sz="1600" kern="1200" dirty="0"/>
@@ -14251,8 +14492,13 @@
             <a:pPr algn="l"/>
             <a:r>
               <a:rPr lang="es-AR" dirty="0"/>
-              <a:t> Fernández Lucero - </a:t>
-            </a:r>
+              <a:t> Fernández Lucero </a:t>
+            </a:r>
+            <a:r>
+              <a:rPr lang="es-AR" dirty="0" smtClean="0"/>
+              <a:t>- 57485 </a:t>
+            </a:r>
+            <a:endParaRPr lang="es-AR" dirty="0"/>
           </a:p>
           <a:p>
             <a:pPr algn="l"/>
@@ -14267,6 +14513,11 @@
               <a:rPr lang="es-AR" dirty="0"/>
               <a:t>Vijande Ezequiel - </a:t>
             </a:r>
+            <a:r>
+              <a:rPr lang="es-AR" dirty="0" smtClean="0"/>
+              <a:t>58057</a:t>
+            </a:r>
+            <a:endParaRPr lang="es-AR" dirty="0"/>
           </a:p>
           <a:p>
             <a:pPr algn="l"/>
@@ -14312,6 +14563,270 @@
           <p:cNvPr id="2" name="Título 1">
             <a:extLst>
               <a:ext uri="{FF2B5EF4-FFF2-40B4-BE49-F238E27FC236}">
+                <a16:creationId xmlns:a16="http://schemas.microsoft.com/office/drawing/2014/main" id="{3F20709D-0300-4B42-A52F-125BFA015466}"/>
+              </a:ext>
+            </a:extLst>
+          </p:cNvPr>
+          <p:cNvSpPr>
+            <a:spLocks noGrp="1"/>
+          </p:cNvSpPr>
+          <p:nvPr>
+            <p:ph type="title"/>
+          </p:nvPr>
+        </p:nvSpPr>
+        <p:spPr/>
+        <p:txBody>
+          <a:bodyPr/>
+          <a:lstStyle/>
+          <a:p>
+            <a:r>
+              <a:rPr lang="es-AR" dirty="0"/>
+              <a:t>Lector de banda magnética</a:t>
+            </a:r>
+          </a:p>
+        </p:txBody>
+      </p:sp>
+      <p:sp>
+        <p:nvSpPr>
+          <p:cNvPr id="3" name="CuadroTexto 2">
+            <a:extLst>
+              <a:ext uri="{FF2B5EF4-FFF2-40B4-BE49-F238E27FC236}">
+                <a16:creationId xmlns:a16="http://schemas.microsoft.com/office/drawing/2014/main" id="{06122CE4-8D87-4F1D-B88E-98C5F2F84CA3}"/>
+              </a:ext>
+            </a:extLst>
+          </p:cNvPr>
+          <p:cNvSpPr txBox="1"/>
+          <p:nvPr/>
+        </p:nvSpPr>
+        <p:spPr>
+          <a:xfrm>
+            <a:off x="521294" y="2199860"/>
+            <a:ext cx="11149412" cy="4185761"/>
+          </a:xfrm>
+          <a:prstGeom prst="rect">
+            <a:avLst/>
+          </a:prstGeom>
+          <a:noFill/>
+        </p:spPr>
+        <p:txBody>
+          <a:bodyPr wrap="square" rtlCol="0">
+            <a:spAutoFit/>
+          </a:bodyPr>
+          <a:lstStyle/>
+          <a:p>
+            <a:r>
+              <a:rPr lang="es-AR" sz="3200" dirty="0"/>
+              <a:t>Interrupciones del MCU:</a:t>
+            </a:r>
+          </a:p>
+          <a:p>
+            <a:r>
+              <a:rPr lang="es-AR" sz="2400" dirty="0"/>
+              <a:t>Enable – flanco ascendente: Se habilita clock, se comienza lectura.</a:t>
+            </a:r>
+          </a:p>
+          <a:p>
+            <a:r>
+              <a:rPr lang="es-AR" sz="2400" dirty="0"/>
+              <a:t>(x useg de duración)</a:t>
+            </a:r>
+          </a:p>
+          <a:p>
+            <a:endParaRPr lang="es-AR" sz="2400" dirty="0"/>
+          </a:p>
+          <a:p>
+            <a:r>
+              <a:rPr lang="es-AR" sz="2400" dirty="0"/>
+              <a:t>Clock – flanco descendente: Se lee pin de datos y se guardan en un buffer.</a:t>
+            </a:r>
+          </a:p>
+          <a:p>
+            <a:r>
+              <a:rPr lang="es-AR" sz="2400" dirty="0"/>
+              <a:t>(x useg de duración)</a:t>
+            </a:r>
+          </a:p>
+          <a:p>
+            <a:endParaRPr lang="es-AR" sz="2400" dirty="0"/>
+          </a:p>
+          <a:p>
+            <a:r>
+              <a:rPr lang="es-AR" sz="2400" dirty="0"/>
+              <a:t>Enable – flanco descendente: Se deshabilita clock, finaliza lectura, se genera un evento (lectureEvent).</a:t>
+            </a:r>
+          </a:p>
+          <a:p>
+            <a:r>
+              <a:rPr lang="es-AR" sz="2400" dirty="0"/>
+              <a:t>(x useg de duración)</a:t>
+            </a:r>
+          </a:p>
+          <a:p>
+            <a:endParaRPr lang="es-AR" dirty="0"/>
+          </a:p>
+        </p:txBody>
+      </p:sp>
+    </p:spTree>
+    <p:extLst>
+      <p:ext uri="{BB962C8B-B14F-4D97-AF65-F5344CB8AC3E}">
+        <p14:creationId xmlns:p14="http://schemas.microsoft.com/office/powerpoint/2010/main" val="492572831"/>
+      </p:ext>
+    </p:extLst>
+  </p:cSld>
+  <p:clrMapOvr>
+    <a:masterClrMapping/>
+  </p:clrMapOvr>
+</p:sld>
+</file>
+
+<file path=ppt/slides/slide11.xml><?xml version="1.0" encoding="utf-8"?>
+<p:sld xmlns:a="http://schemas.openxmlformats.org/drawingml/2006/main" xmlns:r="http://schemas.openxmlformats.org/officeDocument/2006/relationships" xmlns:p="http://schemas.openxmlformats.org/presentationml/2006/main">
+  <p:cSld>
+    <p:spTree>
+      <p:nvGrpSpPr>
+        <p:cNvPr id="1" name=""/>
+        <p:cNvGrpSpPr/>
+        <p:nvPr/>
+      </p:nvGrpSpPr>
+      <p:grpSpPr>
+        <a:xfrm>
+          <a:off x="0" y="0"/>
+          <a:ext cx="0" cy="0"/>
+          <a:chOff x="0" y="0"/>
+          <a:chExt cx="0" cy="0"/>
+        </a:xfrm>
+      </p:grpSpPr>
+      <p:sp>
+        <p:nvSpPr>
+          <p:cNvPr id="2" name="Título 1">
+            <a:extLst>
+              <a:ext uri="{FF2B5EF4-FFF2-40B4-BE49-F238E27FC236}">
+                <a16:creationId xmlns:a16="http://schemas.microsoft.com/office/drawing/2014/main" id="{FA540032-3C3F-44CF-B0F2-6BA666FE84E9}"/>
+              </a:ext>
+            </a:extLst>
+          </p:cNvPr>
+          <p:cNvSpPr>
+            <a:spLocks noGrp="1"/>
+          </p:cNvSpPr>
+          <p:nvPr>
+            <p:ph type="title"/>
+          </p:nvPr>
+        </p:nvSpPr>
+        <p:spPr/>
+        <p:txBody>
+          <a:bodyPr/>
+          <a:lstStyle/>
+          <a:p>
+            <a:r>
+              <a:rPr lang="es-AR" dirty="0"/>
+              <a:t>Lectura de banda magnética</a:t>
+            </a:r>
+          </a:p>
+        </p:txBody>
+      </p:sp>
+      <p:sp>
+        <p:nvSpPr>
+          <p:cNvPr id="3" name="CuadroTexto 2">
+            <a:extLst>
+              <a:ext uri="{FF2B5EF4-FFF2-40B4-BE49-F238E27FC236}">
+                <a16:creationId xmlns:a16="http://schemas.microsoft.com/office/drawing/2014/main" id="{633E9794-5113-453A-AFC1-6806F2A76A5A}"/>
+              </a:ext>
+            </a:extLst>
+          </p:cNvPr>
+          <p:cNvSpPr txBox="1"/>
+          <p:nvPr/>
+        </p:nvSpPr>
+        <p:spPr>
+          <a:xfrm>
+            <a:off x="530087" y="2319130"/>
+            <a:ext cx="10866783" cy="3908762"/>
+          </a:xfrm>
+          <a:prstGeom prst="rect">
+            <a:avLst/>
+          </a:prstGeom>
+          <a:noFill/>
+        </p:spPr>
+        <p:txBody>
+          <a:bodyPr wrap="square" rtlCol="0">
+            <a:spAutoFit/>
+          </a:bodyPr>
+          <a:lstStyle/>
+          <a:p>
+            <a:r>
+              <a:rPr lang="es-AR" sz="3200" dirty="0"/>
+              <a:t>Manejo de evento de lectura:</a:t>
+            </a:r>
+          </a:p>
+          <a:p>
+            <a:r>
+              <a:rPr lang="es-AR" sz="2400" dirty="0"/>
+              <a:t>Ante la generación de este tipo de evento, se guarda el mismo en una cola.</a:t>
+            </a:r>
+          </a:p>
+          <a:p>
+            <a:endParaRPr lang="es-AR" sz="2400" dirty="0"/>
+          </a:p>
+          <a:p>
+            <a:r>
+              <a:rPr lang="es-AR" sz="2400" dirty="0"/>
+              <a:t>Una “APP” puede indicar que se extraiga un evento de la cola</a:t>
+            </a:r>
+          </a:p>
+          <a:p>
+            <a:endParaRPr lang="es-AR" sz="2400" dirty="0"/>
+          </a:p>
+          <a:p>
+            <a:r>
+              <a:rPr lang="es-AR" sz="2400" dirty="0"/>
+              <a:t>Al extraer el evento de la cola (cuyo contenido es una serie de 1s o 0s), este es decodificado según los estándares especificados de tarjetas magnéticas</a:t>
+            </a:r>
+          </a:p>
+          <a:p>
+            <a:endParaRPr lang="es-AR" sz="2400" dirty="0"/>
+          </a:p>
+          <a:p>
+            <a:r>
+              <a:rPr lang="es-AR" sz="2400" dirty="0"/>
+              <a:t>Finalmente, la APP tiene a su disposición una PALABRA decodificada (y separada en campos según el standard) , y la validez de esta palabra.</a:t>
+            </a:r>
+          </a:p>
+        </p:txBody>
+      </p:sp>
+    </p:spTree>
+    <p:extLst>
+      <p:ext uri="{BB962C8B-B14F-4D97-AF65-F5344CB8AC3E}">
+        <p14:creationId xmlns:p14="http://schemas.microsoft.com/office/powerpoint/2010/main" val="1530338545"/>
+      </p:ext>
+    </p:extLst>
+  </p:cSld>
+  <p:clrMapOvr>
+    <a:masterClrMapping/>
+  </p:clrMapOvr>
+</p:sld>
+</file>
+
+<file path=ppt/slides/slide12.xml><?xml version="1.0" encoding="utf-8"?>
+<p:sld xmlns:a="http://schemas.openxmlformats.org/drawingml/2006/main" xmlns:r="http://schemas.openxmlformats.org/officeDocument/2006/relationships" xmlns:p="http://schemas.openxmlformats.org/presentationml/2006/main">
+  <p:cSld>
+    <p:spTree>
+      <p:nvGrpSpPr>
+        <p:cNvPr id="1" name=""/>
+        <p:cNvGrpSpPr/>
+        <p:nvPr/>
+      </p:nvGrpSpPr>
+      <p:grpSpPr>
+        <a:xfrm>
+          <a:off x="0" y="0"/>
+          <a:ext cx="0" cy="0"/>
+          <a:chOff x="0" y="0"/>
+          <a:chExt cx="0" cy="0"/>
+        </a:xfrm>
+      </p:grpSpPr>
+      <p:sp>
+        <p:nvSpPr>
+          <p:cNvPr id="2" name="Título 1">
+            <a:extLst>
+              <a:ext uri="{FF2B5EF4-FFF2-40B4-BE49-F238E27FC236}">
                 <a16:creationId xmlns:a16="http://schemas.microsoft.com/office/drawing/2014/main" id="{31B5D5F5-0C93-4318-9806-DB700321A128}"/>
               </a:ext>
             </a:extLst>
@@ -14413,7 +14928,7 @@
 </p:sld>
 </file>
 
-<file path=ppt/slides/slide11.xml><?xml version="1.0" encoding="utf-8"?>
+<file path=ppt/slides/slide13.xml><?xml version="1.0" encoding="utf-8"?>
 <p:sld xmlns:a="http://schemas.openxmlformats.org/drawingml/2006/main" xmlns:r="http://schemas.openxmlformats.org/officeDocument/2006/relationships" xmlns:p="http://schemas.openxmlformats.org/presentationml/2006/main">
   <p:cSld>
     <p:spTree>
@@ -14530,7 +15045,7 @@
 </p:sld>
 </file>
 
-<file path=ppt/slides/slide12.xml><?xml version="1.0" encoding="utf-8"?>
+<file path=ppt/slides/slide14.xml><?xml version="1.0" encoding="utf-8"?>
 <p:sld xmlns:a="http://schemas.openxmlformats.org/drawingml/2006/main" xmlns:r="http://schemas.openxmlformats.org/officeDocument/2006/relationships" xmlns:p="http://schemas.openxmlformats.org/presentationml/2006/main">
   <p:cSld>
     <p:spTree>
@@ -14807,6 +15322,290 @@
           </a:p>
         </p:txBody>
       </p:sp>
+      <p:sp>
+        <p:nvSpPr>
+          <p:cNvPr id="3" name="CuadroTexto 2"/>
+          <p:cNvSpPr txBox="1"/>
+          <p:nvPr/>
+        </p:nvSpPr>
+        <p:spPr>
+          <a:xfrm>
+            <a:off x="117567" y="2364773"/>
+            <a:ext cx="5943976" cy="3970318"/>
+          </a:xfrm>
+          <a:prstGeom prst="rect">
+            <a:avLst/>
+          </a:prstGeom>
+          <a:noFill/>
+        </p:spPr>
+        <p:txBody>
+          <a:bodyPr wrap="square" rtlCol="0">
+            <a:spAutoFit/>
+          </a:bodyPr>
+          <a:lstStyle/>
+          <a:p>
+            <a:r>
+              <a:rPr lang="en-CA" dirty="0" smtClean="0"/>
+              <a:t>Para la </a:t>
+            </a:r>
+            <a:r>
+              <a:rPr lang="en-CA" dirty="0" err="1" smtClean="0"/>
+              <a:t>realizacion</a:t>
+            </a:r>
+            <a:r>
+              <a:rPr lang="en-CA" dirty="0" smtClean="0"/>
+              <a:t> del display se </a:t>
+            </a:r>
+            <a:r>
+              <a:rPr lang="en-CA" dirty="0" err="1" smtClean="0"/>
+              <a:t>utilizaron</a:t>
+            </a:r>
+            <a:r>
+              <a:rPr lang="en-CA" dirty="0" smtClean="0"/>
+              <a:t> 3 </a:t>
+            </a:r>
+            <a:r>
+              <a:rPr lang="en-CA" dirty="0" err="1" smtClean="0"/>
+              <a:t>modulos</a:t>
+            </a:r>
+            <a:r>
+              <a:rPr lang="en-CA" dirty="0" smtClean="0"/>
+              <a:t>.</a:t>
+            </a:r>
+          </a:p>
+          <a:p>
+            <a:endParaRPr lang="en-CA" dirty="0"/>
+          </a:p>
+          <a:p>
+            <a:endParaRPr lang="en-CA" dirty="0" smtClean="0"/>
+          </a:p>
+          <a:p>
+            <a:pPr marL="285750" indent="-285750">
+              <a:buFont typeface="Arial" panose="020B0604020202020204" pitchFamily="34" charset="0"/>
+              <a:buChar char="•"/>
+            </a:pPr>
+            <a:r>
+              <a:rPr lang="en-CA" dirty="0" smtClean="0"/>
+              <a:t>El modulo display se </a:t>
+            </a:r>
+            <a:r>
+              <a:rPr lang="en-CA" dirty="0" err="1" smtClean="0"/>
+              <a:t>ocupa</a:t>
+            </a:r>
+            <a:r>
+              <a:rPr lang="en-CA" dirty="0" smtClean="0"/>
+              <a:t> de </a:t>
+            </a:r>
+            <a:r>
+              <a:rPr lang="en-CA" dirty="0" err="1" smtClean="0"/>
+              <a:t>imprimir</a:t>
+            </a:r>
+            <a:r>
+              <a:rPr lang="en-CA" dirty="0" smtClean="0"/>
+              <a:t> </a:t>
+            </a:r>
+            <a:r>
+              <a:rPr lang="en-CA" dirty="0" err="1" smtClean="0"/>
+              <a:t>mensajes</a:t>
+            </a:r>
+            <a:endParaRPr lang="en-CA" dirty="0" smtClean="0"/>
+          </a:p>
+          <a:p>
+            <a:r>
+              <a:rPr lang="en-CA" dirty="0" smtClean="0"/>
+              <a:t>Sin importer el hardware </a:t>
+            </a:r>
+            <a:r>
+              <a:rPr lang="en-CA" dirty="0" err="1" smtClean="0"/>
+              <a:t>utilzado</a:t>
+            </a:r>
+            <a:r>
+              <a:rPr lang="en-CA" dirty="0" smtClean="0"/>
+              <a:t>.</a:t>
+            </a:r>
+          </a:p>
+          <a:p>
+            <a:endParaRPr lang="en-CA" dirty="0"/>
+          </a:p>
+          <a:p>
+            <a:endParaRPr lang="en-CA" dirty="0" smtClean="0"/>
+          </a:p>
+          <a:p>
+            <a:pPr marL="285750" indent="-285750">
+              <a:buFont typeface="Arial" panose="020B0604020202020204" pitchFamily="34" charset="0"/>
+              <a:buChar char="•"/>
+            </a:pPr>
+            <a:r>
+              <a:rPr lang="en-CA" dirty="0" smtClean="0"/>
+              <a:t>El modulo </a:t>
+            </a:r>
+            <a:r>
+              <a:rPr lang="en-CA" dirty="0" err="1" smtClean="0"/>
+              <a:t>SegmentDisplay</a:t>
+            </a:r>
+            <a:r>
+              <a:rPr lang="en-CA" dirty="0" smtClean="0"/>
+              <a:t> </a:t>
+            </a:r>
+            <a:r>
+              <a:rPr lang="en-CA" dirty="0" err="1" smtClean="0"/>
+              <a:t>funciona</a:t>
+            </a:r>
+            <a:r>
+              <a:rPr lang="en-CA" dirty="0" smtClean="0"/>
+              <a:t> </a:t>
+            </a:r>
+            <a:r>
+              <a:rPr lang="en-CA" dirty="0" err="1" smtClean="0"/>
+              <a:t>como</a:t>
+            </a:r>
+            <a:r>
+              <a:rPr lang="en-CA" dirty="0" smtClean="0"/>
+              <a:t> driver que </a:t>
+            </a:r>
+            <a:r>
+              <a:rPr lang="en-CA" dirty="0" err="1" smtClean="0"/>
+              <a:t>maneja</a:t>
+            </a:r>
+            <a:r>
+              <a:rPr lang="en-CA" dirty="0" smtClean="0"/>
+              <a:t> el display de 7 </a:t>
+            </a:r>
+            <a:r>
+              <a:rPr lang="en-CA" dirty="0" err="1" smtClean="0"/>
+              <a:t>segmentos</a:t>
+            </a:r>
+            <a:r>
+              <a:rPr lang="en-CA" dirty="0" smtClean="0"/>
+              <a:t>  de la </a:t>
+            </a:r>
+            <a:r>
+              <a:rPr lang="en-CA" dirty="0" err="1" smtClean="0"/>
+              <a:t>placa</a:t>
+            </a:r>
+            <a:r>
+              <a:rPr lang="en-CA" dirty="0" smtClean="0"/>
+              <a:t> </a:t>
+            </a:r>
+            <a:r>
+              <a:rPr lang="en-CA" dirty="0" err="1" smtClean="0"/>
+              <a:t>utilizada</a:t>
+            </a:r>
+            <a:r>
+              <a:rPr lang="en-CA" dirty="0" smtClean="0"/>
+              <a:t>.</a:t>
+            </a:r>
+          </a:p>
+          <a:p>
+            <a:endParaRPr lang="en-CA" dirty="0"/>
+          </a:p>
+          <a:p>
+            <a:pPr marL="285750" indent="-285750">
+              <a:buFont typeface="Arial" panose="020B0604020202020204" pitchFamily="34" charset="0"/>
+              <a:buChar char="•"/>
+            </a:pPr>
+            <a:r>
+              <a:rPr lang="en-CA" dirty="0" smtClean="0"/>
+              <a:t>El modulo de Timer se </a:t>
+            </a:r>
+            <a:r>
+              <a:rPr lang="en-CA" dirty="0" err="1" smtClean="0"/>
+              <a:t>utiliza</a:t>
+            </a:r>
+            <a:r>
+              <a:rPr lang="en-CA" dirty="0" smtClean="0"/>
+              <a:t> para </a:t>
+            </a:r>
+            <a:r>
+              <a:rPr lang="en-CA" dirty="0" err="1" smtClean="0"/>
+              <a:t>settear</a:t>
+            </a:r>
+            <a:r>
+              <a:rPr lang="en-CA" dirty="0" smtClean="0"/>
+              <a:t> timers que </a:t>
+            </a:r>
+            <a:r>
+              <a:rPr lang="en-CA" dirty="0" err="1" smtClean="0"/>
+              <a:t>indican</a:t>
+            </a:r>
+            <a:r>
+              <a:rPr lang="en-CA" dirty="0" smtClean="0"/>
+              <a:t> el </a:t>
+            </a:r>
+            <a:r>
+              <a:rPr lang="en-CA" dirty="0" err="1" smtClean="0"/>
+              <a:t>refresco</a:t>
+            </a:r>
+            <a:r>
+              <a:rPr lang="en-CA" dirty="0" smtClean="0"/>
+              <a:t> de la </a:t>
+            </a:r>
+            <a:r>
+              <a:rPr lang="en-CA" dirty="0" err="1" smtClean="0"/>
+              <a:t>imagen</a:t>
+            </a:r>
+            <a:r>
+              <a:rPr lang="en-CA" dirty="0" smtClean="0"/>
+              <a:t> del display, el </a:t>
+            </a:r>
+            <a:r>
+              <a:rPr lang="en-CA" dirty="0" err="1" smtClean="0"/>
+              <a:t>brillo</a:t>
+            </a:r>
+            <a:r>
+              <a:rPr lang="en-CA" dirty="0" smtClean="0"/>
+              <a:t> y el </a:t>
+            </a:r>
+            <a:r>
+              <a:rPr lang="en-CA" dirty="0" err="1" smtClean="0"/>
+              <a:t>movimiento</a:t>
+            </a:r>
+            <a:r>
+              <a:rPr lang="en-CA" dirty="0" smtClean="0"/>
+              <a:t> del </a:t>
+            </a:r>
+            <a:r>
+              <a:rPr lang="en-CA" dirty="0" err="1" smtClean="0"/>
+              <a:t>mensaje</a:t>
+            </a:r>
+            <a:r>
+              <a:rPr lang="en-CA" dirty="0" smtClean="0"/>
+              <a:t>.</a:t>
+            </a:r>
+            <a:endParaRPr lang="en-US" dirty="0"/>
+          </a:p>
+        </p:txBody>
+      </p:sp>
+      <p:pic>
+        <p:nvPicPr>
+          <p:cNvPr id="5" name="Imagen 4"/>
+          <p:cNvPicPr>
+            <a:picLocks noChangeAspect="1"/>
+          </p:cNvPicPr>
+          <p:nvPr/>
+        </p:nvPicPr>
+        <p:blipFill>
+          <a:blip r:embed="rId2">
+            <a:extLst>
+              <a:ext uri="{28A0092B-C50C-407E-A947-70E740481C1C}">
+                <a14:useLocalDpi xmlns:a14="http://schemas.microsoft.com/office/drawing/2010/main" val="0"/>
+              </a:ext>
+            </a:extLst>
+          </a:blip>
+          <a:stretch>
+            <a:fillRect/>
+          </a:stretch>
+        </p:blipFill>
+        <p:spPr>
+          <a:xfrm>
+            <a:off x="6061543" y="2364773"/>
+            <a:ext cx="5839389" cy="4114405"/>
+          </a:xfrm>
+          <a:prstGeom prst="rect">
+            <a:avLst/>
+          </a:prstGeom>
+        </p:spPr>
+      </p:pic>
     </p:spTree>
     <p:extLst>
       <p:ext uri="{BB962C8B-B14F-4D97-AF65-F5344CB8AC3E}">
@@ -14821,6 +15620,369 @@
 </file>
 
 <file path=ppt/slides/slide6.xml><?xml version="1.0" encoding="utf-8"?>
+<p:sld xmlns:a="http://schemas.openxmlformats.org/drawingml/2006/main" xmlns:r="http://schemas.openxmlformats.org/officeDocument/2006/relationships" xmlns:p="http://schemas.openxmlformats.org/presentationml/2006/main">
+  <p:cSld>
+    <p:spTree>
+      <p:nvGrpSpPr>
+        <p:cNvPr id="1" name=""/>
+        <p:cNvGrpSpPr/>
+        <p:nvPr/>
+      </p:nvGrpSpPr>
+      <p:grpSpPr>
+        <a:xfrm>
+          <a:off x="0" y="0"/>
+          <a:ext cx="0" cy="0"/>
+          <a:chOff x="0" y="0"/>
+          <a:chExt cx="0" cy="0"/>
+        </a:xfrm>
+      </p:grpSpPr>
+      <p:sp>
+        <p:nvSpPr>
+          <p:cNvPr id="2" name="Título 1"/>
+          <p:cNvSpPr>
+            <a:spLocks noGrp="1"/>
+          </p:cNvSpPr>
+          <p:nvPr>
+            <p:ph type="title"/>
+          </p:nvPr>
+        </p:nvSpPr>
+        <p:spPr/>
+        <p:txBody>
+          <a:bodyPr/>
+          <a:lstStyle/>
+          <a:p>
+            <a:r>
+              <a:rPr lang="en-CA" dirty="0" smtClean="0"/>
+              <a:t>Display</a:t>
+            </a:r>
+            <a:endParaRPr lang="en-US" dirty="0"/>
+          </a:p>
+        </p:txBody>
+      </p:sp>
+      <p:pic>
+        <p:nvPicPr>
+          <p:cNvPr id="3" name="Imagen 2"/>
+          <p:cNvPicPr>
+            <a:picLocks noChangeAspect="1"/>
+          </p:cNvPicPr>
+          <p:nvPr/>
+        </p:nvPicPr>
+        <p:blipFill>
+          <a:blip r:embed="rId2">
+            <a:extLst>
+              <a:ext uri="{28A0092B-C50C-407E-A947-70E740481C1C}">
+                <a14:useLocalDpi xmlns:a14="http://schemas.microsoft.com/office/drawing/2010/main" val="0"/>
+              </a:ext>
+            </a:extLst>
+          </a:blip>
+          <a:stretch>
+            <a:fillRect/>
+          </a:stretch>
+        </p:blipFill>
+        <p:spPr>
+          <a:xfrm>
+            <a:off x="331932" y="2246811"/>
+            <a:ext cx="11234249" cy="4075611"/>
+          </a:xfrm>
+          <a:prstGeom prst="rect">
+            <a:avLst/>
+          </a:prstGeom>
+        </p:spPr>
+      </p:pic>
+    </p:spTree>
+    <p:extLst>
+      <p:ext uri="{BB962C8B-B14F-4D97-AF65-F5344CB8AC3E}">
+        <p14:creationId xmlns:p14="http://schemas.microsoft.com/office/powerpoint/2010/main" val="1149102232"/>
+      </p:ext>
+    </p:extLst>
+  </p:cSld>
+  <p:clrMapOvr>
+    <a:masterClrMapping/>
+  </p:clrMapOvr>
+</p:sld>
+</file>
+
+<file path=ppt/slides/slide7.xml><?xml version="1.0" encoding="utf-8"?>
+<p:sld xmlns:a="http://schemas.openxmlformats.org/drawingml/2006/main" xmlns:r="http://schemas.openxmlformats.org/officeDocument/2006/relationships" xmlns:p="http://schemas.openxmlformats.org/presentationml/2006/main">
+  <p:cSld>
+    <p:spTree>
+      <p:nvGrpSpPr>
+        <p:cNvPr id="1" name=""/>
+        <p:cNvGrpSpPr/>
+        <p:nvPr/>
+      </p:nvGrpSpPr>
+      <p:grpSpPr>
+        <a:xfrm>
+          <a:off x="0" y="0"/>
+          <a:ext cx="0" cy="0"/>
+          <a:chOff x="0" y="0"/>
+          <a:chExt cx="0" cy="0"/>
+        </a:xfrm>
+      </p:grpSpPr>
+      <p:sp>
+        <p:nvSpPr>
+          <p:cNvPr id="2" name="Título 1"/>
+          <p:cNvSpPr>
+            <a:spLocks noGrp="1"/>
+          </p:cNvSpPr>
+          <p:nvPr>
+            <p:ph type="title"/>
+          </p:nvPr>
+        </p:nvSpPr>
+        <p:spPr/>
+        <p:txBody>
+          <a:bodyPr/>
+          <a:lstStyle/>
+          <a:p>
+            <a:r>
+              <a:rPr lang="en-CA" dirty="0" err="1" smtClean="0"/>
+              <a:t>SegmentDisplay</a:t>
+            </a:r>
+            <a:endParaRPr lang="en-US" dirty="0"/>
+          </a:p>
+        </p:txBody>
+      </p:sp>
+      <p:sp>
+        <p:nvSpPr>
+          <p:cNvPr id="4" name="CuadroTexto 3"/>
+          <p:cNvSpPr txBox="1"/>
+          <p:nvPr/>
+        </p:nvSpPr>
+        <p:spPr>
+          <a:xfrm>
+            <a:off x="1254033" y="3756349"/>
+            <a:ext cx="8908870" cy="2585323"/>
+          </a:xfrm>
+          <a:prstGeom prst="rect">
+            <a:avLst/>
+          </a:prstGeom>
+          <a:noFill/>
+        </p:spPr>
+        <p:txBody>
+          <a:bodyPr wrap="square" rtlCol="0">
+            <a:spAutoFit/>
+          </a:bodyPr>
+          <a:lstStyle/>
+          <a:p>
+            <a:pPr marL="285750" indent="-285750" algn="ctr">
+              <a:buFont typeface="Arial" panose="020B0604020202020204" pitchFamily="34" charset="0"/>
+              <a:buChar char="•"/>
+            </a:pPr>
+            <a:r>
+              <a:rPr lang="en-CA" dirty="0" err="1" smtClean="0"/>
+              <a:t>Es</a:t>
+            </a:r>
+            <a:r>
+              <a:rPr lang="en-CA" dirty="0" smtClean="0"/>
+              <a:t> particular del hardware.</a:t>
+            </a:r>
+          </a:p>
+          <a:p>
+            <a:endParaRPr lang="en-CA" dirty="0" smtClean="0"/>
+          </a:p>
+          <a:p>
+            <a:pPr marL="285750" indent="-285750" algn="ctr">
+              <a:buFont typeface="Arial" panose="020B0604020202020204" pitchFamily="34" charset="0"/>
+              <a:buChar char="•"/>
+            </a:pPr>
+            <a:r>
+              <a:rPr lang="en-CA" dirty="0" err="1" smtClean="0"/>
+              <a:t>Maneja</a:t>
+            </a:r>
+            <a:r>
+              <a:rPr lang="en-CA" dirty="0" smtClean="0"/>
+              <a:t> pins GPIO del </a:t>
+            </a:r>
+            <a:r>
+              <a:rPr lang="en-CA" dirty="0" err="1" smtClean="0"/>
+              <a:t>MicroControlador</a:t>
+            </a:r>
+            <a:r>
+              <a:rPr lang="en-CA" dirty="0" smtClean="0"/>
+              <a:t> para </a:t>
+            </a:r>
+            <a:r>
+              <a:rPr lang="en-CA" dirty="0" err="1" smtClean="0"/>
+              <a:t>actualizar</a:t>
+            </a:r>
+            <a:r>
+              <a:rPr lang="en-CA" dirty="0" smtClean="0"/>
+              <a:t> la </a:t>
+            </a:r>
+            <a:r>
+              <a:rPr lang="en-CA" dirty="0" err="1" smtClean="0"/>
+              <a:t>linea</a:t>
+            </a:r>
+            <a:r>
+              <a:rPr lang="en-CA" dirty="0" smtClean="0"/>
+              <a:t> de </a:t>
+            </a:r>
+            <a:r>
+              <a:rPr lang="en-CA" dirty="0" err="1" smtClean="0"/>
+              <a:t>seleccion</a:t>
+            </a:r>
+            <a:r>
+              <a:rPr lang="en-CA" dirty="0" smtClean="0"/>
+              <a:t> del decoder y el valor de </a:t>
+            </a:r>
+            <a:r>
+              <a:rPr lang="en-CA" dirty="0" err="1" smtClean="0"/>
+              <a:t>cada</a:t>
+            </a:r>
+            <a:r>
+              <a:rPr lang="en-CA" dirty="0" smtClean="0"/>
+              <a:t> </a:t>
+            </a:r>
+            <a:r>
+              <a:rPr lang="en-CA" dirty="0" err="1" smtClean="0"/>
+              <a:t>segmento</a:t>
+            </a:r>
+            <a:r>
+              <a:rPr lang="en-CA" dirty="0" smtClean="0"/>
+              <a:t>.</a:t>
+            </a:r>
+          </a:p>
+          <a:p>
+            <a:endParaRPr lang="en-CA" dirty="0"/>
+          </a:p>
+          <a:p>
+            <a:pPr marL="285750" indent="-285750" algn="ctr">
+              <a:buFont typeface="Arial" panose="020B0604020202020204" pitchFamily="34" charset="0"/>
+              <a:buChar char="•"/>
+            </a:pPr>
+            <a:r>
+              <a:rPr lang="en-CA" dirty="0" err="1" smtClean="0"/>
+              <a:t>Guarda</a:t>
+            </a:r>
+            <a:r>
+              <a:rPr lang="en-CA" dirty="0" smtClean="0"/>
+              <a:t> dos </a:t>
+            </a:r>
+            <a:r>
+              <a:rPr lang="en-CA" dirty="0" err="1" smtClean="0"/>
+              <a:t>arreglos</a:t>
+            </a:r>
+            <a:r>
+              <a:rPr lang="en-CA" dirty="0" smtClean="0"/>
+              <a:t> </a:t>
+            </a:r>
+            <a:r>
+              <a:rPr lang="en-CA" dirty="0" err="1" smtClean="0"/>
+              <a:t>en</a:t>
+            </a:r>
+            <a:r>
+              <a:rPr lang="en-CA" dirty="0" smtClean="0"/>
+              <a:t> </a:t>
+            </a:r>
+            <a:r>
+              <a:rPr lang="en-CA" dirty="0" err="1" smtClean="0"/>
+              <a:t>memoria</a:t>
+            </a:r>
+            <a:r>
+              <a:rPr lang="en-CA" dirty="0" smtClean="0"/>
+              <a:t> con </a:t>
+            </a:r>
+            <a:r>
+              <a:rPr lang="en-CA" dirty="0" err="1" smtClean="0"/>
+              <a:t>los</a:t>
+            </a:r>
+            <a:r>
+              <a:rPr lang="en-CA" dirty="0" smtClean="0"/>
+              <a:t> </a:t>
+            </a:r>
+            <a:r>
+              <a:rPr lang="en-CA" dirty="0" err="1" smtClean="0"/>
+              <a:t>valores</a:t>
+            </a:r>
+            <a:r>
+              <a:rPr lang="en-CA" dirty="0" smtClean="0"/>
+              <a:t> </a:t>
+            </a:r>
+            <a:r>
+              <a:rPr lang="en-CA" dirty="0" err="1" smtClean="0"/>
+              <a:t>hexadecimales</a:t>
+            </a:r>
+            <a:r>
+              <a:rPr lang="en-CA" dirty="0" smtClean="0"/>
+              <a:t> </a:t>
+            </a:r>
+            <a:r>
+              <a:rPr lang="en-CA" dirty="0" err="1" smtClean="0"/>
+              <a:t>correspondientes</a:t>
+            </a:r>
+            <a:r>
+              <a:rPr lang="en-CA" dirty="0" smtClean="0"/>
+              <a:t> a </a:t>
+            </a:r>
+            <a:r>
+              <a:rPr lang="en-CA" dirty="0" err="1" smtClean="0"/>
+              <a:t>cada</a:t>
+            </a:r>
+            <a:r>
+              <a:rPr lang="en-CA" dirty="0" smtClean="0"/>
+              <a:t> </a:t>
+            </a:r>
+            <a:r>
+              <a:rPr lang="en-CA" dirty="0" err="1" smtClean="0"/>
+              <a:t>digito</a:t>
+            </a:r>
+            <a:r>
+              <a:rPr lang="en-CA" dirty="0" smtClean="0"/>
+              <a:t>.</a:t>
+            </a:r>
+          </a:p>
+          <a:p>
+            <a:endParaRPr lang="en-CA" dirty="0"/>
+          </a:p>
+          <a:p>
+            <a:endParaRPr lang="en-US" dirty="0"/>
+          </a:p>
+        </p:txBody>
+      </p:sp>
+      <p:pic>
+        <p:nvPicPr>
+          <p:cNvPr id="5" name="Imagen 4"/>
+          <p:cNvPicPr>
+            <a:picLocks noChangeAspect="1"/>
+          </p:cNvPicPr>
+          <p:nvPr/>
+        </p:nvPicPr>
+        <p:blipFill>
+          <a:blip r:embed="rId2">
+            <a:extLst>
+              <a:ext uri="{28A0092B-C50C-407E-A947-70E740481C1C}">
+                <a14:useLocalDpi xmlns:a14="http://schemas.microsoft.com/office/drawing/2010/main" val="0"/>
+              </a:ext>
+            </a:extLst>
+          </a:blip>
+          <a:stretch>
+            <a:fillRect/>
+          </a:stretch>
+        </p:blipFill>
+        <p:spPr>
+          <a:xfrm>
+            <a:off x="1537774" y="2161244"/>
+            <a:ext cx="8341387" cy="1491651"/>
+          </a:xfrm>
+          <a:prstGeom prst="rect">
+            <a:avLst/>
+          </a:prstGeom>
+        </p:spPr>
+      </p:pic>
+    </p:spTree>
+    <p:extLst>
+      <p:ext uri="{BB962C8B-B14F-4D97-AF65-F5344CB8AC3E}">
+        <p14:creationId xmlns:p14="http://schemas.microsoft.com/office/powerpoint/2010/main" val="2204560017"/>
+      </p:ext>
+    </p:extLst>
+  </p:cSld>
+  <p:clrMapOvr>
+    <a:masterClrMapping/>
+  </p:clrMapOvr>
+</p:sld>
+</file>
+
+<file path=ppt/slides/slide8.xml><?xml version="1.0" encoding="utf-8"?>
 <p:sld xmlns:a="http://schemas.openxmlformats.org/drawingml/2006/main" xmlns:r="http://schemas.openxmlformats.org/officeDocument/2006/relationships" xmlns:p="http://schemas.openxmlformats.org/presentationml/2006/main">
   <p:cSld>
     <p:spTree>
@@ -14878,7 +16040,7 @@
 </p:sld>
 </file>
 
-<file path=ppt/slides/slide7.xml><?xml version="1.0" encoding="utf-8"?>
+<file path=ppt/slides/slide9.xml><?xml version="1.0" encoding="utf-8"?>
 <p:sld xmlns:a="http://schemas.openxmlformats.org/drawingml/2006/main" xmlns:r="http://schemas.openxmlformats.org/officeDocument/2006/relationships" xmlns:p="http://schemas.openxmlformats.org/presentationml/2006/main">
   <p:cSld>
     <p:spTree>
@@ -14986,270 +16148,6 @@
     <p:extLst>
       <p:ext uri="{BB962C8B-B14F-4D97-AF65-F5344CB8AC3E}">
         <p14:creationId xmlns:p14="http://schemas.microsoft.com/office/powerpoint/2010/main" val="704384881"/>
-      </p:ext>
-    </p:extLst>
-  </p:cSld>
-  <p:clrMapOvr>
-    <a:masterClrMapping/>
-  </p:clrMapOvr>
-</p:sld>
-</file>
-
-<file path=ppt/slides/slide8.xml><?xml version="1.0" encoding="utf-8"?>
-<p:sld xmlns:a="http://schemas.openxmlformats.org/drawingml/2006/main" xmlns:r="http://schemas.openxmlformats.org/officeDocument/2006/relationships" xmlns:p="http://schemas.openxmlformats.org/presentationml/2006/main">
-  <p:cSld>
-    <p:spTree>
-      <p:nvGrpSpPr>
-        <p:cNvPr id="1" name=""/>
-        <p:cNvGrpSpPr/>
-        <p:nvPr/>
-      </p:nvGrpSpPr>
-      <p:grpSpPr>
-        <a:xfrm>
-          <a:off x="0" y="0"/>
-          <a:ext cx="0" cy="0"/>
-          <a:chOff x="0" y="0"/>
-          <a:chExt cx="0" cy="0"/>
-        </a:xfrm>
-      </p:grpSpPr>
-      <p:sp>
-        <p:nvSpPr>
-          <p:cNvPr id="2" name="Título 1">
-            <a:extLst>
-              <a:ext uri="{FF2B5EF4-FFF2-40B4-BE49-F238E27FC236}">
-                <a16:creationId xmlns:a16="http://schemas.microsoft.com/office/drawing/2014/main" id="{3F20709D-0300-4B42-A52F-125BFA015466}"/>
-              </a:ext>
-            </a:extLst>
-          </p:cNvPr>
-          <p:cNvSpPr>
-            <a:spLocks noGrp="1"/>
-          </p:cNvSpPr>
-          <p:nvPr>
-            <p:ph type="title"/>
-          </p:nvPr>
-        </p:nvSpPr>
-        <p:spPr/>
-        <p:txBody>
-          <a:bodyPr/>
-          <a:lstStyle/>
-          <a:p>
-            <a:r>
-              <a:rPr lang="es-AR" dirty="0"/>
-              <a:t>Lector de banda magnética</a:t>
-            </a:r>
-          </a:p>
-        </p:txBody>
-      </p:sp>
-      <p:sp>
-        <p:nvSpPr>
-          <p:cNvPr id="3" name="CuadroTexto 2">
-            <a:extLst>
-              <a:ext uri="{FF2B5EF4-FFF2-40B4-BE49-F238E27FC236}">
-                <a16:creationId xmlns:a16="http://schemas.microsoft.com/office/drawing/2014/main" id="{06122CE4-8D87-4F1D-B88E-98C5F2F84CA3}"/>
-              </a:ext>
-            </a:extLst>
-          </p:cNvPr>
-          <p:cNvSpPr txBox="1"/>
-          <p:nvPr/>
-        </p:nvSpPr>
-        <p:spPr>
-          <a:xfrm>
-            <a:off x="521294" y="2199860"/>
-            <a:ext cx="11149412" cy="4185761"/>
-          </a:xfrm>
-          <a:prstGeom prst="rect">
-            <a:avLst/>
-          </a:prstGeom>
-          <a:noFill/>
-        </p:spPr>
-        <p:txBody>
-          <a:bodyPr wrap="square" rtlCol="0">
-            <a:spAutoFit/>
-          </a:bodyPr>
-          <a:lstStyle/>
-          <a:p>
-            <a:r>
-              <a:rPr lang="es-AR" sz="3200" dirty="0"/>
-              <a:t>Interrupciones del MCU:</a:t>
-            </a:r>
-          </a:p>
-          <a:p>
-            <a:r>
-              <a:rPr lang="es-AR" sz="2400" dirty="0"/>
-              <a:t>Enable – flanco ascendente: Se habilita clock, se comienza lectura.</a:t>
-            </a:r>
-          </a:p>
-          <a:p>
-            <a:r>
-              <a:rPr lang="es-AR" sz="2400" dirty="0"/>
-              <a:t>(x useg de duración)</a:t>
-            </a:r>
-          </a:p>
-          <a:p>
-            <a:endParaRPr lang="es-AR" sz="2400" dirty="0"/>
-          </a:p>
-          <a:p>
-            <a:r>
-              <a:rPr lang="es-AR" sz="2400" dirty="0"/>
-              <a:t>Clock – flanco descendente: Se lee pin de datos y se guardan en un buffer.</a:t>
-            </a:r>
-          </a:p>
-          <a:p>
-            <a:r>
-              <a:rPr lang="es-AR" sz="2400" dirty="0"/>
-              <a:t>(x useg de duración)</a:t>
-            </a:r>
-          </a:p>
-          <a:p>
-            <a:endParaRPr lang="es-AR" sz="2400" dirty="0"/>
-          </a:p>
-          <a:p>
-            <a:r>
-              <a:rPr lang="es-AR" sz="2400" dirty="0"/>
-              <a:t>Enable – flanco descendente: Se deshabilita clock, finaliza lectura, se genera un evento (lectureEvent).</a:t>
-            </a:r>
-          </a:p>
-          <a:p>
-            <a:r>
-              <a:rPr lang="es-AR" sz="2400" dirty="0"/>
-              <a:t>(x useg de duración)</a:t>
-            </a:r>
-          </a:p>
-          <a:p>
-            <a:endParaRPr lang="es-AR" dirty="0"/>
-          </a:p>
-        </p:txBody>
-      </p:sp>
-    </p:spTree>
-    <p:extLst>
-      <p:ext uri="{BB962C8B-B14F-4D97-AF65-F5344CB8AC3E}">
-        <p14:creationId xmlns:p14="http://schemas.microsoft.com/office/powerpoint/2010/main" val="492572831"/>
-      </p:ext>
-    </p:extLst>
-  </p:cSld>
-  <p:clrMapOvr>
-    <a:masterClrMapping/>
-  </p:clrMapOvr>
-</p:sld>
-</file>
-
-<file path=ppt/slides/slide9.xml><?xml version="1.0" encoding="utf-8"?>
-<p:sld xmlns:a="http://schemas.openxmlformats.org/drawingml/2006/main" xmlns:r="http://schemas.openxmlformats.org/officeDocument/2006/relationships" xmlns:p="http://schemas.openxmlformats.org/presentationml/2006/main">
-  <p:cSld>
-    <p:spTree>
-      <p:nvGrpSpPr>
-        <p:cNvPr id="1" name=""/>
-        <p:cNvGrpSpPr/>
-        <p:nvPr/>
-      </p:nvGrpSpPr>
-      <p:grpSpPr>
-        <a:xfrm>
-          <a:off x="0" y="0"/>
-          <a:ext cx="0" cy="0"/>
-          <a:chOff x="0" y="0"/>
-          <a:chExt cx="0" cy="0"/>
-        </a:xfrm>
-      </p:grpSpPr>
-      <p:sp>
-        <p:nvSpPr>
-          <p:cNvPr id="2" name="Título 1">
-            <a:extLst>
-              <a:ext uri="{FF2B5EF4-FFF2-40B4-BE49-F238E27FC236}">
-                <a16:creationId xmlns:a16="http://schemas.microsoft.com/office/drawing/2014/main" id="{FA540032-3C3F-44CF-B0F2-6BA666FE84E9}"/>
-              </a:ext>
-            </a:extLst>
-          </p:cNvPr>
-          <p:cNvSpPr>
-            <a:spLocks noGrp="1"/>
-          </p:cNvSpPr>
-          <p:nvPr>
-            <p:ph type="title"/>
-          </p:nvPr>
-        </p:nvSpPr>
-        <p:spPr/>
-        <p:txBody>
-          <a:bodyPr/>
-          <a:lstStyle/>
-          <a:p>
-            <a:r>
-              <a:rPr lang="es-AR" dirty="0"/>
-              <a:t>Lectura de banda magnética</a:t>
-            </a:r>
-          </a:p>
-        </p:txBody>
-      </p:sp>
-      <p:sp>
-        <p:nvSpPr>
-          <p:cNvPr id="3" name="CuadroTexto 2">
-            <a:extLst>
-              <a:ext uri="{FF2B5EF4-FFF2-40B4-BE49-F238E27FC236}">
-                <a16:creationId xmlns:a16="http://schemas.microsoft.com/office/drawing/2014/main" id="{633E9794-5113-453A-AFC1-6806F2A76A5A}"/>
-              </a:ext>
-            </a:extLst>
-          </p:cNvPr>
-          <p:cNvSpPr txBox="1"/>
-          <p:nvPr/>
-        </p:nvSpPr>
-        <p:spPr>
-          <a:xfrm>
-            <a:off x="530087" y="2319130"/>
-            <a:ext cx="10866783" cy="3908762"/>
-          </a:xfrm>
-          <a:prstGeom prst="rect">
-            <a:avLst/>
-          </a:prstGeom>
-          <a:noFill/>
-        </p:spPr>
-        <p:txBody>
-          <a:bodyPr wrap="square" rtlCol="0">
-            <a:spAutoFit/>
-          </a:bodyPr>
-          <a:lstStyle/>
-          <a:p>
-            <a:r>
-              <a:rPr lang="es-AR" sz="3200" dirty="0"/>
-              <a:t>Manejo de evento de lectura:</a:t>
-            </a:r>
-          </a:p>
-          <a:p>
-            <a:r>
-              <a:rPr lang="es-AR" sz="2400" dirty="0"/>
-              <a:t>Ante la generación de este tipo de evento, se guarda el mismo en una cola.</a:t>
-            </a:r>
-          </a:p>
-          <a:p>
-            <a:endParaRPr lang="es-AR" sz="2400" dirty="0"/>
-          </a:p>
-          <a:p>
-            <a:r>
-              <a:rPr lang="es-AR" sz="2400" dirty="0"/>
-              <a:t>Una “APP” puede indicar que se extraiga un evento de la cola</a:t>
-            </a:r>
-          </a:p>
-          <a:p>
-            <a:endParaRPr lang="es-AR" sz="2400" dirty="0"/>
-          </a:p>
-          <a:p>
-            <a:r>
-              <a:rPr lang="es-AR" sz="2400" dirty="0"/>
-              <a:t>Al extraer el evento de la cola (cuyo contenido es una serie de 1s o 0s), este es decodificado según los estándares especificados de tarjetas magnéticas</a:t>
-            </a:r>
-          </a:p>
-          <a:p>
-            <a:endParaRPr lang="es-AR" sz="2400" dirty="0"/>
-          </a:p>
-          <a:p>
-            <a:r>
-              <a:rPr lang="es-AR" sz="2400" dirty="0"/>
-              <a:t>Finalmente, la APP tiene a su disposición una PALABRA decodificada (y separada en campos según el standard) , y la validez de esta palabra.</a:t>
-            </a:r>
-          </a:p>
-        </p:txBody>
-      </p:sp>
-    </p:spTree>
-    <p:extLst>
-      <p:ext uri="{BB962C8B-B14F-4D97-AF65-F5344CB8AC3E}">
-        <p14:creationId xmlns:p14="http://schemas.microsoft.com/office/powerpoint/2010/main" val="1530338545"/>
       </p:ext>
     </p:extLst>
   </p:cSld>

--- a/Control de Acceso.pptx
+++ b/Control de Acceso.pptx
@@ -12,13 +12,14 @@
     <p:sldId id="259" r:id="rId6"/>
     <p:sldId id="268" r:id="rId7"/>
     <p:sldId id="269" r:id="rId8"/>
-    <p:sldId id="260" r:id="rId9"/>
-    <p:sldId id="261" r:id="rId10"/>
-    <p:sldId id="263" r:id="rId11"/>
-    <p:sldId id="264" r:id="rId12"/>
-    <p:sldId id="265" r:id="rId13"/>
-    <p:sldId id="267" r:id="rId14"/>
-    <p:sldId id="266" r:id="rId15"/>
+    <p:sldId id="270" r:id="rId9"/>
+    <p:sldId id="260" r:id="rId10"/>
+    <p:sldId id="261" r:id="rId11"/>
+    <p:sldId id="263" r:id="rId12"/>
+    <p:sldId id="264" r:id="rId13"/>
+    <p:sldId id="265" r:id="rId14"/>
+    <p:sldId id="267" r:id="rId15"/>
+    <p:sldId id="266" r:id="rId16"/>
   </p:sldIdLst>
   <p:sldSz cx="12192000" cy="6858000"/>
   <p:notesSz cx="6858000" cy="9144000"/>
@@ -119,7 +120,18 @@
   </p:defaultTextStyle>
   <p:extLst>
     <p:ext uri="{EFAFB233-063F-42B5-8137-9DF3F51BA10A}">
-      <p15:sldGuideLst xmlns:p15="http://schemas.microsoft.com/office/powerpoint/2012/main"/>
+      <p15:sldGuideLst xmlns:p15="http://schemas.microsoft.com/office/powerpoint/2012/main">
+        <p15:guide id="1" pos="3840" userDrawn="1">
+          <p15:clr>
+            <a:srgbClr val="A4A3A4"/>
+          </p15:clr>
+        </p15:guide>
+        <p15:guide id="2" orient="horz" pos="2160">
+          <p15:clr>
+            <a:srgbClr val="A4A3A4"/>
+          </p15:clr>
+        </p15:guide>
+      </p15:sldGuideLst>
     </p:ext>
   </p:extLst>
 </p:presentation>
@@ -7145,7 +7157,7 @@
           <a:p>
             <a:fld id="{78ABE3C1-DBE1-495D-B57B-2849774B866A}" type="datetimeFigureOut">
               <a:rPr lang="en-US" dirty="0"/>
-              <a:t>9/12/2019</a:t>
+              <a:t>9/13/2019</a:t>
             </a:fld>
             <a:endParaRPr lang="en-US" dirty="0"/>
           </a:p>
@@ -7554,7 +7566,7 @@
           <a:p>
             <a:fld id="{446C117F-5CCF-4837-BE5F-2B92066CAFAF}" type="datetimeFigureOut">
               <a:rPr lang="en-US" dirty="0"/>
-              <a:t>9/12/2019</a:t>
+              <a:t>9/13/2019</a:t>
             </a:fld>
             <a:endParaRPr lang="en-US" dirty="0"/>
           </a:p>
@@ -7885,7 +7897,7 @@
           <a:p>
             <a:fld id="{84EB90BD-B6CE-46B7-997F-7313B992CCDC}" type="datetimeFigureOut">
               <a:rPr lang="en-US" dirty="0"/>
-              <a:t>9/12/2019</a:t>
+              <a:t>9/13/2019</a:t>
             </a:fld>
             <a:endParaRPr lang="en-US" dirty="0"/>
           </a:p>
@@ -8285,7 +8297,7 @@
           <a:p>
             <a:fld id="{CDB9D11F-B188-461D-B23F-39381795C052}" type="datetimeFigureOut">
               <a:rPr lang="en-US" dirty="0"/>
-              <a:t>9/12/2019</a:t>
+              <a:t>9/13/2019</a:t>
             </a:fld>
             <a:endParaRPr lang="en-US" dirty="0"/>
           </a:p>
@@ -8848,7 +8860,7 @@
           <a:p>
             <a:fld id="{52E6D8D9-55A2-4063-B0F3-121F44549695}" type="datetimeFigureOut">
               <a:rPr lang="en-US" dirty="0"/>
-              <a:t>9/12/2019</a:t>
+              <a:t>9/13/2019</a:t>
             </a:fld>
             <a:endParaRPr lang="en-US" dirty="0"/>
           </a:p>
@@ -9524,7 +9536,7 @@
           <a:p>
             <a:fld id="{D4B24536-994D-4021-A283-9F449C0DB509}" type="datetimeFigureOut">
               <a:rPr lang="en-US" dirty="0"/>
-              <a:t>9/12/2019</a:t>
+              <a:t>9/13/2019</a:t>
             </a:fld>
             <a:endParaRPr lang="en-US" dirty="0"/>
           </a:p>
@@ -10432,7 +10444,7 @@
           <a:p>
             <a:fld id="{3CBBBB78-C96F-47B7-AB17-D852CA960AC9}" type="datetimeFigureOut">
               <a:rPr lang="en-US" dirty="0"/>
-              <a:t>9/12/2019</a:t>
+              <a:t>9/13/2019</a:t>
             </a:fld>
             <a:endParaRPr lang="en-US" dirty="0"/>
           </a:p>
@@ -10740,7 +10752,7 @@
           <a:p>
             <a:fld id="{1FA3F48C-C7C6-4055-9F49-3777875E72AE}" type="datetimeFigureOut">
               <a:rPr lang="en-US" dirty="0"/>
-              <a:t>9/12/2019</a:t>
+              <a:t>9/13/2019</a:t>
             </a:fld>
             <a:endParaRPr lang="en-US" dirty="0"/>
           </a:p>
@@ -10999,7 +11011,7 @@
           <a:p>
             <a:fld id="{6178E61D-D431-422C-9764-11DAFE33AB63}" type="datetimeFigureOut">
               <a:rPr lang="en-US" dirty="0"/>
-              <a:t>9/12/2019</a:t>
+              <a:t>9/13/2019</a:t>
             </a:fld>
             <a:endParaRPr lang="en-US" dirty="0"/>
           </a:p>
@@ -11318,7 +11330,7 @@
           <a:p>
             <a:fld id="{12DE42F4-6EEF-4EF7-8ED4-2208F0F89A08}" type="datetimeFigureOut">
               <a:rPr lang="en-US" dirty="0"/>
-              <a:t>9/12/2019</a:t>
+              <a:t>9/13/2019</a:t>
             </a:fld>
             <a:endParaRPr lang="en-US" dirty="0"/>
           </a:p>
@@ -11702,7 +11714,7 @@
           <a:p>
             <a:fld id="{30578ACC-22D6-47C1-A373-4FD133E34F3C}" type="datetimeFigureOut">
               <a:rPr lang="en-US" dirty="0"/>
-              <a:t>9/12/2019</a:t>
+              <a:t>9/13/2019</a:t>
             </a:fld>
             <a:endParaRPr lang="en-US" dirty="0"/>
           </a:p>
@@ -12073,7 +12085,7 @@
           <a:p>
             <a:fld id="{4E5A6C69-6797-4E8A-BF37-F2C3751466E9}" type="datetimeFigureOut">
               <a:rPr lang="en-US" dirty="0"/>
-              <a:t>9/12/2019</a:t>
+              <a:t>9/13/2019</a:t>
             </a:fld>
             <a:endParaRPr lang="en-US" dirty="0"/>
           </a:p>
@@ -12574,7 +12586,7 @@
           <a:p>
             <a:fld id="{D82014A1-A632-4878-A0D3-F52BA7563730}" type="datetimeFigureOut">
               <a:rPr lang="en-US" dirty="0"/>
-              <a:t>9/12/2019</a:t>
+              <a:t>9/13/2019</a:t>
             </a:fld>
             <a:endParaRPr lang="en-US" dirty="0"/>
           </a:p>
@@ -12826,7 +12838,7 @@
           <a:p>
             <a:fld id="{CE99F462-093F-4566-844B-4C71F2739DA5}" type="datetimeFigureOut">
               <a:rPr lang="en-US" dirty="0"/>
-              <a:t>9/12/2019</a:t>
+              <a:t>9/13/2019</a:t>
             </a:fld>
             <a:endParaRPr lang="en-US" dirty="0"/>
           </a:p>
@@ -12984,7 +12996,7 @@
           <a:p>
             <a:fld id="{3D24A7AC-904D-4781-85BA-7D10C17ED021}" type="datetimeFigureOut">
               <a:rPr lang="en-US" dirty="0"/>
-              <a:t>9/12/2019</a:t>
+              <a:t>9/13/2019</a:t>
             </a:fld>
             <a:endParaRPr lang="en-US" dirty="0"/>
           </a:p>
@@ -13369,7 +13381,7 @@
           <a:p>
             <a:fld id="{E331444B-B92B-4E27-8C94-BB93EAF5CB18}" type="datetimeFigureOut">
               <a:rPr lang="en-US" dirty="0"/>
-              <a:t>9/12/2019</a:t>
+              <a:t>9/13/2019</a:t>
             </a:fld>
             <a:endParaRPr lang="en-US" dirty="0"/>
           </a:p>
@@ -13773,7 +13785,7 @@
           <a:p>
             <a:fld id="{363EFA5E-FA76-400D-B3DC-F0BA90E6D107}" type="datetimeFigureOut">
               <a:rPr lang="en-US" dirty="0"/>
-              <a:t>9/12/2019</a:t>
+              <a:t>9/13/2019</a:t>
             </a:fld>
             <a:endParaRPr lang="en-US" dirty="0"/>
           </a:p>
@@ -14012,7 +14024,7 @@
           <a:p>
             <a:fld id="{9D6E9DEC-419B-4CC5-A080-3B06BD5A8291}" type="datetimeFigureOut">
               <a:rPr lang="en-US" dirty="0"/>
-              <a:t>9/12/2019</a:t>
+              <a:t>9/13/2019</a:t>
             </a:fld>
             <a:endParaRPr lang="en-US" dirty="0"/>
           </a:p>
@@ -14538,10 +14550,141 @@
   <p:clrMapOvr>
     <a:masterClrMapping/>
   </p:clrMapOvr>
+  <p:timing>
+    <p:tnLst>
+      <p:par>
+        <p:cTn id="1" dur="indefinite" restart="never" nodeType="tmRoot"/>
+      </p:par>
+    </p:tnLst>
+  </p:timing>
 </p:sld>
 </file>
 
 <file path=ppt/slides/slide10.xml><?xml version="1.0" encoding="utf-8"?>
+<p:sld xmlns:a="http://schemas.openxmlformats.org/drawingml/2006/main" xmlns:r="http://schemas.openxmlformats.org/officeDocument/2006/relationships" xmlns:p="http://schemas.openxmlformats.org/presentationml/2006/main">
+  <p:cSld>
+    <p:spTree>
+      <p:nvGrpSpPr>
+        <p:cNvPr id="1" name=""/>
+        <p:cNvGrpSpPr/>
+        <p:nvPr/>
+      </p:nvGrpSpPr>
+      <p:grpSpPr>
+        <a:xfrm>
+          <a:off x="0" y="0"/>
+          <a:ext cx="0" cy="0"/>
+          <a:chOff x="0" y="0"/>
+          <a:chExt cx="0" cy="0"/>
+        </a:xfrm>
+      </p:grpSpPr>
+      <p:sp>
+        <p:nvSpPr>
+          <p:cNvPr id="2" name="Título 1">
+            <a:extLst>
+              <a:ext uri="{FF2B5EF4-FFF2-40B4-BE49-F238E27FC236}">
+                <a16:creationId xmlns:a16="http://schemas.microsoft.com/office/drawing/2014/main" id="{0787BD73-B4C9-48DB-BF53-1CC8662F6B7C}"/>
+              </a:ext>
+            </a:extLst>
+          </p:cNvPr>
+          <p:cNvSpPr>
+            <a:spLocks noGrp="1"/>
+          </p:cNvSpPr>
+          <p:nvPr>
+            <p:ph type="title"/>
+          </p:nvPr>
+        </p:nvSpPr>
+        <p:spPr/>
+        <p:txBody>
+          <a:bodyPr/>
+          <a:lstStyle/>
+          <a:p>
+            <a:r>
+              <a:rPr lang="es-AR" dirty="0"/>
+              <a:t>Lector de banda magnética</a:t>
+            </a:r>
+          </a:p>
+        </p:txBody>
+      </p:sp>
+      <p:sp>
+        <p:nvSpPr>
+          <p:cNvPr id="3" name="CuadroTexto 2">
+            <a:extLst>
+              <a:ext uri="{FF2B5EF4-FFF2-40B4-BE49-F238E27FC236}">
+                <a16:creationId xmlns:a16="http://schemas.microsoft.com/office/drawing/2014/main" id="{3BDB7EEA-2C3B-4982-B8C3-ABC60357E345}"/>
+              </a:ext>
+            </a:extLst>
+          </p:cNvPr>
+          <p:cNvSpPr txBox="1"/>
+          <p:nvPr/>
+        </p:nvSpPr>
+        <p:spPr>
+          <a:xfrm>
+            <a:off x="680321" y="2228671"/>
+            <a:ext cx="11100862" cy="2492990"/>
+          </a:xfrm>
+          <a:prstGeom prst="rect">
+            <a:avLst/>
+          </a:prstGeom>
+          <a:noFill/>
+        </p:spPr>
+        <p:txBody>
+          <a:bodyPr wrap="square" rtlCol="0">
+            <a:spAutoFit/>
+          </a:bodyPr>
+          <a:lstStyle/>
+          <a:p>
+            <a:r>
+              <a:rPr lang="es-AR" sz="3600" dirty="0"/>
+              <a:t>Inputs del MCU:</a:t>
+            </a:r>
+          </a:p>
+          <a:p>
+            <a:r>
+              <a:rPr lang="es-AR" sz="2400" dirty="0"/>
+              <a:t>Enable: Señal que indica en que momento se desliza una tarjeta por el lector</a:t>
+            </a:r>
+          </a:p>
+          <a:p>
+            <a:endParaRPr lang="es-AR" sz="2400" dirty="0"/>
+          </a:p>
+          <a:p>
+            <a:r>
+              <a:rPr lang="es-AR" sz="2400" dirty="0"/>
+              <a:t>Clock: Señal periódica de frecuencia proporcional a la velocidad de la tarjeta</a:t>
+            </a:r>
+          </a:p>
+          <a:p>
+            <a:endParaRPr lang="es-AR" sz="2400" dirty="0"/>
+          </a:p>
+          <a:p>
+            <a:r>
+              <a:rPr lang="es-AR" sz="2400" dirty="0"/>
+              <a:t>Data: Señal que representa un dato (1 o 0) ante flanco descendente de clock</a:t>
+            </a:r>
+          </a:p>
+        </p:txBody>
+      </p:sp>
+    </p:spTree>
+    <p:extLst>
+      <p:ext uri="{BB962C8B-B14F-4D97-AF65-F5344CB8AC3E}">
+        <p14:creationId xmlns:p14="http://schemas.microsoft.com/office/powerpoint/2010/main" val="704384881"/>
+      </p:ext>
+    </p:extLst>
+  </p:cSld>
+  <p:clrMapOvr>
+    <a:masterClrMapping/>
+  </p:clrMapOvr>
+  <p:timing>
+    <p:tnLst>
+      <p:par>
+        <p:cTn id="1" dur="indefinite" restart="never" nodeType="tmRoot"/>
+      </p:par>
+    </p:tnLst>
+  </p:timing>
+</p:sld>
+</file>
+
+<file path=ppt/slides/slide11.xml><?xml version="1.0" encoding="utf-8"?>
 <p:sld xmlns:a="http://schemas.openxmlformats.org/drawingml/2006/main" xmlns:r="http://schemas.openxmlformats.org/officeDocument/2006/relationships" xmlns:p="http://schemas.openxmlformats.org/presentationml/2006/main">
   <p:cSld>
     <p:spTree>
@@ -14676,10 +14819,17 @@
   <p:clrMapOvr>
     <a:masterClrMapping/>
   </p:clrMapOvr>
+  <p:timing>
+    <p:tnLst>
+      <p:par>
+        <p:cTn id="1" dur="indefinite" restart="never" nodeType="tmRoot"/>
+      </p:par>
+    </p:tnLst>
+  </p:timing>
 </p:sld>
 </file>
 
-<file path=ppt/slides/slide11.xml><?xml version="1.0" encoding="utf-8"?>
+<file path=ppt/slides/slide12.xml><?xml version="1.0" encoding="utf-8"?>
 <p:sld xmlns:a="http://schemas.openxmlformats.org/drawingml/2006/main" xmlns:r="http://schemas.openxmlformats.org/officeDocument/2006/relationships" xmlns:p="http://schemas.openxmlformats.org/presentationml/2006/main">
   <p:cSld>
     <p:spTree>
@@ -14802,10 +14952,17 @@
   <p:clrMapOvr>
     <a:masterClrMapping/>
   </p:clrMapOvr>
+  <p:timing>
+    <p:tnLst>
+      <p:par>
+        <p:cTn id="1" dur="indefinite" restart="never" nodeType="tmRoot"/>
+      </p:par>
+    </p:tnLst>
+  </p:timing>
 </p:sld>
 </file>
 
-<file path=ppt/slides/slide12.xml><?xml version="1.0" encoding="utf-8"?>
+<file path=ppt/slides/slide13.xml><?xml version="1.0" encoding="utf-8"?>
 <p:sld xmlns:a="http://schemas.openxmlformats.org/drawingml/2006/main" xmlns:r="http://schemas.openxmlformats.org/officeDocument/2006/relationships" xmlns:p="http://schemas.openxmlformats.org/presentationml/2006/main">
   <p:cSld>
     <p:spTree>
@@ -14925,10 +15082,17 @@
   <p:clrMapOvr>
     <a:masterClrMapping/>
   </p:clrMapOvr>
+  <p:timing>
+    <p:tnLst>
+      <p:par>
+        <p:cTn id="1" dur="indefinite" restart="never" nodeType="tmRoot"/>
+      </p:par>
+    </p:tnLst>
+  </p:timing>
 </p:sld>
 </file>
 
-<file path=ppt/slides/slide13.xml><?xml version="1.0" encoding="utf-8"?>
+<file path=ppt/slides/slide14.xml><?xml version="1.0" encoding="utf-8"?>
 <p:sld xmlns:a="http://schemas.openxmlformats.org/drawingml/2006/main" xmlns:r="http://schemas.openxmlformats.org/officeDocument/2006/relationships" xmlns:p="http://schemas.openxmlformats.org/presentationml/2006/main">
   <p:cSld>
     <p:spTree>
@@ -15042,10 +15206,17 @@
   <p:clrMapOvr>
     <a:masterClrMapping/>
   </p:clrMapOvr>
+  <p:timing>
+    <p:tnLst>
+      <p:par>
+        <p:cTn id="1" dur="indefinite" restart="never" nodeType="tmRoot"/>
+      </p:par>
+    </p:tnLst>
+  </p:timing>
 </p:sld>
 </file>
 
-<file path=ppt/slides/slide14.xml><?xml version="1.0" encoding="utf-8"?>
+<file path=ppt/slides/slide15.xml><?xml version="1.0" encoding="utf-8"?>
 <p:sld xmlns:a="http://schemas.openxmlformats.org/drawingml/2006/main" xmlns:r="http://schemas.openxmlformats.org/officeDocument/2006/relationships" xmlns:p="http://schemas.openxmlformats.org/presentationml/2006/main">
   <p:cSld>
     <p:spTree>
@@ -15100,6 +15271,13 @@
   <p:clrMapOvr>
     <a:masterClrMapping/>
   </p:clrMapOvr>
+  <p:timing>
+    <p:tnLst>
+      <p:par>
+        <p:cTn id="1" dur="indefinite" restart="never" nodeType="tmRoot"/>
+      </p:par>
+    </p:tnLst>
+  </p:timing>
 </p:sld>
 </file>
 
@@ -15158,6 +15336,13 @@
   <p:clrMapOvr>
     <a:masterClrMapping/>
   </p:clrMapOvr>
+  <p:timing>
+    <p:tnLst>
+      <p:par>
+        <p:cTn id="1" dur="indefinite" restart="never" nodeType="tmRoot"/>
+      </p:par>
+    </p:tnLst>
+  </p:timing>
 </p:sld>
 </file>
 
@@ -15216,6 +15401,13 @@
   <p:clrMapOvr>
     <a:masterClrMapping/>
   </p:clrMapOvr>
+  <p:timing>
+    <p:tnLst>
+      <p:par>
+        <p:cTn id="1" dur="indefinite" restart="never" nodeType="tmRoot"/>
+      </p:par>
+    </p:tnLst>
+  </p:timing>
 </p:sld>
 </file>
 
@@ -15274,6 +15466,13 @@
   <p:clrMapOvr>
     <a:masterClrMapping/>
   </p:clrMapOvr>
+  <p:timing>
+    <p:tnLst>
+      <p:par>
+        <p:cTn id="1" dur="indefinite" restart="never" nodeType="tmRoot"/>
+      </p:par>
+    </p:tnLst>
+  </p:timing>
 </p:sld>
 </file>
 
@@ -15616,6 +15815,13 @@
   <p:clrMapOvr>
     <a:masterClrMapping/>
   </p:clrMapOvr>
+  <p:timing>
+    <p:tnLst>
+      <p:par>
+        <p:cTn id="1" dur="indefinite" restart="never" nodeType="tmRoot"/>
+      </p:par>
+    </p:tnLst>
+  </p:timing>
 </p:sld>
 </file>
 
@@ -15661,7 +15867,7 @@
       </p:sp>
       <p:pic>
         <p:nvPicPr>
-          <p:cNvPr id="3" name="Imagen 2"/>
+          <p:cNvPr id="5" name="Imagen 4"/>
           <p:cNvPicPr>
             <a:picLocks noChangeAspect="1"/>
           </p:cNvPicPr>
@@ -15681,8 +15887,8 @@
         </p:blipFill>
         <p:spPr>
           <a:xfrm>
-            <a:off x="331932" y="2246811"/>
-            <a:ext cx="11234249" cy="4075611"/>
+            <a:off x="398435" y="2325189"/>
+            <a:ext cx="11359967" cy="4010298"/>
           </a:xfrm>
           <a:prstGeom prst="rect">
             <a:avLst/>
@@ -15699,6 +15905,13 @@
   <p:clrMapOvr>
     <a:masterClrMapping/>
   </p:clrMapOvr>
+  <p:timing>
+    <p:tnLst>
+      <p:par>
+        <p:cTn id="1" dur="indefinite" restart="never" nodeType="tmRoot"/>
+      </p:par>
+    </p:tnLst>
+  </p:timing>
 </p:sld>
 </file>
 
@@ -15979,10 +16192,371 @@
   <p:clrMapOvr>
     <a:masterClrMapping/>
   </p:clrMapOvr>
+  <p:timing>
+    <p:tnLst>
+      <p:par>
+        <p:cTn id="1" dur="indefinite" restart="never" nodeType="tmRoot"/>
+      </p:par>
+    </p:tnLst>
+  </p:timing>
 </p:sld>
 </file>
 
 <file path=ppt/slides/slide8.xml><?xml version="1.0" encoding="utf-8"?>
+<p:sld xmlns:a="http://schemas.openxmlformats.org/drawingml/2006/main" xmlns:r="http://schemas.openxmlformats.org/officeDocument/2006/relationships" xmlns:p="http://schemas.openxmlformats.org/presentationml/2006/main">
+  <p:cSld>
+    <p:spTree>
+      <p:nvGrpSpPr>
+        <p:cNvPr id="1" name=""/>
+        <p:cNvGrpSpPr/>
+        <p:nvPr/>
+      </p:nvGrpSpPr>
+      <p:grpSpPr>
+        <a:xfrm>
+          <a:off x="0" y="0"/>
+          <a:ext cx="0" cy="0"/>
+          <a:chOff x="0" y="0"/>
+          <a:chExt cx="0" cy="0"/>
+        </a:xfrm>
+      </p:grpSpPr>
+      <p:sp>
+        <p:nvSpPr>
+          <p:cNvPr id="2" name="Título 1"/>
+          <p:cNvSpPr>
+            <a:spLocks noGrp="1"/>
+          </p:cNvSpPr>
+          <p:nvPr>
+            <p:ph type="title"/>
+          </p:nvPr>
+        </p:nvSpPr>
+        <p:spPr/>
+        <p:txBody>
+          <a:bodyPr/>
+          <a:lstStyle/>
+          <a:p>
+            <a:r>
+              <a:rPr lang="en-CA" dirty="0" err="1" smtClean="0"/>
+              <a:t>Interrupcion</a:t>
+            </a:r>
+            <a:r>
+              <a:rPr lang="en-CA" dirty="0" smtClean="0"/>
+              <a:t> </a:t>
+            </a:r>
+            <a:r>
+              <a:rPr lang="en-CA" dirty="0" err="1" smtClean="0"/>
+              <a:t>periodica</a:t>
+            </a:r>
+            <a:endParaRPr lang="en-US" dirty="0"/>
+          </a:p>
+        </p:txBody>
+      </p:sp>
+      <p:sp>
+        <p:nvSpPr>
+          <p:cNvPr id="3" name="CuadroTexto 2"/>
+          <p:cNvSpPr txBox="1"/>
+          <p:nvPr/>
+        </p:nvSpPr>
+        <p:spPr>
+          <a:xfrm>
+            <a:off x="235131" y="2272937"/>
+            <a:ext cx="5860869" cy="4247317"/>
+          </a:xfrm>
+          <a:prstGeom prst="rect">
+            <a:avLst/>
+          </a:prstGeom>
+          <a:noFill/>
+        </p:spPr>
+        <p:txBody>
+          <a:bodyPr wrap="square" rtlCol="0">
+            <a:spAutoFit/>
+          </a:bodyPr>
+          <a:lstStyle/>
+          <a:p>
+            <a:pPr marL="285750" indent="-285750">
+              <a:buFont typeface="Arial" panose="020B0604020202020204" pitchFamily="34" charset="0"/>
+              <a:buChar char="•"/>
+            </a:pPr>
+            <a:r>
+              <a:rPr lang="en-CA" dirty="0" smtClean="0"/>
+              <a:t>Se </a:t>
+            </a:r>
+            <a:r>
+              <a:rPr lang="en-CA" dirty="0" err="1" smtClean="0"/>
+              <a:t>ocupa</a:t>
+            </a:r>
+            <a:r>
+              <a:rPr lang="en-CA" dirty="0" smtClean="0"/>
+              <a:t> de </a:t>
+            </a:r>
+            <a:r>
+              <a:rPr lang="en-CA" dirty="0" err="1" smtClean="0"/>
+              <a:t>actualizar</a:t>
+            </a:r>
+            <a:r>
+              <a:rPr lang="en-CA" dirty="0" smtClean="0"/>
+              <a:t> </a:t>
+            </a:r>
+            <a:r>
+              <a:rPr lang="en-CA" dirty="0" err="1" smtClean="0"/>
+              <a:t>los</a:t>
+            </a:r>
+            <a:r>
+              <a:rPr lang="en-CA" dirty="0" smtClean="0"/>
+              <a:t> timers y attender sus</a:t>
+            </a:r>
+            <a:r>
+              <a:rPr lang="en-US" dirty="0" smtClean="0"/>
+              <a:t> callbacks </a:t>
+            </a:r>
+            <a:r>
+              <a:rPr lang="en-US" dirty="0" err="1" smtClean="0"/>
+              <a:t>correspondientes</a:t>
+            </a:r>
+            <a:r>
+              <a:rPr lang="en-US" dirty="0" smtClean="0"/>
+              <a:t>.</a:t>
+            </a:r>
+          </a:p>
+          <a:p>
+            <a:pPr marL="285750" indent="-285750">
+              <a:buFont typeface="Arial" panose="020B0604020202020204" pitchFamily="34" charset="0"/>
+              <a:buChar char="•"/>
+            </a:pPr>
+            <a:endParaRPr lang="en-CA" dirty="0" smtClean="0"/>
+          </a:p>
+          <a:p>
+            <a:pPr marL="285750" indent="-285750">
+              <a:buFont typeface="Arial" panose="020B0604020202020204" pitchFamily="34" charset="0"/>
+              <a:buChar char="•"/>
+            </a:pPr>
+            <a:endParaRPr lang="en-CA" dirty="0"/>
+          </a:p>
+          <a:p>
+            <a:pPr marL="285750" indent="-285750">
+              <a:buFont typeface="Arial" panose="020B0604020202020204" pitchFamily="34" charset="0"/>
+              <a:buChar char="•"/>
+            </a:pPr>
+            <a:r>
+              <a:rPr lang="en-CA" dirty="0" smtClean="0"/>
+              <a:t>Genera </a:t>
+            </a:r>
+            <a:r>
+              <a:rPr lang="en-CA" dirty="0" err="1" smtClean="0"/>
+              <a:t>los</a:t>
+            </a:r>
+            <a:r>
+              <a:rPr lang="en-CA" dirty="0" smtClean="0"/>
+              <a:t> </a:t>
+            </a:r>
+            <a:r>
+              <a:rPr lang="en-CA" dirty="0" err="1" smtClean="0"/>
+              <a:t>eventos</a:t>
+            </a:r>
+            <a:r>
+              <a:rPr lang="en-CA" dirty="0" smtClean="0"/>
+              <a:t> </a:t>
+            </a:r>
+            <a:r>
+              <a:rPr lang="en-CA" dirty="0" err="1" smtClean="0"/>
+              <a:t>correspondientes</a:t>
+            </a:r>
+            <a:r>
+              <a:rPr lang="en-CA" dirty="0" smtClean="0"/>
+              <a:t> al </a:t>
+            </a:r>
+            <a:r>
+              <a:rPr lang="en-CA" dirty="0" err="1" smtClean="0"/>
+              <a:t>display,los</a:t>
+            </a:r>
+            <a:r>
+              <a:rPr lang="en-CA" dirty="0" smtClean="0"/>
+              <a:t> timers y el encoder.</a:t>
+            </a:r>
+          </a:p>
+          <a:p>
+            <a:pPr marL="285750" indent="-285750">
+              <a:buFont typeface="Arial" panose="020B0604020202020204" pitchFamily="34" charset="0"/>
+              <a:buChar char="•"/>
+            </a:pPr>
+            <a:endParaRPr lang="en-CA" dirty="0" smtClean="0"/>
+          </a:p>
+          <a:p>
+            <a:pPr marL="285750" indent="-285750">
+              <a:buFont typeface="Arial" panose="020B0604020202020204" pitchFamily="34" charset="0"/>
+              <a:buChar char="•"/>
+            </a:pPr>
+            <a:endParaRPr lang="en-CA" dirty="0"/>
+          </a:p>
+          <a:p>
+            <a:pPr marL="285750" indent="-285750">
+              <a:buFont typeface="Arial" panose="020B0604020202020204" pitchFamily="34" charset="0"/>
+              <a:buChar char="•"/>
+            </a:pPr>
+            <a:r>
+              <a:rPr lang="en-CA" dirty="0" smtClean="0"/>
+              <a:t>Dura </a:t>
+            </a:r>
+            <a:r>
+              <a:rPr lang="en-CA" dirty="0" err="1" smtClean="0"/>
+              <a:t>alrededor</a:t>
+            </a:r>
+            <a:r>
+              <a:rPr lang="en-CA" dirty="0" smtClean="0"/>
+              <a:t> de 3us y se llama </a:t>
+            </a:r>
+            <a:r>
+              <a:rPr lang="en-CA" dirty="0" err="1" smtClean="0"/>
+              <a:t>cada</a:t>
+            </a:r>
+            <a:r>
+              <a:rPr lang="en-CA" dirty="0" smtClean="0"/>
+              <a:t> 1ms,se </a:t>
+            </a:r>
+            <a:r>
+              <a:rPr lang="en-CA" dirty="0" err="1" smtClean="0"/>
+              <a:t>emplea</a:t>
+            </a:r>
+            <a:r>
+              <a:rPr lang="en-CA" dirty="0" smtClean="0"/>
+              <a:t> </a:t>
+            </a:r>
+            <a:r>
+              <a:rPr lang="en-CA" dirty="0" err="1" smtClean="0"/>
+              <a:t>mediante</a:t>
+            </a:r>
+            <a:r>
+              <a:rPr lang="en-CA" dirty="0" smtClean="0"/>
+              <a:t> </a:t>
+            </a:r>
+            <a:r>
+              <a:rPr lang="en-CA" dirty="0" err="1" smtClean="0"/>
+              <a:t>Systick</a:t>
+            </a:r>
+            <a:r>
+              <a:rPr lang="en-CA" dirty="0" smtClean="0"/>
+              <a:t>.</a:t>
+            </a:r>
+          </a:p>
+          <a:p>
+            <a:pPr marL="285750" indent="-285750">
+              <a:buFont typeface="Arial" panose="020B0604020202020204" pitchFamily="34" charset="0"/>
+              <a:buChar char="•"/>
+            </a:pPr>
+            <a:endParaRPr lang="en-CA" dirty="0" smtClean="0"/>
+          </a:p>
+          <a:p>
+            <a:pPr marL="285750" indent="-285750">
+              <a:buFont typeface="Arial" panose="020B0604020202020204" pitchFamily="34" charset="0"/>
+              <a:buChar char="•"/>
+            </a:pPr>
+            <a:endParaRPr lang="en-CA" dirty="0"/>
+          </a:p>
+          <a:p>
+            <a:pPr marL="285750" indent="-285750">
+              <a:buFont typeface="Arial" panose="020B0604020202020204" pitchFamily="34" charset="0"/>
+              <a:buChar char="•"/>
+            </a:pPr>
+            <a:r>
+              <a:rPr lang="en-CA" dirty="0" err="1" smtClean="0"/>
+              <a:t>Tiene</a:t>
+            </a:r>
+            <a:r>
+              <a:rPr lang="en-CA" dirty="0" smtClean="0"/>
+              <a:t> un </a:t>
+            </a:r>
+            <a:r>
+              <a:rPr lang="en-CA" dirty="0" err="1" smtClean="0"/>
+              <a:t>DutyCycle</a:t>
+            </a:r>
+            <a:r>
+              <a:rPr lang="en-CA" dirty="0" smtClean="0"/>
+              <a:t> </a:t>
+            </a:r>
+            <a:r>
+              <a:rPr lang="en-CA" dirty="0" err="1" smtClean="0"/>
+              <a:t>medido</a:t>
+            </a:r>
+            <a:r>
+              <a:rPr lang="en-CA" dirty="0" smtClean="0"/>
+              <a:t> </a:t>
+            </a:r>
+            <a:r>
+              <a:rPr lang="en-CA" dirty="0" err="1" smtClean="0"/>
+              <a:t>menor</a:t>
+            </a:r>
+            <a:r>
+              <a:rPr lang="en-CA" dirty="0" smtClean="0"/>
+              <a:t> al 1% (</a:t>
+            </a:r>
+            <a:r>
+              <a:rPr lang="en-CA" dirty="0" err="1" smtClean="0"/>
+              <a:t>alrededor</a:t>
+            </a:r>
+            <a:r>
+              <a:rPr lang="en-CA" dirty="0" smtClean="0"/>
+              <a:t> de 0.3%)</a:t>
+            </a:r>
+          </a:p>
+          <a:p>
+            <a:pPr marL="285750" indent="-285750">
+              <a:buFont typeface="Arial" panose="020B0604020202020204" pitchFamily="34" charset="0"/>
+              <a:buChar char="•"/>
+            </a:pPr>
+            <a:endParaRPr lang="en-CA" dirty="0" smtClean="0"/>
+          </a:p>
+        </p:txBody>
+      </p:sp>
+      <p:pic>
+        <p:nvPicPr>
+          <p:cNvPr id="4" name="Imagen 3"/>
+          <p:cNvPicPr>
+            <a:picLocks noChangeAspect="1"/>
+          </p:cNvPicPr>
+          <p:nvPr/>
+        </p:nvPicPr>
+        <p:blipFill>
+          <a:blip r:embed="rId2">
+            <a:extLst>
+              <a:ext uri="{28A0092B-C50C-407E-A947-70E740481C1C}">
+                <a14:useLocalDpi xmlns:a14="http://schemas.microsoft.com/office/drawing/2010/main" val="0"/>
+              </a:ext>
+            </a:extLst>
+          </a:blip>
+          <a:stretch>
+            <a:fillRect/>
+          </a:stretch>
+        </p:blipFill>
+        <p:spPr>
+          <a:xfrm>
+            <a:off x="6285680" y="2076994"/>
+            <a:ext cx="5728078" cy="4598125"/>
+          </a:xfrm>
+          <a:prstGeom prst="rect">
+            <a:avLst/>
+          </a:prstGeom>
+        </p:spPr>
+      </p:pic>
+    </p:spTree>
+    <p:extLst>
+      <p:ext uri="{BB962C8B-B14F-4D97-AF65-F5344CB8AC3E}">
+        <p14:creationId xmlns:p14="http://schemas.microsoft.com/office/powerpoint/2010/main" val="3999976564"/>
+      </p:ext>
+    </p:extLst>
+  </p:cSld>
+  <p:clrMapOvr>
+    <a:masterClrMapping/>
+  </p:clrMapOvr>
+  <p:timing>
+    <p:tnLst>
+      <p:par>
+        <p:cTn id="1" dur="indefinite" restart="never" nodeType="tmRoot"/>
+      </p:par>
+    </p:tnLst>
+  </p:timing>
+</p:sld>
+</file>
+
+<file path=ppt/slides/slide9.xml><?xml version="1.0" encoding="utf-8"?>
 <p:sld xmlns:a="http://schemas.openxmlformats.org/drawingml/2006/main" xmlns:r="http://schemas.openxmlformats.org/officeDocument/2006/relationships" xmlns:p="http://schemas.openxmlformats.org/presentationml/2006/main">
   <p:cSld>
     <p:spTree>
@@ -16037,123 +16611,13 @@
   <p:clrMapOvr>
     <a:masterClrMapping/>
   </p:clrMapOvr>
-</p:sld>
-</file>
-
-<file path=ppt/slides/slide9.xml><?xml version="1.0" encoding="utf-8"?>
-<p:sld xmlns:a="http://schemas.openxmlformats.org/drawingml/2006/main" xmlns:r="http://schemas.openxmlformats.org/officeDocument/2006/relationships" xmlns:p="http://schemas.openxmlformats.org/presentationml/2006/main">
-  <p:cSld>
-    <p:spTree>
-      <p:nvGrpSpPr>
-        <p:cNvPr id="1" name=""/>
-        <p:cNvGrpSpPr/>
-        <p:nvPr/>
-      </p:nvGrpSpPr>
-      <p:grpSpPr>
-        <a:xfrm>
-          <a:off x="0" y="0"/>
-          <a:ext cx="0" cy="0"/>
-          <a:chOff x="0" y="0"/>
-          <a:chExt cx="0" cy="0"/>
-        </a:xfrm>
-      </p:grpSpPr>
-      <p:sp>
-        <p:nvSpPr>
-          <p:cNvPr id="2" name="Título 1">
-            <a:extLst>
-              <a:ext uri="{FF2B5EF4-FFF2-40B4-BE49-F238E27FC236}">
-                <a16:creationId xmlns:a16="http://schemas.microsoft.com/office/drawing/2014/main" id="{0787BD73-B4C9-48DB-BF53-1CC8662F6B7C}"/>
-              </a:ext>
-            </a:extLst>
-          </p:cNvPr>
-          <p:cNvSpPr>
-            <a:spLocks noGrp="1"/>
-          </p:cNvSpPr>
-          <p:nvPr>
-            <p:ph type="title"/>
-          </p:nvPr>
-        </p:nvSpPr>
-        <p:spPr/>
-        <p:txBody>
-          <a:bodyPr/>
-          <a:lstStyle/>
-          <a:p>
-            <a:r>
-              <a:rPr lang="es-AR" dirty="0"/>
-              <a:t>Lector de banda magnética</a:t>
-            </a:r>
-          </a:p>
-        </p:txBody>
-      </p:sp>
-      <p:sp>
-        <p:nvSpPr>
-          <p:cNvPr id="3" name="CuadroTexto 2">
-            <a:extLst>
-              <a:ext uri="{FF2B5EF4-FFF2-40B4-BE49-F238E27FC236}">
-                <a16:creationId xmlns:a16="http://schemas.microsoft.com/office/drawing/2014/main" id="{3BDB7EEA-2C3B-4982-B8C3-ABC60357E345}"/>
-              </a:ext>
-            </a:extLst>
-          </p:cNvPr>
-          <p:cNvSpPr txBox="1"/>
-          <p:nvPr/>
-        </p:nvSpPr>
-        <p:spPr>
-          <a:xfrm>
-            <a:off x="680321" y="2228671"/>
-            <a:ext cx="11100862" cy="2492990"/>
-          </a:xfrm>
-          <a:prstGeom prst="rect">
-            <a:avLst/>
-          </a:prstGeom>
-          <a:noFill/>
-        </p:spPr>
-        <p:txBody>
-          <a:bodyPr wrap="square" rtlCol="0">
-            <a:spAutoFit/>
-          </a:bodyPr>
-          <a:lstStyle/>
-          <a:p>
-            <a:r>
-              <a:rPr lang="es-AR" sz="3600" dirty="0"/>
-              <a:t>Inputs del MCU:</a:t>
-            </a:r>
-          </a:p>
-          <a:p>
-            <a:r>
-              <a:rPr lang="es-AR" sz="2400" dirty="0"/>
-              <a:t>Enable: Señal que indica en que momento se desliza una tarjeta por el lector</a:t>
-            </a:r>
-          </a:p>
-          <a:p>
-            <a:endParaRPr lang="es-AR" sz="2400" dirty="0"/>
-          </a:p>
-          <a:p>
-            <a:r>
-              <a:rPr lang="es-AR" sz="2400" dirty="0"/>
-              <a:t>Clock: Señal periódica de frecuencia proporcional a la velocidad de la tarjeta</a:t>
-            </a:r>
-          </a:p>
-          <a:p>
-            <a:endParaRPr lang="es-AR" sz="2400" dirty="0"/>
-          </a:p>
-          <a:p>
-            <a:r>
-              <a:rPr lang="es-AR" sz="2400" dirty="0"/>
-              <a:t>Data: Señal que representa un dato (1 o 0) ante flanco descendente de clock</a:t>
-            </a:r>
-          </a:p>
-        </p:txBody>
-      </p:sp>
-    </p:spTree>
-    <p:extLst>
-      <p:ext uri="{BB962C8B-B14F-4D97-AF65-F5344CB8AC3E}">
-        <p14:creationId xmlns:p14="http://schemas.microsoft.com/office/powerpoint/2010/main" val="704384881"/>
-      </p:ext>
-    </p:extLst>
-  </p:cSld>
-  <p:clrMapOvr>
-    <a:masterClrMapping/>
-  </p:clrMapOvr>
+  <p:timing>
+    <p:tnLst>
+      <p:par>
+        <p:cTn id="1" dur="indefinite" restart="never" nodeType="tmRoot"/>
+      </p:par>
+    </p:tnLst>
+  </p:timing>
 </p:sld>
 </file>
 

--- a/Control de Acceso.pptx
+++ b/Control de Acceso.pptx
@@ -14,12 +14,13 @@
     <p:sldId id="269" r:id="rId8"/>
     <p:sldId id="270" r:id="rId9"/>
     <p:sldId id="260" r:id="rId10"/>
-    <p:sldId id="261" r:id="rId11"/>
-    <p:sldId id="263" r:id="rId12"/>
-    <p:sldId id="264" r:id="rId13"/>
-    <p:sldId id="265" r:id="rId14"/>
-    <p:sldId id="267" r:id="rId15"/>
-    <p:sldId id="266" r:id="rId16"/>
+    <p:sldId id="271" r:id="rId11"/>
+    <p:sldId id="261" r:id="rId12"/>
+    <p:sldId id="263" r:id="rId13"/>
+    <p:sldId id="264" r:id="rId14"/>
+    <p:sldId id="265" r:id="rId15"/>
+    <p:sldId id="267" r:id="rId16"/>
+    <p:sldId id="266" r:id="rId17"/>
   </p:sldIdLst>
   <p:sldSz cx="12192000" cy="6858000"/>
   <p:notesSz cx="6858000" cy="9144000"/>
@@ -1056,6 +1057,788 @@
 </dgm:colorsDef>
 </file>
 
+<file path=ppt/diagrams/colors2.xml><?xml version="1.0" encoding="utf-8"?>
+<dgm:colorsDef xmlns:dgm="http://schemas.openxmlformats.org/drawingml/2006/diagram" xmlns:a="http://schemas.openxmlformats.org/drawingml/2006/main" uniqueId="urn:microsoft.com/office/officeart/2005/8/colors/colorful2">
+  <dgm:title val=""/>
+  <dgm:desc val=""/>
+  <dgm:catLst>
+    <dgm:cat type="colorful" pri="10200"/>
+  </dgm:catLst>
+  <dgm:styleLbl name="node0">
+    <dgm:fillClrLst meth="repeat">
+      <a:schemeClr val="accent1"/>
+    </dgm:fillClrLst>
+    <dgm:linClrLst meth="repeat">
+      <a:schemeClr val="lt1"/>
+    </dgm:linClrLst>
+    <dgm:effectClrLst/>
+    <dgm:txLinClrLst/>
+    <dgm:txFillClrLst/>
+    <dgm:txEffectClrLst/>
+  </dgm:styleLbl>
+  <dgm:styleLbl name="node1">
+    <dgm:fillClrLst>
+      <a:schemeClr val="accent2"/>
+      <a:schemeClr val="accent3"/>
+    </dgm:fillClrLst>
+    <dgm:linClrLst meth="repeat">
+      <a:schemeClr val="lt1"/>
+    </dgm:linClrLst>
+    <dgm:effectClrLst/>
+    <dgm:txLinClrLst/>
+    <dgm:txFillClrLst/>
+    <dgm:txEffectClrLst/>
+  </dgm:styleLbl>
+  <dgm:styleLbl name="alignNode1">
+    <dgm:fillClrLst>
+      <a:schemeClr val="accent2"/>
+      <a:schemeClr val="accent3"/>
+    </dgm:fillClrLst>
+    <dgm:linClrLst>
+      <a:schemeClr val="accent2"/>
+      <a:schemeClr val="accent3"/>
+    </dgm:linClrLst>
+    <dgm:effectClrLst/>
+    <dgm:txLinClrLst/>
+    <dgm:txFillClrLst/>
+    <dgm:txEffectClrLst/>
+  </dgm:styleLbl>
+  <dgm:styleLbl name="lnNode1">
+    <dgm:fillClrLst>
+      <a:schemeClr val="accent2"/>
+      <a:schemeClr val="accent3"/>
+    </dgm:fillClrLst>
+    <dgm:linClrLst meth="repeat">
+      <a:schemeClr val="lt1"/>
+    </dgm:linClrLst>
+    <dgm:effectClrLst/>
+    <dgm:txLinClrLst/>
+    <dgm:txFillClrLst/>
+    <dgm:txEffectClrLst/>
+  </dgm:styleLbl>
+  <dgm:styleLbl name="vennNode1">
+    <dgm:fillClrLst>
+      <a:schemeClr val="accent2">
+        <a:alpha val="50000"/>
+      </a:schemeClr>
+      <a:schemeClr val="accent3">
+        <a:alpha val="50000"/>
+      </a:schemeClr>
+    </dgm:fillClrLst>
+    <dgm:linClrLst meth="repeat">
+      <a:schemeClr val="lt1"/>
+    </dgm:linClrLst>
+    <dgm:effectClrLst/>
+    <dgm:txLinClrLst/>
+    <dgm:txFillClrLst/>
+    <dgm:txEffectClrLst/>
+  </dgm:styleLbl>
+  <dgm:styleLbl name="node2">
+    <dgm:fillClrLst>
+      <a:schemeClr val="accent3"/>
+    </dgm:fillClrLst>
+    <dgm:linClrLst meth="repeat">
+      <a:schemeClr val="lt1"/>
+    </dgm:linClrLst>
+    <dgm:effectClrLst/>
+    <dgm:txLinClrLst/>
+    <dgm:txFillClrLst/>
+    <dgm:txEffectClrLst/>
+  </dgm:styleLbl>
+  <dgm:styleLbl name="node3">
+    <dgm:fillClrLst>
+      <a:schemeClr val="accent4"/>
+    </dgm:fillClrLst>
+    <dgm:linClrLst meth="repeat">
+      <a:schemeClr val="lt1"/>
+    </dgm:linClrLst>
+    <dgm:effectClrLst/>
+    <dgm:txLinClrLst/>
+    <dgm:txFillClrLst/>
+    <dgm:txEffectClrLst/>
+  </dgm:styleLbl>
+  <dgm:styleLbl name="node4">
+    <dgm:fillClrLst>
+      <a:schemeClr val="accent5"/>
+    </dgm:fillClrLst>
+    <dgm:linClrLst meth="repeat">
+      <a:schemeClr val="lt1"/>
+    </dgm:linClrLst>
+    <dgm:effectClrLst/>
+    <dgm:txLinClrLst/>
+    <dgm:txFillClrLst/>
+    <dgm:txEffectClrLst/>
+  </dgm:styleLbl>
+  <dgm:styleLbl name="fgImgPlace1">
+    <dgm:fillClrLst>
+      <a:schemeClr val="accent2">
+        <a:tint val="50000"/>
+      </a:schemeClr>
+      <a:schemeClr val="accent3">
+        <a:tint val="50000"/>
+      </a:schemeClr>
+    </dgm:fillClrLst>
+    <dgm:linClrLst meth="repeat">
+      <a:schemeClr val="lt1"/>
+    </dgm:linClrLst>
+    <dgm:effectClrLst/>
+    <dgm:txLinClrLst/>
+    <dgm:txFillClrLst meth="repeat">
+      <a:schemeClr val="lt1"/>
+    </dgm:txFillClrLst>
+    <dgm:txEffectClrLst/>
+  </dgm:styleLbl>
+  <dgm:styleLbl name="alignImgPlace1">
+    <dgm:fillClrLst>
+      <a:schemeClr val="accent2">
+        <a:tint val="50000"/>
+      </a:schemeClr>
+      <a:schemeClr val="accent3">
+        <a:tint val="20000"/>
+      </a:schemeClr>
+    </dgm:fillClrLst>
+    <dgm:linClrLst meth="repeat">
+      <a:schemeClr val="lt1"/>
+    </dgm:linClrLst>
+    <dgm:effectClrLst/>
+    <dgm:txLinClrLst/>
+    <dgm:txFillClrLst meth="repeat">
+      <a:schemeClr val="lt1"/>
+    </dgm:txFillClrLst>
+    <dgm:txEffectClrLst/>
+  </dgm:styleLbl>
+  <dgm:styleLbl name="bgImgPlace1">
+    <dgm:fillClrLst>
+      <a:schemeClr val="accent2">
+        <a:tint val="50000"/>
+      </a:schemeClr>
+      <a:schemeClr val="accent3">
+        <a:tint val="20000"/>
+      </a:schemeClr>
+    </dgm:fillClrLst>
+    <dgm:linClrLst meth="repeat">
+      <a:schemeClr val="lt1"/>
+    </dgm:linClrLst>
+    <dgm:effectClrLst/>
+    <dgm:txLinClrLst/>
+    <dgm:txFillClrLst meth="repeat">
+      <a:schemeClr val="lt1"/>
+    </dgm:txFillClrLst>
+    <dgm:txEffectClrLst/>
+  </dgm:styleLbl>
+  <dgm:styleLbl name="sibTrans2D1">
+    <dgm:fillClrLst>
+      <a:schemeClr val="accent2"/>
+      <a:schemeClr val="accent3"/>
+    </dgm:fillClrLst>
+    <dgm:linClrLst meth="repeat">
+      <a:schemeClr val="lt1"/>
+    </dgm:linClrLst>
+    <dgm:effectClrLst/>
+    <dgm:txLinClrLst/>
+    <dgm:txFillClrLst/>
+    <dgm:txEffectClrLst/>
+  </dgm:styleLbl>
+  <dgm:styleLbl name="fgSibTrans2D1">
+    <dgm:fillClrLst>
+      <a:schemeClr val="accent2"/>
+      <a:schemeClr val="accent3"/>
+    </dgm:fillClrLst>
+    <dgm:linClrLst meth="repeat">
+      <a:schemeClr val="lt1"/>
+    </dgm:linClrLst>
+    <dgm:effectClrLst/>
+    <dgm:txLinClrLst/>
+    <dgm:txFillClrLst meth="repeat">
+      <a:schemeClr val="lt1"/>
+    </dgm:txFillClrLst>
+    <dgm:txEffectClrLst/>
+  </dgm:styleLbl>
+  <dgm:styleLbl name="bgSibTrans2D1">
+    <dgm:fillClrLst>
+      <a:schemeClr val="accent2"/>
+      <a:schemeClr val="accent3"/>
+    </dgm:fillClrLst>
+    <dgm:linClrLst meth="repeat">
+      <a:schemeClr val="lt1"/>
+    </dgm:linClrLst>
+    <dgm:effectClrLst/>
+    <dgm:txLinClrLst/>
+    <dgm:txFillClrLst meth="repeat">
+      <a:schemeClr val="lt1"/>
+    </dgm:txFillClrLst>
+    <dgm:txEffectClrLst/>
+  </dgm:styleLbl>
+  <dgm:styleLbl name="sibTrans1D1">
+    <dgm:fillClrLst/>
+    <dgm:linClrLst>
+      <a:schemeClr val="accent2"/>
+      <a:schemeClr val="accent3"/>
+    </dgm:linClrLst>
+    <dgm:effectClrLst/>
+    <dgm:txLinClrLst/>
+    <dgm:txFillClrLst meth="repeat">
+      <a:schemeClr val="tx1"/>
+    </dgm:txFillClrLst>
+    <dgm:txEffectClrLst/>
+  </dgm:styleLbl>
+  <dgm:styleLbl name="callout">
+    <dgm:fillClrLst meth="repeat">
+      <a:schemeClr val="accent2"/>
+    </dgm:fillClrLst>
+    <dgm:linClrLst meth="repeat">
+      <a:schemeClr val="accent2">
+        <a:tint val="50000"/>
+      </a:schemeClr>
+    </dgm:linClrLst>
+    <dgm:effectClrLst/>
+    <dgm:txLinClrLst/>
+    <dgm:txFillClrLst meth="repeat">
+      <a:schemeClr val="tx1"/>
+    </dgm:txFillClrLst>
+    <dgm:txEffectClrLst/>
+  </dgm:styleLbl>
+  <dgm:styleLbl name="asst0">
+    <dgm:fillClrLst meth="repeat">
+      <a:schemeClr val="accent2"/>
+    </dgm:fillClrLst>
+    <dgm:linClrLst meth="repeat">
+      <a:schemeClr val="lt1">
+        <a:shade val="80000"/>
+      </a:schemeClr>
+    </dgm:linClrLst>
+    <dgm:effectClrLst/>
+    <dgm:txLinClrLst/>
+    <dgm:txFillClrLst/>
+    <dgm:txEffectClrLst/>
+  </dgm:styleLbl>
+  <dgm:styleLbl name="asst1">
+    <dgm:fillClrLst meth="repeat">
+      <a:schemeClr val="accent3"/>
+    </dgm:fillClrLst>
+    <dgm:linClrLst meth="repeat">
+      <a:schemeClr val="lt1">
+        <a:shade val="80000"/>
+      </a:schemeClr>
+    </dgm:linClrLst>
+    <dgm:effectClrLst/>
+    <dgm:txLinClrLst/>
+    <dgm:txFillClrLst/>
+    <dgm:txEffectClrLst/>
+  </dgm:styleLbl>
+  <dgm:styleLbl name="asst2">
+    <dgm:fillClrLst>
+      <a:schemeClr val="accent4"/>
+    </dgm:fillClrLst>
+    <dgm:linClrLst meth="repeat">
+      <a:schemeClr val="lt1"/>
+    </dgm:linClrLst>
+    <dgm:effectClrLst/>
+    <dgm:txLinClrLst/>
+    <dgm:txFillClrLst/>
+    <dgm:txEffectClrLst/>
+  </dgm:styleLbl>
+  <dgm:styleLbl name="asst3">
+    <dgm:fillClrLst>
+      <a:schemeClr val="accent5"/>
+    </dgm:fillClrLst>
+    <dgm:linClrLst meth="repeat">
+      <a:schemeClr val="lt1"/>
+    </dgm:linClrLst>
+    <dgm:effectClrLst/>
+    <dgm:txLinClrLst/>
+    <dgm:txFillClrLst/>
+    <dgm:txEffectClrLst/>
+  </dgm:styleLbl>
+  <dgm:styleLbl name="asst4">
+    <dgm:fillClrLst>
+      <a:schemeClr val="accent6"/>
+    </dgm:fillClrLst>
+    <dgm:linClrLst meth="repeat">
+      <a:schemeClr val="lt1"/>
+    </dgm:linClrLst>
+    <dgm:effectClrLst/>
+    <dgm:txLinClrLst/>
+    <dgm:txFillClrLst/>
+    <dgm:txEffectClrLst/>
+  </dgm:styleLbl>
+  <dgm:styleLbl name="parChTrans2D1">
+    <dgm:fillClrLst meth="repeat">
+      <a:schemeClr val="accent2"/>
+    </dgm:fillClrLst>
+    <dgm:linClrLst meth="repeat">
+      <a:schemeClr val="lt1"/>
+    </dgm:linClrLst>
+    <dgm:effectClrLst/>
+    <dgm:txLinClrLst/>
+    <dgm:txFillClrLst meth="repeat">
+      <a:schemeClr val="lt1"/>
+    </dgm:txFillClrLst>
+    <dgm:txEffectClrLst/>
+  </dgm:styleLbl>
+  <dgm:styleLbl name="parChTrans2D2">
+    <dgm:fillClrLst meth="repeat">
+      <a:schemeClr val="accent3"/>
+    </dgm:fillClrLst>
+    <dgm:linClrLst meth="repeat">
+      <a:schemeClr val="lt1"/>
+    </dgm:linClrLst>
+    <dgm:effectClrLst/>
+    <dgm:txLinClrLst/>
+    <dgm:txFillClrLst/>
+    <dgm:txEffectClrLst/>
+  </dgm:styleLbl>
+  <dgm:styleLbl name="parChTrans2D3">
+    <dgm:fillClrLst meth="repeat">
+      <a:schemeClr val="accent4"/>
+    </dgm:fillClrLst>
+    <dgm:linClrLst meth="repeat">
+      <a:schemeClr val="lt1"/>
+    </dgm:linClrLst>
+    <dgm:effectClrLst/>
+    <dgm:txLinClrLst/>
+    <dgm:txFillClrLst/>
+    <dgm:txEffectClrLst/>
+  </dgm:styleLbl>
+  <dgm:styleLbl name="parChTrans2D4">
+    <dgm:fillClrLst meth="repeat">
+      <a:schemeClr val="accent5"/>
+    </dgm:fillClrLst>
+    <dgm:linClrLst meth="repeat">
+      <a:schemeClr val="lt1"/>
+    </dgm:linClrLst>
+    <dgm:effectClrLst/>
+    <dgm:txLinClrLst/>
+    <dgm:txFillClrLst meth="repeat">
+      <a:schemeClr val="lt1"/>
+    </dgm:txFillClrLst>
+    <dgm:txEffectClrLst/>
+  </dgm:styleLbl>
+  <dgm:styleLbl name="parChTrans1D1">
+    <dgm:fillClrLst meth="repeat">
+      <a:schemeClr val="accent2"/>
+    </dgm:fillClrLst>
+    <dgm:linClrLst meth="repeat">
+      <a:schemeClr val="accent2"/>
+    </dgm:linClrLst>
+    <dgm:effectClrLst/>
+    <dgm:txLinClrLst/>
+    <dgm:txFillClrLst meth="repeat">
+      <a:schemeClr val="tx1"/>
+    </dgm:txFillClrLst>
+    <dgm:txEffectClrLst/>
+  </dgm:styleLbl>
+  <dgm:styleLbl name="parChTrans1D2">
+    <dgm:fillClrLst meth="repeat">
+      <a:schemeClr val="accent2">
+        <a:tint val="90000"/>
+      </a:schemeClr>
+    </dgm:fillClrLst>
+    <dgm:linClrLst meth="repeat">
+      <a:schemeClr val="accent3"/>
+    </dgm:linClrLst>
+    <dgm:effectClrLst/>
+    <dgm:txLinClrLst/>
+    <dgm:txFillClrLst meth="repeat">
+      <a:schemeClr val="tx1"/>
+    </dgm:txFillClrLst>
+    <dgm:txEffectClrLst/>
+  </dgm:styleLbl>
+  <dgm:styleLbl name="parChTrans1D3">
+    <dgm:fillClrLst meth="repeat">
+      <a:schemeClr val="accent2">
+        <a:tint val="70000"/>
+      </a:schemeClr>
+    </dgm:fillClrLst>
+    <dgm:linClrLst meth="repeat">
+      <a:schemeClr val="accent4"/>
+    </dgm:linClrLst>
+    <dgm:effectClrLst/>
+    <dgm:txLinClrLst/>
+    <dgm:txFillClrLst meth="repeat">
+      <a:schemeClr val="tx1"/>
+    </dgm:txFillClrLst>
+    <dgm:txEffectClrLst/>
+  </dgm:styleLbl>
+  <dgm:styleLbl name="parChTrans1D4">
+    <dgm:fillClrLst meth="repeat">
+      <a:schemeClr val="accent2">
+        <a:tint val="50000"/>
+      </a:schemeClr>
+    </dgm:fillClrLst>
+    <dgm:linClrLst meth="repeat">
+      <a:schemeClr val="accent5"/>
+    </dgm:linClrLst>
+    <dgm:effectClrLst/>
+    <dgm:txLinClrLst/>
+    <dgm:txFillClrLst meth="repeat">
+      <a:schemeClr val="tx1"/>
+    </dgm:txFillClrLst>
+    <dgm:txEffectClrLst/>
+  </dgm:styleLbl>
+  <dgm:styleLbl name="fgAcc1">
+    <dgm:fillClrLst meth="repeat">
+      <a:schemeClr val="lt1">
+        <a:alpha val="90000"/>
+      </a:schemeClr>
+    </dgm:fillClrLst>
+    <dgm:linClrLst>
+      <a:schemeClr val="accent2"/>
+      <a:schemeClr val="accent3"/>
+    </dgm:linClrLst>
+    <dgm:effectClrLst/>
+    <dgm:txLinClrLst/>
+    <dgm:txFillClrLst meth="repeat">
+      <a:schemeClr val="dk1"/>
+    </dgm:txFillClrLst>
+    <dgm:txEffectClrLst/>
+  </dgm:styleLbl>
+  <dgm:styleLbl name="conFgAcc1">
+    <dgm:fillClrLst meth="repeat">
+      <a:schemeClr val="lt1">
+        <a:alpha val="90000"/>
+      </a:schemeClr>
+    </dgm:fillClrLst>
+    <dgm:linClrLst>
+      <a:schemeClr val="accent2"/>
+      <a:schemeClr val="accent3"/>
+    </dgm:linClrLst>
+    <dgm:effectClrLst/>
+    <dgm:txLinClrLst/>
+    <dgm:txFillClrLst meth="repeat">
+      <a:schemeClr val="dk1"/>
+    </dgm:txFillClrLst>
+    <dgm:txEffectClrLst/>
+  </dgm:styleLbl>
+  <dgm:styleLbl name="alignAcc1">
+    <dgm:fillClrLst meth="repeat">
+      <a:schemeClr val="lt1">
+        <a:alpha val="90000"/>
+      </a:schemeClr>
+    </dgm:fillClrLst>
+    <dgm:linClrLst>
+      <a:schemeClr val="accent2"/>
+      <a:schemeClr val="accent3"/>
+    </dgm:linClrLst>
+    <dgm:effectClrLst/>
+    <dgm:txLinClrLst/>
+    <dgm:txFillClrLst meth="repeat">
+      <a:schemeClr val="dk1"/>
+    </dgm:txFillClrLst>
+    <dgm:txEffectClrLst/>
+  </dgm:styleLbl>
+  <dgm:styleLbl name="trAlignAcc1">
+    <dgm:fillClrLst meth="repeat">
+      <a:schemeClr val="lt1">
+        <a:alpha val="40000"/>
+      </a:schemeClr>
+    </dgm:fillClrLst>
+    <dgm:linClrLst meth="repeat">
+      <a:schemeClr val="accent2"/>
+    </dgm:linClrLst>
+    <dgm:effectClrLst/>
+    <dgm:txLinClrLst/>
+    <dgm:txFillClrLst meth="repeat">
+      <a:schemeClr val="dk1"/>
+    </dgm:txFillClrLst>
+    <dgm:txEffectClrLst/>
+  </dgm:styleLbl>
+  <dgm:styleLbl name="bgAcc1">
+    <dgm:fillClrLst meth="repeat">
+      <a:schemeClr val="lt1">
+        <a:alpha val="90000"/>
+      </a:schemeClr>
+    </dgm:fillClrLst>
+    <dgm:linClrLst>
+      <a:schemeClr val="accent2"/>
+      <a:schemeClr val="accent3"/>
+    </dgm:linClrLst>
+    <dgm:effectClrLst/>
+    <dgm:txLinClrLst/>
+    <dgm:txFillClrLst meth="repeat">
+      <a:schemeClr val="dk1"/>
+    </dgm:txFillClrLst>
+    <dgm:txEffectClrLst/>
+  </dgm:styleLbl>
+  <dgm:styleLbl name="solidFgAcc1">
+    <dgm:fillClrLst meth="repeat">
+      <a:schemeClr val="lt1"/>
+    </dgm:fillClrLst>
+    <dgm:linClrLst>
+      <a:schemeClr val="accent2"/>
+      <a:schemeClr val="accent3"/>
+    </dgm:linClrLst>
+    <dgm:effectClrLst/>
+    <dgm:txLinClrLst/>
+    <dgm:txFillClrLst meth="repeat">
+      <a:schemeClr val="dk1"/>
+    </dgm:txFillClrLst>
+    <dgm:txEffectClrLst/>
+  </dgm:styleLbl>
+  <dgm:styleLbl name="solidAlignAcc1">
+    <dgm:fillClrLst meth="repeat">
+      <a:schemeClr val="lt1"/>
+    </dgm:fillClrLst>
+    <dgm:linClrLst>
+      <a:schemeClr val="accent2"/>
+      <a:schemeClr val="accent3"/>
+    </dgm:linClrLst>
+    <dgm:effectClrLst/>
+    <dgm:txLinClrLst/>
+    <dgm:txFillClrLst meth="repeat">
+      <a:schemeClr val="dk1"/>
+    </dgm:txFillClrLst>
+    <dgm:txEffectClrLst/>
+  </dgm:styleLbl>
+  <dgm:styleLbl name="solidBgAcc1">
+    <dgm:fillClrLst meth="repeat">
+      <a:schemeClr val="lt1"/>
+    </dgm:fillClrLst>
+    <dgm:linClrLst>
+      <a:schemeClr val="accent2"/>
+      <a:schemeClr val="accent3"/>
+    </dgm:linClrLst>
+    <dgm:effectClrLst/>
+    <dgm:txLinClrLst/>
+    <dgm:txFillClrLst meth="repeat">
+      <a:schemeClr val="dk1"/>
+    </dgm:txFillClrLst>
+    <dgm:txEffectClrLst/>
+  </dgm:styleLbl>
+  <dgm:styleLbl name="fgAccFollowNode1">
+    <dgm:fillClrLst>
+      <a:schemeClr val="accent2">
+        <a:tint val="40000"/>
+        <a:alpha val="90000"/>
+      </a:schemeClr>
+      <a:schemeClr val="accent3">
+        <a:tint val="40000"/>
+        <a:alpha val="90000"/>
+      </a:schemeClr>
+    </dgm:fillClrLst>
+    <dgm:linClrLst>
+      <a:schemeClr val="accent2">
+        <a:tint val="40000"/>
+        <a:alpha val="90000"/>
+      </a:schemeClr>
+      <a:schemeClr val="accent3">
+        <a:tint val="40000"/>
+        <a:alpha val="90000"/>
+      </a:schemeClr>
+    </dgm:linClrLst>
+    <dgm:effectClrLst/>
+    <dgm:txLinClrLst/>
+    <dgm:txFillClrLst meth="repeat">
+      <a:schemeClr val="dk1"/>
+    </dgm:txFillClrLst>
+    <dgm:txEffectClrLst/>
+  </dgm:styleLbl>
+  <dgm:styleLbl name="alignAccFollowNode1">
+    <dgm:fillClrLst>
+      <a:schemeClr val="accent2">
+        <a:tint val="40000"/>
+        <a:alpha val="90000"/>
+      </a:schemeClr>
+      <a:schemeClr val="accent3">
+        <a:tint val="40000"/>
+        <a:alpha val="90000"/>
+      </a:schemeClr>
+    </dgm:fillClrLst>
+    <dgm:linClrLst>
+      <a:schemeClr val="accent2">
+        <a:tint val="40000"/>
+        <a:alpha val="90000"/>
+      </a:schemeClr>
+      <a:schemeClr val="accent3">
+        <a:tint val="40000"/>
+        <a:alpha val="90000"/>
+      </a:schemeClr>
+    </dgm:linClrLst>
+    <dgm:effectClrLst/>
+    <dgm:txLinClrLst/>
+    <dgm:txFillClrLst meth="repeat">
+      <a:schemeClr val="dk1"/>
+    </dgm:txFillClrLst>
+    <dgm:txEffectClrLst/>
+  </dgm:styleLbl>
+  <dgm:styleLbl name="bgAccFollowNode1">
+    <dgm:fillClrLst>
+      <a:schemeClr val="accent2">
+        <a:tint val="40000"/>
+        <a:alpha val="90000"/>
+      </a:schemeClr>
+      <a:schemeClr val="accent3">
+        <a:tint val="40000"/>
+        <a:alpha val="90000"/>
+      </a:schemeClr>
+    </dgm:fillClrLst>
+    <dgm:linClrLst>
+      <a:schemeClr val="accent2">
+        <a:tint val="40000"/>
+        <a:alpha val="90000"/>
+      </a:schemeClr>
+      <a:schemeClr val="accent3">
+        <a:tint val="40000"/>
+        <a:alpha val="90000"/>
+      </a:schemeClr>
+    </dgm:linClrLst>
+    <dgm:effectClrLst/>
+    <dgm:txLinClrLst/>
+    <dgm:txFillClrLst meth="repeat">
+      <a:schemeClr val="dk1"/>
+    </dgm:txFillClrLst>
+    <dgm:txEffectClrLst/>
+  </dgm:styleLbl>
+  <dgm:styleLbl name="fgAcc0">
+    <dgm:fillClrLst meth="repeat">
+      <a:schemeClr val="lt1">
+        <a:alpha val="90000"/>
+      </a:schemeClr>
+    </dgm:fillClrLst>
+    <dgm:linClrLst>
+      <a:schemeClr val="accent1"/>
+    </dgm:linClrLst>
+    <dgm:effectClrLst/>
+    <dgm:txLinClrLst/>
+    <dgm:txFillClrLst meth="repeat">
+      <a:schemeClr val="dk1"/>
+    </dgm:txFillClrLst>
+    <dgm:txEffectClrLst/>
+  </dgm:styleLbl>
+  <dgm:styleLbl name="fgAcc2">
+    <dgm:fillClrLst meth="repeat">
+      <a:schemeClr val="lt1">
+        <a:alpha val="90000"/>
+      </a:schemeClr>
+    </dgm:fillClrLst>
+    <dgm:linClrLst>
+      <a:schemeClr val="accent3"/>
+    </dgm:linClrLst>
+    <dgm:effectClrLst/>
+    <dgm:txLinClrLst/>
+    <dgm:txFillClrLst meth="repeat">
+      <a:schemeClr val="dk1"/>
+    </dgm:txFillClrLst>
+    <dgm:txEffectClrLst/>
+  </dgm:styleLbl>
+  <dgm:styleLbl name="fgAcc3">
+    <dgm:fillClrLst meth="repeat">
+      <a:schemeClr val="lt1">
+        <a:alpha val="90000"/>
+      </a:schemeClr>
+    </dgm:fillClrLst>
+    <dgm:linClrLst>
+      <a:schemeClr val="accent4"/>
+    </dgm:linClrLst>
+    <dgm:effectClrLst/>
+    <dgm:txLinClrLst/>
+    <dgm:txFillClrLst meth="repeat">
+      <a:schemeClr val="dk1"/>
+    </dgm:txFillClrLst>
+    <dgm:txEffectClrLst/>
+  </dgm:styleLbl>
+  <dgm:styleLbl name="fgAcc4">
+    <dgm:fillClrLst meth="repeat">
+      <a:schemeClr val="lt1">
+        <a:alpha val="90000"/>
+      </a:schemeClr>
+    </dgm:fillClrLst>
+    <dgm:linClrLst>
+      <a:schemeClr val="accent5"/>
+    </dgm:linClrLst>
+    <dgm:effectClrLst/>
+    <dgm:txLinClrLst/>
+    <dgm:txFillClrLst meth="repeat">
+      <a:schemeClr val="dk1"/>
+    </dgm:txFillClrLst>
+    <dgm:txEffectClrLst/>
+  </dgm:styleLbl>
+  <dgm:styleLbl name="bgShp">
+    <dgm:fillClrLst meth="repeat">
+      <a:schemeClr val="accent2">
+        <a:tint val="40000"/>
+      </a:schemeClr>
+    </dgm:fillClrLst>
+    <dgm:linClrLst meth="repeat">
+      <a:schemeClr val="dk1"/>
+    </dgm:linClrLst>
+    <dgm:effectClrLst/>
+    <dgm:txLinClrLst/>
+    <dgm:txFillClrLst meth="repeat">
+      <a:schemeClr val="dk1"/>
+    </dgm:txFillClrLst>
+    <dgm:txEffectClrLst/>
+  </dgm:styleLbl>
+  <dgm:styleLbl name="dkBgShp">
+    <dgm:fillClrLst meth="repeat">
+      <a:schemeClr val="accent2">
+        <a:shade val="90000"/>
+      </a:schemeClr>
+    </dgm:fillClrLst>
+    <dgm:linClrLst meth="repeat">
+      <a:schemeClr val="dk1"/>
+    </dgm:linClrLst>
+    <dgm:effectClrLst/>
+    <dgm:txLinClrLst/>
+    <dgm:txFillClrLst meth="repeat">
+      <a:schemeClr val="lt1"/>
+    </dgm:txFillClrLst>
+    <dgm:txEffectClrLst/>
+  </dgm:styleLbl>
+  <dgm:styleLbl name="trBgShp">
+    <dgm:fillClrLst meth="repeat">
+      <a:schemeClr val="accent2">
+        <a:tint val="50000"/>
+        <a:alpha val="40000"/>
+      </a:schemeClr>
+    </dgm:fillClrLst>
+    <dgm:linClrLst meth="repeat">
+      <a:schemeClr val="accent2"/>
+    </dgm:linClrLst>
+    <dgm:effectClrLst/>
+    <dgm:txLinClrLst/>
+    <dgm:txFillClrLst meth="repeat">
+      <a:schemeClr val="lt1"/>
+    </dgm:txFillClrLst>
+    <dgm:txEffectClrLst/>
+  </dgm:styleLbl>
+  <dgm:styleLbl name="fgShp">
+    <dgm:fillClrLst meth="repeat">
+      <a:schemeClr val="accent2">
+        <a:tint val="40000"/>
+      </a:schemeClr>
+    </dgm:fillClrLst>
+    <dgm:linClrLst meth="repeat">
+      <a:schemeClr val="lt1"/>
+    </dgm:linClrLst>
+    <dgm:effectClrLst/>
+    <dgm:txLinClrLst/>
+    <dgm:txFillClrLst meth="repeat">
+      <a:schemeClr val="dk1"/>
+    </dgm:txFillClrLst>
+    <dgm:txEffectClrLst/>
+  </dgm:styleLbl>
+  <dgm:styleLbl name="revTx">
+    <dgm:fillClrLst meth="repeat">
+      <a:schemeClr val="lt1">
+        <a:alpha val="0"/>
+      </a:schemeClr>
+    </dgm:fillClrLst>
+    <dgm:linClrLst meth="repeat">
+      <a:schemeClr val="dk1">
+        <a:alpha val="0"/>
+      </a:schemeClr>
+    </dgm:linClrLst>
+    <dgm:effectClrLst/>
+    <dgm:txLinClrLst/>
+    <dgm:txFillClrLst meth="repeat">
+      <a:schemeClr val="tx1"/>
+    </dgm:txFillClrLst>
+    <dgm:txEffectClrLst/>
+  </dgm:styleLbl>
+</dgm:colorsDef>
+</file>
+
 <file path=ppt/diagrams/data1.xml><?xml version="1.0" encoding="utf-8"?>
 <dgm:dataModel xmlns:dgm="http://schemas.openxmlformats.org/drawingml/2006/diagram" xmlns:a="http://schemas.openxmlformats.org/drawingml/2006/main">
   <dgm:ptLst>
@@ -1430,78 +2213,6 @@
         </a:p>
       </dgm:t>
     </dgm:pt>
-    <dgm:pt modelId="{63E0C32F-5CB1-4C0B-BFC5-95C3688A5952}">
-      <dgm:prSet/>
-      <dgm:spPr/>
-      <dgm:t>
-        <a:bodyPr/>
-        <a:lstStyle/>
-        <a:p>
-          <a:r>
-            <a:rPr lang="es-AR" dirty="0"/>
-            <a:t>TIMER</a:t>
-          </a:r>
-        </a:p>
-      </dgm:t>
-    </dgm:pt>
-    <dgm:pt modelId="{FC0286EA-4B69-4B09-B5C5-A002ECF296A6}" type="parTrans" cxnId="{2EDCA332-FA0E-49FA-8C8E-EB6D90DD39C4}">
-      <dgm:prSet/>
-      <dgm:spPr/>
-      <dgm:t>
-        <a:bodyPr/>
-        <a:lstStyle/>
-        <a:p>
-          <a:endParaRPr lang="es-AR"/>
-        </a:p>
-      </dgm:t>
-    </dgm:pt>
-    <dgm:pt modelId="{DDDB3BA4-5927-4112-81E0-912E28DBF488}" type="sibTrans" cxnId="{2EDCA332-FA0E-49FA-8C8E-EB6D90DD39C4}">
-      <dgm:prSet/>
-      <dgm:spPr/>
-      <dgm:t>
-        <a:bodyPr/>
-        <a:lstStyle/>
-        <a:p>
-          <a:endParaRPr lang="es-AR"/>
-        </a:p>
-      </dgm:t>
-    </dgm:pt>
-    <dgm:pt modelId="{E116835A-3D10-450B-9413-E1B97894FFA3}">
-      <dgm:prSet/>
-      <dgm:spPr/>
-      <dgm:t>
-        <a:bodyPr/>
-        <a:lstStyle/>
-        <a:p>
-          <a:r>
-            <a:rPr lang="es-AR" dirty="0"/>
-            <a:t>SYSTICK</a:t>
-          </a:r>
-        </a:p>
-      </dgm:t>
-    </dgm:pt>
-    <dgm:pt modelId="{AEF768B3-89BD-4493-B753-D5C7E3F86037}" type="parTrans" cxnId="{5811BAAA-C778-4938-B9A0-254EA33A3D9B}">
-      <dgm:prSet/>
-      <dgm:spPr/>
-      <dgm:t>
-        <a:bodyPr/>
-        <a:lstStyle/>
-        <a:p>
-          <a:endParaRPr lang="es-AR"/>
-        </a:p>
-      </dgm:t>
-    </dgm:pt>
-    <dgm:pt modelId="{52D43CBC-A4A2-45B3-BE26-8C6C6134A79F}" type="sibTrans" cxnId="{5811BAAA-C778-4938-B9A0-254EA33A3D9B}">
-      <dgm:prSet/>
-      <dgm:spPr/>
-      <dgm:t>
-        <a:bodyPr/>
-        <a:lstStyle/>
-        <a:p>
-          <a:endParaRPr lang="es-AR"/>
-        </a:p>
-      </dgm:t>
-    </dgm:pt>
     <dgm:pt modelId="{C194289A-C687-45FE-8049-89294C7C2B30}">
       <dgm:prSet/>
       <dgm:spPr/>
@@ -1544,7 +2255,7 @@
         <a:p>
           <a:r>
             <a:rPr lang="es-AR" dirty="0"/>
-            <a:t>DOOR MANAGAER</a:t>
+            <a:t>DOOR MANAGER</a:t>
           </a:r>
         </a:p>
       </dgm:t>
@@ -1712,6 +2423,185 @@
         </a:p>
       </dgm:t>
     </dgm:pt>
+    <dgm:pt modelId="{A8AB1CD0-D09D-4A4C-A016-30C1A31ADC7C}">
+      <dgm:prSet/>
+      <dgm:spPr/>
+      <dgm:t>
+        <a:bodyPr/>
+        <a:lstStyle/>
+        <a:p>
+          <a:r>
+            <a:rPr lang="es-AR" dirty="0"/>
+            <a:t>DECODER</a:t>
+          </a:r>
+        </a:p>
+      </dgm:t>
+    </dgm:pt>
+    <dgm:pt modelId="{C6675E17-4D63-4B5D-AD8B-FCF060D42AE9}" type="sibTrans" cxnId="{9452F0B1-ED1F-4A04-BF25-F2B8314D22D4}">
+      <dgm:prSet/>
+      <dgm:spPr/>
+      <dgm:t>
+        <a:bodyPr/>
+        <a:lstStyle/>
+        <a:p>
+          <a:endParaRPr lang="en-US"/>
+        </a:p>
+      </dgm:t>
+    </dgm:pt>
+    <dgm:pt modelId="{0BE4166A-48AF-4D03-9C62-5441E36419F0}" type="parTrans" cxnId="{9452F0B1-ED1F-4A04-BF25-F2B8314D22D4}">
+      <dgm:prSet/>
+      <dgm:spPr/>
+      <dgm:t>
+        <a:bodyPr/>
+        <a:lstStyle/>
+        <a:p>
+          <a:endParaRPr lang="en-US"/>
+        </a:p>
+      </dgm:t>
+    </dgm:pt>
+    <dgm:pt modelId="{E116835A-3D10-450B-9413-E1B97894FFA3}">
+      <dgm:prSet/>
+      <dgm:spPr/>
+      <dgm:t>
+        <a:bodyPr/>
+        <a:lstStyle/>
+        <a:p>
+          <a:r>
+            <a:rPr lang="es-AR" dirty="0"/>
+            <a:t>GPIO</a:t>
+          </a:r>
+        </a:p>
+      </dgm:t>
+    </dgm:pt>
+    <dgm:pt modelId="{52D43CBC-A4A2-45B3-BE26-8C6C6134A79F}" type="sibTrans" cxnId="{5811BAAA-C778-4938-B9A0-254EA33A3D9B}">
+      <dgm:prSet/>
+      <dgm:spPr/>
+      <dgm:t>
+        <a:bodyPr/>
+        <a:lstStyle/>
+        <a:p>
+          <a:endParaRPr lang="es-AR"/>
+        </a:p>
+      </dgm:t>
+    </dgm:pt>
+    <dgm:pt modelId="{AEF768B3-89BD-4493-B753-D5C7E3F86037}" type="parTrans" cxnId="{5811BAAA-C778-4938-B9A0-254EA33A3D9B}">
+      <dgm:prSet/>
+      <dgm:spPr/>
+      <dgm:t>
+        <a:bodyPr/>
+        <a:lstStyle/>
+        <a:p>
+          <a:endParaRPr lang="es-AR"/>
+        </a:p>
+      </dgm:t>
+    </dgm:pt>
+    <dgm:pt modelId="{DEBFFABF-82B9-4D25-8AD5-D3D639130002}">
+      <dgm:prSet/>
+      <dgm:spPr/>
+      <dgm:t>
+        <a:bodyPr/>
+        <a:lstStyle/>
+        <a:p>
+          <a:endParaRPr lang="es-AR" dirty="0"/>
+        </a:p>
+      </dgm:t>
+    </dgm:pt>
+    <dgm:pt modelId="{C285AA89-3DDC-4450-9A7F-149023CB6A38}" type="parTrans" cxnId="{25C18B10-BA99-4144-9327-3CE193268AD5}">
+      <dgm:prSet/>
+      <dgm:spPr/>
+      <dgm:t>
+        <a:bodyPr/>
+        <a:lstStyle/>
+        <a:p>
+          <a:endParaRPr lang="en-US"/>
+        </a:p>
+      </dgm:t>
+    </dgm:pt>
+    <dgm:pt modelId="{BBFA5F37-ED43-47CE-BC61-3C61975DD27E}" type="sibTrans" cxnId="{25C18B10-BA99-4144-9327-3CE193268AD5}">
+      <dgm:prSet/>
+      <dgm:spPr/>
+      <dgm:t>
+        <a:bodyPr/>
+        <a:lstStyle/>
+        <a:p>
+          <a:endParaRPr lang="en-US"/>
+        </a:p>
+      </dgm:t>
+    </dgm:pt>
+    <dgm:pt modelId="{001622B8-067A-4ACE-8911-1AA26B934B71}">
+      <dgm:prSet/>
+      <dgm:spPr/>
+      <dgm:t>
+        <a:bodyPr/>
+        <a:lstStyle/>
+        <a:p>
+          <a:r>
+            <a:rPr lang="es-AR" dirty="0"/>
+            <a:t>TIMER</a:t>
+          </a:r>
+          <a:endParaRPr lang="en-US" dirty="0"/>
+        </a:p>
+      </dgm:t>
+    </dgm:pt>
+    <dgm:pt modelId="{7B337E52-DD2F-44E8-9ED5-365B87D9FED1}" type="parTrans" cxnId="{BC126B93-5A85-4FE0-92DC-6B5FDE551C7F}">
+      <dgm:prSet/>
+      <dgm:spPr/>
+      <dgm:t>
+        <a:bodyPr/>
+        <a:lstStyle/>
+        <a:p>
+          <a:endParaRPr lang="en-US"/>
+        </a:p>
+      </dgm:t>
+    </dgm:pt>
+    <dgm:pt modelId="{9859AD3B-0077-415C-B213-4209EF6A42CC}" type="sibTrans" cxnId="{BC126B93-5A85-4FE0-92DC-6B5FDE551C7F}">
+      <dgm:prSet/>
+      <dgm:spPr/>
+      <dgm:t>
+        <a:bodyPr/>
+        <a:lstStyle/>
+        <a:p>
+          <a:endParaRPr lang="en-US"/>
+        </a:p>
+      </dgm:t>
+    </dgm:pt>
+    <dgm:pt modelId="{CFE7097C-8D2B-4D79-A5D5-84D08B065AD4}">
+      <dgm:prSet/>
+      <dgm:spPr/>
+      <dgm:t>
+        <a:bodyPr/>
+        <a:lstStyle/>
+        <a:p>
+          <a:r>
+            <a:rPr lang="es-AR" dirty="0"/>
+            <a:t>SYSTICK</a:t>
+          </a:r>
+          <a:endParaRPr lang="en-US" dirty="0"/>
+        </a:p>
+      </dgm:t>
+    </dgm:pt>
+    <dgm:pt modelId="{84C7FE82-CB25-4ECD-9CE0-264765FA62D1}" type="parTrans" cxnId="{A270B2EB-18BD-4B40-BD8B-9EEC62090524}">
+      <dgm:prSet/>
+      <dgm:spPr/>
+      <dgm:t>
+        <a:bodyPr/>
+        <a:lstStyle/>
+        <a:p>
+          <a:endParaRPr lang="en-US"/>
+        </a:p>
+      </dgm:t>
+    </dgm:pt>
+    <dgm:pt modelId="{92CA62EB-398C-4FDA-BBA7-96649940D1E8}" type="sibTrans" cxnId="{A270B2EB-18BD-4B40-BD8B-9EEC62090524}">
+      <dgm:prSet/>
+      <dgm:spPr/>
+      <dgm:t>
+        <a:bodyPr/>
+        <a:lstStyle/>
+        <a:p>
+          <a:endParaRPr lang="en-US"/>
+        </a:p>
+      </dgm:t>
+    </dgm:pt>
     <dgm:pt modelId="{C647C14C-60E2-48E5-85A4-92CF88C6F009}" type="pres">
       <dgm:prSet presAssocID="{1C5F8750-0E8D-4A4F-A5C4-6A02757B2CEE}" presName="mainComposite" presStyleCnt="0">
         <dgm:presLayoutVars>
@@ -1723,13 +2613,6 @@
         </dgm:presLayoutVars>
       </dgm:prSet>
       <dgm:spPr/>
-      <dgm:t>
-        <a:bodyPr/>
-        <a:lstStyle/>
-        <a:p>
-          <a:endParaRPr lang="es-ES"/>
-        </a:p>
-      </dgm:t>
     </dgm:pt>
     <dgm:pt modelId="{7FBC73CD-6899-48F0-97D2-0FAF099D00D7}" type="pres">
       <dgm:prSet presAssocID="{1C5F8750-0E8D-4A4F-A5C4-6A02757B2CEE}" presName="hierFlow" presStyleCnt="0"/>
@@ -1756,13 +2639,6 @@
         </dgm:presLayoutVars>
       </dgm:prSet>
       <dgm:spPr/>
-      <dgm:t>
-        <a:bodyPr/>
-        <a:lstStyle/>
-        <a:p>
-          <a:endParaRPr lang="es-ES"/>
-        </a:p>
-      </dgm:t>
     </dgm:pt>
     <dgm:pt modelId="{DCCD5EFE-7876-4BE0-8B52-0B8CAA5B5D98}" type="pres">
       <dgm:prSet presAssocID="{9A3D543D-1E9A-4BE5-BFBC-B65722739982}" presName="hierChild2" presStyleCnt="0"/>
@@ -1771,13 +2647,6 @@
     <dgm:pt modelId="{41AB122B-081A-4865-AD38-E3670CB221C3}" type="pres">
       <dgm:prSet presAssocID="{675114A4-4D40-4091-9275-9C8175883DB4}" presName="Name19" presStyleLbl="parChTrans1D2" presStyleIdx="0" presStyleCnt="4"/>
       <dgm:spPr/>
-      <dgm:t>
-        <a:bodyPr/>
-        <a:lstStyle/>
-        <a:p>
-          <a:endParaRPr lang="es-ES"/>
-        </a:p>
-      </dgm:t>
     </dgm:pt>
     <dgm:pt modelId="{CF8D64B8-D61F-466F-8ABA-43D7D9B04C06}" type="pres">
       <dgm:prSet presAssocID="{35DCDA67-F2A2-441C-AE5D-C1B198AC0662}" presName="Name21" presStyleCnt="0"/>
@@ -1786,88 +2655,94 @@
     <dgm:pt modelId="{0ECD015A-E51F-4E92-93F8-42CA82FE8288}" type="pres">
       <dgm:prSet presAssocID="{35DCDA67-F2A2-441C-AE5D-C1B198AC0662}" presName="level2Shape" presStyleLbl="node2" presStyleIdx="0" presStyleCnt="4"/>
       <dgm:spPr/>
-      <dgm:t>
-        <a:bodyPr/>
-        <a:lstStyle/>
-        <a:p>
-          <a:endParaRPr lang="es-ES"/>
-        </a:p>
-      </dgm:t>
     </dgm:pt>
     <dgm:pt modelId="{26362DDC-DD1A-4BB8-AE23-6E6A6745B19C}" type="pres">
       <dgm:prSet presAssocID="{35DCDA67-F2A2-441C-AE5D-C1B198AC0662}" presName="hierChild3" presStyleCnt="0"/>
       <dgm:spPr/>
     </dgm:pt>
-    <dgm:pt modelId="{53593E82-FE48-4799-B3D5-9BF8476C7795}" type="pres">
-      <dgm:prSet presAssocID="{FC0286EA-4B69-4B09-B5C5-A002ECF296A6}" presName="Name19" presStyleLbl="parChTrans1D3" presStyleIdx="0" presStyleCnt="8"/>
-      <dgm:spPr/>
-      <dgm:t>
-        <a:bodyPr/>
-        <a:lstStyle/>
-        <a:p>
-          <a:endParaRPr lang="es-ES"/>
-        </a:p>
-      </dgm:t>
-    </dgm:pt>
-    <dgm:pt modelId="{C941A05A-5682-4F10-9964-D12E822952DE}" type="pres">
-      <dgm:prSet presAssocID="{63E0C32F-5CB1-4C0B-BFC5-95C3688A5952}" presName="Name21" presStyleCnt="0"/>
+    <dgm:pt modelId="{53BE28EF-99A8-45D2-A439-B1144FBC3954}" type="pres">
+      <dgm:prSet presAssocID="{7B337E52-DD2F-44E8-9ED5-365B87D9FED1}" presName="Name19" presStyleLbl="parChTrans1D3" presStyleIdx="0" presStyleCnt="10"/>
       <dgm:spPr/>
     </dgm:pt>
-    <dgm:pt modelId="{9ADE6EBB-D0A9-4302-BC75-1FB70BC17255}" type="pres">
-      <dgm:prSet presAssocID="{63E0C32F-5CB1-4C0B-BFC5-95C3688A5952}" presName="level2Shape" presStyleLbl="node3" presStyleIdx="0" presStyleCnt="8"/>
+    <dgm:pt modelId="{D3FD43ED-49D9-4CB5-A2F0-DFC7987DD202}" type="pres">
+      <dgm:prSet presAssocID="{001622B8-067A-4ACE-8911-1AA26B934B71}" presName="Name21" presStyleCnt="0"/>
       <dgm:spPr/>
-      <dgm:t>
-        <a:bodyPr/>
-        <a:lstStyle/>
-        <a:p>
-          <a:endParaRPr lang="es-ES"/>
-        </a:p>
-      </dgm:t>
     </dgm:pt>
-    <dgm:pt modelId="{65679440-020D-4210-B943-BEE04BE83EB1}" type="pres">
-      <dgm:prSet presAssocID="{63E0C32F-5CB1-4C0B-BFC5-95C3688A5952}" presName="hierChild3" presStyleCnt="0"/>
+    <dgm:pt modelId="{C24AA9F1-E100-43C5-9B3E-E49BBE5DF731}" type="pres">
+      <dgm:prSet presAssocID="{001622B8-067A-4ACE-8911-1AA26B934B71}" presName="level2Shape" presStyleLbl="node3" presStyleIdx="0" presStyleCnt="10"/>
+      <dgm:spPr/>
+    </dgm:pt>
+    <dgm:pt modelId="{85A47341-493F-4C78-B925-6D17CBFED368}" type="pres">
+      <dgm:prSet presAssocID="{001622B8-067A-4ACE-8911-1AA26B934B71}" presName="hierChild3" presStyleCnt="0"/>
+      <dgm:spPr/>
+    </dgm:pt>
+    <dgm:pt modelId="{D2FA8DCC-89A3-4CB1-9FF9-7F8B664B0AF9}" type="pres">
+      <dgm:prSet presAssocID="{84C7FE82-CB25-4ECD-9CE0-264765FA62D1}" presName="Name19" presStyleLbl="parChTrans1D4" presStyleIdx="0" presStyleCnt="6"/>
+      <dgm:spPr/>
+    </dgm:pt>
+    <dgm:pt modelId="{2B314F4B-35F2-4267-A97E-CAD08F585A27}" type="pres">
+      <dgm:prSet presAssocID="{CFE7097C-8D2B-4D79-A5D5-84D08B065AD4}" presName="Name21" presStyleCnt="0"/>
+      <dgm:spPr/>
+    </dgm:pt>
+    <dgm:pt modelId="{693E7B0F-4C3D-48FF-A291-A297AD09F19A}" type="pres">
+      <dgm:prSet presAssocID="{CFE7097C-8D2B-4D79-A5D5-84D08B065AD4}" presName="level2Shape" presStyleLbl="node4" presStyleIdx="0" presStyleCnt="6"/>
+      <dgm:spPr/>
+    </dgm:pt>
+    <dgm:pt modelId="{24E3E993-3795-4816-83E6-9D2D429CDF86}" type="pres">
+      <dgm:prSet presAssocID="{CFE7097C-8D2B-4D79-A5D5-84D08B065AD4}" presName="hierChild3" presStyleCnt="0"/>
+      <dgm:spPr/>
+    </dgm:pt>
+    <dgm:pt modelId="{DDEF067D-8035-4EE8-B26D-F9EF3FCB2EBB}" type="pres">
+      <dgm:prSet presAssocID="{C285AA89-3DDC-4450-9A7F-149023CB6A38}" presName="Name19" presStyleLbl="parChTrans1D3" presStyleIdx="1" presStyleCnt="10"/>
+      <dgm:spPr/>
+    </dgm:pt>
+    <dgm:pt modelId="{5C701B20-89F4-4F50-9BD5-3E008C6D7DE6}" type="pres">
+      <dgm:prSet presAssocID="{DEBFFABF-82B9-4D25-8AD5-D3D639130002}" presName="Name21" presStyleCnt="0"/>
+      <dgm:spPr/>
+    </dgm:pt>
+    <dgm:pt modelId="{C506A8BA-439E-4716-BD26-721A6F281A37}" type="pres">
+      <dgm:prSet presAssocID="{DEBFFABF-82B9-4D25-8AD5-D3D639130002}" presName="level2Shape" presStyleLbl="node3" presStyleIdx="1" presStyleCnt="10" custScaleX="5667"/>
+      <dgm:spPr/>
+    </dgm:pt>
+    <dgm:pt modelId="{0D14266D-155E-47D2-BD04-D1ADB411484B}" type="pres">
+      <dgm:prSet presAssocID="{DEBFFABF-82B9-4D25-8AD5-D3D639130002}" presName="hierChild3" presStyleCnt="0"/>
       <dgm:spPr/>
     </dgm:pt>
     <dgm:pt modelId="{2B44D44D-9C15-4BE4-8857-6902DD216E02}" type="pres">
-      <dgm:prSet presAssocID="{AEF768B3-89BD-4493-B753-D5C7E3F86037}" presName="Name19" presStyleLbl="parChTrans1D4" presStyleIdx="0" presStyleCnt="5"/>
+      <dgm:prSet presAssocID="{AEF768B3-89BD-4493-B753-D5C7E3F86037}" presName="Name19" presStyleLbl="parChTrans1D4" presStyleIdx="1" presStyleCnt="6"/>
       <dgm:spPr/>
-      <dgm:t>
-        <a:bodyPr/>
-        <a:lstStyle/>
-        <a:p>
-          <a:endParaRPr lang="es-ES"/>
-        </a:p>
-      </dgm:t>
     </dgm:pt>
     <dgm:pt modelId="{52E0AE4D-5240-4116-8871-F00A2F071C25}" type="pres">
       <dgm:prSet presAssocID="{E116835A-3D10-450B-9413-E1B97894FFA3}" presName="Name21" presStyleCnt="0"/>
       <dgm:spPr/>
     </dgm:pt>
     <dgm:pt modelId="{03CEC701-59F7-4F6F-A2FB-6D1193C6C0E9}" type="pres">
-      <dgm:prSet presAssocID="{E116835A-3D10-450B-9413-E1B97894FFA3}" presName="level2Shape" presStyleLbl="node4" presStyleIdx="0" presStyleCnt="5"/>
+      <dgm:prSet presAssocID="{E116835A-3D10-450B-9413-E1B97894FFA3}" presName="level2Shape" presStyleLbl="node4" presStyleIdx="1" presStyleCnt="6"/>
       <dgm:spPr/>
-      <dgm:t>
-        <a:bodyPr/>
-        <a:lstStyle/>
-        <a:p>
-          <a:endParaRPr lang="es-ES"/>
-        </a:p>
-      </dgm:t>
     </dgm:pt>
     <dgm:pt modelId="{70C641D7-008F-491D-A8A1-389516750A5F}" type="pres">
       <dgm:prSet presAssocID="{E116835A-3D10-450B-9413-E1B97894FFA3}" presName="hierChild3" presStyleCnt="0"/>
       <dgm:spPr/>
     </dgm:pt>
+    <dgm:pt modelId="{12D6D663-4501-42C1-84F8-FE7ACFB08125}" type="pres">
+      <dgm:prSet presAssocID="{0BE4166A-48AF-4D03-9C62-5441E36419F0}" presName="Name19" presStyleLbl="parChTrans1D3" presStyleIdx="2" presStyleCnt="10"/>
+      <dgm:spPr/>
+    </dgm:pt>
+    <dgm:pt modelId="{C74B4A7B-8B7A-4F77-AE91-71E309AE4AA9}" type="pres">
+      <dgm:prSet presAssocID="{A8AB1CD0-D09D-4A4C-A016-30C1A31ADC7C}" presName="Name21" presStyleCnt="0"/>
+      <dgm:spPr/>
+    </dgm:pt>
+    <dgm:pt modelId="{C01A5CD9-857F-4361-ACD1-0621F95E6766}" type="pres">
+      <dgm:prSet presAssocID="{A8AB1CD0-D09D-4A4C-A016-30C1A31ADC7C}" presName="level2Shape" presStyleLbl="node3" presStyleIdx="2" presStyleCnt="10"/>
+      <dgm:spPr/>
+    </dgm:pt>
+    <dgm:pt modelId="{3E7496FE-5635-4896-8F23-1BB41A34664E}" type="pres">
+      <dgm:prSet presAssocID="{A8AB1CD0-D09D-4A4C-A016-30C1A31ADC7C}" presName="hierChild3" presStyleCnt="0"/>
+      <dgm:spPr/>
+    </dgm:pt>
     <dgm:pt modelId="{6D500FE4-6E88-4115-B204-2A401C1E43A0}" type="pres">
       <dgm:prSet presAssocID="{5A2D30D4-EEF4-4274-A404-AB129065637F}" presName="Name19" presStyleLbl="parChTrans1D2" presStyleIdx="1" presStyleCnt="4"/>
       <dgm:spPr/>
-      <dgm:t>
-        <a:bodyPr/>
-        <a:lstStyle/>
-        <a:p>
-          <a:endParaRPr lang="es-ES"/>
-        </a:p>
-      </dgm:t>
     </dgm:pt>
     <dgm:pt modelId="{68735FE1-5986-4989-BCFA-E7980B972273}" type="pres">
       <dgm:prSet presAssocID="{5A9D0339-AA51-434F-8B6C-60F99E3633CF}" presName="Name21" presStyleCnt="0"/>
@@ -1876,103 +2751,54 @@
     <dgm:pt modelId="{1EE97BA3-462E-4247-9C64-D91A323268AC}" type="pres">
       <dgm:prSet presAssocID="{5A9D0339-AA51-434F-8B6C-60F99E3633CF}" presName="level2Shape" presStyleLbl="node2" presStyleIdx="1" presStyleCnt="4"/>
       <dgm:spPr/>
-      <dgm:t>
-        <a:bodyPr/>
-        <a:lstStyle/>
-        <a:p>
-          <a:endParaRPr lang="es-ES"/>
-        </a:p>
-      </dgm:t>
     </dgm:pt>
     <dgm:pt modelId="{F5F29C6D-26F6-440B-88FF-DE5D242CB299}" type="pres">
       <dgm:prSet presAssocID="{5A9D0339-AA51-434F-8B6C-60F99E3633CF}" presName="hierChild3" presStyleCnt="0"/>
       <dgm:spPr/>
     </dgm:pt>
     <dgm:pt modelId="{6DFBC8DC-FB04-4552-ACB4-2C723637561B}" type="pres">
-      <dgm:prSet presAssocID="{14CBFDCC-3ECF-4077-AAFC-9035D3532054}" presName="Name19" presStyleLbl="parChTrans1D3" presStyleIdx="1" presStyleCnt="8"/>
+      <dgm:prSet presAssocID="{14CBFDCC-3ECF-4077-AAFC-9035D3532054}" presName="Name19" presStyleLbl="parChTrans1D3" presStyleIdx="3" presStyleCnt="10"/>
       <dgm:spPr/>
-      <dgm:t>
-        <a:bodyPr/>
-        <a:lstStyle/>
-        <a:p>
-          <a:endParaRPr lang="es-ES"/>
-        </a:p>
-      </dgm:t>
     </dgm:pt>
     <dgm:pt modelId="{01B1FE0B-F591-4A2D-B9D9-4DFCE938EC84}" type="pres">
       <dgm:prSet presAssocID="{5CA15CE3-8396-42E1-8E7E-BD11A58851E2}" presName="Name21" presStyleCnt="0"/>
       <dgm:spPr/>
     </dgm:pt>
     <dgm:pt modelId="{7C0EA656-1D18-4980-86E2-83309EF67A1B}" type="pres">
-      <dgm:prSet presAssocID="{5CA15CE3-8396-42E1-8E7E-BD11A58851E2}" presName="level2Shape" presStyleLbl="node3" presStyleIdx="1" presStyleCnt="8"/>
+      <dgm:prSet presAssocID="{5CA15CE3-8396-42E1-8E7E-BD11A58851E2}" presName="level2Shape" presStyleLbl="node3" presStyleIdx="3" presStyleCnt="10"/>
       <dgm:spPr/>
-      <dgm:t>
-        <a:bodyPr/>
-        <a:lstStyle/>
-        <a:p>
-          <a:endParaRPr lang="es-ES"/>
-        </a:p>
-      </dgm:t>
     </dgm:pt>
     <dgm:pt modelId="{7EF65181-3316-4D40-8098-EFE2CDDA0653}" type="pres">
       <dgm:prSet presAssocID="{5CA15CE3-8396-42E1-8E7E-BD11A58851E2}" presName="hierChild3" presStyleCnt="0"/>
       <dgm:spPr/>
     </dgm:pt>
     <dgm:pt modelId="{190E5C43-FF52-41EF-BC65-4C3846DF4B2F}" type="pres">
-      <dgm:prSet presAssocID="{27B0B7D4-9290-4FFB-8E4F-E55C7EC9F8B5}" presName="Name19" presStyleLbl="parChTrans1D4" presStyleIdx="1" presStyleCnt="5"/>
+      <dgm:prSet presAssocID="{27B0B7D4-9290-4FFB-8E4F-E55C7EC9F8B5}" presName="Name19" presStyleLbl="parChTrans1D4" presStyleIdx="2" presStyleCnt="6"/>
       <dgm:spPr/>
-      <dgm:t>
-        <a:bodyPr/>
-        <a:lstStyle/>
-        <a:p>
-          <a:endParaRPr lang="es-ES"/>
-        </a:p>
-      </dgm:t>
     </dgm:pt>
     <dgm:pt modelId="{37FB32C3-A5F1-4812-A1A1-DE1AA871D2FD}" type="pres">
       <dgm:prSet presAssocID="{F66CC7BD-674A-437D-8C62-29898B13049D}" presName="Name21" presStyleCnt="0"/>
       <dgm:spPr/>
     </dgm:pt>
     <dgm:pt modelId="{403A2617-6E68-42B4-BEB9-915729DD91B2}" type="pres">
-      <dgm:prSet presAssocID="{F66CC7BD-674A-437D-8C62-29898B13049D}" presName="level2Shape" presStyleLbl="node4" presStyleIdx="1" presStyleCnt="5"/>
+      <dgm:prSet presAssocID="{F66CC7BD-674A-437D-8C62-29898B13049D}" presName="level2Shape" presStyleLbl="node4" presStyleIdx="2" presStyleCnt="6"/>
       <dgm:spPr/>
-      <dgm:t>
-        <a:bodyPr/>
-        <a:lstStyle/>
-        <a:p>
-          <a:endParaRPr lang="es-ES"/>
-        </a:p>
-      </dgm:t>
     </dgm:pt>
     <dgm:pt modelId="{E6CA9CB2-9465-4706-AB82-6534488FC1B5}" type="pres">
       <dgm:prSet presAssocID="{F66CC7BD-674A-437D-8C62-29898B13049D}" presName="hierChild3" presStyleCnt="0"/>
       <dgm:spPr/>
     </dgm:pt>
     <dgm:pt modelId="{86087C67-4375-477E-84D1-836C1F14C793}" type="pres">
-      <dgm:prSet presAssocID="{441A3D14-7823-4933-A226-6CEE16869DD4}" presName="Name19" presStyleLbl="parChTrans1D3" presStyleIdx="2" presStyleCnt="8"/>
+      <dgm:prSet presAssocID="{441A3D14-7823-4933-A226-6CEE16869DD4}" presName="Name19" presStyleLbl="parChTrans1D3" presStyleIdx="4" presStyleCnt="10"/>
       <dgm:spPr/>
-      <dgm:t>
-        <a:bodyPr/>
-        <a:lstStyle/>
-        <a:p>
-          <a:endParaRPr lang="es-ES"/>
-        </a:p>
-      </dgm:t>
     </dgm:pt>
     <dgm:pt modelId="{85B79B7E-F00E-48C7-AF60-37DCF3CD811A}" type="pres">
       <dgm:prSet presAssocID="{540823D0-D4AA-438F-B805-D3CA6D4539F8}" presName="Name21" presStyleCnt="0"/>
       <dgm:spPr/>
     </dgm:pt>
     <dgm:pt modelId="{A445E83A-B1D7-4754-AB40-1BD356E2B23A}" type="pres">
-      <dgm:prSet presAssocID="{540823D0-D4AA-438F-B805-D3CA6D4539F8}" presName="level2Shape" presStyleLbl="node3" presStyleIdx="2" presStyleCnt="8" custLinFactNeighborY="10785"/>
+      <dgm:prSet presAssocID="{540823D0-D4AA-438F-B805-D3CA6D4539F8}" presName="level2Shape" presStyleLbl="node3" presStyleIdx="4" presStyleCnt="10" custLinFactNeighborX="-875" custLinFactNeighborY="-1031"/>
       <dgm:spPr/>
-      <dgm:t>
-        <a:bodyPr/>
-        <a:lstStyle/>
-        <a:p>
-          <a:endParaRPr lang="es-ES"/>
-        </a:p>
-      </dgm:t>
     </dgm:pt>
     <dgm:pt modelId="{B24DE3F9-9CB7-4F27-BB97-71205C9A2479}" type="pres">
       <dgm:prSet presAssocID="{540823D0-D4AA-438F-B805-D3CA6D4539F8}" presName="hierChild3" presStyleCnt="0"/>
@@ -1981,13 +2807,6 @@
     <dgm:pt modelId="{F7EDE524-7426-42F9-9EA5-E64F8887CFAA}" type="pres">
       <dgm:prSet presAssocID="{C7818523-DD8A-4226-93BE-3030326F44BF}" presName="Name19" presStyleLbl="parChTrans1D2" presStyleIdx="2" presStyleCnt="4"/>
       <dgm:spPr/>
-      <dgm:t>
-        <a:bodyPr/>
-        <a:lstStyle/>
-        <a:p>
-          <a:endParaRPr lang="es-ES"/>
-        </a:p>
-      </dgm:t>
     </dgm:pt>
     <dgm:pt modelId="{5DA55476-FD85-4BDC-BCF0-DB2BB19B160F}" type="pres">
       <dgm:prSet presAssocID="{66EE189E-5075-46F1-AF74-59651897F29C}" presName="Name21" presStyleCnt="0"/>
@@ -1996,133 +2815,70 @@
     <dgm:pt modelId="{532A0C2D-ACD5-4BE7-B893-91B3018C35E8}" type="pres">
       <dgm:prSet presAssocID="{66EE189E-5075-46F1-AF74-59651897F29C}" presName="level2Shape" presStyleLbl="node2" presStyleIdx="2" presStyleCnt="4"/>
       <dgm:spPr/>
-      <dgm:t>
-        <a:bodyPr/>
-        <a:lstStyle/>
-        <a:p>
-          <a:endParaRPr lang="es-ES"/>
-        </a:p>
-      </dgm:t>
     </dgm:pt>
     <dgm:pt modelId="{C2545C84-F611-4AA0-BF48-AF255CC892C6}" type="pres">
       <dgm:prSet presAssocID="{66EE189E-5075-46F1-AF74-59651897F29C}" presName="hierChild3" presStyleCnt="0"/>
       <dgm:spPr/>
     </dgm:pt>
     <dgm:pt modelId="{7D9DF814-EB3C-4A52-B166-0E4DD46DE296}" type="pres">
-      <dgm:prSet presAssocID="{A1E0D595-9930-49C1-A7D6-ABF215D5DF74}" presName="Name19" presStyleLbl="parChTrans1D3" presStyleIdx="3" presStyleCnt="8"/>
+      <dgm:prSet presAssocID="{A1E0D595-9930-49C1-A7D6-ABF215D5DF74}" presName="Name19" presStyleLbl="parChTrans1D3" presStyleIdx="5" presStyleCnt="10"/>
       <dgm:spPr/>
-      <dgm:t>
-        <a:bodyPr/>
-        <a:lstStyle/>
-        <a:p>
-          <a:endParaRPr lang="es-ES"/>
-        </a:p>
-      </dgm:t>
     </dgm:pt>
     <dgm:pt modelId="{2CEE8531-70A8-468C-BBF2-59E50CD56C67}" type="pres">
       <dgm:prSet presAssocID="{C194289A-C687-45FE-8049-89294C7C2B30}" presName="Name21" presStyleCnt="0"/>
       <dgm:spPr/>
     </dgm:pt>
     <dgm:pt modelId="{7ECB5281-3BE3-458D-9668-FC45289E3411}" type="pres">
-      <dgm:prSet presAssocID="{C194289A-C687-45FE-8049-89294C7C2B30}" presName="level2Shape" presStyleLbl="node3" presStyleIdx="3" presStyleCnt="8" custScaleX="4325"/>
+      <dgm:prSet presAssocID="{C194289A-C687-45FE-8049-89294C7C2B30}" presName="level2Shape" presStyleLbl="node3" presStyleIdx="5" presStyleCnt="10" custScaleX="4325"/>
       <dgm:spPr/>
-      <dgm:t>
-        <a:bodyPr/>
-        <a:lstStyle/>
-        <a:p>
-          <a:endParaRPr lang="es-ES"/>
-        </a:p>
-      </dgm:t>
     </dgm:pt>
     <dgm:pt modelId="{41C358C0-DB22-445C-99B0-377F9DD83D02}" type="pres">
       <dgm:prSet presAssocID="{C194289A-C687-45FE-8049-89294C7C2B30}" presName="hierChild3" presStyleCnt="0"/>
       <dgm:spPr/>
     </dgm:pt>
     <dgm:pt modelId="{6693D620-D3B4-43A1-8165-358A23FCEFAD}" type="pres">
-      <dgm:prSet presAssocID="{3B12340C-4A3C-4DC8-BCCA-8F5CFA7F81A0}" presName="Name19" presStyleLbl="parChTrans1D4" presStyleIdx="2" presStyleCnt="5"/>
+      <dgm:prSet presAssocID="{3B12340C-4A3C-4DC8-BCCA-8F5CFA7F81A0}" presName="Name19" presStyleLbl="parChTrans1D4" presStyleIdx="3" presStyleCnt="6"/>
       <dgm:spPr/>
-      <dgm:t>
-        <a:bodyPr/>
-        <a:lstStyle/>
-        <a:p>
-          <a:endParaRPr lang="es-ES"/>
-        </a:p>
-      </dgm:t>
     </dgm:pt>
     <dgm:pt modelId="{08142567-EB1E-46C4-9246-CEF821B3E862}" type="pres">
       <dgm:prSet presAssocID="{20A85F18-8AB9-4E57-B52A-9BF4B306A9C3}" presName="Name21" presStyleCnt="0"/>
       <dgm:spPr/>
     </dgm:pt>
     <dgm:pt modelId="{21465F75-534B-4A28-8D74-771BE4C5037B}" type="pres">
-      <dgm:prSet presAssocID="{20A85F18-8AB9-4E57-B52A-9BF4B306A9C3}" presName="level2Shape" presStyleLbl="node4" presStyleIdx="2" presStyleCnt="5"/>
+      <dgm:prSet presAssocID="{20A85F18-8AB9-4E57-B52A-9BF4B306A9C3}" presName="level2Shape" presStyleLbl="node4" presStyleIdx="3" presStyleCnt="6"/>
       <dgm:spPr/>
-      <dgm:t>
-        <a:bodyPr/>
-        <a:lstStyle/>
-        <a:p>
-          <a:endParaRPr lang="es-ES"/>
-        </a:p>
-      </dgm:t>
     </dgm:pt>
     <dgm:pt modelId="{C3BA241D-0E4D-4333-A147-0E28C11C25A8}" type="pres">
       <dgm:prSet presAssocID="{20A85F18-8AB9-4E57-B52A-9BF4B306A9C3}" presName="hierChild3" presStyleCnt="0"/>
       <dgm:spPr/>
     </dgm:pt>
     <dgm:pt modelId="{E6E5601B-39F7-4D6D-B067-78B9A4C88F76}" type="pres">
-      <dgm:prSet presAssocID="{77CADEB3-FE54-482D-8679-4F469A4B4A67}" presName="Name19" presStyleLbl="parChTrans1D3" presStyleIdx="4" presStyleCnt="8"/>
+      <dgm:prSet presAssocID="{77CADEB3-FE54-482D-8679-4F469A4B4A67}" presName="Name19" presStyleLbl="parChTrans1D3" presStyleIdx="6" presStyleCnt="10"/>
       <dgm:spPr/>
-      <dgm:t>
-        <a:bodyPr/>
-        <a:lstStyle/>
-        <a:p>
-          <a:endParaRPr lang="es-ES"/>
-        </a:p>
-      </dgm:t>
     </dgm:pt>
     <dgm:pt modelId="{B04A295C-90DF-4BF7-B61D-05ED6E05E355}" type="pres">
       <dgm:prSet presAssocID="{FA12C214-3A8B-4C17-8251-A885B4B6E072}" presName="Name21" presStyleCnt="0"/>
       <dgm:spPr/>
     </dgm:pt>
     <dgm:pt modelId="{E9154DCD-71BE-4D6B-9077-16D4BC71B579}" type="pres">
-      <dgm:prSet presAssocID="{FA12C214-3A8B-4C17-8251-A885B4B6E072}" presName="level2Shape" presStyleLbl="node3" presStyleIdx="4" presStyleCnt="8"/>
+      <dgm:prSet presAssocID="{FA12C214-3A8B-4C17-8251-A885B4B6E072}" presName="level2Shape" presStyleLbl="node3" presStyleIdx="6" presStyleCnt="10"/>
       <dgm:spPr/>
-      <dgm:t>
-        <a:bodyPr/>
-        <a:lstStyle/>
-        <a:p>
-          <a:endParaRPr lang="es-ES"/>
-        </a:p>
-      </dgm:t>
     </dgm:pt>
     <dgm:pt modelId="{4A5187CE-49B5-4E30-A7E4-92E6662A3F4C}" type="pres">
       <dgm:prSet presAssocID="{FA12C214-3A8B-4C17-8251-A885B4B6E072}" presName="hierChild3" presStyleCnt="0"/>
       <dgm:spPr/>
     </dgm:pt>
     <dgm:pt modelId="{7F15DC38-3E35-4ED9-83CB-208CB23EA7A4}" type="pres">
-      <dgm:prSet presAssocID="{A72855AD-81B2-4E1F-8F76-C9BFC49D9668}" presName="Name19" presStyleLbl="parChTrans1D3" presStyleIdx="5" presStyleCnt="8"/>
+      <dgm:prSet presAssocID="{A72855AD-81B2-4E1F-8F76-C9BFC49D9668}" presName="Name19" presStyleLbl="parChTrans1D3" presStyleIdx="7" presStyleCnt="10"/>
       <dgm:spPr/>
-      <dgm:t>
-        <a:bodyPr/>
-        <a:lstStyle/>
-        <a:p>
-          <a:endParaRPr lang="es-ES"/>
-        </a:p>
-      </dgm:t>
     </dgm:pt>
     <dgm:pt modelId="{C65D37BC-8B02-49EF-9F13-487314C878DF}" type="pres">
       <dgm:prSet presAssocID="{0BFEC22B-8AB5-4E37-B44F-16371DB8A2C2}" presName="Name21" presStyleCnt="0"/>
       <dgm:spPr/>
     </dgm:pt>
     <dgm:pt modelId="{F7AD1C98-5033-4CC0-A62F-4F6538B25AE3}" type="pres">
-      <dgm:prSet presAssocID="{0BFEC22B-8AB5-4E37-B44F-16371DB8A2C2}" presName="level2Shape" presStyleLbl="node3" presStyleIdx="5" presStyleCnt="8"/>
+      <dgm:prSet presAssocID="{0BFEC22B-8AB5-4E37-B44F-16371DB8A2C2}" presName="level2Shape" presStyleLbl="node3" presStyleIdx="7" presStyleCnt="10"/>
       <dgm:spPr/>
-      <dgm:t>
-        <a:bodyPr/>
-        <a:lstStyle/>
-        <a:p>
-          <a:endParaRPr lang="es-ES"/>
-        </a:p>
-      </dgm:t>
     </dgm:pt>
     <dgm:pt modelId="{BB0EFE43-F219-4D1A-861D-FBDCD7B654F0}" type="pres">
       <dgm:prSet presAssocID="{0BFEC22B-8AB5-4E37-B44F-16371DB8A2C2}" presName="hierChild3" presStyleCnt="0"/>
@@ -2131,13 +2887,6 @@
     <dgm:pt modelId="{5B1BDFAD-02C6-44F1-B889-E8B7F6D74DD3}" type="pres">
       <dgm:prSet presAssocID="{17037C34-3FCA-415A-87E6-9101440E5570}" presName="Name19" presStyleLbl="parChTrans1D2" presStyleIdx="3" presStyleCnt="4"/>
       <dgm:spPr/>
-      <dgm:t>
-        <a:bodyPr/>
-        <a:lstStyle/>
-        <a:p>
-          <a:endParaRPr lang="es-ES"/>
-        </a:p>
-      </dgm:t>
     </dgm:pt>
     <dgm:pt modelId="{01B6D1A8-8C94-444F-9E80-984192C4CBB3}" type="pres">
       <dgm:prSet presAssocID="{6F1D5CA6-5F34-4F88-BF44-BEF250924727}" presName="Name21" presStyleCnt="0"/>
@@ -2146,133 +2895,70 @@
     <dgm:pt modelId="{71C29F20-975B-4341-B41B-50CEA49FE606}" type="pres">
       <dgm:prSet presAssocID="{6F1D5CA6-5F34-4F88-BF44-BEF250924727}" presName="level2Shape" presStyleLbl="node2" presStyleIdx="3" presStyleCnt="4"/>
       <dgm:spPr/>
-      <dgm:t>
-        <a:bodyPr/>
-        <a:lstStyle/>
-        <a:p>
-          <a:endParaRPr lang="es-ES"/>
-        </a:p>
-      </dgm:t>
     </dgm:pt>
     <dgm:pt modelId="{50576EB6-16F3-4FB3-8DA8-5510D9A6E531}" type="pres">
       <dgm:prSet presAssocID="{6F1D5CA6-5F34-4F88-BF44-BEF250924727}" presName="hierChild3" presStyleCnt="0"/>
       <dgm:spPr/>
     </dgm:pt>
     <dgm:pt modelId="{15A86F3B-D9E7-41FD-8AB1-37718931BB58}" type="pres">
-      <dgm:prSet presAssocID="{BC758844-95DE-4CB7-BF5C-1913FC8DACE3}" presName="Name19" presStyleLbl="parChTrans1D3" presStyleIdx="6" presStyleCnt="8"/>
+      <dgm:prSet presAssocID="{BC758844-95DE-4CB7-BF5C-1913FC8DACE3}" presName="Name19" presStyleLbl="parChTrans1D3" presStyleIdx="8" presStyleCnt="10"/>
       <dgm:spPr/>
-      <dgm:t>
-        <a:bodyPr/>
-        <a:lstStyle/>
-        <a:p>
-          <a:endParaRPr lang="es-ES"/>
-        </a:p>
-      </dgm:t>
     </dgm:pt>
     <dgm:pt modelId="{4DCF8025-6022-453E-91DD-DB1107FB7A3D}" type="pres">
       <dgm:prSet presAssocID="{9E518E89-E95C-4ACB-844A-03740305B219}" presName="Name21" presStyleCnt="0"/>
       <dgm:spPr/>
     </dgm:pt>
     <dgm:pt modelId="{88895C10-858B-4A7B-A18D-1D602190A6DC}" type="pres">
-      <dgm:prSet presAssocID="{9E518E89-E95C-4ACB-844A-03740305B219}" presName="level2Shape" presStyleLbl="node3" presStyleIdx="6" presStyleCnt="8"/>
+      <dgm:prSet presAssocID="{9E518E89-E95C-4ACB-844A-03740305B219}" presName="level2Shape" presStyleLbl="node3" presStyleIdx="8" presStyleCnt="10"/>
       <dgm:spPr/>
-      <dgm:t>
-        <a:bodyPr/>
-        <a:lstStyle/>
-        <a:p>
-          <a:endParaRPr lang="es-ES"/>
-        </a:p>
-      </dgm:t>
     </dgm:pt>
     <dgm:pt modelId="{D74F9E80-937B-4BB2-947D-1B67CE841119}" type="pres">
       <dgm:prSet presAssocID="{9E518E89-E95C-4ACB-844A-03740305B219}" presName="hierChild3" presStyleCnt="0"/>
       <dgm:spPr/>
     </dgm:pt>
     <dgm:pt modelId="{531E14F9-BE8E-487D-9FBC-BD239BDE74DC}" type="pres">
-      <dgm:prSet presAssocID="{062FEC7E-C2B6-4825-AEF5-A95DE82F0985}" presName="Name19" presStyleLbl="parChTrans1D4" presStyleIdx="3" presStyleCnt="5"/>
+      <dgm:prSet presAssocID="{062FEC7E-C2B6-4825-AEF5-A95DE82F0985}" presName="Name19" presStyleLbl="parChTrans1D4" presStyleIdx="4" presStyleCnt="6"/>
       <dgm:spPr/>
-      <dgm:t>
-        <a:bodyPr/>
-        <a:lstStyle/>
-        <a:p>
-          <a:endParaRPr lang="es-ES"/>
-        </a:p>
-      </dgm:t>
     </dgm:pt>
     <dgm:pt modelId="{ED6E231F-CD0C-42F9-A7DE-726CDDB3436F}" type="pres">
       <dgm:prSet presAssocID="{F0DF681D-458E-4B75-B5AD-7BFFC8188D2E}" presName="Name21" presStyleCnt="0"/>
       <dgm:spPr/>
     </dgm:pt>
     <dgm:pt modelId="{D452570C-AFCD-4136-A3A6-087661427F8A}" type="pres">
-      <dgm:prSet presAssocID="{F0DF681D-458E-4B75-B5AD-7BFFC8188D2E}" presName="level2Shape" presStyleLbl="node4" presStyleIdx="3" presStyleCnt="5"/>
+      <dgm:prSet presAssocID="{F0DF681D-458E-4B75-B5AD-7BFFC8188D2E}" presName="level2Shape" presStyleLbl="node4" presStyleIdx="4" presStyleCnt="6"/>
       <dgm:spPr/>
-      <dgm:t>
-        <a:bodyPr/>
-        <a:lstStyle/>
-        <a:p>
-          <a:endParaRPr lang="es-ES"/>
-        </a:p>
-      </dgm:t>
     </dgm:pt>
     <dgm:pt modelId="{D59E6A46-F6D1-4AE5-B446-983B1A0850E0}" type="pres">
       <dgm:prSet presAssocID="{F0DF681D-458E-4B75-B5AD-7BFFC8188D2E}" presName="hierChild3" presStyleCnt="0"/>
       <dgm:spPr/>
     </dgm:pt>
     <dgm:pt modelId="{85E03D00-B215-4479-AFBA-5CEB429504C9}" type="pres">
-      <dgm:prSet presAssocID="{C19AA72F-C2D7-4EE9-B1BA-7ECE7C3CEF01}" presName="Name19" presStyleLbl="parChTrans1D3" presStyleIdx="7" presStyleCnt="8"/>
+      <dgm:prSet presAssocID="{C19AA72F-C2D7-4EE9-B1BA-7ECE7C3CEF01}" presName="Name19" presStyleLbl="parChTrans1D3" presStyleIdx="9" presStyleCnt="10"/>
       <dgm:spPr/>
-      <dgm:t>
-        <a:bodyPr/>
-        <a:lstStyle/>
-        <a:p>
-          <a:endParaRPr lang="es-ES"/>
-        </a:p>
-      </dgm:t>
     </dgm:pt>
     <dgm:pt modelId="{53BFC912-34ED-40CA-9C93-8A07FACBF70C}" type="pres">
       <dgm:prSet presAssocID="{958A8FAA-E7A3-48C0-98A6-4C3A773E5590}" presName="Name21" presStyleCnt="0"/>
       <dgm:spPr/>
     </dgm:pt>
     <dgm:pt modelId="{66064A56-0EC5-47D8-BA37-8F16F1EE2F1C}" type="pres">
-      <dgm:prSet presAssocID="{958A8FAA-E7A3-48C0-98A6-4C3A773E5590}" presName="level2Shape" presStyleLbl="node3" presStyleIdx="7" presStyleCnt="8" custFlipHor="0" custScaleX="5240"/>
+      <dgm:prSet presAssocID="{958A8FAA-E7A3-48C0-98A6-4C3A773E5590}" presName="level2Shape" presStyleLbl="node3" presStyleIdx="9" presStyleCnt="10" custFlipHor="0" custScaleX="5240"/>
       <dgm:spPr/>
-      <dgm:t>
-        <a:bodyPr/>
-        <a:lstStyle/>
-        <a:p>
-          <a:endParaRPr lang="es-ES"/>
-        </a:p>
-      </dgm:t>
     </dgm:pt>
     <dgm:pt modelId="{480F4877-0FEB-44BE-B4B5-8DFC6EA57DF2}" type="pres">
       <dgm:prSet presAssocID="{958A8FAA-E7A3-48C0-98A6-4C3A773E5590}" presName="hierChild3" presStyleCnt="0"/>
       <dgm:spPr/>
     </dgm:pt>
     <dgm:pt modelId="{ECB6E3E8-C365-4657-9343-AE63156F3519}" type="pres">
-      <dgm:prSet presAssocID="{DFF14EEF-DE88-442F-96F5-8520D939A002}" presName="Name19" presStyleLbl="parChTrans1D4" presStyleIdx="4" presStyleCnt="5"/>
+      <dgm:prSet presAssocID="{DFF14EEF-DE88-442F-96F5-8520D939A002}" presName="Name19" presStyleLbl="parChTrans1D4" presStyleIdx="5" presStyleCnt="6"/>
       <dgm:spPr/>
-      <dgm:t>
-        <a:bodyPr/>
-        <a:lstStyle/>
-        <a:p>
-          <a:endParaRPr lang="es-ES"/>
-        </a:p>
-      </dgm:t>
     </dgm:pt>
     <dgm:pt modelId="{2FB899E1-F33D-4074-BE68-BB45CEB71DDF}" type="pres">
       <dgm:prSet presAssocID="{26B52B06-5624-4E82-B142-B70F4DEDA5A8}" presName="Name21" presStyleCnt="0"/>
       <dgm:spPr/>
     </dgm:pt>
     <dgm:pt modelId="{1073E1FD-017C-4D04-87E7-1344708FEFFE}" type="pres">
-      <dgm:prSet presAssocID="{26B52B06-5624-4E82-B142-B70F4DEDA5A8}" presName="level2Shape" presStyleLbl="node4" presStyleIdx="4" presStyleCnt="5"/>
+      <dgm:prSet presAssocID="{26B52B06-5624-4E82-B142-B70F4DEDA5A8}" presName="level2Shape" presStyleLbl="node4" presStyleIdx="5" presStyleCnt="6"/>
       <dgm:spPr/>
-      <dgm:t>
-        <a:bodyPr/>
-        <a:lstStyle/>
-        <a:p>
-          <a:endParaRPr lang="es-ES"/>
-        </a:p>
-      </dgm:t>
     </dgm:pt>
     <dgm:pt modelId="{B38A26E1-7D8C-4815-A93B-633FB9A0F19D}" type="pres">
       <dgm:prSet presAssocID="{26B52B06-5624-4E82-B142-B70F4DEDA5A8}" presName="hierChild3" presStyleCnt="0"/>
@@ -2284,59 +2970,68 @@
     </dgm:pt>
   </dgm:ptLst>
   <dgm:cxnLst>
+    <dgm:cxn modelId="{77D8D004-A2EB-4E11-98EE-9DECE6854379}" srcId="{958A8FAA-E7A3-48C0-98A6-4C3A773E5590}" destId="{26B52B06-5624-4E82-B142-B70F4DEDA5A8}" srcOrd="0" destOrd="0" parTransId="{DFF14EEF-DE88-442F-96F5-8520D939A002}" sibTransId="{46956D88-D793-4A84-8153-D8C8237FB384}"/>
+    <dgm:cxn modelId="{D4159C05-758B-4A16-B682-3953F4C0FF68}" type="presOf" srcId="{C285AA89-3DDC-4450-9A7F-149023CB6A38}" destId="{DDEF067D-8035-4EE8-B26D-F9EF3FCB2EBB}" srcOrd="0" destOrd="0" presId="urn:microsoft.com/office/officeart/2005/8/layout/hierarchy6"/>
+    <dgm:cxn modelId="{FC77AA06-4551-4525-9261-28001F8F0395}" type="presOf" srcId="{9A3D543D-1E9A-4BE5-BFBC-B65722739982}" destId="{9903AFBA-5A13-4349-A39D-854233A67AAB}" srcOrd="0" destOrd="0" presId="urn:microsoft.com/office/officeart/2005/8/layout/hierarchy6"/>
+    <dgm:cxn modelId="{12695F09-6A75-4C5E-A56F-79EB293D94FE}" type="presOf" srcId="{CFE7097C-8D2B-4D79-A5D5-84D08B065AD4}" destId="{693E7B0F-4C3D-48FF-A291-A297AD09F19A}" srcOrd="0" destOrd="0" presId="urn:microsoft.com/office/officeart/2005/8/layout/hierarchy6"/>
+    <dgm:cxn modelId="{D24FC70B-FC8C-4EDD-BE45-B87D1611C76A}" type="presOf" srcId="{0BE4166A-48AF-4D03-9C62-5441E36419F0}" destId="{12D6D663-4501-42C1-84F8-FE7ACFB08125}" srcOrd="0" destOrd="0" presId="urn:microsoft.com/office/officeart/2005/8/layout/hierarchy6"/>
+    <dgm:cxn modelId="{0F49240D-DCAE-4441-AF35-7AEAEFD9A362}" type="presOf" srcId="{C7818523-DD8A-4226-93BE-3030326F44BF}" destId="{F7EDE524-7426-42F9-9EA5-E64F8887CFAA}" srcOrd="0" destOrd="0" presId="urn:microsoft.com/office/officeart/2005/8/layout/hierarchy6"/>
+    <dgm:cxn modelId="{25C18B10-BA99-4144-9327-3CE193268AD5}" srcId="{35DCDA67-F2A2-441C-AE5D-C1B198AC0662}" destId="{DEBFFABF-82B9-4D25-8AD5-D3D639130002}" srcOrd="1" destOrd="0" parTransId="{C285AA89-3DDC-4450-9A7F-149023CB6A38}" sibTransId="{BBFA5F37-ED43-47CE-BC61-3C61975DD27E}"/>
+    <dgm:cxn modelId="{925CFD1C-CD56-4DC6-813F-70B1E5243183}" type="presOf" srcId="{66EE189E-5075-46F1-AF74-59651897F29C}" destId="{532A0C2D-ACD5-4BE7-B893-91B3018C35E8}" srcOrd="0" destOrd="0" presId="urn:microsoft.com/office/officeart/2005/8/layout/hierarchy6"/>
+    <dgm:cxn modelId="{6D880B2B-83C6-4DE6-901B-67C6A786E67D}" type="presOf" srcId="{A8AB1CD0-D09D-4A4C-A016-30C1A31ADC7C}" destId="{C01A5CD9-857F-4361-ACD1-0621F95E6766}" srcOrd="0" destOrd="0" presId="urn:microsoft.com/office/officeart/2005/8/layout/hierarchy6"/>
+    <dgm:cxn modelId="{48045230-B8B4-462B-BF0A-EF8B7544C145}" type="presOf" srcId="{A72855AD-81B2-4E1F-8F76-C9BFC49D9668}" destId="{7F15DC38-3E35-4ED9-83CB-208CB23EA7A4}" srcOrd="0" destOrd="0" presId="urn:microsoft.com/office/officeart/2005/8/layout/hierarchy6"/>
+    <dgm:cxn modelId="{569C8930-F8BB-4BC7-BEC6-8A4C6AF26313}" type="presOf" srcId="{5A9D0339-AA51-434F-8B6C-60F99E3633CF}" destId="{1EE97BA3-462E-4247-9C64-D91A323268AC}" srcOrd="0" destOrd="0" presId="urn:microsoft.com/office/officeart/2005/8/layout/hierarchy6"/>
+    <dgm:cxn modelId="{F60FDD36-6A54-47BF-8EED-07E5DD1F04E9}" srcId="{66EE189E-5075-46F1-AF74-59651897F29C}" destId="{C194289A-C687-45FE-8049-89294C7C2B30}" srcOrd="0" destOrd="0" parTransId="{A1E0D595-9930-49C1-A7D6-ABF215D5DF74}" sibTransId="{C80CDFA2-386C-46C7-B2F7-98BAECE1CEE5}"/>
+    <dgm:cxn modelId="{496BD93C-23F4-4EC0-8108-918319379B01}" type="presOf" srcId="{84C7FE82-CB25-4ECD-9CE0-264765FA62D1}" destId="{D2FA8DCC-89A3-4CB1-9FF9-7F8B664B0AF9}" srcOrd="0" destOrd="0" presId="urn:microsoft.com/office/officeart/2005/8/layout/hierarchy6"/>
+    <dgm:cxn modelId="{5D7BED3C-308F-46E7-9F02-67CDF1491CA1}" type="presOf" srcId="{F0DF681D-458E-4B75-B5AD-7BFFC8188D2E}" destId="{D452570C-AFCD-4136-A3A6-087661427F8A}" srcOrd="0" destOrd="0" presId="urn:microsoft.com/office/officeart/2005/8/layout/hierarchy6"/>
+    <dgm:cxn modelId="{1F547D3E-B87B-4960-AF5C-8D15A786ACAF}" type="presOf" srcId="{27B0B7D4-9290-4FFB-8E4F-E55C7EC9F8B5}" destId="{190E5C43-FF52-41EF-BC65-4C3846DF4B2F}" srcOrd="0" destOrd="0" presId="urn:microsoft.com/office/officeart/2005/8/layout/hierarchy6"/>
     <dgm:cxn modelId="{205C703F-1F2B-4BBE-91DB-4AA98703A6C6}" type="presOf" srcId="{14CBFDCC-3ECF-4077-AAFC-9035D3532054}" destId="{6DFBC8DC-FB04-4552-ACB4-2C723637561B}" srcOrd="0" destOrd="0" presId="urn:microsoft.com/office/officeart/2005/8/layout/hierarchy6"/>
+    <dgm:cxn modelId="{8DBD8D5C-080E-42D5-AE53-F26EF0C4B25D}" type="presOf" srcId="{F66CC7BD-674A-437D-8C62-29898B13049D}" destId="{403A2617-6E68-42B4-BEB9-915729DD91B2}" srcOrd="0" destOrd="0" presId="urn:microsoft.com/office/officeart/2005/8/layout/hierarchy6"/>
+    <dgm:cxn modelId="{9B6F5641-5EC1-4662-AA22-4A30AE34EFAB}" srcId="{9A3D543D-1E9A-4BE5-BFBC-B65722739982}" destId="{6F1D5CA6-5F34-4F88-BF44-BEF250924727}" srcOrd="3" destOrd="0" parTransId="{17037C34-3FCA-415A-87E6-9101440E5570}" sibTransId="{F1A32AF2-6499-482D-92E7-26CA18A1E783}"/>
+    <dgm:cxn modelId="{915B9641-7D8A-4799-900D-2B8537C02E58}" srcId="{66EE189E-5075-46F1-AF74-59651897F29C}" destId="{0BFEC22B-8AB5-4E37-B44F-16371DB8A2C2}" srcOrd="2" destOrd="0" parTransId="{A72855AD-81B2-4E1F-8F76-C9BFC49D9668}" sibTransId="{5D381B9F-D38A-4BC9-AA35-A6DD8D7A0E88}"/>
+    <dgm:cxn modelId="{5250D644-4541-49BB-AE6D-7633048CD1EF}" srcId="{6F1D5CA6-5F34-4F88-BF44-BEF250924727}" destId="{9E518E89-E95C-4ACB-844A-03740305B219}" srcOrd="0" destOrd="0" parTransId="{BC758844-95DE-4CB7-BF5C-1913FC8DACE3}" sibTransId="{4828EE8C-8752-46CA-AF7A-DF4A39243D65}"/>
+    <dgm:cxn modelId="{B5944A46-CF7F-4D78-B657-C3334ECC9664}" type="presOf" srcId="{DEBFFABF-82B9-4D25-8AD5-D3D639130002}" destId="{C506A8BA-439E-4716-BD26-721A6F281A37}" srcOrd="0" destOrd="0" presId="urn:microsoft.com/office/officeart/2005/8/layout/hierarchy6"/>
+    <dgm:cxn modelId="{FF60454A-DF56-423A-8C54-E7571E204720}" type="presOf" srcId="{AEF768B3-89BD-4493-B753-D5C7E3F86037}" destId="{2B44D44D-9C15-4BE4-8857-6902DD216E02}" srcOrd="0" destOrd="0" presId="urn:microsoft.com/office/officeart/2005/8/layout/hierarchy6"/>
+    <dgm:cxn modelId="{4EE51E6B-647F-4094-8AC7-17EA1989F979}" type="presOf" srcId="{9E518E89-E95C-4ACB-844A-03740305B219}" destId="{88895C10-858B-4A7B-A18D-1D602190A6DC}" srcOrd="0" destOrd="0" presId="urn:microsoft.com/office/officeart/2005/8/layout/hierarchy6"/>
+    <dgm:cxn modelId="{8F84316C-D7CF-4E70-A84F-FC3AEF7A98DD}" srcId="{1C5F8750-0E8D-4A4F-A5C4-6A02757B2CEE}" destId="{9A3D543D-1E9A-4BE5-BFBC-B65722739982}" srcOrd="0" destOrd="0" parTransId="{9B09A68A-FA35-4BB2-B59F-0D5048C372BC}" sibTransId="{4E033150-6172-41B8-A447-633A4A116347}"/>
+    <dgm:cxn modelId="{50644D6C-CE5C-45B2-A94A-446055AA3E94}" type="presOf" srcId="{17037C34-3FCA-415A-87E6-9101440E5570}" destId="{5B1BDFAD-02C6-44F1-B889-E8B7F6D74DD3}" srcOrd="0" destOrd="0" presId="urn:microsoft.com/office/officeart/2005/8/layout/hierarchy6"/>
+    <dgm:cxn modelId="{6E77064D-F778-4D34-BE87-8943DB3A0BEC}" srcId="{9A3D543D-1E9A-4BE5-BFBC-B65722739982}" destId="{5A9D0339-AA51-434F-8B6C-60F99E3633CF}" srcOrd="1" destOrd="0" parTransId="{5A2D30D4-EEF4-4274-A404-AB129065637F}" sibTransId="{CEC8408D-1C1F-4517-8C11-F42FD84E8BAB}"/>
+    <dgm:cxn modelId="{7FB98C4F-DCCA-4C59-A3BF-C3B8534B4C0E}" srcId="{5A9D0339-AA51-434F-8B6C-60F99E3633CF}" destId="{5CA15CE3-8396-42E1-8E7E-BD11A58851E2}" srcOrd="0" destOrd="0" parTransId="{14CBFDCC-3ECF-4077-AAFC-9035D3532054}" sibTransId="{4EF2F922-12E7-4FD4-81DA-E3CD0818CD32}"/>
+    <dgm:cxn modelId="{5330A575-C6B1-42EB-8FC0-CBFDF772777D}" type="presOf" srcId="{C194289A-C687-45FE-8049-89294C7C2B30}" destId="{7ECB5281-3BE3-458D-9668-FC45289E3411}" srcOrd="0" destOrd="0" presId="urn:microsoft.com/office/officeart/2005/8/layout/hierarchy6"/>
+    <dgm:cxn modelId="{07BE1776-EA48-4D7E-A814-895EC8871C5B}" srcId="{6F1D5CA6-5F34-4F88-BF44-BEF250924727}" destId="{958A8FAA-E7A3-48C0-98A6-4C3A773E5590}" srcOrd="1" destOrd="0" parTransId="{C19AA72F-C2D7-4EE9-B1BA-7ECE7C3CEF01}" sibTransId="{ED185C4A-EB92-4BBA-8205-4A313A30A566}"/>
+    <dgm:cxn modelId="{662F0A59-CA57-4CE2-A8B8-E74730432C88}" type="presOf" srcId="{A1E0D595-9930-49C1-A7D6-ABF215D5DF74}" destId="{7D9DF814-EB3C-4A52-B166-0E4DD46DE296}" srcOrd="0" destOrd="0" presId="urn:microsoft.com/office/officeart/2005/8/layout/hierarchy6"/>
+    <dgm:cxn modelId="{82DACA7E-BA77-45DE-A508-21AA17F6B2C9}" type="presOf" srcId="{35DCDA67-F2A2-441C-AE5D-C1B198AC0662}" destId="{0ECD015A-E51F-4E92-93F8-42CA82FE8288}" srcOrd="0" destOrd="0" presId="urn:microsoft.com/office/officeart/2005/8/layout/hierarchy6"/>
+    <dgm:cxn modelId="{F25B2F81-A6CF-43B6-949B-D8DE03316882}" type="presOf" srcId="{C19AA72F-C2D7-4EE9-B1BA-7ECE7C3CEF01}" destId="{85E03D00-B215-4479-AFBA-5CEB429504C9}" srcOrd="0" destOrd="0" presId="urn:microsoft.com/office/officeart/2005/8/layout/hierarchy6"/>
+    <dgm:cxn modelId="{9DB55486-A002-422C-B535-E66CF2B97C80}" type="presOf" srcId="{540823D0-D4AA-438F-B805-D3CA6D4539F8}" destId="{A445E83A-B1D7-4754-AB40-1BD356E2B23A}" srcOrd="0" destOrd="0" presId="urn:microsoft.com/office/officeart/2005/8/layout/hierarchy6"/>
+    <dgm:cxn modelId="{169D398B-DAE8-49AD-8309-84B62DB80379}" type="presOf" srcId="{7B337E52-DD2F-44E8-9ED5-365B87D9FED1}" destId="{53BE28EF-99A8-45D2-A439-B1144FBC3954}" srcOrd="0" destOrd="0" presId="urn:microsoft.com/office/officeart/2005/8/layout/hierarchy6"/>
+    <dgm:cxn modelId="{84E6488C-253B-438D-AAFD-33CB151FD11C}" srcId="{9A3D543D-1E9A-4BE5-BFBC-B65722739982}" destId="{66EE189E-5075-46F1-AF74-59651897F29C}" srcOrd="2" destOrd="0" parTransId="{C7818523-DD8A-4226-93BE-3030326F44BF}" sibTransId="{347A939D-BFB7-46AB-8A82-4221C36A4DC6}"/>
+    <dgm:cxn modelId="{BC126B93-5A85-4FE0-92DC-6B5FDE551C7F}" srcId="{35DCDA67-F2A2-441C-AE5D-C1B198AC0662}" destId="{001622B8-067A-4ACE-8911-1AA26B934B71}" srcOrd="0" destOrd="0" parTransId="{7B337E52-DD2F-44E8-9ED5-365B87D9FED1}" sibTransId="{9859AD3B-0077-415C-B213-4209EF6A42CC}"/>
+    <dgm:cxn modelId="{E2F81E9C-FEF2-41D8-879F-2194C54923C3}" type="presOf" srcId="{062FEC7E-C2B6-4825-AEF5-A95DE82F0985}" destId="{531E14F9-BE8E-487D-9FBC-BD239BDE74DC}" srcOrd="0" destOrd="0" presId="urn:microsoft.com/office/officeart/2005/8/layout/hierarchy6"/>
+    <dgm:cxn modelId="{8754D5A6-FA6C-4190-A145-9C83C339C99D}" srcId="{5CA15CE3-8396-42E1-8E7E-BD11A58851E2}" destId="{F66CC7BD-674A-437D-8C62-29898B13049D}" srcOrd="0" destOrd="0" parTransId="{27B0B7D4-9290-4FFB-8E4F-E55C7EC9F8B5}" sibTransId="{0AE695F0-1447-4B3E-9061-2D7EB833CB67}"/>
+    <dgm:cxn modelId="{0B9DE4A7-538D-400C-9BBD-957230918BC8}" type="presOf" srcId="{6F1D5CA6-5F34-4F88-BF44-BEF250924727}" destId="{71C29F20-975B-4341-B41B-50CEA49FE606}" srcOrd="0" destOrd="0" presId="urn:microsoft.com/office/officeart/2005/8/layout/hierarchy6"/>
+    <dgm:cxn modelId="{5811BAAA-C778-4938-B9A0-254EA33A3D9B}" srcId="{DEBFFABF-82B9-4D25-8AD5-D3D639130002}" destId="{E116835A-3D10-450B-9413-E1B97894FFA3}" srcOrd="0" destOrd="0" parTransId="{AEF768B3-89BD-4493-B753-D5C7E3F86037}" sibTransId="{52D43CBC-A4A2-45B3-BE26-8C6C6134A79F}"/>
+    <dgm:cxn modelId="{9452F0B1-ED1F-4A04-BF25-F2B8314D22D4}" srcId="{35DCDA67-F2A2-441C-AE5D-C1B198AC0662}" destId="{A8AB1CD0-D09D-4A4C-A016-30C1A31ADC7C}" srcOrd="2" destOrd="0" parTransId="{0BE4166A-48AF-4D03-9C62-5441E36419F0}" sibTransId="{C6675E17-4D63-4B5D-AD8B-FCF060D42AE9}"/>
+    <dgm:cxn modelId="{DF7AABBE-8237-4DDD-BBFF-90A7B8F794E1}" type="presOf" srcId="{FA12C214-3A8B-4C17-8251-A885B4B6E072}" destId="{E9154DCD-71BE-4D6B-9077-16D4BC71B579}" srcOrd="0" destOrd="0" presId="urn:microsoft.com/office/officeart/2005/8/layout/hierarchy6"/>
+    <dgm:cxn modelId="{F20877BF-0CB4-4FAF-A20F-52021D1AC4CF}" type="presOf" srcId="{DFF14EEF-DE88-442F-96F5-8520D939A002}" destId="{ECB6E3E8-C365-4657-9343-AE63156F3519}" srcOrd="0" destOrd="0" presId="urn:microsoft.com/office/officeart/2005/8/layout/hierarchy6"/>
+    <dgm:cxn modelId="{36080CC3-E829-43B7-B964-5AD80EB222C8}" type="presOf" srcId="{441A3D14-7823-4933-A226-6CEE16869DD4}" destId="{86087C67-4375-477E-84D1-836C1F14C793}" srcOrd="0" destOrd="0" presId="urn:microsoft.com/office/officeart/2005/8/layout/hierarchy6"/>
+    <dgm:cxn modelId="{7EB384C4-1E22-4EFA-8CC2-CD150528C9C9}" type="presOf" srcId="{001622B8-067A-4ACE-8911-1AA26B934B71}" destId="{C24AA9F1-E100-43C5-9B3E-E49BBE5DF731}" srcOrd="0" destOrd="0" presId="urn:microsoft.com/office/officeart/2005/8/layout/hierarchy6"/>
+    <dgm:cxn modelId="{5E4A92C4-FC82-499F-8060-EE9E3CB03401}" srcId="{9A3D543D-1E9A-4BE5-BFBC-B65722739982}" destId="{35DCDA67-F2A2-441C-AE5D-C1B198AC0662}" srcOrd="0" destOrd="0" parTransId="{675114A4-4D40-4091-9275-9C8175883DB4}" sibTransId="{D315B3E9-E343-4B13-8EAD-6B260F20DDCE}"/>
+    <dgm:cxn modelId="{F1FC97C5-4AFC-483B-8A1A-C27B2BE745B7}" type="presOf" srcId="{5A2D30D4-EEF4-4274-A404-AB129065637F}" destId="{6D500FE4-6E88-4115-B204-2A401C1E43A0}" srcOrd="0" destOrd="0" presId="urn:microsoft.com/office/officeart/2005/8/layout/hierarchy6"/>
+    <dgm:cxn modelId="{5358C9CD-4C9F-4E16-B72C-FFBB6D6C75B6}" type="presOf" srcId="{1C5F8750-0E8D-4A4F-A5C4-6A02757B2CEE}" destId="{C647C14C-60E2-48E5-85A4-92CF88C6F009}" srcOrd="0" destOrd="0" presId="urn:microsoft.com/office/officeart/2005/8/layout/hierarchy6"/>
+    <dgm:cxn modelId="{71CEC4D2-DE78-479D-BD43-05EDE136BCCD}" type="presOf" srcId="{3B12340C-4A3C-4DC8-BCCA-8F5CFA7F81A0}" destId="{6693D620-D3B4-43A1-8165-358A23FCEFAD}" srcOrd="0" destOrd="0" presId="urn:microsoft.com/office/officeart/2005/8/layout/hierarchy6"/>
+    <dgm:cxn modelId="{79B249DC-4833-49D8-9857-9CE7EF5DF86E}" type="presOf" srcId="{675114A4-4D40-4091-9275-9C8175883DB4}" destId="{41AB122B-081A-4865-AD38-E3670CB221C3}" srcOrd="0" destOrd="0" presId="urn:microsoft.com/office/officeart/2005/8/layout/hierarchy6"/>
+    <dgm:cxn modelId="{ACD92EDD-5B80-43F8-8AE7-8438CE86337A}" type="presOf" srcId="{BC758844-95DE-4CB7-BF5C-1913FC8DACE3}" destId="{15A86F3B-D9E7-41FD-8AB1-37718931BB58}" srcOrd="0" destOrd="0" presId="urn:microsoft.com/office/officeart/2005/8/layout/hierarchy6"/>
+    <dgm:cxn modelId="{B5F53BE2-8ED6-4519-894D-D35C5AACE93A}" type="presOf" srcId="{26B52B06-5624-4E82-B142-B70F4DEDA5A8}" destId="{1073E1FD-017C-4D04-87E7-1344708FEFFE}" srcOrd="0" destOrd="0" presId="urn:microsoft.com/office/officeart/2005/8/layout/hierarchy6"/>
+    <dgm:cxn modelId="{189DD1E4-2B81-4BF3-89BB-FDFA88959959}" srcId="{C194289A-C687-45FE-8049-89294C7C2B30}" destId="{20A85F18-8AB9-4E57-B52A-9BF4B306A9C3}" srcOrd="0" destOrd="0" parTransId="{3B12340C-4A3C-4DC8-BCCA-8F5CFA7F81A0}" sibTransId="{B7E51429-AA15-40A6-AE25-DC8252353AA9}"/>
+    <dgm:cxn modelId="{33C7AFE6-8C27-4185-8CD1-C5B810CD6A6E}" type="presOf" srcId="{5CA15CE3-8396-42E1-8E7E-BD11A58851E2}" destId="{7C0EA656-1D18-4980-86E2-83309EF67A1B}" srcOrd="0" destOrd="0" presId="urn:microsoft.com/office/officeart/2005/8/layout/hierarchy6"/>
+    <dgm:cxn modelId="{725699EB-3058-4FB9-8B2A-41B4F916C9EB}" srcId="{66EE189E-5075-46F1-AF74-59651897F29C}" destId="{FA12C214-3A8B-4C17-8251-A885B4B6E072}" srcOrd="1" destOrd="0" parTransId="{77CADEB3-FE54-482D-8679-4F469A4B4A67}" sibTransId="{34D708C3-EA3A-45EC-B3D6-6EEEBFABC684}"/>
+    <dgm:cxn modelId="{A270B2EB-18BD-4B40-BD8B-9EEC62090524}" srcId="{001622B8-067A-4ACE-8911-1AA26B934B71}" destId="{CFE7097C-8D2B-4D79-A5D5-84D08B065AD4}" srcOrd="0" destOrd="0" parTransId="{84C7FE82-CB25-4ECD-9CE0-264765FA62D1}" sibTransId="{92CA62EB-398C-4FDA-BBA7-96649940D1E8}"/>
+    <dgm:cxn modelId="{F6D060ED-7336-4FE7-9DE3-054F48988866}" type="presOf" srcId="{E116835A-3D10-450B-9413-E1B97894FFA3}" destId="{03CEC701-59F7-4F6F-A2FB-6D1193C6C0E9}" srcOrd="0" destOrd="0" presId="urn:microsoft.com/office/officeart/2005/8/layout/hierarchy6"/>
+    <dgm:cxn modelId="{0F581FEE-607D-4847-B816-C0141EF64EED}" srcId="{5A9D0339-AA51-434F-8B6C-60F99E3633CF}" destId="{540823D0-D4AA-438F-B805-D3CA6D4539F8}" srcOrd="1" destOrd="0" parTransId="{441A3D14-7823-4933-A226-6CEE16869DD4}" sibTransId="{2DF52586-D00E-4C55-8704-4E1840133706}"/>
+    <dgm:cxn modelId="{27234CF3-F13C-46A4-A309-CAF2C76771B6}" type="presOf" srcId="{958A8FAA-E7A3-48C0-98A6-4C3A773E5590}" destId="{66064A56-0EC5-47D8-BA37-8F16F1EE2F1C}" srcOrd="0" destOrd="0" presId="urn:microsoft.com/office/officeart/2005/8/layout/hierarchy6"/>
+    <dgm:cxn modelId="{06A9FBF4-0355-4854-ADF0-FCEBBB8DD16E}" srcId="{9E518E89-E95C-4ACB-844A-03740305B219}" destId="{F0DF681D-458E-4B75-B5AD-7BFFC8188D2E}" srcOrd="0" destOrd="0" parTransId="{062FEC7E-C2B6-4825-AEF5-A95DE82F0985}" sibTransId="{3A0BA01E-3A25-4697-867F-F5E62715EE19}"/>
+    <dgm:cxn modelId="{42C2BCF5-DC4D-4803-8CDB-1724D7266FF2}" type="presOf" srcId="{20A85F18-8AB9-4E57-B52A-9BF4B306A9C3}" destId="{21465F75-534B-4A28-8D74-771BE4C5037B}" srcOrd="0" destOrd="0" presId="urn:microsoft.com/office/officeart/2005/8/layout/hierarchy6"/>
     <dgm:cxn modelId="{E81DF5F5-37A0-4888-9BA0-494538CF0BB6}" type="presOf" srcId="{77CADEB3-FE54-482D-8679-4F469A4B4A67}" destId="{E6E5601B-39F7-4D6D-B067-78B9A4C88F76}" srcOrd="0" destOrd="0" presId="urn:microsoft.com/office/officeart/2005/8/layout/hierarchy6"/>
-    <dgm:cxn modelId="{77D8D004-A2EB-4E11-98EE-9DECE6854379}" srcId="{958A8FAA-E7A3-48C0-98A6-4C3A773E5590}" destId="{26B52B06-5624-4E82-B142-B70F4DEDA5A8}" srcOrd="0" destOrd="0" parTransId="{DFF14EEF-DE88-442F-96F5-8520D939A002}" sibTransId="{46956D88-D793-4A84-8153-D8C8237FB384}"/>
-    <dgm:cxn modelId="{662F0A59-CA57-4CE2-A8B8-E74730432C88}" type="presOf" srcId="{A1E0D595-9930-49C1-A7D6-ABF215D5DF74}" destId="{7D9DF814-EB3C-4A52-B166-0E4DD46DE296}" srcOrd="0" destOrd="0" presId="urn:microsoft.com/office/officeart/2005/8/layout/hierarchy6"/>
-    <dgm:cxn modelId="{07BE1776-EA48-4D7E-A814-895EC8871C5B}" srcId="{6F1D5CA6-5F34-4F88-BF44-BEF250924727}" destId="{958A8FAA-E7A3-48C0-98A6-4C3A773E5590}" srcOrd="1" destOrd="0" parTransId="{C19AA72F-C2D7-4EE9-B1BA-7ECE7C3CEF01}" sibTransId="{ED185C4A-EB92-4BBA-8205-4A313A30A566}"/>
-    <dgm:cxn modelId="{0B9DE4A7-538D-400C-9BBD-957230918BC8}" type="presOf" srcId="{6F1D5CA6-5F34-4F88-BF44-BEF250924727}" destId="{71C29F20-975B-4341-B41B-50CEA49FE606}" srcOrd="0" destOrd="0" presId="urn:microsoft.com/office/officeart/2005/8/layout/hierarchy6"/>
-    <dgm:cxn modelId="{9DB55486-A002-422C-B535-E66CF2B97C80}" type="presOf" srcId="{540823D0-D4AA-438F-B805-D3CA6D4539F8}" destId="{A445E83A-B1D7-4754-AB40-1BD356E2B23A}" srcOrd="0" destOrd="0" presId="urn:microsoft.com/office/officeart/2005/8/layout/hierarchy6"/>
-    <dgm:cxn modelId="{5811BAAA-C778-4938-B9A0-254EA33A3D9B}" srcId="{63E0C32F-5CB1-4C0B-BFC5-95C3688A5952}" destId="{E116835A-3D10-450B-9413-E1B97894FFA3}" srcOrd="0" destOrd="0" parTransId="{AEF768B3-89BD-4493-B753-D5C7E3F86037}" sibTransId="{52D43CBC-A4A2-45B3-BE26-8C6C6134A79F}"/>
-    <dgm:cxn modelId="{8754D5A6-FA6C-4190-A145-9C83C339C99D}" srcId="{5CA15CE3-8396-42E1-8E7E-BD11A58851E2}" destId="{F66CC7BD-674A-437D-8C62-29898B13049D}" srcOrd="0" destOrd="0" parTransId="{27B0B7D4-9290-4FFB-8E4F-E55C7EC9F8B5}" sibTransId="{0AE695F0-1447-4B3E-9061-2D7EB833CB67}"/>
-    <dgm:cxn modelId="{4EE51E6B-647F-4094-8AC7-17EA1989F979}" type="presOf" srcId="{9E518E89-E95C-4ACB-844A-03740305B219}" destId="{88895C10-858B-4A7B-A18D-1D602190A6DC}" srcOrd="0" destOrd="0" presId="urn:microsoft.com/office/officeart/2005/8/layout/hierarchy6"/>
-    <dgm:cxn modelId="{27234CF3-F13C-46A4-A309-CAF2C76771B6}" type="presOf" srcId="{958A8FAA-E7A3-48C0-98A6-4C3A773E5590}" destId="{66064A56-0EC5-47D8-BA37-8F16F1EE2F1C}" srcOrd="0" destOrd="0" presId="urn:microsoft.com/office/officeart/2005/8/layout/hierarchy6"/>
-    <dgm:cxn modelId="{0F581FEE-607D-4847-B816-C0141EF64EED}" srcId="{5A9D0339-AA51-434F-8B6C-60F99E3633CF}" destId="{540823D0-D4AA-438F-B805-D3CA6D4539F8}" srcOrd="1" destOrd="0" parTransId="{441A3D14-7823-4933-A226-6CEE16869DD4}" sibTransId="{2DF52586-D00E-4C55-8704-4E1840133706}"/>
-    <dgm:cxn modelId="{5D7BED3C-308F-46E7-9F02-67CDF1491CA1}" type="presOf" srcId="{F0DF681D-458E-4B75-B5AD-7BFFC8188D2E}" destId="{D452570C-AFCD-4136-A3A6-087661427F8A}" srcOrd="0" destOrd="0" presId="urn:microsoft.com/office/officeart/2005/8/layout/hierarchy6"/>
-    <dgm:cxn modelId="{6E77064D-F778-4D34-BE87-8943DB3A0BEC}" srcId="{9A3D543D-1E9A-4BE5-BFBC-B65722739982}" destId="{5A9D0339-AA51-434F-8B6C-60F99E3633CF}" srcOrd="1" destOrd="0" parTransId="{5A2D30D4-EEF4-4274-A404-AB129065637F}" sibTransId="{CEC8408D-1C1F-4517-8C11-F42FD84E8BAB}"/>
-    <dgm:cxn modelId="{8DBD8D5C-080E-42D5-AE53-F26EF0C4B25D}" type="presOf" srcId="{F66CC7BD-674A-437D-8C62-29898B13049D}" destId="{403A2617-6E68-42B4-BEB9-915729DD91B2}" srcOrd="0" destOrd="0" presId="urn:microsoft.com/office/officeart/2005/8/layout/hierarchy6"/>
-    <dgm:cxn modelId="{569C8930-F8BB-4BC7-BEC6-8A4C6AF26313}" type="presOf" srcId="{5A9D0339-AA51-434F-8B6C-60F99E3633CF}" destId="{1EE97BA3-462E-4247-9C64-D91A323268AC}" srcOrd="0" destOrd="0" presId="urn:microsoft.com/office/officeart/2005/8/layout/hierarchy6"/>
-    <dgm:cxn modelId="{9B6F5641-5EC1-4662-AA22-4A30AE34EFAB}" srcId="{9A3D543D-1E9A-4BE5-BFBC-B65722739982}" destId="{6F1D5CA6-5F34-4F88-BF44-BEF250924727}" srcOrd="3" destOrd="0" parTransId="{17037C34-3FCA-415A-87E6-9101440E5570}" sibTransId="{F1A32AF2-6499-482D-92E7-26CA18A1E783}"/>
-    <dgm:cxn modelId="{FC77AA06-4551-4525-9261-28001F8F0395}" type="presOf" srcId="{9A3D543D-1E9A-4BE5-BFBC-B65722739982}" destId="{9903AFBA-5A13-4349-A39D-854233A67AAB}" srcOrd="0" destOrd="0" presId="urn:microsoft.com/office/officeart/2005/8/layout/hierarchy6"/>
-    <dgm:cxn modelId="{189DD1E4-2B81-4BF3-89BB-FDFA88959959}" srcId="{C194289A-C687-45FE-8049-89294C7C2B30}" destId="{20A85F18-8AB9-4E57-B52A-9BF4B306A9C3}" srcOrd="0" destOrd="0" parTransId="{3B12340C-4A3C-4DC8-BCCA-8F5CFA7F81A0}" sibTransId="{B7E51429-AA15-40A6-AE25-DC8252353AA9}"/>
-    <dgm:cxn modelId="{F25B2F81-A6CF-43B6-949B-D8DE03316882}" type="presOf" srcId="{C19AA72F-C2D7-4EE9-B1BA-7ECE7C3CEF01}" destId="{85E03D00-B215-4479-AFBA-5CEB429504C9}" srcOrd="0" destOrd="0" presId="urn:microsoft.com/office/officeart/2005/8/layout/hierarchy6"/>
-    <dgm:cxn modelId="{1775ACB4-D98E-4C6B-BA64-A6156C422A9C}" type="presOf" srcId="{63E0C32F-5CB1-4C0B-BFC5-95C3688A5952}" destId="{9ADE6EBB-D0A9-4302-BC75-1FB70BC17255}" srcOrd="0" destOrd="0" presId="urn:microsoft.com/office/officeart/2005/8/layout/hierarchy6"/>
-    <dgm:cxn modelId="{F60FDD36-6A54-47BF-8EED-07E5DD1F04E9}" srcId="{66EE189E-5075-46F1-AF74-59651897F29C}" destId="{C194289A-C687-45FE-8049-89294C7C2B30}" srcOrd="0" destOrd="0" parTransId="{A1E0D595-9930-49C1-A7D6-ABF215D5DF74}" sibTransId="{C80CDFA2-386C-46C7-B2F7-98BAECE1CEE5}"/>
-    <dgm:cxn modelId="{5250D644-4541-49BB-AE6D-7633048CD1EF}" srcId="{6F1D5CA6-5F34-4F88-BF44-BEF250924727}" destId="{9E518E89-E95C-4ACB-844A-03740305B219}" srcOrd="0" destOrd="0" parTransId="{BC758844-95DE-4CB7-BF5C-1913FC8DACE3}" sibTransId="{4828EE8C-8752-46CA-AF7A-DF4A39243D65}"/>
-    <dgm:cxn modelId="{7E28F19B-13A0-47DD-A9ED-6FBF60F8C37C}" type="presOf" srcId="{E116835A-3D10-450B-9413-E1B97894FFA3}" destId="{03CEC701-59F7-4F6F-A2FB-6D1193C6C0E9}" srcOrd="0" destOrd="0" presId="urn:microsoft.com/office/officeart/2005/8/layout/hierarchy6"/>
-    <dgm:cxn modelId="{925CFD1C-CD56-4DC6-813F-70B1E5243183}" type="presOf" srcId="{66EE189E-5075-46F1-AF74-59651897F29C}" destId="{532A0C2D-ACD5-4BE7-B893-91B3018C35E8}" srcOrd="0" destOrd="0" presId="urn:microsoft.com/office/officeart/2005/8/layout/hierarchy6"/>
-    <dgm:cxn modelId="{8F84316C-D7CF-4E70-A84F-FC3AEF7A98DD}" srcId="{1C5F8750-0E8D-4A4F-A5C4-6A02757B2CEE}" destId="{9A3D543D-1E9A-4BE5-BFBC-B65722739982}" srcOrd="0" destOrd="0" parTransId="{9B09A68A-FA35-4BB2-B59F-0D5048C372BC}" sibTransId="{4E033150-6172-41B8-A447-633A4A116347}"/>
-    <dgm:cxn modelId="{74BEEBB6-8087-40DD-823A-CE567002062C}" type="presOf" srcId="{FC0286EA-4B69-4B09-B5C5-A002ECF296A6}" destId="{53593E82-FE48-4799-B3D5-9BF8476C7795}" srcOrd="0" destOrd="0" presId="urn:microsoft.com/office/officeart/2005/8/layout/hierarchy6"/>
-    <dgm:cxn modelId="{E2F81E9C-FEF2-41D8-879F-2194C54923C3}" type="presOf" srcId="{062FEC7E-C2B6-4825-AEF5-A95DE82F0985}" destId="{531E14F9-BE8E-487D-9FBC-BD239BDE74DC}" srcOrd="0" destOrd="0" presId="urn:microsoft.com/office/officeart/2005/8/layout/hierarchy6"/>
-    <dgm:cxn modelId="{B5F53BE2-8ED6-4519-894D-D35C5AACE93A}" type="presOf" srcId="{26B52B06-5624-4E82-B142-B70F4DEDA5A8}" destId="{1073E1FD-017C-4D04-87E7-1344708FEFFE}" srcOrd="0" destOrd="0" presId="urn:microsoft.com/office/officeart/2005/8/layout/hierarchy6"/>
-    <dgm:cxn modelId="{48045230-B8B4-462B-BF0A-EF8B7544C145}" type="presOf" srcId="{A72855AD-81B2-4E1F-8F76-C9BFC49D9668}" destId="{7F15DC38-3E35-4ED9-83CB-208CB23EA7A4}" srcOrd="0" destOrd="0" presId="urn:microsoft.com/office/officeart/2005/8/layout/hierarchy6"/>
-    <dgm:cxn modelId="{ACD92EDD-5B80-43F8-8AE7-8438CE86337A}" type="presOf" srcId="{BC758844-95DE-4CB7-BF5C-1913FC8DACE3}" destId="{15A86F3B-D9E7-41FD-8AB1-37718931BB58}" srcOrd="0" destOrd="0" presId="urn:microsoft.com/office/officeart/2005/8/layout/hierarchy6"/>
-    <dgm:cxn modelId="{5E4A92C4-FC82-499F-8060-EE9E3CB03401}" srcId="{9A3D543D-1E9A-4BE5-BFBC-B65722739982}" destId="{35DCDA67-F2A2-441C-AE5D-C1B198AC0662}" srcOrd="0" destOrd="0" parTransId="{675114A4-4D40-4091-9275-9C8175883DB4}" sibTransId="{D315B3E9-E343-4B13-8EAD-6B260F20DDCE}"/>
-    <dgm:cxn modelId="{1F547D3E-B87B-4960-AF5C-8D15A786ACAF}" type="presOf" srcId="{27B0B7D4-9290-4FFB-8E4F-E55C7EC9F8B5}" destId="{190E5C43-FF52-41EF-BC65-4C3846DF4B2F}" srcOrd="0" destOrd="0" presId="urn:microsoft.com/office/officeart/2005/8/layout/hierarchy6"/>
-    <dgm:cxn modelId="{2EDCA332-FA0E-49FA-8C8E-EB6D90DD39C4}" srcId="{35DCDA67-F2A2-441C-AE5D-C1B198AC0662}" destId="{63E0C32F-5CB1-4C0B-BFC5-95C3688A5952}" srcOrd="0" destOrd="0" parTransId="{FC0286EA-4B69-4B09-B5C5-A002ECF296A6}" sibTransId="{DDDB3BA4-5927-4112-81E0-912E28DBF488}"/>
-    <dgm:cxn modelId="{71CEC4D2-DE78-479D-BD43-05EDE136BCCD}" type="presOf" srcId="{3B12340C-4A3C-4DC8-BCCA-8F5CFA7F81A0}" destId="{6693D620-D3B4-43A1-8165-358A23FCEFAD}" srcOrd="0" destOrd="0" presId="urn:microsoft.com/office/officeart/2005/8/layout/hierarchy6"/>
-    <dgm:cxn modelId="{5330A575-C6B1-42EB-8FC0-CBFDF772777D}" type="presOf" srcId="{C194289A-C687-45FE-8049-89294C7C2B30}" destId="{7ECB5281-3BE3-458D-9668-FC45289E3411}" srcOrd="0" destOrd="0" presId="urn:microsoft.com/office/officeart/2005/8/layout/hierarchy6"/>
-    <dgm:cxn modelId="{915B9641-7D8A-4799-900D-2B8537C02E58}" srcId="{66EE189E-5075-46F1-AF74-59651897F29C}" destId="{0BFEC22B-8AB5-4E37-B44F-16371DB8A2C2}" srcOrd="2" destOrd="0" parTransId="{A72855AD-81B2-4E1F-8F76-C9BFC49D9668}" sibTransId="{5D381B9F-D38A-4BC9-AA35-A6DD8D7A0E88}"/>
-    <dgm:cxn modelId="{84E6488C-253B-438D-AAFD-33CB151FD11C}" srcId="{9A3D543D-1E9A-4BE5-BFBC-B65722739982}" destId="{66EE189E-5075-46F1-AF74-59651897F29C}" srcOrd="2" destOrd="0" parTransId="{C7818523-DD8A-4226-93BE-3030326F44BF}" sibTransId="{347A939D-BFB7-46AB-8A82-4221C36A4DC6}"/>
-    <dgm:cxn modelId="{725699EB-3058-4FB9-8B2A-41B4F916C9EB}" srcId="{66EE189E-5075-46F1-AF74-59651897F29C}" destId="{FA12C214-3A8B-4C17-8251-A885B4B6E072}" srcOrd="1" destOrd="0" parTransId="{77CADEB3-FE54-482D-8679-4F469A4B4A67}" sibTransId="{34D708C3-EA3A-45EC-B3D6-6EEEBFABC684}"/>
-    <dgm:cxn modelId="{F20877BF-0CB4-4FAF-A20F-52021D1AC4CF}" type="presOf" srcId="{DFF14EEF-DE88-442F-96F5-8520D939A002}" destId="{ECB6E3E8-C365-4657-9343-AE63156F3519}" srcOrd="0" destOrd="0" presId="urn:microsoft.com/office/officeart/2005/8/layout/hierarchy6"/>
-    <dgm:cxn modelId="{42C2BCF5-DC4D-4803-8CDB-1724D7266FF2}" type="presOf" srcId="{20A85F18-8AB9-4E57-B52A-9BF4B306A9C3}" destId="{21465F75-534B-4A28-8D74-771BE4C5037B}" srcOrd="0" destOrd="0" presId="urn:microsoft.com/office/officeart/2005/8/layout/hierarchy6"/>
-    <dgm:cxn modelId="{5358C9CD-4C9F-4E16-B72C-FFBB6D6C75B6}" type="presOf" srcId="{1C5F8750-0E8D-4A4F-A5C4-6A02757B2CEE}" destId="{C647C14C-60E2-48E5-85A4-92CF88C6F009}" srcOrd="0" destOrd="0" presId="urn:microsoft.com/office/officeart/2005/8/layout/hierarchy6"/>
-    <dgm:cxn modelId="{06A9FBF4-0355-4854-ADF0-FCEBBB8DD16E}" srcId="{9E518E89-E95C-4ACB-844A-03740305B219}" destId="{F0DF681D-458E-4B75-B5AD-7BFFC8188D2E}" srcOrd="0" destOrd="0" parTransId="{062FEC7E-C2B6-4825-AEF5-A95DE82F0985}" sibTransId="{3A0BA01E-3A25-4697-867F-F5E62715EE19}"/>
-    <dgm:cxn modelId="{33C7AFE6-8C27-4185-8CD1-C5B810CD6A6E}" type="presOf" srcId="{5CA15CE3-8396-42E1-8E7E-BD11A58851E2}" destId="{7C0EA656-1D18-4980-86E2-83309EF67A1B}" srcOrd="0" destOrd="0" presId="urn:microsoft.com/office/officeart/2005/8/layout/hierarchy6"/>
-    <dgm:cxn modelId="{4F63A585-9D94-44A3-8134-AB9FEAC94CB3}" type="presOf" srcId="{AEF768B3-89BD-4493-B753-D5C7E3F86037}" destId="{2B44D44D-9C15-4BE4-8857-6902DD216E02}" srcOrd="0" destOrd="0" presId="urn:microsoft.com/office/officeart/2005/8/layout/hierarchy6"/>
-    <dgm:cxn modelId="{F1FC97C5-4AFC-483B-8A1A-C27B2BE745B7}" type="presOf" srcId="{5A2D30D4-EEF4-4274-A404-AB129065637F}" destId="{6D500FE4-6E88-4115-B204-2A401C1E43A0}" srcOrd="0" destOrd="0" presId="urn:microsoft.com/office/officeart/2005/8/layout/hierarchy6"/>
-    <dgm:cxn modelId="{50644D6C-CE5C-45B2-A94A-446055AA3E94}" type="presOf" srcId="{17037C34-3FCA-415A-87E6-9101440E5570}" destId="{5B1BDFAD-02C6-44F1-B889-E8B7F6D74DD3}" srcOrd="0" destOrd="0" presId="urn:microsoft.com/office/officeart/2005/8/layout/hierarchy6"/>
-    <dgm:cxn modelId="{36080CC3-E829-43B7-B964-5AD80EB222C8}" type="presOf" srcId="{441A3D14-7823-4933-A226-6CEE16869DD4}" destId="{86087C67-4375-477E-84D1-836C1F14C793}" srcOrd="0" destOrd="0" presId="urn:microsoft.com/office/officeart/2005/8/layout/hierarchy6"/>
-    <dgm:cxn modelId="{79B249DC-4833-49D8-9857-9CE7EF5DF86E}" type="presOf" srcId="{675114A4-4D40-4091-9275-9C8175883DB4}" destId="{41AB122B-081A-4865-AD38-E3670CB221C3}" srcOrd="0" destOrd="0" presId="urn:microsoft.com/office/officeart/2005/8/layout/hierarchy6"/>
-    <dgm:cxn modelId="{DF7AABBE-8237-4DDD-BBFF-90A7B8F794E1}" type="presOf" srcId="{FA12C214-3A8B-4C17-8251-A885B4B6E072}" destId="{E9154DCD-71BE-4D6B-9077-16D4BC71B579}" srcOrd="0" destOrd="0" presId="urn:microsoft.com/office/officeart/2005/8/layout/hierarchy6"/>
-    <dgm:cxn modelId="{7FB98C4F-DCCA-4C59-A3BF-C3B8534B4C0E}" srcId="{5A9D0339-AA51-434F-8B6C-60F99E3633CF}" destId="{5CA15CE3-8396-42E1-8E7E-BD11A58851E2}" srcOrd="0" destOrd="0" parTransId="{14CBFDCC-3ECF-4077-AAFC-9035D3532054}" sibTransId="{4EF2F922-12E7-4FD4-81DA-E3CD0818CD32}"/>
-    <dgm:cxn modelId="{0F49240D-DCAE-4441-AF35-7AEAEFD9A362}" type="presOf" srcId="{C7818523-DD8A-4226-93BE-3030326F44BF}" destId="{F7EDE524-7426-42F9-9EA5-E64F8887CFAA}" srcOrd="0" destOrd="0" presId="urn:microsoft.com/office/officeart/2005/8/layout/hierarchy6"/>
-    <dgm:cxn modelId="{82DACA7E-BA77-45DE-A508-21AA17F6B2C9}" type="presOf" srcId="{35DCDA67-F2A2-441C-AE5D-C1B198AC0662}" destId="{0ECD015A-E51F-4E92-93F8-42CA82FE8288}" srcOrd="0" destOrd="0" presId="urn:microsoft.com/office/officeart/2005/8/layout/hierarchy6"/>
     <dgm:cxn modelId="{77B07BF6-1D5D-4DD8-84DE-CD1CF985B596}" type="presOf" srcId="{0BFEC22B-8AB5-4E37-B44F-16371DB8A2C2}" destId="{F7AD1C98-5033-4CC0-A62F-4F6538B25AE3}" srcOrd="0" destOrd="0" presId="urn:microsoft.com/office/officeart/2005/8/layout/hierarchy6"/>
     <dgm:cxn modelId="{2D64ED38-1EE4-4F7E-B3C2-A897AC7AB7FF}" type="presParOf" srcId="{C647C14C-60E2-48E5-85A4-92CF88C6F009}" destId="{7FBC73CD-6899-48F0-97D2-0FAF099D00D7}" srcOrd="0" destOrd="0" presId="urn:microsoft.com/office/officeart/2005/8/layout/hierarchy6"/>
     <dgm:cxn modelId="{740D6EF3-2D28-4ABA-B191-DA09BDBD1B77}" type="presParOf" srcId="{7FBC73CD-6899-48F0-97D2-0FAF099D00D7}" destId="{345ABD8D-1ABA-4A43-A568-C10F9BC71744}" srcOrd="0" destOrd="0" presId="urn:microsoft.com/office/officeart/2005/8/layout/hierarchy6"/>
@@ -2347,14 +3042,26 @@
     <dgm:cxn modelId="{6AA75A7F-54AB-4A2A-A81F-34BDAF755018}" type="presParOf" srcId="{DCCD5EFE-7876-4BE0-8B52-0B8CAA5B5D98}" destId="{CF8D64B8-D61F-466F-8ABA-43D7D9B04C06}" srcOrd="1" destOrd="0" presId="urn:microsoft.com/office/officeart/2005/8/layout/hierarchy6"/>
     <dgm:cxn modelId="{B1905272-1E6F-491E-AE7C-C288D66447B0}" type="presParOf" srcId="{CF8D64B8-D61F-466F-8ABA-43D7D9B04C06}" destId="{0ECD015A-E51F-4E92-93F8-42CA82FE8288}" srcOrd="0" destOrd="0" presId="urn:microsoft.com/office/officeart/2005/8/layout/hierarchy6"/>
     <dgm:cxn modelId="{265E7D0A-4975-41A5-AAA2-A15C7BB0A6A2}" type="presParOf" srcId="{CF8D64B8-D61F-466F-8ABA-43D7D9B04C06}" destId="{26362DDC-DD1A-4BB8-AE23-6E6A6745B19C}" srcOrd="1" destOrd="0" presId="urn:microsoft.com/office/officeart/2005/8/layout/hierarchy6"/>
-    <dgm:cxn modelId="{1C305AE3-D307-4753-B2E7-DAB81CC50BD1}" type="presParOf" srcId="{26362DDC-DD1A-4BB8-AE23-6E6A6745B19C}" destId="{53593E82-FE48-4799-B3D5-9BF8476C7795}" srcOrd="0" destOrd="0" presId="urn:microsoft.com/office/officeart/2005/8/layout/hierarchy6"/>
-    <dgm:cxn modelId="{1DDB4716-09EF-4DED-8E09-730BF2BACF94}" type="presParOf" srcId="{26362DDC-DD1A-4BB8-AE23-6E6A6745B19C}" destId="{C941A05A-5682-4F10-9964-D12E822952DE}" srcOrd="1" destOrd="0" presId="urn:microsoft.com/office/officeart/2005/8/layout/hierarchy6"/>
-    <dgm:cxn modelId="{DF268220-B105-41D7-9C47-736DB7ECDE94}" type="presParOf" srcId="{C941A05A-5682-4F10-9964-D12E822952DE}" destId="{9ADE6EBB-D0A9-4302-BC75-1FB70BC17255}" srcOrd="0" destOrd="0" presId="urn:microsoft.com/office/officeart/2005/8/layout/hierarchy6"/>
-    <dgm:cxn modelId="{0A2E739B-302E-497D-9CFB-E4242AC8146F}" type="presParOf" srcId="{C941A05A-5682-4F10-9964-D12E822952DE}" destId="{65679440-020D-4210-B943-BEE04BE83EB1}" srcOrd="1" destOrd="0" presId="urn:microsoft.com/office/officeart/2005/8/layout/hierarchy6"/>
-    <dgm:cxn modelId="{1BED2988-A1A8-44B4-917A-A3382A46E3DF}" type="presParOf" srcId="{65679440-020D-4210-B943-BEE04BE83EB1}" destId="{2B44D44D-9C15-4BE4-8857-6902DD216E02}" srcOrd="0" destOrd="0" presId="urn:microsoft.com/office/officeart/2005/8/layout/hierarchy6"/>
-    <dgm:cxn modelId="{8F95D84A-2F35-4DEB-A10C-27D73C590CE7}" type="presParOf" srcId="{65679440-020D-4210-B943-BEE04BE83EB1}" destId="{52E0AE4D-5240-4116-8871-F00A2F071C25}" srcOrd="1" destOrd="0" presId="urn:microsoft.com/office/officeart/2005/8/layout/hierarchy6"/>
-    <dgm:cxn modelId="{F36A4D58-150A-48D7-94C2-884C951A3CFD}" type="presParOf" srcId="{52E0AE4D-5240-4116-8871-F00A2F071C25}" destId="{03CEC701-59F7-4F6F-A2FB-6D1193C6C0E9}" srcOrd="0" destOrd="0" presId="urn:microsoft.com/office/officeart/2005/8/layout/hierarchy6"/>
-    <dgm:cxn modelId="{1B85721C-A1A1-45FC-9E73-A70AC0EBB2CA}" type="presParOf" srcId="{52E0AE4D-5240-4116-8871-F00A2F071C25}" destId="{70C641D7-008F-491D-A8A1-389516750A5F}" srcOrd="1" destOrd="0" presId="urn:microsoft.com/office/officeart/2005/8/layout/hierarchy6"/>
+    <dgm:cxn modelId="{6E597E06-9D5D-48FD-B810-1D451D385A2B}" type="presParOf" srcId="{26362DDC-DD1A-4BB8-AE23-6E6A6745B19C}" destId="{53BE28EF-99A8-45D2-A439-B1144FBC3954}" srcOrd="0" destOrd="0" presId="urn:microsoft.com/office/officeart/2005/8/layout/hierarchy6"/>
+    <dgm:cxn modelId="{5DDEA7F0-729B-4FB2-88AD-066A841DBD13}" type="presParOf" srcId="{26362DDC-DD1A-4BB8-AE23-6E6A6745B19C}" destId="{D3FD43ED-49D9-4CB5-A2F0-DFC7987DD202}" srcOrd="1" destOrd="0" presId="urn:microsoft.com/office/officeart/2005/8/layout/hierarchy6"/>
+    <dgm:cxn modelId="{4EC4D814-D2B0-4282-9659-757C4605C9F6}" type="presParOf" srcId="{D3FD43ED-49D9-4CB5-A2F0-DFC7987DD202}" destId="{C24AA9F1-E100-43C5-9B3E-E49BBE5DF731}" srcOrd="0" destOrd="0" presId="urn:microsoft.com/office/officeart/2005/8/layout/hierarchy6"/>
+    <dgm:cxn modelId="{8DD2B440-BEFB-4DFC-AA9E-B1A46C0A5CF3}" type="presParOf" srcId="{D3FD43ED-49D9-4CB5-A2F0-DFC7987DD202}" destId="{85A47341-493F-4C78-B925-6D17CBFED368}" srcOrd="1" destOrd="0" presId="urn:microsoft.com/office/officeart/2005/8/layout/hierarchy6"/>
+    <dgm:cxn modelId="{85309D8A-1E85-4B09-8914-4D891F76AFF1}" type="presParOf" srcId="{85A47341-493F-4C78-B925-6D17CBFED368}" destId="{D2FA8DCC-89A3-4CB1-9FF9-7F8B664B0AF9}" srcOrd="0" destOrd="0" presId="urn:microsoft.com/office/officeart/2005/8/layout/hierarchy6"/>
+    <dgm:cxn modelId="{9E6E7942-E7ED-41A5-B5DC-23F324DDD60F}" type="presParOf" srcId="{85A47341-493F-4C78-B925-6D17CBFED368}" destId="{2B314F4B-35F2-4267-A97E-CAD08F585A27}" srcOrd="1" destOrd="0" presId="urn:microsoft.com/office/officeart/2005/8/layout/hierarchy6"/>
+    <dgm:cxn modelId="{919338ED-F5C1-4201-9319-6F4A36C9EDDD}" type="presParOf" srcId="{2B314F4B-35F2-4267-A97E-CAD08F585A27}" destId="{693E7B0F-4C3D-48FF-A291-A297AD09F19A}" srcOrd="0" destOrd="0" presId="urn:microsoft.com/office/officeart/2005/8/layout/hierarchy6"/>
+    <dgm:cxn modelId="{9037560D-563E-45E0-BBE9-289CE34B0FD8}" type="presParOf" srcId="{2B314F4B-35F2-4267-A97E-CAD08F585A27}" destId="{24E3E993-3795-4816-83E6-9D2D429CDF86}" srcOrd="1" destOrd="0" presId="urn:microsoft.com/office/officeart/2005/8/layout/hierarchy6"/>
+    <dgm:cxn modelId="{A85B83DB-6ADF-47B1-A7CD-B18B7A592302}" type="presParOf" srcId="{26362DDC-DD1A-4BB8-AE23-6E6A6745B19C}" destId="{DDEF067D-8035-4EE8-B26D-F9EF3FCB2EBB}" srcOrd="2" destOrd="0" presId="urn:microsoft.com/office/officeart/2005/8/layout/hierarchy6"/>
+    <dgm:cxn modelId="{69EB524E-6ADA-4142-9B1E-9D283621864B}" type="presParOf" srcId="{26362DDC-DD1A-4BB8-AE23-6E6A6745B19C}" destId="{5C701B20-89F4-4F50-9BD5-3E008C6D7DE6}" srcOrd="3" destOrd="0" presId="urn:microsoft.com/office/officeart/2005/8/layout/hierarchy6"/>
+    <dgm:cxn modelId="{4D72D5AA-BF6B-44A9-AD1F-914545B11E88}" type="presParOf" srcId="{5C701B20-89F4-4F50-9BD5-3E008C6D7DE6}" destId="{C506A8BA-439E-4716-BD26-721A6F281A37}" srcOrd="0" destOrd="0" presId="urn:microsoft.com/office/officeart/2005/8/layout/hierarchy6"/>
+    <dgm:cxn modelId="{2858C684-C9B9-487B-9B9E-F6DEBB9E858F}" type="presParOf" srcId="{5C701B20-89F4-4F50-9BD5-3E008C6D7DE6}" destId="{0D14266D-155E-47D2-BD04-D1ADB411484B}" srcOrd="1" destOrd="0" presId="urn:microsoft.com/office/officeart/2005/8/layout/hierarchy6"/>
+    <dgm:cxn modelId="{054D2736-8F8A-4B84-BB9C-39DE39FCCAFC}" type="presParOf" srcId="{0D14266D-155E-47D2-BD04-D1ADB411484B}" destId="{2B44D44D-9C15-4BE4-8857-6902DD216E02}" srcOrd="0" destOrd="0" presId="urn:microsoft.com/office/officeart/2005/8/layout/hierarchy6"/>
+    <dgm:cxn modelId="{38A6A6A9-DD74-4956-B58E-31733CF8FD26}" type="presParOf" srcId="{0D14266D-155E-47D2-BD04-D1ADB411484B}" destId="{52E0AE4D-5240-4116-8871-F00A2F071C25}" srcOrd="1" destOrd="0" presId="urn:microsoft.com/office/officeart/2005/8/layout/hierarchy6"/>
+    <dgm:cxn modelId="{8B4AEA2B-31B0-4A04-BF85-40ED98C03DF8}" type="presParOf" srcId="{52E0AE4D-5240-4116-8871-F00A2F071C25}" destId="{03CEC701-59F7-4F6F-A2FB-6D1193C6C0E9}" srcOrd="0" destOrd="0" presId="urn:microsoft.com/office/officeart/2005/8/layout/hierarchy6"/>
+    <dgm:cxn modelId="{D6D4639F-BFAF-49B5-9547-1ABA74759F86}" type="presParOf" srcId="{52E0AE4D-5240-4116-8871-F00A2F071C25}" destId="{70C641D7-008F-491D-A8A1-389516750A5F}" srcOrd="1" destOrd="0" presId="urn:microsoft.com/office/officeart/2005/8/layout/hierarchy6"/>
+    <dgm:cxn modelId="{AD17492F-88D1-4A94-A802-1AC4EB215825}" type="presParOf" srcId="{26362DDC-DD1A-4BB8-AE23-6E6A6745B19C}" destId="{12D6D663-4501-42C1-84F8-FE7ACFB08125}" srcOrd="4" destOrd="0" presId="urn:microsoft.com/office/officeart/2005/8/layout/hierarchy6"/>
+    <dgm:cxn modelId="{617118E2-315A-4639-B4E1-DEEDB4B4E216}" type="presParOf" srcId="{26362DDC-DD1A-4BB8-AE23-6E6A6745B19C}" destId="{C74B4A7B-8B7A-4F77-AE91-71E309AE4AA9}" srcOrd="5" destOrd="0" presId="urn:microsoft.com/office/officeart/2005/8/layout/hierarchy6"/>
+    <dgm:cxn modelId="{4834D11D-093F-44D2-A1E3-74FA97621376}" type="presParOf" srcId="{C74B4A7B-8B7A-4F77-AE91-71E309AE4AA9}" destId="{C01A5CD9-857F-4361-ACD1-0621F95E6766}" srcOrd="0" destOrd="0" presId="urn:microsoft.com/office/officeart/2005/8/layout/hierarchy6"/>
+    <dgm:cxn modelId="{325A26A5-CE79-41CB-9E00-BDDC1C6F85BD}" type="presParOf" srcId="{C74B4A7B-8B7A-4F77-AE91-71E309AE4AA9}" destId="{3E7496FE-5635-4896-8F23-1BB41A34664E}" srcOrd="1" destOrd="0" presId="urn:microsoft.com/office/officeart/2005/8/layout/hierarchy6"/>
     <dgm:cxn modelId="{4591F0B8-6B22-4B4A-A0F0-E340301FCD18}" type="presParOf" srcId="{DCCD5EFE-7876-4BE0-8B52-0B8CAA5B5D98}" destId="{6D500FE4-6E88-4115-B204-2A401C1E43A0}" srcOrd="2" destOrd="0" presId="urn:microsoft.com/office/officeart/2005/8/layout/hierarchy6"/>
     <dgm:cxn modelId="{C1EF966A-482A-4666-949B-F762EDFA8638}" type="presParOf" srcId="{DCCD5EFE-7876-4BE0-8B52-0B8CAA5B5D98}" destId="{68735FE1-5986-4989-BCFA-E7980B972273}" srcOrd="3" destOrd="0" presId="urn:microsoft.com/office/officeart/2005/8/layout/hierarchy6"/>
     <dgm:cxn modelId="{5E4B882A-415A-4A5F-B24C-6EBF5ABF2388}" type="presParOf" srcId="{68735FE1-5986-4989-BCFA-E7980B972273}" destId="{1EE97BA3-462E-4247-9C64-D91A323268AC}" srcOrd="0" destOrd="0" presId="urn:microsoft.com/office/officeart/2005/8/layout/hierarchy6"/>
@@ -2423,6 +3130,477 @@
 </dgm:dataModel>
 </file>
 
+<file path=ppt/diagrams/data2.xml><?xml version="1.0" encoding="utf-8"?>
+<dgm:dataModel xmlns:dgm="http://schemas.openxmlformats.org/drawingml/2006/diagram" xmlns:a="http://schemas.openxmlformats.org/drawingml/2006/main">
+  <dgm:ptLst>
+    <dgm:pt modelId="{1C5F8750-0E8D-4A4F-A5C4-6A02757B2CEE}" type="doc">
+      <dgm:prSet loTypeId="urn:microsoft.com/office/officeart/2005/8/layout/hierarchy6" loCatId="hierarchy" qsTypeId="urn:microsoft.com/office/officeart/2005/8/quickstyle/3d3" qsCatId="3D" csTypeId="urn:microsoft.com/office/officeart/2005/8/colors/colorful2" csCatId="colorful" phldr="1"/>
+      <dgm:spPr/>
+      <dgm:t>
+        <a:bodyPr/>
+        <a:lstStyle/>
+        <a:p>
+          <a:endParaRPr lang="es-AR"/>
+        </a:p>
+      </dgm:t>
+    </dgm:pt>
+    <dgm:pt modelId="{9A3D543D-1E9A-4BE5-BFBC-B65722739982}">
+      <dgm:prSet/>
+      <dgm:spPr/>
+      <dgm:t>
+        <a:bodyPr/>
+        <a:lstStyle/>
+        <a:p>
+          <a:r>
+            <a:rPr lang="es-AR" dirty="0"/>
+            <a:t>ENCODER</a:t>
+          </a:r>
+        </a:p>
+      </dgm:t>
+    </dgm:pt>
+    <dgm:pt modelId="{9B09A68A-FA35-4BB2-B59F-0D5048C372BC}" type="parTrans" cxnId="{8F84316C-D7CF-4E70-A84F-FC3AEF7A98DD}">
+      <dgm:prSet/>
+      <dgm:spPr/>
+      <dgm:t>
+        <a:bodyPr/>
+        <a:lstStyle/>
+        <a:p>
+          <a:endParaRPr lang="es-AR"/>
+        </a:p>
+      </dgm:t>
+    </dgm:pt>
+    <dgm:pt modelId="{4E033150-6172-41B8-A447-633A4A116347}" type="sibTrans" cxnId="{8F84316C-D7CF-4E70-A84F-FC3AEF7A98DD}">
+      <dgm:prSet/>
+      <dgm:spPr/>
+      <dgm:t>
+        <a:bodyPr/>
+        <a:lstStyle/>
+        <a:p>
+          <a:endParaRPr lang="es-AR"/>
+        </a:p>
+      </dgm:t>
+    </dgm:pt>
+    <dgm:pt modelId="{35DCDA67-F2A2-441C-AE5D-C1B198AC0662}">
+      <dgm:prSet/>
+      <dgm:spPr/>
+      <dgm:t>
+        <a:bodyPr/>
+        <a:lstStyle/>
+        <a:p>
+          <a:r>
+            <a:rPr lang="es-AR" dirty="0"/>
+            <a:t>ENCODER HAL</a:t>
+          </a:r>
+        </a:p>
+      </dgm:t>
+    </dgm:pt>
+    <dgm:pt modelId="{675114A4-4D40-4091-9275-9C8175883DB4}" type="parTrans" cxnId="{5E4A92C4-FC82-499F-8060-EE9E3CB03401}">
+      <dgm:prSet/>
+      <dgm:spPr/>
+      <dgm:t>
+        <a:bodyPr/>
+        <a:lstStyle/>
+        <a:p>
+          <a:endParaRPr lang="es-AR"/>
+        </a:p>
+      </dgm:t>
+    </dgm:pt>
+    <dgm:pt modelId="{D315B3E9-E343-4B13-8EAD-6B260F20DDCE}" type="sibTrans" cxnId="{5E4A92C4-FC82-499F-8060-EE9E3CB03401}">
+      <dgm:prSet/>
+      <dgm:spPr/>
+      <dgm:t>
+        <a:bodyPr/>
+        <a:lstStyle/>
+        <a:p>
+          <a:endParaRPr lang="es-AR"/>
+        </a:p>
+      </dgm:t>
+    </dgm:pt>
+    <dgm:pt modelId="{E116835A-3D10-450B-9413-E1B97894FFA3}">
+      <dgm:prSet/>
+      <dgm:spPr/>
+      <dgm:t>
+        <a:bodyPr/>
+        <a:lstStyle/>
+        <a:p>
+          <a:r>
+            <a:rPr lang="es-AR" dirty="0"/>
+            <a:t>GPIO</a:t>
+          </a:r>
+        </a:p>
+      </dgm:t>
+    </dgm:pt>
+    <dgm:pt modelId="{52D43CBC-A4A2-45B3-BE26-8C6C6134A79F}" type="sibTrans" cxnId="{5811BAAA-C778-4938-B9A0-254EA33A3D9B}">
+      <dgm:prSet/>
+      <dgm:spPr/>
+      <dgm:t>
+        <a:bodyPr/>
+        <a:lstStyle/>
+        <a:p>
+          <a:endParaRPr lang="es-AR"/>
+        </a:p>
+      </dgm:t>
+    </dgm:pt>
+    <dgm:pt modelId="{AEF768B3-89BD-4493-B753-D5C7E3F86037}" type="parTrans" cxnId="{5811BAAA-C778-4938-B9A0-254EA33A3D9B}">
+      <dgm:prSet/>
+      <dgm:spPr/>
+      <dgm:t>
+        <a:bodyPr/>
+        <a:lstStyle/>
+        <a:p>
+          <a:endParaRPr lang="es-AR"/>
+        </a:p>
+      </dgm:t>
+    </dgm:pt>
+    <dgm:pt modelId="{DEBFFABF-82B9-4D25-8AD5-D3D639130002}">
+      <dgm:prSet/>
+      <dgm:spPr/>
+      <dgm:t>
+        <a:bodyPr/>
+        <a:lstStyle/>
+        <a:p>
+          <a:endParaRPr lang="es-AR" dirty="0"/>
+        </a:p>
+      </dgm:t>
+    </dgm:pt>
+    <dgm:pt modelId="{C285AA89-3DDC-4450-9A7F-149023CB6A38}" type="parTrans" cxnId="{25C18B10-BA99-4144-9327-3CE193268AD5}">
+      <dgm:prSet/>
+      <dgm:spPr/>
+      <dgm:t>
+        <a:bodyPr/>
+        <a:lstStyle/>
+        <a:p>
+          <a:endParaRPr lang="en-US"/>
+        </a:p>
+      </dgm:t>
+    </dgm:pt>
+    <dgm:pt modelId="{BBFA5F37-ED43-47CE-BC61-3C61975DD27E}" type="sibTrans" cxnId="{25C18B10-BA99-4144-9327-3CE193268AD5}">
+      <dgm:prSet/>
+      <dgm:spPr/>
+      <dgm:t>
+        <a:bodyPr/>
+        <a:lstStyle/>
+        <a:p>
+          <a:endParaRPr lang="en-US"/>
+        </a:p>
+      </dgm:t>
+    </dgm:pt>
+    <dgm:pt modelId="{001622B8-067A-4ACE-8911-1AA26B934B71}">
+      <dgm:prSet/>
+      <dgm:spPr/>
+      <dgm:t>
+        <a:bodyPr/>
+        <a:lstStyle/>
+        <a:p>
+          <a:r>
+            <a:rPr lang="es-AR" dirty="0"/>
+            <a:t>TIMER</a:t>
+          </a:r>
+          <a:endParaRPr lang="en-US" dirty="0"/>
+        </a:p>
+      </dgm:t>
+    </dgm:pt>
+    <dgm:pt modelId="{7B337E52-DD2F-44E8-9ED5-365B87D9FED1}" type="parTrans" cxnId="{BC126B93-5A85-4FE0-92DC-6B5FDE551C7F}">
+      <dgm:prSet/>
+      <dgm:spPr/>
+      <dgm:t>
+        <a:bodyPr/>
+        <a:lstStyle/>
+        <a:p>
+          <a:endParaRPr lang="en-US"/>
+        </a:p>
+      </dgm:t>
+    </dgm:pt>
+    <dgm:pt modelId="{9859AD3B-0077-415C-B213-4209EF6A42CC}" type="sibTrans" cxnId="{BC126B93-5A85-4FE0-92DC-6B5FDE551C7F}">
+      <dgm:prSet/>
+      <dgm:spPr/>
+      <dgm:t>
+        <a:bodyPr/>
+        <a:lstStyle/>
+        <a:p>
+          <a:endParaRPr lang="en-US"/>
+        </a:p>
+      </dgm:t>
+    </dgm:pt>
+    <dgm:pt modelId="{CFE7097C-8D2B-4D79-A5D5-84D08B065AD4}">
+      <dgm:prSet/>
+      <dgm:spPr/>
+      <dgm:t>
+        <a:bodyPr/>
+        <a:lstStyle/>
+        <a:p>
+          <a:r>
+            <a:rPr lang="es-AR" dirty="0"/>
+            <a:t>SYSTICK</a:t>
+          </a:r>
+          <a:endParaRPr lang="en-US" dirty="0"/>
+        </a:p>
+      </dgm:t>
+    </dgm:pt>
+    <dgm:pt modelId="{84C7FE82-CB25-4ECD-9CE0-264765FA62D1}" type="parTrans" cxnId="{A270B2EB-18BD-4B40-BD8B-9EEC62090524}">
+      <dgm:prSet/>
+      <dgm:spPr/>
+      <dgm:t>
+        <a:bodyPr/>
+        <a:lstStyle/>
+        <a:p>
+          <a:endParaRPr lang="en-US"/>
+        </a:p>
+      </dgm:t>
+    </dgm:pt>
+    <dgm:pt modelId="{92CA62EB-398C-4FDA-BBA7-96649940D1E8}" type="sibTrans" cxnId="{A270B2EB-18BD-4B40-BD8B-9EEC62090524}">
+      <dgm:prSet/>
+      <dgm:spPr/>
+      <dgm:t>
+        <a:bodyPr/>
+        <a:lstStyle/>
+        <a:p>
+          <a:endParaRPr lang="en-US"/>
+        </a:p>
+      </dgm:t>
+    </dgm:pt>
+    <dgm:pt modelId="{EAD4E5F3-3B06-4EF8-AB2B-009E7E4763AD}">
+      <dgm:prSet/>
+      <dgm:spPr/>
+      <dgm:t>
+        <a:bodyPr/>
+        <a:lstStyle/>
+        <a:p>
+          <a:r>
+            <a:rPr lang="es-AR" dirty="0"/>
+            <a:t>DECODER</a:t>
+          </a:r>
+        </a:p>
+      </dgm:t>
+    </dgm:pt>
+    <dgm:pt modelId="{44536DEA-1FC1-4CE5-AE06-11BEE44A12BF}" type="parTrans" cxnId="{E748DEC2-D1A4-419D-B316-C672A26B4D0E}">
+      <dgm:prSet/>
+      <dgm:spPr/>
+      <dgm:t>
+        <a:bodyPr/>
+        <a:lstStyle/>
+        <a:p>
+          <a:endParaRPr lang="en-US"/>
+        </a:p>
+      </dgm:t>
+    </dgm:pt>
+    <dgm:pt modelId="{D47A7A7D-B017-4D91-90B5-28ED206B13F5}" type="sibTrans" cxnId="{E748DEC2-D1A4-419D-B316-C672A26B4D0E}">
+      <dgm:prSet/>
+      <dgm:spPr/>
+      <dgm:t>
+        <a:bodyPr/>
+        <a:lstStyle/>
+        <a:p>
+          <a:endParaRPr lang="en-US"/>
+        </a:p>
+      </dgm:t>
+    </dgm:pt>
+    <dgm:pt modelId="{C647C14C-60E2-48E5-85A4-92CF88C6F009}" type="pres">
+      <dgm:prSet presAssocID="{1C5F8750-0E8D-4A4F-A5C4-6A02757B2CEE}" presName="mainComposite" presStyleCnt="0">
+        <dgm:presLayoutVars>
+          <dgm:chPref val="1"/>
+          <dgm:dir/>
+          <dgm:animOne val="branch"/>
+          <dgm:animLvl val="lvl"/>
+          <dgm:resizeHandles val="exact"/>
+        </dgm:presLayoutVars>
+      </dgm:prSet>
+      <dgm:spPr/>
+    </dgm:pt>
+    <dgm:pt modelId="{7FBC73CD-6899-48F0-97D2-0FAF099D00D7}" type="pres">
+      <dgm:prSet presAssocID="{1C5F8750-0E8D-4A4F-A5C4-6A02757B2CEE}" presName="hierFlow" presStyleCnt="0"/>
+      <dgm:spPr/>
+    </dgm:pt>
+    <dgm:pt modelId="{345ABD8D-1ABA-4A43-A568-C10F9BC71744}" type="pres">
+      <dgm:prSet presAssocID="{1C5F8750-0E8D-4A4F-A5C4-6A02757B2CEE}" presName="hierChild1" presStyleCnt="0">
+        <dgm:presLayoutVars>
+          <dgm:chPref val="1"/>
+          <dgm:animOne val="branch"/>
+          <dgm:animLvl val="lvl"/>
+        </dgm:presLayoutVars>
+      </dgm:prSet>
+      <dgm:spPr/>
+    </dgm:pt>
+    <dgm:pt modelId="{6CAA1593-FAC0-443A-87C9-97957B477D06}" type="pres">
+      <dgm:prSet presAssocID="{9A3D543D-1E9A-4BE5-BFBC-B65722739982}" presName="Name14" presStyleCnt="0"/>
+      <dgm:spPr/>
+    </dgm:pt>
+    <dgm:pt modelId="{9903AFBA-5A13-4349-A39D-854233A67AAB}" type="pres">
+      <dgm:prSet presAssocID="{9A3D543D-1E9A-4BE5-BFBC-B65722739982}" presName="level1Shape" presStyleLbl="node0" presStyleIdx="0" presStyleCnt="1">
+        <dgm:presLayoutVars>
+          <dgm:chPref val="3"/>
+        </dgm:presLayoutVars>
+      </dgm:prSet>
+      <dgm:spPr/>
+    </dgm:pt>
+    <dgm:pt modelId="{DCCD5EFE-7876-4BE0-8B52-0B8CAA5B5D98}" type="pres">
+      <dgm:prSet presAssocID="{9A3D543D-1E9A-4BE5-BFBC-B65722739982}" presName="hierChild2" presStyleCnt="0"/>
+      <dgm:spPr/>
+    </dgm:pt>
+    <dgm:pt modelId="{41AB122B-081A-4865-AD38-E3670CB221C3}" type="pres">
+      <dgm:prSet presAssocID="{675114A4-4D40-4091-9275-9C8175883DB4}" presName="Name19" presStyleLbl="parChTrans1D2" presStyleIdx="0" presStyleCnt="2"/>
+      <dgm:spPr/>
+    </dgm:pt>
+    <dgm:pt modelId="{CF8D64B8-D61F-466F-8ABA-43D7D9B04C06}" type="pres">
+      <dgm:prSet presAssocID="{35DCDA67-F2A2-441C-AE5D-C1B198AC0662}" presName="Name21" presStyleCnt="0"/>
+      <dgm:spPr/>
+    </dgm:pt>
+    <dgm:pt modelId="{0ECD015A-E51F-4E92-93F8-42CA82FE8288}" type="pres">
+      <dgm:prSet presAssocID="{35DCDA67-F2A2-441C-AE5D-C1B198AC0662}" presName="level2Shape" presStyleLbl="node2" presStyleIdx="0" presStyleCnt="2"/>
+      <dgm:spPr/>
+    </dgm:pt>
+    <dgm:pt modelId="{26362DDC-DD1A-4BB8-AE23-6E6A6745B19C}" type="pres">
+      <dgm:prSet presAssocID="{35DCDA67-F2A2-441C-AE5D-C1B198AC0662}" presName="hierChild3" presStyleCnt="0"/>
+      <dgm:spPr/>
+    </dgm:pt>
+    <dgm:pt modelId="{53BE28EF-99A8-45D2-A439-B1144FBC3954}" type="pres">
+      <dgm:prSet presAssocID="{7B337E52-DD2F-44E8-9ED5-365B87D9FED1}" presName="Name19" presStyleLbl="parChTrans1D3" presStyleIdx="0" presStyleCnt="2"/>
+      <dgm:spPr/>
+    </dgm:pt>
+    <dgm:pt modelId="{D3FD43ED-49D9-4CB5-A2F0-DFC7987DD202}" type="pres">
+      <dgm:prSet presAssocID="{001622B8-067A-4ACE-8911-1AA26B934B71}" presName="Name21" presStyleCnt="0"/>
+      <dgm:spPr/>
+    </dgm:pt>
+    <dgm:pt modelId="{C24AA9F1-E100-43C5-9B3E-E49BBE5DF731}" type="pres">
+      <dgm:prSet presAssocID="{001622B8-067A-4ACE-8911-1AA26B934B71}" presName="level2Shape" presStyleLbl="node3" presStyleIdx="0" presStyleCnt="2"/>
+      <dgm:spPr/>
+    </dgm:pt>
+    <dgm:pt modelId="{85A47341-493F-4C78-B925-6D17CBFED368}" type="pres">
+      <dgm:prSet presAssocID="{001622B8-067A-4ACE-8911-1AA26B934B71}" presName="hierChild3" presStyleCnt="0"/>
+      <dgm:spPr/>
+    </dgm:pt>
+    <dgm:pt modelId="{D2FA8DCC-89A3-4CB1-9FF9-7F8B664B0AF9}" type="pres">
+      <dgm:prSet presAssocID="{84C7FE82-CB25-4ECD-9CE0-264765FA62D1}" presName="Name19" presStyleLbl="parChTrans1D4" presStyleIdx="0" presStyleCnt="2"/>
+      <dgm:spPr/>
+    </dgm:pt>
+    <dgm:pt modelId="{2B314F4B-35F2-4267-A97E-CAD08F585A27}" type="pres">
+      <dgm:prSet presAssocID="{CFE7097C-8D2B-4D79-A5D5-84D08B065AD4}" presName="Name21" presStyleCnt="0"/>
+      <dgm:spPr/>
+    </dgm:pt>
+    <dgm:pt modelId="{693E7B0F-4C3D-48FF-A291-A297AD09F19A}" type="pres">
+      <dgm:prSet presAssocID="{CFE7097C-8D2B-4D79-A5D5-84D08B065AD4}" presName="level2Shape" presStyleLbl="node4" presStyleIdx="0" presStyleCnt="2"/>
+      <dgm:spPr/>
+    </dgm:pt>
+    <dgm:pt modelId="{24E3E993-3795-4816-83E6-9D2D429CDF86}" type="pres">
+      <dgm:prSet presAssocID="{CFE7097C-8D2B-4D79-A5D5-84D08B065AD4}" presName="hierChild3" presStyleCnt="0"/>
+      <dgm:spPr/>
+    </dgm:pt>
+    <dgm:pt modelId="{DDEF067D-8035-4EE8-B26D-F9EF3FCB2EBB}" type="pres">
+      <dgm:prSet presAssocID="{C285AA89-3DDC-4450-9A7F-149023CB6A38}" presName="Name19" presStyleLbl="parChTrans1D3" presStyleIdx="1" presStyleCnt="2"/>
+      <dgm:spPr/>
+    </dgm:pt>
+    <dgm:pt modelId="{5C701B20-89F4-4F50-9BD5-3E008C6D7DE6}" type="pres">
+      <dgm:prSet presAssocID="{DEBFFABF-82B9-4D25-8AD5-D3D639130002}" presName="Name21" presStyleCnt="0"/>
+      <dgm:spPr/>
+    </dgm:pt>
+    <dgm:pt modelId="{C506A8BA-439E-4716-BD26-721A6F281A37}" type="pres">
+      <dgm:prSet presAssocID="{DEBFFABF-82B9-4D25-8AD5-D3D639130002}" presName="level2Shape" presStyleLbl="node3" presStyleIdx="1" presStyleCnt="2" custScaleX="5667"/>
+      <dgm:spPr/>
+    </dgm:pt>
+    <dgm:pt modelId="{0D14266D-155E-47D2-BD04-D1ADB411484B}" type="pres">
+      <dgm:prSet presAssocID="{DEBFFABF-82B9-4D25-8AD5-D3D639130002}" presName="hierChild3" presStyleCnt="0"/>
+      <dgm:spPr/>
+    </dgm:pt>
+    <dgm:pt modelId="{2B44D44D-9C15-4BE4-8857-6902DD216E02}" type="pres">
+      <dgm:prSet presAssocID="{AEF768B3-89BD-4493-B753-D5C7E3F86037}" presName="Name19" presStyleLbl="parChTrans1D4" presStyleIdx="1" presStyleCnt="2"/>
+      <dgm:spPr/>
+    </dgm:pt>
+    <dgm:pt modelId="{52E0AE4D-5240-4116-8871-F00A2F071C25}" type="pres">
+      <dgm:prSet presAssocID="{E116835A-3D10-450B-9413-E1B97894FFA3}" presName="Name21" presStyleCnt="0"/>
+      <dgm:spPr/>
+    </dgm:pt>
+    <dgm:pt modelId="{03CEC701-59F7-4F6F-A2FB-6D1193C6C0E9}" type="pres">
+      <dgm:prSet presAssocID="{E116835A-3D10-450B-9413-E1B97894FFA3}" presName="level2Shape" presStyleLbl="node4" presStyleIdx="1" presStyleCnt="2"/>
+      <dgm:spPr/>
+    </dgm:pt>
+    <dgm:pt modelId="{70C641D7-008F-491D-A8A1-389516750A5F}" type="pres">
+      <dgm:prSet presAssocID="{E116835A-3D10-450B-9413-E1B97894FFA3}" presName="hierChild3" presStyleCnt="0"/>
+      <dgm:spPr/>
+    </dgm:pt>
+    <dgm:pt modelId="{43920A6D-2009-4B79-8742-B886ECB91308}" type="pres">
+      <dgm:prSet presAssocID="{44536DEA-1FC1-4CE5-AE06-11BEE44A12BF}" presName="Name19" presStyleLbl="parChTrans1D2" presStyleIdx="1" presStyleCnt="2"/>
+      <dgm:spPr/>
+    </dgm:pt>
+    <dgm:pt modelId="{61FB2467-B7D2-452D-A0F5-32294B8A8235}" type="pres">
+      <dgm:prSet presAssocID="{EAD4E5F3-3B06-4EF8-AB2B-009E7E4763AD}" presName="Name21" presStyleCnt="0"/>
+      <dgm:spPr/>
+    </dgm:pt>
+    <dgm:pt modelId="{4AF2B6CC-A93F-47ED-A7B9-26D22F200D1D}" type="pres">
+      <dgm:prSet presAssocID="{EAD4E5F3-3B06-4EF8-AB2B-009E7E4763AD}" presName="level2Shape" presStyleLbl="node2" presStyleIdx="1" presStyleCnt="2"/>
+      <dgm:spPr/>
+    </dgm:pt>
+    <dgm:pt modelId="{E8F561B7-D327-479B-990A-9EBAB5DFB9FD}" type="pres">
+      <dgm:prSet presAssocID="{EAD4E5F3-3B06-4EF8-AB2B-009E7E4763AD}" presName="hierChild3" presStyleCnt="0"/>
+      <dgm:spPr/>
+    </dgm:pt>
+    <dgm:pt modelId="{124AAE7E-87BF-4A3D-8F11-BC71C8D3FDE2}" type="pres">
+      <dgm:prSet presAssocID="{1C5F8750-0E8D-4A4F-A5C4-6A02757B2CEE}" presName="bgShapesFlow" presStyleCnt="0"/>
+      <dgm:spPr/>
+    </dgm:pt>
+  </dgm:ptLst>
+  <dgm:cxnLst>
+    <dgm:cxn modelId="{D4159C05-758B-4A16-B682-3953F4C0FF68}" type="presOf" srcId="{C285AA89-3DDC-4450-9A7F-149023CB6A38}" destId="{DDEF067D-8035-4EE8-B26D-F9EF3FCB2EBB}" srcOrd="0" destOrd="0" presId="urn:microsoft.com/office/officeart/2005/8/layout/hierarchy6"/>
+    <dgm:cxn modelId="{FC77AA06-4551-4525-9261-28001F8F0395}" type="presOf" srcId="{9A3D543D-1E9A-4BE5-BFBC-B65722739982}" destId="{9903AFBA-5A13-4349-A39D-854233A67AAB}" srcOrd="0" destOrd="0" presId="urn:microsoft.com/office/officeart/2005/8/layout/hierarchy6"/>
+    <dgm:cxn modelId="{12695F09-6A75-4C5E-A56F-79EB293D94FE}" type="presOf" srcId="{CFE7097C-8D2B-4D79-A5D5-84D08B065AD4}" destId="{693E7B0F-4C3D-48FF-A291-A297AD09F19A}" srcOrd="0" destOrd="0" presId="urn:microsoft.com/office/officeart/2005/8/layout/hierarchy6"/>
+    <dgm:cxn modelId="{25C18B10-BA99-4144-9327-3CE193268AD5}" srcId="{35DCDA67-F2A2-441C-AE5D-C1B198AC0662}" destId="{DEBFFABF-82B9-4D25-8AD5-D3D639130002}" srcOrd="1" destOrd="0" parTransId="{C285AA89-3DDC-4450-9A7F-149023CB6A38}" sibTransId="{BBFA5F37-ED43-47CE-BC61-3C61975DD27E}"/>
+    <dgm:cxn modelId="{496BD93C-23F4-4EC0-8108-918319379B01}" type="presOf" srcId="{84C7FE82-CB25-4ECD-9CE0-264765FA62D1}" destId="{D2FA8DCC-89A3-4CB1-9FF9-7F8B664B0AF9}" srcOrd="0" destOrd="0" presId="urn:microsoft.com/office/officeart/2005/8/layout/hierarchy6"/>
+    <dgm:cxn modelId="{B5944A46-CF7F-4D78-B657-C3334ECC9664}" type="presOf" srcId="{DEBFFABF-82B9-4D25-8AD5-D3D639130002}" destId="{C506A8BA-439E-4716-BD26-721A6F281A37}" srcOrd="0" destOrd="0" presId="urn:microsoft.com/office/officeart/2005/8/layout/hierarchy6"/>
+    <dgm:cxn modelId="{FF60454A-DF56-423A-8C54-E7571E204720}" type="presOf" srcId="{AEF768B3-89BD-4493-B753-D5C7E3F86037}" destId="{2B44D44D-9C15-4BE4-8857-6902DD216E02}" srcOrd="0" destOrd="0" presId="urn:microsoft.com/office/officeart/2005/8/layout/hierarchy6"/>
+    <dgm:cxn modelId="{8F84316C-D7CF-4E70-A84F-FC3AEF7A98DD}" srcId="{1C5F8750-0E8D-4A4F-A5C4-6A02757B2CEE}" destId="{9A3D543D-1E9A-4BE5-BFBC-B65722739982}" srcOrd="0" destOrd="0" parTransId="{9B09A68A-FA35-4BB2-B59F-0D5048C372BC}" sibTransId="{4E033150-6172-41B8-A447-633A4A116347}"/>
+    <dgm:cxn modelId="{C8B9545A-366A-4D0A-97FE-6EF131421FCB}" type="presOf" srcId="{EAD4E5F3-3B06-4EF8-AB2B-009E7E4763AD}" destId="{4AF2B6CC-A93F-47ED-A7B9-26D22F200D1D}" srcOrd="0" destOrd="0" presId="urn:microsoft.com/office/officeart/2005/8/layout/hierarchy6"/>
+    <dgm:cxn modelId="{82DACA7E-BA77-45DE-A508-21AA17F6B2C9}" type="presOf" srcId="{35DCDA67-F2A2-441C-AE5D-C1B198AC0662}" destId="{0ECD015A-E51F-4E92-93F8-42CA82FE8288}" srcOrd="0" destOrd="0" presId="urn:microsoft.com/office/officeart/2005/8/layout/hierarchy6"/>
+    <dgm:cxn modelId="{169D398B-DAE8-49AD-8309-84B62DB80379}" type="presOf" srcId="{7B337E52-DD2F-44E8-9ED5-365B87D9FED1}" destId="{53BE28EF-99A8-45D2-A439-B1144FBC3954}" srcOrd="0" destOrd="0" presId="urn:microsoft.com/office/officeart/2005/8/layout/hierarchy6"/>
+    <dgm:cxn modelId="{BC126B93-5A85-4FE0-92DC-6B5FDE551C7F}" srcId="{35DCDA67-F2A2-441C-AE5D-C1B198AC0662}" destId="{001622B8-067A-4ACE-8911-1AA26B934B71}" srcOrd="0" destOrd="0" parTransId="{7B337E52-DD2F-44E8-9ED5-365B87D9FED1}" sibTransId="{9859AD3B-0077-415C-B213-4209EF6A42CC}"/>
+    <dgm:cxn modelId="{5811BAAA-C778-4938-B9A0-254EA33A3D9B}" srcId="{DEBFFABF-82B9-4D25-8AD5-D3D639130002}" destId="{E116835A-3D10-450B-9413-E1B97894FFA3}" srcOrd="0" destOrd="0" parTransId="{AEF768B3-89BD-4493-B753-D5C7E3F86037}" sibTransId="{52D43CBC-A4A2-45B3-BE26-8C6C6134A79F}"/>
+    <dgm:cxn modelId="{5DC8BFBD-641E-4801-86A0-25764D3FA3A0}" type="presOf" srcId="{44536DEA-1FC1-4CE5-AE06-11BEE44A12BF}" destId="{43920A6D-2009-4B79-8742-B886ECB91308}" srcOrd="0" destOrd="0" presId="urn:microsoft.com/office/officeart/2005/8/layout/hierarchy6"/>
+    <dgm:cxn modelId="{E748DEC2-D1A4-419D-B316-C672A26B4D0E}" srcId="{9A3D543D-1E9A-4BE5-BFBC-B65722739982}" destId="{EAD4E5F3-3B06-4EF8-AB2B-009E7E4763AD}" srcOrd="1" destOrd="0" parTransId="{44536DEA-1FC1-4CE5-AE06-11BEE44A12BF}" sibTransId="{D47A7A7D-B017-4D91-90B5-28ED206B13F5}"/>
+    <dgm:cxn modelId="{7EB384C4-1E22-4EFA-8CC2-CD150528C9C9}" type="presOf" srcId="{001622B8-067A-4ACE-8911-1AA26B934B71}" destId="{C24AA9F1-E100-43C5-9B3E-E49BBE5DF731}" srcOrd="0" destOrd="0" presId="urn:microsoft.com/office/officeart/2005/8/layout/hierarchy6"/>
+    <dgm:cxn modelId="{5E4A92C4-FC82-499F-8060-EE9E3CB03401}" srcId="{9A3D543D-1E9A-4BE5-BFBC-B65722739982}" destId="{35DCDA67-F2A2-441C-AE5D-C1B198AC0662}" srcOrd="0" destOrd="0" parTransId="{675114A4-4D40-4091-9275-9C8175883DB4}" sibTransId="{D315B3E9-E343-4B13-8EAD-6B260F20DDCE}"/>
+    <dgm:cxn modelId="{5358C9CD-4C9F-4E16-B72C-FFBB6D6C75B6}" type="presOf" srcId="{1C5F8750-0E8D-4A4F-A5C4-6A02757B2CEE}" destId="{C647C14C-60E2-48E5-85A4-92CF88C6F009}" srcOrd="0" destOrd="0" presId="urn:microsoft.com/office/officeart/2005/8/layout/hierarchy6"/>
+    <dgm:cxn modelId="{79B249DC-4833-49D8-9857-9CE7EF5DF86E}" type="presOf" srcId="{675114A4-4D40-4091-9275-9C8175883DB4}" destId="{41AB122B-081A-4865-AD38-E3670CB221C3}" srcOrd="0" destOrd="0" presId="urn:microsoft.com/office/officeart/2005/8/layout/hierarchy6"/>
+    <dgm:cxn modelId="{A270B2EB-18BD-4B40-BD8B-9EEC62090524}" srcId="{001622B8-067A-4ACE-8911-1AA26B934B71}" destId="{CFE7097C-8D2B-4D79-A5D5-84D08B065AD4}" srcOrd="0" destOrd="0" parTransId="{84C7FE82-CB25-4ECD-9CE0-264765FA62D1}" sibTransId="{92CA62EB-398C-4FDA-BBA7-96649940D1E8}"/>
+    <dgm:cxn modelId="{F6D060ED-7336-4FE7-9DE3-054F48988866}" type="presOf" srcId="{E116835A-3D10-450B-9413-E1B97894FFA3}" destId="{03CEC701-59F7-4F6F-A2FB-6D1193C6C0E9}" srcOrd="0" destOrd="0" presId="urn:microsoft.com/office/officeart/2005/8/layout/hierarchy6"/>
+    <dgm:cxn modelId="{2D64ED38-1EE4-4F7E-B3C2-A897AC7AB7FF}" type="presParOf" srcId="{C647C14C-60E2-48E5-85A4-92CF88C6F009}" destId="{7FBC73CD-6899-48F0-97D2-0FAF099D00D7}" srcOrd="0" destOrd="0" presId="urn:microsoft.com/office/officeart/2005/8/layout/hierarchy6"/>
+    <dgm:cxn modelId="{740D6EF3-2D28-4ABA-B191-DA09BDBD1B77}" type="presParOf" srcId="{7FBC73CD-6899-48F0-97D2-0FAF099D00D7}" destId="{345ABD8D-1ABA-4A43-A568-C10F9BC71744}" srcOrd="0" destOrd="0" presId="urn:microsoft.com/office/officeart/2005/8/layout/hierarchy6"/>
+    <dgm:cxn modelId="{025DC321-A30F-4DA2-A136-3C669C5743BF}" type="presParOf" srcId="{345ABD8D-1ABA-4A43-A568-C10F9BC71744}" destId="{6CAA1593-FAC0-443A-87C9-97957B477D06}" srcOrd="0" destOrd="0" presId="urn:microsoft.com/office/officeart/2005/8/layout/hierarchy6"/>
+    <dgm:cxn modelId="{2DBDB6B2-66C0-43A9-AA50-0554C842DE39}" type="presParOf" srcId="{6CAA1593-FAC0-443A-87C9-97957B477D06}" destId="{9903AFBA-5A13-4349-A39D-854233A67AAB}" srcOrd="0" destOrd="0" presId="urn:microsoft.com/office/officeart/2005/8/layout/hierarchy6"/>
+    <dgm:cxn modelId="{311109C4-F880-460E-8C0B-1AD2D52726F4}" type="presParOf" srcId="{6CAA1593-FAC0-443A-87C9-97957B477D06}" destId="{DCCD5EFE-7876-4BE0-8B52-0B8CAA5B5D98}" srcOrd="1" destOrd="0" presId="urn:microsoft.com/office/officeart/2005/8/layout/hierarchy6"/>
+    <dgm:cxn modelId="{3DC9CB6F-FBD0-4D54-9488-459BE4343143}" type="presParOf" srcId="{DCCD5EFE-7876-4BE0-8B52-0B8CAA5B5D98}" destId="{41AB122B-081A-4865-AD38-E3670CB221C3}" srcOrd="0" destOrd="0" presId="urn:microsoft.com/office/officeart/2005/8/layout/hierarchy6"/>
+    <dgm:cxn modelId="{6AA75A7F-54AB-4A2A-A81F-34BDAF755018}" type="presParOf" srcId="{DCCD5EFE-7876-4BE0-8B52-0B8CAA5B5D98}" destId="{CF8D64B8-D61F-466F-8ABA-43D7D9B04C06}" srcOrd="1" destOrd="0" presId="urn:microsoft.com/office/officeart/2005/8/layout/hierarchy6"/>
+    <dgm:cxn modelId="{B1905272-1E6F-491E-AE7C-C288D66447B0}" type="presParOf" srcId="{CF8D64B8-D61F-466F-8ABA-43D7D9B04C06}" destId="{0ECD015A-E51F-4E92-93F8-42CA82FE8288}" srcOrd="0" destOrd="0" presId="urn:microsoft.com/office/officeart/2005/8/layout/hierarchy6"/>
+    <dgm:cxn modelId="{265E7D0A-4975-41A5-AAA2-A15C7BB0A6A2}" type="presParOf" srcId="{CF8D64B8-D61F-466F-8ABA-43D7D9B04C06}" destId="{26362DDC-DD1A-4BB8-AE23-6E6A6745B19C}" srcOrd="1" destOrd="0" presId="urn:microsoft.com/office/officeart/2005/8/layout/hierarchy6"/>
+    <dgm:cxn modelId="{6E597E06-9D5D-48FD-B810-1D451D385A2B}" type="presParOf" srcId="{26362DDC-DD1A-4BB8-AE23-6E6A6745B19C}" destId="{53BE28EF-99A8-45D2-A439-B1144FBC3954}" srcOrd="0" destOrd="0" presId="urn:microsoft.com/office/officeart/2005/8/layout/hierarchy6"/>
+    <dgm:cxn modelId="{5DDEA7F0-729B-4FB2-88AD-066A841DBD13}" type="presParOf" srcId="{26362DDC-DD1A-4BB8-AE23-6E6A6745B19C}" destId="{D3FD43ED-49D9-4CB5-A2F0-DFC7987DD202}" srcOrd="1" destOrd="0" presId="urn:microsoft.com/office/officeart/2005/8/layout/hierarchy6"/>
+    <dgm:cxn modelId="{4EC4D814-D2B0-4282-9659-757C4605C9F6}" type="presParOf" srcId="{D3FD43ED-49D9-4CB5-A2F0-DFC7987DD202}" destId="{C24AA9F1-E100-43C5-9B3E-E49BBE5DF731}" srcOrd="0" destOrd="0" presId="urn:microsoft.com/office/officeart/2005/8/layout/hierarchy6"/>
+    <dgm:cxn modelId="{8DD2B440-BEFB-4DFC-AA9E-B1A46C0A5CF3}" type="presParOf" srcId="{D3FD43ED-49D9-4CB5-A2F0-DFC7987DD202}" destId="{85A47341-493F-4C78-B925-6D17CBFED368}" srcOrd="1" destOrd="0" presId="urn:microsoft.com/office/officeart/2005/8/layout/hierarchy6"/>
+    <dgm:cxn modelId="{85309D8A-1E85-4B09-8914-4D891F76AFF1}" type="presParOf" srcId="{85A47341-493F-4C78-B925-6D17CBFED368}" destId="{D2FA8DCC-89A3-4CB1-9FF9-7F8B664B0AF9}" srcOrd="0" destOrd="0" presId="urn:microsoft.com/office/officeart/2005/8/layout/hierarchy6"/>
+    <dgm:cxn modelId="{9E6E7942-E7ED-41A5-B5DC-23F324DDD60F}" type="presParOf" srcId="{85A47341-493F-4C78-B925-6D17CBFED368}" destId="{2B314F4B-35F2-4267-A97E-CAD08F585A27}" srcOrd="1" destOrd="0" presId="urn:microsoft.com/office/officeart/2005/8/layout/hierarchy6"/>
+    <dgm:cxn modelId="{919338ED-F5C1-4201-9319-6F4A36C9EDDD}" type="presParOf" srcId="{2B314F4B-35F2-4267-A97E-CAD08F585A27}" destId="{693E7B0F-4C3D-48FF-A291-A297AD09F19A}" srcOrd="0" destOrd="0" presId="urn:microsoft.com/office/officeart/2005/8/layout/hierarchy6"/>
+    <dgm:cxn modelId="{9037560D-563E-45E0-BBE9-289CE34B0FD8}" type="presParOf" srcId="{2B314F4B-35F2-4267-A97E-CAD08F585A27}" destId="{24E3E993-3795-4816-83E6-9D2D429CDF86}" srcOrd="1" destOrd="0" presId="urn:microsoft.com/office/officeart/2005/8/layout/hierarchy6"/>
+    <dgm:cxn modelId="{A85B83DB-6ADF-47B1-A7CD-B18B7A592302}" type="presParOf" srcId="{26362DDC-DD1A-4BB8-AE23-6E6A6745B19C}" destId="{DDEF067D-8035-4EE8-B26D-F9EF3FCB2EBB}" srcOrd="2" destOrd="0" presId="urn:microsoft.com/office/officeart/2005/8/layout/hierarchy6"/>
+    <dgm:cxn modelId="{69EB524E-6ADA-4142-9B1E-9D283621864B}" type="presParOf" srcId="{26362DDC-DD1A-4BB8-AE23-6E6A6745B19C}" destId="{5C701B20-89F4-4F50-9BD5-3E008C6D7DE6}" srcOrd="3" destOrd="0" presId="urn:microsoft.com/office/officeart/2005/8/layout/hierarchy6"/>
+    <dgm:cxn modelId="{4D72D5AA-BF6B-44A9-AD1F-914545B11E88}" type="presParOf" srcId="{5C701B20-89F4-4F50-9BD5-3E008C6D7DE6}" destId="{C506A8BA-439E-4716-BD26-721A6F281A37}" srcOrd="0" destOrd="0" presId="urn:microsoft.com/office/officeart/2005/8/layout/hierarchy6"/>
+    <dgm:cxn modelId="{2858C684-C9B9-487B-9B9E-F6DEBB9E858F}" type="presParOf" srcId="{5C701B20-89F4-4F50-9BD5-3E008C6D7DE6}" destId="{0D14266D-155E-47D2-BD04-D1ADB411484B}" srcOrd="1" destOrd="0" presId="urn:microsoft.com/office/officeart/2005/8/layout/hierarchy6"/>
+    <dgm:cxn modelId="{054D2736-8F8A-4B84-BB9C-39DE39FCCAFC}" type="presParOf" srcId="{0D14266D-155E-47D2-BD04-D1ADB411484B}" destId="{2B44D44D-9C15-4BE4-8857-6902DD216E02}" srcOrd="0" destOrd="0" presId="urn:microsoft.com/office/officeart/2005/8/layout/hierarchy6"/>
+    <dgm:cxn modelId="{38A6A6A9-DD74-4956-B58E-31733CF8FD26}" type="presParOf" srcId="{0D14266D-155E-47D2-BD04-D1ADB411484B}" destId="{52E0AE4D-5240-4116-8871-F00A2F071C25}" srcOrd="1" destOrd="0" presId="urn:microsoft.com/office/officeart/2005/8/layout/hierarchy6"/>
+    <dgm:cxn modelId="{8B4AEA2B-31B0-4A04-BF85-40ED98C03DF8}" type="presParOf" srcId="{52E0AE4D-5240-4116-8871-F00A2F071C25}" destId="{03CEC701-59F7-4F6F-A2FB-6D1193C6C0E9}" srcOrd="0" destOrd="0" presId="urn:microsoft.com/office/officeart/2005/8/layout/hierarchy6"/>
+    <dgm:cxn modelId="{D6D4639F-BFAF-49B5-9547-1ABA74759F86}" type="presParOf" srcId="{52E0AE4D-5240-4116-8871-F00A2F071C25}" destId="{70C641D7-008F-491D-A8A1-389516750A5F}" srcOrd="1" destOrd="0" presId="urn:microsoft.com/office/officeart/2005/8/layout/hierarchy6"/>
+    <dgm:cxn modelId="{52949C2C-3793-45E0-A061-1E35CD976B9B}" type="presParOf" srcId="{DCCD5EFE-7876-4BE0-8B52-0B8CAA5B5D98}" destId="{43920A6D-2009-4B79-8742-B886ECB91308}" srcOrd="2" destOrd="0" presId="urn:microsoft.com/office/officeart/2005/8/layout/hierarchy6"/>
+    <dgm:cxn modelId="{C6CF8B4A-BBD9-4AA0-B98A-FF1F7B66943A}" type="presParOf" srcId="{DCCD5EFE-7876-4BE0-8B52-0B8CAA5B5D98}" destId="{61FB2467-B7D2-452D-A0F5-32294B8A8235}" srcOrd="3" destOrd="0" presId="urn:microsoft.com/office/officeart/2005/8/layout/hierarchy6"/>
+    <dgm:cxn modelId="{D976F809-BC2B-48D2-ADF9-897ED971C724}" type="presParOf" srcId="{61FB2467-B7D2-452D-A0F5-32294B8A8235}" destId="{4AF2B6CC-A93F-47ED-A7B9-26D22F200D1D}" srcOrd="0" destOrd="0" presId="urn:microsoft.com/office/officeart/2005/8/layout/hierarchy6"/>
+    <dgm:cxn modelId="{8D13A4B6-F54D-4533-B199-6B8F2D160D0B}" type="presParOf" srcId="{61FB2467-B7D2-452D-A0F5-32294B8A8235}" destId="{E8F561B7-D327-479B-990A-9EBAB5DFB9FD}" srcOrd="1" destOrd="0" presId="urn:microsoft.com/office/officeart/2005/8/layout/hierarchy6"/>
+    <dgm:cxn modelId="{0545571F-389F-4ACC-93DE-242F12169B8D}" type="presParOf" srcId="{C647C14C-60E2-48E5-85A4-92CF88C6F009}" destId="{124AAE7E-87BF-4A3D-8F11-BC71C8D3FDE2}" srcOrd="1" destOrd="0" presId="urn:microsoft.com/office/officeart/2005/8/layout/hierarchy6"/>
+  </dgm:cxnLst>
+  <dgm:bg/>
+  <dgm:whole/>
+  <dgm:extLst>
+    <a:ext uri="http://schemas.microsoft.com/office/drawing/2008/diagram">
+      <dsp:dataModelExt xmlns:dsp="http://schemas.microsoft.com/office/drawing/2008/diagram" relId="rId6" minVer="http://schemas.openxmlformats.org/drawingml/2006/diagram"/>
+    </a:ext>
+  </dgm:extLst>
+</dgm:dataModel>
+</file>
+
 <file path=ppt/diagrams/drawing1.xml><?xml version="1.0" encoding="utf-8"?>
 <dsp:drawing xmlns:dgm="http://schemas.openxmlformats.org/drawingml/2006/diagram" xmlns:dsp="http://schemas.microsoft.com/office/drawing/2008/diagram" xmlns:a="http://schemas.openxmlformats.org/drawingml/2006/main">
   <dsp:spTree>
@@ -2438,8 +3616,8 @@
       </dsp:nvSpPr>
       <dsp:spPr>
         <a:xfrm>
-          <a:off x="4560148" y="1144551"/>
-          <a:ext cx="1178421" cy="785614"/>
+          <a:off x="5498408" y="1634102"/>
+          <a:ext cx="1006067" cy="670711"/>
         </a:xfrm>
         <a:prstGeom prst="roundRect">
           <a:avLst>
@@ -2486,12 +3664,12 @@
         </a:fontRef>
       </dsp:style>
       <dsp:txBody>
-        <a:bodyPr spcFirstLastPara="0" vert="horz" wrap="square" lIns="60960" tIns="60960" rIns="60960" bIns="60960" numCol="1" spcCol="1270" anchor="ctr" anchorCtr="0">
+        <a:bodyPr spcFirstLastPara="0" vert="horz" wrap="square" lIns="53340" tIns="53340" rIns="53340" bIns="53340" numCol="1" spcCol="1270" anchor="ctr" anchorCtr="0">
           <a:noAutofit/>
         </a:bodyPr>
         <a:lstStyle/>
         <a:p>
-          <a:pPr lvl="0" algn="ctr" defTabSz="711200">
+          <a:pPr marL="0" lvl="0" indent="0" algn="ctr" defTabSz="622300">
             <a:lnSpc>
               <a:spcPct val="90000"/>
             </a:lnSpc>
@@ -2501,16 +3679,17 @@
             <a:spcAft>
               <a:spcPct val="35000"/>
             </a:spcAft>
+            <a:buNone/>
           </a:pPr>
           <a:r>
-            <a:rPr lang="es-AR" sz="1600" kern="1200" dirty="0"/>
+            <a:rPr lang="es-AR" sz="1400" kern="1200" dirty="0"/>
             <a:t>APP</a:t>
           </a:r>
         </a:p>
       </dsp:txBody>
       <dsp:txXfrm>
-        <a:off x="4583158" y="1167561"/>
-        <a:ext cx="1132401" cy="739594"/>
+        <a:off x="5518052" y="1653746"/>
+        <a:ext cx="966779" cy="631423"/>
       </dsp:txXfrm>
     </dsp:sp>
     <dsp:sp modelId="{41AB122B-081A-4865-AD38-E3670CB221C3}">
@@ -2520,8 +3699,8 @@
       </dsp:nvSpPr>
       <dsp:spPr>
         <a:xfrm>
-          <a:off x="591978" y="1930165"/>
-          <a:ext cx="4557381" cy="314245"/>
+          <a:off x="1575302" y="2304814"/>
+          <a:ext cx="4426140" cy="268284"/>
         </a:xfrm>
         <a:custGeom>
           <a:avLst/>
@@ -2532,16 +3711,16 @@
           <a:pathLst>
             <a:path>
               <a:moveTo>
-                <a:pt x="4557381" y="0"/>
+                <a:pt x="4426140" y="0"/>
               </a:moveTo>
               <a:lnTo>
-                <a:pt x="4557381" y="157122"/>
+                <a:pt x="4426140" y="134142"/>
               </a:lnTo>
               <a:lnTo>
-                <a:pt x="0" y="157122"/>
+                <a:pt x="0" y="134142"/>
               </a:lnTo>
               <a:lnTo>
-                <a:pt x="0" y="314245"/>
+                <a:pt x="0" y="268284"/>
               </a:lnTo>
             </a:path>
           </a:pathLst>
@@ -2589,8 +3768,8 @@
       </dsp:nvSpPr>
       <dsp:spPr>
         <a:xfrm>
-          <a:off x="2767" y="2244411"/>
-          <a:ext cx="1178421" cy="785614"/>
+          <a:off x="1072268" y="2573098"/>
+          <a:ext cx="1006067" cy="670711"/>
         </a:xfrm>
         <a:prstGeom prst="roundRect">
           <a:avLst>
@@ -2637,12 +3816,12 @@
         </a:fontRef>
       </dsp:style>
       <dsp:txBody>
-        <a:bodyPr spcFirstLastPara="0" vert="horz" wrap="square" lIns="60960" tIns="60960" rIns="60960" bIns="60960" numCol="1" spcCol="1270" anchor="ctr" anchorCtr="0">
+        <a:bodyPr spcFirstLastPara="0" vert="horz" wrap="square" lIns="53340" tIns="53340" rIns="53340" bIns="53340" numCol="1" spcCol="1270" anchor="ctr" anchorCtr="0">
           <a:noAutofit/>
         </a:bodyPr>
         <a:lstStyle/>
         <a:p>
-          <a:pPr lvl="0" algn="ctr" defTabSz="711200">
+          <a:pPr marL="0" lvl="0" indent="0" algn="ctr" defTabSz="622300">
             <a:lnSpc>
               <a:spcPct val="90000"/>
             </a:lnSpc>
@@ -2652,27 +3831,28 @@
             <a:spcAft>
               <a:spcPct val="35000"/>
             </a:spcAft>
+            <a:buNone/>
           </a:pPr>
           <a:r>
-            <a:rPr lang="es-AR" sz="1600" kern="1200" dirty="0"/>
+            <a:rPr lang="es-AR" sz="1400" kern="1200" dirty="0"/>
             <a:t>ENCODER</a:t>
           </a:r>
         </a:p>
       </dsp:txBody>
       <dsp:txXfrm>
-        <a:off x="25777" y="2267421"/>
-        <a:ext cx="1132401" cy="739594"/>
+        <a:off x="1091912" y="2592742"/>
+        <a:ext cx="966779" cy="631423"/>
       </dsp:txXfrm>
     </dsp:sp>
-    <dsp:sp modelId="{53593E82-FE48-4799-B3D5-9BF8476C7795}">
+    <dsp:sp modelId="{53BE28EF-99A8-45D2-A439-B1144FBC3954}">
       <dsp:nvSpPr>
         <dsp:cNvPr id="0" name=""/>
         <dsp:cNvSpPr/>
       </dsp:nvSpPr>
       <dsp:spPr>
         <a:xfrm>
-          <a:off x="546258" y="3030025"/>
-          <a:ext cx="91440" cy="314245"/>
+          <a:off x="504677" y="3243810"/>
+          <a:ext cx="1070624" cy="268284"/>
         </a:xfrm>
         <a:custGeom>
           <a:avLst/>
@@ -2683,10 +3863,16 @@
           <a:pathLst>
             <a:path>
               <a:moveTo>
-                <a:pt x="45720" y="0"/>
+                <a:pt x="1070624" y="0"/>
               </a:moveTo>
               <a:lnTo>
-                <a:pt x="45720" y="314245"/>
+                <a:pt x="1070624" y="134142"/>
+              </a:lnTo>
+              <a:lnTo>
+                <a:pt x="0" y="134142"/>
+              </a:lnTo>
+              <a:lnTo>
+                <a:pt x="0" y="268284"/>
               </a:lnTo>
             </a:path>
           </a:pathLst>
@@ -2727,15 +3913,15 @@
         <a:fontRef idx="minor"/>
       </dsp:style>
     </dsp:sp>
-    <dsp:sp modelId="{9ADE6EBB-D0A9-4302-BC75-1FB70BC17255}">
+    <dsp:sp modelId="{C24AA9F1-E100-43C5-9B3E-E49BBE5DF731}">
       <dsp:nvSpPr>
         <dsp:cNvPr id="0" name=""/>
         <dsp:cNvSpPr/>
       </dsp:nvSpPr>
       <dsp:spPr>
         <a:xfrm>
-          <a:off x="2767" y="3344270"/>
-          <a:ext cx="1178421" cy="785614"/>
+          <a:off x="1643" y="3512095"/>
+          <a:ext cx="1006067" cy="670711"/>
         </a:xfrm>
         <a:prstGeom prst="roundRect">
           <a:avLst>
@@ -2782,12 +3968,12 @@
         </a:fontRef>
       </dsp:style>
       <dsp:txBody>
-        <a:bodyPr spcFirstLastPara="0" vert="horz" wrap="square" lIns="60960" tIns="60960" rIns="60960" bIns="60960" numCol="1" spcCol="1270" anchor="ctr" anchorCtr="0">
+        <a:bodyPr spcFirstLastPara="0" vert="horz" wrap="square" lIns="53340" tIns="53340" rIns="53340" bIns="53340" numCol="1" spcCol="1270" anchor="ctr" anchorCtr="0">
           <a:noAutofit/>
         </a:bodyPr>
         <a:lstStyle/>
         <a:p>
-          <a:pPr lvl="0" algn="ctr" defTabSz="711200">
+          <a:pPr marL="0" lvl="0" indent="0" algn="ctr" defTabSz="622300">
             <a:lnSpc>
               <a:spcPct val="90000"/>
             </a:lnSpc>
@@ -2797,27 +3983,29 @@
             <a:spcAft>
               <a:spcPct val="35000"/>
             </a:spcAft>
+            <a:buNone/>
           </a:pPr>
           <a:r>
-            <a:rPr lang="es-AR" sz="1600" kern="1200" dirty="0"/>
+            <a:rPr lang="es-AR" sz="1400" kern="1200" dirty="0"/>
             <a:t>TIMER</a:t>
           </a:r>
+          <a:endParaRPr lang="en-US" sz="1400" kern="1200" dirty="0"/>
         </a:p>
       </dsp:txBody>
       <dsp:txXfrm>
-        <a:off x="25777" y="3367280"/>
-        <a:ext cx="1132401" cy="739594"/>
+        <a:off x="21287" y="3531739"/>
+        <a:ext cx="966779" cy="631423"/>
       </dsp:txXfrm>
     </dsp:sp>
-    <dsp:sp modelId="{2B44D44D-9C15-4BE4-8857-6902DD216E02}">
+    <dsp:sp modelId="{D2FA8DCC-89A3-4CB1-9FF9-7F8B664B0AF9}">
       <dsp:nvSpPr>
         <dsp:cNvPr id="0" name=""/>
         <dsp:cNvSpPr/>
       </dsp:nvSpPr>
       <dsp:spPr>
         <a:xfrm>
-          <a:off x="546258" y="4129884"/>
-          <a:ext cx="91440" cy="314245"/>
+          <a:off x="458957" y="4182807"/>
+          <a:ext cx="91440" cy="268284"/>
         </a:xfrm>
         <a:custGeom>
           <a:avLst/>
@@ -2831,7 +4019,303 @@
                 <a:pt x="45720" y="0"/>
               </a:moveTo>
               <a:lnTo>
-                <a:pt x="45720" y="314245"/>
+                <a:pt x="45720" y="268284"/>
+              </a:lnTo>
+            </a:path>
+          </a:pathLst>
+        </a:custGeom>
+        <a:noFill/>
+        <a:ln w="12700" cap="flat" cmpd="sng" algn="ctr">
+          <a:solidFill>
+            <a:schemeClr val="accent4">
+              <a:hueOff val="0"/>
+              <a:satOff val="0"/>
+              <a:lumOff val="0"/>
+              <a:alphaOff val="0"/>
+            </a:schemeClr>
+          </a:solidFill>
+          <a:prstDash val="solid"/>
+        </a:ln>
+        <a:effectLst/>
+        <a:scene3d>
+          <a:camera prst="orthographicFront">
+            <a:rot lat="0" lon="0" rev="0"/>
+          </a:camera>
+          <a:lightRig rig="contrasting" dir="t">
+            <a:rot lat="0" lon="0" rev="1200000"/>
+          </a:lightRig>
+        </a:scene3d>
+        <a:sp3d z="-110000"/>
+      </dsp:spPr>
+      <dsp:style>
+        <a:lnRef idx="2">
+          <a:scrgbClr r="0" g="0" b="0"/>
+        </a:lnRef>
+        <a:fillRef idx="0">
+          <a:scrgbClr r="0" g="0" b="0"/>
+        </a:fillRef>
+        <a:effectRef idx="0">
+          <a:scrgbClr r="0" g="0" b="0"/>
+        </a:effectRef>
+        <a:fontRef idx="minor"/>
+      </dsp:style>
+    </dsp:sp>
+    <dsp:sp modelId="{693E7B0F-4C3D-48FF-A291-A297AD09F19A}">
+      <dsp:nvSpPr>
+        <dsp:cNvPr id="0" name=""/>
+        <dsp:cNvSpPr/>
+      </dsp:nvSpPr>
+      <dsp:spPr>
+        <a:xfrm>
+          <a:off x="1643" y="4451091"/>
+          <a:ext cx="1006067" cy="670711"/>
+        </a:xfrm>
+        <a:prstGeom prst="roundRect">
+          <a:avLst>
+            <a:gd name="adj" fmla="val 10000"/>
+          </a:avLst>
+        </a:prstGeom>
+        <a:solidFill>
+          <a:schemeClr val="accent4">
+            <a:hueOff val="0"/>
+            <a:satOff val="0"/>
+            <a:lumOff val="0"/>
+            <a:alphaOff val="0"/>
+          </a:schemeClr>
+        </a:solidFill>
+        <a:ln>
+          <a:noFill/>
+        </a:ln>
+        <a:effectLst/>
+        <a:scene3d>
+          <a:camera prst="orthographicFront">
+            <a:rot lat="0" lon="0" rev="0"/>
+          </a:camera>
+          <a:lightRig rig="contrasting" dir="t">
+            <a:rot lat="0" lon="0" rev="1200000"/>
+          </a:lightRig>
+        </a:scene3d>
+        <a:sp3d contourW="19050" prstMaterial="metal">
+          <a:bevelT w="88900" h="203200"/>
+          <a:bevelB w="165100" h="254000"/>
+        </a:sp3d>
+      </dsp:spPr>
+      <dsp:style>
+        <a:lnRef idx="0">
+          <a:scrgbClr r="0" g="0" b="0"/>
+        </a:lnRef>
+        <a:fillRef idx="1">
+          <a:scrgbClr r="0" g="0" b="0"/>
+        </a:fillRef>
+        <a:effectRef idx="1">
+          <a:scrgbClr r="0" g="0" b="0"/>
+        </a:effectRef>
+        <a:fontRef idx="minor">
+          <a:schemeClr val="lt1"/>
+        </a:fontRef>
+      </dsp:style>
+      <dsp:txBody>
+        <a:bodyPr spcFirstLastPara="0" vert="horz" wrap="square" lIns="53340" tIns="53340" rIns="53340" bIns="53340" numCol="1" spcCol="1270" anchor="ctr" anchorCtr="0">
+          <a:noAutofit/>
+        </a:bodyPr>
+        <a:lstStyle/>
+        <a:p>
+          <a:pPr marL="0" lvl="0" indent="0" algn="ctr" defTabSz="622300">
+            <a:lnSpc>
+              <a:spcPct val="90000"/>
+            </a:lnSpc>
+            <a:spcBef>
+              <a:spcPct val="0"/>
+            </a:spcBef>
+            <a:spcAft>
+              <a:spcPct val="35000"/>
+            </a:spcAft>
+            <a:buNone/>
+          </a:pPr>
+          <a:r>
+            <a:rPr lang="es-AR" sz="1400" kern="1200" dirty="0"/>
+            <a:t>SYSTICK</a:t>
+          </a:r>
+          <a:endParaRPr lang="en-US" sz="1400" kern="1200" dirty="0"/>
+        </a:p>
+      </dsp:txBody>
+      <dsp:txXfrm>
+        <a:off x="21287" y="4470735"/>
+        <a:ext cx="966779" cy="631423"/>
+      </dsp:txXfrm>
+    </dsp:sp>
+    <dsp:sp modelId="{DDEF067D-8035-4EE8-B26D-F9EF3FCB2EBB}">
+      <dsp:nvSpPr>
+        <dsp:cNvPr id="0" name=""/>
+        <dsp:cNvSpPr/>
+      </dsp:nvSpPr>
+      <dsp:spPr>
+        <a:xfrm>
+          <a:off x="1575302" y="3243810"/>
+          <a:ext cx="237263" cy="268284"/>
+        </a:xfrm>
+        <a:custGeom>
+          <a:avLst/>
+          <a:gdLst/>
+          <a:ahLst/>
+          <a:cxnLst/>
+          <a:rect l="0" t="0" r="0" b="0"/>
+          <a:pathLst>
+            <a:path>
+              <a:moveTo>
+                <a:pt x="0" y="0"/>
+              </a:moveTo>
+              <a:lnTo>
+                <a:pt x="0" y="134142"/>
+              </a:lnTo>
+              <a:lnTo>
+                <a:pt x="237263" y="134142"/>
+              </a:lnTo>
+              <a:lnTo>
+                <a:pt x="237263" y="268284"/>
+              </a:lnTo>
+            </a:path>
+          </a:pathLst>
+        </a:custGeom>
+        <a:noFill/>
+        <a:ln w="12700" cap="flat" cmpd="sng" algn="ctr">
+          <a:solidFill>
+            <a:schemeClr val="accent3">
+              <a:hueOff val="0"/>
+              <a:satOff val="0"/>
+              <a:lumOff val="0"/>
+              <a:alphaOff val="0"/>
+            </a:schemeClr>
+          </a:solidFill>
+          <a:prstDash val="solid"/>
+        </a:ln>
+        <a:effectLst/>
+        <a:scene3d>
+          <a:camera prst="orthographicFront">
+            <a:rot lat="0" lon="0" rev="0"/>
+          </a:camera>
+          <a:lightRig rig="contrasting" dir="t">
+            <a:rot lat="0" lon="0" rev="1200000"/>
+          </a:lightRig>
+        </a:scene3d>
+        <a:sp3d z="-110000"/>
+      </dsp:spPr>
+      <dsp:style>
+        <a:lnRef idx="2">
+          <a:scrgbClr r="0" g="0" b="0"/>
+        </a:lnRef>
+        <a:fillRef idx="0">
+          <a:scrgbClr r="0" g="0" b="0"/>
+        </a:fillRef>
+        <a:effectRef idx="0">
+          <a:scrgbClr r="0" g="0" b="0"/>
+        </a:effectRef>
+        <a:fontRef idx="minor"/>
+      </dsp:style>
+    </dsp:sp>
+    <dsp:sp modelId="{C506A8BA-439E-4716-BD26-721A6F281A37}">
+      <dsp:nvSpPr>
+        <dsp:cNvPr id="0" name=""/>
+        <dsp:cNvSpPr/>
+      </dsp:nvSpPr>
+      <dsp:spPr>
+        <a:xfrm>
+          <a:off x="1784058" y="3512095"/>
+          <a:ext cx="57013" cy="670711"/>
+        </a:xfrm>
+        <a:prstGeom prst="roundRect">
+          <a:avLst>
+            <a:gd name="adj" fmla="val 10000"/>
+          </a:avLst>
+        </a:prstGeom>
+        <a:solidFill>
+          <a:schemeClr val="accent3">
+            <a:hueOff val="0"/>
+            <a:satOff val="0"/>
+            <a:lumOff val="0"/>
+            <a:alphaOff val="0"/>
+          </a:schemeClr>
+        </a:solidFill>
+        <a:ln>
+          <a:noFill/>
+        </a:ln>
+        <a:effectLst/>
+        <a:scene3d>
+          <a:camera prst="orthographicFront">
+            <a:rot lat="0" lon="0" rev="0"/>
+          </a:camera>
+          <a:lightRig rig="contrasting" dir="t">
+            <a:rot lat="0" lon="0" rev="1200000"/>
+          </a:lightRig>
+        </a:scene3d>
+        <a:sp3d contourW="19050" prstMaterial="metal">
+          <a:bevelT w="88900" h="203200"/>
+          <a:bevelB w="165100" h="254000"/>
+        </a:sp3d>
+      </dsp:spPr>
+      <dsp:style>
+        <a:lnRef idx="0">
+          <a:scrgbClr r="0" g="0" b="0"/>
+        </a:lnRef>
+        <a:fillRef idx="1">
+          <a:scrgbClr r="0" g="0" b="0"/>
+        </a:fillRef>
+        <a:effectRef idx="1">
+          <a:scrgbClr r="0" g="0" b="0"/>
+        </a:effectRef>
+        <a:fontRef idx="minor">
+          <a:schemeClr val="lt1"/>
+        </a:fontRef>
+      </dsp:style>
+      <dsp:txBody>
+        <a:bodyPr spcFirstLastPara="0" vert="horz" wrap="square" lIns="53340" tIns="53340" rIns="53340" bIns="53340" numCol="1" spcCol="1270" anchor="ctr" anchorCtr="0">
+          <a:noAutofit/>
+        </a:bodyPr>
+        <a:lstStyle/>
+        <a:p>
+          <a:pPr marL="0" lvl="0" indent="0" algn="ctr" defTabSz="622300">
+            <a:lnSpc>
+              <a:spcPct val="90000"/>
+            </a:lnSpc>
+            <a:spcBef>
+              <a:spcPct val="0"/>
+            </a:spcBef>
+            <a:spcAft>
+              <a:spcPct val="35000"/>
+            </a:spcAft>
+            <a:buNone/>
+          </a:pPr>
+          <a:endParaRPr lang="es-AR" sz="1400" kern="1200" dirty="0"/>
+        </a:p>
+      </dsp:txBody>
+      <dsp:txXfrm>
+        <a:off x="1785728" y="3513765"/>
+        <a:ext cx="53673" cy="667371"/>
+      </dsp:txXfrm>
+    </dsp:sp>
+    <dsp:sp modelId="{2B44D44D-9C15-4BE4-8857-6902DD216E02}">
+      <dsp:nvSpPr>
+        <dsp:cNvPr id="0" name=""/>
+        <dsp:cNvSpPr/>
+      </dsp:nvSpPr>
+      <dsp:spPr>
+        <a:xfrm>
+          <a:off x="1766845" y="4182807"/>
+          <a:ext cx="91440" cy="268284"/>
+        </a:xfrm>
+        <a:custGeom>
+          <a:avLst/>
+          <a:gdLst/>
+          <a:ahLst/>
+          <a:cxnLst/>
+          <a:rect l="0" t="0" r="0" b="0"/>
+          <a:pathLst>
+            <a:path>
+              <a:moveTo>
+                <a:pt x="45720" y="0"/>
+              </a:moveTo>
+              <a:lnTo>
+                <a:pt x="45720" y="268284"/>
               </a:lnTo>
             </a:path>
           </a:pathLst>
@@ -2879,8 +4363,8 @@
       </dsp:nvSpPr>
       <dsp:spPr>
         <a:xfrm>
-          <a:off x="2767" y="4444130"/>
-          <a:ext cx="1178421" cy="785614"/>
+          <a:off x="1309531" y="4451091"/>
+          <a:ext cx="1006067" cy="670711"/>
         </a:xfrm>
         <a:prstGeom prst="roundRect">
           <a:avLst>
@@ -2927,12 +4411,12 @@
         </a:fontRef>
       </dsp:style>
       <dsp:txBody>
-        <a:bodyPr spcFirstLastPara="0" vert="horz" wrap="square" lIns="60960" tIns="60960" rIns="60960" bIns="60960" numCol="1" spcCol="1270" anchor="ctr" anchorCtr="0">
+        <a:bodyPr spcFirstLastPara="0" vert="horz" wrap="square" lIns="53340" tIns="53340" rIns="53340" bIns="53340" numCol="1" spcCol="1270" anchor="ctr" anchorCtr="0">
           <a:noAutofit/>
         </a:bodyPr>
         <a:lstStyle/>
         <a:p>
-          <a:pPr lvl="0" algn="ctr" defTabSz="711200">
+          <a:pPr marL="0" lvl="0" indent="0" algn="ctr" defTabSz="622300">
             <a:lnSpc>
               <a:spcPct val="90000"/>
             </a:lnSpc>
@@ -2942,27 +4426,28 @@
             <a:spcAft>
               <a:spcPct val="35000"/>
             </a:spcAft>
+            <a:buNone/>
           </a:pPr>
           <a:r>
-            <a:rPr lang="es-AR" sz="1600" kern="1200" dirty="0"/>
-            <a:t>SYSTICK</a:t>
+            <a:rPr lang="es-AR" sz="1400" kern="1200" dirty="0"/>
+            <a:t>GPIO</a:t>
           </a:r>
         </a:p>
       </dsp:txBody>
       <dsp:txXfrm>
-        <a:off x="25777" y="4467140"/>
-        <a:ext cx="1132401" cy="739594"/>
+        <a:off x="1329175" y="4470735"/>
+        <a:ext cx="966779" cy="631423"/>
       </dsp:txXfrm>
     </dsp:sp>
-    <dsp:sp modelId="{6D500FE4-6E88-4115-B204-2A401C1E43A0}">
+    <dsp:sp modelId="{12D6D663-4501-42C1-84F8-FE7ACFB08125}">
       <dsp:nvSpPr>
         <dsp:cNvPr id="0" name=""/>
         <dsp:cNvSpPr/>
       </dsp:nvSpPr>
       <dsp:spPr>
         <a:xfrm>
-          <a:off x="2889898" y="1930165"/>
-          <a:ext cx="2259460" cy="314245"/>
+          <a:off x="1575302" y="3243810"/>
+          <a:ext cx="1070624" cy="268284"/>
         </a:xfrm>
         <a:custGeom>
           <a:avLst/>
@@ -2973,16 +4458,168 @@
           <a:pathLst>
             <a:path>
               <a:moveTo>
-                <a:pt x="2259460" y="0"/>
+                <a:pt x="0" y="0"/>
               </a:moveTo>
               <a:lnTo>
-                <a:pt x="2259460" y="157122"/>
+                <a:pt x="0" y="134142"/>
               </a:lnTo>
               <a:lnTo>
-                <a:pt x="0" y="157122"/>
+                <a:pt x="1070624" y="134142"/>
               </a:lnTo>
               <a:lnTo>
-                <a:pt x="0" y="314245"/>
+                <a:pt x="1070624" y="268284"/>
+              </a:lnTo>
+            </a:path>
+          </a:pathLst>
+        </a:custGeom>
+        <a:noFill/>
+        <a:ln w="12700" cap="flat" cmpd="sng" algn="ctr">
+          <a:solidFill>
+            <a:schemeClr val="accent3">
+              <a:hueOff val="0"/>
+              <a:satOff val="0"/>
+              <a:lumOff val="0"/>
+              <a:alphaOff val="0"/>
+            </a:schemeClr>
+          </a:solidFill>
+          <a:prstDash val="solid"/>
+        </a:ln>
+        <a:effectLst/>
+        <a:scene3d>
+          <a:camera prst="orthographicFront">
+            <a:rot lat="0" lon="0" rev="0"/>
+          </a:camera>
+          <a:lightRig rig="contrasting" dir="t">
+            <a:rot lat="0" lon="0" rev="1200000"/>
+          </a:lightRig>
+        </a:scene3d>
+        <a:sp3d z="-110000"/>
+      </dsp:spPr>
+      <dsp:style>
+        <a:lnRef idx="2">
+          <a:scrgbClr r="0" g="0" b="0"/>
+        </a:lnRef>
+        <a:fillRef idx="0">
+          <a:scrgbClr r="0" g="0" b="0"/>
+        </a:fillRef>
+        <a:effectRef idx="0">
+          <a:scrgbClr r="0" g="0" b="0"/>
+        </a:effectRef>
+        <a:fontRef idx="minor"/>
+      </dsp:style>
+    </dsp:sp>
+    <dsp:sp modelId="{C01A5CD9-857F-4361-ACD1-0621F95E6766}">
+      <dsp:nvSpPr>
+        <dsp:cNvPr id="0" name=""/>
+        <dsp:cNvSpPr/>
+      </dsp:nvSpPr>
+      <dsp:spPr>
+        <a:xfrm>
+          <a:off x="2142892" y="3512095"/>
+          <a:ext cx="1006067" cy="670711"/>
+        </a:xfrm>
+        <a:prstGeom prst="roundRect">
+          <a:avLst>
+            <a:gd name="adj" fmla="val 10000"/>
+          </a:avLst>
+        </a:prstGeom>
+        <a:solidFill>
+          <a:schemeClr val="accent3">
+            <a:hueOff val="0"/>
+            <a:satOff val="0"/>
+            <a:lumOff val="0"/>
+            <a:alphaOff val="0"/>
+          </a:schemeClr>
+        </a:solidFill>
+        <a:ln>
+          <a:noFill/>
+        </a:ln>
+        <a:effectLst/>
+        <a:scene3d>
+          <a:camera prst="orthographicFront">
+            <a:rot lat="0" lon="0" rev="0"/>
+          </a:camera>
+          <a:lightRig rig="contrasting" dir="t">
+            <a:rot lat="0" lon="0" rev="1200000"/>
+          </a:lightRig>
+        </a:scene3d>
+        <a:sp3d contourW="19050" prstMaterial="metal">
+          <a:bevelT w="88900" h="203200"/>
+          <a:bevelB w="165100" h="254000"/>
+        </a:sp3d>
+      </dsp:spPr>
+      <dsp:style>
+        <a:lnRef idx="0">
+          <a:scrgbClr r="0" g="0" b="0"/>
+        </a:lnRef>
+        <a:fillRef idx="1">
+          <a:scrgbClr r="0" g="0" b="0"/>
+        </a:fillRef>
+        <a:effectRef idx="1">
+          <a:scrgbClr r="0" g="0" b="0"/>
+        </a:effectRef>
+        <a:fontRef idx="minor">
+          <a:schemeClr val="lt1"/>
+        </a:fontRef>
+      </dsp:style>
+      <dsp:txBody>
+        <a:bodyPr spcFirstLastPara="0" vert="horz" wrap="square" lIns="53340" tIns="53340" rIns="53340" bIns="53340" numCol="1" spcCol="1270" anchor="ctr" anchorCtr="0">
+          <a:noAutofit/>
+        </a:bodyPr>
+        <a:lstStyle/>
+        <a:p>
+          <a:pPr marL="0" lvl="0" indent="0" algn="ctr" defTabSz="622300">
+            <a:lnSpc>
+              <a:spcPct val="90000"/>
+            </a:lnSpc>
+            <a:spcBef>
+              <a:spcPct val="0"/>
+            </a:spcBef>
+            <a:spcAft>
+              <a:spcPct val="35000"/>
+            </a:spcAft>
+            <a:buNone/>
+          </a:pPr>
+          <a:r>
+            <a:rPr lang="es-AR" sz="1400" kern="1200" dirty="0"/>
+            <a:t>DECODER</a:t>
+          </a:r>
+        </a:p>
+      </dsp:txBody>
+      <dsp:txXfrm>
+        <a:off x="2162536" y="3531739"/>
+        <a:ext cx="966779" cy="631423"/>
+      </dsp:txXfrm>
+    </dsp:sp>
+    <dsp:sp modelId="{6D500FE4-6E88-4115-B204-2A401C1E43A0}">
+      <dsp:nvSpPr>
+        <dsp:cNvPr id="0" name=""/>
+        <dsp:cNvSpPr/>
+      </dsp:nvSpPr>
+      <dsp:spPr>
+        <a:xfrm>
+          <a:off x="4607758" y="2304814"/>
+          <a:ext cx="1393684" cy="268284"/>
+        </a:xfrm>
+        <a:custGeom>
+          <a:avLst/>
+          <a:gdLst/>
+          <a:ahLst/>
+          <a:cxnLst/>
+          <a:rect l="0" t="0" r="0" b="0"/>
+          <a:pathLst>
+            <a:path>
+              <a:moveTo>
+                <a:pt x="1393684" y="0"/>
+              </a:moveTo>
+              <a:lnTo>
+                <a:pt x="1393684" y="134142"/>
+              </a:lnTo>
+              <a:lnTo>
+                <a:pt x="0" y="134142"/>
+              </a:lnTo>
+              <a:lnTo>
+                <a:pt x="0" y="268284"/>
               </a:lnTo>
             </a:path>
           </a:pathLst>
@@ -3030,8 +4667,8 @@
       </dsp:nvSpPr>
       <dsp:spPr>
         <a:xfrm>
-          <a:off x="2300688" y="2244411"/>
-          <a:ext cx="1178421" cy="785614"/>
+          <a:off x="4104724" y="2573098"/>
+          <a:ext cx="1006067" cy="670711"/>
         </a:xfrm>
         <a:prstGeom prst="roundRect">
           <a:avLst>
@@ -3078,12 +4715,12 @@
         </a:fontRef>
       </dsp:style>
       <dsp:txBody>
-        <a:bodyPr spcFirstLastPara="0" vert="horz" wrap="square" lIns="60960" tIns="60960" rIns="60960" bIns="60960" numCol="1" spcCol="1270" anchor="ctr" anchorCtr="0">
+        <a:bodyPr spcFirstLastPara="0" vert="horz" wrap="square" lIns="53340" tIns="53340" rIns="53340" bIns="53340" numCol="1" spcCol="1270" anchor="ctr" anchorCtr="0">
           <a:noAutofit/>
         </a:bodyPr>
         <a:lstStyle/>
         <a:p>
-          <a:pPr lvl="0" algn="ctr" defTabSz="711200">
+          <a:pPr marL="0" lvl="0" indent="0" algn="ctr" defTabSz="622300">
             <a:lnSpc>
               <a:spcPct val="90000"/>
             </a:lnSpc>
@@ -3093,16 +4730,17 @@
             <a:spcAft>
               <a:spcPct val="35000"/>
             </a:spcAft>
+            <a:buNone/>
           </a:pPr>
           <a:r>
-            <a:rPr lang="es-AR" sz="1600" kern="1200" dirty="0"/>
+            <a:rPr lang="es-AR" sz="1400" kern="1200" dirty="0"/>
             <a:t>DISPLAY</a:t>
           </a:r>
         </a:p>
       </dsp:txBody>
       <dsp:txXfrm>
-        <a:off x="2323698" y="2267421"/>
-        <a:ext cx="1132401" cy="739594"/>
+        <a:off x="4124368" y="2592742"/>
+        <a:ext cx="966779" cy="631423"/>
       </dsp:txXfrm>
     </dsp:sp>
     <dsp:sp modelId="{6DFBC8DC-FB04-4552-ACB4-2C723637561B}">
@@ -3112,8 +4750,8 @@
       </dsp:nvSpPr>
       <dsp:spPr>
         <a:xfrm>
-          <a:off x="2123925" y="3030025"/>
-          <a:ext cx="765973" cy="314245"/>
+          <a:off x="3953814" y="3243810"/>
+          <a:ext cx="653943" cy="268284"/>
         </a:xfrm>
         <a:custGeom>
           <a:avLst/>
@@ -3124,16 +4762,16 @@
           <a:pathLst>
             <a:path>
               <a:moveTo>
-                <a:pt x="765973" y="0"/>
+                <a:pt x="653943" y="0"/>
               </a:moveTo>
               <a:lnTo>
-                <a:pt x="765973" y="157122"/>
+                <a:pt x="653943" y="134142"/>
               </a:lnTo>
               <a:lnTo>
-                <a:pt x="0" y="157122"/>
+                <a:pt x="0" y="134142"/>
               </a:lnTo>
               <a:lnTo>
-                <a:pt x="0" y="314245"/>
+                <a:pt x="0" y="268284"/>
               </a:lnTo>
             </a:path>
           </a:pathLst>
@@ -3181,8 +4819,8 @@
       </dsp:nvSpPr>
       <dsp:spPr>
         <a:xfrm>
-          <a:off x="1534714" y="3344270"/>
-          <a:ext cx="1178421" cy="785614"/>
+          <a:off x="3450780" y="3512095"/>
+          <a:ext cx="1006067" cy="670711"/>
         </a:xfrm>
         <a:prstGeom prst="roundRect">
           <a:avLst>
@@ -3229,12 +4867,12 @@
         </a:fontRef>
       </dsp:style>
       <dsp:txBody>
-        <a:bodyPr spcFirstLastPara="0" vert="horz" wrap="square" lIns="60960" tIns="60960" rIns="60960" bIns="60960" numCol="1" spcCol="1270" anchor="ctr" anchorCtr="0">
+        <a:bodyPr spcFirstLastPara="0" vert="horz" wrap="square" lIns="53340" tIns="53340" rIns="53340" bIns="53340" numCol="1" spcCol="1270" anchor="ctr" anchorCtr="0">
           <a:noAutofit/>
         </a:bodyPr>
         <a:lstStyle/>
         <a:p>
-          <a:pPr lvl="0" algn="ctr" defTabSz="711200">
+          <a:pPr marL="0" lvl="0" indent="0" algn="ctr" defTabSz="622300">
             <a:lnSpc>
               <a:spcPct val="90000"/>
             </a:lnSpc>
@@ -3244,16 +4882,17 @@
             <a:spcAft>
               <a:spcPct val="35000"/>
             </a:spcAft>
+            <a:buNone/>
           </a:pPr>
           <a:r>
-            <a:rPr lang="es-AR" sz="1600" kern="1200" dirty="0"/>
+            <a:rPr lang="es-AR" sz="1400" kern="1200" dirty="0"/>
             <a:t>TIMER</a:t>
           </a:r>
         </a:p>
       </dsp:txBody>
       <dsp:txXfrm>
-        <a:off x="1557724" y="3367280"/>
-        <a:ext cx="1132401" cy="739594"/>
+        <a:off x="3470424" y="3531739"/>
+        <a:ext cx="966779" cy="631423"/>
       </dsp:txXfrm>
     </dsp:sp>
     <dsp:sp modelId="{190E5C43-FF52-41EF-BC65-4C3846DF4B2F}">
@@ -3263,8 +4902,8 @@
       </dsp:nvSpPr>
       <dsp:spPr>
         <a:xfrm>
-          <a:off x="2078205" y="4129884"/>
-          <a:ext cx="91440" cy="314245"/>
+          <a:off x="3908094" y="4182807"/>
+          <a:ext cx="91440" cy="268284"/>
         </a:xfrm>
         <a:custGeom>
           <a:avLst/>
@@ -3278,7 +4917,7 @@
                 <a:pt x="45720" y="0"/>
               </a:moveTo>
               <a:lnTo>
-                <a:pt x="45720" y="314245"/>
+                <a:pt x="45720" y="268284"/>
               </a:lnTo>
             </a:path>
           </a:pathLst>
@@ -3326,8 +4965,8 @@
       </dsp:nvSpPr>
       <dsp:spPr>
         <a:xfrm>
-          <a:off x="1534714" y="4444130"/>
-          <a:ext cx="1178421" cy="785614"/>
+          <a:off x="3450780" y="4451091"/>
+          <a:ext cx="1006067" cy="670711"/>
         </a:xfrm>
         <a:prstGeom prst="roundRect">
           <a:avLst>
@@ -3374,12 +5013,12 @@
         </a:fontRef>
       </dsp:style>
       <dsp:txBody>
-        <a:bodyPr spcFirstLastPara="0" vert="horz" wrap="square" lIns="60960" tIns="60960" rIns="60960" bIns="60960" numCol="1" spcCol="1270" anchor="ctr" anchorCtr="0">
+        <a:bodyPr spcFirstLastPara="0" vert="horz" wrap="square" lIns="53340" tIns="53340" rIns="53340" bIns="53340" numCol="1" spcCol="1270" anchor="ctr" anchorCtr="0">
           <a:noAutofit/>
         </a:bodyPr>
         <a:lstStyle/>
         <a:p>
-          <a:pPr lvl="0" algn="ctr" defTabSz="711200">
+          <a:pPr marL="0" lvl="0" indent="0" algn="ctr" defTabSz="622300">
             <a:lnSpc>
               <a:spcPct val="90000"/>
             </a:lnSpc>
@@ -3389,16 +5028,17 @@
             <a:spcAft>
               <a:spcPct val="35000"/>
             </a:spcAft>
+            <a:buNone/>
           </a:pPr>
           <a:r>
-            <a:rPr lang="es-AR" sz="1600" kern="1200" dirty="0"/>
+            <a:rPr lang="es-AR" sz="1400" kern="1200" dirty="0"/>
             <a:t>SYSTICK</a:t>
           </a:r>
         </a:p>
       </dsp:txBody>
       <dsp:txXfrm>
-        <a:off x="1557724" y="4467140"/>
-        <a:ext cx="1132401" cy="739594"/>
+        <a:off x="3470424" y="4470735"/>
+        <a:ext cx="966779" cy="631423"/>
       </dsp:txXfrm>
     </dsp:sp>
     <dsp:sp modelId="{86087C67-4375-477E-84D1-836C1F14C793}">
@@ -3408,8 +5048,8 @@
       </dsp:nvSpPr>
       <dsp:spPr>
         <a:xfrm>
-          <a:off x="2889898" y="3030025"/>
-          <a:ext cx="765973" cy="398974"/>
+          <a:off x="4607758" y="3243810"/>
+          <a:ext cx="645140" cy="261369"/>
         </a:xfrm>
         <a:custGeom>
           <a:avLst/>
@@ -3423,13 +5063,13 @@
                 <a:pt x="0" y="0"/>
               </a:moveTo>
               <a:lnTo>
-                <a:pt x="0" y="199487"/>
+                <a:pt x="0" y="130684"/>
               </a:lnTo>
               <a:lnTo>
-                <a:pt x="765973" y="199487"/>
+                <a:pt x="645140" y="130684"/>
               </a:lnTo>
               <a:lnTo>
-                <a:pt x="765973" y="398974"/>
+                <a:pt x="645140" y="261369"/>
               </a:lnTo>
             </a:path>
           </a:pathLst>
@@ -3477,8 +5117,8 @@
       </dsp:nvSpPr>
       <dsp:spPr>
         <a:xfrm>
-          <a:off x="3066662" y="3428999"/>
-          <a:ext cx="1178421" cy="785614"/>
+          <a:off x="4749865" y="3505180"/>
+          <a:ext cx="1006067" cy="670711"/>
         </a:xfrm>
         <a:prstGeom prst="roundRect">
           <a:avLst>
@@ -3525,12 +5165,12 @@
         </a:fontRef>
       </dsp:style>
       <dsp:txBody>
-        <a:bodyPr spcFirstLastPara="0" vert="horz" wrap="square" lIns="60960" tIns="60960" rIns="60960" bIns="60960" numCol="1" spcCol="1270" anchor="ctr" anchorCtr="0">
+        <a:bodyPr spcFirstLastPara="0" vert="horz" wrap="square" lIns="53340" tIns="53340" rIns="53340" bIns="53340" numCol="1" spcCol="1270" anchor="ctr" anchorCtr="0">
           <a:noAutofit/>
         </a:bodyPr>
         <a:lstStyle/>
         <a:p>
-          <a:pPr lvl="0" algn="ctr" defTabSz="711200">
+          <a:pPr marL="0" lvl="0" indent="0" algn="ctr" defTabSz="622300">
             <a:lnSpc>
               <a:spcPct val="90000"/>
             </a:lnSpc>
@@ -3540,16 +5180,17 @@
             <a:spcAft>
               <a:spcPct val="35000"/>
             </a:spcAft>
+            <a:buNone/>
           </a:pPr>
           <a:r>
-            <a:rPr lang="es-AR" sz="1600" kern="1200" dirty="0"/>
+            <a:rPr lang="es-AR" sz="1400" kern="1200" dirty="0"/>
             <a:t>7 SEGMENTS</a:t>
           </a:r>
         </a:p>
       </dsp:txBody>
       <dsp:txXfrm>
-        <a:off x="3089672" y="3452009"/>
-        <a:ext cx="1132401" cy="739594"/>
+        <a:off x="4769509" y="3524824"/>
+        <a:ext cx="966779" cy="631423"/>
       </dsp:txXfrm>
     </dsp:sp>
     <dsp:sp modelId="{F7EDE524-7426-42F9-9EA5-E64F8887CFAA}">
@@ -3559,8 +5200,8 @@
       </dsp:nvSpPr>
       <dsp:spPr>
         <a:xfrm>
-          <a:off x="5149359" y="1930165"/>
-          <a:ext cx="1570408" cy="314245"/>
+          <a:off x="6001442" y="2304814"/>
+          <a:ext cx="1876035" cy="268284"/>
         </a:xfrm>
         <a:custGeom>
           <a:avLst/>
@@ -3574,13 +5215,13 @@
                 <a:pt x="0" y="0"/>
               </a:moveTo>
               <a:lnTo>
-                <a:pt x="0" y="157122"/>
+                <a:pt x="0" y="134142"/>
               </a:lnTo>
               <a:lnTo>
-                <a:pt x="1570408" y="157122"/>
+                <a:pt x="1876035" y="134142"/>
               </a:lnTo>
               <a:lnTo>
-                <a:pt x="1570408" y="314245"/>
+                <a:pt x="1876035" y="268284"/>
               </a:lnTo>
             </a:path>
           </a:pathLst>
@@ -3628,8 +5269,8 @@
       </dsp:nvSpPr>
       <dsp:spPr>
         <a:xfrm>
-          <a:off x="6130556" y="2244411"/>
-          <a:ext cx="1178421" cy="785614"/>
+          <a:off x="7374444" y="2573098"/>
+          <a:ext cx="1006067" cy="670711"/>
         </a:xfrm>
         <a:prstGeom prst="roundRect">
           <a:avLst>
@@ -3676,12 +5317,12 @@
         </a:fontRef>
       </dsp:style>
       <dsp:txBody>
-        <a:bodyPr spcFirstLastPara="0" vert="horz" wrap="square" lIns="60960" tIns="60960" rIns="60960" bIns="60960" numCol="1" spcCol="1270" anchor="ctr" anchorCtr="0">
+        <a:bodyPr spcFirstLastPara="0" vert="horz" wrap="square" lIns="53340" tIns="53340" rIns="53340" bIns="53340" numCol="1" spcCol="1270" anchor="ctr" anchorCtr="0">
           <a:noAutofit/>
         </a:bodyPr>
         <a:lstStyle/>
         <a:p>
-          <a:pPr lvl="0" algn="ctr" defTabSz="711200">
+          <a:pPr marL="0" lvl="0" indent="0" algn="ctr" defTabSz="622300">
             <a:lnSpc>
               <a:spcPct val="90000"/>
             </a:lnSpc>
@@ -3691,16 +5332,17 @@
             <a:spcAft>
               <a:spcPct val="35000"/>
             </a:spcAft>
+            <a:buNone/>
           </a:pPr>
           <a:r>
-            <a:rPr lang="es-AR" sz="1600" kern="1200" dirty="0"/>
+            <a:rPr lang="es-AR" sz="1400" kern="1200" dirty="0"/>
             <a:t>LECTOR </a:t>
           </a:r>
         </a:p>
       </dsp:txBody>
       <dsp:txXfrm>
-        <a:off x="6153566" y="2267421"/>
-        <a:ext cx="1132401" cy="739594"/>
+        <a:off x="7394088" y="2592742"/>
+        <a:ext cx="966779" cy="631423"/>
       </dsp:txXfrm>
     </dsp:sp>
     <dsp:sp modelId="{7D9DF814-EB3C-4A52-B166-0E4DD46DE296}">
@@ -3710,8 +5352,8 @@
       </dsp:nvSpPr>
       <dsp:spPr>
         <a:xfrm>
-          <a:off x="5187819" y="3030025"/>
-          <a:ext cx="1531947" cy="314245"/>
+          <a:off x="6569590" y="3243810"/>
+          <a:ext cx="1307887" cy="268284"/>
         </a:xfrm>
         <a:custGeom>
           <a:avLst/>
@@ -3722,16 +5364,16 @@
           <a:pathLst>
             <a:path>
               <a:moveTo>
-                <a:pt x="1531947" y="0"/>
+                <a:pt x="1307887" y="0"/>
               </a:moveTo>
               <a:lnTo>
-                <a:pt x="1531947" y="157122"/>
+                <a:pt x="1307887" y="134142"/>
               </a:lnTo>
               <a:lnTo>
-                <a:pt x="0" y="157122"/>
+                <a:pt x="0" y="134142"/>
               </a:lnTo>
               <a:lnTo>
-                <a:pt x="0" y="314245"/>
+                <a:pt x="0" y="268284"/>
               </a:lnTo>
             </a:path>
           </a:pathLst>
@@ -3779,8 +5421,8 @@
       </dsp:nvSpPr>
       <dsp:spPr>
         <a:xfrm>
-          <a:off x="5162336" y="3344270"/>
-          <a:ext cx="50966" cy="785614"/>
+          <a:off x="6547834" y="3512095"/>
+          <a:ext cx="43512" cy="670711"/>
         </a:xfrm>
         <a:prstGeom prst="roundRect">
           <a:avLst>
@@ -3827,12 +5469,12 @@
         </a:fontRef>
       </dsp:style>
       <dsp:txBody>
-        <a:bodyPr spcFirstLastPara="0" vert="horz" wrap="square" lIns="60960" tIns="60960" rIns="60960" bIns="60960" numCol="1" spcCol="1270" anchor="ctr" anchorCtr="0">
+        <a:bodyPr spcFirstLastPara="0" vert="horz" wrap="square" lIns="53340" tIns="53340" rIns="53340" bIns="53340" numCol="1" spcCol="1270" anchor="ctr" anchorCtr="0">
           <a:noAutofit/>
         </a:bodyPr>
         <a:lstStyle/>
         <a:p>
-          <a:pPr lvl="0" algn="ctr" defTabSz="711200">
+          <a:pPr marL="0" lvl="0" indent="0" algn="ctr" defTabSz="622300">
             <a:lnSpc>
               <a:spcPct val="90000"/>
             </a:lnSpc>
@@ -3842,13 +5484,14 @@
             <a:spcAft>
               <a:spcPct val="35000"/>
             </a:spcAft>
+            <a:buNone/>
           </a:pPr>
-          <a:endParaRPr lang="es-AR" sz="1600" kern="1200" dirty="0"/>
+          <a:endParaRPr lang="es-AR" sz="1400" kern="1200" dirty="0"/>
         </a:p>
       </dsp:txBody>
       <dsp:txXfrm>
-        <a:off x="5163829" y="3345763"/>
-        <a:ext cx="47980" cy="782628"/>
+        <a:off x="6549108" y="3513369"/>
+        <a:ext cx="40964" cy="668163"/>
       </dsp:txXfrm>
     </dsp:sp>
     <dsp:sp modelId="{6693D620-D3B4-43A1-8165-358A23FCEFAD}">
@@ -3858,8 +5501,8 @@
       </dsp:nvSpPr>
       <dsp:spPr>
         <a:xfrm>
-          <a:off x="5142099" y="4129884"/>
-          <a:ext cx="91440" cy="314245"/>
+          <a:off x="6523870" y="4182807"/>
+          <a:ext cx="91440" cy="268284"/>
         </a:xfrm>
         <a:custGeom>
           <a:avLst/>
@@ -3873,7 +5516,7 @@
                 <a:pt x="45720" y="0"/>
               </a:moveTo>
               <a:lnTo>
-                <a:pt x="45720" y="314245"/>
+                <a:pt x="45720" y="268284"/>
               </a:lnTo>
             </a:path>
           </a:pathLst>
@@ -3921,8 +5564,8 @@
       </dsp:nvSpPr>
       <dsp:spPr>
         <a:xfrm>
-          <a:off x="4598609" y="4444130"/>
-          <a:ext cx="1178421" cy="785614"/>
+          <a:off x="6066556" y="4451091"/>
+          <a:ext cx="1006067" cy="670711"/>
         </a:xfrm>
         <a:prstGeom prst="roundRect">
           <a:avLst>
@@ -3969,12 +5612,12 @@
         </a:fontRef>
       </dsp:style>
       <dsp:txBody>
-        <a:bodyPr spcFirstLastPara="0" vert="horz" wrap="square" lIns="60960" tIns="60960" rIns="60960" bIns="60960" numCol="1" spcCol="1270" anchor="ctr" anchorCtr="0">
+        <a:bodyPr spcFirstLastPara="0" vert="horz" wrap="square" lIns="53340" tIns="53340" rIns="53340" bIns="53340" numCol="1" spcCol="1270" anchor="ctr" anchorCtr="0">
           <a:noAutofit/>
         </a:bodyPr>
         <a:lstStyle/>
         <a:p>
-          <a:pPr lvl="0" algn="ctr" defTabSz="711200">
+          <a:pPr marL="0" lvl="0" indent="0" algn="ctr" defTabSz="622300">
             <a:lnSpc>
               <a:spcPct val="90000"/>
             </a:lnSpc>
@@ -3984,16 +5627,17 @@
             <a:spcAft>
               <a:spcPct val="35000"/>
             </a:spcAft>
+            <a:buNone/>
           </a:pPr>
           <a:r>
-            <a:rPr lang="es-AR" sz="1600" kern="1200" dirty="0"/>
+            <a:rPr lang="es-AR" sz="1400" kern="1200" dirty="0"/>
             <a:t>GPIO</a:t>
           </a:r>
         </a:p>
       </dsp:txBody>
       <dsp:txXfrm>
-        <a:off x="4621619" y="4467140"/>
-        <a:ext cx="1132401" cy="739594"/>
+        <a:off x="6086200" y="4470735"/>
+        <a:ext cx="966779" cy="631423"/>
       </dsp:txXfrm>
     </dsp:sp>
     <dsp:sp modelId="{E6E5601B-39F7-4D6D-B067-78B9A4C88F76}">
@@ -4003,8 +5647,8 @@
       </dsp:nvSpPr>
       <dsp:spPr>
         <a:xfrm>
-          <a:off x="6156040" y="3030025"/>
-          <a:ext cx="563727" cy="314245"/>
+          <a:off x="7396200" y="3243810"/>
+          <a:ext cx="481277" cy="268284"/>
         </a:xfrm>
         <a:custGeom>
           <a:avLst/>
@@ -4015,16 +5659,16 @@
           <a:pathLst>
             <a:path>
               <a:moveTo>
-                <a:pt x="563727" y="0"/>
+                <a:pt x="481277" y="0"/>
               </a:moveTo>
               <a:lnTo>
-                <a:pt x="563727" y="157122"/>
+                <a:pt x="481277" y="134142"/>
               </a:lnTo>
               <a:lnTo>
-                <a:pt x="0" y="157122"/>
+                <a:pt x="0" y="134142"/>
               </a:lnTo>
               <a:lnTo>
-                <a:pt x="0" y="314245"/>
+                <a:pt x="0" y="268284"/>
               </a:lnTo>
             </a:path>
           </a:pathLst>
@@ -4072,8 +5716,8 @@
       </dsp:nvSpPr>
       <dsp:spPr>
         <a:xfrm>
-          <a:off x="5566829" y="3344270"/>
-          <a:ext cx="1178421" cy="785614"/>
+          <a:off x="6893166" y="3512095"/>
+          <a:ext cx="1006067" cy="670711"/>
         </a:xfrm>
         <a:prstGeom prst="roundRect">
           <a:avLst>
@@ -4120,12 +5764,12 @@
         </a:fontRef>
       </dsp:style>
       <dsp:txBody>
-        <a:bodyPr spcFirstLastPara="0" vert="horz" wrap="square" lIns="60960" tIns="60960" rIns="60960" bIns="60960" numCol="1" spcCol="1270" anchor="ctr" anchorCtr="0">
+        <a:bodyPr spcFirstLastPara="0" vert="horz" wrap="square" lIns="53340" tIns="53340" rIns="53340" bIns="53340" numCol="1" spcCol="1270" anchor="ctr" anchorCtr="0">
           <a:noAutofit/>
         </a:bodyPr>
         <a:lstStyle/>
         <a:p>
-          <a:pPr lvl="0" algn="ctr" defTabSz="711200">
+          <a:pPr marL="0" lvl="0" indent="0" algn="ctr" defTabSz="622300">
             <a:lnSpc>
               <a:spcPct val="90000"/>
             </a:lnSpc>
@@ -4135,16 +5779,17 @@
             <a:spcAft>
               <a:spcPct val="35000"/>
             </a:spcAft>
+            <a:buNone/>
           </a:pPr>
           <a:r>
-            <a:rPr lang="es-AR" sz="1600" kern="1200" dirty="0"/>
+            <a:rPr lang="es-AR" sz="1400" kern="1200" dirty="0"/>
             <a:t>DECODER</a:t>
           </a:r>
         </a:p>
       </dsp:txBody>
       <dsp:txXfrm>
-        <a:off x="5589839" y="3367280"/>
-        <a:ext cx="1132401" cy="739594"/>
+        <a:off x="6912810" y="3531739"/>
+        <a:ext cx="966779" cy="631423"/>
       </dsp:txXfrm>
     </dsp:sp>
     <dsp:sp modelId="{7F15DC38-3E35-4ED9-83CB-208CB23EA7A4}">
@@ -4154,8 +5799,8 @@
       </dsp:nvSpPr>
       <dsp:spPr>
         <a:xfrm>
-          <a:off x="6719767" y="3030025"/>
-          <a:ext cx="968220" cy="314245"/>
+          <a:off x="7877478" y="3243810"/>
+          <a:ext cx="826610" cy="268284"/>
         </a:xfrm>
         <a:custGeom>
           <a:avLst/>
@@ -4169,13 +5814,13 @@
                 <a:pt x="0" y="0"/>
               </a:moveTo>
               <a:lnTo>
-                <a:pt x="0" y="157122"/>
+                <a:pt x="0" y="134142"/>
               </a:lnTo>
               <a:lnTo>
-                <a:pt x="968220" y="157122"/>
+                <a:pt x="826610" y="134142"/>
               </a:lnTo>
               <a:lnTo>
-                <a:pt x="968220" y="314245"/>
+                <a:pt x="826610" y="268284"/>
               </a:lnTo>
             </a:path>
           </a:pathLst>
@@ -4223,8 +5868,8 @@
       </dsp:nvSpPr>
       <dsp:spPr>
         <a:xfrm>
-          <a:off x="7098776" y="3344270"/>
-          <a:ext cx="1178421" cy="785614"/>
+          <a:off x="8201054" y="3512095"/>
+          <a:ext cx="1006067" cy="670711"/>
         </a:xfrm>
         <a:prstGeom prst="roundRect">
           <a:avLst>
@@ -4271,12 +5916,12 @@
         </a:fontRef>
       </dsp:style>
       <dsp:txBody>
-        <a:bodyPr spcFirstLastPara="0" vert="horz" wrap="square" lIns="60960" tIns="60960" rIns="60960" bIns="60960" numCol="1" spcCol="1270" anchor="ctr" anchorCtr="0">
+        <a:bodyPr spcFirstLastPara="0" vert="horz" wrap="square" lIns="53340" tIns="53340" rIns="53340" bIns="53340" numCol="1" spcCol="1270" anchor="ctr" anchorCtr="0">
           <a:noAutofit/>
         </a:bodyPr>
         <a:lstStyle/>
         <a:p>
-          <a:pPr lvl="0" algn="ctr" defTabSz="711200">
+          <a:pPr marL="0" lvl="0" indent="0" algn="ctr" defTabSz="622300">
             <a:lnSpc>
               <a:spcPct val="90000"/>
             </a:lnSpc>
@@ -4286,16 +5931,17 @@
             <a:spcAft>
               <a:spcPct val="35000"/>
             </a:spcAft>
+            <a:buNone/>
           </a:pPr>
           <a:r>
-            <a:rPr lang="es-AR" sz="1600" kern="1200" dirty="0"/>
+            <a:rPr lang="es-AR" sz="1400" kern="1200" dirty="0"/>
             <a:t>STANDARD</a:t>
           </a:r>
         </a:p>
       </dsp:txBody>
       <dsp:txXfrm>
-        <a:off x="7121786" y="3367280"/>
-        <a:ext cx="1132401" cy="739594"/>
+        <a:off x="8220698" y="3531739"/>
+        <a:ext cx="966779" cy="631423"/>
       </dsp:txXfrm>
     </dsp:sp>
     <dsp:sp modelId="{5B1BDFAD-02C6-44F1-B889-E8B7F6D74DD3}">
@@ -4305,8 +5951,8 @@
       </dsp:nvSpPr>
       <dsp:spPr>
         <a:xfrm>
-          <a:off x="5149359" y="1930165"/>
-          <a:ext cx="4557381" cy="314245"/>
+          <a:off x="6001442" y="2304814"/>
+          <a:ext cx="4426140" cy="268284"/>
         </a:xfrm>
         <a:custGeom>
           <a:avLst/>
@@ -4320,13 +5966,13 @@
                 <a:pt x="0" y="0"/>
               </a:moveTo>
               <a:lnTo>
-                <a:pt x="0" y="157122"/>
+                <a:pt x="0" y="134142"/>
               </a:lnTo>
               <a:lnTo>
-                <a:pt x="4557381" y="157122"/>
+                <a:pt x="4426140" y="134142"/>
               </a:lnTo>
               <a:lnTo>
-                <a:pt x="4557381" y="314245"/>
+                <a:pt x="4426140" y="268284"/>
               </a:lnTo>
             </a:path>
           </a:pathLst>
@@ -4374,8 +6020,8 @@
       </dsp:nvSpPr>
       <dsp:spPr>
         <a:xfrm>
-          <a:off x="9117529" y="2244411"/>
-          <a:ext cx="1178421" cy="785614"/>
+          <a:off x="9924549" y="2573098"/>
+          <a:ext cx="1006067" cy="670711"/>
         </a:xfrm>
         <a:prstGeom prst="roundRect">
           <a:avLst>
@@ -4422,12 +6068,12 @@
         </a:fontRef>
       </dsp:style>
       <dsp:txBody>
-        <a:bodyPr spcFirstLastPara="0" vert="horz" wrap="square" lIns="60960" tIns="60960" rIns="60960" bIns="60960" numCol="1" spcCol="1270" anchor="ctr" anchorCtr="0">
+        <a:bodyPr spcFirstLastPara="0" vert="horz" wrap="square" lIns="53340" tIns="53340" rIns="53340" bIns="53340" numCol="1" spcCol="1270" anchor="ctr" anchorCtr="0">
           <a:noAutofit/>
         </a:bodyPr>
         <a:lstStyle/>
         <a:p>
-          <a:pPr lvl="0" algn="ctr" defTabSz="711200">
+          <a:pPr marL="0" lvl="0" indent="0" algn="ctr" defTabSz="622300">
             <a:lnSpc>
               <a:spcPct val="90000"/>
             </a:lnSpc>
@@ -4437,16 +6083,17 @@
             <a:spcAft>
               <a:spcPct val="35000"/>
             </a:spcAft>
+            <a:buNone/>
           </a:pPr>
           <a:r>
-            <a:rPr lang="es-AR" sz="1600" kern="1200" dirty="0"/>
-            <a:t>DOOR MANAGAER</a:t>
+            <a:rPr lang="es-AR" sz="1400" kern="1200" dirty="0"/>
+            <a:t>DOOR MANAGER</a:t>
           </a:r>
         </a:p>
       </dsp:txBody>
       <dsp:txXfrm>
-        <a:off x="9140539" y="2267421"/>
-        <a:ext cx="1132401" cy="739594"/>
+        <a:off x="9944193" y="2592742"/>
+        <a:ext cx="966779" cy="631423"/>
       </dsp:txXfrm>
     </dsp:sp>
     <dsp:sp modelId="{15A86F3B-D9E7-41FD-8AB1-37718931BB58}">
@@ -4456,8 +6103,8 @@
       </dsp:nvSpPr>
       <dsp:spPr>
         <a:xfrm>
-          <a:off x="9219934" y="3030025"/>
-          <a:ext cx="486805" cy="314245"/>
+          <a:off x="10011976" y="3243810"/>
+          <a:ext cx="415606" cy="268284"/>
         </a:xfrm>
         <a:custGeom>
           <a:avLst/>
@@ -4468,16 +6115,16 @@
           <a:pathLst>
             <a:path>
               <a:moveTo>
-                <a:pt x="486805" y="0"/>
+                <a:pt x="415606" y="0"/>
               </a:moveTo>
               <a:lnTo>
-                <a:pt x="486805" y="157122"/>
+                <a:pt x="415606" y="134142"/>
               </a:lnTo>
               <a:lnTo>
-                <a:pt x="0" y="157122"/>
+                <a:pt x="0" y="134142"/>
               </a:lnTo>
               <a:lnTo>
-                <a:pt x="0" y="314245"/>
+                <a:pt x="0" y="268284"/>
               </a:lnTo>
             </a:path>
           </a:pathLst>
@@ -4525,8 +6172,8 @@
       </dsp:nvSpPr>
       <dsp:spPr>
         <a:xfrm>
-          <a:off x="8630724" y="3344270"/>
-          <a:ext cx="1178421" cy="785614"/>
+          <a:off x="9508942" y="3512095"/>
+          <a:ext cx="1006067" cy="670711"/>
         </a:xfrm>
         <a:prstGeom prst="roundRect">
           <a:avLst>
@@ -4573,12 +6220,12 @@
         </a:fontRef>
       </dsp:style>
       <dsp:txBody>
-        <a:bodyPr spcFirstLastPara="0" vert="horz" wrap="square" lIns="60960" tIns="60960" rIns="60960" bIns="60960" numCol="1" spcCol="1270" anchor="ctr" anchorCtr="0">
+        <a:bodyPr spcFirstLastPara="0" vert="horz" wrap="square" lIns="53340" tIns="53340" rIns="53340" bIns="53340" numCol="1" spcCol="1270" anchor="ctr" anchorCtr="0">
           <a:noAutofit/>
         </a:bodyPr>
         <a:lstStyle/>
         <a:p>
-          <a:pPr lvl="0" algn="ctr" defTabSz="711200">
+          <a:pPr marL="0" lvl="0" indent="0" algn="ctr" defTabSz="622300">
             <a:lnSpc>
               <a:spcPct val="90000"/>
             </a:lnSpc>
@@ -4588,16 +6235,17 @@
             <a:spcAft>
               <a:spcPct val="35000"/>
             </a:spcAft>
+            <a:buNone/>
           </a:pPr>
           <a:r>
-            <a:rPr lang="es-AR" sz="1600" kern="1200" dirty="0"/>
+            <a:rPr lang="es-AR" sz="1400" kern="1200" dirty="0"/>
             <a:t>TIMER</a:t>
           </a:r>
         </a:p>
       </dsp:txBody>
       <dsp:txXfrm>
-        <a:off x="8653734" y="3367280"/>
-        <a:ext cx="1132401" cy="739594"/>
+        <a:off x="9528586" y="3531739"/>
+        <a:ext cx="966779" cy="631423"/>
       </dsp:txXfrm>
     </dsp:sp>
     <dsp:sp modelId="{531E14F9-BE8E-487D-9FBC-BD239BDE74DC}">
@@ -4607,8 +6255,8 @@
       </dsp:nvSpPr>
       <dsp:spPr>
         <a:xfrm>
-          <a:off x="9174214" y="4129884"/>
-          <a:ext cx="91440" cy="314245"/>
+          <a:off x="9966256" y="4182807"/>
+          <a:ext cx="91440" cy="268284"/>
         </a:xfrm>
         <a:custGeom>
           <a:avLst/>
@@ -4622,7 +6270,7 @@
                 <a:pt x="45720" y="0"/>
               </a:moveTo>
               <a:lnTo>
-                <a:pt x="45720" y="314245"/>
+                <a:pt x="45720" y="268284"/>
               </a:lnTo>
             </a:path>
           </a:pathLst>
@@ -4670,8 +6318,8 @@
       </dsp:nvSpPr>
       <dsp:spPr>
         <a:xfrm>
-          <a:off x="8630724" y="4444130"/>
-          <a:ext cx="1178421" cy="785614"/>
+          <a:off x="9508942" y="4451091"/>
+          <a:ext cx="1006067" cy="670711"/>
         </a:xfrm>
         <a:prstGeom prst="roundRect">
           <a:avLst>
@@ -4718,12 +6366,12 @@
         </a:fontRef>
       </dsp:style>
       <dsp:txBody>
-        <a:bodyPr spcFirstLastPara="0" vert="horz" wrap="square" lIns="60960" tIns="60960" rIns="60960" bIns="60960" numCol="1" spcCol="1270" anchor="ctr" anchorCtr="0">
+        <a:bodyPr spcFirstLastPara="0" vert="horz" wrap="square" lIns="53340" tIns="53340" rIns="53340" bIns="53340" numCol="1" spcCol="1270" anchor="ctr" anchorCtr="0">
           <a:noAutofit/>
         </a:bodyPr>
         <a:lstStyle/>
         <a:p>
-          <a:pPr lvl="0" algn="ctr" defTabSz="711200">
+          <a:pPr marL="0" lvl="0" indent="0" algn="ctr" defTabSz="622300">
             <a:lnSpc>
               <a:spcPct val="90000"/>
             </a:lnSpc>
@@ -4733,16 +6381,17 @@
             <a:spcAft>
               <a:spcPct val="35000"/>
             </a:spcAft>
+            <a:buNone/>
           </a:pPr>
           <a:r>
-            <a:rPr lang="es-AR" sz="1600" kern="1200" dirty="0"/>
+            <a:rPr lang="es-AR" sz="1400" kern="1200" dirty="0"/>
             <a:t>SYSTICK</a:t>
           </a:r>
         </a:p>
       </dsp:txBody>
       <dsp:txXfrm>
-        <a:off x="8653734" y="4467140"/>
-        <a:ext cx="1132401" cy="739594"/>
+        <a:off x="9528586" y="4470735"/>
+        <a:ext cx="966779" cy="631423"/>
       </dsp:txXfrm>
     </dsp:sp>
     <dsp:sp modelId="{85E03D00-B215-4479-AFBA-5CEB429504C9}">
@@ -4752,8 +6401,8 @@
       </dsp:nvSpPr>
       <dsp:spPr>
         <a:xfrm>
-          <a:off x="9706740" y="3030025"/>
-          <a:ext cx="1045141" cy="314245"/>
+          <a:off x="10427582" y="3243810"/>
+          <a:ext cx="892281" cy="268284"/>
         </a:xfrm>
         <a:custGeom>
           <a:avLst/>
@@ -4767,13 +6416,13 @@
                 <a:pt x="0" y="0"/>
               </a:moveTo>
               <a:lnTo>
-                <a:pt x="0" y="157122"/>
+                <a:pt x="0" y="134142"/>
               </a:lnTo>
               <a:lnTo>
-                <a:pt x="1045141" y="157122"/>
+                <a:pt x="892281" y="134142"/>
               </a:lnTo>
               <a:lnTo>
-                <a:pt x="1045141" y="314245"/>
+                <a:pt x="892281" y="268284"/>
               </a:lnTo>
             </a:path>
           </a:pathLst>
@@ -4821,8 +6470,8 @@
       </dsp:nvSpPr>
       <dsp:spPr>
         <a:xfrm>
-          <a:off x="10721007" y="3344270"/>
-          <a:ext cx="61749" cy="785614"/>
+          <a:off x="11293505" y="3512095"/>
+          <a:ext cx="52717" cy="670711"/>
         </a:xfrm>
         <a:prstGeom prst="roundRect">
           <a:avLst>
@@ -4869,12 +6518,12 @@
         </a:fontRef>
       </dsp:style>
       <dsp:txBody>
-        <a:bodyPr spcFirstLastPara="0" vert="horz" wrap="square" lIns="60960" tIns="60960" rIns="60960" bIns="60960" numCol="1" spcCol="1270" anchor="ctr" anchorCtr="0">
+        <a:bodyPr spcFirstLastPara="0" vert="horz" wrap="square" lIns="53340" tIns="53340" rIns="53340" bIns="53340" numCol="1" spcCol="1270" anchor="ctr" anchorCtr="0">
           <a:noAutofit/>
         </a:bodyPr>
         <a:lstStyle/>
         <a:p>
-          <a:pPr lvl="0" algn="ctr" defTabSz="711200">
+          <a:pPr marL="0" lvl="0" indent="0" algn="ctr" defTabSz="622300">
             <a:lnSpc>
               <a:spcPct val="90000"/>
             </a:lnSpc>
@@ -4884,13 +6533,14 @@
             <a:spcAft>
               <a:spcPct val="35000"/>
             </a:spcAft>
+            <a:buNone/>
           </a:pPr>
-          <a:endParaRPr lang="es-AR" sz="1600" kern="1200" dirty="0"/>
+          <a:endParaRPr lang="es-AR" sz="1400" kern="1200" dirty="0"/>
         </a:p>
       </dsp:txBody>
       <dsp:txXfrm>
-        <a:off x="10722816" y="3346079"/>
-        <a:ext cx="58131" cy="781996"/>
+        <a:off x="11295049" y="3513639"/>
+        <a:ext cx="49629" cy="667623"/>
       </dsp:txXfrm>
     </dsp:sp>
     <dsp:sp modelId="{ECB6E3E8-C365-4657-9343-AE63156F3519}">
@@ -4900,8 +6550,8 @@
       </dsp:nvSpPr>
       <dsp:spPr>
         <a:xfrm>
-          <a:off x="10706161" y="4129884"/>
-          <a:ext cx="91440" cy="314245"/>
+          <a:off x="11274144" y="4182807"/>
+          <a:ext cx="91440" cy="268284"/>
         </a:xfrm>
         <a:custGeom>
           <a:avLst/>
@@ -4915,7 +6565,7 @@
                 <a:pt x="45720" y="0"/>
               </a:moveTo>
               <a:lnTo>
-                <a:pt x="45720" y="314245"/>
+                <a:pt x="45720" y="268284"/>
               </a:lnTo>
             </a:path>
           </a:pathLst>
@@ -4963,8 +6613,8 @@
       </dsp:nvSpPr>
       <dsp:spPr>
         <a:xfrm>
-          <a:off x="10162671" y="4444130"/>
-          <a:ext cx="1178421" cy="785614"/>
+          <a:off x="10816830" y="4451091"/>
+          <a:ext cx="1006067" cy="670711"/>
         </a:xfrm>
         <a:prstGeom prst="roundRect">
           <a:avLst>
@@ -5011,12 +6661,12 @@
         </a:fontRef>
       </dsp:style>
       <dsp:txBody>
-        <a:bodyPr spcFirstLastPara="0" vert="horz" wrap="square" lIns="60960" tIns="60960" rIns="60960" bIns="60960" numCol="1" spcCol="1270" anchor="ctr" anchorCtr="0">
+        <a:bodyPr spcFirstLastPara="0" vert="horz" wrap="square" lIns="53340" tIns="53340" rIns="53340" bIns="53340" numCol="1" spcCol="1270" anchor="ctr" anchorCtr="0">
           <a:noAutofit/>
         </a:bodyPr>
         <a:lstStyle/>
         <a:p>
-          <a:pPr lvl="0" algn="ctr" defTabSz="711200">
+          <a:pPr marL="0" lvl="0" indent="0" algn="ctr" defTabSz="622300">
             <a:lnSpc>
               <a:spcPct val="90000"/>
             </a:lnSpc>
@@ -5026,16 +6676,1011 @@
             <a:spcAft>
               <a:spcPct val="35000"/>
             </a:spcAft>
+            <a:buNone/>
           </a:pPr>
           <a:r>
-            <a:rPr lang="es-AR" sz="1600" kern="1200" dirty="0"/>
+            <a:rPr lang="es-AR" sz="1400" kern="1200" dirty="0"/>
             <a:t>GPIO</a:t>
           </a:r>
         </a:p>
       </dsp:txBody>
       <dsp:txXfrm>
-        <a:off x="10185681" y="4467140"/>
-        <a:ext cx="1132401" cy="739594"/>
+        <a:off x="10836474" y="4470735"/>
+        <a:ext cx="966779" cy="631423"/>
+      </dsp:txXfrm>
+    </dsp:sp>
+  </dsp:spTree>
+</dsp:drawing>
+</file>
+
+<file path=ppt/diagrams/drawing2.xml><?xml version="1.0" encoding="utf-8"?>
+<dsp:drawing xmlns:dgm="http://schemas.openxmlformats.org/drawingml/2006/diagram" xmlns:dsp="http://schemas.microsoft.com/office/drawing/2008/diagram" xmlns:a="http://schemas.openxmlformats.org/drawingml/2006/main">
+  <dsp:spTree>
+    <dsp:nvGrpSpPr>
+      <dsp:cNvPr id="0" name=""/>
+      <dsp:cNvGrpSpPr/>
+    </dsp:nvGrpSpPr>
+    <dsp:grpSpPr/>
+    <dsp:sp modelId="{9903AFBA-5A13-4349-A39D-854233A67AAB}">
+      <dsp:nvSpPr>
+        <dsp:cNvPr id="0" name=""/>
+        <dsp:cNvSpPr/>
+      </dsp:nvSpPr>
+      <dsp:spPr>
+        <a:xfrm>
+          <a:off x="2795956" y="1414"/>
+          <a:ext cx="1374369" cy="916246"/>
+        </a:xfrm>
+        <a:prstGeom prst="roundRect">
+          <a:avLst>
+            <a:gd name="adj" fmla="val 10000"/>
+          </a:avLst>
+        </a:prstGeom>
+        <a:solidFill>
+          <a:schemeClr val="accent1">
+            <a:hueOff val="0"/>
+            <a:satOff val="0"/>
+            <a:lumOff val="0"/>
+            <a:alphaOff val="0"/>
+          </a:schemeClr>
+        </a:solidFill>
+        <a:ln>
+          <a:noFill/>
+        </a:ln>
+        <a:effectLst/>
+        <a:scene3d>
+          <a:camera prst="orthographicFront">
+            <a:rot lat="0" lon="0" rev="0"/>
+          </a:camera>
+          <a:lightRig rig="contrasting" dir="t">
+            <a:rot lat="0" lon="0" rev="1200000"/>
+          </a:lightRig>
+        </a:scene3d>
+        <a:sp3d contourW="19050" prstMaterial="metal">
+          <a:bevelT w="88900" h="203200"/>
+          <a:bevelB w="165100" h="254000"/>
+        </a:sp3d>
+      </dsp:spPr>
+      <dsp:style>
+        <a:lnRef idx="0">
+          <a:scrgbClr r="0" g="0" b="0"/>
+        </a:lnRef>
+        <a:fillRef idx="1">
+          <a:scrgbClr r="0" g="0" b="0"/>
+        </a:fillRef>
+        <a:effectRef idx="1">
+          <a:scrgbClr r="0" g="0" b="0"/>
+        </a:effectRef>
+        <a:fontRef idx="minor">
+          <a:schemeClr val="lt1"/>
+        </a:fontRef>
+      </dsp:style>
+      <dsp:txBody>
+        <a:bodyPr spcFirstLastPara="0" vert="horz" wrap="square" lIns="80010" tIns="80010" rIns="80010" bIns="80010" numCol="1" spcCol="1270" anchor="ctr" anchorCtr="0">
+          <a:noAutofit/>
+        </a:bodyPr>
+        <a:lstStyle/>
+        <a:p>
+          <a:pPr marL="0" lvl="0" indent="0" algn="ctr" defTabSz="933450">
+            <a:lnSpc>
+              <a:spcPct val="90000"/>
+            </a:lnSpc>
+            <a:spcBef>
+              <a:spcPct val="0"/>
+            </a:spcBef>
+            <a:spcAft>
+              <a:spcPct val="35000"/>
+            </a:spcAft>
+            <a:buNone/>
+          </a:pPr>
+          <a:r>
+            <a:rPr lang="es-AR" sz="2100" kern="1200" dirty="0"/>
+            <a:t>ENCODER</a:t>
+          </a:r>
+        </a:p>
+      </dsp:txBody>
+      <dsp:txXfrm>
+        <a:off x="2822792" y="28250"/>
+        <a:ext cx="1320697" cy="862574"/>
+      </dsp:txXfrm>
+    </dsp:sp>
+    <dsp:sp modelId="{41AB122B-081A-4865-AD38-E3670CB221C3}">
+      <dsp:nvSpPr>
+        <dsp:cNvPr id="0" name=""/>
+        <dsp:cNvSpPr/>
+      </dsp:nvSpPr>
+      <dsp:spPr>
+        <a:xfrm>
+          <a:off x="2589801" y="917660"/>
+          <a:ext cx="893339" cy="366498"/>
+        </a:xfrm>
+        <a:custGeom>
+          <a:avLst/>
+          <a:gdLst/>
+          <a:ahLst/>
+          <a:cxnLst/>
+          <a:rect l="0" t="0" r="0" b="0"/>
+          <a:pathLst>
+            <a:path>
+              <a:moveTo>
+                <a:pt x="893339" y="0"/>
+              </a:moveTo>
+              <a:lnTo>
+                <a:pt x="893339" y="183249"/>
+              </a:lnTo>
+              <a:lnTo>
+                <a:pt x="0" y="183249"/>
+              </a:lnTo>
+              <a:lnTo>
+                <a:pt x="0" y="366498"/>
+              </a:lnTo>
+            </a:path>
+          </a:pathLst>
+        </a:custGeom>
+        <a:noFill/>
+        <a:ln w="12700" cap="flat" cmpd="sng" algn="ctr">
+          <a:solidFill>
+            <a:schemeClr val="accent3">
+              <a:hueOff val="0"/>
+              <a:satOff val="0"/>
+              <a:lumOff val="0"/>
+              <a:alphaOff val="0"/>
+            </a:schemeClr>
+          </a:solidFill>
+          <a:prstDash val="solid"/>
+        </a:ln>
+        <a:effectLst/>
+        <a:scene3d>
+          <a:camera prst="orthographicFront">
+            <a:rot lat="0" lon="0" rev="0"/>
+          </a:camera>
+          <a:lightRig rig="contrasting" dir="t">
+            <a:rot lat="0" lon="0" rev="1200000"/>
+          </a:lightRig>
+        </a:scene3d>
+        <a:sp3d z="-110000"/>
+      </dsp:spPr>
+      <dsp:style>
+        <a:lnRef idx="2">
+          <a:scrgbClr r="0" g="0" b="0"/>
+        </a:lnRef>
+        <a:fillRef idx="0">
+          <a:scrgbClr r="0" g="0" b="0"/>
+        </a:fillRef>
+        <a:effectRef idx="0">
+          <a:scrgbClr r="0" g="0" b="0"/>
+        </a:effectRef>
+        <a:fontRef idx="minor"/>
+      </dsp:style>
+    </dsp:sp>
+    <dsp:sp modelId="{0ECD015A-E51F-4E92-93F8-42CA82FE8288}">
+      <dsp:nvSpPr>
+        <dsp:cNvPr id="0" name=""/>
+        <dsp:cNvSpPr/>
+      </dsp:nvSpPr>
+      <dsp:spPr>
+        <a:xfrm>
+          <a:off x="1902616" y="1284159"/>
+          <a:ext cx="1374369" cy="916246"/>
+        </a:xfrm>
+        <a:prstGeom prst="roundRect">
+          <a:avLst>
+            <a:gd name="adj" fmla="val 10000"/>
+          </a:avLst>
+        </a:prstGeom>
+        <a:solidFill>
+          <a:schemeClr val="accent3">
+            <a:hueOff val="0"/>
+            <a:satOff val="0"/>
+            <a:lumOff val="0"/>
+            <a:alphaOff val="0"/>
+          </a:schemeClr>
+        </a:solidFill>
+        <a:ln>
+          <a:noFill/>
+        </a:ln>
+        <a:effectLst/>
+        <a:scene3d>
+          <a:camera prst="orthographicFront">
+            <a:rot lat="0" lon="0" rev="0"/>
+          </a:camera>
+          <a:lightRig rig="contrasting" dir="t">
+            <a:rot lat="0" lon="0" rev="1200000"/>
+          </a:lightRig>
+        </a:scene3d>
+        <a:sp3d contourW="19050" prstMaterial="metal">
+          <a:bevelT w="88900" h="203200"/>
+          <a:bevelB w="165100" h="254000"/>
+        </a:sp3d>
+      </dsp:spPr>
+      <dsp:style>
+        <a:lnRef idx="0">
+          <a:scrgbClr r="0" g="0" b="0"/>
+        </a:lnRef>
+        <a:fillRef idx="1">
+          <a:scrgbClr r="0" g="0" b="0"/>
+        </a:fillRef>
+        <a:effectRef idx="1">
+          <a:scrgbClr r="0" g="0" b="0"/>
+        </a:effectRef>
+        <a:fontRef idx="minor">
+          <a:schemeClr val="lt1"/>
+        </a:fontRef>
+      </dsp:style>
+      <dsp:txBody>
+        <a:bodyPr spcFirstLastPara="0" vert="horz" wrap="square" lIns="80010" tIns="80010" rIns="80010" bIns="80010" numCol="1" spcCol="1270" anchor="ctr" anchorCtr="0">
+          <a:noAutofit/>
+        </a:bodyPr>
+        <a:lstStyle/>
+        <a:p>
+          <a:pPr marL="0" lvl="0" indent="0" algn="ctr" defTabSz="933450">
+            <a:lnSpc>
+              <a:spcPct val="90000"/>
+            </a:lnSpc>
+            <a:spcBef>
+              <a:spcPct val="0"/>
+            </a:spcBef>
+            <a:spcAft>
+              <a:spcPct val="35000"/>
+            </a:spcAft>
+            <a:buNone/>
+          </a:pPr>
+          <a:r>
+            <a:rPr lang="es-AR" sz="2100" kern="1200" dirty="0"/>
+            <a:t>ENCODER HAL</a:t>
+          </a:r>
+        </a:p>
+      </dsp:txBody>
+      <dsp:txXfrm>
+        <a:off x="1929452" y="1310995"/>
+        <a:ext cx="1320697" cy="862574"/>
+      </dsp:txXfrm>
+    </dsp:sp>
+    <dsp:sp modelId="{53BE28EF-99A8-45D2-A439-B1144FBC3954}">
+      <dsp:nvSpPr>
+        <dsp:cNvPr id="0" name=""/>
+        <dsp:cNvSpPr/>
+      </dsp:nvSpPr>
+      <dsp:spPr>
+        <a:xfrm>
+          <a:off x="2020582" y="2200405"/>
+          <a:ext cx="569219" cy="366498"/>
+        </a:xfrm>
+        <a:custGeom>
+          <a:avLst/>
+          <a:gdLst/>
+          <a:ahLst/>
+          <a:cxnLst/>
+          <a:rect l="0" t="0" r="0" b="0"/>
+          <a:pathLst>
+            <a:path>
+              <a:moveTo>
+                <a:pt x="569219" y="0"/>
+              </a:moveTo>
+              <a:lnTo>
+                <a:pt x="569219" y="183249"/>
+              </a:lnTo>
+              <a:lnTo>
+                <a:pt x="0" y="183249"/>
+              </a:lnTo>
+              <a:lnTo>
+                <a:pt x="0" y="366498"/>
+              </a:lnTo>
+            </a:path>
+          </a:pathLst>
+        </a:custGeom>
+        <a:noFill/>
+        <a:ln w="12700" cap="flat" cmpd="sng" algn="ctr">
+          <a:solidFill>
+            <a:schemeClr val="accent4">
+              <a:hueOff val="0"/>
+              <a:satOff val="0"/>
+              <a:lumOff val="0"/>
+              <a:alphaOff val="0"/>
+            </a:schemeClr>
+          </a:solidFill>
+          <a:prstDash val="solid"/>
+        </a:ln>
+        <a:effectLst/>
+        <a:scene3d>
+          <a:camera prst="orthographicFront">
+            <a:rot lat="0" lon="0" rev="0"/>
+          </a:camera>
+          <a:lightRig rig="contrasting" dir="t">
+            <a:rot lat="0" lon="0" rev="1200000"/>
+          </a:lightRig>
+        </a:scene3d>
+        <a:sp3d z="-110000"/>
+      </dsp:spPr>
+      <dsp:style>
+        <a:lnRef idx="2">
+          <a:scrgbClr r="0" g="0" b="0"/>
+        </a:lnRef>
+        <a:fillRef idx="0">
+          <a:scrgbClr r="0" g="0" b="0"/>
+        </a:fillRef>
+        <a:effectRef idx="0">
+          <a:scrgbClr r="0" g="0" b="0"/>
+        </a:effectRef>
+        <a:fontRef idx="minor"/>
+      </dsp:style>
+    </dsp:sp>
+    <dsp:sp modelId="{C24AA9F1-E100-43C5-9B3E-E49BBE5DF731}">
+      <dsp:nvSpPr>
+        <dsp:cNvPr id="0" name=""/>
+        <dsp:cNvSpPr/>
+      </dsp:nvSpPr>
+      <dsp:spPr>
+        <a:xfrm>
+          <a:off x="1333397" y="2566903"/>
+          <a:ext cx="1374369" cy="916246"/>
+        </a:xfrm>
+        <a:prstGeom prst="roundRect">
+          <a:avLst>
+            <a:gd name="adj" fmla="val 10000"/>
+          </a:avLst>
+        </a:prstGeom>
+        <a:solidFill>
+          <a:schemeClr val="accent4">
+            <a:hueOff val="0"/>
+            <a:satOff val="0"/>
+            <a:lumOff val="0"/>
+            <a:alphaOff val="0"/>
+          </a:schemeClr>
+        </a:solidFill>
+        <a:ln>
+          <a:noFill/>
+        </a:ln>
+        <a:effectLst/>
+        <a:scene3d>
+          <a:camera prst="orthographicFront">
+            <a:rot lat="0" lon="0" rev="0"/>
+          </a:camera>
+          <a:lightRig rig="contrasting" dir="t">
+            <a:rot lat="0" lon="0" rev="1200000"/>
+          </a:lightRig>
+        </a:scene3d>
+        <a:sp3d contourW="19050" prstMaterial="metal">
+          <a:bevelT w="88900" h="203200"/>
+          <a:bevelB w="165100" h="254000"/>
+        </a:sp3d>
+      </dsp:spPr>
+      <dsp:style>
+        <a:lnRef idx="0">
+          <a:scrgbClr r="0" g="0" b="0"/>
+        </a:lnRef>
+        <a:fillRef idx="1">
+          <a:scrgbClr r="0" g="0" b="0"/>
+        </a:fillRef>
+        <a:effectRef idx="1">
+          <a:scrgbClr r="0" g="0" b="0"/>
+        </a:effectRef>
+        <a:fontRef idx="minor">
+          <a:schemeClr val="lt1"/>
+        </a:fontRef>
+      </dsp:style>
+      <dsp:txBody>
+        <a:bodyPr spcFirstLastPara="0" vert="horz" wrap="square" lIns="80010" tIns="80010" rIns="80010" bIns="80010" numCol="1" spcCol="1270" anchor="ctr" anchorCtr="0">
+          <a:noAutofit/>
+        </a:bodyPr>
+        <a:lstStyle/>
+        <a:p>
+          <a:pPr marL="0" lvl="0" indent="0" algn="ctr" defTabSz="933450">
+            <a:lnSpc>
+              <a:spcPct val="90000"/>
+            </a:lnSpc>
+            <a:spcBef>
+              <a:spcPct val="0"/>
+            </a:spcBef>
+            <a:spcAft>
+              <a:spcPct val="35000"/>
+            </a:spcAft>
+            <a:buNone/>
+          </a:pPr>
+          <a:r>
+            <a:rPr lang="es-AR" sz="2100" kern="1200" dirty="0"/>
+            <a:t>TIMER</a:t>
+          </a:r>
+          <a:endParaRPr lang="en-US" sz="2100" kern="1200" dirty="0"/>
+        </a:p>
+      </dsp:txBody>
+      <dsp:txXfrm>
+        <a:off x="1360233" y="2593739"/>
+        <a:ext cx="1320697" cy="862574"/>
+      </dsp:txXfrm>
+    </dsp:sp>
+    <dsp:sp modelId="{D2FA8DCC-89A3-4CB1-9FF9-7F8B664B0AF9}">
+      <dsp:nvSpPr>
+        <dsp:cNvPr id="0" name=""/>
+        <dsp:cNvSpPr/>
+      </dsp:nvSpPr>
+      <dsp:spPr>
+        <a:xfrm>
+          <a:off x="1974862" y="3483149"/>
+          <a:ext cx="91440" cy="366498"/>
+        </a:xfrm>
+        <a:custGeom>
+          <a:avLst/>
+          <a:gdLst/>
+          <a:ahLst/>
+          <a:cxnLst/>
+          <a:rect l="0" t="0" r="0" b="0"/>
+          <a:pathLst>
+            <a:path>
+              <a:moveTo>
+                <a:pt x="45720" y="0"/>
+              </a:moveTo>
+              <a:lnTo>
+                <a:pt x="45720" y="366498"/>
+              </a:lnTo>
+            </a:path>
+          </a:pathLst>
+        </a:custGeom>
+        <a:noFill/>
+        <a:ln w="12700" cap="flat" cmpd="sng" algn="ctr">
+          <a:solidFill>
+            <a:schemeClr val="accent5">
+              <a:hueOff val="0"/>
+              <a:satOff val="0"/>
+              <a:lumOff val="0"/>
+              <a:alphaOff val="0"/>
+            </a:schemeClr>
+          </a:solidFill>
+          <a:prstDash val="solid"/>
+        </a:ln>
+        <a:effectLst/>
+        <a:scene3d>
+          <a:camera prst="orthographicFront">
+            <a:rot lat="0" lon="0" rev="0"/>
+          </a:camera>
+          <a:lightRig rig="contrasting" dir="t">
+            <a:rot lat="0" lon="0" rev="1200000"/>
+          </a:lightRig>
+        </a:scene3d>
+        <a:sp3d z="-110000"/>
+      </dsp:spPr>
+      <dsp:style>
+        <a:lnRef idx="2">
+          <a:scrgbClr r="0" g="0" b="0"/>
+        </a:lnRef>
+        <a:fillRef idx="0">
+          <a:scrgbClr r="0" g="0" b="0"/>
+        </a:fillRef>
+        <a:effectRef idx="0">
+          <a:scrgbClr r="0" g="0" b="0"/>
+        </a:effectRef>
+        <a:fontRef idx="minor"/>
+      </dsp:style>
+    </dsp:sp>
+    <dsp:sp modelId="{693E7B0F-4C3D-48FF-A291-A297AD09F19A}">
+      <dsp:nvSpPr>
+        <dsp:cNvPr id="0" name=""/>
+        <dsp:cNvSpPr/>
+      </dsp:nvSpPr>
+      <dsp:spPr>
+        <a:xfrm>
+          <a:off x="1333397" y="3849648"/>
+          <a:ext cx="1374369" cy="916246"/>
+        </a:xfrm>
+        <a:prstGeom prst="roundRect">
+          <a:avLst>
+            <a:gd name="adj" fmla="val 10000"/>
+          </a:avLst>
+        </a:prstGeom>
+        <a:solidFill>
+          <a:schemeClr val="accent5">
+            <a:hueOff val="0"/>
+            <a:satOff val="0"/>
+            <a:lumOff val="0"/>
+            <a:alphaOff val="0"/>
+          </a:schemeClr>
+        </a:solidFill>
+        <a:ln>
+          <a:noFill/>
+        </a:ln>
+        <a:effectLst/>
+        <a:scene3d>
+          <a:camera prst="orthographicFront">
+            <a:rot lat="0" lon="0" rev="0"/>
+          </a:camera>
+          <a:lightRig rig="contrasting" dir="t">
+            <a:rot lat="0" lon="0" rev="1200000"/>
+          </a:lightRig>
+        </a:scene3d>
+        <a:sp3d contourW="19050" prstMaterial="metal">
+          <a:bevelT w="88900" h="203200"/>
+          <a:bevelB w="165100" h="254000"/>
+        </a:sp3d>
+      </dsp:spPr>
+      <dsp:style>
+        <a:lnRef idx="0">
+          <a:scrgbClr r="0" g="0" b="0"/>
+        </a:lnRef>
+        <a:fillRef idx="1">
+          <a:scrgbClr r="0" g="0" b="0"/>
+        </a:fillRef>
+        <a:effectRef idx="1">
+          <a:scrgbClr r="0" g="0" b="0"/>
+        </a:effectRef>
+        <a:fontRef idx="minor">
+          <a:schemeClr val="lt1"/>
+        </a:fontRef>
+      </dsp:style>
+      <dsp:txBody>
+        <a:bodyPr spcFirstLastPara="0" vert="horz" wrap="square" lIns="80010" tIns="80010" rIns="80010" bIns="80010" numCol="1" spcCol="1270" anchor="ctr" anchorCtr="0">
+          <a:noAutofit/>
+        </a:bodyPr>
+        <a:lstStyle/>
+        <a:p>
+          <a:pPr marL="0" lvl="0" indent="0" algn="ctr" defTabSz="933450">
+            <a:lnSpc>
+              <a:spcPct val="90000"/>
+            </a:lnSpc>
+            <a:spcBef>
+              <a:spcPct val="0"/>
+            </a:spcBef>
+            <a:spcAft>
+              <a:spcPct val="35000"/>
+            </a:spcAft>
+            <a:buNone/>
+          </a:pPr>
+          <a:r>
+            <a:rPr lang="es-AR" sz="2100" kern="1200" dirty="0"/>
+            <a:t>SYSTICK</a:t>
+          </a:r>
+          <a:endParaRPr lang="en-US" sz="2100" kern="1200" dirty="0"/>
+        </a:p>
+      </dsp:txBody>
+      <dsp:txXfrm>
+        <a:off x="1360233" y="3876484"/>
+        <a:ext cx="1320697" cy="862574"/>
+      </dsp:txXfrm>
+    </dsp:sp>
+    <dsp:sp modelId="{DDEF067D-8035-4EE8-B26D-F9EF3FCB2EBB}">
+      <dsp:nvSpPr>
+        <dsp:cNvPr id="0" name=""/>
+        <dsp:cNvSpPr/>
+      </dsp:nvSpPr>
+      <dsp:spPr>
+        <a:xfrm>
+          <a:off x="2589801" y="2200405"/>
+          <a:ext cx="1217460" cy="366498"/>
+        </a:xfrm>
+        <a:custGeom>
+          <a:avLst/>
+          <a:gdLst/>
+          <a:ahLst/>
+          <a:cxnLst/>
+          <a:rect l="0" t="0" r="0" b="0"/>
+          <a:pathLst>
+            <a:path>
+              <a:moveTo>
+                <a:pt x="0" y="0"/>
+              </a:moveTo>
+              <a:lnTo>
+                <a:pt x="0" y="183249"/>
+              </a:lnTo>
+              <a:lnTo>
+                <a:pt x="1217460" y="183249"/>
+              </a:lnTo>
+              <a:lnTo>
+                <a:pt x="1217460" y="366498"/>
+              </a:lnTo>
+            </a:path>
+          </a:pathLst>
+        </a:custGeom>
+        <a:noFill/>
+        <a:ln w="12700" cap="flat" cmpd="sng" algn="ctr">
+          <a:solidFill>
+            <a:schemeClr val="accent4">
+              <a:hueOff val="0"/>
+              <a:satOff val="0"/>
+              <a:lumOff val="0"/>
+              <a:alphaOff val="0"/>
+            </a:schemeClr>
+          </a:solidFill>
+          <a:prstDash val="solid"/>
+        </a:ln>
+        <a:effectLst/>
+        <a:scene3d>
+          <a:camera prst="orthographicFront">
+            <a:rot lat="0" lon="0" rev="0"/>
+          </a:camera>
+          <a:lightRig rig="contrasting" dir="t">
+            <a:rot lat="0" lon="0" rev="1200000"/>
+          </a:lightRig>
+        </a:scene3d>
+        <a:sp3d z="-110000"/>
+      </dsp:spPr>
+      <dsp:style>
+        <a:lnRef idx="2">
+          <a:scrgbClr r="0" g="0" b="0"/>
+        </a:lnRef>
+        <a:fillRef idx="0">
+          <a:scrgbClr r="0" g="0" b="0"/>
+        </a:fillRef>
+        <a:effectRef idx="0">
+          <a:scrgbClr r="0" g="0" b="0"/>
+        </a:effectRef>
+        <a:fontRef idx="minor"/>
+      </dsp:style>
+    </dsp:sp>
+    <dsp:sp modelId="{C506A8BA-439E-4716-BD26-721A6F281A37}">
+      <dsp:nvSpPr>
+        <dsp:cNvPr id="0" name=""/>
+        <dsp:cNvSpPr/>
+      </dsp:nvSpPr>
+      <dsp:spPr>
+        <a:xfrm>
+          <a:off x="3768319" y="2566903"/>
+          <a:ext cx="77885" cy="916246"/>
+        </a:xfrm>
+        <a:prstGeom prst="roundRect">
+          <a:avLst>
+            <a:gd name="adj" fmla="val 10000"/>
+          </a:avLst>
+        </a:prstGeom>
+        <a:solidFill>
+          <a:schemeClr val="accent4">
+            <a:hueOff val="0"/>
+            <a:satOff val="0"/>
+            <a:lumOff val="0"/>
+            <a:alphaOff val="0"/>
+          </a:schemeClr>
+        </a:solidFill>
+        <a:ln>
+          <a:noFill/>
+        </a:ln>
+        <a:effectLst/>
+        <a:scene3d>
+          <a:camera prst="orthographicFront">
+            <a:rot lat="0" lon="0" rev="0"/>
+          </a:camera>
+          <a:lightRig rig="contrasting" dir="t">
+            <a:rot lat="0" lon="0" rev="1200000"/>
+          </a:lightRig>
+        </a:scene3d>
+        <a:sp3d contourW="19050" prstMaterial="metal">
+          <a:bevelT w="88900" h="203200"/>
+          <a:bevelB w="165100" h="254000"/>
+        </a:sp3d>
+      </dsp:spPr>
+      <dsp:style>
+        <a:lnRef idx="0">
+          <a:scrgbClr r="0" g="0" b="0"/>
+        </a:lnRef>
+        <a:fillRef idx="1">
+          <a:scrgbClr r="0" g="0" b="0"/>
+        </a:fillRef>
+        <a:effectRef idx="1">
+          <a:scrgbClr r="0" g="0" b="0"/>
+        </a:effectRef>
+        <a:fontRef idx="minor">
+          <a:schemeClr val="lt1"/>
+        </a:fontRef>
+      </dsp:style>
+      <dsp:txBody>
+        <a:bodyPr spcFirstLastPara="0" vert="horz" wrap="square" lIns="80010" tIns="80010" rIns="80010" bIns="80010" numCol="1" spcCol="1270" anchor="ctr" anchorCtr="0">
+          <a:noAutofit/>
+        </a:bodyPr>
+        <a:lstStyle/>
+        <a:p>
+          <a:pPr marL="0" lvl="0" indent="0" algn="ctr" defTabSz="933450">
+            <a:lnSpc>
+              <a:spcPct val="90000"/>
+            </a:lnSpc>
+            <a:spcBef>
+              <a:spcPct val="0"/>
+            </a:spcBef>
+            <a:spcAft>
+              <a:spcPct val="35000"/>
+            </a:spcAft>
+            <a:buNone/>
+          </a:pPr>
+          <a:endParaRPr lang="es-AR" sz="2100" kern="1200" dirty="0"/>
+        </a:p>
+      </dsp:txBody>
+      <dsp:txXfrm>
+        <a:off x="3770600" y="2569184"/>
+        <a:ext cx="73323" cy="911684"/>
+      </dsp:txXfrm>
+    </dsp:sp>
+    <dsp:sp modelId="{2B44D44D-9C15-4BE4-8857-6902DD216E02}">
+      <dsp:nvSpPr>
+        <dsp:cNvPr id="0" name=""/>
+        <dsp:cNvSpPr/>
+      </dsp:nvSpPr>
+      <dsp:spPr>
+        <a:xfrm>
+          <a:off x="3761542" y="3483149"/>
+          <a:ext cx="91440" cy="366498"/>
+        </a:xfrm>
+        <a:custGeom>
+          <a:avLst/>
+          <a:gdLst/>
+          <a:ahLst/>
+          <a:cxnLst/>
+          <a:rect l="0" t="0" r="0" b="0"/>
+          <a:pathLst>
+            <a:path>
+              <a:moveTo>
+                <a:pt x="45720" y="0"/>
+              </a:moveTo>
+              <a:lnTo>
+                <a:pt x="45720" y="366498"/>
+              </a:lnTo>
+            </a:path>
+          </a:pathLst>
+        </a:custGeom>
+        <a:noFill/>
+        <a:ln w="12700" cap="flat" cmpd="sng" algn="ctr">
+          <a:solidFill>
+            <a:schemeClr val="accent5">
+              <a:hueOff val="0"/>
+              <a:satOff val="0"/>
+              <a:lumOff val="0"/>
+              <a:alphaOff val="0"/>
+            </a:schemeClr>
+          </a:solidFill>
+          <a:prstDash val="solid"/>
+        </a:ln>
+        <a:effectLst/>
+        <a:scene3d>
+          <a:camera prst="orthographicFront">
+            <a:rot lat="0" lon="0" rev="0"/>
+          </a:camera>
+          <a:lightRig rig="contrasting" dir="t">
+            <a:rot lat="0" lon="0" rev="1200000"/>
+          </a:lightRig>
+        </a:scene3d>
+        <a:sp3d z="-110000"/>
+      </dsp:spPr>
+      <dsp:style>
+        <a:lnRef idx="2">
+          <a:scrgbClr r="0" g="0" b="0"/>
+        </a:lnRef>
+        <a:fillRef idx="0">
+          <a:scrgbClr r="0" g="0" b="0"/>
+        </a:fillRef>
+        <a:effectRef idx="0">
+          <a:scrgbClr r="0" g="0" b="0"/>
+        </a:effectRef>
+        <a:fontRef idx="minor"/>
+      </dsp:style>
+    </dsp:sp>
+    <dsp:sp modelId="{03CEC701-59F7-4F6F-A2FB-6D1193C6C0E9}">
+      <dsp:nvSpPr>
+        <dsp:cNvPr id="0" name=""/>
+        <dsp:cNvSpPr/>
+      </dsp:nvSpPr>
+      <dsp:spPr>
+        <a:xfrm>
+          <a:off x="3120077" y="3849648"/>
+          <a:ext cx="1374369" cy="916246"/>
+        </a:xfrm>
+        <a:prstGeom prst="roundRect">
+          <a:avLst>
+            <a:gd name="adj" fmla="val 10000"/>
+          </a:avLst>
+        </a:prstGeom>
+        <a:solidFill>
+          <a:schemeClr val="accent5">
+            <a:hueOff val="0"/>
+            <a:satOff val="0"/>
+            <a:lumOff val="0"/>
+            <a:alphaOff val="0"/>
+          </a:schemeClr>
+        </a:solidFill>
+        <a:ln>
+          <a:noFill/>
+        </a:ln>
+        <a:effectLst/>
+        <a:scene3d>
+          <a:camera prst="orthographicFront">
+            <a:rot lat="0" lon="0" rev="0"/>
+          </a:camera>
+          <a:lightRig rig="contrasting" dir="t">
+            <a:rot lat="0" lon="0" rev="1200000"/>
+          </a:lightRig>
+        </a:scene3d>
+        <a:sp3d contourW="19050" prstMaterial="metal">
+          <a:bevelT w="88900" h="203200"/>
+          <a:bevelB w="165100" h="254000"/>
+        </a:sp3d>
+      </dsp:spPr>
+      <dsp:style>
+        <a:lnRef idx="0">
+          <a:scrgbClr r="0" g="0" b="0"/>
+        </a:lnRef>
+        <a:fillRef idx="1">
+          <a:scrgbClr r="0" g="0" b="0"/>
+        </a:fillRef>
+        <a:effectRef idx="1">
+          <a:scrgbClr r="0" g="0" b="0"/>
+        </a:effectRef>
+        <a:fontRef idx="minor">
+          <a:schemeClr val="lt1"/>
+        </a:fontRef>
+      </dsp:style>
+      <dsp:txBody>
+        <a:bodyPr spcFirstLastPara="0" vert="horz" wrap="square" lIns="80010" tIns="80010" rIns="80010" bIns="80010" numCol="1" spcCol="1270" anchor="ctr" anchorCtr="0">
+          <a:noAutofit/>
+        </a:bodyPr>
+        <a:lstStyle/>
+        <a:p>
+          <a:pPr marL="0" lvl="0" indent="0" algn="ctr" defTabSz="933450">
+            <a:lnSpc>
+              <a:spcPct val="90000"/>
+            </a:lnSpc>
+            <a:spcBef>
+              <a:spcPct val="0"/>
+            </a:spcBef>
+            <a:spcAft>
+              <a:spcPct val="35000"/>
+            </a:spcAft>
+            <a:buNone/>
+          </a:pPr>
+          <a:r>
+            <a:rPr lang="es-AR" sz="2100" kern="1200" dirty="0"/>
+            <a:t>GPIO</a:t>
+          </a:r>
+        </a:p>
+      </dsp:txBody>
+      <dsp:txXfrm>
+        <a:off x="3146913" y="3876484"/>
+        <a:ext cx="1320697" cy="862574"/>
+      </dsp:txXfrm>
+    </dsp:sp>
+    <dsp:sp modelId="{43920A6D-2009-4B79-8742-B886ECB91308}">
+      <dsp:nvSpPr>
+        <dsp:cNvPr id="0" name=""/>
+        <dsp:cNvSpPr/>
+      </dsp:nvSpPr>
+      <dsp:spPr>
+        <a:xfrm>
+          <a:off x="3483141" y="917660"/>
+          <a:ext cx="893339" cy="366498"/>
+        </a:xfrm>
+        <a:custGeom>
+          <a:avLst/>
+          <a:gdLst/>
+          <a:ahLst/>
+          <a:cxnLst/>
+          <a:rect l="0" t="0" r="0" b="0"/>
+          <a:pathLst>
+            <a:path>
+              <a:moveTo>
+                <a:pt x="0" y="0"/>
+              </a:moveTo>
+              <a:lnTo>
+                <a:pt x="0" y="183249"/>
+              </a:lnTo>
+              <a:lnTo>
+                <a:pt x="893339" y="183249"/>
+              </a:lnTo>
+              <a:lnTo>
+                <a:pt x="893339" y="366498"/>
+              </a:lnTo>
+            </a:path>
+          </a:pathLst>
+        </a:custGeom>
+        <a:noFill/>
+        <a:ln w="12700" cap="flat" cmpd="sng" algn="ctr">
+          <a:solidFill>
+            <a:schemeClr val="accent3">
+              <a:hueOff val="0"/>
+              <a:satOff val="0"/>
+              <a:lumOff val="0"/>
+              <a:alphaOff val="0"/>
+            </a:schemeClr>
+          </a:solidFill>
+          <a:prstDash val="solid"/>
+        </a:ln>
+        <a:effectLst/>
+        <a:scene3d>
+          <a:camera prst="orthographicFront">
+            <a:rot lat="0" lon="0" rev="0"/>
+          </a:camera>
+          <a:lightRig rig="contrasting" dir="t">
+            <a:rot lat="0" lon="0" rev="1200000"/>
+          </a:lightRig>
+        </a:scene3d>
+        <a:sp3d z="-110000"/>
+      </dsp:spPr>
+      <dsp:style>
+        <a:lnRef idx="2">
+          <a:scrgbClr r="0" g="0" b="0"/>
+        </a:lnRef>
+        <a:fillRef idx="0">
+          <a:scrgbClr r="0" g="0" b="0"/>
+        </a:fillRef>
+        <a:effectRef idx="0">
+          <a:scrgbClr r="0" g="0" b="0"/>
+        </a:effectRef>
+        <a:fontRef idx="minor"/>
+      </dsp:style>
+    </dsp:sp>
+    <dsp:sp modelId="{4AF2B6CC-A93F-47ED-A7B9-26D22F200D1D}">
+      <dsp:nvSpPr>
+        <dsp:cNvPr id="0" name=""/>
+        <dsp:cNvSpPr/>
+      </dsp:nvSpPr>
+      <dsp:spPr>
+        <a:xfrm>
+          <a:off x="3689296" y="1284159"/>
+          <a:ext cx="1374369" cy="916246"/>
+        </a:xfrm>
+        <a:prstGeom prst="roundRect">
+          <a:avLst>
+            <a:gd name="adj" fmla="val 10000"/>
+          </a:avLst>
+        </a:prstGeom>
+        <a:solidFill>
+          <a:schemeClr val="accent3">
+            <a:hueOff val="0"/>
+            <a:satOff val="0"/>
+            <a:lumOff val="0"/>
+            <a:alphaOff val="0"/>
+          </a:schemeClr>
+        </a:solidFill>
+        <a:ln>
+          <a:noFill/>
+        </a:ln>
+        <a:effectLst/>
+        <a:scene3d>
+          <a:camera prst="orthographicFront">
+            <a:rot lat="0" lon="0" rev="0"/>
+          </a:camera>
+          <a:lightRig rig="contrasting" dir="t">
+            <a:rot lat="0" lon="0" rev="1200000"/>
+          </a:lightRig>
+        </a:scene3d>
+        <a:sp3d contourW="19050" prstMaterial="metal">
+          <a:bevelT w="88900" h="203200"/>
+          <a:bevelB w="165100" h="254000"/>
+        </a:sp3d>
+      </dsp:spPr>
+      <dsp:style>
+        <a:lnRef idx="0">
+          <a:scrgbClr r="0" g="0" b="0"/>
+        </a:lnRef>
+        <a:fillRef idx="1">
+          <a:scrgbClr r="0" g="0" b="0"/>
+        </a:fillRef>
+        <a:effectRef idx="1">
+          <a:scrgbClr r="0" g="0" b="0"/>
+        </a:effectRef>
+        <a:fontRef idx="minor">
+          <a:schemeClr val="lt1"/>
+        </a:fontRef>
+      </dsp:style>
+      <dsp:txBody>
+        <a:bodyPr spcFirstLastPara="0" vert="horz" wrap="square" lIns="80010" tIns="80010" rIns="80010" bIns="80010" numCol="1" spcCol="1270" anchor="ctr" anchorCtr="0">
+          <a:noAutofit/>
+        </a:bodyPr>
+        <a:lstStyle/>
+        <a:p>
+          <a:pPr marL="0" lvl="0" indent="0" algn="ctr" defTabSz="933450">
+            <a:lnSpc>
+              <a:spcPct val="90000"/>
+            </a:lnSpc>
+            <a:spcBef>
+              <a:spcPct val="0"/>
+            </a:spcBef>
+            <a:spcAft>
+              <a:spcPct val="35000"/>
+            </a:spcAft>
+            <a:buNone/>
+          </a:pPr>
+          <a:r>
+            <a:rPr lang="es-AR" sz="2100" kern="1200" dirty="0"/>
+            <a:t>DECODER</a:t>
+          </a:r>
+        </a:p>
+      </dsp:txBody>
+      <dsp:txXfrm>
+        <a:off x="3716132" y="1310995"/>
+        <a:ext cx="1320697" cy="862574"/>
       </dsp:txXfrm>
     </dsp:sp>
   </dsp:spTree>
@@ -5043,6 +7688,517 @@
 </file>
 
 <file path=ppt/diagrams/layout1.xml><?xml version="1.0" encoding="utf-8"?>
+<dgm:layoutDef xmlns:dgm="http://schemas.openxmlformats.org/drawingml/2006/diagram" xmlns:a="http://schemas.openxmlformats.org/drawingml/2006/main" uniqueId="urn:microsoft.com/office/officeart/2005/8/layout/hierarchy6">
+  <dgm:title val=""/>
+  <dgm:desc val=""/>
+  <dgm:catLst>
+    <dgm:cat type="hierarchy" pri="3000"/>
+  </dgm:catLst>
+  <dgm:sampData>
+    <dgm:dataModel>
+      <dgm:ptLst>
+        <dgm:pt modelId="0" type="doc"/>
+        <dgm:pt modelId="1">
+          <dgm:prSet phldr="1"/>
+        </dgm:pt>
+        <dgm:pt modelId="2">
+          <dgm:prSet phldr="1"/>
+        </dgm:pt>
+        <dgm:pt modelId="21">
+          <dgm:prSet phldr="1"/>
+        </dgm:pt>
+        <dgm:pt modelId="22">
+          <dgm:prSet phldr="1"/>
+        </dgm:pt>
+        <dgm:pt modelId="3">
+          <dgm:prSet phldr="1"/>
+        </dgm:pt>
+        <dgm:pt modelId="31">
+          <dgm:prSet phldr="1"/>
+        </dgm:pt>
+        <dgm:pt modelId="4">
+          <dgm:prSet phldr="1"/>
+        </dgm:pt>
+        <dgm:pt modelId="5">
+          <dgm:prSet phldr="1"/>
+        </dgm:pt>
+        <dgm:pt modelId="6">
+          <dgm:prSet phldr="1"/>
+        </dgm:pt>
+      </dgm:ptLst>
+      <dgm:cxnLst>
+        <dgm:cxn modelId="7" srcId="0" destId="1" srcOrd="0" destOrd="0"/>
+        <dgm:cxn modelId="8" srcId="1" destId="2" srcOrd="0" destOrd="0"/>
+        <dgm:cxn modelId="9" srcId="1" destId="3" srcOrd="1" destOrd="0"/>
+        <dgm:cxn modelId="23" srcId="2" destId="21" srcOrd="0" destOrd="0"/>
+        <dgm:cxn modelId="24" srcId="2" destId="22" srcOrd="1" destOrd="0"/>
+        <dgm:cxn modelId="33" srcId="3" destId="31" srcOrd="0" destOrd="0"/>
+        <dgm:cxn modelId="10" srcId="0" destId="4" srcOrd="1" destOrd="0"/>
+        <dgm:cxn modelId="11" srcId="0" destId="5" srcOrd="2" destOrd="0"/>
+        <dgm:cxn modelId="12" srcId="0" destId="6" srcOrd="3" destOrd="0"/>
+      </dgm:cxnLst>
+      <dgm:bg/>
+      <dgm:whole/>
+    </dgm:dataModel>
+  </dgm:sampData>
+  <dgm:styleData>
+    <dgm:dataModel>
+      <dgm:ptLst>
+        <dgm:pt modelId="0" type="doc"/>
+        <dgm:pt modelId="1"/>
+        <dgm:pt modelId="11"/>
+        <dgm:pt modelId="12"/>
+        <dgm:pt modelId="2"/>
+        <dgm:pt modelId="3"/>
+      </dgm:ptLst>
+      <dgm:cxnLst>
+        <dgm:cxn modelId="4" srcId="0" destId="1" srcOrd="0" destOrd="0"/>
+        <dgm:cxn modelId="13" srcId="1" destId="11" srcOrd="0" destOrd="0"/>
+        <dgm:cxn modelId="14" srcId="1" destId="12" srcOrd="1" destOrd="0"/>
+        <dgm:cxn modelId="5" srcId="0" destId="2" srcOrd="1" destOrd="0"/>
+        <dgm:cxn modelId="6" srcId="0" destId="3" srcOrd="2" destOrd="0"/>
+      </dgm:cxnLst>
+      <dgm:bg/>
+      <dgm:whole/>
+    </dgm:dataModel>
+  </dgm:styleData>
+  <dgm:clrData>
+    <dgm:dataModel>
+      <dgm:ptLst>
+        <dgm:pt modelId="0" type="doc"/>
+        <dgm:pt modelId="1"/>
+        <dgm:pt modelId="2"/>
+        <dgm:pt modelId="21"/>
+        <dgm:pt modelId="211"/>
+        <dgm:pt modelId="3"/>
+        <dgm:pt modelId="31"/>
+        <dgm:pt modelId="311"/>
+        <dgm:pt modelId="4"/>
+        <dgm:pt modelId="5"/>
+        <dgm:pt modelId="6"/>
+        <dgm:pt modelId="7"/>
+      </dgm:ptLst>
+      <dgm:cxnLst>
+        <dgm:cxn modelId="8" srcId="0" destId="1" srcOrd="0" destOrd="0"/>
+        <dgm:cxn modelId="9" srcId="1" destId="2" srcOrd="0" destOrd="0"/>
+        <dgm:cxn modelId="10" srcId="1" destId="3" srcOrd="1" destOrd="0"/>
+        <dgm:cxn modelId="23" srcId="2" destId="21" srcOrd="0" destOrd="0"/>
+        <dgm:cxn modelId="24" srcId="21" destId="211" srcOrd="0" destOrd="0"/>
+        <dgm:cxn modelId="33" srcId="3" destId="31" srcOrd="0" destOrd="0"/>
+        <dgm:cxn modelId="34" srcId="31" destId="311" srcOrd="0" destOrd="0"/>
+        <dgm:cxn modelId="11" srcId="0" destId="4" srcOrd="1" destOrd="0"/>
+        <dgm:cxn modelId="12" srcId="0" destId="5" srcOrd="2" destOrd="0"/>
+        <dgm:cxn modelId="13" srcId="0" destId="6" srcOrd="3" destOrd="0"/>
+        <dgm:cxn modelId="14" srcId="0" destId="7" srcOrd="4" destOrd="0"/>
+      </dgm:cxnLst>
+      <dgm:bg/>
+      <dgm:whole/>
+    </dgm:dataModel>
+  </dgm:clrData>
+  <dgm:layoutNode name="mainComposite">
+    <dgm:varLst>
+      <dgm:chPref val="1"/>
+      <dgm:dir/>
+      <dgm:animOne val="branch"/>
+      <dgm:animLvl val="lvl"/>
+      <dgm:resizeHandles val="exact"/>
+    </dgm:varLst>
+    <dgm:alg type="composite">
+      <dgm:param type="vertAlign" val="mid"/>
+      <dgm:param type="horzAlign" val="ctr"/>
+    </dgm:alg>
+    <dgm:shape xmlns:r="http://schemas.openxmlformats.org/officeDocument/2006/relationships" r:blip="">
+      <dgm:adjLst/>
+    </dgm:shape>
+    <dgm:presOf/>
+    <dgm:choose name="Name0">
+      <dgm:if name="Name1" axis="ch" ptType="node" func="cnt" op="gte" val="2">
+        <dgm:choose name="Name2">
+          <dgm:if name="Name3" func="var" arg="dir" op="equ" val="norm">
+            <dgm:constrLst>
+              <dgm:constr type="l" for="ch" forName="hierFlow" refType="w" fact="0.3"/>
+              <dgm:constr type="t" for="ch" forName="hierFlow"/>
+              <dgm:constr type="r" for="ch" forName="hierFlow" refType="w" fact="0.98"/>
+              <dgm:constr type="b" for="ch" forName="hierFlow" refType="h" fact="0.98"/>
+              <dgm:constr type="l" for="ch" forName="bgShapesFlow"/>
+              <dgm:constr type="t" for="ch" forName="bgShapesFlow"/>
+              <dgm:constr type="r" for="ch" forName="bgShapesFlow" refType="w"/>
+              <dgm:constr type="b" for="ch" forName="bgShapesFlow" refType="h"/>
+              <dgm:constr type="w" for="des" forName="level1Shape" refType="w"/>
+              <dgm:constr type="h" for="des" forName="level1Shape" refType="w" refFor="des" refForName="level1Shape" fact="0.66667"/>
+              <dgm:constr type="w" for="des" forName="level2Shape" refType="w" refFor="des" refForName="level1Shape" op="equ"/>
+              <dgm:constr type="h" for="des" forName="level2Shape" refType="h" refFor="des" refForName="level1Shape" op="equ"/>
+              <dgm:constr type="sp" for="des" refType="h" refFor="des" refForName="level1Shape" op="equ" fact="0.4"/>
+              <dgm:constr type="sibSp" for="des" forName="hierChild1" refType="w" refFor="des" refForName="level1Shape" op="equ" fact="0.3"/>
+              <dgm:constr type="sibSp" for="des" forName="hierChild2" refType="sibSp" refFor="des" refForName="hierChild1" op="equ"/>
+              <dgm:constr type="sibSp" for="des" forName="hierChild3" refType="sibSp" refFor="des" refForName="hierChild1" op="equ"/>
+              <dgm:constr type="userA" for="des" refType="h" refFor="des" refForName="level1Shape" op="equ"/>
+              <dgm:constr type="userB" for="des" refType="sp" refFor="des" op="equ"/>
+              <dgm:constr type="h" for="des" forName="firstBuf" refType="h" refFor="des" refForName="level1Shape" fact="0.1"/>
+            </dgm:constrLst>
+          </dgm:if>
+          <dgm:else name="Name4">
+            <dgm:constrLst>
+              <dgm:constr type="l" for="ch" forName="hierFlow" refType="w" fact="0.02"/>
+              <dgm:constr type="t" for="ch" forName="hierFlow"/>
+              <dgm:constr type="r" for="ch" forName="hierFlow" refType="w" fact="0.7"/>
+              <dgm:constr type="b" for="ch" forName="hierFlow" refType="h" fact="0.98"/>
+              <dgm:constr type="l" for="ch" forName="bgShapesFlow"/>
+              <dgm:constr type="t" for="ch" forName="bgShapesFlow"/>
+              <dgm:constr type="r" for="ch" forName="bgShapesFlow" refType="w"/>
+              <dgm:constr type="b" for="ch" forName="bgShapesFlow" refType="h"/>
+              <dgm:constr type="w" for="des" forName="level1Shape" refType="w"/>
+              <dgm:constr type="h" for="des" forName="level1Shape" refType="w" refFor="des" refForName="level1Shape" fact="0.66667"/>
+              <dgm:constr type="w" for="des" forName="level2Shape" refType="w" refFor="des" refForName="level1Shape" op="equ"/>
+              <dgm:constr type="h" for="des" forName="level2Shape" refType="h" refFor="des" refForName="level1Shape" op="equ"/>
+              <dgm:constr type="sp" for="des" refType="h" refFor="des" refForName="level1Shape" op="equ" fact="0.4"/>
+              <dgm:constr type="sibSp" for="des" forName="hierChild1" refType="w" refFor="des" refForName="level1Shape" op="equ" fact="0.3"/>
+              <dgm:constr type="sibSp" for="des" forName="hierChild2" refType="sibSp" refFor="des" refForName="hierChild1" op="equ"/>
+              <dgm:constr type="sibSp" for="des" forName="hierChild3" refType="sibSp" refFor="des" refForName="hierChild1" op="equ"/>
+              <dgm:constr type="userA" for="des" refType="h" refFor="des" refForName="level1Shape" op="equ"/>
+              <dgm:constr type="userB" for="des" refType="sp" refFor="des" op="equ"/>
+              <dgm:constr type="h" for="des" forName="firstBuf" refType="h" refFor="des" refForName="level1Shape" fact="0.1"/>
+            </dgm:constrLst>
+          </dgm:else>
+        </dgm:choose>
+      </dgm:if>
+      <dgm:else name="Name5">
+        <dgm:constrLst>
+          <dgm:constr type="l" for="ch" forName="hierFlow"/>
+          <dgm:constr type="t" for="ch" forName="hierFlow"/>
+          <dgm:constr type="r" for="ch" forName="hierFlow" refType="w"/>
+          <dgm:constr type="b" for="ch" forName="hierFlow" refType="h"/>
+          <dgm:constr type="l" for="ch" forName="bgShapesFlow"/>
+          <dgm:constr type="t" for="ch" forName="bgShapesFlow"/>
+          <dgm:constr type="r" for="ch" forName="bgShapesFlow" refType="w"/>
+          <dgm:constr type="b" for="ch" forName="bgShapesFlow" refType="h"/>
+          <dgm:constr type="w" for="des" forName="level1Shape" refType="w"/>
+          <dgm:constr type="h" for="des" forName="level1Shape" refType="w" refFor="des" refForName="level1Shape" fact="0.66667"/>
+          <dgm:constr type="w" for="des" forName="level2Shape" refType="w" refFor="des" refForName="level1Shape" op="equ"/>
+          <dgm:constr type="h" for="des" forName="level2Shape" refType="h" refFor="des" refForName="level1Shape" op="equ"/>
+          <dgm:constr type="sp" for="des" refType="h" refFor="des" refForName="level1Shape" op="equ" fact="0.4"/>
+          <dgm:constr type="sibSp" for="des" forName="hierChild1" refType="w" refFor="des" refForName="level1Shape" op="equ" fact="0.3"/>
+          <dgm:constr type="sibSp" for="des" forName="hierChild2" refType="sibSp" refFor="des" refForName="hierChild1" op="equ"/>
+          <dgm:constr type="sibSp" for="des" forName="hierChild3" refType="sibSp" refFor="des" refForName="hierChild1" op="equ"/>
+          <dgm:constr type="userA" for="des" refType="h" refFor="des" refForName="level1Shape" op="equ"/>
+          <dgm:constr type="userB" for="des" refType="sp" refFor="des" op="equ"/>
+          <dgm:constr type="h" for="des" forName="firstBuf" refType="h" refFor="des" refForName="level1Shape" fact="0.1"/>
+        </dgm:constrLst>
+      </dgm:else>
+    </dgm:choose>
+    <dgm:ruleLst/>
+    <dgm:layoutNode name="hierFlow">
+      <dgm:alg type="lin">
+        <dgm:param type="linDir" val="fromT"/>
+        <dgm:param type="nodeVertAlign" val="t"/>
+        <dgm:param type="vertAlign" val="t"/>
+        <dgm:param type="nodeHorzAlign" val="ctr"/>
+        <dgm:param type="fallback" val="2D"/>
+      </dgm:alg>
+      <dgm:shape xmlns:r="http://schemas.openxmlformats.org/officeDocument/2006/relationships" r:blip="">
+        <dgm:adjLst/>
+      </dgm:shape>
+      <dgm:presOf/>
+      <dgm:constrLst/>
+      <dgm:ruleLst/>
+      <dgm:choose name="Name6">
+        <dgm:if name="Name7" axis="ch" ptType="node" func="cnt" op="gte" val="2">
+          <dgm:layoutNode name="firstBuf">
+            <dgm:alg type="sp"/>
+            <dgm:shape xmlns:r="http://schemas.openxmlformats.org/officeDocument/2006/relationships" r:blip="">
+              <dgm:adjLst/>
+            </dgm:shape>
+            <dgm:presOf/>
+            <dgm:constrLst/>
+            <dgm:ruleLst/>
+          </dgm:layoutNode>
+        </dgm:if>
+        <dgm:else name="Name8"/>
+      </dgm:choose>
+      <dgm:layoutNode name="hierChild1">
+        <dgm:varLst>
+          <dgm:chPref val="1"/>
+          <dgm:animOne val="branch"/>
+          <dgm:animLvl val="lvl"/>
+        </dgm:varLst>
+        <dgm:choose name="Name9">
+          <dgm:if name="Name10" func="var" arg="dir" op="equ" val="norm">
+            <dgm:alg type="hierChild">
+              <dgm:param type="linDir" val="fromL"/>
+              <dgm:param type="vertAlign" val="t"/>
+            </dgm:alg>
+          </dgm:if>
+          <dgm:else name="Name11">
+            <dgm:alg type="hierChild">
+              <dgm:param type="linDir" val="fromR"/>
+              <dgm:param type="vertAlign" val="t"/>
+            </dgm:alg>
+          </dgm:else>
+        </dgm:choose>
+        <dgm:shape xmlns:r="http://schemas.openxmlformats.org/officeDocument/2006/relationships" r:blip="">
+          <dgm:adjLst/>
+        </dgm:shape>
+        <dgm:presOf/>
+        <dgm:constrLst>
+          <dgm:constr type="primFontSz" for="des" ptType="node" op="equ"/>
+        </dgm:constrLst>
+        <dgm:ruleLst/>
+        <dgm:forEach name="Name12" axis="ch" cnt="3">
+          <dgm:forEach name="Name13" axis="self" ptType="node">
+            <dgm:layoutNode name="Name14">
+              <dgm:alg type="hierRoot"/>
+              <dgm:shape xmlns:r="http://schemas.openxmlformats.org/officeDocument/2006/relationships" r:blip="">
+                <dgm:adjLst/>
+              </dgm:shape>
+              <dgm:presOf/>
+              <dgm:constrLst/>
+              <dgm:ruleLst/>
+              <dgm:layoutNode name="level1Shape" styleLbl="node0">
+                <dgm:varLst>
+                  <dgm:chPref val="3"/>
+                </dgm:varLst>
+                <dgm:alg type="tx"/>
+                <dgm:shape xmlns:r="http://schemas.openxmlformats.org/officeDocument/2006/relationships" type="roundRect" r:blip="">
+                  <dgm:adjLst>
+                    <dgm:adj idx="1" val="0.1"/>
+                  </dgm:adjLst>
+                </dgm:shape>
+                <dgm:presOf axis="self"/>
+                <dgm:constrLst>
+                  <dgm:constr type="primFontSz" val="65"/>
+                  <dgm:constr type="tMarg" refType="primFontSz" fact="0.3"/>
+                  <dgm:constr type="bMarg" refType="primFontSz" fact="0.3"/>
+                  <dgm:constr type="lMarg" refType="primFontSz" fact="0.3"/>
+                  <dgm:constr type="rMarg" refType="primFontSz" fact="0.3"/>
+                </dgm:constrLst>
+                <dgm:ruleLst>
+                  <dgm:rule type="primFontSz" val="5" fact="NaN" max="NaN"/>
+                </dgm:ruleLst>
+              </dgm:layoutNode>
+              <dgm:layoutNode name="hierChild2">
+                <dgm:choose name="Name15">
+                  <dgm:if name="Name16" func="var" arg="dir" op="equ" val="norm">
+                    <dgm:alg type="hierChild">
+                      <dgm:param type="linDir" val="fromL"/>
+                    </dgm:alg>
+                  </dgm:if>
+                  <dgm:else name="Name17">
+                    <dgm:alg type="hierChild">
+                      <dgm:param type="linDir" val="fromR"/>
+                    </dgm:alg>
+                  </dgm:else>
+                </dgm:choose>
+                <dgm:shape xmlns:r="http://schemas.openxmlformats.org/officeDocument/2006/relationships" r:blip="">
+                  <dgm:adjLst/>
+                </dgm:shape>
+                <dgm:presOf/>
+                <dgm:constrLst/>
+                <dgm:ruleLst/>
+                <dgm:forEach name="repeat" axis="ch">
+                  <dgm:forEach name="Name18" axis="self" ptType="parTrans" cnt="1">
+                    <dgm:layoutNode name="Name19">
+                      <dgm:alg type="conn">
+                        <dgm:param type="dim" val="1D"/>
+                        <dgm:param type="endSty" val="noArr"/>
+                        <dgm:param type="connRout" val="bend"/>
+                        <dgm:param type="begPts" val="bCtr"/>
+                        <dgm:param type="endPts" val="tCtr"/>
+                      </dgm:alg>
+                      <dgm:shape xmlns:r="http://schemas.openxmlformats.org/officeDocument/2006/relationships" type="conn" r:blip="">
+                        <dgm:adjLst/>
+                      </dgm:shape>
+                      <dgm:presOf axis="self"/>
+                      <dgm:constrLst>
+                        <dgm:constr type="w" val="1"/>
+                        <dgm:constr type="h" val="1"/>
+                        <dgm:constr type="begPad"/>
+                        <dgm:constr type="endPad"/>
+                      </dgm:constrLst>
+                      <dgm:ruleLst/>
+                    </dgm:layoutNode>
+                  </dgm:forEach>
+                  <dgm:forEach name="Name20" axis="self" ptType="node">
+                    <dgm:layoutNode name="Name21">
+                      <dgm:alg type="hierRoot"/>
+                      <dgm:shape xmlns:r="http://schemas.openxmlformats.org/officeDocument/2006/relationships" r:blip="">
+                        <dgm:adjLst/>
+                      </dgm:shape>
+                      <dgm:presOf/>
+                      <dgm:constrLst/>
+                      <dgm:ruleLst/>
+                      <dgm:layoutNode name="level2Shape">
+                        <dgm:alg type="tx"/>
+                        <dgm:shape xmlns:r="http://schemas.openxmlformats.org/officeDocument/2006/relationships" type="roundRect" r:blip="">
+                          <dgm:adjLst>
+                            <dgm:adj idx="1" val="0.1"/>
+                          </dgm:adjLst>
+                        </dgm:shape>
+                        <dgm:presOf axis="self"/>
+                        <dgm:constrLst>
+                          <dgm:constr type="primFontSz" val="65"/>
+                          <dgm:constr type="tMarg" refType="primFontSz" fact="0.3"/>
+                          <dgm:constr type="bMarg" refType="primFontSz" fact="0.3"/>
+                          <dgm:constr type="lMarg" refType="primFontSz" fact="0.3"/>
+                          <dgm:constr type="rMarg" refType="primFontSz" fact="0.3"/>
+                        </dgm:constrLst>
+                        <dgm:ruleLst>
+                          <dgm:rule type="primFontSz" val="5" fact="NaN" max="NaN"/>
+                        </dgm:ruleLst>
+                      </dgm:layoutNode>
+                      <dgm:layoutNode name="hierChild3">
+                        <dgm:choose name="Name22">
+                          <dgm:if name="Name23" func="var" arg="dir" op="equ" val="norm">
+                            <dgm:alg type="hierChild">
+                              <dgm:param type="linDir" val="fromL"/>
+                            </dgm:alg>
+                          </dgm:if>
+                          <dgm:else name="Name24">
+                            <dgm:alg type="hierChild">
+                              <dgm:param type="linDir" val="fromR"/>
+                            </dgm:alg>
+                          </dgm:else>
+                        </dgm:choose>
+                        <dgm:shape xmlns:r="http://schemas.openxmlformats.org/officeDocument/2006/relationships" r:blip="">
+                          <dgm:adjLst/>
+                        </dgm:shape>
+                        <dgm:presOf/>
+                        <dgm:constrLst/>
+                        <dgm:ruleLst/>
+                        <dgm:forEach name="Name25" ref="repeat"/>
+                      </dgm:layoutNode>
+                    </dgm:layoutNode>
+                  </dgm:forEach>
+                </dgm:forEach>
+              </dgm:layoutNode>
+            </dgm:layoutNode>
+          </dgm:forEach>
+        </dgm:forEach>
+      </dgm:layoutNode>
+    </dgm:layoutNode>
+    <dgm:layoutNode name="bgShapesFlow">
+      <dgm:alg type="lin">
+        <dgm:param type="linDir" val="fromT"/>
+        <dgm:param type="nodeVertAlign" val="t"/>
+        <dgm:param type="vertAlign" val="t"/>
+        <dgm:param type="nodeHorzAlign" val="ctr"/>
+      </dgm:alg>
+      <dgm:shape xmlns:r="http://schemas.openxmlformats.org/officeDocument/2006/relationships" r:blip="">
+        <dgm:adjLst/>
+      </dgm:shape>
+      <dgm:presOf/>
+      <dgm:constrLst>
+        <dgm:constr type="userB"/>
+        <dgm:constr type="w" for="ch" forName="rectComp" refType="w"/>
+        <dgm:constr type="h" for="ch" forName="rectComp" refType="h"/>
+        <dgm:constr type="w" for="des" forName="bgRect" refType="w"/>
+        <dgm:constr type="primFontSz" for="des" forName="bgRectTx" op="equ"/>
+      </dgm:constrLst>
+      <dgm:ruleLst/>
+      <dgm:forEach name="Name26" axis="ch" ptType="node" st="2">
+        <dgm:layoutNode name="rectComp">
+          <dgm:alg type="composite">
+            <dgm:param type="vertAlign" val="t"/>
+            <dgm:param type="horzAlign" val="ctr"/>
+          </dgm:alg>
+          <dgm:shape xmlns:r="http://schemas.openxmlformats.org/officeDocument/2006/relationships" r:blip="">
+            <dgm:adjLst/>
+          </dgm:shape>
+          <dgm:presOf/>
+          <dgm:choose name="Name27">
+            <dgm:if name="Name28" func="var" arg="dir" op="equ" val="norm">
+              <dgm:constrLst>
+                <dgm:constr type="userA"/>
+                <dgm:constr type="l" for="ch" forName="bgRect"/>
+                <dgm:constr type="t" for="ch" forName="bgRect"/>
+                <dgm:constr type="h" for="ch" forName="bgRect" refType="userA" fact="1.2"/>
+                <dgm:constr type="l" for="ch" forName="bgRectTx"/>
+                <dgm:constr type="t" for="ch" forName="bgRectTx"/>
+                <dgm:constr type="w" for="ch" forName="bgRectTx" refType="w" refFor="ch" refForName="bgRect" fact="0.3"/>
+                <dgm:constr type="h" for="ch" forName="bgRectTx" refType="h" refFor="ch" refForName="bgRect" op="equ"/>
+              </dgm:constrLst>
+            </dgm:if>
+            <dgm:else name="Name29">
+              <dgm:constrLst>
+                <dgm:constr type="userA"/>
+                <dgm:constr type="l" for="ch" forName="bgRect"/>
+                <dgm:constr type="t" for="ch" forName="bgRect"/>
+                <dgm:constr type="h" for="ch" forName="bgRect" refType="userA" fact="1.2"/>
+                <dgm:constr type="r" for="ch" forName="bgRectTx" refType="w"/>
+                <dgm:constr type="t" for="ch" forName="bgRectTx"/>
+                <dgm:constr type="w" for="ch" forName="bgRectTx" refType="w" refFor="ch" refForName="bgRect" fact="0.3"/>
+                <dgm:constr type="h" for="ch" forName="bgRectTx" refType="h" refFor="ch" refForName="bgRect" op="equ"/>
+              </dgm:constrLst>
+            </dgm:else>
+          </dgm:choose>
+          <dgm:ruleLst/>
+          <dgm:layoutNode name="bgRect" styleLbl="bgShp">
+            <dgm:alg type="sp"/>
+            <dgm:shape xmlns:r="http://schemas.openxmlformats.org/officeDocument/2006/relationships" type="roundRect" r:blip="" zOrderOff="-999">
+              <dgm:adjLst>
+                <dgm:adj idx="1" val="0.1"/>
+              </dgm:adjLst>
+            </dgm:shape>
+            <dgm:presOf axis="desOrSelf" ptType="node"/>
+            <dgm:constrLst/>
+            <dgm:ruleLst/>
+          </dgm:layoutNode>
+          <dgm:layoutNode name="bgRectTx" styleLbl="bgShp">
+            <dgm:varLst>
+              <dgm:bulletEnabled val="1"/>
+            </dgm:varLst>
+            <dgm:alg type="tx"/>
+            <dgm:presOf axis="desOrSelf" ptType="node"/>
+            <dgm:shape xmlns:r="http://schemas.openxmlformats.org/officeDocument/2006/relationships" type="rect" r:blip="" zOrderOff="-999" hideGeom="1">
+              <dgm:adjLst/>
+            </dgm:shape>
+            <dgm:constrLst>
+              <dgm:constr type="primFontSz" val="65"/>
+            </dgm:constrLst>
+            <dgm:ruleLst>
+              <dgm:rule type="primFontSz" val="5" fact="NaN" max="NaN"/>
+            </dgm:ruleLst>
+          </dgm:layoutNode>
+        </dgm:layoutNode>
+        <dgm:choose name="Name30">
+          <dgm:if name="Name31" axis="self" ptType="node" func="revPos" op="gte" val="2">
+            <dgm:layoutNode name="spComp">
+              <dgm:alg type="composite">
+                <dgm:param type="vertAlign" val="t"/>
+                <dgm:param type="horzAlign" val="ctr"/>
+              </dgm:alg>
+              <dgm:shape xmlns:r="http://schemas.openxmlformats.org/officeDocument/2006/relationships" r:blip="">
+                <dgm:adjLst/>
+              </dgm:shape>
+              <dgm:presOf/>
+              <dgm:constrLst>
+                <dgm:constr type="userA"/>
+                <dgm:constr type="userB"/>
+                <dgm:constr type="l" for="ch" forName="vSp"/>
+                <dgm:constr type="t" for="ch" forName="vSp"/>
+                <dgm:constr type="h" for="ch" forName="vSp" refType="userB"/>
+                <dgm:constr type="hOff" for="ch" forName="vSp" refType="userA" fact="-0.2"/>
+              </dgm:constrLst>
+              <dgm:ruleLst/>
+              <dgm:layoutNode name="vSp">
+                <dgm:alg type="sp"/>
+                <dgm:shape xmlns:r="http://schemas.openxmlformats.org/officeDocument/2006/relationships" r:blip="">
+                  <dgm:adjLst/>
+                </dgm:shape>
+                <dgm:presOf/>
+                <dgm:constrLst/>
+                <dgm:ruleLst/>
+              </dgm:layoutNode>
+            </dgm:layoutNode>
+          </dgm:if>
+          <dgm:else name="Name32"/>
+        </dgm:choose>
+      </dgm:forEach>
+    </dgm:layoutNode>
+  </dgm:layoutNode>
+</dgm:layoutDef>
+</file>
+
+<file path=ppt/diagrams/layout2.xml><?xml version="1.0" encoding="utf-8"?>
 <dgm:layoutDef xmlns:dgm="http://schemas.openxmlformats.org/drawingml/2006/diagram" xmlns:a="http://schemas.openxmlformats.org/drawingml/2006/main" uniqueId="urn:microsoft.com/office/officeart/2005/8/layout/hierarchy6">
   <dgm:title val=""/>
   <dgm:desc val=""/>
@@ -6883,6 +10039,1336 @@
 </dgm:styleDef>
 </file>
 
+<file path=ppt/diagrams/quickStyle2.xml><?xml version="1.0" encoding="utf-8"?>
+<dgm:styleDef xmlns:dgm="http://schemas.openxmlformats.org/drawingml/2006/diagram" xmlns:a="http://schemas.openxmlformats.org/drawingml/2006/main" uniqueId="urn:microsoft.com/office/officeart/2005/8/quickstyle/3d3">
+  <dgm:title val=""/>
+  <dgm:desc val=""/>
+  <dgm:catLst>
+    <dgm:cat type="3D" pri="11300"/>
+  </dgm:catLst>
+  <dgm:scene3d>
+    <a:camera prst="orthographicFront"/>
+    <a:lightRig rig="threePt" dir="t"/>
+  </dgm:scene3d>
+  <dgm:styleLbl name="node0">
+    <dgm:scene3d>
+      <a:camera prst="orthographicFront">
+        <a:rot lat="0" lon="0" rev="0"/>
+      </a:camera>
+      <a:lightRig rig="contrasting" dir="t">
+        <a:rot lat="0" lon="0" rev="1200000"/>
+      </a:lightRig>
+    </dgm:scene3d>
+    <dgm:sp3d contourW="19050" prstMaterial="metal">
+      <a:bevelT w="88900" h="203200"/>
+      <a:bevelB w="165100" h="254000"/>
+    </dgm:sp3d>
+    <dgm:txPr/>
+    <dgm:style>
+      <a:lnRef idx="0">
+        <a:scrgbClr r="0" g="0" b="0"/>
+      </a:lnRef>
+      <a:fillRef idx="1">
+        <a:scrgbClr r="0" g="0" b="0"/>
+      </a:fillRef>
+      <a:effectRef idx="1">
+        <a:scrgbClr r="0" g="0" b="0"/>
+      </a:effectRef>
+      <a:fontRef idx="minor">
+        <a:schemeClr val="lt1"/>
+      </a:fontRef>
+    </dgm:style>
+  </dgm:styleLbl>
+  <dgm:styleLbl name="lnNode1">
+    <dgm:scene3d>
+      <a:camera prst="orthographicFront">
+        <a:rot lat="0" lon="0" rev="0"/>
+      </a:camera>
+      <a:lightRig rig="contrasting" dir="t">
+        <a:rot lat="0" lon="0" rev="1200000"/>
+      </a:lightRig>
+    </dgm:scene3d>
+    <dgm:sp3d contourW="19050" prstMaterial="metal">
+      <a:bevelT w="88900" h="203200"/>
+      <a:bevelB w="165100" h="254000"/>
+    </dgm:sp3d>
+    <dgm:txPr/>
+    <dgm:style>
+      <a:lnRef idx="0">
+        <a:scrgbClr r="0" g="0" b="0"/>
+      </a:lnRef>
+      <a:fillRef idx="1">
+        <a:scrgbClr r="0" g="0" b="0"/>
+      </a:fillRef>
+      <a:effectRef idx="1">
+        <a:scrgbClr r="0" g="0" b="0"/>
+      </a:effectRef>
+      <a:fontRef idx="minor">
+        <a:schemeClr val="lt1"/>
+      </a:fontRef>
+    </dgm:style>
+  </dgm:styleLbl>
+  <dgm:styleLbl name="vennNode1">
+    <dgm:scene3d>
+      <a:camera prst="orthographicFront">
+        <a:rot lat="0" lon="0" rev="0"/>
+      </a:camera>
+      <a:lightRig rig="contrasting" dir="t">
+        <a:rot lat="0" lon="0" rev="1200000"/>
+      </a:lightRig>
+    </dgm:scene3d>
+    <dgm:sp3d contourW="12700" prstMaterial="clear">
+      <a:bevelT w="177800" h="254000"/>
+      <a:bevelB w="152400"/>
+    </dgm:sp3d>
+    <dgm:txPr/>
+    <dgm:style>
+      <a:lnRef idx="0">
+        <a:scrgbClr r="0" g="0" b="0"/>
+      </a:lnRef>
+      <a:fillRef idx="1">
+        <a:scrgbClr r="0" g="0" b="0"/>
+      </a:fillRef>
+      <a:effectRef idx="0">
+        <a:scrgbClr r="0" g="0" b="0"/>
+      </a:effectRef>
+      <a:fontRef idx="minor">
+        <a:schemeClr val="tx1"/>
+      </a:fontRef>
+    </dgm:style>
+  </dgm:styleLbl>
+  <dgm:styleLbl name="alignNode1">
+    <dgm:scene3d>
+      <a:camera prst="orthographicFront">
+        <a:rot lat="0" lon="0" rev="0"/>
+      </a:camera>
+      <a:lightRig rig="contrasting" dir="t">
+        <a:rot lat="0" lon="0" rev="1200000"/>
+      </a:lightRig>
+    </dgm:scene3d>
+    <dgm:sp3d contourW="19050" prstMaterial="metal">
+      <a:bevelT w="88900" h="203200"/>
+      <a:bevelB w="165100" h="254000"/>
+    </dgm:sp3d>
+    <dgm:txPr/>
+    <dgm:style>
+      <a:lnRef idx="0">
+        <a:scrgbClr r="0" g="0" b="0"/>
+      </a:lnRef>
+      <a:fillRef idx="1">
+        <a:scrgbClr r="0" g="0" b="0"/>
+      </a:fillRef>
+      <a:effectRef idx="2">
+        <a:scrgbClr r="0" g="0" b="0"/>
+      </a:effectRef>
+      <a:fontRef idx="minor">
+        <a:schemeClr val="lt1"/>
+      </a:fontRef>
+    </dgm:style>
+  </dgm:styleLbl>
+  <dgm:styleLbl name="node1">
+    <dgm:scene3d>
+      <a:camera prst="orthographicFront">
+        <a:rot lat="0" lon="0" rev="0"/>
+      </a:camera>
+      <a:lightRig rig="contrasting" dir="t">
+        <a:rot lat="0" lon="0" rev="1200000"/>
+      </a:lightRig>
+    </dgm:scene3d>
+    <dgm:sp3d contourW="19050" prstMaterial="metal">
+      <a:bevelT w="88900" h="203200"/>
+      <a:bevelB w="165100" h="254000"/>
+    </dgm:sp3d>
+    <dgm:txPr/>
+    <dgm:style>
+      <a:lnRef idx="0">
+        <a:scrgbClr r="0" g="0" b="0"/>
+      </a:lnRef>
+      <a:fillRef idx="1">
+        <a:scrgbClr r="0" g="0" b="0"/>
+      </a:fillRef>
+      <a:effectRef idx="2">
+        <a:scrgbClr r="0" g="0" b="0"/>
+      </a:effectRef>
+      <a:fontRef idx="minor">
+        <a:schemeClr val="lt1"/>
+      </a:fontRef>
+    </dgm:style>
+  </dgm:styleLbl>
+  <dgm:styleLbl name="node2">
+    <dgm:scene3d>
+      <a:camera prst="orthographicFront">
+        <a:rot lat="0" lon="0" rev="0"/>
+      </a:camera>
+      <a:lightRig rig="contrasting" dir="t">
+        <a:rot lat="0" lon="0" rev="1200000"/>
+      </a:lightRig>
+    </dgm:scene3d>
+    <dgm:sp3d contourW="19050" prstMaterial="metal">
+      <a:bevelT w="88900" h="203200"/>
+      <a:bevelB w="165100" h="254000"/>
+    </dgm:sp3d>
+    <dgm:txPr/>
+    <dgm:style>
+      <a:lnRef idx="0">
+        <a:scrgbClr r="0" g="0" b="0"/>
+      </a:lnRef>
+      <a:fillRef idx="1">
+        <a:scrgbClr r="0" g="0" b="0"/>
+      </a:fillRef>
+      <a:effectRef idx="1">
+        <a:scrgbClr r="0" g="0" b="0"/>
+      </a:effectRef>
+      <a:fontRef idx="minor">
+        <a:schemeClr val="lt1"/>
+      </a:fontRef>
+    </dgm:style>
+  </dgm:styleLbl>
+  <dgm:styleLbl name="node3">
+    <dgm:scene3d>
+      <a:camera prst="orthographicFront">
+        <a:rot lat="0" lon="0" rev="0"/>
+      </a:camera>
+      <a:lightRig rig="contrasting" dir="t">
+        <a:rot lat="0" lon="0" rev="1200000"/>
+      </a:lightRig>
+    </dgm:scene3d>
+    <dgm:sp3d contourW="19050" prstMaterial="metal">
+      <a:bevelT w="88900" h="203200"/>
+      <a:bevelB w="165100" h="254000"/>
+    </dgm:sp3d>
+    <dgm:txPr/>
+    <dgm:style>
+      <a:lnRef idx="0">
+        <a:scrgbClr r="0" g="0" b="0"/>
+      </a:lnRef>
+      <a:fillRef idx="1">
+        <a:scrgbClr r="0" g="0" b="0"/>
+      </a:fillRef>
+      <a:effectRef idx="1">
+        <a:scrgbClr r="0" g="0" b="0"/>
+      </a:effectRef>
+      <a:fontRef idx="minor">
+        <a:schemeClr val="lt1"/>
+      </a:fontRef>
+    </dgm:style>
+  </dgm:styleLbl>
+  <dgm:styleLbl name="node4">
+    <dgm:scene3d>
+      <a:camera prst="orthographicFront">
+        <a:rot lat="0" lon="0" rev="0"/>
+      </a:camera>
+      <a:lightRig rig="contrasting" dir="t">
+        <a:rot lat="0" lon="0" rev="1200000"/>
+      </a:lightRig>
+    </dgm:scene3d>
+    <dgm:sp3d contourW="19050" prstMaterial="metal">
+      <a:bevelT w="88900" h="203200"/>
+      <a:bevelB w="165100" h="254000"/>
+    </dgm:sp3d>
+    <dgm:txPr/>
+    <dgm:style>
+      <a:lnRef idx="0">
+        <a:scrgbClr r="0" g="0" b="0"/>
+      </a:lnRef>
+      <a:fillRef idx="1">
+        <a:scrgbClr r="0" g="0" b="0"/>
+      </a:fillRef>
+      <a:effectRef idx="1">
+        <a:scrgbClr r="0" g="0" b="0"/>
+      </a:effectRef>
+      <a:fontRef idx="minor">
+        <a:schemeClr val="lt1"/>
+      </a:fontRef>
+    </dgm:style>
+  </dgm:styleLbl>
+  <dgm:styleLbl name="fgImgPlace1">
+    <dgm:scene3d>
+      <a:camera prst="orthographicFront">
+        <a:rot lat="0" lon="0" rev="0"/>
+      </a:camera>
+      <a:lightRig rig="contrasting" dir="t">
+        <a:rot lat="0" lon="0" rev="1200000"/>
+      </a:lightRig>
+    </dgm:scene3d>
+    <dgm:sp3d z="300000" contourW="19050" prstMaterial="metal">
+      <a:bevelT w="88900" h="203200"/>
+      <a:bevelB w="165100" h="254000"/>
+    </dgm:sp3d>
+    <dgm:txPr/>
+    <dgm:style>
+      <a:lnRef idx="0">
+        <a:scrgbClr r="0" g="0" b="0"/>
+      </a:lnRef>
+      <a:fillRef idx="1">
+        <a:scrgbClr r="0" g="0" b="0"/>
+      </a:fillRef>
+      <a:effectRef idx="1">
+        <a:scrgbClr r="0" g="0" b="0"/>
+      </a:effectRef>
+      <a:fontRef idx="minor"/>
+    </dgm:style>
+  </dgm:styleLbl>
+  <dgm:styleLbl name="alignImgPlace1">
+    <dgm:scene3d>
+      <a:camera prst="orthographicFront">
+        <a:rot lat="0" lon="0" rev="0"/>
+      </a:camera>
+      <a:lightRig rig="contrasting" dir="t">
+        <a:rot lat="0" lon="0" rev="1200000"/>
+      </a:lightRig>
+    </dgm:scene3d>
+    <dgm:sp3d contourW="12700" prstMaterial="flat">
+      <a:bevelT w="177800" h="254000"/>
+      <a:bevelB w="152400"/>
+    </dgm:sp3d>
+    <dgm:txPr/>
+    <dgm:style>
+      <a:lnRef idx="0">
+        <a:scrgbClr r="0" g="0" b="0"/>
+      </a:lnRef>
+      <a:fillRef idx="1">
+        <a:scrgbClr r="0" g="0" b="0"/>
+      </a:fillRef>
+      <a:effectRef idx="1">
+        <a:scrgbClr r="0" g="0" b="0"/>
+      </a:effectRef>
+      <a:fontRef idx="minor"/>
+    </dgm:style>
+  </dgm:styleLbl>
+  <dgm:styleLbl name="bgImgPlace1">
+    <dgm:scene3d>
+      <a:camera prst="orthographicFront">
+        <a:rot lat="0" lon="0" rev="0"/>
+      </a:camera>
+      <a:lightRig rig="contrasting" dir="t">
+        <a:rot lat="0" lon="0" rev="1200000"/>
+      </a:lightRig>
+    </dgm:scene3d>
+    <dgm:sp3d z="-300000" contourW="19050" prstMaterial="metal">
+      <a:bevelT w="88900" h="203200"/>
+      <a:bevelB w="165100" h="254000"/>
+    </dgm:sp3d>
+    <dgm:txPr/>
+    <dgm:style>
+      <a:lnRef idx="0">
+        <a:scrgbClr r="0" g="0" b="0"/>
+      </a:lnRef>
+      <a:fillRef idx="1">
+        <a:scrgbClr r="0" g="0" b="0"/>
+      </a:fillRef>
+      <a:effectRef idx="1">
+        <a:scrgbClr r="0" g="0" b="0"/>
+      </a:effectRef>
+      <a:fontRef idx="minor"/>
+    </dgm:style>
+  </dgm:styleLbl>
+  <dgm:styleLbl name="sibTrans2D1">
+    <dgm:scene3d>
+      <a:camera prst="orthographicFront">
+        <a:rot lat="0" lon="0" rev="0"/>
+      </a:camera>
+      <a:lightRig rig="contrasting" dir="t">
+        <a:rot lat="0" lon="0" rev="1200000"/>
+      </a:lightRig>
+    </dgm:scene3d>
+    <dgm:sp3d z="-182000" contourW="19050" prstMaterial="metal">
+      <a:bevelT w="88900" h="203200"/>
+      <a:bevelB w="165100" h="254000"/>
+    </dgm:sp3d>
+    <dgm:txPr/>
+    <dgm:style>
+      <a:lnRef idx="0">
+        <a:scrgbClr r="0" g="0" b="0"/>
+      </a:lnRef>
+      <a:fillRef idx="1">
+        <a:scrgbClr r="0" g="0" b="0"/>
+      </a:fillRef>
+      <a:effectRef idx="0">
+        <a:scrgbClr r="0" g="0" b="0"/>
+      </a:effectRef>
+      <a:fontRef idx="minor">
+        <a:schemeClr val="lt1"/>
+      </a:fontRef>
+    </dgm:style>
+  </dgm:styleLbl>
+  <dgm:styleLbl name="fgSibTrans2D1">
+    <dgm:scene3d>
+      <a:camera prst="orthographicFront">
+        <a:rot lat="0" lon="0" rev="0"/>
+      </a:camera>
+      <a:lightRig rig="contrasting" dir="t">
+        <a:rot lat="0" lon="0" rev="1200000"/>
+      </a:lightRig>
+    </dgm:scene3d>
+    <dgm:sp3d z="300000" contourW="19050" prstMaterial="metal">
+      <a:bevelT w="88900" h="203200"/>
+      <a:bevelB w="165100" h="254000"/>
+    </dgm:sp3d>
+    <dgm:txPr/>
+    <dgm:style>
+      <a:lnRef idx="0">
+        <a:scrgbClr r="0" g="0" b="0"/>
+      </a:lnRef>
+      <a:fillRef idx="1">
+        <a:scrgbClr r="0" g="0" b="0"/>
+      </a:fillRef>
+      <a:effectRef idx="0">
+        <a:scrgbClr r="0" g="0" b="0"/>
+      </a:effectRef>
+      <a:fontRef idx="minor"/>
+    </dgm:style>
+  </dgm:styleLbl>
+  <dgm:styleLbl name="bgSibTrans2D1">
+    <dgm:scene3d>
+      <a:camera prst="orthographicFront">
+        <a:rot lat="0" lon="0" rev="0"/>
+      </a:camera>
+      <a:lightRig rig="contrasting" dir="t">
+        <a:rot lat="0" lon="0" rev="1200000"/>
+      </a:lightRig>
+    </dgm:scene3d>
+    <dgm:sp3d z="-300000" contourW="19050" prstMaterial="metal">
+      <a:bevelT w="88900" h="203200"/>
+      <a:bevelB w="165100" h="254000"/>
+    </dgm:sp3d>
+    <dgm:txPr/>
+    <dgm:style>
+      <a:lnRef idx="0">
+        <a:scrgbClr r="0" g="0" b="0"/>
+      </a:lnRef>
+      <a:fillRef idx="1">
+        <a:scrgbClr r="0" g="0" b="0"/>
+      </a:fillRef>
+      <a:effectRef idx="0">
+        <a:scrgbClr r="0" g="0" b="0"/>
+      </a:effectRef>
+      <a:fontRef idx="minor"/>
+    </dgm:style>
+  </dgm:styleLbl>
+  <dgm:styleLbl name="sibTrans1D1">
+    <dgm:scene3d>
+      <a:camera prst="orthographicFront">
+        <a:rot lat="0" lon="0" rev="0"/>
+      </a:camera>
+      <a:lightRig rig="contrasting" dir="t">
+        <a:rot lat="0" lon="0" rev="1200000"/>
+      </a:lightRig>
+    </dgm:scene3d>
+    <dgm:sp3d z="-110000"/>
+    <dgm:txPr/>
+    <dgm:style>
+      <a:lnRef idx="1">
+        <a:scrgbClr r="0" g="0" b="0"/>
+      </a:lnRef>
+      <a:fillRef idx="0">
+        <a:scrgbClr r="0" g="0" b="0"/>
+      </a:fillRef>
+      <a:effectRef idx="0">
+        <a:scrgbClr r="0" g="0" b="0"/>
+      </a:effectRef>
+      <a:fontRef idx="minor"/>
+    </dgm:style>
+  </dgm:styleLbl>
+  <dgm:styleLbl name="callout">
+    <dgm:scene3d>
+      <a:camera prst="orthographicFront">
+        <a:rot lat="0" lon="0" rev="0"/>
+      </a:camera>
+      <a:lightRig rig="contrasting" dir="t">
+        <a:rot lat="0" lon="0" rev="1200000"/>
+      </a:lightRig>
+    </dgm:scene3d>
+    <dgm:sp3d z="10000"/>
+    <dgm:txPr/>
+    <dgm:style>
+      <a:lnRef idx="2">
+        <a:scrgbClr r="0" g="0" b="0"/>
+      </a:lnRef>
+      <a:fillRef idx="1">
+        <a:scrgbClr r="0" g="0" b="0"/>
+      </a:fillRef>
+      <a:effectRef idx="0">
+        <a:scrgbClr r="0" g="0" b="0"/>
+      </a:effectRef>
+      <a:fontRef idx="minor"/>
+    </dgm:style>
+  </dgm:styleLbl>
+  <dgm:styleLbl name="asst0">
+    <dgm:scene3d>
+      <a:camera prst="orthographicFront">
+        <a:rot lat="0" lon="0" rev="0"/>
+      </a:camera>
+      <a:lightRig rig="contrasting" dir="t">
+        <a:rot lat="0" lon="0" rev="1200000"/>
+      </a:lightRig>
+    </dgm:scene3d>
+    <dgm:sp3d contourW="19050" prstMaterial="metal">
+      <a:bevelT w="88900" h="203200"/>
+      <a:bevelB w="165100" h="254000"/>
+    </dgm:sp3d>
+    <dgm:txPr/>
+    <dgm:style>
+      <a:lnRef idx="0">
+        <a:scrgbClr r="0" g="0" b="0"/>
+      </a:lnRef>
+      <a:fillRef idx="1">
+        <a:scrgbClr r="0" g="0" b="0"/>
+      </a:fillRef>
+      <a:effectRef idx="1">
+        <a:scrgbClr r="0" g="0" b="0"/>
+      </a:effectRef>
+      <a:fontRef idx="minor">
+        <a:schemeClr val="lt1"/>
+      </a:fontRef>
+    </dgm:style>
+  </dgm:styleLbl>
+  <dgm:styleLbl name="asst1">
+    <dgm:scene3d>
+      <a:camera prst="orthographicFront">
+        <a:rot lat="0" lon="0" rev="0"/>
+      </a:camera>
+      <a:lightRig rig="contrasting" dir="t">
+        <a:rot lat="0" lon="0" rev="1200000"/>
+      </a:lightRig>
+    </dgm:scene3d>
+    <dgm:sp3d contourW="19050" prstMaterial="metal">
+      <a:bevelT w="88900" h="203200"/>
+      <a:bevelB w="165100" h="254000"/>
+    </dgm:sp3d>
+    <dgm:txPr/>
+    <dgm:style>
+      <a:lnRef idx="0">
+        <a:scrgbClr r="0" g="0" b="0"/>
+      </a:lnRef>
+      <a:fillRef idx="1">
+        <a:scrgbClr r="0" g="0" b="0"/>
+      </a:fillRef>
+      <a:effectRef idx="1">
+        <a:scrgbClr r="0" g="0" b="0"/>
+      </a:effectRef>
+      <a:fontRef idx="minor">
+        <a:schemeClr val="lt1"/>
+      </a:fontRef>
+    </dgm:style>
+  </dgm:styleLbl>
+  <dgm:styleLbl name="asst2">
+    <dgm:scene3d>
+      <a:camera prst="orthographicFront">
+        <a:rot lat="0" lon="0" rev="0"/>
+      </a:camera>
+      <a:lightRig rig="contrasting" dir="t">
+        <a:rot lat="0" lon="0" rev="1200000"/>
+      </a:lightRig>
+    </dgm:scene3d>
+    <dgm:sp3d contourW="19050" prstMaterial="metal">
+      <a:bevelT w="88900" h="203200"/>
+      <a:bevelB w="165100" h="254000"/>
+    </dgm:sp3d>
+    <dgm:txPr/>
+    <dgm:style>
+      <a:lnRef idx="0">
+        <a:scrgbClr r="0" g="0" b="0"/>
+      </a:lnRef>
+      <a:fillRef idx="1">
+        <a:scrgbClr r="0" g="0" b="0"/>
+      </a:fillRef>
+      <a:effectRef idx="1">
+        <a:scrgbClr r="0" g="0" b="0"/>
+      </a:effectRef>
+      <a:fontRef idx="minor">
+        <a:schemeClr val="lt1"/>
+      </a:fontRef>
+    </dgm:style>
+  </dgm:styleLbl>
+  <dgm:styleLbl name="asst3">
+    <dgm:scene3d>
+      <a:camera prst="orthographicFront">
+        <a:rot lat="0" lon="0" rev="0"/>
+      </a:camera>
+      <a:lightRig rig="contrasting" dir="t">
+        <a:rot lat="0" lon="0" rev="1200000"/>
+      </a:lightRig>
+    </dgm:scene3d>
+    <dgm:sp3d contourW="19050" prstMaterial="metal">
+      <a:bevelT w="88900" h="203200"/>
+      <a:bevelB w="165100" h="254000"/>
+    </dgm:sp3d>
+    <dgm:txPr/>
+    <dgm:style>
+      <a:lnRef idx="0">
+        <a:scrgbClr r="0" g="0" b="0"/>
+      </a:lnRef>
+      <a:fillRef idx="1">
+        <a:scrgbClr r="0" g="0" b="0"/>
+      </a:fillRef>
+      <a:effectRef idx="1">
+        <a:scrgbClr r="0" g="0" b="0"/>
+      </a:effectRef>
+      <a:fontRef idx="minor">
+        <a:schemeClr val="lt1"/>
+      </a:fontRef>
+    </dgm:style>
+  </dgm:styleLbl>
+  <dgm:styleLbl name="asst4">
+    <dgm:scene3d>
+      <a:camera prst="orthographicFront"/>
+      <a:lightRig rig="threePt" dir="t"/>
+    </dgm:scene3d>
+    <dgm:sp3d contourW="19050" prstMaterial="metal">
+      <a:bevelT w="88900" h="203200"/>
+      <a:bevelB w="165100" h="254000"/>
+    </dgm:sp3d>
+    <dgm:txPr/>
+    <dgm:style>
+      <a:lnRef idx="0">
+        <a:scrgbClr r="0" g="0" b="0"/>
+      </a:lnRef>
+      <a:fillRef idx="1">
+        <a:scrgbClr r="0" g="0" b="0"/>
+      </a:fillRef>
+      <a:effectRef idx="1">
+        <a:scrgbClr r="0" g="0" b="0"/>
+      </a:effectRef>
+      <a:fontRef idx="minor">
+        <a:schemeClr val="lt1"/>
+      </a:fontRef>
+    </dgm:style>
+  </dgm:styleLbl>
+  <dgm:styleLbl name="parChTrans2D1">
+    <dgm:scene3d>
+      <a:camera prst="orthographicFront">
+        <a:rot lat="0" lon="0" rev="0"/>
+      </a:camera>
+      <a:lightRig rig="contrasting" dir="t">
+        <a:rot lat="0" lon="0" rev="1200000"/>
+      </a:lightRig>
+    </dgm:scene3d>
+    <dgm:sp3d contourW="19050" prstMaterial="metal">
+      <a:bevelT w="88900" h="203200"/>
+      <a:bevelB w="165100" h="254000"/>
+    </dgm:sp3d>
+    <dgm:txPr/>
+    <dgm:style>
+      <a:lnRef idx="0">
+        <a:scrgbClr r="0" g="0" b="0"/>
+      </a:lnRef>
+      <a:fillRef idx="1">
+        <a:scrgbClr r="0" g="0" b="0"/>
+      </a:fillRef>
+      <a:effectRef idx="0">
+        <a:scrgbClr r="0" g="0" b="0"/>
+      </a:effectRef>
+      <a:fontRef idx="minor"/>
+    </dgm:style>
+  </dgm:styleLbl>
+  <dgm:styleLbl name="parChTrans2D2">
+    <dgm:scene3d>
+      <a:camera prst="orthographicFront">
+        <a:rot lat="0" lon="0" rev="0"/>
+      </a:camera>
+      <a:lightRig rig="contrasting" dir="t">
+        <a:rot lat="0" lon="0" rev="1200000"/>
+      </a:lightRig>
+    </dgm:scene3d>
+    <dgm:sp3d contourW="19050" prstMaterial="metal">
+      <a:bevelT w="88900" h="203200"/>
+      <a:bevelB w="165100" h="254000"/>
+    </dgm:sp3d>
+    <dgm:txPr/>
+    <dgm:style>
+      <a:lnRef idx="0">
+        <a:scrgbClr r="0" g="0" b="0"/>
+      </a:lnRef>
+      <a:fillRef idx="1">
+        <a:scrgbClr r="0" g="0" b="0"/>
+      </a:fillRef>
+      <a:effectRef idx="0">
+        <a:scrgbClr r="0" g="0" b="0"/>
+      </a:effectRef>
+      <a:fontRef idx="minor"/>
+    </dgm:style>
+  </dgm:styleLbl>
+  <dgm:styleLbl name="parChTrans2D3">
+    <dgm:scene3d>
+      <a:camera prst="orthographicFront">
+        <a:rot lat="0" lon="0" rev="0"/>
+      </a:camera>
+      <a:lightRig rig="contrasting" dir="t">
+        <a:rot lat="0" lon="0" rev="1200000"/>
+      </a:lightRig>
+    </dgm:scene3d>
+    <dgm:sp3d contourW="19050" prstMaterial="metal">
+      <a:bevelT w="88900" h="203200"/>
+      <a:bevelB w="165100" h="254000"/>
+    </dgm:sp3d>
+    <dgm:txPr/>
+    <dgm:style>
+      <a:lnRef idx="0">
+        <a:scrgbClr r="0" g="0" b="0"/>
+      </a:lnRef>
+      <a:fillRef idx="1">
+        <a:scrgbClr r="0" g="0" b="0"/>
+      </a:fillRef>
+      <a:effectRef idx="0">
+        <a:scrgbClr r="0" g="0" b="0"/>
+      </a:effectRef>
+      <a:fontRef idx="minor"/>
+    </dgm:style>
+  </dgm:styleLbl>
+  <dgm:styleLbl name="parChTrans2D4">
+    <dgm:scene3d>
+      <a:camera prst="orthographicFront">
+        <a:rot lat="0" lon="0" rev="0"/>
+      </a:camera>
+      <a:lightRig rig="contrasting" dir="t">
+        <a:rot lat="0" lon="0" rev="1200000"/>
+      </a:lightRig>
+    </dgm:scene3d>
+    <dgm:sp3d contourW="19050" prstMaterial="metal">
+      <a:bevelT w="88900" h="203200"/>
+      <a:bevelB w="165100" h="254000"/>
+    </dgm:sp3d>
+    <dgm:txPr/>
+    <dgm:style>
+      <a:lnRef idx="0">
+        <a:scrgbClr r="0" g="0" b="0"/>
+      </a:lnRef>
+      <a:fillRef idx="1">
+        <a:scrgbClr r="0" g="0" b="0"/>
+      </a:fillRef>
+      <a:effectRef idx="0">
+        <a:scrgbClr r="0" g="0" b="0"/>
+      </a:effectRef>
+      <a:fontRef idx="minor"/>
+    </dgm:style>
+  </dgm:styleLbl>
+  <dgm:styleLbl name="parChTrans1D1">
+    <dgm:scene3d>
+      <a:camera prst="orthographicFront">
+        <a:rot lat="0" lon="0" rev="0"/>
+      </a:camera>
+      <a:lightRig rig="contrasting" dir="t">
+        <a:rot lat="0" lon="0" rev="1200000"/>
+      </a:lightRig>
+    </dgm:scene3d>
+    <dgm:sp3d z="-110000"/>
+    <dgm:txPr/>
+    <dgm:style>
+      <a:lnRef idx="2">
+        <a:scrgbClr r="0" g="0" b="0"/>
+      </a:lnRef>
+      <a:fillRef idx="0">
+        <a:scrgbClr r="0" g="0" b="0"/>
+      </a:fillRef>
+      <a:effectRef idx="0">
+        <a:scrgbClr r="0" g="0" b="0"/>
+      </a:effectRef>
+      <a:fontRef idx="minor"/>
+    </dgm:style>
+  </dgm:styleLbl>
+  <dgm:styleLbl name="parChTrans1D2">
+    <dgm:scene3d>
+      <a:camera prst="orthographicFront">
+        <a:rot lat="0" lon="0" rev="0"/>
+      </a:camera>
+      <a:lightRig rig="contrasting" dir="t">
+        <a:rot lat="0" lon="0" rev="1200000"/>
+      </a:lightRig>
+    </dgm:scene3d>
+    <dgm:sp3d z="-110000"/>
+    <dgm:txPr/>
+    <dgm:style>
+      <a:lnRef idx="2">
+        <a:scrgbClr r="0" g="0" b="0"/>
+      </a:lnRef>
+      <a:fillRef idx="0">
+        <a:scrgbClr r="0" g="0" b="0"/>
+      </a:fillRef>
+      <a:effectRef idx="0">
+        <a:scrgbClr r="0" g="0" b="0"/>
+      </a:effectRef>
+      <a:fontRef idx="minor"/>
+    </dgm:style>
+  </dgm:styleLbl>
+  <dgm:styleLbl name="parChTrans1D3">
+    <dgm:scene3d>
+      <a:camera prst="orthographicFront">
+        <a:rot lat="0" lon="0" rev="0"/>
+      </a:camera>
+      <a:lightRig rig="contrasting" dir="t">
+        <a:rot lat="0" lon="0" rev="1200000"/>
+      </a:lightRig>
+    </dgm:scene3d>
+    <dgm:sp3d z="-110000"/>
+    <dgm:txPr/>
+    <dgm:style>
+      <a:lnRef idx="2">
+        <a:scrgbClr r="0" g="0" b="0"/>
+      </a:lnRef>
+      <a:fillRef idx="0">
+        <a:scrgbClr r="0" g="0" b="0"/>
+      </a:fillRef>
+      <a:effectRef idx="0">
+        <a:scrgbClr r="0" g="0" b="0"/>
+      </a:effectRef>
+      <a:fontRef idx="minor"/>
+    </dgm:style>
+  </dgm:styleLbl>
+  <dgm:styleLbl name="parChTrans1D4">
+    <dgm:scene3d>
+      <a:camera prst="orthographicFront">
+        <a:rot lat="0" lon="0" rev="0"/>
+      </a:camera>
+      <a:lightRig rig="contrasting" dir="t">
+        <a:rot lat="0" lon="0" rev="1200000"/>
+      </a:lightRig>
+    </dgm:scene3d>
+    <dgm:sp3d z="-110000"/>
+    <dgm:txPr/>
+    <dgm:style>
+      <a:lnRef idx="2">
+        <a:scrgbClr r="0" g="0" b="0"/>
+      </a:lnRef>
+      <a:fillRef idx="0">
+        <a:scrgbClr r="0" g="0" b="0"/>
+      </a:fillRef>
+      <a:effectRef idx="0">
+        <a:scrgbClr r="0" g="0" b="0"/>
+      </a:effectRef>
+      <a:fontRef idx="minor"/>
+    </dgm:style>
+  </dgm:styleLbl>
+  <dgm:styleLbl name="fgAcc1">
+    <dgm:scene3d>
+      <a:camera prst="orthographicFront">
+        <a:rot lat="0" lon="0" rev="0"/>
+      </a:camera>
+      <a:lightRig rig="contrasting" dir="t">
+        <a:rot lat="0" lon="0" rev="1200000"/>
+      </a:lightRig>
+    </dgm:scene3d>
+    <dgm:sp3d z="300000" contourW="19050" prstMaterial="metal">
+      <a:bevelT w="88900" h="203200"/>
+      <a:bevelB w="165100" h="254000"/>
+    </dgm:sp3d>
+    <dgm:txPr/>
+    <dgm:style>
+      <a:lnRef idx="0">
+        <a:scrgbClr r="0" g="0" b="0"/>
+      </a:lnRef>
+      <a:fillRef idx="1">
+        <a:scrgbClr r="0" g="0" b="0"/>
+      </a:fillRef>
+      <a:effectRef idx="0">
+        <a:scrgbClr r="0" g="0" b="0"/>
+      </a:effectRef>
+      <a:fontRef idx="minor"/>
+    </dgm:style>
+  </dgm:styleLbl>
+  <dgm:styleLbl name="conFgAcc1">
+    <dgm:scene3d>
+      <a:camera prst="orthographicFront">
+        <a:rot lat="0" lon="0" rev="0"/>
+      </a:camera>
+      <a:lightRig rig="contrasting" dir="t">
+        <a:rot lat="0" lon="0" rev="1200000"/>
+      </a:lightRig>
+    </dgm:scene3d>
+    <dgm:sp3d z="300000" contourW="19050" prstMaterial="metal">
+      <a:bevelT w="88900" h="203200"/>
+      <a:bevelB w="165100" h="254000"/>
+    </dgm:sp3d>
+    <dgm:txPr/>
+    <dgm:style>
+      <a:lnRef idx="0">
+        <a:scrgbClr r="0" g="0" b="0"/>
+      </a:lnRef>
+      <a:fillRef idx="1">
+        <a:scrgbClr r="0" g="0" b="0"/>
+      </a:fillRef>
+      <a:effectRef idx="0">
+        <a:scrgbClr r="0" g="0" b="0"/>
+      </a:effectRef>
+      <a:fontRef idx="minor"/>
+    </dgm:style>
+  </dgm:styleLbl>
+  <dgm:styleLbl name="alignAcc1">
+    <dgm:scene3d>
+      <a:camera prst="orthographicFront">
+        <a:rot lat="0" lon="0" rev="0"/>
+      </a:camera>
+      <a:lightRig rig="contrasting" dir="t">
+        <a:rot lat="0" lon="0" rev="1200000"/>
+      </a:lightRig>
+    </dgm:scene3d>
+    <dgm:sp3d contourW="19050" prstMaterial="metal">
+      <a:bevelT w="88900" h="203200"/>
+      <a:bevelB w="165100" h="254000"/>
+    </dgm:sp3d>
+    <dgm:txPr/>
+    <dgm:style>
+      <a:lnRef idx="0">
+        <a:scrgbClr r="0" g="0" b="0"/>
+      </a:lnRef>
+      <a:fillRef idx="1">
+        <a:scrgbClr r="0" g="0" b="0"/>
+      </a:fillRef>
+      <a:effectRef idx="0">
+        <a:scrgbClr r="0" g="0" b="0"/>
+      </a:effectRef>
+      <a:fontRef idx="minor"/>
+    </dgm:style>
+  </dgm:styleLbl>
+  <dgm:styleLbl name="trAlignAcc1">
+    <dgm:scene3d>
+      <a:camera prst="orthographicFront">
+        <a:rot lat="0" lon="0" rev="0"/>
+      </a:camera>
+      <a:lightRig rig="contrasting" dir="t">
+        <a:rot lat="0" lon="0" rev="1200000"/>
+      </a:lightRig>
+    </dgm:scene3d>
+    <dgm:sp3d contourW="19050" prstMaterial="metal">
+      <a:bevelT w="88900" h="203200"/>
+      <a:bevelB w="165100" h="254000"/>
+    </dgm:sp3d>
+    <dgm:txPr/>
+    <dgm:style>
+      <a:lnRef idx="0">
+        <a:scrgbClr r="0" g="0" b="0"/>
+      </a:lnRef>
+      <a:fillRef idx="1">
+        <a:scrgbClr r="0" g="0" b="0"/>
+      </a:fillRef>
+      <a:effectRef idx="1">
+        <a:scrgbClr r="0" g="0" b="0"/>
+      </a:effectRef>
+      <a:fontRef idx="minor"/>
+    </dgm:style>
+  </dgm:styleLbl>
+  <dgm:styleLbl name="bgAcc1">
+    <dgm:scene3d>
+      <a:camera prst="orthographicFront">
+        <a:rot lat="0" lon="0" rev="0"/>
+      </a:camera>
+      <a:lightRig rig="contrasting" dir="t">
+        <a:rot lat="0" lon="0" rev="1200000"/>
+      </a:lightRig>
+    </dgm:scene3d>
+    <dgm:sp3d z="-300000" contourW="19050" prstMaterial="metal">
+      <a:bevelT w="88900" h="203200"/>
+      <a:bevelB w="165100" h="254000"/>
+    </dgm:sp3d>
+    <dgm:txPr/>
+    <dgm:style>
+      <a:lnRef idx="0">
+        <a:scrgbClr r="0" g="0" b="0"/>
+      </a:lnRef>
+      <a:fillRef idx="1">
+        <a:scrgbClr r="0" g="0" b="0"/>
+      </a:fillRef>
+      <a:effectRef idx="0">
+        <a:scrgbClr r="0" g="0" b="0"/>
+      </a:effectRef>
+      <a:fontRef idx="minor"/>
+    </dgm:style>
+  </dgm:styleLbl>
+  <dgm:styleLbl name="solidFgAcc1">
+    <dgm:scene3d>
+      <a:camera prst="orthographicFront">
+        <a:rot lat="0" lon="0" rev="0"/>
+      </a:camera>
+      <a:lightRig rig="contrasting" dir="t">
+        <a:rot lat="0" lon="0" rev="1200000"/>
+      </a:lightRig>
+    </dgm:scene3d>
+    <dgm:sp3d z="300000" contourW="12700" prstMaterial="flat">
+      <a:bevelT w="177800" h="254000"/>
+      <a:bevelB w="152400"/>
+    </dgm:sp3d>
+    <dgm:txPr/>
+    <dgm:style>
+      <a:lnRef idx="0">
+        <a:scrgbClr r="0" g="0" b="0"/>
+      </a:lnRef>
+      <a:fillRef idx="1">
+        <a:scrgbClr r="0" g="0" b="0"/>
+      </a:fillRef>
+      <a:effectRef idx="0">
+        <a:scrgbClr r="0" g="0" b="0"/>
+      </a:effectRef>
+      <a:fontRef idx="minor"/>
+    </dgm:style>
+  </dgm:styleLbl>
+  <dgm:styleLbl name="solidAlignAcc1">
+    <dgm:scene3d>
+      <a:camera prst="orthographicFront">
+        <a:rot lat="0" lon="0" rev="0"/>
+      </a:camera>
+      <a:lightRig rig="contrasting" dir="t">
+        <a:rot lat="0" lon="0" rev="1200000"/>
+      </a:lightRig>
+    </dgm:scene3d>
+    <dgm:sp3d contourW="19050" prstMaterial="metal">
+      <a:bevelT w="88900" h="203200"/>
+      <a:bevelB w="165100" h="254000"/>
+    </dgm:sp3d>
+    <dgm:txPr/>
+    <dgm:style>
+      <a:lnRef idx="0">
+        <a:scrgbClr r="0" g="0" b="0"/>
+      </a:lnRef>
+      <a:fillRef idx="1">
+        <a:scrgbClr r="0" g="0" b="0"/>
+      </a:fillRef>
+      <a:effectRef idx="0">
+        <a:scrgbClr r="0" g="0" b="0"/>
+      </a:effectRef>
+      <a:fontRef idx="minor"/>
+    </dgm:style>
+  </dgm:styleLbl>
+  <dgm:styleLbl name="solidBgAcc1">
+    <dgm:scene3d>
+      <a:camera prst="orthographicFront">
+        <a:rot lat="0" lon="0" rev="0"/>
+      </a:camera>
+      <a:lightRig rig="contrasting" dir="t">
+        <a:rot lat="0" lon="0" rev="1200000"/>
+      </a:lightRig>
+    </dgm:scene3d>
+    <dgm:sp3d z="-300000" contourW="19050" prstMaterial="metal">
+      <a:bevelT w="88900" h="203200"/>
+      <a:bevelB w="165100" h="254000"/>
+    </dgm:sp3d>
+    <dgm:txPr/>
+    <dgm:style>
+      <a:lnRef idx="0">
+        <a:scrgbClr r="0" g="0" b="0"/>
+      </a:lnRef>
+      <a:fillRef idx="1">
+        <a:scrgbClr r="0" g="0" b="0"/>
+      </a:fillRef>
+      <a:effectRef idx="0">
+        <a:scrgbClr r="0" g="0" b="0"/>
+      </a:effectRef>
+      <a:fontRef idx="minor"/>
+    </dgm:style>
+  </dgm:styleLbl>
+  <dgm:styleLbl name="fgAccFollowNode1">
+    <dgm:scene3d>
+      <a:camera prst="orthographicFront">
+        <a:rot lat="0" lon="0" rev="0"/>
+      </a:camera>
+      <a:lightRig rig="contrasting" dir="t">
+        <a:rot lat="0" lon="0" rev="1200000"/>
+      </a:lightRig>
+    </dgm:scene3d>
+    <dgm:sp3d z="300000" contourW="19050" prstMaterial="metal">
+      <a:bevelT w="88900" h="203200"/>
+      <a:bevelB w="165100" h="254000"/>
+    </dgm:sp3d>
+    <dgm:txPr/>
+    <dgm:style>
+      <a:lnRef idx="0">
+        <a:scrgbClr r="0" g="0" b="0"/>
+      </a:lnRef>
+      <a:fillRef idx="1">
+        <a:scrgbClr r="0" g="0" b="0"/>
+      </a:fillRef>
+      <a:effectRef idx="0">
+        <a:scrgbClr r="0" g="0" b="0"/>
+      </a:effectRef>
+      <a:fontRef idx="minor"/>
+    </dgm:style>
+  </dgm:styleLbl>
+  <dgm:styleLbl name="alignAccFollowNode1">
+    <dgm:scene3d>
+      <a:camera prst="orthographicFront">
+        <a:rot lat="0" lon="0" rev="0"/>
+      </a:camera>
+      <a:lightRig rig="contrasting" dir="t">
+        <a:rot lat="0" lon="0" rev="1200000"/>
+      </a:lightRig>
+    </dgm:scene3d>
+    <dgm:sp3d contourW="19050" prstMaterial="metal">
+      <a:bevelT w="88900" h="203200"/>
+      <a:bevelB w="165100" h="254000"/>
+    </dgm:sp3d>
+    <dgm:txPr/>
+    <dgm:style>
+      <a:lnRef idx="0">
+        <a:scrgbClr r="0" g="0" b="0"/>
+      </a:lnRef>
+      <a:fillRef idx="1">
+        <a:scrgbClr r="0" g="0" b="0"/>
+      </a:fillRef>
+      <a:effectRef idx="0">
+        <a:scrgbClr r="0" g="0" b="0"/>
+      </a:effectRef>
+      <a:fontRef idx="minor"/>
+    </dgm:style>
+  </dgm:styleLbl>
+  <dgm:styleLbl name="bgAccFollowNode1">
+    <dgm:scene3d>
+      <a:camera prst="orthographicFront">
+        <a:rot lat="0" lon="0" rev="0"/>
+      </a:camera>
+      <a:lightRig rig="contrasting" dir="t">
+        <a:rot lat="0" lon="0" rev="1200000"/>
+      </a:lightRig>
+    </dgm:scene3d>
+    <dgm:sp3d z="-300000" contourW="19050" prstMaterial="metal">
+      <a:bevelT w="88900" h="203200"/>
+      <a:bevelB w="165100" h="254000"/>
+    </dgm:sp3d>
+    <dgm:txPr/>
+    <dgm:style>
+      <a:lnRef idx="0">
+        <a:scrgbClr r="0" g="0" b="0"/>
+      </a:lnRef>
+      <a:fillRef idx="1">
+        <a:scrgbClr r="0" g="0" b="0"/>
+      </a:fillRef>
+      <a:effectRef idx="0">
+        <a:scrgbClr r="0" g="0" b="0"/>
+      </a:effectRef>
+      <a:fontRef idx="minor"/>
+    </dgm:style>
+  </dgm:styleLbl>
+  <dgm:styleLbl name="fgAcc0">
+    <dgm:scene3d>
+      <a:camera prst="orthographicFront">
+        <a:rot lat="0" lon="0" rev="0"/>
+      </a:camera>
+      <a:lightRig rig="contrasting" dir="t">
+        <a:rot lat="0" lon="0" rev="1200000"/>
+      </a:lightRig>
+    </dgm:scene3d>
+    <dgm:sp3d z="300000" contourW="19050" prstMaterial="metal">
+      <a:bevelT w="88900" h="203200"/>
+      <a:bevelB w="165100" h="254000"/>
+    </dgm:sp3d>
+    <dgm:txPr/>
+    <dgm:style>
+      <a:lnRef idx="0">
+        <a:scrgbClr r="0" g="0" b="0"/>
+      </a:lnRef>
+      <a:fillRef idx="1">
+        <a:scrgbClr r="0" g="0" b="0"/>
+      </a:fillRef>
+      <a:effectRef idx="0">
+        <a:scrgbClr r="0" g="0" b="0"/>
+      </a:effectRef>
+      <a:fontRef idx="minor"/>
+    </dgm:style>
+  </dgm:styleLbl>
+  <dgm:styleLbl name="fgAcc2">
+    <dgm:scene3d>
+      <a:camera prst="orthographicFront">
+        <a:rot lat="0" lon="0" rev="0"/>
+      </a:camera>
+      <a:lightRig rig="contrasting" dir="t">
+        <a:rot lat="0" lon="0" rev="1200000"/>
+      </a:lightRig>
+    </dgm:scene3d>
+    <dgm:sp3d z="300000" contourW="19050" prstMaterial="metal">
+      <a:bevelT w="88900" h="203200"/>
+      <a:bevelB w="165100" h="254000"/>
+    </dgm:sp3d>
+    <dgm:txPr/>
+    <dgm:style>
+      <a:lnRef idx="0">
+        <a:scrgbClr r="0" g="0" b="0"/>
+      </a:lnRef>
+      <a:fillRef idx="1">
+        <a:scrgbClr r="0" g="0" b="0"/>
+      </a:fillRef>
+      <a:effectRef idx="0">
+        <a:scrgbClr r="0" g="0" b="0"/>
+      </a:effectRef>
+      <a:fontRef idx="minor"/>
+    </dgm:style>
+  </dgm:styleLbl>
+  <dgm:styleLbl name="fgAcc3">
+    <dgm:scene3d>
+      <a:camera prst="orthographicFront">
+        <a:rot lat="0" lon="0" rev="0"/>
+      </a:camera>
+      <a:lightRig rig="contrasting" dir="t">
+        <a:rot lat="0" lon="0" rev="1200000"/>
+      </a:lightRig>
+    </dgm:scene3d>
+    <dgm:sp3d z="300000" contourW="19050" prstMaterial="metal">
+      <a:bevelT w="88900" h="203200"/>
+      <a:bevelB w="165100" h="254000"/>
+    </dgm:sp3d>
+    <dgm:txPr/>
+    <dgm:style>
+      <a:lnRef idx="0">
+        <a:scrgbClr r="0" g="0" b="0"/>
+      </a:lnRef>
+      <a:fillRef idx="1">
+        <a:scrgbClr r="0" g="0" b="0"/>
+      </a:fillRef>
+      <a:effectRef idx="0">
+        <a:scrgbClr r="0" g="0" b="0"/>
+      </a:effectRef>
+      <a:fontRef idx="minor"/>
+    </dgm:style>
+  </dgm:styleLbl>
+  <dgm:styleLbl name="fgAcc4">
+    <dgm:scene3d>
+      <a:camera prst="orthographicFront">
+        <a:rot lat="0" lon="0" rev="0"/>
+      </a:camera>
+      <a:lightRig rig="contrasting" dir="t">
+        <a:rot lat="0" lon="0" rev="1200000"/>
+      </a:lightRig>
+    </dgm:scene3d>
+    <dgm:sp3d z="300000" contourW="19050" prstMaterial="metal">
+      <a:bevelT w="88900" h="203200"/>
+      <a:bevelB w="165100" h="254000"/>
+    </dgm:sp3d>
+    <dgm:txPr/>
+    <dgm:style>
+      <a:lnRef idx="0">
+        <a:scrgbClr r="0" g="0" b="0"/>
+      </a:lnRef>
+      <a:fillRef idx="1">
+        <a:scrgbClr r="0" g="0" b="0"/>
+      </a:fillRef>
+      <a:effectRef idx="0">
+        <a:scrgbClr r="0" g="0" b="0"/>
+      </a:effectRef>
+      <a:fontRef idx="minor"/>
+    </dgm:style>
+  </dgm:styleLbl>
+  <dgm:styleLbl name="bgShp">
+    <dgm:scene3d>
+      <a:camera prst="orthographicFront">
+        <a:rot lat="0" lon="0" rev="0"/>
+      </a:camera>
+      <a:lightRig rig="contrasting" dir="t">
+        <a:rot lat="0" lon="0" rev="1200000"/>
+      </a:lightRig>
+    </dgm:scene3d>
+    <dgm:sp3d z="-300000" prstMaterial="plastic"/>
+    <dgm:txPr/>
+    <dgm:style>
+      <a:lnRef idx="1">
+        <a:scrgbClr r="0" g="0" b="0"/>
+      </a:lnRef>
+      <a:fillRef idx="1">
+        <a:scrgbClr r="0" g="0" b="0"/>
+      </a:fillRef>
+      <a:effectRef idx="0">
+        <a:scrgbClr r="0" g="0" b="0"/>
+      </a:effectRef>
+      <a:fontRef idx="minor"/>
+    </dgm:style>
+  </dgm:styleLbl>
+  <dgm:styleLbl name="dkBgShp">
+    <dgm:scene3d>
+      <a:camera prst="orthographicFront">
+        <a:rot lat="0" lon="0" rev="0"/>
+      </a:camera>
+      <a:lightRig rig="contrasting" dir="t">
+        <a:rot lat="0" lon="0" rev="1200000"/>
+      </a:lightRig>
+    </dgm:scene3d>
+    <dgm:sp3d contourW="12700" prstMaterial="flat">
+      <a:bevelT w="100800" h="154000"/>
+      <a:bevelB w="152400"/>
+    </dgm:sp3d>
+    <dgm:txPr/>
+    <dgm:style>
+      <a:lnRef idx="0">
+        <a:scrgbClr r="0" g="0" b="0"/>
+      </a:lnRef>
+      <a:fillRef idx="1">
+        <a:scrgbClr r="0" g="0" b="0"/>
+      </a:fillRef>
+      <a:effectRef idx="0">
+        <a:scrgbClr r="0" g="0" b="0"/>
+      </a:effectRef>
+      <a:fontRef idx="minor"/>
+    </dgm:style>
+  </dgm:styleLbl>
+  <dgm:styleLbl name="trBgShp">
+    <dgm:scene3d>
+      <a:camera prst="orthographicFront">
+        <a:rot lat="0" lon="0" rev="0"/>
+      </a:camera>
+      <a:lightRig rig="contrasting" dir="t">
+        <a:rot lat="0" lon="0" rev="1200000"/>
+      </a:lightRig>
+    </dgm:scene3d>
+    <dgm:sp3d z="-152400" prstMaterial="matte"/>
+    <dgm:txPr/>
+    <dgm:style>
+      <a:lnRef idx="1">
+        <a:scrgbClr r="0" g="0" b="0"/>
+      </a:lnRef>
+      <a:fillRef idx="1">
+        <a:scrgbClr r="0" g="0" b="0"/>
+      </a:fillRef>
+      <a:effectRef idx="0">
+        <a:scrgbClr r="0" g="0" b="0"/>
+      </a:effectRef>
+      <a:fontRef idx="minor"/>
+    </dgm:style>
+  </dgm:styleLbl>
+  <dgm:styleLbl name="fgShp">
+    <dgm:scene3d>
+      <a:camera prst="orthographicFront">
+        <a:rot lat="0" lon="0" rev="0"/>
+      </a:camera>
+      <a:lightRig rig="contrasting" dir="t">
+        <a:rot lat="0" lon="0" rev="1200000"/>
+      </a:lightRig>
+    </dgm:scene3d>
+    <dgm:sp3d z="300000" contourW="19050" prstMaterial="metal">
+      <a:bevelT w="88900" h="203200"/>
+      <a:bevelB w="165100" h="254000"/>
+    </dgm:sp3d>
+    <dgm:txPr/>
+    <dgm:style>
+      <a:lnRef idx="0">
+        <a:scrgbClr r="0" g="0" b="0"/>
+      </a:lnRef>
+      <a:fillRef idx="1">
+        <a:scrgbClr r="0" g="0" b="0"/>
+      </a:fillRef>
+      <a:effectRef idx="0">
+        <a:scrgbClr r="0" g="0" b="0"/>
+      </a:effectRef>
+      <a:fontRef idx="minor"/>
+    </dgm:style>
+  </dgm:styleLbl>
+  <dgm:styleLbl name="revTx">
+    <dgm:scene3d>
+      <a:camera prst="orthographicFront"/>
+      <a:lightRig rig="threePt" dir="t"/>
+    </dgm:scene3d>
+    <dgm:sp3d/>
+    <dgm:txPr/>
+    <dgm:style>
+      <a:lnRef idx="1">
+        <a:scrgbClr r="0" g="0" b="0"/>
+      </a:lnRef>
+      <a:fillRef idx="0">
+        <a:scrgbClr r="0" g="0" b="0"/>
+      </a:fillRef>
+      <a:effectRef idx="0">
+        <a:scrgbClr r="0" g="0" b="0"/>
+      </a:effectRef>
+      <a:fontRef idx="minor"/>
+    </dgm:style>
+  </dgm:styleLbl>
+</dgm:styleDef>
+</file>
+
 <file path=ppt/slideLayouts/slideLayout1.xml><?xml version="1.0" encoding="utf-8"?>
 <p:sldLayout xmlns:a="http://schemas.openxmlformats.org/drawingml/2006/main" xmlns:r="http://schemas.openxmlformats.org/officeDocument/2006/relationships" xmlns:p="http://schemas.openxmlformats.org/presentationml/2006/main" type="title" preserve="1">
   <p:cSld name="Diapositiva de título">
@@ -7157,7 +11643,7 @@
           <a:p>
             <a:fld id="{78ABE3C1-DBE1-495D-B57B-2849774B866A}" type="datetimeFigureOut">
               <a:rPr lang="en-US" dirty="0"/>
-              <a:t>9/13/2019</a:t>
+              <a:t>13-Sep-19</a:t>
             </a:fld>
             <a:endParaRPr lang="en-US" dirty="0"/>
           </a:p>
@@ -7204,7 +11690,7 @@
           <a:p>
             <a:fld id="{6D22F896-40B5-4ADD-8801-0D06FADFA095}" type="slidenum">
               <a:rPr lang="en-US" dirty="0"/>
-              <a:t>‹Nº›</a:t>
+              <a:t>‹#›</a:t>
             </a:fld>
             <a:endParaRPr lang="en-US" dirty="0"/>
           </a:p>
@@ -7566,7 +12052,7 @@
           <a:p>
             <a:fld id="{446C117F-5CCF-4837-BE5F-2B92066CAFAF}" type="datetimeFigureOut">
               <a:rPr lang="en-US" dirty="0"/>
-              <a:t>9/13/2019</a:t>
+              <a:t>13-Sep-19</a:t>
             </a:fld>
             <a:endParaRPr lang="en-US" dirty="0"/>
           </a:p>
@@ -7613,7 +12099,7 @@
           <a:p>
             <a:fld id="{6D22F896-40B5-4ADD-8801-0D06FADFA095}" type="slidenum">
               <a:rPr lang="en-US" dirty="0"/>
-              <a:t>‹Nº›</a:t>
+              <a:t>‹#›</a:t>
             </a:fld>
             <a:endParaRPr lang="en-US" dirty="0"/>
           </a:p>
@@ -7897,7 +12383,7 @@
           <a:p>
             <a:fld id="{84EB90BD-B6CE-46B7-997F-7313B992CCDC}" type="datetimeFigureOut">
               <a:rPr lang="en-US" dirty="0"/>
-              <a:t>9/13/2019</a:t>
+              <a:t>13-Sep-19</a:t>
             </a:fld>
             <a:endParaRPr lang="en-US" dirty="0"/>
           </a:p>
@@ -7944,7 +12430,7 @@
           <a:p>
             <a:fld id="{6D22F896-40B5-4ADD-8801-0D06FADFA095}" type="slidenum">
               <a:rPr lang="en-US" dirty="0"/>
-              <a:t>‹Nº›</a:t>
+              <a:t>‹#›</a:t>
             </a:fld>
             <a:endParaRPr lang="en-US" dirty="0"/>
           </a:p>
@@ -8297,7 +12783,7 @@
           <a:p>
             <a:fld id="{CDB9D11F-B188-461D-B23F-39381795C052}" type="datetimeFigureOut">
               <a:rPr lang="en-US" dirty="0"/>
-              <a:t>9/13/2019</a:t>
+              <a:t>13-Sep-19</a:t>
             </a:fld>
             <a:endParaRPr lang="en-US" dirty="0"/>
           </a:p>
@@ -8344,7 +12830,7 @@
           <a:p>
             <a:fld id="{6D22F896-40B5-4ADD-8801-0D06FADFA095}" type="slidenum">
               <a:rPr lang="en-US" dirty="0"/>
-              <a:t>‹Nº›</a:t>
+              <a:t>‹#›</a:t>
             </a:fld>
             <a:endParaRPr lang="en-US" dirty="0"/>
           </a:p>
@@ -8860,7 +13346,7 @@
           <a:p>
             <a:fld id="{52E6D8D9-55A2-4063-B0F3-121F44549695}" type="datetimeFigureOut">
               <a:rPr lang="en-US" dirty="0"/>
-              <a:t>9/13/2019</a:t>
+              <a:t>13-Sep-19</a:t>
             </a:fld>
             <a:endParaRPr lang="en-US" dirty="0"/>
           </a:p>
@@ -8907,7 +13393,7 @@
           <a:p>
             <a:fld id="{6D22F896-40B5-4ADD-8801-0D06FADFA095}" type="slidenum">
               <a:rPr lang="en-US" dirty="0"/>
-              <a:t>‹Nº›</a:t>
+              <a:t>‹#›</a:t>
             </a:fld>
             <a:endParaRPr lang="en-US" dirty="0"/>
           </a:p>
@@ -9536,7 +14022,7 @@
           <a:p>
             <a:fld id="{D4B24536-994D-4021-A283-9F449C0DB509}" type="datetimeFigureOut">
               <a:rPr lang="en-US" dirty="0"/>
-              <a:t>9/13/2019</a:t>
+              <a:t>13-Sep-19</a:t>
             </a:fld>
             <a:endParaRPr lang="en-US" dirty="0"/>
           </a:p>
@@ -9578,7 +14064,7 @@
           <a:p>
             <a:fld id="{6D22F896-40B5-4ADD-8801-0D06FADFA095}" type="slidenum">
               <a:rPr lang="en-US" dirty="0"/>
-              <a:t>‹Nº›</a:t>
+              <a:t>‹#›</a:t>
             </a:fld>
             <a:endParaRPr lang="en-US" dirty="0"/>
           </a:p>
@@ -10444,7 +14930,7 @@
           <a:p>
             <a:fld id="{3CBBBB78-C96F-47B7-AB17-D852CA960AC9}" type="datetimeFigureOut">
               <a:rPr lang="en-US" dirty="0"/>
-              <a:t>9/13/2019</a:t>
+              <a:t>13-Sep-19</a:t>
             </a:fld>
             <a:endParaRPr lang="en-US" dirty="0"/>
           </a:p>
@@ -10486,7 +14972,7 @@
           <a:p>
             <a:fld id="{6D22F896-40B5-4ADD-8801-0D06FADFA095}" type="slidenum">
               <a:rPr lang="en-US" dirty="0"/>
-              <a:t>‹Nº›</a:t>
+              <a:t>‹#›</a:t>
             </a:fld>
             <a:endParaRPr lang="en-US" dirty="0"/>
           </a:p>
@@ -10752,7 +15238,7 @@
           <a:p>
             <a:fld id="{1FA3F48C-C7C6-4055-9F49-3777875E72AE}" type="datetimeFigureOut">
               <a:rPr lang="en-US" dirty="0"/>
-              <a:t>9/13/2019</a:t>
+              <a:t>13-Sep-19</a:t>
             </a:fld>
             <a:endParaRPr lang="en-US" dirty="0"/>
           </a:p>
@@ -10794,7 +15280,7 @@
           <a:p>
             <a:fld id="{6D22F896-40B5-4ADD-8801-0D06FADFA095}" type="slidenum">
               <a:rPr lang="en-US" dirty="0"/>
-              <a:t>‹Nº›</a:t>
+              <a:t>‹#›</a:t>
             </a:fld>
             <a:endParaRPr lang="en-US" dirty="0"/>
           </a:p>
@@ -11011,7 +15497,7 @@
           <a:p>
             <a:fld id="{6178E61D-D431-422C-9764-11DAFE33AB63}" type="datetimeFigureOut">
               <a:rPr lang="en-US" dirty="0"/>
-              <a:t>9/13/2019</a:t>
+              <a:t>13-Sep-19</a:t>
             </a:fld>
             <a:endParaRPr lang="en-US" dirty="0"/>
           </a:p>
@@ -11068,7 +15554,7 @@
             <a:fld id="{6D22F896-40B5-4ADD-8801-0D06FADFA095}" type="slidenum">
               <a:rPr lang="en-US" dirty="0"/>
               <a:pPr/>
-              <a:t>‹Nº›</a:t>
+              <a:t>‹#›</a:t>
             </a:fld>
             <a:endParaRPr lang="en-US" dirty="0"/>
           </a:p>
@@ -11330,7 +15816,7 @@
           <a:p>
             <a:fld id="{12DE42F4-6EEF-4EF7-8ED4-2208F0F89A08}" type="datetimeFigureOut">
               <a:rPr lang="en-US" dirty="0"/>
-              <a:t>9/13/2019</a:t>
+              <a:t>13-Sep-19</a:t>
             </a:fld>
             <a:endParaRPr lang="en-US" dirty="0"/>
           </a:p>
@@ -11372,7 +15858,7 @@
           <a:p>
             <a:fld id="{6D22F896-40B5-4ADD-8801-0D06FADFA095}" type="slidenum">
               <a:rPr lang="en-US" dirty="0"/>
-              <a:t>‹Nº›</a:t>
+              <a:t>‹#›</a:t>
             </a:fld>
             <a:endParaRPr lang="en-US" dirty="0"/>
           </a:p>
@@ -11714,7 +16200,7 @@
           <a:p>
             <a:fld id="{30578ACC-22D6-47C1-A373-4FD133E34F3C}" type="datetimeFigureOut">
               <a:rPr lang="en-US" dirty="0"/>
-              <a:t>9/13/2019</a:t>
+              <a:t>13-Sep-19</a:t>
             </a:fld>
             <a:endParaRPr lang="en-US" dirty="0"/>
           </a:p>
@@ -11761,7 +16247,7 @@
           <a:p>
             <a:fld id="{6D22F896-40B5-4ADD-8801-0D06FADFA095}" type="slidenum">
               <a:rPr lang="en-US" dirty="0"/>
-              <a:t>‹Nº›</a:t>
+              <a:t>‹#›</a:t>
             </a:fld>
             <a:endParaRPr lang="en-US" dirty="0"/>
           </a:p>
@@ -12085,7 +16571,7 @@
           <a:p>
             <a:fld id="{4E5A6C69-6797-4E8A-BF37-F2C3751466E9}" type="datetimeFigureOut">
               <a:rPr lang="en-US" dirty="0"/>
-              <a:t>9/13/2019</a:t>
+              <a:t>13-Sep-19</a:t>
             </a:fld>
             <a:endParaRPr lang="en-US" dirty="0"/>
           </a:p>
@@ -12127,7 +16613,7 @@
           <a:p>
             <a:fld id="{6D22F896-40B5-4ADD-8801-0D06FADFA095}" type="slidenum">
               <a:rPr lang="en-US" dirty="0"/>
-              <a:t>‹Nº›</a:t>
+              <a:t>‹#›</a:t>
             </a:fld>
             <a:endParaRPr lang="en-US" dirty="0"/>
           </a:p>
@@ -12586,7 +17072,7 @@
           <a:p>
             <a:fld id="{D82014A1-A632-4878-A0D3-F52BA7563730}" type="datetimeFigureOut">
               <a:rPr lang="en-US" dirty="0"/>
-              <a:t>9/13/2019</a:t>
+              <a:t>13-Sep-19</a:t>
             </a:fld>
             <a:endParaRPr lang="en-US" dirty="0"/>
           </a:p>
@@ -12628,7 +17114,7 @@
           <a:p>
             <a:fld id="{6D22F896-40B5-4ADD-8801-0D06FADFA095}" type="slidenum">
               <a:rPr lang="en-US" dirty="0"/>
-              <a:t>‹Nº›</a:t>
+              <a:t>‹#›</a:t>
             </a:fld>
             <a:endParaRPr lang="en-US" dirty="0"/>
           </a:p>
@@ -12838,7 +17324,7 @@
           <a:p>
             <a:fld id="{CE99F462-093F-4566-844B-4C71F2739DA5}" type="datetimeFigureOut">
               <a:rPr lang="en-US" dirty="0"/>
-              <a:t>9/13/2019</a:t>
+              <a:t>13-Sep-19</a:t>
             </a:fld>
             <a:endParaRPr lang="en-US" dirty="0"/>
           </a:p>
@@ -12880,7 +17366,7 @@
           <a:p>
             <a:fld id="{6D22F896-40B5-4ADD-8801-0D06FADFA095}" type="slidenum">
               <a:rPr lang="en-US" dirty="0"/>
-              <a:t>‹Nº›</a:t>
+              <a:t>‹#›</a:t>
             </a:fld>
             <a:endParaRPr lang="en-US" dirty="0"/>
           </a:p>
@@ -12996,7 +17482,7 @@
           <a:p>
             <a:fld id="{3D24A7AC-904D-4781-85BA-7D10C17ED021}" type="datetimeFigureOut">
               <a:rPr lang="en-US" dirty="0"/>
-              <a:t>9/13/2019</a:t>
+              <a:t>13-Sep-19</a:t>
             </a:fld>
             <a:endParaRPr lang="en-US" dirty="0"/>
           </a:p>
@@ -13038,7 +17524,7 @@
           <a:p>
             <a:fld id="{6D22F896-40B5-4ADD-8801-0D06FADFA095}" type="slidenum">
               <a:rPr lang="en-US" dirty="0"/>
-              <a:t>‹Nº›</a:t>
+              <a:t>‹#›</a:t>
             </a:fld>
             <a:endParaRPr lang="en-US" dirty="0"/>
           </a:p>
@@ -13381,7 +17867,7 @@
           <a:p>
             <a:fld id="{E331444B-B92B-4E27-8C94-BB93EAF5CB18}" type="datetimeFigureOut">
               <a:rPr lang="en-US" dirty="0"/>
-              <a:t>9/13/2019</a:t>
+              <a:t>13-Sep-19</a:t>
             </a:fld>
             <a:endParaRPr lang="en-US" dirty="0"/>
           </a:p>
@@ -13423,7 +17909,7 @@
           <a:p>
             <a:fld id="{6D22F896-40B5-4ADD-8801-0D06FADFA095}" type="slidenum">
               <a:rPr lang="en-US" dirty="0"/>
-              <a:t>‹Nº›</a:t>
+              <a:t>‹#›</a:t>
             </a:fld>
             <a:endParaRPr lang="en-US" dirty="0"/>
           </a:p>
@@ -13785,7 +18271,7 @@
           <a:p>
             <a:fld id="{363EFA5E-FA76-400D-B3DC-F0BA90E6D107}" type="datetimeFigureOut">
               <a:rPr lang="en-US" dirty="0"/>
-              <a:t>9/13/2019</a:t>
+              <a:t>13-Sep-19</a:t>
             </a:fld>
             <a:endParaRPr lang="en-US" dirty="0"/>
           </a:p>
@@ -13827,7 +18313,7 @@
           <a:p>
             <a:fld id="{6D22F896-40B5-4ADD-8801-0D06FADFA095}" type="slidenum">
               <a:rPr lang="en-US" dirty="0"/>
-              <a:t>‹Nº›</a:t>
+              <a:t>‹#›</a:t>
             </a:fld>
             <a:endParaRPr lang="en-US" dirty="0"/>
           </a:p>
@@ -14024,7 +18510,7 @@
           <a:p>
             <a:fld id="{9D6E9DEC-419B-4CC5-A080-3B06BD5A8291}" type="datetimeFigureOut">
               <a:rPr lang="en-US" dirty="0"/>
-              <a:t>9/13/2019</a:t>
+              <a:t>13-Sep-19</a:t>
             </a:fld>
             <a:endParaRPr lang="en-US" dirty="0"/>
           </a:p>
@@ -14103,7 +18589,7 @@
             <a:fld id="{6D22F896-40B5-4ADD-8801-0D06FADFA095}" type="slidenum">
               <a:rPr lang="en-US" dirty="0"/>
               <a:pPr/>
-              <a:t>‹Nº›</a:t>
+              <a:t>‹#›</a:t>
             </a:fld>
             <a:endParaRPr lang="en-US" dirty="0"/>
           </a:p>
@@ -14504,38 +18990,32 @@
             <a:pPr algn="l"/>
             <a:r>
               <a:rPr lang="es-AR" dirty="0"/>
-              <a:t> Fernández Lucero </a:t>
-            </a:r>
-            <a:r>
-              <a:rPr lang="es-AR" dirty="0" smtClean="0"/>
-              <a:t>- 57485 </a:t>
-            </a:r>
-            <a:endParaRPr lang="es-AR" dirty="0"/>
+              <a:t>Fernandez, Lucero - 57485 </a:t>
+            </a:r>
           </a:p>
           <a:p>
             <a:pPr algn="l"/>
             <a:r>
+              <a:rPr lang="es-AR" dirty="0" err="1"/>
+              <a:t>Mollón</a:t>
+            </a:r>
+            <a:r>
               <a:rPr lang="es-AR" dirty="0"/>
-              <a:t>Mollón Manuel - 58023</a:t>
+              <a:t>, Manuel - 58023</a:t>
             </a:r>
           </a:p>
           <a:p>
             <a:pPr algn="l"/>
             <a:r>
               <a:rPr lang="es-AR" dirty="0"/>
-              <a:t>Vijande Ezequiel - </a:t>
-            </a:r>
-            <a:r>
-              <a:rPr lang="es-AR" dirty="0" smtClean="0"/>
-              <a:t>58057</a:t>
-            </a:r>
-            <a:endParaRPr lang="es-AR" dirty="0"/>
+              <a:t>Vijande, Ezequiel - 58057</a:t>
+            </a:r>
           </a:p>
           <a:p>
             <a:pPr algn="l"/>
             <a:r>
               <a:rPr lang="es-AR" dirty="0"/>
-              <a:t>Larroque Matías - 56597</a:t>
+              <a:t>Larroque, Matías - 56597</a:t>
             </a:r>
           </a:p>
         </p:txBody>
@@ -14550,17 +19030,392 @@
   <p:clrMapOvr>
     <a:masterClrMapping/>
   </p:clrMapOvr>
-  <p:timing>
-    <p:tnLst>
-      <p:par>
-        <p:cTn id="1" dur="indefinite" restart="never" nodeType="tmRoot"/>
-      </p:par>
-    </p:tnLst>
-  </p:timing>
 </p:sld>
 </file>
 
 <file path=ppt/slides/slide10.xml><?xml version="1.0" encoding="utf-8"?>
+<p:sld xmlns:a="http://schemas.openxmlformats.org/drawingml/2006/main" xmlns:r="http://schemas.openxmlformats.org/officeDocument/2006/relationships" xmlns:p="http://schemas.openxmlformats.org/presentationml/2006/main">
+  <p:cSld>
+    <p:bg>
+      <p:bgPr>
+        <a:gradFill rotWithShape="1">
+          <a:gsLst>
+            <a:gs pos="0">
+              <a:schemeClr val="bg2">
+                <a:tint val="96000"/>
+                <a:shade val="100000"/>
+                <a:hueMod val="270000"/>
+                <a:satMod val="200000"/>
+                <a:lumMod val="128000"/>
+              </a:schemeClr>
+            </a:gs>
+            <a:gs pos="50000">
+              <a:schemeClr val="bg2">
+                <a:shade val="100000"/>
+                <a:hueMod val="100000"/>
+                <a:satMod val="110000"/>
+                <a:lumMod val="130000"/>
+              </a:schemeClr>
+            </a:gs>
+            <a:gs pos="100000">
+              <a:schemeClr val="bg2">
+                <a:shade val="78000"/>
+                <a:hueMod val="44000"/>
+                <a:satMod val="200000"/>
+                <a:lumMod val="69000"/>
+              </a:schemeClr>
+            </a:gs>
+          </a:gsLst>
+          <a:lin ang="2520000" scaled="0"/>
+        </a:gradFill>
+        <a:effectLst/>
+      </p:bgPr>
+    </p:bg>
+    <p:spTree>
+      <p:nvGrpSpPr>
+        <p:cNvPr id="1" name=""/>
+        <p:cNvGrpSpPr/>
+        <p:nvPr/>
+      </p:nvGrpSpPr>
+      <p:grpSpPr>
+        <a:xfrm>
+          <a:off x="0" y="0"/>
+          <a:ext cx="0" cy="0"/>
+          <a:chOff x="0" y="0"/>
+          <a:chExt cx="0" cy="0"/>
+        </a:xfrm>
+      </p:grpSpPr>
+      <p:sp useBgFill="1">
+        <p:nvSpPr>
+          <p:cNvPr id="23" name="Rectangle 22">
+            <a:extLst>
+              <a:ext uri="{FF2B5EF4-FFF2-40B4-BE49-F238E27FC236}">
+                <a16:creationId xmlns:a16="http://schemas.microsoft.com/office/drawing/2014/main" id="{C610D2AE-07EF-436A-9755-AA8DF4B933A4}"/>
+              </a:ext>
+              <a:ext uri="{C183D7F6-B498-43B3-948B-1728B52AA6E4}">
+                <adec:decorative xmlns:adec="http://schemas.microsoft.com/office/drawing/2017/decorative" val="1"/>
+              </a:ext>
+            </a:extLst>
+          </p:cNvPr>
+          <p:cNvSpPr>
+            <a:spLocks noGrp="1" noRot="1" noChangeAspect="1" noMove="1" noResize="1" noEditPoints="1" noAdjustHandles="1" noChangeArrowheads="1" noChangeShapeType="1" noTextEdit="1"/>
+          </p:cNvSpPr>
+          <p:nvPr>
+            <p:extLst>
+              <p:ext uri="{386F3935-93C4-4BCD-93E2-E3B085C9AB24}">
+                <p16:designElem xmlns:p16="http://schemas.microsoft.com/office/powerpoint/2015/main" val="1"/>
+              </p:ext>
+            </p:extLst>
+          </p:nvPr>
+        </p:nvSpPr>
+        <p:spPr>
+          <a:xfrm>
+            <a:off x="0" y="-1"/>
+            <a:ext cx="12188824" cy="6858001"/>
+          </a:xfrm>
+          <a:prstGeom prst="rect">
+            <a:avLst/>
+          </a:prstGeom>
+          <a:ln>
+            <a:noFill/>
+          </a:ln>
+        </p:spPr>
+        <p:style>
+          <a:lnRef idx="2">
+            <a:schemeClr val="accent1">
+              <a:shade val="50000"/>
+            </a:schemeClr>
+          </a:lnRef>
+          <a:fillRef idx="1">
+            <a:schemeClr val="accent1"/>
+          </a:fillRef>
+          <a:effectRef idx="0">
+            <a:schemeClr val="accent1"/>
+          </a:effectRef>
+          <a:fontRef idx="minor">
+            <a:schemeClr val="lt1"/>
+          </a:fontRef>
+        </p:style>
+        <p:txBody>
+          <a:bodyPr rtlCol="0" anchor="ctr"/>
+          <a:lstStyle/>
+          <a:p>
+            <a:pPr algn="ctr"/>
+            <a:endParaRPr lang="en-US"/>
+          </a:p>
+        </p:txBody>
+      </p:sp>
+      <p:pic>
+        <p:nvPicPr>
+          <p:cNvPr id="25" name="Picture 24">
+            <a:extLst>
+              <a:ext uri="{FF2B5EF4-FFF2-40B4-BE49-F238E27FC236}">
+                <a16:creationId xmlns:a16="http://schemas.microsoft.com/office/drawing/2014/main" id="{6CACDD17-9043-46DF-882D-420365B79C18}"/>
+              </a:ext>
+              <a:ext uri="{C183D7F6-B498-43B3-948B-1728B52AA6E4}">
+                <adec:decorative xmlns:adec="http://schemas.microsoft.com/office/drawing/2017/decorative" val="1"/>
+              </a:ext>
+            </a:extLst>
+          </p:cNvPr>
+          <p:cNvPicPr>
+            <a:picLocks noGrp="1" noRot="1" noChangeAspect="1" noMove="1" noResize="1" noEditPoints="1" noAdjustHandles="1" noChangeArrowheads="1" noChangeShapeType="1" noCrop="1"/>
+          </p:cNvPicPr>
+          <p:nvPr>
+            <p:extLst>
+              <p:ext uri="{386F3935-93C4-4BCD-93E2-E3B085C9AB24}">
+                <p16:designElem xmlns:p16="http://schemas.microsoft.com/office/powerpoint/2015/main" val="1"/>
+              </p:ext>
+            </p:extLst>
+          </p:nvPr>
+        </p:nvPicPr>
+        <p:blipFill>
+          <a:blip r:embed="rId2">
+            <a:alphaModFix amt="10000"/>
+            <a:extLst>
+              <a:ext uri="{28A0092B-C50C-407E-A947-70E740481C1C}">
+                <a14:useLocalDpi xmlns:a14="http://schemas.microsoft.com/office/drawing/2010/main" val="0"/>
+              </a:ext>
+            </a:extLst>
+          </a:blip>
+          <a:stretch>
+            <a:fillRect/>
+          </a:stretch>
+        </p:blipFill>
+        <p:spPr>
+          <a:xfrm>
+            <a:off x="0" y="0"/>
+            <a:ext cx="12192000" cy="6858000"/>
+          </a:xfrm>
+          <a:prstGeom prst="rect">
+            <a:avLst/>
+          </a:prstGeom>
+        </p:spPr>
+      </p:pic>
+      <p:sp>
+        <p:nvSpPr>
+          <p:cNvPr id="27" name="Rectangle 26">
+            <a:extLst>
+              <a:ext uri="{FF2B5EF4-FFF2-40B4-BE49-F238E27FC236}">
+                <a16:creationId xmlns:a16="http://schemas.microsoft.com/office/drawing/2014/main" id="{CF2D8AD5-434A-4C0E-9F5B-C1AFD645F364}"/>
+              </a:ext>
+              <a:ext uri="{C183D7F6-B498-43B3-948B-1728B52AA6E4}">
+                <adec:decorative xmlns:adec="http://schemas.microsoft.com/office/drawing/2017/decorative" val="1"/>
+              </a:ext>
+            </a:extLst>
+          </p:cNvPr>
+          <p:cNvSpPr>
+            <a:spLocks noGrp="1" noRot="1" noChangeAspect="1" noMove="1" noResize="1" noEditPoints="1" noAdjustHandles="1" noChangeArrowheads="1" noChangeShapeType="1" noTextEdit="1"/>
+          </p:cNvSpPr>
+          <p:nvPr>
+            <p:extLst>
+              <p:ext uri="{386F3935-93C4-4BCD-93E2-E3B085C9AB24}">
+                <p16:designElem xmlns:p16="http://schemas.microsoft.com/office/powerpoint/2015/main" val="1"/>
+              </p:ext>
+            </p:extLst>
+          </p:nvPr>
+        </p:nvSpPr>
+        <p:spPr bwMode="grayWhite">
+          <a:xfrm>
+            <a:off x="2" y="609600"/>
+            <a:ext cx="4959094" cy="1368198"/>
+          </a:xfrm>
+          <a:prstGeom prst="rect">
+            <a:avLst/>
+          </a:prstGeom>
+          <a:solidFill>
+            <a:schemeClr val="bg1">
+              <a:lumMod val="85000"/>
+              <a:lumOff val="15000"/>
+            </a:schemeClr>
+          </a:solidFill>
+          <a:ln>
+            <a:noFill/>
+          </a:ln>
+        </p:spPr>
+        <p:style>
+          <a:lnRef idx="2">
+            <a:schemeClr val="accent1">
+              <a:shade val="50000"/>
+            </a:schemeClr>
+          </a:lnRef>
+          <a:fillRef idx="1">
+            <a:schemeClr val="accent1"/>
+          </a:fillRef>
+          <a:effectRef idx="0">
+            <a:schemeClr val="accent1"/>
+          </a:effectRef>
+          <a:fontRef idx="minor">
+            <a:schemeClr val="lt1"/>
+          </a:fontRef>
+        </p:style>
+      </p:sp>
+      <p:sp>
+        <p:nvSpPr>
+          <p:cNvPr id="2" name="Title 1">
+            <a:extLst>
+              <a:ext uri="{FF2B5EF4-FFF2-40B4-BE49-F238E27FC236}">
+                <a16:creationId xmlns:a16="http://schemas.microsoft.com/office/drawing/2014/main" id="{FA6B38A1-DA29-44B3-B24F-123D07A56309}"/>
+              </a:ext>
+            </a:extLst>
+          </p:cNvPr>
+          <p:cNvSpPr>
+            <a:spLocks noGrp="1"/>
+          </p:cNvSpPr>
+          <p:nvPr>
+            <p:ph type="title"/>
+          </p:nvPr>
+        </p:nvSpPr>
+        <p:spPr>
+          <a:xfrm>
+            <a:off x="680321" y="753228"/>
+            <a:ext cx="4136123" cy="1080938"/>
+          </a:xfrm>
+        </p:spPr>
+        <p:txBody>
+          <a:bodyPr>
+            <a:normAutofit/>
+          </a:bodyPr>
+          <a:lstStyle/>
+          <a:p>
+            <a:r>
+              <a:rPr lang="es-AR" sz="2400"/>
+              <a:t>Eventos de Encoder</a:t>
+            </a:r>
+            <a:endParaRPr lang="en-US" sz="2400"/>
+          </a:p>
+        </p:txBody>
+      </p:sp>
+      <p:pic>
+        <p:nvPicPr>
+          <p:cNvPr id="29" name="Picture 28">
+            <a:extLst>
+              <a:ext uri="{FF2B5EF4-FFF2-40B4-BE49-F238E27FC236}">
+                <a16:creationId xmlns:a16="http://schemas.microsoft.com/office/drawing/2014/main" id="{E92B246D-47CC-40F8-8DE7-B65D409E945E}"/>
+              </a:ext>
+              <a:ext uri="{C183D7F6-B498-43B3-948B-1728B52AA6E4}">
+                <adec:decorative xmlns:adec="http://schemas.microsoft.com/office/drawing/2017/decorative" val="1"/>
+              </a:ext>
+            </a:extLst>
+          </p:cNvPr>
+          <p:cNvPicPr>
+            <a:picLocks noGrp="1" noRot="1" noChangeAspect="1" noMove="1" noResize="1" noEditPoints="1" noAdjustHandles="1" noChangeArrowheads="1" noChangeShapeType="1" noCrop="1"/>
+          </p:cNvPicPr>
+          <p:nvPr>
+            <p:extLst>
+              <p:ext uri="{386F3935-93C4-4BCD-93E2-E3B085C9AB24}">
+                <p16:designElem xmlns:p16="http://schemas.microsoft.com/office/powerpoint/2015/main" val="1"/>
+              </p:ext>
+            </p:extLst>
+          </p:nvPr>
+        </p:nvPicPr>
+        <p:blipFill>
+          <a:blip r:embed="rId3">
+            <a:extLst>
+              <a:ext uri="{28A0092B-C50C-407E-A947-70E740481C1C}">
+                <a14:useLocalDpi xmlns:a14="http://schemas.microsoft.com/office/drawing/2010/main" val="0"/>
+              </a:ext>
+            </a:extLst>
+          </a:blip>
+          <a:stretch>
+            <a:fillRect/>
+          </a:stretch>
+        </p:blipFill>
+        <p:spPr>
+          <a:xfrm>
+            <a:off x="2" y="1970241"/>
+            <a:ext cx="4956048" cy="199787"/>
+          </a:xfrm>
+          <a:prstGeom prst="rect">
+            <a:avLst/>
+          </a:prstGeom>
+        </p:spPr>
+      </p:pic>
+      <p:sp>
+        <p:nvSpPr>
+          <p:cNvPr id="9" name="Content Placeholder 8">
+            <a:extLst>
+              <a:ext uri="{FF2B5EF4-FFF2-40B4-BE49-F238E27FC236}">
+                <a16:creationId xmlns:a16="http://schemas.microsoft.com/office/drawing/2014/main" id="{7964440D-53A5-4932-800B-C1967C5D1262}"/>
+              </a:ext>
+            </a:extLst>
+          </p:cNvPr>
+          <p:cNvSpPr>
+            <a:spLocks noGrp="1"/>
+          </p:cNvSpPr>
+          <p:nvPr>
+            <p:ph idx="1"/>
+          </p:nvPr>
+        </p:nvSpPr>
+        <p:spPr>
+          <a:xfrm>
+            <a:off x="680321" y="2336873"/>
+            <a:ext cx="4136123" cy="3599316"/>
+          </a:xfrm>
+        </p:spPr>
+        <p:txBody>
+          <a:bodyPr>
+            <a:normAutofit/>
+          </a:bodyPr>
+          <a:lstStyle/>
+          <a:p>
+            <a:endParaRPr lang="en-US" sz="1800" dirty="0"/>
+          </a:p>
+        </p:txBody>
+      </p:sp>
+      <p:pic>
+        <p:nvPicPr>
+          <p:cNvPr id="5" name="Content Placeholder 4" descr="A screenshot of a social media post&#10;&#10;Description automatically generated">
+            <a:extLst>
+              <a:ext uri="{FF2B5EF4-FFF2-40B4-BE49-F238E27FC236}">
+                <a16:creationId xmlns:a16="http://schemas.microsoft.com/office/drawing/2014/main" id="{E7E1776D-1CFB-4F7E-8031-9E1450DFE375}"/>
+              </a:ext>
+            </a:extLst>
+          </p:cNvPr>
+          <p:cNvPicPr>
+            <a:picLocks noChangeAspect="1"/>
+          </p:cNvPicPr>
+          <p:nvPr/>
+        </p:nvPicPr>
+        <p:blipFill>
+          <a:blip r:embed="rId4"/>
+          <a:stretch>
+            <a:fillRect/>
+          </a:stretch>
+        </p:blipFill>
+        <p:spPr>
+          <a:xfrm>
+            <a:off x="4982318" y="1639159"/>
+            <a:ext cx="6596906" cy="3749587"/>
+          </a:xfrm>
+          <a:prstGeom prst="rect">
+            <a:avLst/>
+          </a:prstGeom>
+          <a:ln>
+            <a:noFill/>
+          </a:ln>
+          <a:effectLst>
+            <a:outerShdw blurRad="76200" dist="63500" dir="5040000" algn="tl" rotWithShape="0">
+              <a:srgbClr val="000000">
+                <a:alpha val="41000"/>
+              </a:srgbClr>
+            </a:outerShdw>
+          </a:effectLst>
+        </p:spPr>
+      </p:pic>
+    </p:spTree>
+    <p:extLst>
+      <p:ext uri="{BB962C8B-B14F-4D97-AF65-F5344CB8AC3E}">
+        <p14:creationId xmlns:p14="http://schemas.microsoft.com/office/powerpoint/2010/main" val="2018990092"/>
+      </p:ext>
+    </p:extLst>
+  </p:cSld>
+  <p:clrMapOvr>
+    <a:masterClrMapping/>
+  </p:clrMapOvr>
+</p:sld>
+</file>
+
+<file path=ppt/slides/slide11.xml><?xml version="1.0" encoding="utf-8"?>
 <p:sld xmlns:a="http://schemas.openxmlformats.org/drawingml/2006/main" xmlns:r="http://schemas.openxmlformats.org/officeDocument/2006/relationships" xmlns:p="http://schemas.openxmlformats.org/presentationml/2006/main">
   <p:cSld>
     <p:spTree>
@@ -14674,17 +19529,10 @@
   <p:clrMapOvr>
     <a:masterClrMapping/>
   </p:clrMapOvr>
-  <p:timing>
-    <p:tnLst>
-      <p:par>
-        <p:cTn id="1" dur="indefinite" restart="never" nodeType="tmRoot"/>
-      </p:par>
-    </p:tnLst>
-  </p:timing>
 </p:sld>
 </file>
 
-<file path=ppt/slides/slide11.xml><?xml version="1.0" encoding="utf-8"?>
+<file path=ppt/slides/slide12.xml><?xml version="1.0" encoding="utf-8"?>
 <p:sld xmlns:a="http://schemas.openxmlformats.org/drawingml/2006/main" xmlns:r="http://schemas.openxmlformats.org/officeDocument/2006/relationships" xmlns:p="http://schemas.openxmlformats.org/presentationml/2006/main">
   <p:cSld>
     <p:spTree>
@@ -14819,17 +19667,10 @@
   <p:clrMapOvr>
     <a:masterClrMapping/>
   </p:clrMapOvr>
-  <p:timing>
-    <p:tnLst>
-      <p:par>
-        <p:cTn id="1" dur="indefinite" restart="never" nodeType="tmRoot"/>
-      </p:par>
-    </p:tnLst>
-  </p:timing>
 </p:sld>
 </file>
 
-<file path=ppt/slides/slide12.xml><?xml version="1.0" encoding="utf-8"?>
+<file path=ppt/slides/slide13.xml><?xml version="1.0" encoding="utf-8"?>
 <p:sld xmlns:a="http://schemas.openxmlformats.org/drawingml/2006/main" xmlns:r="http://schemas.openxmlformats.org/officeDocument/2006/relationships" xmlns:p="http://schemas.openxmlformats.org/presentationml/2006/main">
   <p:cSld>
     <p:spTree>
@@ -14952,17 +19793,10 @@
   <p:clrMapOvr>
     <a:masterClrMapping/>
   </p:clrMapOvr>
-  <p:timing>
-    <p:tnLst>
-      <p:par>
-        <p:cTn id="1" dur="indefinite" restart="never" nodeType="tmRoot"/>
-      </p:par>
-    </p:tnLst>
-  </p:timing>
 </p:sld>
 </file>
 
-<file path=ppt/slides/slide13.xml><?xml version="1.0" encoding="utf-8"?>
+<file path=ppt/slides/slide14.xml><?xml version="1.0" encoding="utf-8"?>
 <p:sld xmlns:a="http://schemas.openxmlformats.org/drawingml/2006/main" xmlns:r="http://schemas.openxmlformats.org/officeDocument/2006/relationships" xmlns:p="http://schemas.openxmlformats.org/presentationml/2006/main">
   <p:cSld>
     <p:spTree>
@@ -15082,17 +19916,10 @@
   <p:clrMapOvr>
     <a:masterClrMapping/>
   </p:clrMapOvr>
-  <p:timing>
-    <p:tnLst>
-      <p:par>
-        <p:cTn id="1" dur="indefinite" restart="never" nodeType="tmRoot"/>
-      </p:par>
-    </p:tnLst>
-  </p:timing>
 </p:sld>
 </file>
 
-<file path=ppt/slides/slide14.xml><?xml version="1.0" encoding="utf-8"?>
+<file path=ppt/slides/slide15.xml><?xml version="1.0" encoding="utf-8"?>
 <p:sld xmlns:a="http://schemas.openxmlformats.org/drawingml/2006/main" xmlns:r="http://schemas.openxmlformats.org/officeDocument/2006/relationships" xmlns:p="http://schemas.openxmlformats.org/presentationml/2006/main">
   <p:cSld>
     <p:spTree>
@@ -15172,8 +19999,12 @@
           </a:p>
           <a:p>
             <a:r>
+              <a:rPr lang="es-AR" sz="2400" dirty="0" err="1"/>
+              <a:t>openDoor</a:t>
+            </a:r>
+            <a:r>
               <a:rPr lang="es-AR" sz="2400" dirty="0"/>
-              <a:t>openDoor : prende led</a:t>
+              <a:t>() : prende led.</a:t>
             </a:r>
           </a:p>
           <a:p>
@@ -15181,8 +20012,12 @@
           </a:p>
           <a:p>
             <a:r>
+              <a:rPr lang="es-AR" sz="2400" dirty="0" err="1"/>
+              <a:t>closeDoor</a:t>
+            </a:r>
+            <a:r>
               <a:rPr lang="es-AR" sz="2400" dirty="0"/>
-              <a:t>closeDoor: apaga led</a:t>
+              <a:t>() : apaga led.</a:t>
             </a:r>
           </a:p>
           <a:p>
@@ -15190,8 +20025,12 @@
           </a:p>
           <a:p>
             <a:r>
+              <a:rPr lang="es-AR" sz="2400" dirty="0" err="1"/>
+              <a:t>openDoorTemporally</a:t>
+            </a:r>
+            <a:r>
               <a:rPr lang="es-AR" sz="2400" dirty="0"/>
-              <a:t>openDoorTemporally: prende led, y lo apaga luego de un tiempo predeterminado</a:t>
+              <a:t>() : prende led, y lo apaga luego de un tiempo configurable.</a:t>
             </a:r>
           </a:p>
         </p:txBody>
@@ -15206,17 +20045,10 @@
   <p:clrMapOvr>
     <a:masterClrMapping/>
   </p:clrMapOvr>
-  <p:timing>
-    <p:tnLst>
-      <p:par>
-        <p:cTn id="1" dur="indefinite" restart="never" nodeType="tmRoot"/>
-      </p:par>
-    </p:tnLst>
-  </p:timing>
 </p:sld>
 </file>
 
-<file path=ppt/slides/slide15.xml><?xml version="1.0" encoding="utf-8"?>
+<file path=ppt/slides/slide16.xml><?xml version="1.0" encoding="utf-8"?>
 <p:sld xmlns:a="http://schemas.openxmlformats.org/drawingml/2006/main" xmlns:r="http://schemas.openxmlformats.org/officeDocument/2006/relationships" xmlns:p="http://schemas.openxmlformats.org/presentationml/2006/main">
   <p:cSld>
     <p:spTree>
@@ -15271,13 +20103,6 @@
   <p:clrMapOvr>
     <a:masterClrMapping/>
   </p:clrMapOvr>
-  <p:timing>
-    <p:tnLst>
-      <p:par>
-        <p:cTn id="1" dur="indefinite" restart="never" nodeType="tmRoot"/>
-      </p:par>
-    </p:tnLst>
-  </p:timing>
 </p:sld>
 </file>
 
@@ -15311,14 +20136,14 @@
           <p:nvPr>
             <p:extLst>
               <p:ext uri="{D42A27DB-BD31-4B8C-83A1-F6EECF244321}">
-                <p14:modId xmlns:p14="http://schemas.microsoft.com/office/powerpoint/2010/main" val="3111018457"/>
+                <p14:modId xmlns:p14="http://schemas.microsoft.com/office/powerpoint/2010/main" val="2629440265"/>
               </p:ext>
             </p:extLst>
           </p:nvPr>
         </p:nvGraphicFramePr>
         <p:xfrm>
-          <a:off x="649358" y="1"/>
-          <a:ext cx="11343860" cy="6374296"/>
+          <a:off x="168676" y="1"/>
+          <a:ext cx="11824542" cy="6755906"/>
         </p:xfrm>
         <a:graphic>
           <a:graphicData uri="http://schemas.openxmlformats.org/drawingml/2006/diagram">
@@ -15336,13 +20161,6 @@
   <p:clrMapOvr>
     <a:masterClrMapping/>
   </p:clrMapOvr>
-  <p:timing>
-    <p:tnLst>
-      <p:par>
-        <p:cTn id="1" dur="indefinite" restart="never" nodeType="tmRoot"/>
-      </p:par>
-    </p:tnLst>
-  </p:timing>
 </p:sld>
 </file>
 
@@ -15401,13 +20219,6 @@
   <p:clrMapOvr>
     <a:masterClrMapping/>
   </p:clrMapOvr>
-  <p:timing>
-    <p:tnLst>
-      <p:par>
-        <p:cTn id="1" dur="indefinite" restart="never" nodeType="tmRoot"/>
-      </p:par>
-    </p:tnLst>
-  </p:timing>
 </p:sld>
 </file>
 
@@ -15466,13 +20277,6 @@
   <p:clrMapOvr>
     <a:masterClrMapping/>
   </p:clrMapOvr>
-  <p:timing>
-    <p:tnLst>
-      <p:par>
-        <p:cTn id="1" dur="indefinite" restart="never" nodeType="tmRoot"/>
-      </p:par>
-    </p:tnLst>
-  </p:timing>
 </p:sld>
 </file>
 
@@ -15544,31 +20348,31 @@
           <a:lstStyle/>
           <a:p>
             <a:r>
-              <a:rPr lang="en-CA" dirty="0" smtClean="0"/>
+              <a:rPr lang="en-CA" dirty="0"/>
               <a:t>Para la </a:t>
             </a:r>
             <a:r>
-              <a:rPr lang="en-CA" dirty="0" err="1" smtClean="0"/>
-              <a:t>realizacion</a:t>
-            </a:r>
-            <a:r>
-              <a:rPr lang="en-CA" dirty="0" smtClean="0"/>
+              <a:rPr lang="en-CA" dirty="0" err="1"/>
+              <a:t>realización</a:t>
+            </a:r>
+            <a:r>
+              <a:rPr lang="en-CA" dirty="0"/>
               <a:t> del display se </a:t>
             </a:r>
             <a:r>
-              <a:rPr lang="en-CA" dirty="0" err="1" smtClean="0"/>
+              <a:rPr lang="en-CA" dirty="0" err="1"/>
               <a:t>utilizaron</a:t>
             </a:r>
             <a:r>
-              <a:rPr lang="en-CA" dirty="0" smtClean="0"/>
+              <a:rPr lang="en-CA" dirty="0"/>
               <a:t> 3 </a:t>
             </a:r>
             <a:r>
-              <a:rPr lang="en-CA" dirty="0" err="1" smtClean="0"/>
-              <a:t>modulos</a:t>
-            </a:r>
-            <a:r>
-              <a:rPr lang="en-CA" dirty="0" smtClean="0"/>
+              <a:rPr lang="en-CA" dirty="0" err="1"/>
+              <a:t>módulos</a:t>
+            </a:r>
+            <a:r>
+              <a:rPr lang="en-CA" dirty="0"/>
               <a:t>.</a:t>
             </a:r>
           </a:p>
@@ -15576,7 +20380,7 @@
             <a:endParaRPr lang="en-CA" dirty="0"/>
           </a:p>
           <a:p>
-            <a:endParaRPr lang="en-CA" dirty="0" smtClean="0"/>
+            <a:endParaRPr lang="en-CA" dirty="0"/>
           </a:p>
           <a:p>
             <a:pPr marL="285750" indent="-285750">
@@ -15584,42 +20388,58 @@
               <a:buChar char="•"/>
             </a:pPr>
             <a:r>
-              <a:rPr lang="en-CA" dirty="0" smtClean="0"/>
-              <a:t>El modulo display se </a:t>
-            </a:r>
-            <a:r>
-              <a:rPr lang="en-CA" dirty="0" err="1" smtClean="0"/>
+              <a:rPr lang="en-CA" dirty="0"/>
+              <a:t>El </a:t>
+            </a:r>
+            <a:r>
+              <a:rPr lang="en-CA" dirty="0" err="1"/>
+              <a:t>módulo</a:t>
+            </a:r>
+            <a:r>
+              <a:rPr lang="en-CA" dirty="0"/>
+              <a:t> display se </a:t>
+            </a:r>
+            <a:r>
+              <a:rPr lang="en-CA" dirty="0" err="1"/>
               <a:t>ocupa</a:t>
             </a:r>
             <a:r>
-              <a:rPr lang="en-CA" dirty="0" smtClean="0"/>
+              <a:rPr lang="en-CA" dirty="0"/>
               <a:t> de </a:t>
             </a:r>
             <a:r>
-              <a:rPr lang="en-CA" dirty="0" err="1" smtClean="0"/>
+              <a:rPr lang="en-CA" dirty="0" err="1"/>
               <a:t>imprimir</a:t>
             </a:r>
             <a:r>
-              <a:rPr lang="en-CA" dirty="0" smtClean="0"/>
+              <a:rPr lang="en-CA" dirty="0"/>
               <a:t> </a:t>
             </a:r>
             <a:r>
-              <a:rPr lang="en-CA" dirty="0" err="1" smtClean="0"/>
+              <a:rPr lang="en-CA" dirty="0" err="1"/>
               <a:t>mensajes</a:t>
             </a:r>
-            <a:endParaRPr lang="en-CA" dirty="0" smtClean="0"/>
-          </a:p>
-          <a:p>
-            <a:r>
-              <a:rPr lang="en-CA" dirty="0" smtClean="0"/>
-              <a:t>Sin importer el hardware </a:t>
-            </a:r>
-            <a:r>
-              <a:rPr lang="en-CA" dirty="0" err="1" smtClean="0"/>
-              <a:t>utilzado</a:t>
-            </a:r>
-            <a:r>
-              <a:rPr lang="en-CA" dirty="0" smtClean="0"/>
+            <a:endParaRPr lang="en-CA" dirty="0"/>
+          </a:p>
+          <a:p>
+            <a:r>
+              <a:rPr lang="en-CA" dirty="0"/>
+              <a:t>sin </a:t>
+            </a:r>
+            <a:r>
+              <a:rPr lang="en-CA" dirty="0" err="1"/>
+              <a:t>importar</a:t>
+            </a:r>
+            <a:r>
+              <a:rPr lang="en-CA" dirty="0"/>
+              <a:t> el hardware </a:t>
+            </a:r>
+            <a:r>
+              <a:rPr lang="en-CA" dirty="0" err="1"/>
+              <a:t>utilizado</a:t>
+            </a:r>
+            <a:r>
+              <a:rPr lang="en-CA" dirty="0"/>
               <a:t>.</a:t>
             </a:r>
           </a:p>
@@ -15627,7 +20447,7 @@
             <a:endParaRPr lang="en-CA" dirty="0"/>
           </a:p>
           <a:p>
-            <a:endParaRPr lang="en-CA" dirty="0" smtClean="0"/>
+            <a:endParaRPr lang="en-CA" dirty="0"/>
           </a:p>
           <a:p>
             <a:pPr marL="285750" indent="-285750">
@@ -15635,63 +20455,71 @@
               <a:buChar char="•"/>
             </a:pPr>
             <a:r>
-              <a:rPr lang="en-CA" dirty="0" smtClean="0"/>
-              <a:t>El modulo </a:t>
-            </a:r>
-            <a:r>
-              <a:rPr lang="en-CA" dirty="0" err="1" smtClean="0"/>
+              <a:rPr lang="en-CA" dirty="0"/>
+              <a:t>El </a:t>
+            </a:r>
+            <a:r>
+              <a:rPr lang="en-CA" dirty="0" err="1"/>
+              <a:t>módulo</a:t>
+            </a:r>
+            <a:r>
+              <a:rPr lang="en-CA" dirty="0"/>
+              <a:t> </a:t>
+            </a:r>
+            <a:r>
+              <a:rPr lang="en-CA" dirty="0" err="1"/>
               <a:t>SegmentDisplay</a:t>
             </a:r>
             <a:r>
-              <a:rPr lang="en-CA" dirty="0" smtClean="0"/>
+              <a:rPr lang="en-CA" dirty="0"/>
               <a:t> </a:t>
             </a:r>
             <a:r>
-              <a:rPr lang="en-CA" dirty="0" err="1" smtClean="0"/>
+              <a:rPr lang="en-CA" dirty="0" err="1"/>
               <a:t>funciona</a:t>
             </a:r>
             <a:r>
-              <a:rPr lang="en-CA" dirty="0" smtClean="0"/>
+              <a:rPr lang="en-CA" dirty="0"/>
               <a:t> </a:t>
             </a:r>
             <a:r>
-              <a:rPr lang="en-CA" dirty="0" err="1" smtClean="0"/>
+              <a:rPr lang="en-CA" dirty="0" err="1"/>
               <a:t>como</a:t>
             </a:r>
             <a:r>
-              <a:rPr lang="en-CA" dirty="0" smtClean="0"/>
+              <a:rPr lang="en-CA" dirty="0"/>
               <a:t> driver que </a:t>
             </a:r>
             <a:r>
-              <a:rPr lang="en-CA" dirty="0" err="1" smtClean="0"/>
+              <a:rPr lang="en-CA" dirty="0" err="1"/>
               <a:t>maneja</a:t>
             </a:r>
             <a:r>
-              <a:rPr lang="en-CA" dirty="0" smtClean="0"/>
+              <a:rPr lang="en-CA" dirty="0"/>
               <a:t> el display de 7 </a:t>
             </a:r>
             <a:r>
-              <a:rPr lang="en-CA" dirty="0" err="1" smtClean="0"/>
+              <a:rPr lang="en-CA" dirty="0" err="1"/>
               <a:t>segmentos</a:t>
             </a:r>
             <a:r>
-              <a:rPr lang="en-CA" dirty="0" smtClean="0"/>
+              <a:rPr lang="en-CA" dirty="0"/>
               <a:t>  de la </a:t>
             </a:r>
             <a:r>
-              <a:rPr lang="en-CA" dirty="0" err="1" smtClean="0"/>
+              <a:rPr lang="en-CA" dirty="0" err="1"/>
               <a:t>placa</a:t>
             </a:r>
             <a:r>
-              <a:rPr lang="en-CA" dirty="0" smtClean="0"/>
+              <a:rPr lang="en-CA" dirty="0"/>
               <a:t> </a:t>
             </a:r>
             <a:r>
-              <a:rPr lang="en-CA" dirty="0" err="1" smtClean="0"/>
+              <a:rPr lang="en-CA" dirty="0" err="1"/>
               <a:t>utilizada</a:t>
             </a:r>
             <a:r>
-              <a:rPr lang="en-CA" dirty="0" smtClean="0"/>
+              <a:rPr lang="en-CA" dirty="0"/>
               <a:t>.</a:t>
             </a:r>
           </a:p>
@@ -15704,71 +20532,71 @@
               <a:buChar char="•"/>
             </a:pPr>
             <a:r>
-              <a:rPr lang="en-CA" dirty="0" smtClean="0"/>
-              <a:t>El modulo de Timer se </a:t>
-            </a:r>
-            <a:r>
-              <a:rPr lang="en-CA" dirty="0" err="1" smtClean="0"/>
+              <a:rPr lang="en-CA" dirty="0"/>
+              <a:t>El </a:t>
+            </a:r>
+            <a:r>
+              <a:rPr lang="en-CA" dirty="0" err="1"/>
+              <a:t>módulo</a:t>
+            </a:r>
+            <a:r>
+              <a:rPr lang="en-CA" dirty="0"/>
+              <a:t> de Timer se </a:t>
+            </a:r>
+            <a:r>
+              <a:rPr lang="en-CA" dirty="0" err="1"/>
               <a:t>utiliza</a:t>
             </a:r>
             <a:r>
-              <a:rPr lang="en-CA" dirty="0" smtClean="0"/>
+              <a:rPr lang="en-CA" dirty="0"/>
               <a:t> para </a:t>
             </a:r>
             <a:r>
-              <a:rPr lang="en-CA" dirty="0" err="1" smtClean="0"/>
-              <a:t>settear</a:t>
-            </a:r>
-            <a:r>
-              <a:rPr lang="en-CA" dirty="0" smtClean="0"/>
+              <a:rPr lang="en-CA" dirty="0" err="1"/>
+              <a:t>setear</a:t>
+            </a:r>
+            <a:r>
+              <a:rPr lang="en-CA" dirty="0"/>
               <a:t> timers que </a:t>
             </a:r>
             <a:r>
-              <a:rPr lang="en-CA" dirty="0" err="1" smtClean="0"/>
+              <a:rPr lang="en-CA" dirty="0" err="1"/>
               <a:t>indican</a:t>
             </a:r>
             <a:r>
-              <a:rPr lang="en-CA" dirty="0" smtClean="0"/>
+              <a:rPr lang="en-CA" dirty="0"/>
               <a:t> el </a:t>
             </a:r>
             <a:r>
-              <a:rPr lang="en-CA" dirty="0" err="1" smtClean="0"/>
+              <a:rPr lang="en-CA" dirty="0" err="1"/>
               <a:t>refresco</a:t>
             </a:r>
             <a:r>
-              <a:rPr lang="en-CA" dirty="0" smtClean="0"/>
-              <a:t> de la </a:t>
-            </a:r>
-            <a:r>
-              <a:rPr lang="en-CA" dirty="0" err="1" smtClean="0"/>
-              <a:t>imagen</a:t>
-            </a:r>
-            <a:r>
-              <a:rPr lang="en-CA" dirty="0" smtClean="0"/>
-              <a:t> del display, el </a:t>
-            </a:r>
-            <a:r>
-              <a:rPr lang="en-CA" dirty="0" err="1" smtClean="0"/>
+              <a:rPr lang="en-CA" dirty="0"/>
+              <a:t> de la imagen del display, el </a:t>
+            </a:r>
+            <a:r>
+              <a:rPr lang="en-CA" dirty="0" err="1"/>
               <a:t>brillo</a:t>
             </a:r>
             <a:r>
-              <a:rPr lang="en-CA" dirty="0" smtClean="0"/>
+              <a:rPr lang="en-CA" dirty="0"/>
               <a:t> y el </a:t>
             </a:r>
             <a:r>
-              <a:rPr lang="en-CA" dirty="0" err="1" smtClean="0"/>
+              <a:rPr lang="en-CA" dirty="0" err="1"/>
               <a:t>movimiento</a:t>
             </a:r>
             <a:r>
-              <a:rPr lang="en-CA" dirty="0" smtClean="0"/>
+              <a:rPr lang="en-CA" dirty="0"/>
               <a:t> del </a:t>
             </a:r>
             <a:r>
-              <a:rPr lang="en-CA" dirty="0" err="1" smtClean="0"/>
+              <a:rPr lang="en-CA" dirty="0" err="1"/>
               <a:t>mensaje</a:t>
             </a:r>
             <a:r>
-              <a:rPr lang="en-CA" dirty="0" smtClean="0"/>
+              <a:rPr lang="en-CA" dirty="0"/>
               <a:t>.</a:t>
             </a:r>
             <a:endParaRPr lang="en-US" dirty="0"/>
@@ -15815,13 +20643,6 @@
   <p:clrMapOvr>
     <a:masterClrMapping/>
   </p:clrMapOvr>
-  <p:timing>
-    <p:tnLst>
-      <p:par>
-        <p:cTn id="1" dur="indefinite" restart="never" nodeType="tmRoot"/>
-      </p:par>
-    </p:tnLst>
-  </p:timing>
 </p:sld>
 </file>
 
@@ -15858,7 +20679,7 @@
           <a:lstStyle/>
           <a:p>
             <a:r>
-              <a:rPr lang="en-CA" dirty="0" smtClean="0"/>
+              <a:rPr lang="en-CA" dirty="0"/>
               <a:t>Display</a:t>
             </a:r>
             <a:endParaRPr lang="en-US" dirty="0"/>
@@ -15905,13 +20726,6 @@
   <p:clrMapOvr>
     <a:masterClrMapping/>
   </p:clrMapOvr>
-  <p:timing>
-    <p:tnLst>
-      <p:par>
-        <p:cTn id="1" dur="indefinite" restart="never" nodeType="tmRoot"/>
-      </p:par>
-    </p:tnLst>
-  </p:timing>
 </p:sld>
 </file>
 
@@ -15948,7 +20762,7 @@
           <a:lstStyle/>
           <a:p>
             <a:r>
-              <a:rPr lang="en-CA" dirty="0" err="1" smtClean="0"/>
+              <a:rPr lang="en-CA" dirty="0" err="1"/>
               <a:t>SegmentDisplay</a:t>
             </a:r>
             <a:endParaRPr lang="en-US" dirty="0"/>
@@ -15982,16 +20796,16 @@
               <a:buChar char="•"/>
             </a:pPr>
             <a:r>
-              <a:rPr lang="en-CA" dirty="0" err="1" smtClean="0"/>
+              <a:rPr lang="en-CA" dirty="0" err="1"/>
               <a:t>Es</a:t>
             </a:r>
             <a:r>
-              <a:rPr lang="en-CA" dirty="0" smtClean="0"/>
+              <a:rPr lang="en-CA" dirty="0"/>
               <a:t> particular del hardware.</a:t>
             </a:r>
           </a:p>
           <a:p>
-            <a:endParaRPr lang="en-CA" dirty="0" smtClean="0"/>
+            <a:endParaRPr lang="en-CA" dirty="0"/>
           </a:p>
           <a:p>
             <a:pPr marL="285750" indent="-285750" algn="ctr">
@@ -15999,59 +20813,59 @@
               <a:buChar char="•"/>
             </a:pPr>
             <a:r>
-              <a:rPr lang="en-CA" dirty="0" err="1" smtClean="0"/>
+              <a:rPr lang="en-CA" dirty="0" err="1"/>
               <a:t>Maneja</a:t>
             </a:r>
             <a:r>
-              <a:rPr lang="en-CA" dirty="0" smtClean="0"/>
+              <a:rPr lang="en-CA" dirty="0"/>
               <a:t> pins GPIO del </a:t>
             </a:r>
             <a:r>
-              <a:rPr lang="en-CA" dirty="0" err="1" smtClean="0"/>
+              <a:rPr lang="en-CA" dirty="0" err="1"/>
               <a:t>MicroControlador</a:t>
             </a:r>
             <a:r>
-              <a:rPr lang="en-CA" dirty="0" smtClean="0"/>
+              <a:rPr lang="en-CA" dirty="0"/>
               <a:t> para </a:t>
             </a:r>
             <a:r>
-              <a:rPr lang="en-CA" dirty="0" err="1" smtClean="0"/>
+              <a:rPr lang="en-CA" dirty="0" err="1"/>
               <a:t>actualizar</a:t>
             </a:r>
             <a:r>
-              <a:rPr lang="en-CA" dirty="0" smtClean="0"/>
+              <a:rPr lang="en-CA" dirty="0"/>
               <a:t> la </a:t>
             </a:r>
             <a:r>
-              <a:rPr lang="en-CA" dirty="0" err="1" smtClean="0"/>
-              <a:t>linea</a:t>
-            </a:r>
-            <a:r>
-              <a:rPr lang="en-CA" dirty="0" smtClean="0"/>
+              <a:rPr lang="en-CA" dirty="0" err="1"/>
+              <a:t>línea</a:t>
+            </a:r>
+            <a:r>
+              <a:rPr lang="en-CA" dirty="0"/>
               <a:t> de </a:t>
             </a:r>
             <a:r>
-              <a:rPr lang="en-CA" dirty="0" err="1" smtClean="0"/>
-              <a:t>seleccion</a:t>
-            </a:r>
-            <a:r>
-              <a:rPr lang="en-CA" dirty="0" smtClean="0"/>
+              <a:rPr lang="en-CA" dirty="0" err="1"/>
+              <a:t>selección</a:t>
+            </a:r>
+            <a:r>
+              <a:rPr lang="en-CA" dirty="0"/>
               <a:t> del decoder y el valor de </a:t>
             </a:r>
             <a:r>
-              <a:rPr lang="en-CA" dirty="0" err="1" smtClean="0"/>
+              <a:rPr lang="en-CA" dirty="0" err="1"/>
               <a:t>cada</a:t>
             </a:r>
             <a:r>
-              <a:rPr lang="en-CA" dirty="0" smtClean="0"/>
+              <a:rPr lang="en-CA" dirty="0"/>
               <a:t> </a:t>
             </a:r>
             <a:r>
-              <a:rPr lang="en-CA" dirty="0" err="1" smtClean="0"/>
+              <a:rPr lang="en-CA" dirty="0" err="1"/>
               <a:t>segmento</a:t>
             </a:r>
             <a:r>
-              <a:rPr lang="en-CA" dirty="0" smtClean="0"/>
+              <a:rPr lang="en-CA" dirty="0"/>
               <a:t>.</a:t>
             </a:r>
           </a:p>
@@ -16064,83 +20878,75 @@
               <a:buChar char="•"/>
             </a:pPr>
             <a:r>
-              <a:rPr lang="en-CA" dirty="0" err="1" smtClean="0"/>
+              <a:rPr lang="en-CA" dirty="0" err="1"/>
               <a:t>Guarda</a:t>
             </a:r>
             <a:r>
-              <a:rPr lang="en-CA" dirty="0" smtClean="0"/>
+              <a:rPr lang="en-CA" dirty="0"/>
               <a:t> dos </a:t>
             </a:r>
             <a:r>
-              <a:rPr lang="en-CA" dirty="0" err="1" smtClean="0"/>
+              <a:rPr lang="en-CA" dirty="0" err="1"/>
               <a:t>arreglos</a:t>
             </a:r>
             <a:r>
-              <a:rPr lang="en-CA" dirty="0" smtClean="0"/>
+              <a:rPr lang="en-CA" dirty="0"/>
               <a:t> </a:t>
             </a:r>
             <a:r>
-              <a:rPr lang="en-CA" dirty="0" err="1" smtClean="0"/>
+              <a:rPr lang="en-CA" dirty="0" err="1"/>
               <a:t>en</a:t>
             </a:r>
             <a:r>
-              <a:rPr lang="en-CA" dirty="0" smtClean="0"/>
+              <a:rPr lang="en-CA" dirty="0"/>
               <a:t> </a:t>
             </a:r>
             <a:r>
-              <a:rPr lang="en-CA" dirty="0" err="1" smtClean="0"/>
+              <a:rPr lang="en-CA" dirty="0" err="1"/>
               <a:t>memoria</a:t>
             </a:r>
             <a:r>
-              <a:rPr lang="en-CA" dirty="0" smtClean="0"/>
-              <a:t> con </a:t>
-            </a:r>
-            <a:r>
-              <a:rPr lang="en-CA" dirty="0" err="1" smtClean="0"/>
-              <a:t>los</a:t>
-            </a:r>
-            <a:r>
-              <a:rPr lang="en-CA" dirty="0" smtClean="0"/>
+              <a:rPr lang="en-CA" dirty="0"/>
+              <a:t> con los </a:t>
+            </a:r>
+            <a:r>
+              <a:rPr lang="en-CA" dirty="0" err="1"/>
+              <a:t>valores</a:t>
+            </a:r>
+            <a:r>
+              <a:rPr lang="en-CA" dirty="0"/>
               <a:t> </a:t>
             </a:r>
             <a:r>
-              <a:rPr lang="en-CA" dirty="0" err="1" smtClean="0"/>
-              <a:t>valores</a:t>
-            </a:r>
-            <a:r>
-              <a:rPr lang="en-CA" dirty="0" smtClean="0"/>
+              <a:rPr lang="en-CA" dirty="0" err="1"/>
+              <a:t>hexadecimales</a:t>
+            </a:r>
+            <a:r>
+              <a:rPr lang="en-CA" dirty="0"/>
               <a:t> </a:t>
             </a:r>
             <a:r>
-              <a:rPr lang="en-CA" dirty="0" err="1" smtClean="0"/>
-              <a:t>hexadecimales</a:t>
-            </a:r>
-            <a:r>
-              <a:rPr lang="en-CA" dirty="0" smtClean="0"/>
+              <a:rPr lang="en-CA" dirty="0" err="1"/>
+              <a:t>correspondientes</a:t>
+            </a:r>
+            <a:r>
+              <a:rPr lang="en-CA" dirty="0"/>
+              <a:t> a </a:t>
+            </a:r>
+            <a:r>
+              <a:rPr lang="en-CA" dirty="0" err="1"/>
+              <a:t>cada</a:t>
+            </a:r>
+            <a:r>
+              <a:rPr lang="en-CA" dirty="0"/>
               <a:t> </a:t>
             </a:r>
             <a:r>
-              <a:rPr lang="en-CA" dirty="0" err="1" smtClean="0"/>
-              <a:t>correspondientes</a:t>
-            </a:r>
-            <a:r>
-              <a:rPr lang="en-CA" dirty="0" smtClean="0"/>
-              <a:t> a </a:t>
-            </a:r>
-            <a:r>
-              <a:rPr lang="en-CA" dirty="0" err="1" smtClean="0"/>
-              <a:t>cada</a:t>
-            </a:r>
-            <a:r>
-              <a:rPr lang="en-CA" dirty="0" smtClean="0"/>
-              <a:t> </a:t>
-            </a:r>
-            <a:r>
-              <a:rPr lang="en-CA" dirty="0" err="1" smtClean="0"/>
-              <a:t>digito</a:t>
-            </a:r>
-            <a:r>
-              <a:rPr lang="en-CA" dirty="0" smtClean="0"/>
+              <a:rPr lang="en-CA" dirty="0" err="1"/>
+              <a:t>dígito</a:t>
+            </a:r>
+            <a:r>
+              <a:rPr lang="en-CA" dirty="0"/>
               <a:t>.</a:t>
             </a:r>
           </a:p>
@@ -16192,13 +20998,6 @@
   <p:clrMapOvr>
     <a:masterClrMapping/>
   </p:clrMapOvr>
-  <p:timing>
-    <p:tnLst>
-      <p:par>
-        <p:cTn id="1" dur="indefinite" restart="never" nodeType="tmRoot"/>
-      </p:par>
-    </p:tnLst>
-  </p:timing>
 </p:sld>
 </file>
 
@@ -16235,16 +21034,16 @@
           <a:lstStyle/>
           <a:p>
             <a:r>
-              <a:rPr lang="en-CA" dirty="0" err="1" smtClean="0"/>
-              <a:t>Interrupcion</a:t>
-            </a:r>
-            <a:r>
-              <a:rPr lang="en-CA" dirty="0" smtClean="0"/>
+              <a:rPr lang="en-CA" dirty="0" err="1"/>
+              <a:t>Interrupción</a:t>
+            </a:r>
+            <a:r>
+              <a:rPr lang="en-CA" dirty="0"/>
               <a:t> </a:t>
             </a:r>
             <a:r>
-              <a:rPr lang="en-CA" dirty="0" err="1" smtClean="0"/>
-              <a:t>periodica</a:t>
+              <a:rPr lang="en-CA" dirty="0" err="1"/>
+              <a:t>periódica</a:t>
             </a:r>
             <a:endParaRPr lang="en-US" dirty="0"/>
           </a:p>
@@ -16277,52 +21076,45 @@
               <a:buChar char="•"/>
             </a:pPr>
             <a:r>
-              <a:rPr lang="en-CA" dirty="0" smtClean="0"/>
+              <a:rPr lang="en-CA" dirty="0"/>
               <a:t>Se </a:t>
             </a:r>
             <a:r>
-              <a:rPr lang="en-CA" dirty="0" err="1" smtClean="0"/>
+              <a:rPr lang="en-CA" dirty="0" err="1"/>
               <a:t>ocupa</a:t>
             </a:r>
             <a:r>
-              <a:rPr lang="en-CA" dirty="0" smtClean="0"/>
+              <a:rPr lang="en-CA" dirty="0"/>
               <a:t> de </a:t>
             </a:r>
             <a:r>
-              <a:rPr lang="en-CA" dirty="0" err="1" smtClean="0"/>
+              <a:rPr lang="en-CA" dirty="0" err="1"/>
               <a:t>actualizar</a:t>
             </a:r>
             <a:r>
-              <a:rPr lang="en-CA" dirty="0" smtClean="0"/>
-              <a:t> </a:t>
-            </a:r>
-            <a:r>
-              <a:rPr lang="en-CA" dirty="0" err="1" smtClean="0"/>
-              <a:t>los</a:t>
-            </a:r>
-            <a:r>
-              <a:rPr lang="en-CA" dirty="0" smtClean="0"/>
-              <a:t> timers y attender sus</a:t>
-            </a:r>
-            <a:r>
-              <a:rPr lang="en-US" dirty="0" smtClean="0"/>
+              <a:rPr lang="en-CA" dirty="0"/>
+              <a:t> los timers y </a:t>
+            </a:r>
+            <a:r>
+              <a:rPr lang="en-CA" dirty="0" err="1"/>
+              <a:t>atender</a:t>
+            </a:r>
+            <a:r>
+              <a:rPr lang="en-CA" dirty="0"/>
+              <a:t> sus</a:t>
+            </a:r>
+            <a:r>
+              <a:rPr lang="en-US" dirty="0"/>
               <a:t> callbacks </a:t>
             </a:r>
             <a:r>
-              <a:rPr lang="en-US" dirty="0" err="1" smtClean="0"/>
+              <a:rPr lang="en-US" dirty="0" err="1"/>
               <a:t>correspondientes</a:t>
             </a:r>
             <a:r>
-              <a:rPr lang="en-US" dirty="0" smtClean="0"/>
+              <a:rPr lang="en-US" dirty="0"/>
               <a:t>.</a:t>
             </a:r>
-          </a:p>
-          <a:p>
-            <a:pPr marL="285750" indent="-285750">
-              <a:buFont typeface="Arial" panose="020B0604020202020204" pitchFamily="34" charset="0"/>
-              <a:buChar char="•"/>
-            </a:pPr>
-            <a:endParaRPr lang="en-CA" dirty="0" smtClean="0"/>
           </a:p>
           <a:p>
             <a:pPr marL="285750" indent="-285750">
@@ -16336,49 +21128,33 @@
               <a:buFont typeface="Arial" panose="020B0604020202020204" pitchFamily="34" charset="0"/>
               <a:buChar char="•"/>
             </a:pPr>
-            <a:r>
-              <a:rPr lang="en-CA" dirty="0" smtClean="0"/>
-              <a:t>Genera </a:t>
-            </a:r>
-            <a:r>
-              <a:rPr lang="en-CA" dirty="0" err="1" smtClean="0"/>
-              <a:t>los</a:t>
-            </a:r>
-            <a:r>
-              <a:rPr lang="en-CA" dirty="0" smtClean="0"/>
-              <a:t> </a:t>
-            </a:r>
-            <a:r>
-              <a:rPr lang="en-CA" dirty="0" err="1" smtClean="0"/>
-              <a:t>eventos</a:t>
-            </a:r>
-            <a:r>
-              <a:rPr lang="en-CA" dirty="0" smtClean="0"/>
-              <a:t> </a:t>
-            </a:r>
-            <a:r>
-              <a:rPr lang="en-CA" dirty="0" err="1" smtClean="0"/>
-              <a:t>correspondientes</a:t>
-            </a:r>
-            <a:r>
-              <a:rPr lang="en-CA" dirty="0" smtClean="0"/>
-              <a:t> al </a:t>
-            </a:r>
-            <a:r>
-              <a:rPr lang="en-CA" dirty="0" err="1" smtClean="0"/>
-              <a:t>display,los</a:t>
-            </a:r>
-            <a:r>
-              <a:rPr lang="en-CA" dirty="0" smtClean="0"/>
-              <a:t> timers y el encoder.</a:t>
-            </a:r>
+            <a:endParaRPr lang="en-CA" dirty="0"/>
           </a:p>
           <a:p>
             <a:pPr marL="285750" indent="-285750">
               <a:buFont typeface="Arial" panose="020B0604020202020204" pitchFamily="34" charset="0"/>
               <a:buChar char="•"/>
             </a:pPr>
-            <a:endParaRPr lang="en-CA" dirty="0" smtClean="0"/>
+            <a:r>
+              <a:rPr lang="en-CA" dirty="0"/>
+              <a:t>Genera los </a:t>
+            </a:r>
+            <a:r>
+              <a:rPr lang="en-CA" dirty="0" err="1"/>
+              <a:t>eventos</a:t>
+            </a:r>
+            <a:r>
+              <a:rPr lang="en-CA" dirty="0"/>
+              <a:t> </a:t>
+            </a:r>
+            <a:r>
+              <a:rPr lang="en-CA" dirty="0" err="1"/>
+              <a:t>correspondientes</a:t>
+            </a:r>
+            <a:r>
+              <a:rPr lang="en-CA" dirty="0"/>
+              <a:t> al display, los timers y el encoder.</a:t>
+            </a:r>
           </a:p>
           <a:p>
             <a:pPr marL="285750" indent="-285750">
@@ -16392,57 +21168,57 @@
               <a:buFont typeface="Arial" panose="020B0604020202020204" pitchFamily="34" charset="0"/>
               <a:buChar char="•"/>
             </a:pPr>
-            <a:r>
-              <a:rPr lang="en-CA" dirty="0" smtClean="0"/>
-              <a:t>Dura </a:t>
-            </a:r>
-            <a:r>
-              <a:rPr lang="en-CA" dirty="0" err="1" smtClean="0"/>
-              <a:t>alrededor</a:t>
-            </a:r>
-            <a:r>
-              <a:rPr lang="en-CA" dirty="0" smtClean="0"/>
-              <a:t> de 3us y se llama </a:t>
-            </a:r>
-            <a:r>
-              <a:rPr lang="en-CA" dirty="0" err="1" smtClean="0"/>
-              <a:t>cada</a:t>
-            </a:r>
-            <a:r>
-              <a:rPr lang="en-CA" dirty="0" smtClean="0"/>
-              <a:t> 1ms,se </a:t>
-            </a:r>
-            <a:r>
-              <a:rPr lang="en-CA" dirty="0" err="1" smtClean="0"/>
-              <a:t>emplea</a:t>
-            </a:r>
-            <a:r>
-              <a:rPr lang="en-CA" dirty="0" smtClean="0"/>
-              <a:t> </a:t>
-            </a:r>
-            <a:r>
-              <a:rPr lang="en-CA" dirty="0" err="1" smtClean="0"/>
-              <a:t>mediante</a:t>
-            </a:r>
-            <a:r>
-              <a:rPr lang="en-CA" dirty="0" smtClean="0"/>
-              <a:t> </a:t>
-            </a:r>
-            <a:r>
-              <a:rPr lang="en-CA" dirty="0" err="1" smtClean="0"/>
-              <a:t>Systick</a:t>
-            </a:r>
-            <a:r>
-              <a:rPr lang="en-CA" dirty="0" smtClean="0"/>
-              <a:t>.</a:t>
-            </a:r>
+            <a:endParaRPr lang="en-CA" dirty="0"/>
           </a:p>
           <a:p>
             <a:pPr marL="285750" indent="-285750">
               <a:buFont typeface="Arial" panose="020B0604020202020204" pitchFamily="34" charset="0"/>
               <a:buChar char="•"/>
             </a:pPr>
-            <a:endParaRPr lang="en-CA" dirty="0" smtClean="0"/>
+            <a:r>
+              <a:rPr lang="en-CA" dirty="0"/>
+              <a:t>Dura </a:t>
+            </a:r>
+            <a:r>
+              <a:rPr lang="en-CA" dirty="0" err="1"/>
+              <a:t>alrededor</a:t>
+            </a:r>
+            <a:r>
+              <a:rPr lang="en-CA" dirty="0"/>
+              <a:t> de 3us y se llama </a:t>
+            </a:r>
+            <a:r>
+              <a:rPr lang="en-CA" dirty="0" err="1"/>
+              <a:t>cada</a:t>
+            </a:r>
+            <a:r>
+              <a:rPr lang="en-CA" dirty="0"/>
+              <a:t> 1ms,se </a:t>
+            </a:r>
+            <a:r>
+              <a:rPr lang="en-CA" dirty="0" err="1"/>
+              <a:t>emplea</a:t>
+            </a:r>
+            <a:r>
+              <a:rPr lang="en-CA" dirty="0"/>
+              <a:t> </a:t>
+            </a:r>
+            <a:r>
+              <a:rPr lang="en-CA" dirty="0" err="1"/>
+              <a:t>mediante</a:t>
+            </a:r>
+            <a:r>
+              <a:rPr lang="en-CA" dirty="0"/>
+              <a:t> </a:t>
+            </a:r>
+            <a:r>
+              <a:rPr lang="en-CA" dirty="0" err="1"/>
+              <a:t>Systick</a:t>
+            </a:r>
+            <a:r>
+              <a:rPr lang="en-CA" dirty="0"/>
+              <a:t>.</a:t>
+            </a:r>
           </a:p>
           <a:p>
             <a:pPr marL="285750" indent="-285750">
@@ -16456,53 +21232,60 @@
               <a:buFont typeface="Arial" panose="020B0604020202020204" pitchFamily="34" charset="0"/>
               <a:buChar char="•"/>
             </a:pPr>
-            <a:r>
-              <a:rPr lang="en-CA" dirty="0" err="1" smtClean="0"/>
-              <a:t>Tiene</a:t>
-            </a:r>
-            <a:r>
-              <a:rPr lang="en-CA" dirty="0" smtClean="0"/>
-              <a:t> un </a:t>
-            </a:r>
-            <a:r>
-              <a:rPr lang="en-CA" dirty="0" err="1" smtClean="0"/>
-              <a:t>DutyCycle</a:t>
-            </a:r>
-            <a:r>
-              <a:rPr lang="en-CA" dirty="0" smtClean="0"/>
-              <a:t> </a:t>
-            </a:r>
-            <a:r>
-              <a:rPr lang="en-CA" dirty="0" err="1" smtClean="0"/>
-              <a:t>medido</a:t>
-            </a:r>
-            <a:r>
-              <a:rPr lang="en-CA" dirty="0" smtClean="0"/>
-              <a:t> </a:t>
-            </a:r>
-            <a:r>
-              <a:rPr lang="en-CA" dirty="0" err="1" smtClean="0"/>
-              <a:t>menor</a:t>
-            </a:r>
-            <a:r>
-              <a:rPr lang="en-CA" dirty="0" smtClean="0"/>
-              <a:t> al 1% (</a:t>
-            </a:r>
-            <a:r>
-              <a:rPr lang="en-CA" dirty="0" err="1" smtClean="0"/>
-              <a:t>alrededor</a:t>
-            </a:r>
-            <a:r>
-              <a:rPr lang="en-CA" dirty="0" smtClean="0"/>
-              <a:t> de 0.3%)</a:t>
-            </a:r>
+            <a:endParaRPr lang="en-CA" dirty="0"/>
           </a:p>
           <a:p>
             <a:pPr marL="285750" indent="-285750">
               <a:buFont typeface="Arial" panose="020B0604020202020204" pitchFamily="34" charset="0"/>
               <a:buChar char="•"/>
             </a:pPr>
-            <a:endParaRPr lang="en-CA" dirty="0" smtClean="0"/>
+            <a:r>
+              <a:rPr lang="en-CA" dirty="0" err="1"/>
+              <a:t>Tiene</a:t>
+            </a:r>
+            <a:r>
+              <a:rPr lang="en-CA" dirty="0"/>
+              <a:t> un </a:t>
+            </a:r>
+            <a:r>
+              <a:rPr lang="en-CA" dirty="0" err="1"/>
+              <a:t>DutyCycle</a:t>
+            </a:r>
+            <a:r>
+              <a:rPr lang="en-CA" dirty="0"/>
+              <a:t> </a:t>
+            </a:r>
+            <a:r>
+              <a:rPr lang="en-CA" dirty="0" err="1"/>
+              <a:t>medido</a:t>
+            </a:r>
+            <a:r>
+              <a:rPr lang="en-CA" dirty="0"/>
+              <a:t> </a:t>
+            </a:r>
+            <a:r>
+              <a:rPr lang="en-CA" dirty="0" err="1"/>
+              <a:t>menor</a:t>
+            </a:r>
+            <a:r>
+              <a:rPr lang="en-CA" dirty="0"/>
+              <a:t> al 1% (</a:t>
+            </a:r>
+            <a:r>
+              <a:rPr lang="en-CA" dirty="0" err="1"/>
+              <a:t>alrededor</a:t>
+            </a:r>
+            <a:r>
+              <a:rPr lang="en-CA" dirty="0"/>
+              <a:t> de 0.3%)</a:t>
+            </a:r>
+          </a:p>
+          <a:p>
+            <a:pPr marL="285750" indent="-285750">
+              <a:buFont typeface="Arial" panose="020B0604020202020204" pitchFamily="34" charset="0"/>
+              <a:buChar char="•"/>
+            </a:pPr>
+            <a:endParaRPr lang="en-CA" dirty="0"/>
           </a:p>
         </p:txBody>
       </p:sp>
@@ -16546,13 +21329,6 @@
   <p:clrMapOvr>
     <a:masterClrMapping/>
   </p:clrMapOvr>
-  <p:timing>
-    <p:tnLst>
-      <p:par>
-        <p:cTn id="1" dur="indefinite" restart="never" nodeType="tmRoot"/>
-      </p:par>
-    </p:tnLst>
-  </p:timing>
 </p:sld>
 </file>
 
@@ -16601,6 +21377,354 @@
           </a:p>
         </p:txBody>
       </p:sp>
+      <p:graphicFrame>
+        <p:nvGraphicFramePr>
+          <p:cNvPr id="6" name="Diagrama 2">
+            <a:extLst>
+              <a:ext uri="{FF2B5EF4-FFF2-40B4-BE49-F238E27FC236}">
+                <a16:creationId xmlns:a16="http://schemas.microsoft.com/office/drawing/2014/main" id="{30734C93-ACF3-4EBF-AE9D-35BC83E98ADB}"/>
+              </a:ext>
+            </a:extLst>
+          </p:cNvPr>
+          <p:cNvGraphicFramePr/>
+          <p:nvPr>
+            <p:extLst>
+              <p:ext uri="{D42A27DB-BD31-4B8C-83A1-F6EECF244321}">
+                <p14:modId xmlns:p14="http://schemas.microsoft.com/office/powerpoint/2010/main" val="1919679160"/>
+              </p:ext>
+            </p:extLst>
+          </p:nvPr>
+        </p:nvGraphicFramePr>
+        <p:xfrm>
+          <a:off x="5639187" y="2015230"/>
+          <a:ext cx="6397064" cy="4767309"/>
+        </p:xfrm>
+        <a:graphic>
+          <a:graphicData uri="http://schemas.openxmlformats.org/drawingml/2006/diagram">
+            <dgm:relIds xmlns:dgm="http://schemas.openxmlformats.org/drawingml/2006/diagram" xmlns:r="http://schemas.openxmlformats.org/officeDocument/2006/relationships" r:dm="rId2" r:lo="rId3" r:qs="rId4" r:cs="rId5"/>
+          </a:graphicData>
+        </a:graphic>
+      </p:graphicFrame>
+      <p:sp>
+        <p:nvSpPr>
+          <p:cNvPr id="7" name="CuadroTexto 2">
+            <a:extLst>
+              <a:ext uri="{FF2B5EF4-FFF2-40B4-BE49-F238E27FC236}">
+                <a16:creationId xmlns:a16="http://schemas.microsoft.com/office/drawing/2014/main" id="{A8F95B2F-C7F7-4BCC-9A12-9D443D8BD2F3}"/>
+              </a:ext>
+            </a:extLst>
+          </p:cNvPr>
+          <p:cNvSpPr txBox="1"/>
+          <p:nvPr/>
+        </p:nvSpPr>
+        <p:spPr>
+          <a:xfrm>
+            <a:off x="117567" y="2364773"/>
+            <a:ext cx="5943976" cy="3693319"/>
+          </a:xfrm>
+          <a:prstGeom prst="rect">
+            <a:avLst/>
+          </a:prstGeom>
+          <a:noFill/>
+        </p:spPr>
+        <p:txBody>
+          <a:bodyPr wrap="square" rtlCol="0">
+            <a:spAutoFit/>
+          </a:bodyPr>
+          <a:lstStyle/>
+          <a:p>
+            <a:r>
+              <a:rPr lang="en-CA" dirty="0"/>
+              <a:t>La </a:t>
+            </a:r>
+            <a:r>
+              <a:rPr lang="en-CA" dirty="0" err="1"/>
+              <a:t>realización</a:t>
+            </a:r>
+            <a:r>
+              <a:rPr lang="en-CA" dirty="0"/>
+              <a:t> del encoder se divide </a:t>
+            </a:r>
+            <a:r>
+              <a:rPr lang="en-CA" dirty="0" err="1"/>
+              <a:t>en</a:t>
+            </a:r>
+            <a:r>
+              <a:rPr lang="en-CA" dirty="0"/>
+              <a:t> 3 </a:t>
+            </a:r>
+            <a:r>
+              <a:rPr lang="en-CA" dirty="0" err="1"/>
+              <a:t>módulos</a:t>
+            </a:r>
+            <a:r>
+              <a:rPr lang="en-CA" dirty="0"/>
+              <a:t>.</a:t>
+            </a:r>
+          </a:p>
+          <a:p>
+            <a:endParaRPr lang="en-CA" dirty="0"/>
+          </a:p>
+          <a:p>
+            <a:endParaRPr lang="en-CA" dirty="0"/>
+          </a:p>
+          <a:p>
+            <a:pPr marL="285750" indent="-285750">
+              <a:buFont typeface="Arial" panose="020B0604020202020204" pitchFamily="34" charset="0"/>
+              <a:buChar char="•"/>
+            </a:pPr>
+            <a:r>
+              <a:rPr lang="en-CA" dirty="0"/>
+              <a:t>El </a:t>
+            </a:r>
+            <a:r>
+              <a:rPr lang="en-CA" dirty="0" err="1"/>
+              <a:t>módulo</a:t>
+            </a:r>
+            <a:r>
+              <a:rPr lang="en-CA" dirty="0"/>
+              <a:t> encoder se </a:t>
+            </a:r>
+            <a:r>
+              <a:rPr lang="en-CA" dirty="0" err="1"/>
+              <a:t>ocupa</a:t>
+            </a:r>
+            <a:r>
+              <a:rPr lang="en-CA" dirty="0"/>
+              <a:t> de </a:t>
+            </a:r>
+            <a:r>
+              <a:rPr lang="en-CA" dirty="0" err="1"/>
+              <a:t>generar</a:t>
+            </a:r>
+            <a:r>
+              <a:rPr lang="en-CA" dirty="0"/>
+              <a:t> </a:t>
+            </a:r>
+            <a:r>
+              <a:rPr lang="en-CA" dirty="0" err="1"/>
+              <a:t>eventos</a:t>
+            </a:r>
+            <a:r>
+              <a:rPr lang="en-CA" dirty="0"/>
+              <a:t> </a:t>
+            </a:r>
+            <a:r>
+              <a:rPr lang="en-CA" dirty="0" err="1"/>
+              <a:t>abstrayéndose</a:t>
+            </a:r>
+            <a:r>
+              <a:rPr lang="en-CA" dirty="0"/>
+              <a:t> del hardware </a:t>
+            </a:r>
+            <a:r>
+              <a:rPr lang="en-CA" dirty="0" err="1"/>
+              <a:t>utilizado</a:t>
+            </a:r>
+            <a:r>
+              <a:rPr lang="en-CA" dirty="0"/>
+              <a:t>.</a:t>
+            </a:r>
+          </a:p>
+          <a:p>
+            <a:endParaRPr lang="en-CA" dirty="0"/>
+          </a:p>
+          <a:p>
+            <a:pPr marL="285750" indent="-285750">
+              <a:buFont typeface="Arial" panose="020B0604020202020204" pitchFamily="34" charset="0"/>
+              <a:buChar char="•"/>
+            </a:pPr>
+            <a:r>
+              <a:rPr lang="en-CA" dirty="0"/>
+              <a:t>El </a:t>
+            </a:r>
+            <a:r>
+              <a:rPr lang="en-CA" dirty="0" err="1"/>
+              <a:t>módulo</a:t>
+            </a:r>
+            <a:r>
+              <a:rPr lang="en-CA" dirty="0"/>
+              <a:t> </a:t>
+            </a:r>
+            <a:r>
+              <a:rPr lang="en-CA" dirty="0" err="1"/>
+              <a:t>encoderDecoder</a:t>
+            </a:r>
+            <a:r>
+              <a:rPr lang="en-CA" dirty="0"/>
+              <a:t> </a:t>
+            </a:r>
+            <a:r>
+              <a:rPr lang="en-CA" dirty="0" err="1"/>
+              <a:t>ayuda</a:t>
+            </a:r>
+            <a:r>
+              <a:rPr lang="en-CA" dirty="0"/>
+              <a:t> con la </a:t>
+            </a:r>
+            <a:r>
+              <a:rPr lang="en-CA" dirty="0" err="1"/>
+              <a:t>lógica</a:t>
+            </a:r>
+            <a:r>
+              <a:rPr lang="en-CA" dirty="0"/>
+              <a:t> para</a:t>
+            </a:r>
+          </a:p>
+          <a:p>
+            <a:pPr marL="285750" indent="-285750">
+              <a:buFont typeface="Arial" panose="020B0604020202020204" pitchFamily="34" charset="0"/>
+              <a:buChar char="•"/>
+            </a:pPr>
+            <a:r>
+              <a:rPr lang="en-CA" dirty="0" err="1"/>
+              <a:t>Determinar</a:t>
+            </a:r>
+            <a:r>
+              <a:rPr lang="en-CA" dirty="0"/>
+              <a:t> </a:t>
+            </a:r>
+            <a:r>
+              <a:rPr lang="en-CA" dirty="0" err="1"/>
+              <a:t>qué</a:t>
+            </a:r>
+            <a:r>
+              <a:rPr lang="en-CA" dirty="0"/>
+              <a:t> </a:t>
+            </a:r>
+            <a:r>
+              <a:rPr lang="en-CA" dirty="0" err="1"/>
+              <a:t>ingresó</a:t>
+            </a:r>
+            <a:r>
+              <a:rPr lang="en-CA" dirty="0"/>
+              <a:t> el </a:t>
+            </a:r>
+            <a:r>
+              <a:rPr lang="en-CA" dirty="0" err="1"/>
+              <a:t>usuario</a:t>
+            </a:r>
+            <a:r>
+              <a:rPr lang="en-CA" dirty="0"/>
+              <a:t> </a:t>
+            </a:r>
+            <a:r>
+              <a:rPr lang="en-CA" dirty="0" err="1"/>
+              <a:t>mediante</a:t>
+            </a:r>
+            <a:r>
+              <a:rPr lang="en-CA" dirty="0"/>
+              <a:t> el encoder.</a:t>
+            </a:r>
+          </a:p>
+          <a:p>
+            <a:pPr marL="285750" indent="-285750">
+              <a:buFont typeface="Arial" panose="020B0604020202020204" pitchFamily="34" charset="0"/>
+              <a:buChar char="•"/>
+            </a:pPr>
+            <a:endParaRPr lang="en-CA" dirty="0"/>
+          </a:p>
+          <a:p>
+            <a:pPr marL="285750" indent="-285750">
+              <a:buFont typeface="Arial" panose="020B0604020202020204" pitchFamily="34" charset="0"/>
+              <a:buChar char="•"/>
+            </a:pPr>
+            <a:r>
+              <a:rPr lang="en-CA" dirty="0"/>
+              <a:t>El </a:t>
+            </a:r>
+            <a:r>
+              <a:rPr lang="en-CA" dirty="0" err="1"/>
+              <a:t>módulo</a:t>
+            </a:r>
+            <a:r>
+              <a:rPr lang="en-CA" dirty="0"/>
+              <a:t> </a:t>
+            </a:r>
+            <a:r>
+              <a:rPr lang="en-CA" dirty="0" err="1"/>
+              <a:t>encoderHAL</a:t>
+            </a:r>
+            <a:r>
+              <a:rPr lang="en-CA" dirty="0"/>
+              <a:t> se </a:t>
+            </a:r>
+            <a:r>
+              <a:rPr lang="en-CA" dirty="0" err="1"/>
+              <a:t>comunica</a:t>
+            </a:r>
+            <a:r>
+              <a:rPr lang="en-CA" dirty="0"/>
+              <a:t> tanto con </a:t>
+            </a:r>
+            <a:r>
+              <a:rPr lang="en-CA" dirty="0" err="1"/>
+              <a:t>timer.h</a:t>
+            </a:r>
+            <a:r>
+              <a:rPr lang="en-CA" dirty="0"/>
+              <a:t> </a:t>
+            </a:r>
+            <a:r>
+              <a:rPr lang="en-CA" dirty="0" err="1"/>
+              <a:t>como</a:t>
+            </a:r>
+            <a:r>
+              <a:rPr lang="en-CA" dirty="0"/>
+              <a:t> con </a:t>
+            </a:r>
+            <a:r>
+              <a:rPr lang="en-CA" dirty="0" err="1"/>
+              <a:t>gpio.h</a:t>
+            </a:r>
+            <a:r>
+              <a:rPr lang="en-CA" dirty="0"/>
+              <a:t> para la </a:t>
+            </a:r>
+            <a:r>
+              <a:rPr lang="en-CA" dirty="0" err="1"/>
+              <a:t>lectura</a:t>
+            </a:r>
+            <a:r>
+              <a:rPr lang="en-CA" dirty="0"/>
+              <a:t> de pines y </a:t>
+            </a:r>
+            <a:r>
+              <a:rPr lang="en-CA" dirty="0" err="1"/>
+              <a:t>seteo</a:t>
+            </a:r>
+            <a:r>
+              <a:rPr lang="en-CA" dirty="0"/>
+              <a:t> de </a:t>
+            </a:r>
+            <a:r>
+              <a:rPr lang="en-CA" dirty="0" err="1"/>
+              <a:t>callbacks</a:t>
+            </a:r>
+            <a:r>
+              <a:rPr lang="en-CA" dirty="0"/>
+              <a:t> de las </a:t>
+            </a:r>
+            <a:r>
+              <a:rPr lang="en-CA" dirty="0" err="1"/>
+              <a:t>interrupciones</a:t>
+            </a:r>
+            <a:r>
+              <a:rPr lang="en-CA" dirty="0"/>
+              <a:t> </a:t>
+            </a:r>
+            <a:r>
+              <a:rPr lang="en-CA" dirty="0" err="1"/>
+              <a:t>periódicas</a:t>
+            </a:r>
+            <a:r>
+              <a:rPr lang="en-CA" dirty="0"/>
+              <a:t>.</a:t>
+            </a:r>
+            <a:endParaRPr lang="en-US" dirty="0"/>
+          </a:p>
+        </p:txBody>
+      </p:sp>
     </p:spTree>
     <p:extLst>
       <p:ext uri="{BB962C8B-B14F-4D97-AF65-F5344CB8AC3E}">
@@ -16611,13 +21735,6 @@
   <p:clrMapOvr>
     <a:masterClrMapping/>
   </p:clrMapOvr>
-  <p:timing>
-    <p:tnLst>
-      <p:par>
-        <p:cTn id="1" dur="indefinite" restart="never" nodeType="tmRoot"/>
-      </p:par>
-    </p:tnLst>
-  </p:timing>
 </p:sld>
 </file>
 

--- a/Control de Acceso.pptx
+++ b/Control de Acceso.pptx
@@ -14,13 +14,14 @@
     <p:sldId id="269" r:id="rId8"/>
     <p:sldId id="270" r:id="rId9"/>
     <p:sldId id="260" r:id="rId10"/>
-    <p:sldId id="271" r:id="rId11"/>
-    <p:sldId id="261" r:id="rId12"/>
-    <p:sldId id="263" r:id="rId13"/>
-    <p:sldId id="264" r:id="rId14"/>
-    <p:sldId id="265" r:id="rId15"/>
-    <p:sldId id="267" r:id="rId16"/>
-    <p:sldId id="266" r:id="rId17"/>
+    <p:sldId id="273" r:id="rId11"/>
+    <p:sldId id="272" r:id="rId12"/>
+    <p:sldId id="261" r:id="rId13"/>
+    <p:sldId id="263" r:id="rId14"/>
+    <p:sldId id="264" r:id="rId15"/>
+    <p:sldId id="265" r:id="rId16"/>
+    <p:sldId id="267" r:id="rId17"/>
+    <p:sldId id="266" r:id="rId18"/>
   </p:sldIdLst>
   <p:sldSz cx="12192000" cy="6858000"/>
   <p:notesSz cx="6858000" cy="9144000"/>
@@ -120,6 +121,31 @@
     </a:lvl9pPr>
   </p:defaultTextStyle>
   <p:extLst>
+    <p:ext uri="{521415D9-36F7-43E2-AB2F-B90AF26B5E84}">
+      <p14:sectionLst xmlns:p14="http://schemas.microsoft.com/office/powerpoint/2010/main">
+        <p14:section name="Default Section" id="{A3388227-057D-446B-BF44-EC3C85B7C773}">
+          <p14:sldIdLst>
+            <p14:sldId id="256"/>
+            <p14:sldId id="258"/>
+            <p14:sldId id="257"/>
+            <p14:sldId id="262"/>
+            <p14:sldId id="259"/>
+            <p14:sldId id="268"/>
+            <p14:sldId id="269"/>
+            <p14:sldId id="270"/>
+            <p14:sldId id="260"/>
+            <p14:sldId id="273"/>
+            <p14:sldId id="272"/>
+            <p14:sldId id="261"/>
+            <p14:sldId id="263"/>
+            <p14:sldId id="264"/>
+            <p14:sldId id="265"/>
+            <p14:sldId id="267"/>
+            <p14:sldId id="266"/>
+          </p14:sldIdLst>
+        </p14:section>
+      </p14:sectionLst>
+    </p:ext>
     <p:ext uri="{EFAFB233-063F-42B5-8137-9DF3F51BA10A}">
       <p15:sldGuideLst xmlns:p15="http://schemas.microsoft.com/office/powerpoint/2012/main">
         <p15:guide id="1" pos="3840" userDrawn="1">
@@ -1058,6 +1084,788 @@
 </file>
 
 <file path=ppt/diagrams/colors2.xml><?xml version="1.0" encoding="utf-8"?>
+<dgm:colorsDef xmlns:dgm="http://schemas.openxmlformats.org/drawingml/2006/diagram" xmlns:a="http://schemas.openxmlformats.org/drawingml/2006/main" uniqueId="urn:microsoft.com/office/officeart/2005/8/colors/colorful2">
+  <dgm:title val=""/>
+  <dgm:desc val=""/>
+  <dgm:catLst>
+    <dgm:cat type="colorful" pri="10200"/>
+  </dgm:catLst>
+  <dgm:styleLbl name="node0">
+    <dgm:fillClrLst meth="repeat">
+      <a:schemeClr val="accent1"/>
+    </dgm:fillClrLst>
+    <dgm:linClrLst meth="repeat">
+      <a:schemeClr val="lt1"/>
+    </dgm:linClrLst>
+    <dgm:effectClrLst/>
+    <dgm:txLinClrLst/>
+    <dgm:txFillClrLst/>
+    <dgm:txEffectClrLst/>
+  </dgm:styleLbl>
+  <dgm:styleLbl name="node1">
+    <dgm:fillClrLst>
+      <a:schemeClr val="accent2"/>
+      <a:schemeClr val="accent3"/>
+    </dgm:fillClrLst>
+    <dgm:linClrLst meth="repeat">
+      <a:schemeClr val="lt1"/>
+    </dgm:linClrLst>
+    <dgm:effectClrLst/>
+    <dgm:txLinClrLst/>
+    <dgm:txFillClrLst/>
+    <dgm:txEffectClrLst/>
+  </dgm:styleLbl>
+  <dgm:styleLbl name="alignNode1">
+    <dgm:fillClrLst>
+      <a:schemeClr val="accent2"/>
+      <a:schemeClr val="accent3"/>
+    </dgm:fillClrLst>
+    <dgm:linClrLst>
+      <a:schemeClr val="accent2"/>
+      <a:schemeClr val="accent3"/>
+    </dgm:linClrLst>
+    <dgm:effectClrLst/>
+    <dgm:txLinClrLst/>
+    <dgm:txFillClrLst/>
+    <dgm:txEffectClrLst/>
+  </dgm:styleLbl>
+  <dgm:styleLbl name="lnNode1">
+    <dgm:fillClrLst>
+      <a:schemeClr val="accent2"/>
+      <a:schemeClr val="accent3"/>
+    </dgm:fillClrLst>
+    <dgm:linClrLst meth="repeat">
+      <a:schemeClr val="lt1"/>
+    </dgm:linClrLst>
+    <dgm:effectClrLst/>
+    <dgm:txLinClrLst/>
+    <dgm:txFillClrLst/>
+    <dgm:txEffectClrLst/>
+  </dgm:styleLbl>
+  <dgm:styleLbl name="vennNode1">
+    <dgm:fillClrLst>
+      <a:schemeClr val="accent2">
+        <a:alpha val="50000"/>
+      </a:schemeClr>
+      <a:schemeClr val="accent3">
+        <a:alpha val="50000"/>
+      </a:schemeClr>
+    </dgm:fillClrLst>
+    <dgm:linClrLst meth="repeat">
+      <a:schemeClr val="lt1"/>
+    </dgm:linClrLst>
+    <dgm:effectClrLst/>
+    <dgm:txLinClrLst/>
+    <dgm:txFillClrLst/>
+    <dgm:txEffectClrLst/>
+  </dgm:styleLbl>
+  <dgm:styleLbl name="node2">
+    <dgm:fillClrLst>
+      <a:schemeClr val="accent3"/>
+    </dgm:fillClrLst>
+    <dgm:linClrLst meth="repeat">
+      <a:schemeClr val="lt1"/>
+    </dgm:linClrLst>
+    <dgm:effectClrLst/>
+    <dgm:txLinClrLst/>
+    <dgm:txFillClrLst/>
+    <dgm:txEffectClrLst/>
+  </dgm:styleLbl>
+  <dgm:styleLbl name="node3">
+    <dgm:fillClrLst>
+      <a:schemeClr val="accent4"/>
+    </dgm:fillClrLst>
+    <dgm:linClrLst meth="repeat">
+      <a:schemeClr val="lt1"/>
+    </dgm:linClrLst>
+    <dgm:effectClrLst/>
+    <dgm:txLinClrLst/>
+    <dgm:txFillClrLst/>
+    <dgm:txEffectClrLst/>
+  </dgm:styleLbl>
+  <dgm:styleLbl name="node4">
+    <dgm:fillClrLst>
+      <a:schemeClr val="accent5"/>
+    </dgm:fillClrLst>
+    <dgm:linClrLst meth="repeat">
+      <a:schemeClr val="lt1"/>
+    </dgm:linClrLst>
+    <dgm:effectClrLst/>
+    <dgm:txLinClrLst/>
+    <dgm:txFillClrLst/>
+    <dgm:txEffectClrLst/>
+  </dgm:styleLbl>
+  <dgm:styleLbl name="fgImgPlace1">
+    <dgm:fillClrLst>
+      <a:schemeClr val="accent2">
+        <a:tint val="50000"/>
+      </a:schemeClr>
+      <a:schemeClr val="accent3">
+        <a:tint val="50000"/>
+      </a:schemeClr>
+    </dgm:fillClrLst>
+    <dgm:linClrLst meth="repeat">
+      <a:schemeClr val="lt1"/>
+    </dgm:linClrLst>
+    <dgm:effectClrLst/>
+    <dgm:txLinClrLst/>
+    <dgm:txFillClrLst meth="repeat">
+      <a:schemeClr val="lt1"/>
+    </dgm:txFillClrLst>
+    <dgm:txEffectClrLst/>
+  </dgm:styleLbl>
+  <dgm:styleLbl name="alignImgPlace1">
+    <dgm:fillClrLst>
+      <a:schemeClr val="accent2">
+        <a:tint val="50000"/>
+      </a:schemeClr>
+      <a:schemeClr val="accent3">
+        <a:tint val="20000"/>
+      </a:schemeClr>
+    </dgm:fillClrLst>
+    <dgm:linClrLst meth="repeat">
+      <a:schemeClr val="lt1"/>
+    </dgm:linClrLst>
+    <dgm:effectClrLst/>
+    <dgm:txLinClrLst/>
+    <dgm:txFillClrLst meth="repeat">
+      <a:schemeClr val="lt1"/>
+    </dgm:txFillClrLst>
+    <dgm:txEffectClrLst/>
+  </dgm:styleLbl>
+  <dgm:styleLbl name="bgImgPlace1">
+    <dgm:fillClrLst>
+      <a:schemeClr val="accent2">
+        <a:tint val="50000"/>
+      </a:schemeClr>
+      <a:schemeClr val="accent3">
+        <a:tint val="20000"/>
+      </a:schemeClr>
+    </dgm:fillClrLst>
+    <dgm:linClrLst meth="repeat">
+      <a:schemeClr val="lt1"/>
+    </dgm:linClrLst>
+    <dgm:effectClrLst/>
+    <dgm:txLinClrLst/>
+    <dgm:txFillClrLst meth="repeat">
+      <a:schemeClr val="lt1"/>
+    </dgm:txFillClrLst>
+    <dgm:txEffectClrLst/>
+  </dgm:styleLbl>
+  <dgm:styleLbl name="sibTrans2D1">
+    <dgm:fillClrLst>
+      <a:schemeClr val="accent2"/>
+      <a:schemeClr val="accent3"/>
+    </dgm:fillClrLst>
+    <dgm:linClrLst meth="repeat">
+      <a:schemeClr val="lt1"/>
+    </dgm:linClrLst>
+    <dgm:effectClrLst/>
+    <dgm:txLinClrLst/>
+    <dgm:txFillClrLst/>
+    <dgm:txEffectClrLst/>
+  </dgm:styleLbl>
+  <dgm:styleLbl name="fgSibTrans2D1">
+    <dgm:fillClrLst>
+      <a:schemeClr val="accent2"/>
+      <a:schemeClr val="accent3"/>
+    </dgm:fillClrLst>
+    <dgm:linClrLst meth="repeat">
+      <a:schemeClr val="lt1"/>
+    </dgm:linClrLst>
+    <dgm:effectClrLst/>
+    <dgm:txLinClrLst/>
+    <dgm:txFillClrLst meth="repeat">
+      <a:schemeClr val="lt1"/>
+    </dgm:txFillClrLst>
+    <dgm:txEffectClrLst/>
+  </dgm:styleLbl>
+  <dgm:styleLbl name="bgSibTrans2D1">
+    <dgm:fillClrLst>
+      <a:schemeClr val="accent2"/>
+      <a:schemeClr val="accent3"/>
+    </dgm:fillClrLst>
+    <dgm:linClrLst meth="repeat">
+      <a:schemeClr val="lt1"/>
+    </dgm:linClrLst>
+    <dgm:effectClrLst/>
+    <dgm:txLinClrLst/>
+    <dgm:txFillClrLst meth="repeat">
+      <a:schemeClr val="lt1"/>
+    </dgm:txFillClrLst>
+    <dgm:txEffectClrLst/>
+  </dgm:styleLbl>
+  <dgm:styleLbl name="sibTrans1D1">
+    <dgm:fillClrLst/>
+    <dgm:linClrLst>
+      <a:schemeClr val="accent2"/>
+      <a:schemeClr val="accent3"/>
+    </dgm:linClrLst>
+    <dgm:effectClrLst/>
+    <dgm:txLinClrLst/>
+    <dgm:txFillClrLst meth="repeat">
+      <a:schemeClr val="tx1"/>
+    </dgm:txFillClrLst>
+    <dgm:txEffectClrLst/>
+  </dgm:styleLbl>
+  <dgm:styleLbl name="callout">
+    <dgm:fillClrLst meth="repeat">
+      <a:schemeClr val="accent2"/>
+    </dgm:fillClrLst>
+    <dgm:linClrLst meth="repeat">
+      <a:schemeClr val="accent2">
+        <a:tint val="50000"/>
+      </a:schemeClr>
+    </dgm:linClrLst>
+    <dgm:effectClrLst/>
+    <dgm:txLinClrLst/>
+    <dgm:txFillClrLst meth="repeat">
+      <a:schemeClr val="tx1"/>
+    </dgm:txFillClrLst>
+    <dgm:txEffectClrLst/>
+  </dgm:styleLbl>
+  <dgm:styleLbl name="asst0">
+    <dgm:fillClrLst meth="repeat">
+      <a:schemeClr val="accent2"/>
+    </dgm:fillClrLst>
+    <dgm:linClrLst meth="repeat">
+      <a:schemeClr val="lt1">
+        <a:shade val="80000"/>
+      </a:schemeClr>
+    </dgm:linClrLst>
+    <dgm:effectClrLst/>
+    <dgm:txLinClrLst/>
+    <dgm:txFillClrLst/>
+    <dgm:txEffectClrLst/>
+  </dgm:styleLbl>
+  <dgm:styleLbl name="asst1">
+    <dgm:fillClrLst meth="repeat">
+      <a:schemeClr val="accent3"/>
+    </dgm:fillClrLst>
+    <dgm:linClrLst meth="repeat">
+      <a:schemeClr val="lt1">
+        <a:shade val="80000"/>
+      </a:schemeClr>
+    </dgm:linClrLst>
+    <dgm:effectClrLst/>
+    <dgm:txLinClrLst/>
+    <dgm:txFillClrLst/>
+    <dgm:txEffectClrLst/>
+  </dgm:styleLbl>
+  <dgm:styleLbl name="asst2">
+    <dgm:fillClrLst>
+      <a:schemeClr val="accent4"/>
+    </dgm:fillClrLst>
+    <dgm:linClrLst meth="repeat">
+      <a:schemeClr val="lt1"/>
+    </dgm:linClrLst>
+    <dgm:effectClrLst/>
+    <dgm:txLinClrLst/>
+    <dgm:txFillClrLst/>
+    <dgm:txEffectClrLst/>
+  </dgm:styleLbl>
+  <dgm:styleLbl name="asst3">
+    <dgm:fillClrLst>
+      <a:schemeClr val="accent5"/>
+    </dgm:fillClrLst>
+    <dgm:linClrLst meth="repeat">
+      <a:schemeClr val="lt1"/>
+    </dgm:linClrLst>
+    <dgm:effectClrLst/>
+    <dgm:txLinClrLst/>
+    <dgm:txFillClrLst/>
+    <dgm:txEffectClrLst/>
+  </dgm:styleLbl>
+  <dgm:styleLbl name="asst4">
+    <dgm:fillClrLst>
+      <a:schemeClr val="accent6"/>
+    </dgm:fillClrLst>
+    <dgm:linClrLst meth="repeat">
+      <a:schemeClr val="lt1"/>
+    </dgm:linClrLst>
+    <dgm:effectClrLst/>
+    <dgm:txLinClrLst/>
+    <dgm:txFillClrLst/>
+    <dgm:txEffectClrLst/>
+  </dgm:styleLbl>
+  <dgm:styleLbl name="parChTrans2D1">
+    <dgm:fillClrLst meth="repeat">
+      <a:schemeClr val="accent2"/>
+    </dgm:fillClrLst>
+    <dgm:linClrLst meth="repeat">
+      <a:schemeClr val="lt1"/>
+    </dgm:linClrLst>
+    <dgm:effectClrLst/>
+    <dgm:txLinClrLst/>
+    <dgm:txFillClrLst meth="repeat">
+      <a:schemeClr val="lt1"/>
+    </dgm:txFillClrLst>
+    <dgm:txEffectClrLst/>
+  </dgm:styleLbl>
+  <dgm:styleLbl name="parChTrans2D2">
+    <dgm:fillClrLst meth="repeat">
+      <a:schemeClr val="accent3"/>
+    </dgm:fillClrLst>
+    <dgm:linClrLst meth="repeat">
+      <a:schemeClr val="lt1"/>
+    </dgm:linClrLst>
+    <dgm:effectClrLst/>
+    <dgm:txLinClrLst/>
+    <dgm:txFillClrLst/>
+    <dgm:txEffectClrLst/>
+  </dgm:styleLbl>
+  <dgm:styleLbl name="parChTrans2D3">
+    <dgm:fillClrLst meth="repeat">
+      <a:schemeClr val="accent4"/>
+    </dgm:fillClrLst>
+    <dgm:linClrLst meth="repeat">
+      <a:schemeClr val="lt1"/>
+    </dgm:linClrLst>
+    <dgm:effectClrLst/>
+    <dgm:txLinClrLst/>
+    <dgm:txFillClrLst/>
+    <dgm:txEffectClrLst/>
+  </dgm:styleLbl>
+  <dgm:styleLbl name="parChTrans2D4">
+    <dgm:fillClrLst meth="repeat">
+      <a:schemeClr val="accent5"/>
+    </dgm:fillClrLst>
+    <dgm:linClrLst meth="repeat">
+      <a:schemeClr val="lt1"/>
+    </dgm:linClrLst>
+    <dgm:effectClrLst/>
+    <dgm:txLinClrLst/>
+    <dgm:txFillClrLst meth="repeat">
+      <a:schemeClr val="lt1"/>
+    </dgm:txFillClrLst>
+    <dgm:txEffectClrLst/>
+  </dgm:styleLbl>
+  <dgm:styleLbl name="parChTrans1D1">
+    <dgm:fillClrLst meth="repeat">
+      <a:schemeClr val="accent2"/>
+    </dgm:fillClrLst>
+    <dgm:linClrLst meth="repeat">
+      <a:schemeClr val="accent2"/>
+    </dgm:linClrLst>
+    <dgm:effectClrLst/>
+    <dgm:txLinClrLst/>
+    <dgm:txFillClrLst meth="repeat">
+      <a:schemeClr val="tx1"/>
+    </dgm:txFillClrLst>
+    <dgm:txEffectClrLst/>
+  </dgm:styleLbl>
+  <dgm:styleLbl name="parChTrans1D2">
+    <dgm:fillClrLst meth="repeat">
+      <a:schemeClr val="accent2">
+        <a:tint val="90000"/>
+      </a:schemeClr>
+    </dgm:fillClrLst>
+    <dgm:linClrLst meth="repeat">
+      <a:schemeClr val="accent3"/>
+    </dgm:linClrLst>
+    <dgm:effectClrLst/>
+    <dgm:txLinClrLst/>
+    <dgm:txFillClrLst meth="repeat">
+      <a:schemeClr val="tx1"/>
+    </dgm:txFillClrLst>
+    <dgm:txEffectClrLst/>
+  </dgm:styleLbl>
+  <dgm:styleLbl name="parChTrans1D3">
+    <dgm:fillClrLst meth="repeat">
+      <a:schemeClr val="accent2">
+        <a:tint val="70000"/>
+      </a:schemeClr>
+    </dgm:fillClrLst>
+    <dgm:linClrLst meth="repeat">
+      <a:schemeClr val="accent4"/>
+    </dgm:linClrLst>
+    <dgm:effectClrLst/>
+    <dgm:txLinClrLst/>
+    <dgm:txFillClrLst meth="repeat">
+      <a:schemeClr val="tx1"/>
+    </dgm:txFillClrLst>
+    <dgm:txEffectClrLst/>
+  </dgm:styleLbl>
+  <dgm:styleLbl name="parChTrans1D4">
+    <dgm:fillClrLst meth="repeat">
+      <a:schemeClr val="accent2">
+        <a:tint val="50000"/>
+      </a:schemeClr>
+    </dgm:fillClrLst>
+    <dgm:linClrLst meth="repeat">
+      <a:schemeClr val="accent5"/>
+    </dgm:linClrLst>
+    <dgm:effectClrLst/>
+    <dgm:txLinClrLst/>
+    <dgm:txFillClrLst meth="repeat">
+      <a:schemeClr val="tx1"/>
+    </dgm:txFillClrLst>
+    <dgm:txEffectClrLst/>
+  </dgm:styleLbl>
+  <dgm:styleLbl name="fgAcc1">
+    <dgm:fillClrLst meth="repeat">
+      <a:schemeClr val="lt1">
+        <a:alpha val="90000"/>
+      </a:schemeClr>
+    </dgm:fillClrLst>
+    <dgm:linClrLst>
+      <a:schemeClr val="accent2"/>
+      <a:schemeClr val="accent3"/>
+    </dgm:linClrLst>
+    <dgm:effectClrLst/>
+    <dgm:txLinClrLst/>
+    <dgm:txFillClrLst meth="repeat">
+      <a:schemeClr val="dk1"/>
+    </dgm:txFillClrLst>
+    <dgm:txEffectClrLst/>
+  </dgm:styleLbl>
+  <dgm:styleLbl name="conFgAcc1">
+    <dgm:fillClrLst meth="repeat">
+      <a:schemeClr val="lt1">
+        <a:alpha val="90000"/>
+      </a:schemeClr>
+    </dgm:fillClrLst>
+    <dgm:linClrLst>
+      <a:schemeClr val="accent2"/>
+      <a:schemeClr val="accent3"/>
+    </dgm:linClrLst>
+    <dgm:effectClrLst/>
+    <dgm:txLinClrLst/>
+    <dgm:txFillClrLst meth="repeat">
+      <a:schemeClr val="dk1"/>
+    </dgm:txFillClrLst>
+    <dgm:txEffectClrLst/>
+  </dgm:styleLbl>
+  <dgm:styleLbl name="alignAcc1">
+    <dgm:fillClrLst meth="repeat">
+      <a:schemeClr val="lt1">
+        <a:alpha val="90000"/>
+      </a:schemeClr>
+    </dgm:fillClrLst>
+    <dgm:linClrLst>
+      <a:schemeClr val="accent2"/>
+      <a:schemeClr val="accent3"/>
+    </dgm:linClrLst>
+    <dgm:effectClrLst/>
+    <dgm:txLinClrLst/>
+    <dgm:txFillClrLst meth="repeat">
+      <a:schemeClr val="dk1"/>
+    </dgm:txFillClrLst>
+    <dgm:txEffectClrLst/>
+  </dgm:styleLbl>
+  <dgm:styleLbl name="trAlignAcc1">
+    <dgm:fillClrLst meth="repeat">
+      <a:schemeClr val="lt1">
+        <a:alpha val="40000"/>
+      </a:schemeClr>
+    </dgm:fillClrLst>
+    <dgm:linClrLst meth="repeat">
+      <a:schemeClr val="accent2"/>
+    </dgm:linClrLst>
+    <dgm:effectClrLst/>
+    <dgm:txLinClrLst/>
+    <dgm:txFillClrLst meth="repeat">
+      <a:schemeClr val="dk1"/>
+    </dgm:txFillClrLst>
+    <dgm:txEffectClrLst/>
+  </dgm:styleLbl>
+  <dgm:styleLbl name="bgAcc1">
+    <dgm:fillClrLst meth="repeat">
+      <a:schemeClr val="lt1">
+        <a:alpha val="90000"/>
+      </a:schemeClr>
+    </dgm:fillClrLst>
+    <dgm:linClrLst>
+      <a:schemeClr val="accent2"/>
+      <a:schemeClr val="accent3"/>
+    </dgm:linClrLst>
+    <dgm:effectClrLst/>
+    <dgm:txLinClrLst/>
+    <dgm:txFillClrLst meth="repeat">
+      <a:schemeClr val="dk1"/>
+    </dgm:txFillClrLst>
+    <dgm:txEffectClrLst/>
+  </dgm:styleLbl>
+  <dgm:styleLbl name="solidFgAcc1">
+    <dgm:fillClrLst meth="repeat">
+      <a:schemeClr val="lt1"/>
+    </dgm:fillClrLst>
+    <dgm:linClrLst>
+      <a:schemeClr val="accent2"/>
+      <a:schemeClr val="accent3"/>
+    </dgm:linClrLst>
+    <dgm:effectClrLst/>
+    <dgm:txLinClrLst/>
+    <dgm:txFillClrLst meth="repeat">
+      <a:schemeClr val="dk1"/>
+    </dgm:txFillClrLst>
+    <dgm:txEffectClrLst/>
+  </dgm:styleLbl>
+  <dgm:styleLbl name="solidAlignAcc1">
+    <dgm:fillClrLst meth="repeat">
+      <a:schemeClr val="lt1"/>
+    </dgm:fillClrLst>
+    <dgm:linClrLst>
+      <a:schemeClr val="accent2"/>
+      <a:schemeClr val="accent3"/>
+    </dgm:linClrLst>
+    <dgm:effectClrLst/>
+    <dgm:txLinClrLst/>
+    <dgm:txFillClrLst meth="repeat">
+      <a:schemeClr val="dk1"/>
+    </dgm:txFillClrLst>
+    <dgm:txEffectClrLst/>
+  </dgm:styleLbl>
+  <dgm:styleLbl name="solidBgAcc1">
+    <dgm:fillClrLst meth="repeat">
+      <a:schemeClr val="lt1"/>
+    </dgm:fillClrLst>
+    <dgm:linClrLst>
+      <a:schemeClr val="accent2"/>
+      <a:schemeClr val="accent3"/>
+    </dgm:linClrLst>
+    <dgm:effectClrLst/>
+    <dgm:txLinClrLst/>
+    <dgm:txFillClrLst meth="repeat">
+      <a:schemeClr val="dk1"/>
+    </dgm:txFillClrLst>
+    <dgm:txEffectClrLst/>
+  </dgm:styleLbl>
+  <dgm:styleLbl name="fgAccFollowNode1">
+    <dgm:fillClrLst>
+      <a:schemeClr val="accent2">
+        <a:tint val="40000"/>
+        <a:alpha val="90000"/>
+      </a:schemeClr>
+      <a:schemeClr val="accent3">
+        <a:tint val="40000"/>
+        <a:alpha val="90000"/>
+      </a:schemeClr>
+    </dgm:fillClrLst>
+    <dgm:linClrLst>
+      <a:schemeClr val="accent2">
+        <a:tint val="40000"/>
+        <a:alpha val="90000"/>
+      </a:schemeClr>
+      <a:schemeClr val="accent3">
+        <a:tint val="40000"/>
+        <a:alpha val="90000"/>
+      </a:schemeClr>
+    </dgm:linClrLst>
+    <dgm:effectClrLst/>
+    <dgm:txLinClrLst/>
+    <dgm:txFillClrLst meth="repeat">
+      <a:schemeClr val="dk1"/>
+    </dgm:txFillClrLst>
+    <dgm:txEffectClrLst/>
+  </dgm:styleLbl>
+  <dgm:styleLbl name="alignAccFollowNode1">
+    <dgm:fillClrLst>
+      <a:schemeClr val="accent2">
+        <a:tint val="40000"/>
+        <a:alpha val="90000"/>
+      </a:schemeClr>
+      <a:schemeClr val="accent3">
+        <a:tint val="40000"/>
+        <a:alpha val="90000"/>
+      </a:schemeClr>
+    </dgm:fillClrLst>
+    <dgm:linClrLst>
+      <a:schemeClr val="accent2">
+        <a:tint val="40000"/>
+        <a:alpha val="90000"/>
+      </a:schemeClr>
+      <a:schemeClr val="accent3">
+        <a:tint val="40000"/>
+        <a:alpha val="90000"/>
+      </a:schemeClr>
+    </dgm:linClrLst>
+    <dgm:effectClrLst/>
+    <dgm:txLinClrLst/>
+    <dgm:txFillClrLst meth="repeat">
+      <a:schemeClr val="dk1"/>
+    </dgm:txFillClrLst>
+    <dgm:txEffectClrLst/>
+  </dgm:styleLbl>
+  <dgm:styleLbl name="bgAccFollowNode1">
+    <dgm:fillClrLst>
+      <a:schemeClr val="accent2">
+        <a:tint val="40000"/>
+        <a:alpha val="90000"/>
+      </a:schemeClr>
+      <a:schemeClr val="accent3">
+        <a:tint val="40000"/>
+        <a:alpha val="90000"/>
+      </a:schemeClr>
+    </dgm:fillClrLst>
+    <dgm:linClrLst>
+      <a:schemeClr val="accent2">
+        <a:tint val="40000"/>
+        <a:alpha val="90000"/>
+      </a:schemeClr>
+      <a:schemeClr val="accent3">
+        <a:tint val="40000"/>
+        <a:alpha val="90000"/>
+      </a:schemeClr>
+    </dgm:linClrLst>
+    <dgm:effectClrLst/>
+    <dgm:txLinClrLst/>
+    <dgm:txFillClrLst meth="repeat">
+      <a:schemeClr val="dk1"/>
+    </dgm:txFillClrLst>
+    <dgm:txEffectClrLst/>
+  </dgm:styleLbl>
+  <dgm:styleLbl name="fgAcc0">
+    <dgm:fillClrLst meth="repeat">
+      <a:schemeClr val="lt1">
+        <a:alpha val="90000"/>
+      </a:schemeClr>
+    </dgm:fillClrLst>
+    <dgm:linClrLst>
+      <a:schemeClr val="accent1"/>
+    </dgm:linClrLst>
+    <dgm:effectClrLst/>
+    <dgm:txLinClrLst/>
+    <dgm:txFillClrLst meth="repeat">
+      <a:schemeClr val="dk1"/>
+    </dgm:txFillClrLst>
+    <dgm:txEffectClrLst/>
+  </dgm:styleLbl>
+  <dgm:styleLbl name="fgAcc2">
+    <dgm:fillClrLst meth="repeat">
+      <a:schemeClr val="lt1">
+        <a:alpha val="90000"/>
+      </a:schemeClr>
+    </dgm:fillClrLst>
+    <dgm:linClrLst>
+      <a:schemeClr val="accent3"/>
+    </dgm:linClrLst>
+    <dgm:effectClrLst/>
+    <dgm:txLinClrLst/>
+    <dgm:txFillClrLst meth="repeat">
+      <a:schemeClr val="dk1"/>
+    </dgm:txFillClrLst>
+    <dgm:txEffectClrLst/>
+  </dgm:styleLbl>
+  <dgm:styleLbl name="fgAcc3">
+    <dgm:fillClrLst meth="repeat">
+      <a:schemeClr val="lt1">
+        <a:alpha val="90000"/>
+      </a:schemeClr>
+    </dgm:fillClrLst>
+    <dgm:linClrLst>
+      <a:schemeClr val="accent4"/>
+    </dgm:linClrLst>
+    <dgm:effectClrLst/>
+    <dgm:txLinClrLst/>
+    <dgm:txFillClrLst meth="repeat">
+      <a:schemeClr val="dk1"/>
+    </dgm:txFillClrLst>
+    <dgm:txEffectClrLst/>
+  </dgm:styleLbl>
+  <dgm:styleLbl name="fgAcc4">
+    <dgm:fillClrLst meth="repeat">
+      <a:schemeClr val="lt1">
+        <a:alpha val="90000"/>
+      </a:schemeClr>
+    </dgm:fillClrLst>
+    <dgm:linClrLst>
+      <a:schemeClr val="accent5"/>
+    </dgm:linClrLst>
+    <dgm:effectClrLst/>
+    <dgm:txLinClrLst/>
+    <dgm:txFillClrLst meth="repeat">
+      <a:schemeClr val="dk1"/>
+    </dgm:txFillClrLst>
+    <dgm:txEffectClrLst/>
+  </dgm:styleLbl>
+  <dgm:styleLbl name="bgShp">
+    <dgm:fillClrLst meth="repeat">
+      <a:schemeClr val="accent2">
+        <a:tint val="40000"/>
+      </a:schemeClr>
+    </dgm:fillClrLst>
+    <dgm:linClrLst meth="repeat">
+      <a:schemeClr val="dk1"/>
+    </dgm:linClrLst>
+    <dgm:effectClrLst/>
+    <dgm:txLinClrLst/>
+    <dgm:txFillClrLst meth="repeat">
+      <a:schemeClr val="dk1"/>
+    </dgm:txFillClrLst>
+    <dgm:txEffectClrLst/>
+  </dgm:styleLbl>
+  <dgm:styleLbl name="dkBgShp">
+    <dgm:fillClrLst meth="repeat">
+      <a:schemeClr val="accent2">
+        <a:shade val="90000"/>
+      </a:schemeClr>
+    </dgm:fillClrLst>
+    <dgm:linClrLst meth="repeat">
+      <a:schemeClr val="dk1"/>
+    </dgm:linClrLst>
+    <dgm:effectClrLst/>
+    <dgm:txLinClrLst/>
+    <dgm:txFillClrLst meth="repeat">
+      <a:schemeClr val="lt1"/>
+    </dgm:txFillClrLst>
+    <dgm:txEffectClrLst/>
+  </dgm:styleLbl>
+  <dgm:styleLbl name="trBgShp">
+    <dgm:fillClrLst meth="repeat">
+      <a:schemeClr val="accent2">
+        <a:tint val="50000"/>
+        <a:alpha val="40000"/>
+      </a:schemeClr>
+    </dgm:fillClrLst>
+    <dgm:linClrLst meth="repeat">
+      <a:schemeClr val="accent2"/>
+    </dgm:linClrLst>
+    <dgm:effectClrLst/>
+    <dgm:txLinClrLst/>
+    <dgm:txFillClrLst meth="repeat">
+      <a:schemeClr val="lt1"/>
+    </dgm:txFillClrLst>
+    <dgm:txEffectClrLst/>
+  </dgm:styleLbl>
+  <dgm:styleLbl name="fgShp">
+    <dgm:fillClrLst meth="repeat">
+      <a:schemeClr val="accent2">
+        <a:tint val="40000"/>
+      </a:schemeClr>
+    </dgm:fillClrLst>
+    <dgm:linClrLst meth="repeat">
+      <a:schemeClr val="lt1"/>
+    </dgm:linClrLst>
+    <dgm:effectClrLst/>
+    <dgm:txLinClrLst/>
+    <dgm:txFillClrLst meth="repeat">
+      <a:schemeClr val="dk1"/>
+    </dgm:txFillClrLst>
+    <dgm:txEffectClrLst/>
+  </dgm:styleLbl>
+  <dgm:styleLbl name="revTx">
+    <dgm:fillClrLst meth="repeat">
+      <a:schemeClr val="lt1">
+        <a:alpha val="0"/>
+      </a:schemeClr>
+    </dgm:fillClrLst>
+    <dgm:linClrLst meth="repeat">
+      <a:schemeClr val="dk1">
+        <a:alpha val="0"/>
+      </a:schemeClr>
+    </dgm:linClrLst>
+    <dgm:effectClrLst/>
+    <dgm:txLinClrLst/>
+    <dgm:txFillClrLst meth="repeat">
+      <a:schemeClr val="tx1"/>
+    </dgm:txFillClrLst>
+    <dgm:txEffectClrLst/>
+  </dgm:styleLbl>
+</dgm:colorsDef>
+</file>
+
+<file path=ppt/diagrams/colors3.xml><?xml version="1.0" encoding="utf-8"?>
 <dgm:colorsDef xmlns:dgm="http://schemas.openxmlformats.org/drawingml/2006/diagram" xmlns:a="http://schemas.openxmlformats.org/drawingml/2006/main" uniqueId="urn:microsoft.com/office/officeart/2005/8/colors/colorful2">
   <dgm:title val=""/>
   <dgm:desc val=""/>
@@ -3134,7 +3942,7 @@
 <dgm:dataModel xmlns:dgm="http://schemas.openxmlformats.org/drawingml/2006/diagram" xmlns:a="http://schemas.openxmlformats.org/drawingml/2006/main">
   <dgm:ptLst>
     <dgm:pt modelId="{1C5F8750-0E8D-4A4F-A5C4-6A02757B2CEE}" type="doc">
-      <dgm:prSet loTypeId="urn:microsoft.com/office/officeart/2005/8/layout/hierarchy6" loCatId="hierarchy" qsTypeId="urn:microsoft.com/office/officeart/2005/8/quickstyle/3d3" qsCatId="3D" csTypeId="urn:microsoft.com/office/officeart/2005/8/colors/colorful2" csCatId="colorful" phldr="1"/>
+      <dgm:prSet loTypeId="urn:microsoft.com/office/officeart/2005/8/layout/hierarchy6" loCatId="hierarchy" qsTypeId="urn:microsoft.com/office/officeart/2005/8/quickstyle/simple2" qsCatId="simple" csTypeId="urn:microsoft.com/office/officeart/2005/8/colors/colorful2" csCatId="colorful" phldr="1"/>
       <dgm:spPr/>
       <dgm:t>
         <a:bodyPr/>
@@ -3596,6 +4404,450 @@
   <dgm:extLst>
     <a:ext uri="http://schemas.microsoft.com/office/drawing/2008/diagram">
       <dsp:dataModelExt xmlns:dsp="http://schemas.microsoft.com/office/drawing/2008/diagram" relId="rId6" minVer="http://schemas.openxmlformats.org/drawingml/2006/diagram"/>
+    </a:ext>
+  </dgm:extLst>
+</dgm:dataModel>
+</file>
+
+<file path=ppt/diagrams/data3.xml><?xml version="1.0" encoding="utf-8"?>
+<dgm:dataModel xmlns:dgm="http://schemas.openxmlformats.org/drawingml/2006/diagram" xmlns:a="http://schemas.openxmlformats.org/drawingml/2006/main">
+  <dgm:ptLst>
+    <dgm:pt modelId="{1C5F8750-0E8D-4A4F-A5C4-6A02757B2CEE}" type="doc">
+      <dgm:prSet loTypeId="urn:microsoft.com/office/officeart/2005/8/layout/hierarchy6" loCatId="hierarchy" qsTypeId="urn:microsoft.com/office/officeart/2005/8/quickstyle/simple2" qsCatId="simple" csTypeId="urn:microsoft.com/office/officeart/2005/8/colors/colorful2" csCatId="colorful" phldr="1"/>
+      <dgm:spPr/>
+      <dgm:t>
+        <a:bodyPr/>
+        <a:lstStyle/>
+        <a:p>
+          <a:endParaRPr lang="es-AR"/>
+        </a:p>
+      </dgm:t>
+    </dgm:pt>
+    <dgm:pt modelId="{9A3D543D-1E9A-4BE5-BFBC-B65722739982}">
+      <dgm:prSet/>
+      <dgm:spPr/>
+      <dgm:t>
+        <a:bodyPr/>
+        <a:lstStyle/>
+        <a:p>
+          <a:r>
+            <a:rPr lang="es-AR" dirty="0"/>
+            <a:t>EVENTOS</a:t>
+          </a:r>
+        </a:p>
+      </dgm:t>
+    </dgm:pt>
+    <dgm:pt modelId="{9B09A68A-FA35-4BB2-B59F-0D5048C372BC}" type="parTrans" cxnId="{8F84316C-D7CF-4E70-A84F-FC3AEF7A98DD}">
+      <dgm:prSet/>
+      <dgm:spPr/>
+      <dgm:t>
+        <a:bodyPr/>
+        <a:lstStyle/>
+        <a:p>
+          <a:endParaRPr lang="es-AR"/>
+        </a:p>
+      </dgm:t>
+    </dgm:pt>
+    <dgm:pt modelId="{4E033150-6172-41B8-A447-633A4A116347}" type="sibTrans" cxnId="{8F84316C-D7CF-4E70-A84F-FC3AEF7A98DD}">
+      <dgm:prSet/>
+      <dgm:spPr/>
+      <dgm:t>
+        <a:bodyPr/>
+        <a:lstStyle/>
+        <a:p>
+          <a:endParaRPr lang="es-AR"/>
+        </a:p>
+      </dgm:t>
+    </dgm:pt>
+    <dgm:pt modelId="{35DCDA67-F2A2-441C-AE5D-C1B198AC0662}">
+      <dgm:prSet/>
+      <dgm:spPr/>
+      <dgm:t>
+        <a:bodyPr/>
+        <a:lstStyle/>
+        <a:p>
+          <a:r>
+            <a:rPr lang="es-AR" dirty="0"/>
+            <a:t>UP/DOWN</a:t>
+          </a:r>
+        </a:p>
+      </dgm:t>
+    </dgm:pt>
+    <dgm:pt modelId="{675114A4-4D40-4091-9275-9C8175883DB4}" type="parTrans" cxnId="{5E4A92C4-FC82-499F-8060-EE9E3CB03401}">
+      <dgm:prSet/>
+      <dgm:spPr/>
+      <dgm:t>
+        <a:bodyPr/>
+        <a:lstStyle/>
+        <a:p>
+          <a:endParaRPr lang="es-AR"/>
+        </a:p>
+      </dgm:t>
+    </dgm:pt>
+    <dgm:pt modelId="{D315B3E9-E343-4B13-8EAD-6B260F20DDCE}" type="sibTrans" cxnId="{5E4A92C4-FC82-499F-8060-EE9E3CB03401}">
+      <dgm:prSet/>
+      <dgm:spPr/>
+      <dgm:t>
+        <a:bodyPr/>
+        <a:lstStyle/>
+        <a:p>
+          <a:endParaRPr lang="es-AR"/>
+        </a:p>
+      </dgm:t>
+    </dgm:pt>
+    <dgm:pt modelId="{001622B8-067A-4ACE-8911-1AA26B934B71}">
+      <dgm:prSet/>
+      <dgm:spPr/>
+      <dgm:t>
+        <a:bodyPr/>
+        <a:lstStyle/>
+        <a:p>
+          <a:r>
+            <a:rPr lang="es-AR" dirty="0" err="1"/>
+            <a:t>Int</a:t>
+          </a:r>
+          <a:r>
+            <a:rPr lang="es-AR" dirty="0"/>
+            <a:t>.</a:t>
+          </a:r>
+        </a:p>
+        <a:p>
+          <a:r>
+            <a:rPr lang="es-AR" dirty="0"/>
+            <a:t> Periódicas</a:t>
+          </a:r>
+          <a:endParaRPr lang="en-US" dirty="0"/>
+        </a:p>
+      </dgm:t>
+    </dgm:pt>
+    <dgm:pt modelId="{7B337E52-DD2F-44E8-9ED5-365B87D9FED1}" type="parTrans" cxnId="{BC126B93-5A85-4FE0-92DC-6B5FDE551C7F}">
+      <dgm:prSet/>
+      <dgm:spPr/>
+      <dgm:t>
+        <a:bodyPr/>
+        <a:lstStyle/>
+        <a:p>
+          <a:endParaRPr lang="en-US"/>
+        </a:p>
+      </dgm:t>
+    </dgm:pt>
+    <dgm:pt modelId="{9859AD3B-0077-415C-B213-4209EF6A42CC}" type="sibTrans" cxnId="{BC126B93-5A85-4FE0-92DC-6B5FDE551C7F}">
+      <dgm:prSet/>
+      <dgm:spPr/>
+      <dgm:t>
+        <a:bodyPr/>
+        <a:lstStyle/>
+        <a:p>
+          <a:endParaRPr lang="en-US"/>
+        </a:p>
+      </dgm:t>
+    </dgm:pt>
+    <dgm:pt modelId="{EAD4E5F3-3B06-4EF8-AB2B-009E7E4763AD}">
+      <dgm:prSet/>
+      <dgm:spPr/>
+      <dgm:t>
+        <a:bodyPr/>
+        <a:lstStyle/>
+        <a:p>
+          <a:r>
+            <a:rPr lang="es-AR" dirty="0"/>
+            <a:t>ENTER/CANCEL</a:t>
+          </a:r>
+        </a:p>
+      </dgm:t>
+    </dgm:pt>
+    <dgm:pt modelId="{44536DEA-1FC1-4CE5-AE06-11BEE44A12BF}" type="parTrans" cxnId="{E748DEC2-D1A4-419D-B316-C672A26B4D0E}">
+      <dgm:prSet/>
+      <dgm:spPr/>
+      <dgm:t>
+        <a:bodyPr/>
+        <a:lstStyle/>
+        <a:p>
+          <a:endParaRPr lang="en-US"/>
+        </a:p>
+      </dgm:t>
+    </dgm:pt>
+    <dgm:pt modelId="{D47A7A7D-B017-4D91-90B5-28ED206B13F5}" type="sibTrans" cxnId="{E748DEC2-D1A4-419D-B316-C672A26B4D0E}">
+      <dgm:prSet/>
+      <dgm:spPr/>
+      <dgm:t>
+        <a:bodyPr/>
+        <a:lstStyle/>
+        <a:p>
+          <a:endParaRPr lang="en-US"/>
+        </a:p>
+      </dgm:t>
+    </dgm:pt>
+    <dgm:pt modelId="{4849CB27-FEF6-488D-9D56-B256EE12BA65}">
+      <dgm:prSet/>
+      <dgm:spPr/>
+      <dgm:t>
+        <a:bodyPr/>
+        <a:lstStyle/>
+        <a:p>
+          <a:r>
+            <a:rPr lang="es-AR" dirty="0" err="1"/>
+            <a:t>Int</a:t>
+          </a:r>
+          <a:r>
+            <a:rPr lang="es-AR" dirty="0"/>
+            <a:t>. </a:t>
+          </a:r>
+        </a:p>
+        <a:p>
+          <a:r>
+            <a:rPr lang="es-AR" dirty="0"/>
+            <a:t>Periódicas</a:t>
+          </a:r>
+        </a:p>
+      </dgm:t>
+    </dgm:pt>
+    <dgm:pt modelId="{C92A7DEE-985B-45AE-86FD-D758F2FE9E3C}" type="parTrans" cxnId="{F596F332-5493-4818-9869-E73462E473C5}">
+      <dgm:prSet/>
+      <dgm:spPr/>
+      <dgm:t>
+        <a:bodyPr/>
+        <a:lstStyle/>
+        <a:p>
+          <a:endParaRPr lang="en-US"/>
+        </a:p>
+      </dgm:t>
+    </dgm:pt>
+    <dgm:pt modelId="{660FC97F-AC41-4FAF-B4C9-56CD61D648BC}" type="sibTrans" cxnId="{F596F332-5493-4818-9869-E73462E473C5}">
+      <dgm:prSet/>
+      <dgm:spPr/>
+      <dgm:t>
+        <a:bodyPr/>
+        <a:lstStyle/>
+        <a:p>
+          <a:endParaRPr lang="en-US"/>
+        </a:p>
+      </dgm:t>
+    </dgm:pt>
+    <dgm:pt modelId="{F49D26FF-F1D4-4320-A4F1-8BC6E656D7F3}">
+      <dgm:prSet/>
+      <dgm:spPr/>
+      <dgm:t>
+        <a:bodyPr/>
+        <a:lstStyle/>
+        <a:p>
+          <a:r>
+            <a:rPr lang="es-AR" dirty="0" err="1"/>
+            <a:t>Int</a:t>
+          </a:r>
+          <a:r>
+            <a:rPr lang="es-AR" dirty="0"/>
+            <a:t>. </a:t>
+          </a:r>
+        </a:p>
+        <a:p>
+          <a:r>
+            <a:rPr lang="es-AR" dirty="0"/>
+            <a:t>Dedicadas</a:t>
+          </a:r>
+        </a:p>
+      </dgm:t>
+    </dgm:pt>
+    <dgm:pt modelId="{C5285430-AD9C-4F12-8045-94E159415BE8}" type="parTrans" cxnId="{3F2BC38B-55F7-4A66-976F-34BDEDF69C17}">
+      <dgm:prSet/>
+      <dgm:spPr/>
+      <dgm:t>
+        <a:bodyPr/>
+        <a:lstStyle/>
+        <a:p>
+          <a:endParaRPr lang="en-US"/>
+        </a:p>
+      </dgm:t>
+    </dgm:pt>
+    <dgm:pt modelId="{FBEA30D1-3CB5-46EC-8B9E-4CD3B21419F7}" type="sibTrans" cxnId="{3F2BC38B-55F7-4A66-976F-34BDEDF69C17}">
+      <dgm:prSet/>
+      <dgm:spPr/>
+      <dgm:t>
+        <a:bodyPr/>
+        <a:lstStyle/>
+        <a:p>
+          <a:endParaRPr lang="en-US"/>
+        </a:p>
+      </dgm:t>
+    </dgm:pt>
+    <dgm:pt modelId="{C647C14C-60E2-48E5-85A4-92CF88C6F009}" type="pres">
+      <dgm:prSet presAssocID="{1C5F8750-0E8D-4A4F-A5C4-6A02757B2CEE}" presName="mainComposite" presStyleCnt="0">
+        <dgm:presLayoutVars>
+          <dgm:chPref val="1"/>
+          <dgm:dir/>
+          <dgm:animOne val="branch"/>
+          <dgm:animLvl val="lvl"/>
+          <dgm:resizeHandles val="exact"/>
+        </dgm:presLayoutVars>
+      </dgm:prSet>
+      <dgm:spPr/>
+    </dgm:pt>
+    <dgm:pt modelId="{7FBC73CD-6899-48F0-97D2-0FAF099D00D7}" type="pres">
+      <dgm:prSet presAssocID="{1C5F8750-0E8D-4A4F-A5C4-6A02757B2CEE}" presName="hierFlow" presStyleCnt="0"/>
+      <dgm:spPr/>
+    </dgm:pt>
+    <dgm:pt modelId="{345ABD8D-1ABA-4A43-A568-C10F9BC71744}" type="pres">
+      <dgm:prSet presAssocID="{1C5F8750-0E8D-4A4F-A5C4-6A02757B2CEE}" presName="hierChild1" presStyleCnt="0">
+        <dgm:presLayoutVars>
+          <dgm:chPref val="1"/>
+          <dgm:animOne val="branch"/>
+          <dgm:animLvl val="lvl"/>
+        </dgm:presLayoutVars>
+      </dgm:prSet>
+      <dgm:spPr/>
+    </dgm:pt>
+    <dgm:pt modelId="{6CAA1593-FAC0-443A-87C9-97957B477D06}" type="pres">
+      <dgm:prSet presAssocID="{9A3D543D-1E9A-4BE5-BFBC-B65722739982}" presName="Name14" presStyleCnt="0"/>
+      <dgm:spPr/>
+    </dgm:pt>
+    <dgm:pt modelId="{9903AFBA-5A13-4349-A39D-854233A67AAB}" type="pres">
+      <dgm:prSet presAssocID="{9A3D543D-1E9A-4BE5-BFBC-B65722739982}" presName="level1Shape" presStyleLbl="node0" presStyleIdx="0" presStyleCnt="1" custLinFactNeighborX="55530" custLinFactNeighborY="-31369">
+        <dgm:presLayoutVars>
+          <dgm:chPref val="3"/>
+        </dgm:presLayoutVars>
+      </dgm:prSet>
+      <dgm:spPr/>
+    </dgm:pt>
+    <dgm:pt modelId="{DCCD5EFE-7876-4BE0-8B52-0B8CAA5B5D98}" type="pres">
+      <dgm:prSet presAssocID="{9A3D543D-1E9A-4BE5-BFBC-B65722739982}" presName="hierChild2" presStyleCnt="0"/>
+      <dgm:spPr/>
+    </dgm:pt>
+    <dgm:pt modelId="{41AB122B-081A-4865-AD38-E3670CB221C3}" type="pres">
+      <dgm:prSet presAssocID="{675114A4-4D40-4091-9275-9C8175883DB4}" presName="Name19" presStyleLbl="parChTrans1D2" presStyleIdx="0" presStyleCnt="2"/>
+      <dgm:spPr/>
+    </dgm:pt>
+    <dgm:pt modelId="{CF8D64B8-D61F-466F-8ABA-43D7D9B04C06}" type="pres">
+      <dgm:prSet presAssocID="{35DCDA67-F2A2-441C-AE5D-C1B198AC0662}" presName="Name21" presStyleCnt="0"/>
+      <dgm:spPr/>
+    </dgm:pt>
+    <dgm:pt modelId="{0ECD015A-E51F-4E92-93F8-42CA82FE8288}" type="pres">
+      <dgm:prSet presAssocID="{35DCDA67-F2A2-441C-AE5D-C1B198AC0662}" presName="level2Shape" presStyleLbl="node2" presStyleIdx="0" presStyleCnt="2" custLinFactNeighborX="23962"/>
+      <dgm:spPr/>
+    </dgm:pt>
+    <dgm:pt modelId="{26362DDC-DD1A-4BB8-AE23-6E6A6745B19C}" type="pres">
+      <dgm:prSet presAssocID="{35DCDA67-F2A2-441C-AE5D-C1B198AC0662}" presName="hierChild3" presStyleCnt="0"/>
+      <dgm:spPr/>
+    </dgm:pt>
+    <dgm:pt modelId="{53BE28EF-99A8-45D2-A439-B1144FBC3954}" type="pres">
+      <dgm:prSet presAssocID="{7B337E52-DD2F-44E8-9ED5-365B87D9FED1}" presName="Name19" presStyleLbl="parChTrans1D3" presStyleIdx="0" presStyleCnt="3"/>
+      <dgm:spPr/>
+    </dgm:pt>
+    <dgm:pt modelId="{D3FD43ED-49D9-4CB5-A2F0-DFC7987DD202}" type="pres">
+      <dgm:prSet presAssocID="{001622B8-067A-4ACE-8911-1AA26B934B71}" presName="Name21" presStyleCnt="0"/>
+      <dgm:spPr/>
+    </dgm:pt>
+    <dgm:pt modelId="{C24AA9F1-E100-43C5-9B3E-E49BBE5DF731}" type="pres">
+      <dgm:prSet presAssocID="{001622B8-067A-4ACE-8911-1AA26B934B71}" presName="level2Shape" presStyleLbl="node3" presStyleIdx="0" presStyleCnt="3" custLinFactNeighborX="24205" custLinFactNeighborY="65726"/>
+      <dgm:spPr/>
+    </dgm:pt>
+    <dgm:pt modelId="{85A47341-493F-4C78-B925-6D17CBFED368}" type="pres">
+      <dgm:prSet presAssocID="{001622B8-067A-4ACE-8911-1AA26B934B71}" presName="hierChild3" presStyleCnt="0"/>
+      <dgm:spPr/>
+    </dgm:pt>
+    <dgm:pt modelId="{43920A6D-2009-4B79-8742-B886ECB91308}" type="pres">
+      <dgm:prSet presAssocID="{44536DEA-1FC1-4CE5-AE06-11BEE44A12BF}" presName="Name19" presStyleLbl="parChTrans1D2" presStyleIdx="1" presStyleCnt="2"/>
+      <dgm:spPr/>
+    </dgm:pt>
+    <dgm:pt modelId="{61FB2467-B7D2-452D-A0F5-32294B8A8235}" type="pres">
+      <dgm:prSet presAssocID="{EAD4E5F3-3B06-4EF8-AB2B-009E7E4763AD}" presName="Name21" presStyleCnt="0"/>
+      <dgm:spPr/>
+    </dgm:pt>
+    <dgm:pt modelId="{4AF2B6CC-A93F-47ED-A7B9-26D22F200D1D}" type="pres">
+      <dgm:prSet presAssocID="{EAD4E5F3-3B06-4EF8-AB2B-009E7E4763AD}" presName="level2Shape" presStyleLbl="node2" presStyleIdx="1" presStyleCnt="2" custLinFactNeighborX="54268"/>
+      <dgm:spPr/>
+    </dgm:pt>
+    <dgm:pt modelId="{E8F561B7-D327-479B-990A-9EBAB5DFB9FD}" type="pres">
+      <dgm:prSet presAssocID="{EAD4E5F3-3B06-4EF8-AB2B-009E7E4763AD}" presName="hierChild3" presStyleCnt="0"/>
+      <dgm:spPr/>
+    </dgm:pt>
+    <dgm:pt modelId="{5AE0F064-5425-4A63-A385-BE27AD8D1195}" type="pres">
+      <dgm:prSet presAssocID="{C92A7DEE-985B-45AE-86FD-D758F2FE9E3C}" presName="Name19" presStyleLbl="parChTrans1D3" presStyleIdx="1" presStyleCnt="3"/>
+      <dgm:spPr/>
+    </dgm:pt>
+    <dgm:pt modelId="{4A2A64A5-A7D6-4A53-B495-D6A7E5725335}" type="pres">
+      <dgm:prSet presAssocID="{4849CB27-FEF6-488D-9D56-B256EE12BA65}" presName="Name21" presStyleCnt="0"/>
+      <dgm:spPr/>
+    </dgm:pt>
+    <dgm:pt modelId="{9F1048E0-72C6-4083-9AB5-60CE934F76B3}" type="pres">
+      <dgm:prSet presAssocID="{4849CB27-FEF6-488D-9D56-B256EE12BA65}" presName="level2Shape" presStyleLbl="node3" presStyleIdx="1" presStyleCnt="3" custLinFactNeighborX="14901" custLinFactNeighborY="64699"/>
+      <dgm:spPr/>
+    </dgm:pt>
+    <dgm:pt modelId="{3EE34289-ED92-4DE0-A653-63DAA1B6A079}" type="pres">
+      <dgm:prSet presAssocID="{4849CB27-FEF6-488D-9D56-B256EE12BA65}" presName="hierChild3" presStyleCnt="0"/>
+      <dgm:spPr/>
+    </dgm:pt>
+    <dgm:pt modelId="{B667C2D1-7244-4F22-8333-F58FDB797D84}" type="pres">
+      <dgm:prSet presAssocID="{C5285430-AD9C-4F12-8045-94E159415BE8}" presName="Name19" presStyleLbl="parChTrans1D3" presStyleIdx="2" presStyleCnt="3"/>
+      <dgm:spPr/>
+    </dgm:pt>
+    <dgm:pt modelId="{EFE42CB0-FFA1-467B-A011-179F65E38315}" type="pres">
+      <dgm:prSet presAssocID="{F49D26FF-F1D4-4320-A4F1-8BC6E656D7F3}" presName="Name21" presStyleCnt="0"/>
+      <dgm:spPr/>
+    </dgm:pt>
+    <dgm:pt modelId="{1C600C8A-512F-4B6C-84AB-07E7CE5EC428}" type="pres">
+      <dgm:prSet presAssocID="{F49D26FF-F1D4-4320-A4F1-8BC6E656D7F3}" presName="level2Shape" presStyleLbl="node3" presStyleIdx="2" presStyleCnt="3" custLinFactNeighborX="282" custLinFactNeighborY="65726"/>
+      <dgm:spPr/>
+    </dgm:pt>
+    <dgm:pt modelId="{8A7C42C7-715B-4516-A4F1-B9043DA228DC}" type="pres">
+      <dgm:prSet presAssocID="{F49D26FF-F1D4-4320-A4F1-8BC6E656D7F3}" presName="hierChild3" presStyleCnt="0"/>
+      <dgm:spPr/>
+    </dgm:pt>
+    <dgm:pt modelId="{124AAE7E-87BF-4A3D-8F11-BC71C8D3FDE2}" type="pres">
+      <dgm:prSet presAssocID="{1C5F8750-0E8D-4A4F-A5C4-6A02757B2CEE}" presName="bgShapesFlow" presStyleCnt="0"/>
+      <dgm:spPr/>
+    </dgm:pt>
+  </dgm:ptLst>
+  <dgm:cxnLst>
+    <dgm:cxn modelId="{FC77AA06-4551-4525-9261-28001F8F0395}" type="presOf" srcId="{9A3D543D-1E9A-4BE5-BFBC-B65722739982}" destId="{9903AFBA-5A13-4349-A39D-854233A67AAB}" srcOrd="0" destOrd="0" presId="urn:microsoft.com/office/officeart/2005/8/layout/hierarchy6"/>
+    <dgm:cxn modelId="{A07A2011-992D-4235-AAA5-534468E5CFD5}" type="presOf" srcId="{C5285430-AD9C-4F12-8045-94E159415BE8}" destId="{B667C2D1-7244-4F22-8333-F58FDB797D84}" srcOrd="0" destOrd="0" presId="urn:microsoft.com/office/officeart/2005/8/layout/hierarchy6"/>
+    <dgm:cxn modelId="{86D65C29-E545-4D6C-BDE6-6D76BF27A0BE}" type="presOf" srcId="{4849CB27-FEF6-488D-9D56-B256EE12BA65}" destId="{9F1048E0-72C6-4083-9AB5-60CE934F76B3}" srcOrd="0" destOrd="0" presId="urn:microsoft.com/office/officeart/2005/8/layout/hierarchy6"/>
+    <dgm:cxn modelId="{F596F332-5493-4818-9869-E73462E473C5}" srcId="{EAD4E5F3-3B06-4EF8-AB2B-009E7E4763AD}" destId="{4849CB27-FEF6-488D-9D56-B256EE12BA65}" srcOrd="0" destOrd="0" parTransId="{C92A7DEE-985B-45AE-86FD-D758F2FE9E3C}" sibTransId="{660FC97F-AC41-4FAF-B4C9-56CD61D648BC}"/>
+    <dgm:cxn modelId="{8F84316C-D7CF-4E70-A84F-FC3AEF7A98DD}" srcId="{1C5F8750-0E8D-4A4F-A5C4-6A02757B2CEE}" destId="{9A3D543D-1E9A-4BE5-BFBC-B65722739982}" srcOrd="0" destOrd="0" parTransId="{9B09A68A-FA35-4BB2-B59F-0D5048C372BC}" sibTransId="{4E033150-6172-41B8-A447-633A4A116347}"/>
+    <dgm:cxn modelId="{C8B9545A-366A-4D0A-97FE-6EF131421FCB}" type="presOf" srcId="{EAD4E5F3-3B06-4EF8-AB2B-009E7E4763AD}" destId="{4AF2B6CC-A93F-47ED-A7B9-26D22F200D1D}" srcOrd="0" destOrd="0" presId="urn:microsoft.com/office/officeart/2005/8/layout/hierarchy6"/>
+    <dgm:cxn modelId="{82DACA7E-BA77-45DE-A508-21AA17F6B2C9}" type="presOf" srcId="{35DCDA67-F2A2-441C-AE5D-C1B198AC0662}" destId="{0ECD015A-E51F-4E92-93F8-42CA82FE8288}" srcOrd="0" destOrd="0" presId="urn:microsoft.com/office/officeart/2005/8/layout/hierarchy6"/>
+    <dgm:cxn modelId="{169D398B-DAE8-49AD-8309-84B62DB80379}" type="presOf" srcId="{7B337E52-DD2F-44E8-9ED5-365B87D9FED1}" destId="{53BE28EF-99A8-45D2-A439-B1144FBC3954}" srcOrd="0" destOrd="0" presId="urn:microsoft.com/office/officeart/2005/8/layout/hierarchy6"/>
+    <dgm:cxn modelId="{3F2BC38B-55F7-4A66-976F-34BDEDF69C17}" srcId="{EAD4E5F3-3B06-4EF8-AB2B-009E7E4763AD}" destId="{F49D26FF-F1D4-4320-A4F1-8BC6E656D7F3}" srcOrd="1" destOrd="0" parTransId="{C5285430-AD9C-4F12-8045-94E159415BE8}" sibTransId="{FBEA30D1-3CB5-46EC-8B9E-4CD3B21419F7}"/>
+    <dgm:cxn modelId="{BC126B93-5A85-4FE0-92DC-6B5FDE551C7F}" srcId="{35DCDA67-F2A2-441C-AE5D-C1B198AC0662}" destId="{001622B8-067A-4ACE-8911-1AA26B934B71}" srcOrd="0" destOrd="0" parTransId="{7B337E52-DD2F-44E8-9ED5-365B87D9FED1}" sibTransId="{9859AD3B-0077-415C-B213-4209EF6A42CC}"/>
+    <dgm:cxn modelId="{5DC8BFBD-641E-4801-86A0-25764D3FA3A0}" type="presOf" srcId="{44536DEA-1FC1-4CE5-AE06-11BEE44A12BF}" destId="{43920A6D-2009-4B79-8742-B886ECB91308}" srcOrd="0" destOrd="0" presId="urn:microsoft.com/office/officeart/2005/8/layout/hierarchy6"/>
+    <dgm:cxn modelId="{E748DEC2-D1A4-419D-B316-C672A26B4D0E}" srcId="{9A3D543D-1E9A-4BE5-BFBC-B65722739982}" destId="{EAD4E5F3-3B06-4EF8-AB2B-009E7E4763AD}" srcOrd="1" destOrd="0" parTransId="{44536DEA-1FC1-4CE5-AE06-11BEE44A12BF}" sibTransId="{D47A7A7D-B017-4D91-90B5-28ED206B13F5}"/>
+    <dgm:cxn modelId="{7EB384C4-1E22-4EFA-8CC2-CD150528C9C9}" type="presOf" srcId="{001622B8-067A-4ACE-8911-1AA26B934B71}" destId="{C24AA9F1-E100-43C5-9B3E-E49BBE5DF731}" srcOrd="0" destOrd="0" presId="urn:microsoft.com/office/officeart/2005/8/layout/hierarchy6"/>
+    <dgm:cxn modelId="{5E4A92C4-FC82-499F-8060-EE9E3CB03401}" srcId="{9A3D543D-1E9A-4BE5-BFBC-B65722739982}" destId="{35DCDA67-F2A2-441C-AE5D-C1B198AC0662}" srcOrd="0" destOrd="0" parTransId="{675114A4-4D40-4091-9275-9C8175883DB4}" sibTransId="{D315B3E9-E343-4B13-8EAD-6B260F20DDCE}"/>
+    <dgm:cxn modelId="{5358C9CD-4C9F-4E16-B72C-FFBB6D6C75B6}" type="presOf" srcId="{1C5F8750-0E8D-4A4F-A5C4-6A02757B2CEE}" destId="{C647C14C-60E2-48E5-85A4-92CF88C6F009}" srcOrd="0" destOrd="0" presId="urn:microsoft.com/office/officeart/2005/8/layout/hierarchy6"/>
+    <dgm:cxn modelId="{89E635CF-C8BB-458D-A842-C8F1C2255C80}" type="presOf" srcId="{C92A7DEE-985B-45AE-86FD-D758F2FE9E3C}" destId="{5AE0F064-5425-4A63-A385-BE27AD8D1195}" srcOrd="0" destOrd="0" presId="urn:microsoft.com/office/officeart/2005/8/layout/hierarchy6"/>
+    <dgm:cxn modelId="{79B249DC-4833-49D8-9857-9CE7EF5DF86E}" type="presOf" srcId="{675114A4-4D40-4091-9275-9C8175883DB4}" destId="{41AB122B-081A-4865-AD38-E3670CB221C3}" srcOrd="0" destOrd="0" presId="urn:microsoft.com/office/officeart/2005/8/layout/hierarchy6"/>
+    <dgm:cxn modelId="{9A50B6E5-BA85-4336-9E11-E266E54F4CBC}" type="presOf" srcId="{F49D26FF-F1D4-4320-A4F1-8BC6E656D7F3}" destId="{1C600C8A-512F-4B6C-84AB-07E7CE5EC428}" srcOrd="0" destOrd="0" presId="urn:microsoft.com/office/officeart/2005/8/layout/hierarchy6"/>
+    <dgm:cxn modelId="{2D64ED38-1EE4-4F7E-B3C2-A897AC7AB7FF}" type="presParOf" srcId="{C647C14C-60E2-48E5-85A4-92CF88C6F009}" destId="{7FBC73CD-6899-48F0-97D2-0FAF099D00D7}" srcOrd="0" destOrd="0" presId="urn:microsoft.com/office/officeart/2005/8/layout/hierarchy6"/>
+    <dgm:cxn modelId="{740D6EF3-2D28-4ABA-B191-DA09BDBD1B77}" type="presParOf" srcId="{7FBC73CD-6899-48F0-97D2-0FAF099D00D7}" destId="{345ABD8D-1ABA-4A43-A568-C10F9BC71744}" srcOrd="0" destOrd="0" presId="urn:microsoft.com/office/officeart/2005/8/layout/hierarchy6"/>
+    <dgm:cxn modelId="{025DC321-A30F-4DA2-A136-3C669C5743BF}" type="presParOf" srcId="{345ABD8D-1ABA-4A43-A568-C10F9BC71744}" destId="{6CAA1593-FAC0-443A-87C9-97957B477D06}" srcOrd="0" destOrd="0" presId="urn:microsoft.com/office/officeart/2005/8/layout/hierarchy6"/>
+    <dgm:cxn modelId="{2DBDB6B2-66C0-43A9-AA50-0554C842DE39}" type="presParOf" srcId="{6CAA1593-FAC0-443A-87C9-97957B477D06}" destId="{9903AFBA-5A13-4349-A39D-854233A67AAB}" srcOrd="0" destOrd="0" presId="urn:microsoft.com/office/officeart/2005/8/layout/hierarchy6"/>
+    <dgm:cxn modelId="{311109C4-F880-460E-8C0B-1AD2D52726F4}" type="presParOf" srcId="{6CAA1593-FAC0-443A-87C9-97957B477D06}" destId="{DCCD5EFE-7876-4BE0-8B52-0B8CAA5B5D98}" srcOrd="1" destOrd="0" presId="urn:microsoft.com/office/officeart/2005/8/layout/hierarchy6"/>
+    <dgm:cxn modelId="{3DC9CB6F-FBD0-4D54-9488-459BE4343143}" type="presParOf" srcId="{DCCD5EFE-7876-4BE0-8B52-0B8CAA5B5D98}" destId="{41AB122B-081A-4865-AD38-E3670CB221C3}" srcOrd="0" destOrd="0" presId="urn:microsoft.com/office/officeart/2005/8/layout/hierarchy6"/>
+    <dgm:cxn modelId="{6AA75A7F-54AB-4A2A-A81F-34BDAF755018}" type="presParOf" srcId="{DCCD5EFE-7876-4BE0-8B52-0B8CAA5B5D98}" destId="{CF8D64B8-D61F-466F-8ABA-43D7D9B04C06}" srcOrd="1" destOrd="0" presId="urn:microsoft.com/office/officeart/2005/8/layout/hierarchy6"/>
+    <dgm:cxn modelId="{B1905272-1E6F-491E-AE7C-C288D66447B0}" type="presParOf" srcId="{CF8D64B8-D61F-466F-8ABA-43D7D9B04C06}" destId="{0ECD015A-E51F-4E92-93F8-42CA82FE8288}" srcOrd="0" destOrd="0" presId="urn:microsoft.com/office/officeart/2005/8/layout/hierarchy6"/>
+    <dgm:cxn modelId="{265E7D0A-4975-41A5-AAA2-A15C7BB0A6A2}" type="presParOf" srcId="{CF8D64B8-D61F-466F-8ABA-43D7D9B04C06}" destId="{26362DDC-DD1A-4BB8-AE23-6E6A6745B19C}" srcOrd="1" destOrd="0" presId="urn:microsoft.com/office/officeart/2005/8/layout/hierarchy6"/>
+    <dgm:cxn modelId="{6E597E06-9D5D-48FD-B810-1D451D385A2B}" type="presParOf" srcId="{26362DDC-DD1A-4BB8-AE23-6E6A6745B19C}" destId="{53BE28EF-99A8-45D2-A439-B1144FBC3954}" srcOrd="0" destOrd="0" presId="urn:microsoft.com/office/officeart/2005/8/layout/hierarchy6"/>
+    <dgm:cxn modelId="{5DDEA7F0-729B-4FB2-88AD-066A841DBD13}" type="presParOf" srcId="{26362DDC-DD1A-4BB8-AE23-6E6A6745B19C}" destId="{D3FD43ED-49D9-4CB5-A2F0-DFC7987DD202}" srcOrd="1" destOrd="0" presId="urn:microsoft.com/office/officeart/2005/8/layout/hierarchy6"/>
+    <dgm:cxn modelId="{4EC4D814-D2B0-4282-9659-757C4605C9F6}" type="presParOf" srcId="{D3FD43ED-49D9-4CB5-A2F0-DFC7987DD202}" destId="{C24AA9F1-E100-43C5-9B3E-E49BBE5DF731}" srcOrd="0" destOrd="0" presId="urn:microsoft.com/office/officeart/2005/8/layout/hierarchy6"/>
+    <dgm:cxn modelId="{8DD2B440-BEFB-4DFC-AA9E-B1A46C0A5CF3}" type="presParOf" srcId="{D3FD43ED-49D9-4CB5-A2F0-DFC7987DD202}" destId="{85A47341-493F-4C78-B925-6D17CBFED368}" srcOrd="1" destOrd="0" presId="urn:microsoft.com/office/officeart/2005/8/layout/hierarchy6"/>
+    <dgm:cxn modelId="{52949C2C-3793-45E0-A061-1E35CD976B9B}" type="presParOf" srcId="{DCCD5EFE-7876-4BE0-8B52-0B8CAA5B5D98}" destId="{43920A6D-2009-4B79-8742-B886ECB91308}" srcOrd="2" destOrd="0" presId="urn:microsoft.com/office/officeart/2005/8/layout/hierarchy6"/>
+    <dgm:cxn modelId="{C6CF8B4A-BBD9-4AA0-B98A-FF1F7B66943A}" type="presParOf" srcId="{DCCD5EFE-7876-4BE0-8B52-0B8CAA5B5D98}" destId="{61FB2467-B7D2-452D-A0F5-32294B8A8235}" srcOrd="3" destOrd="0" presId="urn:microsoft.com/office/officeart/2005/8/layout/hierarchy6"/>
+    <dgm:cxn modelId="{D976F809-BC2B-48D2-ADF9-897ED971C724}" type="presParOf" srcId="{61FB2467-B7D2-452D-A0F5-32294B8A8235}" destId="{4AF2B6CC-A93F-47ED-A7B9-26D22F200D1D}" srcOrd="0" destOrd="0" presId="urn:microsoft.com/office/officeart/2005/8/layout/hierarchy6"/>
+    <dgm:cxn modelId="{8D13A4B6-F54D-4533-B199-6B8F2D160D0B}" type="presParOf" srcId="{61FB2467-B7D2-452D-A0F5-32294B8A8235}" destId="{E8F561B7-D327-479B-990A-9EBAB5DFB9FD}" srcOrd="1" destOrd="0" presId="urn:microsoft.com/office/officeart/2005/8/layout/hierarchy6"/>
+    <dgm:cxn modelId="{25183737-5699-44C1-B258-836D1DC3A3E1}" type="presParOf" srcId="{E8F561B7-D327-479B-990A-9EBAB5DFB9FD}" destId="{5AE0F064-5425-4A63-A385-BE27AD8D1195}" srcOrd="0" destOrd="0" presId="urn:microsoft.com/office/officeart/2005/8/layout/hierarchy6"/>
+    <dgm:cxn modelId="{37ECE608-BF76-46DF-920B-13BB8AE23211}" type="presParOf" srcId="{E8F561B7-D327-479B-990A-9EBAB5DFB9FD}" destId="{4A2A64A5-A7D6-4A53-B495-D6A7E5725335}" srcOrd="1" destOrd="0" presId="urn:microsoft.com/office/officeart/2005/8/layout/hierarchy6"/>
+    <dgm:cxn modelId="{16D1DC64-D2A6-4574-B7C5-41CAC4753108}" type="presParOf" srcId="{4A2A64A5-A7D6-4A53-B495-D6A7E5725335}" destId="{9F1048E0-72C6-4083-9AB5-60CE934F76B3}" srcOrd="0" destOrd="0" presId="urn:microsoft.com/office/officeart/2005/8/layout/hierarchy6"/>
+    <dgm:cxn modelId="{282993A5-E6E9-43A3-B645-C080B2044966}" type="presParOf" srcId="{4A2A64A5-A7D6-4A53-B495-D6A7E5725335}" destId="{3EE34289-ED92-4DE0-A653-63DAA1B6A079}" srcOrd="1" destOrd="0" presId="urn:microsoft.com/office/officeart/2005/8/layout/hierarchy6"/>
+    <dgm:cxn modelId="{9C718577-26C6-4876-87D9-2D2346C58E15}" type="presParOf" srcId="{E8F561B7-D327-479B-990A-9EBAB5DFB9FD}" destId="{B667C2D1-7244-4F22-8333-F58FDB797D84}" srcOrd="2" destOrd="0" presId="urn:microsoft.com/office/officeart/2005/8/layout/hierarchy6"/>
+    <dgm:cxn modelId="{0214625F-997A-4361-BBF2-47032A26AD4B}" type="presParOf" srcId="{E8F561B7-D327-479B-990A-9EBAB5DFB9FD}" destId="{EFE42CB0-FFA1-467B-A011-179F65E38315}" srcOrd="3" destOrd="0" presId="urn:microsoft.com/office/officeart/2005/8/layout/hierarchy6"/>
+    <dgm:cxn modelId="{32F7D331-FA42-4516-AE42-CB32409E4071}" type="presParOf" srcId="{EFE42CB0-FFA1-467B-A011-179F65E38315}" destId="{1C600C8A-512F-4B6C-84AB-07E7CE5EC428}" srcOrd="0" destOrd="0" presId="urn:microsoft.com/office/officeart/2005/8/layout/hierarchy6"/>
+    <dgm:cxn modelId="{9C414A13-C5F8-4C3E-B00E-25A11114376D}" type="presParOf" srcId="{EFE42CB0-FFA1-467B-A011-179F65E38315}" destId="{8A7C42C7-715B-4516-A4F1-B9043DA228DC}" srcOrd="1" destOrd="0" presId="urn:microsoft.com/office/officeart/2005/8/layout/hierarchy6"/>
+    <dgm:cxn modelId="{0545571F-389F-4ACC-93DE-242F12169B8D}" type="presParOf" srcId="{C647C14C-60E2-48E5-85A4-92CF88C6F009}" destId="{124AAE7E-87BF-4A3D-8F11-BC71C8D3FDE2}" srcOrd="1" destOrd="0" presId="urn:microsoft.com/office/officeart/2005/8/layout/hierarchy6"/>
+  </dgm:cxnLst>
+  <dgm:bg/>
+  <dgm:whole/>
+  <dgm:extLst>
+    <a:ext uri="http://schemas.microsoft.com/office/drawing/2008/diagram">
+      <dsp:dataModelExt xmlns:dsp="http://schemas.microsoft.com/office/drawing/2008/diagram" relId="rId8" minVer="http://schemas.openxmlformats.org/drawingml/2006/diagram"/>
     </a:ext>
   </dgm:extLst>
 </dgm:dataModel>
@@ -6724,25 +7976,21 @@
             <a:alphaOff val="0"/>
           </a:schemeClr>
         </a:solidFill>
-        <a:ln>
-          <a:noFill/>
+        <a:ln w="19050" cap="flat" cmpd="sng" algn="ctr">
+          <a:solidFill>
+            <a:schemeClr val="lt1">
+              <a:hueOff val="0"/>
+              <a:satOff val="0"/>
+              <a:lumOff val="0"/>
+              <a:alphaOff val="0"/>
+            </a:schemeClr>
+          </a:solidFill>
+          <a:prstDash val="solid"/>
         </a:ln>
         <a:effectLst/>
-        <a:scene3d>
-          <a:camera prst="orthographicFront">
-            <a:rot lat="0" lon="0" rev="0"/>
-          </a:camera>
-          <a:lightRig rig="contrasting" dir="t">
-            <a:rot lat="0" lon="0" rev="1200000"/>
-          </a:lightRig>
-        </a:scene3d>
-        <a:sp3d contourW="19050" prstMaterial="metal">
-          <a:bevelT w="88900" h="203200"/>
-          <a:bevelB w="165100" h="254000"/>
-        </a:sp3d>
       </dsp:spPr>
       <dsp:style>
-        <a:lnRef idx="0">
+        <a:lnRef idx="3">
           <a:scrgbClr r="0" g="0" b="0"/>
         </a:lnRef>
         <a:fillRef idx="1">
@@ -6830,15 +8078,6 @@
           <a:prstDash val="solid"/>
         </a:ln>
         <a:effectLst/>
-        <a:scene3d>
-          <a:camera prst="orthographicFront">
-            <a:rot lat="0" lon="0" rev="0"/>
-          </a:camera>
-          <a:lightRig rig="contrasting" dir="t">
-            <a:rot lat="0" lon="0" rev="1200000"/>
-          </a:lightRig>
-        </a:scene3d>
-        <a:sp3d z="-110000"/>
       </dsp:spPr>
       <dsp:style>
         <a:lnRef idx="2">
@@ -6876,25 +8115,21 @@
             <a:alphaOff val="0"/>
           </a:schemeClr>
         </a:solidFill>
-        <a:ln>
-          <a:noFill/>
+        <a:ln w="19050" cap="flat" cmpd="sng" algn="ctr">
+          <a:solidFill>
+            <a:schemeClr val="lt1">
+              <a:hueOff val="0"/>
+              <a:satOff val="0"/>
+              <a:lumOff val="0"/>
+              <a:alphaOff val="0"/>
+            </a:schemeClr>
+          </a:solidFill>
+          <a:prstDash val="solid"/>
         </a:ln>
         <a:effectLst/>
-        <a:scene3d>
-          <a:camera prst="orthographicFront">
-            <a:rot lat="0" lon="0" rev="0"/>
-          </a:camera>
-          <a:lightRig rig="contrasting" dir="t">
-            <a:rot lat="0" lon="0" rev="1200000"/>
-          </a:lightRig>
-        </a:scene3d>
-        <a:sp3d contourW="19050" prstMaterial="metal">
-          <a:bevelT w="88900" h="203200"/>
-          <a:bevelB w="165100" h="254000"/>
-        </a:sp3d>
       </dsp:spPr>
       <dsp:style>
-        <a:lnRef idx="0">
+        <a:lnRef idx="3">
           <a:scrgbClr r="0" g="0" b="0"/>
         </a:lnRef>
         <a:fillRef idx="1">
@@ -6982,15 +8217,6 @@
           <a:prstDash val="solid"/>
         </a:ln>
         <a:effectLst/>
-        <a:scene3d>
-          <a:camera prst="orthographicFront">
-            <a:rot lat="0" lon="0" rev="0"/>
-          </a:camera>
-          <a:lightRig rig="contrasting" dir="t">
-            <a:rot lat="0" lon="0" rev="1200000"/>
-          </a:lightRig>
-        </a:scene3d>
-        <a:sp3d z="-110000"/>
       </dsp:spPr>
       <dsp:style>
         <a:lnRef idx="2">
@@ -7028,25 +8254,21 @@
             <a:alphaOff val="0"/>
           </a:schemeClr>
         </a:solidFill>
-        <a:ln>
-          <a:noFill/>
+        <a:ln w="19050" cap="flat" cmpd="sng" algn="ctr">
+          <a:solidFill>
+            <a:schemeClr val="lt1">
+              <a:hueOff val="0"/>
+              <a:satOff val="0"/>
+              <a:lumOff val="0"/>
+              <a:alphaOff val="0"/>
+            </a:schemeClr>
+          </a:solidFill>
+          <a:prstDash val="solid"/>
         </a:ln>
         <a:effectLst/>
-        <a:scene3d>
-          <a:camera prst="orthographicFront">
-            <a:rot lat="0" lon="0" rev="0"/>
-          </a:camera>
-          <a:lightRig rig="contrasting" dir="t">
-            <a:rot lat="0" lon="0" rev="1200000"/>
-          </a:lightRig>
-        </a:scene3d>
-        <a:sp3d contourW="19050" prstMaterial="metal">
-          <a:bevelT w="88900" h="203200"/>
-          <a:bevelB w="165100" h="254000"/>
-        </a:sp3d>
       </dsp:spPr>
       <dsp:style>
-        <a:lnRef idx="0">
+        <a:lnRef idx="3">
           <a:scrgbClr r="0" g="0" b="0"/>
         </a:lnRef>
         <a:fillRef idx="1">
@@ -7129,15 +8351,6 @@
           <a:prstDash val="solid"/>
         </a:ln>
         <a:effectLst/>
-        <a:scene3d>
-          <a:camera prst="orthographicFront">
-            <a:rot lat="0" lon="0" rev="0"/>
-          </a:camera>
-          <a:lightRig rig="contrasting" dir="t">
-            <a:rot lat="0" lon="0" rev="1200000"/>
-          </a:lightRig>
-        </a:scene3d>
-        <a:sp3d z="-110000"/>
       </dsp:spPr>
       <dsp:style>
         <a:lnRef idx="2">
@@ -7175,25 +8388,21 @@
             <a:alphaOff val="0"/>
           </a:schemeClr>
         </a:solidFill>
-        <a:ln>
-          <a:noFill/>
+        <a:ln w="19050" cap="flat" cmpd="sng" algn="ctr">
+          <a:solidFill>
+            <a:schemeClr val="lt1">
+              <a:hueOff val="0"/>
+              <a:satOff val="0"/>
+              <a:lumOff val="0"/>
+              <a:alphaOff val="0"/>
+            </a:schemeClr>
+          </a:solidFill>
+          <a:prstDash val="solid"/>
         </a:ln>
         <a:effectLst/>
-        <a:scene3d>
-          <a:camera prst="orthographicFront">
-            <a:rot lat="0" lon="0" rev="0"/>
-          </a:camera>
-          <a:lightRig rig="contrasting" dir="t">
-            <a:rot lat="0" lon="0" rev="1200000"/>
-          </a:lightRig>
-        </a:scene3d>
-        <a:sp3d contourW="19050" prstMaterial="metal">
-          <a:bevelT w="88900" h="203200"/>
-          <a:bevelB w="165100" h="254000"/>
-        </a:sp3d>
       </dsp:spPr>
       <dsp:style>
-        <a:lnRef idx="0">
+        <a:lnRef idx="3">
           <a:scrgbClr r="0" g="0" b="0"/>
         </a:lnRef>
         <a:fillRef idx="1">
@@ -7282,15 +8491,6 @@
           <a:prstDash val="solid"/>
         </a:ln>
         <a:effectLst/>
-        <a:scene3d>
-          <a:camera prst="orthographicFront">
-            <a:rot lat="0" lon="0" rev="0"/>
-          </a:camera>
-          <a:lightRig rig="contrasting" dir="t">
-            <a:rot lat="0" lon="0" rev="1200000"/>
-          </a:lightRig>
-        </a:scene3d>
-        <a:sp3d z="-110000"/>
       </dsp:spPr>
       <dsp:style>
         <a:lnRef idx="2">
@@ -7328,25 +8528,21 @@
             <a:alphaOff val="0"/>
           </a:schemeClr>
         </a:solidFill>
-        <a:ln>
-          <a:noFill/>
+        <a:ln w="19050" cap="flat" cmpd="sng" algn="ctr">
+          <a:solidFill>
+            <a:schemeClr val="lt1">
+              <a:hueOff val="0"/>
+              <a:satOff val="0"/>
+              <a:lumOff val="0"/>
+              <a:alphaOff val="0"/>
+            </a:schemeClr>
+          </a:solidFill>
+          <a:prstDash val="solid"/>
         </a:ln>
         <a:effectLst/>
-        <a:scene3d>
-          <a:camera prst="orthographicFront">
-            <a:rot lat="0" lon="0" rev="0"/>
-          </a:camera>
-          <a:lightRig rig="contrasting" dir="t">
-            <a:rot lat="0" lon="0" rev="1200000"/>
-          </a:lightRig>
-        </a:scene3d>
-        <a:sp3d contourW="19050" prstMaterial="metal">
-          <a:bevelT w="88900" h="203200"/>
-          <a:bevelB w="165100" h="254000"/>
-        </a:sp3d>
       </dsp:spPr>
       <dsp:style>
-        <a:lnRef idx="0">
+        <a:lnRef idx="3">
           <a:scrgbClr r="0" g="0" b="0"/>
         </a:lnRef>
         <a:fillRef idx="1">
@@ -7425,15 +8621,6 @@
           <a:prstDash val="solid"/>
         </a:ln>
         <a:effectLst/>
-        <a:scene3d>
-          <a:camera prst="orthographicFront">
-            <a:rot lat="0" lon="0" rev="0"/>
-          </a:camera>
-          <a:lightRig rig="contrasting" dir="t">
-            <a:rot lat="0" lon="0" rev="1200000"/>
-          </a:lightRig>
-        </a:scene3d>
-        <a:sp3d z="-110000"/>
       </dsp:spPr>
       <dsp:style>
         <a:lnRef idx="2">
@@ -7471,25 +8658,21 @@
             <a:alphaOff val="0"/>
           </a:schemeClr>
         </a:solidFill>
-        <a:ln>
-          <a:noFill/>
+        <a:ln w="19050" cap="flat" cmpd="sng" algn="ctr">
+          <a:solidFill>
+            <a:schemeClr val="lt1">
+              <a:hueOff val="0"/>
+              <a:satOff val="0"/>
+              <a:lumOff val="0"/>
+              <a:alphaOff val="0"/>
+            </a:schemeClr>
+          </a:solidFill>
+          <a:prstDash val="solid"/>
         </a:ln>
         <a:effectLst/>
-        <a:scene3d>
-          <a:camera prst="orthographicFront">
-            <a:rot lat="0" lon="0" rev="0"/>
-          </a:camera>
-          <a:lightRig rig="contrasting" dir="t">
-            <a:rot lat="0" lon="0" rev="1200000"/>
-          </a:lightRig>
-        </a:scene3d>
-        <a:sp3d contourW="19050" prstMaterial="metal">
-          <a:bevelT w="88900" h="203200"/>
-          <a:bevelB w="165100" h="254000"/>
-        </a:sp3d>
       </dsp:spPr>
       <dsp:style>
-        <a:lnRef idx="0">
+        <a:lnRef idx="3">
           <a:scrgbClr r="0" g="0" b="0"/>
         </a:lnRef>
         <a:fillRef idx="1">
@@ -7577,15 +8760,6 @@
           <a:prstDash val="solid"/>
         </a:ln>
         <a:effectLst/>
-        <a:scene3d>
-          <a:camera prst="orthographicFront">
-            <a:rot lat="0" lon="0" rev="0"/>
-          </a:camera>
-          <a:lightRig rig="contrasting" dir="t">
-            <a:rot lat="0" lon="0" rev="1200000"/>
-          </a:lightRig>
-        </a:scene3d>
-        <a:sp3d z="-110000"/>
       </dsp:spPr>
       <dsp:style>
         <a:lnRef idx="2">
@@ -7623,25 +8797,21 @@
             <a:alphaOff val="0"/>
           </a:schemeClr>
         </a:solidFill>
-        <a:ln>
-          <a:noFill/>
+        <a:ln w="19050" cap="flat" cmpd="sng" algn="ctr">
+          <a:solidFill>
+            <a:schemeClr val="lt1">
+              <a:hueOff val="0"/>
+              <a:satOff val="0"/>
+              <a:lumOff val="0"/>
+              <a:alphaOff val="0"/>
+            </a:schemeClr>
+          </a:solidFill>
+          <a:prstDash val="solid"/>
         </a:ln>
         <a:effectLst/>
-        <a:scene3d>
-          <a:camera prst="orthographicFront">
-            <a:rot lat="0" lon="0" rev="0"/>
-          </a:camera>
-          <a:lightRig rig="contrasting" dir="t">
-            <a:rot lat="0" lon="0" rev="1200000"/>
-          </a:lightRig>
-        </a:scene3d>
-        <a:sp3d contourW="19050" prstMaterial="metal">
-          <a:bevelT w="88900" h="203200"/>
-          <a:bevelB w="165100" h="254000"/>
-        </a:sp3d>
       </dsp:spPr>
       <dsp:style>
-        <a:lnRef idx="0">
+        <a:lnRef idx="3">
           <a:scrgbClr r="0" g="0" b="0"/>
         </a:lnRef>
         <a:fillRef idx="1">
@@ -7681,6 +8851,859 @@
       <dsp:txXfrm>
         <a:off x="3716132" y="1310995"/>
         <a:ext cx="1320697" cy="862574"/>
+      </dsp:txXfrm>
+    </dsp:sp>
+  </dsp:spTree>
+</dsp:drawing>
+</file>
+
+<file path=ppt/diagrams/drawing3.xml><?xml version="1.0" encoding="utf-8"?>
+<dsp:drawing xmlns:dgm="http://schemas.openxmlformats.org/drawingml/2006/diagram" xmlns:dsp="http://schemas.microsoft.com/office/drawing/2008/diagram" xmlns:a="http://schemas.openxmlformats.org/drawingml/2006/main">
+  <dsp:spTree>
+    <dsp:nvGrpSpPr>
+      <dsp:cNvPr id="0" name=""/>
+      <dsp:cNvGrpSpPr/>
+    </dsp:nvGrpSpPr>
+    <dsp:grpSpPr/>
+    <dsp:sp modelId="{9903AFBA-5A13-4349-A39D-854233A67AAB}">
+      <dsp:nvSpPr>
+        <dsp:cNvPr id="0" name=""/>
+        <dsp:cNvSpPr/>
+      </dsp:nvSpPr>
+      <dsp:spPr>
+        <a:xfrm>
+          <a:off x="3480170" y="0"/>
+          <a:ext cx="2269996" cy="1513331"/>
+        </a:xfrm>
+        <a:prstGeom prst="roundRect">
+          <a:avLst>
+            <a:gd name="adj" fmla="val 10000"/>
+          </a:avLst>
+        </a:prstGeom>
+        <a:solidFill>
+          <a:schemeClr val="accent1">
+            <a:hueOff val="0"/>
+            <a:satOff val="0"/>
+            <a:lumOff val="0"/>
+            <a:alphaOff val="0"/>
+          </a:schemeClr>
+        </a:solidFill>
+        <a:ln w="19050" cap="flat" cmpd="sng" algn="ctr">
+          <a:solidFill>
+            <a:schemeClr val="lt1">
+              <a:hueOff val="0"/>
+              <a:satOff val="0"/>
+              <a:lumOff val="0"/>
+              <a:alphaOff val="0"/>
+            </a:schemeClr>
+          </a:solidFill>
+          <a:prstDash val="solid"/>
+        </a:ln>
+        <a:effectLst/>
+      </dsp:spPr>
+      <dsp:style>
+        <a:lnRef idx="3">
+          <a:scrgbClr r="0" g="0" b="0"/>
+        </a:lnRef>
+        <a:fillRef idx="1">
+          <a:scrgbClr r="0" g="0" b="0"/>
+        </a:fillRef>
+        <a:effectRef idx="1">
+          <a:scrgbClr r="0" g="0" b="0"/>
+        </a:effectRef>
+        <a:fontRef idx="minor">
+          <a:schemeClr val="lt1"/>
+        </a:fontRef>
+      </dsp:style>
+      <dsp:txBody>
+        <a:bodyPr spcFirstLastPara="0" vert="horz" wrap="square" lIns="87630" tIns="87630" rIns="87630" bIns="87630" numCol="1" spcCol="1270" anchor="ctr" anchorCtr="0">
+          <a:noAutofit/>
+        </a:bodyPr>
+        <a:lstStyle/>
+        <a:p>
+          <a:pPr marL="0" lvl="0" indent="0" algn="ctr" defTabSz="1022350">
+            <a:lnSpc>
+              <a:spcPct val="90000"/>
+            </a:lnSpc>
+            <a:spcBef>
+              <a:spcPct val="0"/>
+            </a:spcBef>
+            <a:spcAft>
+              <a:spcPct val="35000"/>
+            </a:spcAft>
+            <a:buNone/>
+          </a:pPr>
+          <a:r>
+            <a:rPr lang="es-AR" sz="2300" kern="1200" dirty="0"/>
+            <a:t>EVENTOS</a:t>
+          </a:r>
+        </a:p>
+      </dsp:txBody>
+      <dsp:txXfrm>
+        <a:off x="3524494" y="44324"/>
+        <a:ext cx="2181348" cy="1424683"/>
+      </dsp:txXfrm>
+    </dsp:sp>
+    <dsp:sp modelId="{41AB122B-081A-4865-AD38-E3670CB221C3}">
+      <dsp:nvSpPr>
+        <dsp:cNvPr id="0" name=""/>
+        <dsp:cNvSpPr/>
+      </dsp:nvSpPr>
+      <dsp:spPr>
+        <a:xfrm>
+          <a:off x="1685329" y="1513331"/>
+          <a:ext cx="2929839" cy="666040"/>
+        </a:xfrm>
+        <a:custGeom>
+          <a:avLst/>
+          <a:gdLst/>
+          <a:ahLst/>
+          <a:cxnLst/>
+          <a:rect l="0" t="0" r="0" b="0"/>
+          <a:pathLst>
+            <a:path>
+              <a:moveTo>
+                <a:pt x="2929839" y="0"/>
+              </a:moveTo>
+              <a:lnTo>
+                <a:pt x="2929839" y="333020"/>
+              </a:lnTo>
+              <a:lnTo>
+                <a:pt x="0" y="333020"/>
+              </a:lnTo>
+              <a:lnTo>
+                <a:pt x="0" y="666040"/>
+              </a:lnTo>
+            </a:path>
+          </a:pathLst>
+        </a:custGeom>
+        <a:noFill/>
+        <a:ln w="12700" cap="flat" cmpd="sng" algn="ctr">
+          <a:solidFill>
+            <a:schemeClr val="accent3">
+              <a:hueOff val="0"/>
+              <a:satOff val="0"/>
+              <a:lumOff val="0"/>
+              <a:alphaOff val="0"/>
+            </a:schemeClr>
+          </a:solidFill>
+          <a:prstDash val="solid"/>
+        </a:ln>
+        <a:effectLst/>
+      </dsp:spPr>
+      <dsp:style>
+        <a:lnRef idx="2">
+          <a:scrgbClr r="0" g="0" b="0"/>
+        </a:lnRef>
+        <a:fillRef idx="0">
+          <a:scrgbClr r="0" g="0" b="0"/>
+        </a:fillRef>
+        <a:effectRef idx="0">
+          <a:scrgbClr r="0" g="0" b="0"/>
+        </a:effectRef>
+        <a:fontRef idx="minor"/>
+      </dsp:style>
+    </dsp:sp>
+    <dsp:sp modelId="{0ECD015A-E51F-4E92-93F8-42CA82FE8288}">
+      <dsp:nvSpPr>
+        <dsp:cNvPr id="0" name=""/>
+        <dsp:cNvSpPr/>
+      </dsp:nvSpPr>
+      <dsp:spPr>
+        <a:xfrm>
+          <a:off x="550330" y="2179371"/>
+          <a:ext cx="2269996" cy="1513331"/>
+        </a:xfrm>
+        <a:prstGeom prst="roundRect">
+          <a:avLst>
+            <a:gd name="adj" fmla="val 10000"/>
+          </a:avLst>
+        </a:prstGeom>
+        <a:solidFill>
+          <a:schemeClr val="accent3">
+            <a:hueOff val="0"/>
+            <a:satOff val="0"/>
+            <a:lumOff val="0"/>
+            <a:alphaOff val="0"/>
+          </a:schemeClr>
+        </a:solidFill>
+        <a:ln w="19050" cap="flat" cmpd="sng" algn="ctr">
+          <a:solidFill>
+            <a:schemeClr val="lt1">
+              <a:hueOff val="0"/>
+              <a:satOff val="0"/>
+              <a:lumOff val="0"/>
+              <a:alphaOff val="0"/>
+            </a:schemeClr>
+          </a:solidFill>
+          <a:prstDash val="solid"/>
+        </a:ln>
+        <a:effectLst/>
+      </dsp:spPr>
+      <dsp:style>
+        <a:lnRef idx="3">
+          <a:scrgbClr r="0" g="0" b="0"/>
+        </a:lnRef>
+        <a:fillRef idx="1">
+          <a:scrgbClr r="0" g="0" b="0"/>
+        </a:fillRef>
+        <a:effectRef idx="1">
+          <a:scrgbClr r="0" g="0" b="0"/>
+        </a:effectRef>
+        <a:fontRef idx="minor">
+          <a:schemeClr val="lt1"/>
+        </a:fontRef>
+      </dsp:style>
+      <dsp:txBody>
+        <a:bodyPr spcFirstLastPara="0" vert="horz" wrap="square" lIns="87630" tIns="87630" rIns="87630" bIns="87630" numCol="1" spcCol="1270" anchor="ctr" anchorCtr="0">
+          <a:noAutofit/>
+        </a:bodyPr>
+        <a:lstStyle/>
+        <a:p>
+          <a:pPr marL="0" lvl="0" indent="0" algn="ctr" defTabSz="1022350">
+            <a:lnSpc>
+              <a:spcPct val="90000"/>
+            </a:lnSpc>
+            <a:spcBef>
+              <a:spcPct val="0"/>
+            </a:spcBef>
+            <a:spcAft>
+              <a:spcPct val="35000"/>
+            </a:spcAft>
+            <a:buNone/>
+          </a:pPr>
+          <a:r>
+            <a:rPr lang="es-AR" sz="2300" kern="1200" dirty="0"/>
+            <a:t>UP/DOWN</a:t>
+          </a:r>
+        </a:p>
+      </dsp:txBody>
+      <dsp:txXfrm>
+        <a:off x="594654" y="2223695"/>
+        <a:ext cx="2181348" cy="1424683"/>
+      </dsp:txXfrm>
+    </dsp:sp>
+    <dsp:sp modelId="{53BE28EF-99A8-45D2-A439-B1144FBC3954}">
+      <dsp:nvSpPr>
+        <dsp:cNvPr id="0" name=""/>
+        <dsp:cNvSpPr/>
+      </dsp:nvSpPr>
+      <dsp:spPr>
+        <a:xfrm>
+          <a:off x="1639609" y="3692703"/>
+          <a:ext cx="91440" cy="666040"/>
+        </a:xfrm>
+        <a:custGeom>
+          <a:avLst/>
+          <a:gdLst/>
+          <a:ahLst/>
+          <a:cxnLst/>
+          <a:rect l="0" t="0" r="0" b="0"/>
+          <a:pathLst>
+            <a:path>
+              <a:moveTo>
+                <a:pt x="45720" y="0"/>
+              </a:moveTo>
+              <a:lnTo>
+                <a:pt x="45720" y="333020"/>
+              </a:lnTo>
+              <a:lnTo>
+                <a:pt x="51236" y="333020"/>
+              </a:lnTo>
+              <a:lnTo>
+                <a:pt x="51236" y="666040"/>
+              </a:lnTo>
+            </a:path>
+          </a:pathLst>
+        </a:custGeom>
+        <a:noFill/>
+        <a:ln w="12700" cap="flat" cmpd="sng" algn="ctr">
+          <a:solidFill>
+            <a:schemeClr val="accent4">
+              <a:hueOff val="0"/>
+              <a:satOff val="0"/>
+              <a:lumOff val="0"/>
+              <a:alphaOff val="0"/>
+            </a:schemeClr>
+          </a:solidFill>
+          <a:prstDash val="solid"/>
+        </a:ln>
+        <a:effectLst/>
+      </dsp:spPr>
+      <dsp:style>
+        <a:lnRef idx="2">
+          <a:scrgbClr r="0" g="0" b="0"/>
+        </a:lnRef>
+        <a:fillRef idx="0">
+          <a:scrgbClr r="0" g="0" b="0"/>
+        </a:fillRef>
+        <a:effectRef idx="0">
+          <a:scrgbClr r="0" g="0" b="0"/>
+        </a:effectRef>
+        <a:fontRef idx="minor"/>
+      </dsp:style>
+    </dsp:sp>
+    <dsp:sp modelId="{C24AA9F1-E100-43C5-9B3E-E49BBE5DF731}">
+      <dsp:nvSpPr>
+        <dsp:cNvPr id="0" name=""/>
+        <dsp:cNvSpPr/>
+      </dsp:nvSpPr>
+      <dsp:spPr>
+        <a:xfrm>
+          <a:off x="555847" y="4358743"/>
+          <a:ext cx="2269996" cy="1513331"/>
+        </a:xfrm>
+        <a:prstGeom prst="roundRect">
+          <a:avLst>
+            <a:gd name="adj" fmla="val 10000"/>
+          </a:avLst>
+        </a:prstGeom>
+        <a:solidFill>
+          <a:schemeClr val="accent4">
+            <a:hueOff val="0"/>
+            <a:satOff val="0"/>
+            <a:lumOff val="0"/>
+            <a:alphaOff val="0"/>
+          </a:schemeClr>
+        </a:solidFill>
+        <a:ln w="19050" cap="flat" cmpd="sng" algn="ctr">
+          <a:solidFill>
+            <a:schemeClr val="lt1">
+              <a:hueOff val="0"/>
+              <a:satOff val="0"/>
+              <a:lumOff val="0"/>
+              <a:alphaOff val="0"/>
+            </a:schemeClr>
+          </a:solidFill>
+          <a:prstDash val="solid"/>
+        </a:ln>
+        <a:effectLst/>
+      </dsp:spPr>
+      <dsp:style>
+        <a:lnRef idx="3">
+          <a:scrgbClr r="0" g="0" b="0"/>
+        </a:lnRef>
+        <a:fillRef idx="1">
+          <a:scrgbClr r="0" g="0" b="0"/>
+        </a:fillRef>
+        <a:effectRef idx="1">
+          <a:scrgbClr r="0" g="0" b="0"/>
+        </a:effectRef>
+        <a:fontRef idx="minor">
+          <a:schemeClr val="lt1"/>
+        </a:fontRef>
+      </dsp:style>
+      <dsp:txBody>
+        <a:bodyPr spcFirstLastPara="0" vert="horz" wrap="square" lIns="87630" tIns="87630" rIns="87630" bIns="87630" numCol="1" spcCol="1270" anchor="ctr" anchorCtr="0">
+          <a:noAutofit/>
+        </a:bodyPr>
+        <a:lstStyle/>
+        <a:p>
+          <a:pPr marL="0" lvl="0" indent="0" algn="ctr" defTabSz="1022350">
+            <a:lnSpc>
+              <a:spcPct val="90000"/>
+            </a:lnSpc>
+            <a:spcBef>
+              <a:spcPct val="0"/>
+            </a:spcBef>
+            <a:spcAft>
+              <a:spcPct val="35000"/>
+            </a:spcAft>
+            <a:buNone/>
+          </a:pPr>
+          <a:r>
+            <a:rPr lang="es-AR" sz="2300" kern="1200" dirty="0" err="1"/>
+            <a:t>Int</a:t>
+          </a:r>
+          <a:r>
+            <a:rPr lang="es-AR" sz="2300" kern="1200" dirty="0"/>
+            <a:t>.</a:t>
+          </a:r>
+        </a:p>
+        <a:p>
+          <a:pPr marL="0" lvl="0" indent="0" algn="ctr" defTabSz="1022350">
+            <a:lnSpc>
+              <a:spcPct val="90000"/>
+            </a:lnSpc>
+            <a:spcBef>
+              <a:spcPct val="0"/>
+            </a:spcBef>
+            <a:spcAft>
+              <a:spcPct val="35000"/>
+            </a:spcAft>
+            <a:buNone/>
+          </a:pPr>
+          <a:r>
+            <a:rPr lang="es-AR" sz="2300" kern="1200" dirty="0"/>
+            <a:t> Periódicas</a:t>
+          </a:r>
+          <a:endParaRPr lang="en-US" sz="2300" kern="1200" dirty="0"/>
+        </a:p>
+      </dsp:txBody>
+      <dsp:txXfrm>
+        <a:off x="600171" y="4403067"/>
+        <a:ext cx="2181348" cy="1424683"/>
+      </dsp:txXfrm>
+    </dsp:sp>
+    <dsp:sp modelId="{43920A6D-2009-4B79-8742-B886ECB91308}">
+      <dsp:nvSpPr>
+        <dsp:cNvPr id="0" name=""/>
+        <dsp:cNvSpPr/>
+      </dsp:nvSpPr>
+      <dsp:spPr>
+        <a:xfrm>
+          <a:off x="4615168" y="1513331"/>
+          <a:ext cx="2184599" cy="666040"/>
+        </a:xfrm>
+        <a:custGeom>
+          <a:avLst/>
+          <a:gdLst/>
+          <a:ahLst/>
+          <a:cxnLst/>
+          <a:rect l="0" t="0" r="0" b="0"/>
+          <a:pathLst>
+            <a:path>
+              <a:moveTo>
+                <a:pt x="0" y="0"/>
+              </a:moveTo>
+              <a:lnTo>
+                <a:pt x="0" y="333020"/>
+              </a:lnTo>
+              <a:lnTo>
+                <a:pt x="2184599" y="333020"/>
+              </a:lnTo>
+              <a:lnTo>
+                <a:pt x="2184599" y="666040"/>
+              </a:lnTo>
+            </a:path>
+          </a:pathLst>
+        </a:custGeom>
+        <a:noFill/>
+        <a:ln w="12700" cap="flat" cmpd="sng" algn="ctr">
+          <a:solidFill>
+            <a:schemeClr val="accent3">
+              <a:hueOff val="0"/>
+              <a:satOff val="0"/>
+              <a:lumOff val="0"/>
+              <a:alphaOff val="0"/>
+            </a:schemeClr>
+          </a:solidFill>
+          <a:prstDash val="solid"/>
+        </a:ln>
+        <a:effectLst/>
+      </dsp:spPr>
+      <dsp:style>
+        <a:lnRef idx="2">
+          <a:scrgbClr r="0" g="0" b="0"/>
+        </a:lnRef>
+        <a:fillRef idx="0">
+          <a:scrgbClr r="0" g="0" b="0"/>
+        </a:fillRef>
+        <a:effectRef idx="0">
+          <a:scrgbClr r="0" g="0" b="0"/>
+        </a:effectRef>
+        <a:fontRef idx="minor"/>
+      </dsp:style>
+    </dsp:sp>
+    <dsp:sp modelId="{4AF2B6CC-A93F-47ED-A7B9-26D22F200D1D}">
+      <dsp:nvSpPr>
+        <dsp:cNvPr id="0" name=""/>
+        <dsp:cNvSpPr/>
+      </dsp:nvSpPr>
+      <dsp:spPr>
+        <a:xfrm>
+          <a:off x="5664769" y="2179371"/>
+          <a:ext cx="2269996" cy="1513331"/>
+        </a:xfrm>
+        <a:prstGeom prst="roundRect">
+          <a:avLst>
+            <a:gd name="adj" fmla="val 10000"/>
+          </a:avLst>
+        </a:prstGeom>
+        <a:solidFill>
+          <a:schemeClr val="accent3">
+            <a:hueOff val="0"/>
+            <a:satOff val="0"/>
+            <a:lumOff val="0"/>
+            <a:alphaOff val="0"/>
+          </a:schemeClr>
+        </a:solidFill>
+        <a:ln w="19050" cap="flat" cmpd="sng" algn="ctr">
+          <a:solidFill>
+            <a:schemeClr val="lt1">
+              <a:hueOff val="0"/>
+              <a:satOff val="0"/>
+              <a:lumOff val="0"/>
+              <a:alphaOff val="0"/>
+            </a:schemeClr>
+          </a:solidFill>
+          <a:prstDash val="solid"/>
+        </a:ln>
+        <a:effectLst/>
+      </dsp:spPr>
+      <dsp:style>
+        <a:lnRef idx="3">
+          <a:scrgbClr r="0" g="0" b="0"/>
+        </a:lnRef>
+        <a:fillRef idx="1">
+          <a:scrgbClr r="0" g="0" b="0"/>
+        </a:fillRef>
+        <a:effectRef idx="1">
+          <a:scrgbClr r="0" g="0" b="0"/>
+        </a:effectRef>
+        <a:fontRef idx="minor">
+          <a:schemeClr val="lt1"/>
+        </a:fontRef>
+      </dsp:style>
+      <dsp:txBody>
+        <a:bodyPr spcFirstLastPara="0" vert="horz" wrap="square" lIns="87630" tIns="87630" rIns="87630" bIns="87630" numCol="1" spcCol="1270" anchor="ctr" anchorCtr="0">
+          <a:noAutofit/>
+        </a:bodyPr>
+        <a:lstStyle/>
+        <a:p>
+          <a:pPr marL="0" lvl="0" indent="0" algn="ctr" defTabSz="1022350">
+            <a:lnSpc>
+              <a:spcPct val="90000"/>
+            </a:lnSpc>
+            <a:spcBef>
+              <a:spcPct val="0"/>
+            </a:spcBef>
+            <a:spcAft>
+              <a:spcPct val="35000"/>
+            </a:spcAft>
+            <a:buNone/>
+          </a:pPr>
+          <a:r>
+            <a:rPr lang="es-AR" sz="2300" kern="1200" dirty="0"/>
+            <a:t>ENTER/CANCEL</a:t>
+          </a:r>
+        </a:p>
+      </dsp:txBody>
+      <dsp:txXfrm>
+        <a:off x="5709093" y="2223695"/>
+        <a:ext cx="2181348" cy="1424683"/>
+      </dsp:txXfrm>
+    </dsp:sp>
+    <dsp:sp modelId="{5AE0F064-5425-4A63-A385-BE27AD8D1195}">
+      <dsp:nvSpPr>
+        <dsp:cNvPr id="0" name=""/>
+        <dsp:cNvSpPr/>
+      </dsp:nvSpPr>
+      <dsp:spPr>
+        <a:xfrm>
+          <a:off x="4430640" y="3692703"/>
+          <a:ext cx="2369127" cy="666040"/>
+        </a:xfrm>
+        <a:custGeom>
+          <a:avLst/>
+          <a:gdLst/>
+          <a:ahLst/>
+          <a:cxnLst/>
+          <a:rect l="0" t="0" r="0" b="0"/>
+          <a:pathLst>
+            <a:path>
+              <a:moveTo>
+                <a:pt x="2369127" y="0"/>
+              </a:moveTo>
+              <a:lnTo>
+                <a:pt x="2369127" y="333020"/>
+              </a:lnTo>
+              <a:lnTo>
+                <a:pt x="0" y="333020"/>
+              </a:lnTo>
+              <a:lnTo>
+                <a:pt x="0" y="666040"/>
+              </a:lnTo>
+            </a:path>
+          </a:pathLst>
+        </a:custGeom>
+        <a:noFill/>
+        <a:ln w="12700" cap="flat" cmpd="sng" algn="ctr">
+          <a:solidFill>
+            <a:schemeClr val="accent4">
+              <a:hueOff val="0"/>
+              <a:satOff val="0"/>
+              <a:lumOff val="0"/>
+              <a:alphaOff val="0"/>
+            </a:schemeClr>
+          </a:solidFill>
+          <a:prstDash val="solid"/>
+        </a:ln>
+        <a:effectLst/>
+      </dsp:spPr>
+      <dsp:style>
+        <a:lnRef idx="2">
+          <a:scrgbClr r="0" g="0" b="0"/>
+        </a:lnRef>
+        <a:fillRef idx="0">
+          <a:scrgbClr r="0" g="0" b="0"/>
+        </a:fillRef>
+        <a:effectRef idx="0">
+          <a:scrgbClr r="0" g="0" b="0"/>
+        </a:effectRef>
+        <a:fontRef idx="minor"/>
+      </dsp:style>
+    </dsp:sp>
+    <dsp:sp modelId="{9F1048E0-72C6-4083-9AB5-60CE934F76B3}">
+      <dsp:nvSpPr>
+        <dsp:cNvPr id="0" name=""/>
+        <dsp:cNvSpPr/>
+      </dsp:nvSpPr>
+      <dsp:spPr>
+        <a:xfrm>
+          <a:off x="3295642" y="4358743"/>
+          <a:ext cx="2269996" cy="1513331"/>
+        </a:xfrm>
+        <a:prstGeom prst="roundRect">
+          <a:avLst>
+            <a:gd name="adj" fmla="val 10000"/>
+          </a:avLst>
+        </a:prstGeom>
+        <a:solidFill>
+          <a:schemeClr val="accent4">
+            <a:hueOff val="0"/>
+            <a:satOff val="0"/>
+            <a:lumOff val="0"/>
+            <a:alphaOff val="0"/>
+          </a:schemeClr>
+        </a:solidFill>
+        <a:ln w="19050" cap="flat" cmpd="sng" algn="ctr">
+          <a:solidFill>
+            <a:schemeClr val="lt1">
+              <a:hueOff val="0"/>
+              <a:satOff val="0"/>
+              <a:lumOff val="0"/>
+              <a:alphaOff val="0"/>
+            </a:schemeClr>
+          </a:solidFill>
+          <a:prstDash val="solid"/>
+        </a:ln>
+        <a:effectLst/>
+      </dsp:spPr>
+      <dsp:style>
+        <a:lnRef idx="3">
+          <a:scrgbClr r="0" g="0" b="0"/>
+        </a:lnRef>
+        <a:fillRef idx="1">
+          <a:scrgbClr r="0" g="0" b="0"/>
+        </a:fillRef>
+        <a:effectRef idx="1">
+          <a:scrgbClr r="0" g="0" b="0"/>
+        </a:effectRef>
+        <a:fontRef idx="minor">
+          <a:schemeClr val="lt1"/>
+        </a:fontRef>
+      </dsp:style>
+      <dsp:txBody>
+        <a:bodyPr spcFirstLastPara="0" vert="horz" wrap="square" lIns="87630" tIns="87630" rIns="87630" bIns="87630" numCol="1" spcCol="1270" anchor="ctr" anchorCtr="0">
+          <a:noAutofit/>
+        </a:bodyPr>
+        <a:lstStyle/>
+        <a:p>
+          <a:pPr marL="0" lvl="0" indent="0" algn="ctr" defTabSz="1022350">
+            <a:lnSpc>
+              <a:spcPct val="90000"/>
+            </a:lnSpc>
+            <a:spcBef>
+              <a:spcPct val="0"/>
+            </a:spcBef>
+            <a:spcAft>
+              <a:spcPct val="35000"/>
+            </a:spcAft>
+            <a:buNone/>
+          </a:pPr>
+          <a:r>
+            <a:rPr lang="es-AR" sz="2300" kern="1200" dirty="0" err="1"/>
+            <a:t>Int</a:t>
+          </a:r>
+          <a:r>
+            <a:rPr lang="es-AR" sz="2300" kern="1200" dirty="0"/>
+            <a:t>. </a:t>
+          </a:r>
+        </a:p>
+        <a:p>
+          <a:pPr marL="0" lvl="0" indent="0" algn="ctr" defTabSz="1022350">
+            <a:lnSpc>
+              <a:spcPct val="90000"/>
+            </a:lnSpc>
+            <a:spcBef>
+              <a:spcPct val="0"/>
+            </a:spcBef>
+            <a:spcAft>
+              <a:spcPct val="35000"/>
+            </a:spcAft>
+            <a:buNone/>
+          </a:pPr>
+          <a:r>
+            <a:rPr lang="es-AR" sz="2300" kern="1200" dirty="0"/>
+            <a:t>Periódicas</a:t>
+          </a:r>
+        </a:p>
+      </dsp:txBody>
+      <dsp:txXfrm>
+        <a:off x="3339966" y="4403067"/>
+        <a:ext cx="2181348" cy="1424683"/>
+      </dsp:txXfrm>
+    </dsp:sp>
+    <dsp:sp modelId="{B667C2D1-7244-4F22-8333-F58FDB797D84}">
+      <dsp:nvSpPr>
+        <dsp:cNvPr id="0" name=""/>
+        <dsp:cNvSpPr/>
+      </dsp:nvSpPr>
+      <dsp:spPr>
+        <a:xfrm>
+          <a:off x="6799768" y="3692703"/>
+          <a:ext cx="250010" cy="666040"/>
+        </a:xfrm>
+        <a:custGeom>
+          <a:avLst/>
+          <a:gdLst/>
+          <a:ahLst/>
+          <a:cxnLst/>
+          <a:rect l="0" t="0" r="0" b="0"/>
+          <a:pathLst>
+            <a:path>
+              <a:moveTo>
+                <a:pt x="0" y="0"/>
+              </a:moveTo>
+              <a:lnTo>
+                <a:pt x="0" y="333020"/>
+              </a:lnTo>
+              <a:lnTo>
+                <a:pt x="250010" y="333020"/>
+              </a:lnTo>
+              <a:lnTo>
+                <a:pt x="250010" y="666040"/>
+              </a:lnTo>
+            </a:path>
+          </a:pathLst>
+        </a:custGeom>
+        <a:noFill/>
+        <a:ln w="12700" cap="flat" cmpd="sng" algn="ctr">
+          <a:solidFill>
+            <a:schemeClr val="accent4">
+              <a:hueOff val="0"/>
+              <a:satOff val="0"/>
+              <a:lumOff val="0"/>
+              <a:alphaOff val="0"/>
+            </a:schemeClr>
+          </a:solidFill>
+          <a:prstDash val="solid"/>
+        </a:ln>
+        <a:effectLst/>
+      </dsp:spPr>
+      <dsp:style>
+        <a:lnRef idx="2">
+          <a:scrgbClr r="0" g="0" b="0"/>
+        </a:lnRef>
+        <a:fillRef idx="0">
+          <a:scrgbClr r="0" g="0" b="0"/>
+        </a:fillRef>
+        <a:effectRef idx="0">
+          <a:scrgbClr r="0" g="0" b="0"/>
+        </a:effectRef>
+        <a:fontRef idx="minor"/>
+      </dsp:style>
+    </dsp:sp>
+    <dsp:sp modelId="{1C600C8A-512F-4B6C-84AB-07E7CE5EC428}">
+      <dsp:nvSpPr>
+        <dsp:cNvPr id="0" name=""/>
+        <dsp:cNvSpPr/>
+      </dsp:nvSpPr>
+      <dsp:spPr>
+        <a:xfrm>
+          <a:off x="5914780" y="4358743"/>
+          <a:ext cx="2269996" cy="1513331"/>
+        </a:xfrm>
+        <a:prstGeom prst="roundRect">
+          <a:avLst>
+            <a:gd name="adj" fmla="val 10000"/>
+          </a:avLst>
+        </a:prstGeom>
+        <a:solidFill>
+          <a:schemeClr val="accent4">
+            <a:hueOff val="0"/>
+            <a:satOff val="0"/>
+            <a:lumOff val="0"/>
+            <a:alphaOff val="0"/>
+          </a:schemeClr>
+        </a:solidFill>
+        <a:ln w="19050" cap="flat" cmpd="sng" algn="ctr">
+          <a:solidFill>
+            <a:schemeClr val="lt1">
+              <a:hueOff val="0"/>
+              <a:satOff val="0"/>
+              <a:lumOff val="0"/>
+              <a:alphaOff val="0"/>
+            </a:schemeClr>
+          </a:solidFill>
+          <a:prstDash val="solid"/>
+        </a:ln>
+        <a:effectLst/>
+      </dsp:spPr>
+      <dsp:style>
+        <a:lnRef idx="3">
+          <a:scrgbClr r="0" g="0" b="0"/>
+        </a:lnRef>
+        <a:fillRef idx="1">
+          <a:scrgbClr r="0" g="0" b="0"/>
+        </a:fillRef>
+        <a:effectRef idx="1">
+          <a:scrgbClr r="0" g="0" b="0"/>
+        </a:effectRef>
+        <a:fontRef idx="minor">
+          <a:schemeClr val="lt1"/>
+        </a:fontRef>
+      </dsp:style>
+      <dsp:txBody>
+        <a:bodyPr spcFirstLastPara="0" vert="horz" wrap="square" lIns="87630" tIns="87630" rIns="87630" bIns="87630" numCol="1" spcCol="1270" anchor="ctr" anchorCtr="0">
+          <a:noAutofit/>
+        </a:bodyPr>
+        <a:lstStyle/>
+        <a:p>
+          <a:pPr marL="0" lvl="0" indent="0" algn="ctr" defTabSz="1022350">
+            <a:lnSpc>
+              <a:spcPct val="90000"/>
+            </a:lnSpc>
+            <a:spcBef>
+              <a:spcPct val="0"/>
+            </a:spcBef>
+            <a:spcAft>
+              <a:spcPct val="35000"/>
+            </a:spcAft>
+            <a:buNone/>
+          </a:pPr>
+          <a:r>
+            <a:rPr lang="es-AR" sz="2300" kern="1200" dirty="0" err="1"/>
+            <a:t>Int</a:t>
+          </a:r>
+          <a:r>
+            <a:rPr lang="es-AR" sz="2300" kern="1200" dirty="0"/>
+            <a:t>. </a:t>
+          </a:r>
+        </a:p>
+        <a:p>
+          <a:pPr marL="0" lvl="0" indent="0" algn="ctr" defTabSz="1022350">
+            <a:lnSpc>
+              <a:spcPct val="90000"/>
+            </a:lnSpc>
+            <a:spcBef>
+              <a:spcPct val="0"/>
+            </a:spcBef>
+            <a:spcAft>
+              <a:spcPct val="35000"/>
+            </a:spcAft>
+            <a:buNone/>
+          </a:pPr>
+          <a:r>
+            <a:rPr lang="es-AR" sz="2300" kern="1200" dirty="0"/>
+            <a:t>Dedicadas</a:t>
+          </a:r>
+        </a:p>
+      </dsp:txBody>
+      <dsp:txXfrm>
+        <a:off x="5959104" y="4403067"/>
+        <a:ext cx="2181348" cy="1424683"/>
       </dsp:txXfrm>
     </dsp:sp>
   </dsp:spTree>
@@ -8709,6 +10732,517 @@
 </dgm:layoutDef>
 </file>
 
+<file path=ppt/diagrams/layout3.xml><?xml version="1.0" encoding="utf-8"?>
+<dgm:layoutDef xmlns:dgm="http://schemas.openxmlformats.org/drawingml/2006/diagram" xmlns:a="http://schemas.openxmlformats.org/drawingml/2006/main" uniqueId="urn:microsoft.com/office/officeart/2005/8/layout/hierarchy6">
+  <dgm:title val=""/>
+  <dgm:desc val=""/>
+  <dgm:catLst>
+    <dgm:cat type="hierarchy" pri="3000"/>
+  </dgm:catLst>
+  <dgm:sampData>
+    <dgm:dataModel>
+      <dgm:ptLst>
+        <dgm:pt modelId="0" type="doc"/>
+        <dgm:pt modelId="1">
+          <dgm:prSet phldr="1"/>
+        </dgm:pt>
+        <dgm:pt modelId="2">
+          <dgm:prSet phldr="1"/>
+        </dgm:pt>
+        <dgm:pt modelId="21">
+          <dgm:prSet phldr="1"/>
+        </dgm:pt>
+        <dgm:pt modelId="22">
+          <dgm:prSet phldr="1"/>
+        </dgm:pt>
+        <dgm:pt modelId="3">
+          <dgm:prSet phldr="1"/>
+        </dgm:pt>
+        <dgm:pt modelId="31">
+          <dgm:prSet phldr="1"/>
+        </dgm:pt>
+        <dgm:pt modelId="4">
+          <dgm:prSet phldr="1"/>
+        </dgm:pt>
+        <dgm:pt modelId="5">
+          <dgm:prSet phldr="1"/>
+        </dgm:pt>
+        <dgm:pt modelId="6">
+          <dgm:prSet phldr="1"/>
+        </dgm:pt>
+      </dgm:ptLst>
+      <dgm:cxnLst>
+        <dgm:cxn modelId="7" srcId="0" destId="1" srcOrd="0" destOrd="0"/>
+        <dgm:cxn modelId="8" srcId="1" destId="2" srcOrd="0" destOrd="0"/>
+        <dgm:cxn modelId="9" srcId="1" destId="3" srcOrd="1" destOrd="0"/>
+        <dgm:cxn modelId="23" srcId="2" destId="21" srcOrd="0" destOrd="0"/>
+        <dgm:cxn modelId="24" srcId="2" destId="22" srcOrd="1" destOrd="0"/>
+        <dgm:cxn modelId="33" srcId="3" destId="31" srcOrd="0" destOrd="0"/>
+        <dgm:cxn modelId="10" srcId="0" destId="4" srcOrd="1" destOrd="0"/>
+        <dgm:cxn modelId="11" srcId="0" destId="5" srcOrd="2" destOrd="0"/>
+        <dgm:cxn modelId="12" srcId="0" destId="6" srcOrd="3" destOrd="0"/>
+      </dgm:cxnLst>
+      <dgm:bg/>
+      <dgm:whole/>
+    </dgm:dataModel>
+  </dgm:sampData>
+  <dgm:styleData>
+    <dgm:dataModel>
+      <dgm:ptLst>
+        <dgm:pt modelId="0" type="doc"/>
+        <dgm:pt modelId="1"/>
+        <dgm:pt modelId="11"/>
+        <dgm:pt modelId="12"/>
+        <dgm:pt modelId="2"/>
+        <dgm:pt modelId="3"/>
+      </dgm:ptLst>
+      <dgm:cxnLst>
+        <dgm:cxn modelId="4" srcId="0" destId="1" srcOrd="0" destOrd="0"/>
+        <dgm:cxn modelId="13" srcId="1" destId="11" srcOrd="0" destOrd="0"/>
+        <dgm:cxn modelId="14" srcId="1" destId="12" srcOrd="1" destOrd="0"/>
+        <dgm:cxn modelId="5" srcId="0" destId="2" srcOrd="1" destOrd="0"/>
+        <dgm:cxn modelId="6" srcId="0" destId="3" srcOrd="2" destOrd="0"/>
+      </dgm:cxnLst>
+      <dgm:bg/>
+      <dgm:whole/>
+    </dgm:dataModel>
+  </dgm:styleData>
+  <dgm:clrData>
+    <dgm:dataModel>
+      <dgm:ptLst>
+        <dgm:pt modelId="0" type="doc"/>
+        <dgm:pt modelId="1"/>
+        <dgm:pt modelId="2"/>
+        <dgm:pt modelId="21"/>
+        <dgm:pt modelId="211"/>
+        <dgm:pt modelId="3"/>
+        <dgm:pt modelId="31"/>
+        <dgm:pt modelId="311"/>
+        <dgm:pt modelId="4"/>
+        <dgm:pt modelId="5"/>
+        <dgm:pt modelId="6"/>
+        <dgm:pt modelId="7"/>
+      </dgm:ptLst>
+      <dgm:cxnLst>
+        <dgm:cxn modelId="8" srcId="0" destId="1" srcOrd="0" destOrd="0"/>
+        <dgm:cxn modelId="9" srcId="1" destId="2" srcOrd="0" destOrd="0"/>
+        <dgm:cxn modelId="10" srcId="1" destId="3" srcOrd="1" destOrd="0"/>
+        <dgm:cxn modelId="23" srcId="2" destId="21" srcOrd="0" destOrd="0"/>
+        <dgm:cxn modelId="24" srcId="21" destId="211" srcOrd="0" destOrd="0"/>
+        <dgm:cxn modelId="33" srcId="3" destId="31" srcOrd="0" destOrd="0"/>
+        <dgm:cxn modelId="34" srcId="31" destId="311" srcOrd="0" destOrd="0"/>
+        <dgm:cxn modelId="11" srcId="0" destId="4" srcOrd="1" destOrd="0"/>
+        <dgm:cxn modelId="12" srcId="0" destId="5" srcOrd="2" destOrd="0"/>
+        <dgm:cxn modelId="13" srcId="0" destId="6" srcOrd="3" destOrd="0"/>
+        <dgm:cxn modelId="14" srcId="0" destId="7" srcOrd="4" destOrd="0"/>
+      </dgm:cxnLst>
+      <dgm:bg/>
+      <dgm:whole/>
+    </dgm:dataModel>
+  </dgm:clrData>
+  <dgm:layoutNode name="mainComposite">
+    <dgm:varLst>
+      <dgm:chPref val="1"/>
+      <dgm:dir/>
+      <dgm:animOne val="branch"/>
+      <dgm:animLvl val="lvl"/>
+      <dgm:resizeHandles val="exact"/>
+    </dgm:varLst>
+    <dgm:alg type="composite">
+      <dgm:param type="vertAlign" val="mid"/>
+      <dgm:param type="horzAlign" val="ctr"/>
+    </dgm:alg>
+    <dgm:shape xmlns:r="http://schemas.openxmlformats.org/officeDocument/2006/relationships" r:blip="">
+      <dgm:adjLst/>
+    </dgm:shape>
+    <dgm:presOf/>
+    <dgm:choose name="Name0">
+      <dgm:if name="Name1" axis="ch" ptType="node" func="cnt" op="gte" val="2">
+        <dgm:choose name="Name2">
+          <dgm:if name="Name3" func="var" arg="dir" op="equ" val="norm">
+            <dgm:constrLst>
+              <dgm:constr type="l" for="ch" forName="hierFlow" refType="w" fact="0.3"/>
+              <dgm:constr type="t" for="ch" forName="hierFlow"/>
+              <dgm:constr type="r" for="ch" forName="hierFlow" refType="w" fact="0.98"/>
+              <dgm:constr type="b" for="ch" forName="hierFlow" refType="h" fact="0.98"/>
+              <dgm:constr type="l" for="ch" forName="bgShapesFlow"/>
+              <dgm:constr type="t" for="ch" forName="bgShapesFlow"/>
+              <dgm:constr type="r" for="ch" forName="bgShapesFlow" refType="w"/>
+              <dgm:constr type="b" for="ch" forName="bgShapesFlow" refType="h"/>
+              <dgm:constr type="w" for="des" forName="level1Shape" refType="w"/>
+              <dgm:constr type="h" for="des" forName="level1Shape" refType="w" refFor="des" refForName="level1Shape" fact="0.66667"/>
+              <dgm:constr type="w" for="des" forName="level2Shape" refType="w" refFor="des" refForName="level1Shape" op="equ"/>
+              <dgm:constr type="h" for="des" forName="level2Shape" refType="h" refFor="des" refForName="level1Shape" op="equ"/>
+              <dgm:constr type="sp" for="des" refType="h" refFor="des" refForName="level1Shape" op="equ" fact="0.4"/>
+              <dgm:constr type="sibSp" for="des" forName="hierChild1" refType="w" refFor="des" refForName="level1Shape" op="equ" fact="0.3"/>
+              <dgm:constr type="sibSp" for="des" forName="hierChild2" refType="sibSp" refFor="des" refForName="hierChild1" op="equ"/>
+              <dgm:constr type="sibSp" for="des" forName="hierChild3" refType="sibSp" refFor="des" refForName="hierChild1" op="equ"/>
+              <dgm:constr type="userA" for="des" refType="h" refFor="des" refForName="level1Shape" op="equ"/>
+              <dgm:constr type="userB" for="des" refType="sp" refFor="des" op="equ"/>
+              <dgm:constr type="h" for="des" forName="firstBuf" refType="h" refFor="des" refForName="level1Shape" fact="0.1"/>
+            </dgm:constrLst>
+          </dgm:if>
+          <dgm:else name="Name4">
+            <dgm:constrLst>
+              <dgm:constr type="l" for="ch" forName="hierFlow" refType="w" fact="0.02"/>
+              <dgm:constr type="t" for="ch" forName="hierFlow"/>
+              <dgm:constr type="r" for="ch" forName="hierFlow" refType="w" fact="0.7"/>
+              <dgm:constr type="b" for="ch" forName="hierFlow" refType="h" fact="0.98"/>
+              <dgm:constr type="l" for="ch" forName="bgShapesFlow"/>
+              <dgm:constr type="t" for="ch" forName="bgShapesFlow"/>
+              <dgm:constr type="r" for="ch" forName="bgShapesFlow" refType="w"/>
+              <dgm:constr type="b" for="ch" forName="bgShapesFlow" refType="h"/>
+              <dgm:constr type="w" for="des" forName="level1Shape" refType="w"/>
+              <dgm:constr type="h" for="des" forName="level1Shape" refType="w" refFor="des" refForName="level1Shape" fact="0.66667"/>
+              <dgm:constr type="w" for="des" forName="level2Shape" refType="w" refFor="des" refForName="level1Shape" op="equ"/>
+              <dgm:constr type="h" for="des" forName="level2Shape" refType="h" refFor="des" refForName="level1Shape" op="equ"/>
+              <dgm:constr type="sp" for="des" refType="h" refFor="des" refForName="level1Shape" op="equ" fact="0.4"/>
+              <dgm:constr type="sibSp" for="des" forName="hierChild1" refType="w" refFor="des" refForName="level1Shape" op="equ" fact="0.3"/>
+              <dgm:constr type="sibSp" for="des" forName="hierChild2" refType="sibSp" refFor="des" refForName="hierChild1" op="equ"/>
+              <dgm:constr type="sibSp" for="des" forName="hierChild3" refType="sibSp" refFor="des" refForName="hierChild1" op="equ"/>
+              <dgm:constr type="userA" for="des" refType="h" refFor="des" refForName="level1Shape" op="equ"/>
+              <dgm:constr type="userB" for="des" refType="sp" refFor="des" op="equ"/>
+              <dgm:constr type="h" for="des" forName="firstBuf" refType="h" refFor="des" refForName="level1Shape" fact="0.1"/>
+            </dgm:constrLst>
+          </dgm:else>
+        </dgm:choose>
+      </dgm:if>
+      <dgm:else name="Name5">
+        <dgm:constrLst>
+          <dgm:constr type="l" for="ch" forName="hierFlow"/>
+          <dgm:constr type="t" for="ch" forName="hierFlow"/>
+          <dgm:constr type="r" for="ch" forName="hierFlow" refType="w"/>
+          <dgm:constr type="b" for="ch" forName="hierFlow" refType="h"/>
+          <dgm:constr type="l" for="ch" forName="bgShapesFlow"/>
+          <dgm:constr type="t" for="ch" forName="bgShapesFlow"/>
+          <dgm:constr type="r" for="ch" forName="bgShapesFlow" refType="w"/>
+          <dgm:constr type="b" for="ch" forName="bgShapesFlow" refType="h"/>
+          <dgm:constr type="w" for="des" forName="level1Shape" refType="w"/>
+          <dgm:constr type="h" for="des" forName="level1Shape" refType="w" refFor="des" refForName="level1Shape" fact="0.66667"/>
+          <dgm:constr type="w" for="des" forName="level2Shape" refType="w" refFor="des" refForName="level1Shape" op="equ"/>
+          <dgm:constr type="h" for="des" forName="level2Shape" refType="h" refFor="des" refForName="level1Shape" op="equ"/>
+          <dgm:constr type="sp" for="des" refType="h" refFor="des" refForName="level1Shape" op="equ" fact="0.4"/>
+          <dgm:constr type="sibSp" for="des" forName="hierChild1" refType="w" refFor="des" refForName="level1Shape" op="equ" fact="0.3"/>
+          <dgm:constr type="sibSp" for="des" forName="hierChild2" refType="sibSp" refFor="des" refForName="hierChild1" op="equ"/>
+          <dgm:constr type="sibSp" for="des" forName="hierChild3" refType="sibSp" refFor="des" refForName="hierChild1" op="equ"/>
+          <dgm:constr type="userA" for="des" refType="h" refFor="des" refForName="level1Shape" op="equ"/>
+          <dgm:constr type="userB" for="des" refType="sp" refFor="des" op="equ"/>
+          <dgm:constr type="h" for="des" forName="firstBuf" refType="h" refFor="des" refForName="level1Shape" fact="0.1"/>
+        </dgm:constrLst>
+      </dgm:else>
+    </dgm:choose>
+    <dgm:ruleLst/>
+    <dgm:layoutNode name="hierFlow">
+      <dgm:alg type="lin">
+        <dgm:param type="linDir" val="fromT"/>
+        <dgm:param type="nodeVertAlign" val="t"/>
+        <dgm:param type="vertAlign" val="t"/>
+        <dgm:param type="nodeHorzAlign" val="ctr"/>
+        <dgm:param type="fallback" val="2D"/>
+      </dgm:alg>
+      <dgm:shape xmlns:r="http://schemas.openxmlformats.org/officeDocument/2006/relationships" r:blip="">
+        <dgm:adjLst/>
+      </dgm:shape>
+      <dgm:presOf/>
+      <dgm:constrLst/>
+      <dgm:ruleLst/>
+      <dgm:choose name="Name6">
+        <dgm:if name="Name7" axis="ch" ptType="node" func="cnt" op="gte" val="2">
+          <dgm:layoutNode name="firstBuf">
+            <dgm:alg type="sp"/>
+            <dgm:shape xmlns:r="http://schemas.openxmlformats.org/officeDocument/2006/relationships" r:blip="">
+              <dgm:adjLst/>
+            </dgm:shape>
+            <dgm:presOf/>
+            <dgm:constrLst/>
+            <dgm:ruleLst/>
+          </dgm:layoutNode>
+        </dgm:if>
+        <dgm:else name="Name8"/>
+      </dgm:choose>
+      <dgm:layoutNode name="hierChild1">
+        <dgm:varLst>
+          <dgm:chPref val="1"/>
+          <dgm:animOne val="branch"/>
+          <dgm:animLvl val="lvl"/>
+        </dgm:varLst>
+        <dgm:choose name="Name9">
+          <dgm:if name="Name10" func="var" arg="dir" op="equ" val="norm">
+            <dgm:alg type="hierChild">
+              <dgm:param type="linDir" val="fromL"/>
+              <dgm:param type="vertAlign" val="t"/>
+            </dgm:alg>
+          </dgm:if>
+          <dgm:else name="Name11">
+            <dgm:alg type="hierChild">
+              <dgm:param type="linDir" val="fromR"/>
+              <dgm:param type="vertAlign" val="t"/>
+            </dgm:alg>
+          </dgm:else>
+        </dgm:choose>
+        <dgm:shape xmlns:r="http://schemas.openxmlformats.org/officeDocument/2006/relationships" r:blip="">
+          <dgm:adjLst/>
+        </dgm:shape>
+        <dgm:presOf/>
+        <dgm:constrLst>
+          <dgm:constr type="primFontSz" for="des" ptType="node" op="equ"/>
+        </dgm:constrLst>
+        <dgm:ruleLst/>
+        <dgm:forEach name="Name12" axis="ch" cnt="3">
+          <dgm:forEach name="Name13" axis="self" ptType="node">
+            <dgm:layoutNode name="Name14">
+              <dgm:alg type="hierRoot"/>
+              <dgm:shape xmlns:r="http://schemas.openxmlformats.org/officeDocument/2006/relationships" r:blip="">
+                <dgm:adjLst/>
+              </dgm:shape>
+              <dgm:presOf/>
+              <dgm:constrLst/>
+              <dgm:ruleLst/>
+              <dgm:layoutNode name="level1Shape" styleLbl="node0">
+                <dgm:varLst>
+                  <dgm:chPref val="3"/>
+                </dgm:varLst>
+                <dgm:alg type="tx"/>
+                <dgm:shape xmlns:r="http://schemas.openxmlformats.org/officeDocument/2006/relationships" type="roundRect" r:blip="">
+                  <dgm:adjLst>
+                    <dgm:adj idx="1" val="0.1"/>
+                  </dgm:adjLst>
+                </dgm:shape>
+                <dgm:presOf axis="self"/>
+                <dgm:constrLst>
+                  <dgm:constr type="primFontSz" val="65"/>
+                  <dgm:constr type="tMarg" refType="primFontSz" fact="0.3"/>
+                  <dgm:constr type="bMarg" refType="primFontSz" fact="0.3"/>
+                  <dgm:constr type="lMarg" refType="primFontSz" fact="0.3"/>
+                  <dgm:constr type="rMarg" refType="primFontSz" fact="0.3"/>
+                </dgm:constrLst>
+                <dgm:ruleLst>
+                  <dgm:rule type="primFontSz" val="5" fact="NaN" max="NaN"/>
+                </dgm:ruleLst>
+              </dgm:layoutNode>
+              <dgm:layoutNode name="hierChild2">
+                <dgm:choose name="Name15">
+                  <dgm:if name="Name16" func="var" arg="dir" op="equ" val="norm">
+                    <dgm:alg type="hierChild">
+                      <dgm:param type="linDir" val="fromL"/>
+                    </dgm:alg>
+                  </dgm:if>
+                  <dgm:else name="Name17">
+                    <dgm:alg type="hierChild">
+                      <dgm:param type="linDir" val="fromR"/>
+                    </dgm:alg>
+                  </dgm:else>
+                </dgm:choose>
+                <dgm:shape xmlns:r="http://schemas.openxmlformats.org/officeDocument/2006/relationships" r:blip="">
+                  <dgm:adjLst/>
+                </dgm:shape>
+                <dgm:presOf/>
+                <dgm:constrLst/>
+                <dgm:ruleLst/>
+                <dgm:forEach name="repeat" axis="ch">
+                  <dgm:forEach name="Name18" axis="self" ptType="parTrans" cnt="1">
+                    <dgm:layoutNode name="Name19">
+                      <dgm:alg type="conn">
+                        <dgm:param type="dim" val="1D"/>
+                        <dgm:param type="endSty" val="noArr"/>
+                        <dgm:param type="connRout" val="bend"/>
+                        <dgm:param type="begPts" val="bCtr"/>
+                        <dgm:param type="endPts" val="tCtr"/>
+                      </dgm:alg>
+                      <dgm:shape xmlns:r="http://schemas.openxmlformats.org/officeDocument/2006/relationships" type="conn" r:blip="">
+                        <dgm:adjLst/>
+                      </dgm:shape>
+                      <dgm:presOf axis="self"/>
+                      <dgm:constrLst>
+                        <dgm:constr type="w" val="1"/>
+                        <dgm:constr type="h" val="1"/>
+                        <dgm:constr type="begPad"/>
+                        <dgm:constr type="endPad"/>
+                      </dgm:constrLst>
+                      <dgm:ruleLst/>
+                    </dgm:layoutNode>
+                  </dgm:forEach>
+                  <dgm:forEach name="Name20" axis="self" ptType="node">
+                    <dgm:layoutNode name="Name21">
+                      <dgm:alg type="hierRoot"/>
+                      <dgm:shape xmlns:r="http://schemas.openxmlformats.org/officeDocument/2006/relationships" r:blip="">
+                        <dgm:adjLst/>
+                      </dgm:shape>
+                      <dgm:presOf/>
+                      <dgm:constrLst/>
+                      <dgm:ruleLst/>
+                      <dgm:layoutNode name="level2Shape">
+                        <dgm:alg type="tx"/>
+                        <dgm:shape xmlns:r="http://schemas.openxmlformats.org/officeDocument/2006/relationships" type="roundRect" r:blip="">
+                          <dgm:adjLst>
+                            <dgm:adj idx="1" val="0.1"/>
+                          </dgm:adjLst>
+                        </dgm:shape>
+                        <dgm:presOf axis="self"/>
+                        <dgm:constrLst>
+                          <dgm:constr type="primFontSz" val="65"/>
+                          <dgm:constr type="tMarg" refType="primFontSz" fact="0.3"/>
+                          <dgm:constr type="bMarg" refType="primFontSz" fact="0.3"/>
+                          <dgm:constr type="lMarg" refType="primFontSz" fact="0.3"/>
+                          <dgm:constr type="rMarg" refType="primFontSz" fact="0.3"/>
+                        </dgm:constrLst>
+                        <dgm:ruleLst>
+                          <dgm:rule type="primFontSz" val="5" fact="NaN" max="NaN"/>
+                        </dgm:ruleLst>
+                      </dgm:layoutNode>
+                      <dgm:layoutNode name="hierChild3">
+                        <dgm:choose name="Name22">
+                          <dgm:if name="Name23" func="var" arg="dir" op="equ" val="norm">
+                            <dgm:alg type="hierChild">
+                              <dgm:param type="linDir" val="fromL"/>
+                            </dgm:alg>
+                          </dgm:if>
+                          <dgm:else name="Name24">
+                            <dgm:alg type="hierChild">
+                              <dgm:param type="linDir" val="fromR"/>
+                            </dgm:alg>
+                          </dgm:else>
+                        </dgm:choose>
+                        <dgm:shape xmlns:r="http://schemas.openxmlformats.org/officeDocument/2006/relationships" r:blip="">
+                          <dgm:adjLst/>
+                        </dgm:shape>
+                        <dgm:presOf/>
+                        <dgm:constrLst/>
+                        <dgm:ruleLst/>
+                        <dgm:forEach name="Name25" ref="repeat"/>
+                      </dgm:layoutNode>
+                    </dgm:layoutNode>
+                  </dgm:forEach>
+                </dgm:forEach>
+              </dgm:layoutNode>
+            </dgm:layoutNode>
+          </dgm:forEach>
+        </dgm:forEach>
+      </dgm:layoutNode>
+    </dgm:layoutNode>
+    <dgm:layoutNode name="bgShapesFlow">
+      <dgm:alg type="lin">
+        <dgm:param type="linDir" val="fromT"/>
+        <dgm:param type="nodeVertAlign" val="t"/>
+        <dgm:param type="vertAlign" val="t"/>
+        <dgm:param type="nodeHorzAlign" val="ctr"/>
+      </dgm:alg>
+      <dgm:shape xmlns:r="http://schemas.openxmlformats.org/officeDocument/2006/relationships" r:blip="">
+        <dgm:adjLst/>
+      </dgm:shape>
+      <dgm:presOf/>
+      <dgm:constrLst>
+        <dgm:constr type="userB"/>
+        <dgm:constr type="w" for="ch" forName="rectComp" refType="w"/>
+        <dgm:constr type="h" for="ch" forName="rectComp" refType="h"/>
+        <dgm:constr type="w" for="des" forName="bgRect" refType="w"/>
+        <dgm:constr type="primFontSz" for="des" forName="bgRectTx" op="equ"/>
+      </dgm:constrLst>
+      <dgm:ruleLst/>
+      <dgm:forEach name="Name26" axis="ch" ptType="node" st="2">
+        <dgm:layoutNode name="rectComp">
+          <dgm:alg type="composite">
+            <dgm:param type="vertAlign" val="t"/>
+            <dgm:param type="horzAlign" val="ctr"/>
+          </dgm:alg>
+          <dgm:shape xmlns:r="http://schemas.openxmlformats.org/officeDocument/2006/relationships" r:blip="">
+            <dgm:adjLst/>
+          </dgm:shape>
+          <dgm:presOf/>
+          <dgm:choose name="Name27">
+            <dgm:if name="Name28" func="var" arg="dir" op="equ" val="norm">
+              <dgm:constrLst>
+                <dgm:constr type="userA"/>
+                <dgm:constr type="l" for="ch" forName="bgRect"/>
+                <dgm:constr type="t" for="ch" forName="bgRect"/>
+                <dgm:constr type="h" for="ch" forName="bgRect" refType="userA" fact="1.2"/>
+                <dgm:constr type="l" for="ch" forName="bgRectTx"/>
+                <dgm:constr type="t" for="ch" forName="bgRectTx"/>
+                <dgm:constr type="w" for="ch" forName="bgRectTx" refType="w" refFor="ch" refForName="bgRect" fact="0.3"/>
+                <dgm:constr type="h" for="ch" forName="bgRectTx" refType="h" refFor="ch" refForName="bgRect" op="equ"/>
+              </dgm:constrLst>
+            </dgm:if>
+            <dgm:else name="Name29">
+              <dgm:constrLst>
+                <dgm:constr type="userA"/>
+                <dgm:constr type="l" for="ch" forName="bgRect"/>
+                <dgm:constr type="t" for="ch" forName="bgRect"/>
+                <dgm:constr type="h" for="ch" forName="bgRect" refType="userA" fact="1.2"/>
+                <dgm:constr type="r" for="ch" forName="bgRectTx" refType="w"/>
+                <dgm:constr type="t" for="ch" forName="bgRectTx"/>
+                <dgm:constr type="w" for="ch" forName="bgRectTx" refType="w" refFor="ch" refForName="bgRect" fact="0.3"/>
+                <dgm:constr type="h" for="ch" forName="bgRectTx" refType="h" refFor="ch" refForName="bgRect" op="equ"/>
+              </dgm:constrLst>
+            </dgm:else>
+          </dgm:choose>
+          <dgm:ruleLst/>
+          <dgm:layoutNode name="bgRect" styleLbl="bgShp">
+            <dgm:alg type="sp"/>
+            <dgm:shape xmlns:r="http://schemas.openxmlformats.org/officeDocument/2006/relationships" type="roundRect" r:blip="" zOrderOff="-999">
+              <dgm:adjLst>
+                <dgm:adj idx="1" val="0.1"/>
+              </dgm:adjLst>
+            </dgm:shape>
+            <dgm:presOf axis="desOrSelf" ptType="node"/>
+            <dgm:constrLst/>
+            <dgm:ruleLst/>
+          </dgm:layoutNode>
+          <dgm:layoutNode name="bgRectTx" styleLbl="bgShp">
+            <dgm:varLst>
+              <dgm:bulletEnabled val="1"/>
+            </dgm:varLst>
+            <dgm:alg type="tx"/>
+            <dgm:presOf axis="desOrSelf" ptType="node"/>
+            <dgm:shape xmlns:r="http://schemas.openxmlformats.org/officeDocument/2006/relationships" type="rect" r:blip="" zOrderOff="-999" hideGeom="1">
+              <dgm:adjLst/>
+            </dgm:shape>
+            <dgm:constrLst>
+              <dgm:constr type="primFontSz" val="65"/>
+            </dgm:constrLst>
+            <dgm:ruleLst>
+              <dgm:rule type="primFontSz" val="5" fact="NaN" max="NaN"/>
+            </dgm:ruleLst>
+          </dgm:layoutNode>
+        </dgm:layoutNode>
+        <dgm:choose name="Name30">
+          <dgm:if name="Name31" axis="self" ptType="node" func="revPos" op="gte" val="2">
+            <dgm:layoutNode name="spComp">
+              <dgm:alg type="composite">
+                <dgm:param type="vertAlign" val="t"/>
+                <dgm:param type="horzAlign" val="ctr"/>
+              </dgm:alg>
+              <dgm:shape xmlns:r="http://schemas.openxmlformats.org/officeDocument/2006/relationships" r:blip="">
+                <dgm:adjLst/>
+              </dgm:shape>
+              <dgm:presOf/>
+              <dgm:constrLst>
+                <dgm:constr type="userA"/>
+                <dgm:constr type="userB"/>
+                <dgm:constr type="l" for="ch" forName="vSp"/>
+                <dgm:constr type="t" for="ch" forName="vSp"/>
+                <dgm:constr type="h" for="ch" forName="vSp" refType="userB"/>
+                <dgm:constr type="hOff" for="ch" forName="vSp" refType="userA" fact="-0.2"/>
+              </dgm:constrLst>
+              <dgm:ruleLst/>
+              <dgm:layoutNode name="vSp">
+                <dgm:alg type="sp"/>
+                <dgm:shape xmlns:r="http://schemas.openxmlformats.org/officeDocument/2006/relationships" r:blip="">
+                  <dgm:adjLst/>
+                </dgm:shape>
+                <dgm:presOf/>
+                <dgm:constrLst/>
+                <dgm:ruleLst/>
+              </dgm:layoutNode>
+            </dgm:layoutNode>
+          </dgm:if>
+          <dgm:else name="Name32"/>
+        </dgm:choose>
+      </dgm:forEach>
+    </dgm:layoutNode>
+  </dgm:layoutNode>
+</dgm:layoutDef>
+</file>
+
 <file path=ppt/diagrams/quickStyle1.xml><?xml version="1.0" encoding="utf-8"?>
 <dgm:styleDef xmlns:dgm="http://schemas.openxmlformats.org/drawingml/2006/diagram" xmlns:a="http://schemas.openxmlformats.org/drawingml/2006/main" uniqueId="urn:microsoft.com/office/officeart/2005/8/quickstyle/3d3">
   <dgm:title val=""/>
@@ -10040,11 +12574,11 @@
 </file>
 
 <file path=ppt/diagrams/quickStyle2.xml><?xml version="1.0" encoding="utf-8"?>
-<dgm:styleDef xmlns:dgm="http://schemas.openxmlformats.org/drawingml/2006/diagram" xmlns:a="http://schemas.openxmlformats.org/drawingml/2006/main" uniqueId="urn:microsoft.com/office/officeart/2005/8/quickstyle/3d3">
+<dgm:styleDef xmlns:dgm="http://schemas.openxmlformats.org/drawingml/2006/diagram" xmlns:a="http://schemas.openxmlformats.org/drawingml/2006/main" uniqueId="urn:microsoft.com/office/officeart/2005/8/quickstyle/simple2">
   <dgm:title val=""/>
   <dgm:desc val=""/>
   <dgm:catLst>
-    <dgm:cat type="3D" pri="11300"/>
+    <dgm:cat type="simple" pri="10200"/>
   </dgm:catLst>
   <dgm:scene3d>
     <a:camera prst="orthographicFront"/>
@@ -10052,20 +12586,13 @@
   </dgm:scene3d>
   <dgm:styleLbl name="node0">
     <dgm:scene3d>
-      <a:camera prst="orthographicFront">
-        <a:rot lat="0" lon="0" rev="0"/>
-      </a:camera>
-      <a:lightRig rig="contrasting" dir="t">
-        <a:rot lat="0" lon="0" rev="1200000"/>
-      </a:lightRig>
+      <a:camera prst="orthographicFront"/>
+      <a:lightRig rig="threePt" dir="t"/>
     </dgm:scene3d>
-    <dgm:sp3d contourW="19050" prstMaterial="metal">
-      <a:bevelT w="88900" h="203200"/>
-      <a:bevelB w="165100" h="254000"/>
-    </dgm:sp3d>
+    <dgm:sp3d/>
     <dgm:txPr/>
     <dgm:style>
-      <a:lnRef idx="0">
+      <a:lnRef idx="3">
         <a:scrgbClr r="0" g="0" b="0"/>
       </a:lnRef>
       <a:fillRef idx="1">
@@ -10081,20 +12608,13 @@
   </dgm:styleLbl>
   <dgm:styleLbl name="lnNode1">
     <dgm:scene3d>
-      <a:camera prst="orthographicFront">
-        <a:rot lat="0" lon="0" rev="0"/>
-      </a:camera>
-      <a:lightRig rig="contrasting" dir="t">
-        <a:rot lat="0" lon="0" rev="1200000"/>
-      </a:lightRig>
+      <a:camera prst="orthographicFront"/>
+      <a:lightRig rig="threePt" dir="t"/>
     </dgm:scene3d>
-    <dgm:sp3d contourW="19050" prstMaterial="metal">
-      <a:bevelT w="88900" h="203200"/>
-      <a:bevelB w="165100" h="254000"/>
-    </dgm:sp3d>
+    <dgm:sp3d/>
     <dgm:txPr/>
     <dgm:style>
-      <a:lnRef idx="0">
+      <a:lnRef idx="3">
         <a:scrgbClr r="0" g="0" b="0"/>
       </a:lnRef>
       <a:fillRef idx="1">
@@ -10110,20 +12630,13 @@
   </dgm:styleLbl>
   <dgm:styleLbl name="vennNode1">
     <dgm:scene3d>
-      <a:camera prst="orthographicFront">
-        <a:rot lat="0" lon="0" rev="0"/>
-      </a:camera>
-      <a:lightRig rig="contrasting" dir="t">
-        <a:rot lat="0" lon="0" rev="1200000"/>
-      </a:lightRig>
+      <a:camera prst="orthographicFront"/>
+      <a:lightRig rig="threePt" dir="t"/>
     </dgm:scene3d>
-    <dgm:sp3d contourW="12700" prstMaterial="clear">
-      <a:bevelT w="177800" h="254000"/>
-      <a:bevelB w="152400"/>
-    </dgm:sp3d>
+    <dgm:sp3d/>
     <dgm:txPr/>
     <dgm:style>
-      <a:lnRef idx="0">
+      <a:lnRef idx="3">
         <a:scrgbClr r="0" g="0" b="0"/>
       </a:lnRef>
       <a:fillRef idx="1">
@@ -10139,26 +12652,19 @@
   </dgm:styleLbl>
   <dgm:styleLbl name="alignNode1">
     <dgm:scene3d>
-      <a:camera prst="orthographicFront">
-        <a:rot lat="0" lon="0" rev="0"/>
-      </a:camera>
-      <a:lightRig rig="contrasting" dir="t">
-        <a:rot lat="0" lon="0" rev="1200000"/>
-      </a:lightRig>
+      <a:camera prst="orthographicFront"/>
+      <a:lightRig rig="threePt" dir="t"/>
     </dgm:scene3d>
-    <dgm:sp3d contourW="19050" prstMaterial="metal">
-      <a:bevelT w="88900" h="203200"/>
-      <a:bevelB w="165100" h="254000"/>
-    </dgm:sp3d>
+    <dgm:sp3d/>
     <dgm:txPr/>
     <dgm:style>
-      <a:lnRef idx="0">
+      <a:lnRef idx="2">
         <a:scrgbClr r="0" g="0" b="0"/>
       </a:lnRef>
       <a:fillRef idx="1">
         <a:scrgbClr r="0" g="0" b="0"/>
       </a:fillRef>
-      <a:effectRef idx="2">
+      <a:effectRef idx="1">
         <a:scrgbClr r="0" g="0" b="0"/>
       </a:effectRef>
       <a:fontRef idx="minor">
@@ -10168,26 +12674,19 @@
   </dgm:styleLbl>
   <dgm:styleLbl name="node1">
     <dgm:scene3d>
-      <a:camera prst="orthographicFront">
-        <a:rot lat="0" lon="0" rev="0"/>
-      </a:camera>
-      <a:lightRig rig="contrasting" dir="t">
-        <a:rot lat="0" lon="0" rev="1200000"/>
-      </a:lightRig>
+      <a:camera prst="orthographicFront"/>
+      <a:lightRig rig="threePt" dir="t"/>
     </dgm:scene3d>
-    <dgm:sp3d contourW="19050" prstMaterial="metal">
-      <a:bevelT w="88900" h="203200"/>
-      <a:bevelB w="165100" h="254000"/>
-    </dgm:sp3d>
+    <dgm:sp3d/>
     <dgm:txPr/>
     <dgm:style>
-      <a:lnRef idx="0">
+      <a:lnRef idx="3">
         <a:scrgbClr r="0" g="0" b="0"/>
       </a:lnRef>
       <a:fillRef idx="1">
         <a:scrgbClr r="0" g="0" b="0"/>
       </a:fillRef>
-      <a:effectRef idx="2">
+      <a:effectRef idx="1">
         <a:scrgbClr r="0" g="0" b="0"/>
       </a:effectRef>
       <a:fontRef idx="minor">
@@ -10197,20 +12696,13 @@
   </dgm:styleLbl>
   <dgm:styleLbl name="node2">
     <dgm:scene3d>
-      <a:camera prst="orthographicFront">
-        <a:rot lat="0" lon="0" rev="0"/>
-      </a:camera>
-      <a:lightRig rig="contrasting" dir="t">
-        <a:rot lat="0" lon="0" rev="1200000"/>
-      </a:lightRig>
+      <a:camera prst="orthographicFront"/>
+      <a:lightRig rig="threePt" dir="t"/>
     </dgm:scene3d>
-    <dgm:sp3d contourW="19050" prstMaterial="metal">
-      <a:bevelT w="88900" h="203200"/>
-      <a:bevelB w="165100" h="254000"/>
-    </dgm:sp3d>
+    <dgm:sp3d/>
     <dgm:txPr/>
     <dgm:style>
-      <a:lnRef idx="0">
+      <a:lnRef idx="3">
         <a:scrgbClr r="0" g="0" b="0"/>
       </a:lnRef>
       <a:fillRef idx="1">
@@ -10226,20 +12718,13 @@
   </dgm:styleLbl>
   <dgm:styleLbl name="node3">
     <dgm:scene3d>
-      <a:camera prst="orthographicFront">
-        <a:rot lat="0" lon="0" rev="0"/>
-      </a:camera>
-      <a:lightRig rig="contrasting" dir="t">
-        <a:rot lat="0" lon="0" rev="1200000"/>
-      </a:lightRig>
+      <a:camera prst="orthographicFront"/>
+      <a:lightRig rig="threePt" dir="t"/>
     </dgm:scene3d>
-    <dgm:sp3d contourW="19050" prstMaterial="metal">
-      <a:bevelT w="88900" h="203200"/>
-      <a:bevelB w="165100" h="254000"/>
-    </dgm:sp3d>
+    <dgm:sp3d/>
     <dgm:txPr/>
     <dgm:style>
-      <a:lnRef idx="0">
+      <a:lnRef idx="3">
         <a:scrgbClr r="0" g="0" b="0"/>
       </a:lnRef>
       <a:fillRef idx="1">
@@ -10255,20 +12740,13 @@
   </dgm:styleLbl>
   <dgm:styleLbl name="node4">
     <dgm:scene3d>
-      <a:camera prst="orthographicFront">
-        <a:rot lat="0" lon="0" rev="0"/>
-      </a:camera>
-      <a:lightRig rig="contrasting" dir="t">
-        <a:rot lat="0" lon="0" rev="1200000"/>
-      </a:lightRig>
+      <a:camera prst="orthographicFront"/>
+      <a:lightRig rig="threePt" dir="t"/>
     </dgm:scene3d>
-    <dgm:sp3d contourW="19050" prstMaterial="metal">
-      <a:bevelT w="88900" h="203200"/>
-      <a:bevelB w="165100" h="254000"/>
-    </dgm:sp3d>
+    <dgm:sp3d/>
     <dgm:txPr/>
     <dgm:style>
-      <a:lnRef idx="0">
+      <a:lnRef idx="3">
         <a:scrgbClr r="0" g="0" b="0"/>
       </a:lnRef>
       <a:fillRef idx="1">
@@ -10284,17 +12762,70 @@
   </dgm:styleLbl>
   <dgm:styleLbl name="fgImgPlace1">
     <dgm:scene3d>
-      <a:camera prst="orthographicFront">
-        <a:rot lat="0" lon="0" rev="0"/>
-      </a:camera>
-      <a:lightRig rig="contrasting" dir="t">
-        <a:rot lat="0" lon="0" rev="1200000"/>
-      </a:lightRig>
+      <a:camera prst="orthographicFront"/>
+      <a:lightRig rig="threePt" dir="t"/>
     </dgm:scene3d>
-    <dgm:sp3d z="300000" contourW="19050" prstMaterial="metal">
-      <a:bevelT w="88900" h="203200"/>
-      <a:bevelB w="165100" h="254000"/>
-    </dgm:sp3d>
+    <dgm:sp3d/>
+    <dgm:txPr/>
+    <dgm:style>
+      <a:lnRef idx="3">
+        <a:scrgbClr r="0" g="0" b="0"/>
+      </a:lnRef>
+      <a:fillRef idx="1">
+        <a:scrgbClr r="0" g="0" b="0"/>
+      </a:fillRef>
+      <a:effectRef idx="1">
+        <a:scrgbClr r="0" g="0" b="0"/>
+      </a:effectRef>
+      <a:fontRef idx="minor"/>
+    </dgm:style>
+  </dgm:styleLbl>
+  <dgm:styleLbl name="alignImgPlace1">
+    <dgm:scene3d>
+      <a:camera prst="orthographicFront"/>
+      <a:lightRig rig="threePt" dir="t"/>
+    </dgm:scene3d>
+    <dgm:sp3d/>
+    <dgm:txPr/>
+    <dgm:style>
+      <a:lnRef idx="3">
+        <a:scrgbClr r="0" g="0" b="0"/>
+      </a:lnRef>
+      <a:fillRef idx="1">
+        <a:scrgbClr r="0" g="0" b="0"/>
+      </a:fillRef>
+      <a:effectRef idx="1">
+        <a:scrgbClr r="0" g="0" b="0"/>
+      </a:effectRef>
+      <a:fontRef idx="minor"/>
+    </dgm:style>
+  </dgm:styleLbl>
+  <dgm:styleLbl name="bgImgPlace1">
+    <dgm:scene3d>
+      <a:camera prst="orthographicFront"/>
+      <a:lightRig rig="threePt" dir="t"/>
+    </dgm:scene3d>
+    <dgm:sp3d/>
+    <dgm:txPr/>
+    <dgm:style>
+      <a:lnRef idx="3">
+        <a:scrgbClr r="0" g="0" b="0"/>
+      </a:lnRef>
+      <a:fillRef idx="1">
+        <a:scrgbClr r="0" g="0" b="0"/>
+      </a:fillRef>
+      <a:effectRef idx="1">
+        <a:scrgbClr r="0" g="0" b="0"/>
+      </a:effectRef>
+      <a:fontRef idx="minor"/>
+    </dgm:style>
+  </dgm:styleLbl>
+  <dgm:styleLbl name="sibTrans2D1">
+    <dgm:scene3d>
+      <a:camera prst="orthographicFront"/>
+      <a:lightRig rig="threePt" dir="t"/>
+    </dgm:scene3d>
+    <dgm:sp3d/>
     <dgm:txPr/>
     <dgm:style>
       <a:lnRef idx="0">
@@ -10304,87 +12835,6 @@
         <a:scrgbClr r="0" g="0" b="0"/>
       </a:fillRef>
       <a:effectRef idx="1">
-        <a:scrgbClr r="0" g="0" b="0"/>
-      </a:effectRef>
-      <a:fontRef idx="minor"/>
-    </dgm:style>
-  </dgm:styleLbl>
-  <dgm:styleLbl name="alignImgPlace1">
-    <dgm:scene3d>
-      <a:camera prst="orthographicFront">
-        <a:rot lat="0" lon="0" rev="0"/>
-      </a:camera>
-      <a:lightRig rig="contrasting" dir="t">
-        <a:rot lat="0" lon="0" rev="1200000"/>
-      </a:lightRig>
-    </dgm:scene3d>
-    <dgm:sp3d contourW="12700" prstMaterial="flat">
-      <a:bevelT w="177800" h="254000"/>
-      <a:bevelB w="152400"/>
-    </dgm:sp3d>
-    <dgm:txPr/>
-    <dgm:style>
-      <a:lnRef idx="0">
-        <a:scrgbClr r="0" g="0" b="0"/>
-      </a:lnRef>
-      <a:fillRef idx="1">
-        <a:scrgbClr r="0" g="0" b="0"/>
-      </a:fillRef>
-      <a:effectRef idx="1">
-        <a:scrgbClr r="0" g="0" b="0"/>
-      </a:effectRef>
-      <a:fontRef idx="minor"/>
-    </dgm:style>
-  </dgm:styleLbl>
-  <dgm:styleLbl name="bgImgPlace1">
-    <dgm:scene3d>
-      <a:camera prst="orthographicFront">
-        <a:rot lat="0" lon="0" rev="0"/>
-      </a:camera>
-      <a:lightRig rig="contrasting" dir="t">
-        <a:rot lat="0" lon="0" rev="1200000"/>
-      </a:lightRig>
-    </dgm:scene3d>
-    <dgm:sp3d z="-300000" contourW="19050" prstMaterial="metal">
-      <a:bevelT w="88900" h="203200"/>
-      <a:bevelB w="165100" h="254000"/>
-    </dgm:sp3d>
-    <dgm:txPr/>
-    <dgm:style>
-      <a:lnRef idx="0">
-        <a:scrgbClr r="0" g="0" b="0"/>
-      </a:lnRef>
-      <a:fillRef idx="1">
-        <a:scrgbClr r="0" g="0" b="0"/>
-      </a:fillRef>
-      <a:effectRef idx="1">
-        <a:scrgbClr r="0" g="0" b="0"/>
-      </a:effectRef>
-      <a:fontRef idx="minor"/>
-    </dgm:style>
-  </dgm:styleLbl>
-  <dgm:styleLbl name="sibTrans2D1">
-    <dgm:scene3d>
-      <a:camera prst="orthographicFront">
-        <a:rot lat="0" lon="0" rev="0"/>
-      </a:camera>
-      <a:lightRig rig="contrasting" dir="t">
-        <a:rot lat="0" lon="0" rev="1200000"/>
-      </a:lightRig>
-    </dgm:scene3d>
-    <dgm:sp3d z="-182000" contourW="19050" prstMaterial="metal">
-      <a:bevelT w="88900" h="203200"/>
-      <a:bevelB w="165100" h="254000"/>
-    </dgm:sp3d>
-    <dgm:txPr/>
-    <dgm:style>
-      <a:lnRef idx="0">
-        <a:scrgbClr r="0" g="0" b="0"/>
-      </a:lnRef>
-      <a:fillRef idx="1">
-        <a:scrgbClr r="0" g="0" b="0"/>
-      </a:fillRef>
-      <a:effectRef idx="0">
         <a:scrgbClr r="0" g="0" b="0"/>
       </a:effectRef>
       <a:fontRef idx="minor">
@@ -10394,119 +12844,10 @@
   </dgm:styleLbl>
   <dgm:styleLbl name="fgSibTrans2D1">
     <dgm:scene3d>
-      <a:camera prst="orthographicFront">
-        <a:rot lat="0" lon="0" rev="0"/>
-      </a:camera>
-      <a:lightRig rig="contrasting" dir="t">
-        <a:rot lat="0" lon="0" rev="1200000"/>
-      </a:lightRig>
+      <a:camera prst="orthographicFront"/>
+      <a:lightRig rig="threePt" dir="t"/>
     </dgm:scene3d>
-    <dgm:sp3d z="300000" contourW="19050" prstMaterial="metal">
-      <a:bevelT w="88900" h="203200"/>
-      <a:bevelB w="165100" h="254000"/>
-    </dgm:sp3d>
-    <dgm:txPr/>
-    <dgm:style>
-      <a:lnRef idx="0">
-        <a:scrgbClr r="0" g="0" b="0"/>
-      </a:lnRef>
-      <a:fillRef idx="1">
-        <a:scrgbClr r="0" g="0" b="0"/>
-      </a:fillRef>
-      <a:effectRef idx="0">
-        <a:scrgbClr r="0" g="0" b="0"/>
-      </a:effectRef>
-      <a:fontRef idx="minor"/>
-    </dgm:style>
-  </dgm:styleLbl>
-  <dgm:styleLbl name="bgSibTrans2D1">
-    <dgm:scene3d>
-      <a:camera prst="orthographicFront">
-        <a:rot lat="0" lon="0" rev="0"/>
-      </a:camera>
-      <a:lightRig rig="contrasting" dir="t">
-        <a:rot lat="0" lon="0" rev="1200000"/>
-      </a:lightRig>
-    </dgm:scene3d>
-    <dgm:sp3d z="-300000" contourW="19050" prstMaterial="metal">
-      <a:bevelT w="88900" h="203200"/>
-      <a:bevelB w="165100" h="254000"/>
-    </dgm:sp3d>
-    <dgm:txPr/>
-    <dgm:style>
-      <a:lnRef idx="0">
-        <a:scrgbClr r="0" g="0" b="0"/>
-      </a:lnRef>
-      <a:fillRef idx="1">
-        <a:scrgbClr r="0" g="0" b="0"/>
-      </a:fillRef>
-      <a:effectRef idx="0">
-        <a:scrgbClr r="0" g="0" b="0"/>
-      </a:effectRef>
-      <a:fontRef idx="minor"/>
-    </dgm:style>
-  </dgm:styleLbl>
-  <dgm:styleLbl name="sibTrans1D1">
-    <dgm:scene3d>
-      <a:camera prst="orthographicFront">
-        <a:rot lat="0" lon="0" rev="0"/>
-      </a:camera>
-      <a:lightRig rig="contrasting" dir="t">
-        <a:rot lat="0" lon="0" rev="1200000"/>
-      </a:lightRig>
-    </dgm:scene3d>
-    <dgm:sp3d z="-110000"/>
-    <dgm:txPr/>
-    <dgm:style>
-      <a:lnRef idx="1">
-        <a:scrgbClr r="0" g="0" b="0"/>
-      </a:lnRef>
-      <a:fillRef idx="0">
-        <a:scrgbClr r="0" g="0" b="0"/>
-      </a:fillRef>
-      <a:effectRef idx="0">
-        <a:scrgbClr r="0" g="0" b="0"/>
-      </a:effectRef>
-      <a:fontRef idx="minor"/>
-    </dgm:style>
-  </dgm:styleLbl>
-  <dgm:styleLbl name="callout">
-    <dgm:scene3d>
-      <a:camera prst="orthographicFront">
-        <a:rot lat="0" lon="0" rev="0"/>
-      </a:camera>
-      <a:lightRig rig="contrasting" dir="t">
-        <a:rot lat="0" lon="0" rev="1200000"/>
-      </a:lightRig>
-    </dgm:scene3d>
-    <dgm:sp3d z="10000"/>
-    <dgm:txPr/>
-    <dgm:style>
-      <a:lnRef idx="2">
-        <a:scrgbClr r="0" g="0" b="0"/>
-      </a:lnRef>
-      <a:fillRef idx="1">
-        <a:scrgbClr r="0" g="0" b="0"/>
-      </a:fillRef>
-      <a:effectRef idx="0">
-        <a:scrgbClr r="0" g="0" b="0"/>
-      </a:effectRef>
-      <a:fontRef idx="minor"/>
-    </dgm:style>
-  </dgm:styleLbl>
-  <dgm:styleLbl name="asst0">
-    <dgm:scene3d>
-      <a:camera prst="orthographicFront">
-        <a:rot lat="0" lon="0" rev="0"/>
-      </a:camera>
-      <a:lightRig rig="contrasting" dir="t">
-        <a:rot lat="0" lon="0" rev="1200000"/>
-      </a:lightRig>
-    </dgm:scene3d>
-    <dgm:sp3d contourW="19050" prstMaterial="metal">
-      <a:bevelT w="88900" h="203200"/>
-      <a:bevelB w="165100" h="254000"/>
-    </dgm:sp3d>
+    <dgm:sp3d/>
     <dgm:txPr/>
     <dgm:style>
       <a:lnRef idx="0">
@@ -10523,19 +12864,12 @@
       </a:fontRef>
     </dgm:style>
   </dgm:styleLbl>
-  <dgm:styleLbl name="asst1">
+  <dgm:styleLbl name="bgSibTrans2D1">
     <dgm:scene3d>
-      <a:camera prst="orthographicFront">
-        <a:rot lat="0" lon="0" rev="0"/>
-      </a:camera>
-      <a:lightRig rig="contrasting" dir="t">
-        <a:rot lat="0" lon="0" rev="1200000"/>
-      </a:lightRig>
+      <a:camera prst="orthographicFront"/>
+      <a:lightRig rig="threePt" dir="t"/>
     </dgm:scene3d>
-    <dgm:sp3d contourW="19050" prstMaterial="metal">
-      <a:bevelT w="88900" h="203200"/>
-      <a:bevelB w="165100" h="254000"/>
-    </dgm:sp3d>
+    <dgm:sp3d/>
     <dgm:txPr/>
     <dgm:style>
       <a:lnRef idx="0">
@@ -10552,22 +12886,55 @@
       </a:fontRef>
     </dgm:style>
   </dgm:styleLbl>
-  <dgm:styleLbl name="asst2">
+  <dgm:styleLbl name="sibTrans1D1">
     <dgm:scene3d>
-      <a:camera prst="orthographicFront">
-        <a:rot lat="0" lon="0" rev="0"/>
-      </a:camera>
-      <a:lightRig rig="contrasting" dir="t">
-        <a:rot lat="0" lon="0" rev="1200000"/>
-      </a:lightRig>
+      <a:camera prst="orthographicFront"/>
+      <a:lightRig rig="threePt" dir="t"/>
     </dgm:scene3d>
-    <dgm:sp3d contourW="19050" prstMaterial="metal">
-      <a:bevelT w="88900" h="203200"/>
-      <a:bevelB w="165100" h="254000"/>
-    </dgm:sp3d>
+    <dgm:sp3d/>
     <dgm:txPr/>
     <dgm:style>
-      <a:lnRef idx="0">
+      <a:lnRef idx="1">
+        <a:scrgbClr r="0" g="0" b="0"/>
+      </a:lnRef>
+      <a:fillRef idx="0">
+        <a:scrgbClr r="0" g="0" b="0"/>
+      </a:fillRef>
+      <a:effectRef idx="0">
+        <a:scrgbClr r="0" g="0" b="0"/>
+      </a:effectRef>
+      <a:fontRef idx="minor"/>
+    </dgm:style>
+  </dgm:styleLbl>
+  <dgm:styleLbl name="callout">
+    <dgm:scene3d>
+      <a:camera prst="orthographicFront"/>
+      <a:lightRig rig="threePt" dir="t"/>
+    </dgm:scene3d>
+    <dgm:sp3d/>
+    <dgm:txPr/>
+    <dgm:style>
+      <a:lnRef idx="2">
+        <a:scrgbClr r="0" g="0" b="0"/>
+      </a:lnRef>
+      <a:fillRef idx="1">
+        <a:scrgbClr r="0" g="0" b="0"/>
+      </a:fillRef>
+      <a:effectRef idx="1">
+        <a:scrgbClr r="0" g="0" b="0"/>
+      </a:effectRef>
+      <a:fontRef idx="minor"/>
+    </dgm:style>
+  </dgm:styleLbl>
+  <dgm:styleLbl name="asst0">
+    <dgm:scene3d>
+      <a:camera prst="orthographicFront"/>
+      <a:lightRig rig="threePt" dir="t"/>
+    </dgm:scene3d>
+    <dgm:sp3d/>
+    <dgm:txPr/>
+    <dgm:style>
+      <a:lnRef idx="3">
         <a:scrgbClr r="0" g="0" b="0"/>
       </a:lnRef>
       <a:fillRef idx="1">
@@ -10581,22 +12948,15 @@
       </a:fontRef>
     </dgm:style>
   </dgm:styleLbl>
-  <dgm:styleLbl name="asst3">
+  <dgm:styleLbl name="asst1">
     <dgm:scene3d>
-      <a:camera prst="orthographicFront">
-        <a:rot lat="0" lon="0" rev="0"/>
-      </a:camera>
-      <a:lightRig rig="contrasting" dir="t">
-        <a:rot lat="0" lon="0" rev="1200000"/>
-      </a:lightRig>
+      <a:camera prst="orthographicFront"/>
+      <a:lightRig rig="threePt" dir="t"/>
     </dgm:scene3d>
-    <dgm:sp3d contourW="19050" prstMaterial="metal">
-      <a:bevelT w="88900" h="203200"/>
-      <a:bevelB w="165100" h="254000"/>
-    </dgm:sp3d>
+    <dgm:sp3d/>
     <dgm:txPr/>
     <dgm:style>
-      <a:lnRef idx="0">
+      <a:lnRef idx="3">
         <a:scrgbClr r="0" g="0" b="0"/>
       </a:lnRef>
       <a:fillRef idx="1">
@@ -10610,18 +12970,59 @@
       </a:fontRef>
     </dgm:style>
   </dgm:styleLbl>
+  <dgm:styleLbl name="asst2">
+    <dgm:scene3d>
+      <a:camera prst="orthographicFront"/>
+      <a:lightRig rig="threePt" dir="t"/>
+    </dgm:scene3d>
+    <dgm:sp3d/>
+    <dgm:txPr/>
+    <dgm:style>
+      <a:lnRef idx="3">
+        <a:scrgbClr r="0" g="0" b="0"/>
+      </a:lnRef>
+      <a:fillRef idx="1">
+        <a:scrgbClr r="0" g="0" b="0"/>
+      </a:fillRef>
+      <a:effectRef idx="1">
+        <a:scrgbClr r="0" g="0" b="0"/>
+      </a:effectRef>
+      <a:fontRef idx="minor">
+        <a:schemeClr val="lt1"/>
+      </a:fontRef>
+    </dgm:style>
+  </dgm:styleLbl>
+  <dgm:styleLbl name="asst3">
+    <dgm:scene3d>
+      <a:camera prst="orthographicFront"/>
+      <a:lightRig rig="threePt" dir="t"/>
+    </dgm:scene3d>
+    <dgm:sp3d/>
+    <dgm:txPr/>
+    <dgm:style>
+      <a:lnRef idx="3">
+        <a:scrgbClr r="0" g="0" b="0"/>
+      </a:lnRef>
+      <a:fillRef idx="1">
+        <a:scrgbClr r="0" g="0" b="0"/>
+      </a:fillRef>
+      <a:effectRef idx="1">
+        <a:scrgbClr r="0" g="0" b="0"/>
+      </a:effectRef>
+      <a:fontRef idx="minor">
+        <a:schemeClr val="lt1"/>
+      </a:fontRef>
+    </dgm:style>
+  </dgm:styleLbl>
   <dgm:styleLbl name="asst4">
     <dgm:scene3d>
       <a:camera prst="orthographicFront"/>
       <a:lightRig rig="threePt" dir="t"/>
     </dgm:scene3d>
-    <dgm:sp3d contourW="19050" prstMaterial="metal">
-      <a:bevelT w="88900" h="203200"/>
-      <a:bevelB w="165100" h="254000"/>
-    </dgm:sp3d>
+    <dgm:sp3d/>
     <dgm:txPr/>
     <dgm:style>
-      <a:lnRef idx="0">
+      <a:lnRef idx="3">
         <a:scrgbClr r="0" g="0" b="0"/>
       </a:lnRef>
       <a:fillRef idx="1">
@@ -10637,17 +13038,478 @@
   </dgm:styleLbl>
   <dgm:styleLbl name="parChTrans2D1">
     <dgm:scene3d>
-      <a:camera prst="orthographicFront">
-        <a:rot lat="0" lon="0" rev="0"/>
-      </a:camera>
-      <a:lightRig rig="contrasting" dir="t">
-        <a:rot lat="0" lon="0" rev="1200000"/>
-      </a:lightRig>
+      <a:camera prst="orthographicFront"/>
+      <a:lightRig rig="threePt" dir="t"/>
     </dgm:scene3d>
-    <dgm:sp3d contourW="19050" prstMaterial="metal">
-      <a:bevelT w="88900" h="203200"/>
-      <a:bevelB w="165100" h="254000"/>
-    </dgm:sp3d>
+    <dgm:sp3d/>
+    <dgm:txPr/>
+    <dgm:style>
+      <a:lnRef idx="3">
+        <a:scrgbClr r="0" g="0" b="0"/>
+      </a:lnRef>
+      <a:fillRef idx="1">
+        <a:scrgbClr r="0" g="0" b="0"/>
+      </a:fillRef>
+      <a:effectRef idx="1">
+        <a:scrgbClr r="0" g="0" b="0"/>
+      </a:effectRef>
+      <a:fontRef idx="minor">
+        <a:schemeClr val="lt1"/>
+      </a:fontRef>
+    </dgm:style>
+  </dgm:styleLbl>
+  <dgm:styleLbl name="parChTrans2D2">
+    <dgm:scene3d>
+      <a:camera prst="orthographicFront"/>
+      <a:lightRig rig="threePt" dir="t"/>
+    </dgm:scene3d>
+    <dgm:sp3d/>
+    <dgm:txPr/>
+    <dgm:style>
+      <a:lnRef idx="3">
+        <a:scrgbClr r="0" g="0" b="0"/>
+      </a:lnRef>
+      <a:fillRef idx="1">
+        <a:scrgbClr r="0" g="0" b="0"/>
+      </a:fillRef>
+      <a:effectRef idx="1">
+        <a:scrgbClr r="0" g="0" b="0"/>
+      </a:effectRef>
+      <a:fontRef idx="minor">
+        <a:schemeClr val="lt1"/>
+      </a:fontRef>
+    </dgm:style>
+  </dgm:styleLbl>
+  <dgm:styleLbl name="parChTrans2D3">
+    <dgm:scene3d>
+      <a:camera prst="orthographicFront"/>
+      <a:lightRig rig="threePt" dir="t"/>
+    </dgm:scene3d>
+    <dgm:sp3d/>
+    <dgm:txPr/>
+    <dgm:style>
+      <a:lnRef idx="3">
+        <a:scrgbClr r="0" g="0" b="0"/>
+      </a:lnRef>
+      <a:fillRef idx="1">
+        <a:scrgbClr r="0" g="0" b="0"/>
+      </a:fillRef>
+      <a:effectRef idx="1">
+        <a:scrgbClr r="0" g="0" b="0"/>
+      </a:effectRef>
+      <a:fontRef idx="minor">
+        <a:schemeClr val="lt1"/>
+      </a:fontRef>
+    </dgm:style>
+  </dgm:styleLbl>
+  <dgm:styleLbl name="parChTrans2D4">
+    <dgm:scene3d>
+      <a:camera prst="orthographicFront"/>
+      <a:lightRig rig="threePt" dir="t"/>
+    </dgm:scene3d>
+    <dgm:sp3d/>
+    <dgm:txPr/>
+    <dgm:style>
+      <a:lnRef idx="3">
+        <a:scrgbClr r="0" g="0" b="0"/>
+      </a:lnRef>
+      <a:fillRef idx="1">
+        <a:scrgbClr r="0" g="0" b="0"/>
+      </a:fillRef>
+      <a:effectRef idx="1">
+        <a:scrgbClr r="0" g="0" b="0"/>
+      </a:effectRef>
+      <a:fontRef idx="minor">
+        <a:schemeClr val="lt1"/>
+      </a:fontRef>
+    </dgm:style>
+  </dgm:styleLbl>
+  <dgm:styleLbl name="parChTrans1D1">
+    <dgm:scene3d>
+      <a:camera prst="orthographicFront"/>
+      <a:lightRig rig="threePt" dir="t"/>
+    </dgm:scene3d>
+    <dgm:sp3d/>
+    <dgm:txPr/>
+    <dgm:style>
+      <a:lnRef idx="2">
+        <a:scrgbClr r="0" g="0" b="0"/>
+      </a:lnRef>
+      <a:fillRef idx="0">
+        <a:scrgbClr r="0" g="0" b="0"/>
+      </a:fillRef>
+      <a:effectRef idx="0">
+        <a:scrgbClr r="0" g="0" b="0"/>
+      </a:effectRef>
+      <a:fontRef idx="minor"/>
+    </dgm:style>
+  </dgm:styleLbl>
+  <dgm:styleLbl name="parChTrans1D2">
+    <dgm:scene3d>
+      <a:camera prst="orthographicFront"/>
+      <a:lightRig rig="threePt" dir="t"/>
+    </dgm:scene3d>
+    <dgm:sp3d/>
+    <dgm:txPr/>
+    <dgm:style>
+      <a:lnRef idx="2">
+        <a:scrgbClr r="0" g="0" b="0"/>
+      </a:lnRef>
+      <a:fillRef idx="0">
+        <a:scrgbClr r="0" g="0" b="0"/>
+      </a:fillRef>
+      <a:effectRef idx="0">
+        <a:scrgbClr r="0" g="0" b="0"/>
+      </a:effectRef>
+      <a:fontRef idx="minor"/>
+    </dgm:style>
+  </dgm:styleLbl>
+  <dgm:styleLbl name="parChTrans1D3">
+    <dgm:scene3d>
+      <a:camera prst="orthographicFront"/>
+      <a:lightRig rig="threePt" dir="t"/>
+    </dgm:scene3d>
+    <dgm:sp3d/>
+    <dgm:txPr/>
+    <dgm:style>
+      <a:lnRef idx="2">
+        <a:scrgbClr r="0" g="0" b="0"/>
+      </a:lnRef>
+      <a:fillRef idx="0">
+        <a:scrgbClr r="0" g="0" b="0"/>
+      </a:fillRef>
+      <a:effectRef idx="0">
+        <a:scrgbClr r="0" g="0" b="0"/>
+      </a:effectRef>
+      <a:fontRef idx="minor"/>
+    </dgm:style>
+  </dgm:styleLbl>
+  <dgm:styleLbl name="parChTrans1D4">
+    <dgm:scene3d>
+      <a:camera prst="orthographicFront"/>
+      <a:lightRig rig="threePt" dir="t"/>
+    </dgm:scene3d>
+    <dgm:sp3d/>
+    <dgm:txPr/>
+    <dgm:style>
+      <a:lnRef idx="2">
+        <a:scrgbClr r="0" g="0" b="0"/>
+      </a:lnRef>
+      <a:fillRef idx="0">
+        <a:scrgbClr r="0" g="0" b="0"/>
+      </a:fillRef>
+      <a:effectRef idx="0">
+        <a:scrgbClr r="0" g="0" b="0"/>
+      </a:effectRef>
+      <a:fontRef idx="minor"/>
+    </dgm:style>
+  </dgm:styleLbl>
+  <dgm:styleLbl name="fgAcc1">
+    <dgm:scene3d>
+      <a:camera prst="orthographicFront"/>
+      <a:lightRig rig="threePt" dir="t"/>
+    </dgm:scene3d>
+    <dgm:sp3d/>
+    <dgm:txPr/>
+    <dgm:style>
+      <a:lnRef idx="2">
+        <a:scrgbClr r="0" g="0" b="0"/>
+      </a:lnRef>
+      <a:fillRef idx="1">
+        <a:scrgbClr r="0" g="0" b="0"/>
+      </a:fillRef>
+      <a:effectRef idx="0">
+        <a:scrgbClr r="0" g="0" b="0"/>
+      </a:effectRef>
+      <a:fontRef idx="minor"/>
+    </dgm:style>
+  </dgm:styleLbl>
+  <dgm:styleLbl name="conFgAcc1">
+    <dgm:scene3d>
+      <a:camera prst="orthographicFront"/>
+      <a:lightRig rig="threePt" dir="t"/>
+    </dgm:scene3d>
+    <dgm:sp3d/>
+    <dgm:txPr/>
+    <dgm:style>
+      <a:lnRef idx="2">
+        <a:scrgbClr r="0" g="0" b="0"/>
+      </a:lnRef>
+      <a:fillRef idx="1">
+        <a:scrgbClr r="0" g="0" b="0"/>
+      </a:fillRef>
+      <a:effectRef idx="0">
+        <a:scrgbClr r="0" g="0" b="0"/>
+      </a:effectRef>
+      <a:fontRef idx="minor"/>
+    </dgm:style>
+  </dgm:styleLbl>
+  <dgm:styleLbl name="alignAcc1">
+    <dgm:scene3d>
+      <a:camera prst="orthographicFront"/>
+      <a:lightRig rig="threePt" dir="t"/>
+    </dgm:scene3d>
+    <dgm:sp3d/>
+    <dgm:txPr/>
+    <dgm:style>
+      <a:lnRef idx="2">
+        <a:scrgbClr r="0" g="0" b="0"/>
+      </a:lnRef>
+      <a:fillRef idx="1">
+        <a:scrgbClr r="0" g="0" b="0"/>
+      </a:fillRef>
+      <a:effectRef idx="0">
+        <a:scrgbClr r="0" g="0" b="0"/>
+      </a:effectRef>
+      <a:fontRef idx="minor"/>
+    </dgm:style>
+  </dgm:styleLbl>
+  <dgm:styleLbl name="trAlignAcc1">
+    <dgm:scene3d>
+      <a:camera prst="orthographicFront"/>
+      <a:lightRig rig="threePt" dir="t"/>
+    </dgm:scene3d>
+    <dgm:sp3d/>
+    <dgm:txPr/>
+    <dgm:style>
+      <a:lnRef idx="1">
+        <a:scrgbClr r="0" g="0" b="0"/>
+      </a:lnRef>
+      <a:fillRef idx="1">
+        <a:scrgbClr r="0" g="0" b="0"/>
+      </a:fillRef>
+      <a:effectRef idx="0">
+        <a:scrgbClr r="0" g="0" b="0"/>
+      </a:effectRef>
+      <a:fontRef idx="minor"/>
+    </dgm:style>
+  </dgm:styleLbl>
+  <dgm:styleLbl name="bgAcc1">
+    <dgm:scene3d>
+      <a:camera prst="orthographicFront"/>
+      <a:lightRig rig="threePt" dir="t"/>
+    </dgm:scene3d>
+    <dgm:sp3d/>
+    <dgm:txPr/>
+    <dgm:style>
+      <a:lnRef idx="2">
+        <a:scrgbClr r="0" g="0" b="0"/>
+      </a:lnRef>
+      <a:fillRef idx="1">
+        <a:scrgbClr r="0" g="0" b="0"/>
+      </a:fillRef>
+      <a:effectRef idx="0">
+        <a:scrgbClr r="0" g="0" b="0"/>
+      </a:effectRef>
+      <a:fontRef idx="minor"/>
+    </dgm:style>
+  </dgm:styleLbl>
+  <dgm:styleLbl name="solidFgAcc1">
+    <dgm:scene3d>
+      <a:camera prst="orthographicFront"/>
+      <a:lightRig rig="threePt" dir="t"/>
+    </dgm:scene3d>
+    <dgm:sp3d/>
+    <dgm:txPr/>
+    <dgm:style>
+      <a:lnRef idx="2">
+        <a:scrgbClr r="0" g="0" b="0"/>
+      </a:lnRef>
+      <a:fillRef idx="1">
+        <a:scrgbClr r="0" g="0" b="0"/>
+      </a:fillRef>
+      <a:effectRef idx="0">
+        <a:scrgbClr r="0" g="0" b="0"/>
+      </a:effectRef>
+      <a:fontRef idx="minor"/>
+    </dgm:style>
+  </dgm:styleLbl>
+  <dgm:styleLbl name="solidAlignAcc1">
+    <dgm:scene3d>
+      <a:camera prst="orthographicFront"/>
+      <a:lightRig rig="threePt" dir="t"/>
+    </dgm:scene3d>
+    <dgm:sp3d/>
+    <dgm:txPr/>
+    <dgm:style>
+      <a:lnRef idx="2">
+        <a:scrgbClr r="0" g="0" b="0"/>
+      </a:lnRef>
+      <a:fillRef idx="1">
+        <a:scrgbClr r="0" g="0" b="0"/>
+      </a:fillRef>
+      <a:effectRef idx="0">
+        <a:scrgbClr r="0" g="0" b="0"/>
+      </a:effectRef>
+      <a:fontRef idx="minor"/>
+    </dgm:style>
+  </dgm:styleLbl>
+  <dgm:styleLbl name="solidBgAcc1">
+    <dgm:scene3d>
+      <a:camera prst="orthographicFront"/>
+      <a:lightRig rig="threePt" dir="t"/>
+    </dgm:scene3d>
+    <dgm:sp3d/>
+    <dgm:txPr/>
+    <dgm:style>
+      <a:lnRef idx="2">
+        <a:scrgbClr r="0" g="0" b="0"/>
+      </a:lnRef>
+      <a:fillRef idx="1">
+        <a:scrgbClr r="0" g="0" b="0"/>
+      </a:fillRef>
+      <a:effectRef idx="0">
+        <a:scrgbClr r="0" g="0" b="0"/>
+      </a:effectRef>
+      <a:fontRef idx="minor"/>
+    </dgm:style>
+  </dgm:styleLbl>
+  <dgm:styleLbl name="fgAccFollowNode1">
+    <dgm:scene3d>
+      <a:camera prst="orthographicFront"/>
+      <a:lightRig rig="threePt" dir="t"/>
+    </dgm:scene3d>
+    <dgm:sp3d/>
+    <dgm:txPr/>
+    <dgm:style>
+      <a:lnRef idx="2">
+        <a:scrgbClr r="0" g="0" b="0"/>
+      </a:lnRef>
+      <a:fillRef idx="1">
+        <a:scrgbClr r="0" g="0" b="0"/>
+      </a:fillRef>
+      <a:effectRef idx="0">
+        <a:scrgbClr r="0" g="0" b="0"/>
+      </a:effectRef>
+      <a:fontRef idx="minor"/>
+    </dgm:style>
+  </dgm:styleLbl>
+  <dgm:styleLbl name="alignAccFollowNode1">
+    <dgm:scene3d>
+      <a:camera prst="orthographicFront"/>
+      <a:lightRig rig="threePt" dir="t"/>
+    </dgm:scene3d>
+    <dgm:sp3d/>
+    <dgm:txPr/>
+    <dgm:style>
+      <a:lnRef idx="2">
+        <a:scrgbClr r="0" g="0" b="0"/>
+      </a:lnRef>
+      <a:fillRef idx="1">
+        <a:scrgbClr r="0" g="0" b="0"/>
+      </a:fillRef>
+      <a:effectRef idx="0">
+        <a:scrgbClr r="0" g="0" b="0"/>
+      </a:effectRef>
+      <a:fontRef idx="minor"/>
+    </dgm:style>
+  </dgm:styleLbl>
+  <dgm:styleLbl name="bgAccFollowNode1">
+    <dgm:scene3d>
+      <a:camera prst="orthographicFront"/>
+      <a:lightRig rig="threePt" dir="t"/>
+    </dgm:scene3d>
+    <dgm:sp3d/>
+    <dgm:txPr/>
+    <dgm:style>
+      <a:lnRef idx="2">
+        <a:scrgbClr r="0" g="0" b="0"/>
+      </a:lnRef>
+      <a:fillRef idx="1">
+        <a:scrgbClr r="0" g="0" b="0"/>
+      </a:fillRef>
+      <a:effectRef idx="0">
+        <a:scrgbClr r="0" g="0" b="0"/>
+      </a:effectRef>
+      <a:fontRef idx="minor"/>
+    </dgm:style>
+  </dgm:styleLbl>
+  <dgm:styleLbl name="fgAcc0">
+    <dgm:scene3d>
+      <a:camera prst="orthographicFront"/>
+      <a:lightRig rig="threePt" dir="t"/>
+    </dgm:scene3d>
+    <dgm:sp3d/>
+    <dgm:txPr/>
+    <dgm:style>
+      <a:lnRef idx="2">
+        <a:scrgbClr r="0" g="0" b="0"/>
+      </a:lnRef>
+      <a:fillRef idx="1">
+        <a:scrgbClr r="0" g="0" b="0"/>
+      </a:fillRef>
+      <a:effectRef idx="0">
+        <a:scrgbClr r="0" g="0" b="0"/>
+      </a:effectRef>
+      <a:fontRef idx="minor"/>
+    </dgm:style>
+  </dgm:styleLbl>
+  <dgm:styleLbl name="fgAcc2">
+    <dgm:scene3d>
+      <a:camera prst="orthographicFront"/>
+      <a:lightRig rig="threePt" dir="t"/>
+    </dgm:scene3d>
+    <dgm:sp3d/>
+    <dgm:txPr/>
+    <dgm:style>
+      <a:lnRef idx="2">
+        <a:scrgbClr r="0" g="0" b="0"/>
+      </a:lnRef>
+      <a:fillRef idx="1">
+        <a:scrgbClr r="0" g="0" b="0"/>
+      </a:fillRef>
+      <a:effectRef idx="0">
+        <a:scrgbClr r="0" g="0" b="0"/>
+      </a:effectRef>
+      <a:fontRef idx="minor"/>
+    </dgm:style>
+  </dgm:styleLbl>
+  <dgm:styleLbl name="fgAcc3">
+    <dgm:scene3d>
+      <a:camera prst="orthographicFront"/>
+      <a:lightRig rig="threePt" dir="t"/>
+    </dgm:scene3d>
+    <dgm:sp3d/>
+    <dgm:txPr/>
+    <dgm:style>
+      <a:lnRef idx="2">
+        <a:scrgbClr r="0" g="0" b="0"/>
+      </a:lnRef>
+      <a:fillRef idx="1">
+        <a:scrgbClr r="0" g="0" b="0"/>
+      </a:fillRef>
+      <a:effectRef idx="0">
+        <a:scrgbClr r="0" g="0" b="0"/>
+      </a:effectRef>
+      <a:fontRef idx="minor"/>
+    </dgm:style>
+  </dgm:styleLbl>
+  <dgm:styleLbl name="fgAcc4">
+    <dgm:scene3d>
+      <a:camera prst="orthographicFront"/>
+      <a:lightRig rig="threePt" dir="t"/>
+    </dgm:scene3d>
+    <dgm:sp3d/>
+    <dgm:txPr/>
+    <dgm:style>
+      <a:lnRef idx="2">
+        <a:scrgbClr r="0" g="0" b="0"/>
+      </a:lnRef>
+      <a:fillRef idx="1">
+        <a:scrgbClr r="0" g="0" b="0"/>
+      </a:fillRef>
+      <a:effectRef idx="0">
+        <a:scrgbClr r="0" g="0" b="0"/>
+      </a:effectRef>
+      <a:fontRef idx="minor"/>
+    </dgm:style>
+  </dgm:styleLbl>
+  <dgm:styleLbl name="bgShp">
+    <dgm:scene3d>
+      <a:camera prst="orthographicFront"/>
+      <a:lightRig rig="threePt" dir="t"/>
+    </dgm:scene3d>
+    <dgm:sp3d/>
     <dgm:txPr/>
     <dgm:style>
       <a:lnRef idx="0">
@@ -10662,19 +13524,12 @@
       <a:fontRef idx="minor"/>
     </dgm:style>
   </dgm:styleLbl>
-  <dgm:styleLbl name="parChTrans2D2">
+  <dgm:styleLbl name="dkBgShp">
     <dgm:scene3d>
-      <a:camera prst="orthographicFront">
-        <a:rot lat="0" lon="0" rev="0"/>
-      </a:camera>
-      <a:lightRig rig="contrasting" dir="t">
-        <a:rot lat="0" lon="0" rev="1200000"/>
-      </a:lightRig>
+      <a:camera prst="orthographicFront"/>
+      <a:lightRig rig="threePt" dir="t"/>
     </dgm:scene3d>
-    <dgm:sp3d contourW="19050" prstMaterial="metal">
-      <a:bevelT w="88900" h="203200"/>
-      <a:bevelB w="165100" h="254000"/>
-    </dgm:sp3d>
+    <dgm:sp3d/>
     <dgm:txPr/>
     <dgm:style>
       <a:lnRef idx="0">
@@ -10689,19 +13544,12 @@
       <a:fontRef idx="minor"/>
     </dgm:style>
   </dgm:styleLbl>
-  <dgm:styleLbl name="parChTrans2D3">
+  <dgm:styleLbl name="trBgShp">
     <dgm:scene3d>
-      <a:camera prst="orthographicFront">
-        <a:rot lat="0" lon="0" rev="0"/>
-      </a:camera>
-      <a:lightRig rig="contrasting" dir="t">
-        <a:rot lat="0" lon="0" rev="1200000"/>
-      </a:lightRig>
+      <a:camera prst="orthographicFront"/>
+      <a:lightRig rig="threePt" dir="t"/>
     </dgm:scene3d>
-    <dgm:sp3d contourW="19050" prstMaterial="metal">
-      <a:bevelT w="88900" h="203200"/>
-      <a:bevelB w="165100" h="254000"/>
-    </dgm:sp3d>
+    <dgm:sp3d/>
     <dgm:txPr/>
     <dgm:style>
       <a:lnRef idx="0">
@@ -10716,631 +13564,21 @@
       <a:fontRef idx="minor"/>
     </dgm:style>
   </dgm:styleLbl>
-  <dgm:styleLbl name="parChTrans2D4">
+  <dgm:styleLbl name="fgShp">
     <dgm:scene3d>
-      <a:camera prst="orthographicFront">
-        <a:rot lat="0" lon="0" rev="0"/>
-      </a:camera>
-      <a:lightRig rig="contrasting" dir="t">
-        <a:rot lat="0" lon="0" rev="1200000"/>
-      </a:lightRig>
+      <a:camera prst="orthographicFront"/>
+      <a:lightRig rig="threePt" dir="t"/>
     </dgm:scene3d>
-    <dgm:sp3d contourW="19050" prstMaterial="metal">
-      <a:bevelT w="88900" h="203200"/>
-      <a:bevelB w="165100" h="254000"/>
-    </dgm:sp3d>
+    <dgm:sp3d/>
     <dgm:txPr/>
     <dgm:style>
-      <a:lnRef idx="0">
+      <a:lnRef idx="3">
         <a:scrgbClr r="0" g="0" b="0"/>
       </a:lnRef>
       <a:fillRef idx="1">
         <a:scrgbClr r="0" g="0" b="0"/>
       </a:fillRef>
-      <a:effectRef idx="0">
-        <a:scrgbClr r="0" g="0" b="0"/>
-      </a:effectRef>
-      <a:fontRef idx="minor"/>
-    </dgm:style>
-  </dgm:styleLbl>
-  <dgm:styleLbl name="parChTrans1D1">
-    <dgm:scene3d>
-      <a:camera prst="orthographicFront">
-        <a:rot lat="0" lon="0" rev="0"/>
-      </a:camera>
-      <a:lightRig rig="contrasting" dir="t">
-        <a:rot lat="0" lon="0" rev="1200000"/>
-      </a:lightRig>
-    </dgm:scene3d>
-    <dgm:sp3d z="-110000"/>
-    <dgm:txPr/>
-    <dgm:style>
-      <a:lnRef idx="2">
-        <a:scrgbClr r="0" g="0" b="0"/>
-      </a:lnRef>
-      <a:fillRef idx="0">
-        <a:scrgbClr r="0" g="0" b="0"/>
-      </a:fillRef>
-      <a:effectRef idx="0">
-        <a:scrgbClr r="0" g="0" b="0"/>
-      </a:effectRef>
-      <a:fontRef idx="minor"/>
-    </dgm:style>
-  </dgm:styleLbl>
-  <dgm:styleLbl name="parChTrans1D2">
-    <dgm:scene3d>
-      <a:camera prst="orthographicFront">
-        <a:rot lat="0" lon="0" rev="0"/>
-      </a:camera>
-      <a:lightRig rig="contrasting" dir="t">
-        <a:rot lat="0" lon="0" rev="1200000"/>
-      </a:lightRig>
-    </dgm:scene3d>
-    <dgm:sp3d z="-110000"/>
-    <dgm:txPr/>
-    <dgm:style>
-      <a:lnRef idx="2">
-        <a:scrgbClr r="0" g="0" b="0"/>
-      </a:lnRef>
-      <a:fillRef idx="0">
-        <a:scrgbClr r="0" g="0" b="0"/>
-      </a:fillRef>
-      <a:effectRef idx="0">
-        <a:scrgbClr r="0" g="0" b="0"/>
-      </a:effectRef>
-      <a:fontRef idx="minor"/>
-    </dgm:style>
-  </dgm:styleLbl>
-  <dgm:styleLbl name="parChTrans1D3">
-    <dgm:scene3d>
-      <a:camera prst="orthographicFront">
-        <a:rot lat="0" lon="0" rev="0"/>
-      </a:camera>
-      <a:lightRig rig="contrasting" dir="t">
-        <a:rot lat="0" lon="0" rev="1200000"/>
-      </a:lightRig>
-    </dgm:scene3d>
-    <dgm:sp3d z="-110000"/>
-    <dgm:txPr/>
-    <dgm:style>
-      <a:lnRef idx="2">
-        <a:scrgbClr r="0" g="0" b="0"/>
-      </a:lnRef>
-      <a:fillRef idx="0">
-        <a:scrgbClr r="0" g="0" b="0"/>
-      </a:fillRef>
-      <a:effectRef idx="0">
-        <a:scrgbClr r="0" g="0" b="0"/>
-      </a:effectRef>
-      <a:fontRef idx="minor"/>
-    </dgm:style>
-  </dgm:styleLbl>
-  <dgm:styleLbl name="parChTrans1D4">
-    <dgm:scene3d>
-      <a:camera prst="orthographicFront">
-        <a:rot lat="0" lon="0" rev="0"/>
-      </a:camera>
-      <a:lightRig rig="contrasting" dir="t">
-        <a:rot lat="0" lon="0" rev="1200000"/>
-      </a:lightRig>
-    </dgm:scene3d>
-    <dgm:sp3d z="-110000"/>
-    <dgm:txPr/>
-    <dgm:style>
-      <a:lnRef idx="2">
-        <a:scrgbClr r="0" g="0" b="0"/>
-      </a:lnRef>
-      <a:fillRef idx="0">
-        <a:scrgbClr r="0" g="0" b="0"/>
-      </a:fillRef>
-      <a:effectRef idx="0">
-        <a:scrgbClr r="0" g="0" b="0"/>
-      </a:effectRef>
-      <a:fontRef idx="minor"/>
-    </dgm:style>
-  </dgm:styleLbl>
-  <dgm:styleLbl name="fgAcc1">
-    <dgm:scene3d>
-      <a:camera prst="orthographicFront">
-        <a:rot lat="0" lon="0" rev="0"/>
-      </a:camera>
-      <a:lightRig rig="contrasting" dir="t">
-        <a:rot lat="0" lon="0" rev="1200000"/>
-      </a:lightRig>
-    </dgm:scene3d>
-    <dgm:sp3d z="300000" contourW="19050" prstMaterial="metal">
-      <a:bevelT w="88900" h="203200"/>
-      <a:bevelB w="165100" h="254000"/>
-    </dgm:sp3d>
-    <dgm:txPr/>
-    <dgm:style>
-      <a:lnRef idx="0">
-        <a:scrgbClr r="0" g="0" b="0"/>
-      </a:lnRef>
-      <a:fillRef idx="1">
-        <a:scrgbClr r="0" g="0" b="0"/>
-      </a:fillRef>
-      <a:effectRef idx="0">
-        <a:scrgbClr r="0" g="0" b="0"/>
-      </a:effectRef>
-      <a:fontRef idx="minor"/>
-    </dgm:style>
-  </dgm:styleLbl>
-  <dgm:styleLbl name="conFgAcc1">
-    <dgm:scene3d>
-      <a:camera prst="orthographicFront">
-        <a:rot lat="0" lon="0" rev="0"/>
-      </a:camera>
-      <a:lightRig rig="contrasting" dir="t">
-        <a:rot lat="0" lon="0" rev="1200000"/>
-      </a:lightRig>
-    </dgm:scene3d>
-    <dgm:sp3d z="300000" contourW="19050" prstMaterial="metal">
-      <a:bevelT w="88900" h="203200"/>
-      <a:bevelB w="165100" h="254000"/>
-    </dgm:sp3d>
-    <dgm:txPr/>
-    <dgm:style>
-      <a:lnRef idx="0">
-        <a:scrgbClr r="0" g="0" b="0"/>
-      </a:lnRef>
-      <a:fillRef idx="1">
-        <a:scrgbClr r="0" g="0" b="0"/>
-      </a:fillRef>
-      <a:effectRef idx="0">
-        <a:scrgbClr r="0" g="0" b="0"/>
-      </a:effectRef>
-      <a:fontRef idx="minor"/>
-    </dgm:style>
-  </dgm:styleLbl>
-  <dgm:styleLbl name="alignAcc1">
-    <dgm:scene3d>
-      <a:camera prst="orthographicFront">
-        <a:rot lat="0" lon="0" rev="0"/>
-      </a:camera>
-      <a:lightRig rig="contrasting" dir="t">
-        <a:rot lat="0" lon="0" rev="1200000"/>
-      </a:lightRig>
-    </dgm:scene3d>
-    <dgm:sp3d contourW="19050" prstMaterial="metal">
-      <a:bevelT w="88900" h="203200"/>
-      <a:bevelB w="165100" h="254000"/>
-    </dgm:sp3d>
-    <dgm:txPr/>
-    <dgm:style>
-      <a:lnRef idx="0">
-        <a:scrgbClr r="0" g="0" b="0"/>
-      </a:lnRef>
-      <a:fillRef idx="1">
-        <a:scrgbClr r="0" g="0" b="0"/>
-      </a:fillRef>
-      <a:effectRef idx="0">
-        <a:scrgbClr r="0" g="0" b="0"/>
-      </a:effectRef>
-      <a:fontRef idx="minor"/>
-    </dgm:style>
-  </dgm:styleLbl>
-  <dgm:styleLbl name="trAlignAcc1">
-    <dgm:scene3d>
-      <a:camera prst="orthographicFront">
-        <a:rot lat="0" lon="0" rev="0"/>
-      </a:camera>
-      <a:lightRig rig="contrasting" dir="t">
-        <a:rot lat="0" lon="0" rev="1200000"/>
-      </a:lightRig>
-    </dgm:scene3d>
-    <dgm:sp3d contourW="19050" prstMaterial="metal">
-      <a:bevelT w="88900" h="203200"/>
-      <a:bevelB w="165100" h="254000"/>
-    </dgm:sp3d>
-    <dgm:txPr/>
-    <dgm:style>
-      <a:lnRef idx="0">
-        <a:scrgbClr r="0" g="0" b="0"/>
-      </a:lnRef>
-      <a:fillRef idx="1">
-        <a:scrgbClr r="0" g="0" b="0"/>
-      </a:fillRef>
       <a:effectRef idx="1">
-        <a:scrgbClr r="0" g="0" b="0"/>
-      </a:effectRef>
-      <a:fontRef idx="minor"/>
-    </dgm:style>
-  </dgm:styleLbl>
-  <dgm:styleLbl name="bgAcc1">
-    <dgm:scene3d>
-      <a:camera prst="orthographicFront">
-        <a:rot lat="0" lon="0" rev="0"/>
-      </a:camera>
-      <a:lightRig rig="contrasting" dir="t">
-        <a:rot lat="0" lon="0" rev="1200000"/>
-      </a:lightRig>
-    </dgm:scene3d>
-    <dgm:sp3d z="-300000" contourW="19050" prstMaterial="metal">
-      <a:bevelT w="88900" h="203200"/>
-      <a:bevelB w="165100" h="254000"/>
-    </dgm:sp3d>
-    <dgm:txPr/>
-    <dgm:style>
-      <a:lnRef idx="0">
-        <a:scrgbClr r="0" g="0" b="0"/>
-      </a:lnRef>
-      <a:fillRef idx="1">
-        <a:scrgbClr r="0" g="0" b="0"/>
-      </a:fillRef>
-      <a:effectRef idx="0">
-        <a:scrgbClr r="0" g="0" b="0"/>
-      </a:effectRef>
-      <a:fontRef idx="minor"/>
-    </dgm:style>
-  </dgm:styleLbl>
-  <dgm:styleLbl name="solidFgAcc1">
-    <dgm:scene3d>
-      <a:camera prst="orthographicFront">
-        <a:rot lat="0" lon="0" rev="0"/>
-      </a:camera>
-      <a:lightRig rig="contrasting" dir="t">
-        <a:rot lat="0" lon="0" rev="1200000"/>
-      </a:lightRig>
-    </dgm:scene3d>
-    <dgm:sp3d z="300000" contourW="12700" prstMaterial="flat">
-      <a:bevelT w="177800" h="254000"/>
-      <a:bevelB w="152400"/>
-    </dgm:sp3d>
-    <dgm:txPr/>
-    <dgm:style>
-      <a:lnRef idx="0">
-        <a:scrgbClr r="0" g="0" b="0"/>
-      </a:lnRef>
-      <a:fillRef idx="1">
-        <a:scrgbClr r="0" g="0" b="0"/>
-      </a:fillRef>
-      <a:effectRef idx="0">
-        <a:scrgbClr r="0" g="0" b="0"/>
-      </a:effectRef>
-      <a:fontRef idx="minor"/>
-    </dgm:style>
-  </dgm:styleLbl>
-  <dgm:styleLbl name="solidAlignAcc1">
-    <dgm:scene3d>
-      <a:camera prst="orthographicFront">
-        <a:rot lat="0" lon="0" rev="0"/>
-      </a:camera>
-      <a:lightRig rig="contrasting" dir="t">
-        <a:rot lat="0" lon="0" rev="1200000"/>
-      </a:lightRig>
-    </dgm:scene3d>
-    <dgm:sp3d contourW="19050" prstMaterial="metal">
-      <a:bevelT w="88900" h="203200"/>
-      <a:bevelB w="165100" h="254000"/>
-    </dgm:sp3d>
-    <dgm:txPr/>
-    <dgm:style>
-      <a:lnRef idx="0">
-        <a:scrgbClr r="0" g="0" b="0"/>
-      </a:lnRef>
-      <a:fillRef idx="1">
-        <a:scrgbClr r="0" g="0" b="0"/>
-      </a:fillRef>
-      <a:effectRef idx="0">
-        <a:scrgbClr r="0" g="0" b="0"/>
-      </a:effectRef>
-      <a:fontRef idx="minor"/>
-    </dgm:style>
-  </dgm:styleLbl>
-  <dgm:styleLbl name="solidBgAcc1">
-    <dgm:scene3d>
-      <a:camera prst="orthographicFront">
-        <a:rot lat="0" lon="0" rev="0"/>
-      </a:camera>
-      <a:lightRig rig="contrasting" dir="t">
-        <a:rot lat="0" lon="0" rev="1200000"/>
-      </a:lightRig>
-    </dgm:scene3d>
-    <dgm:sp3d z="-300000" contourW="19050" prstMaterial="metal">
-      <a:bevelT w="88900" h="203200"/>
-      <a:bevelB w="165100" h="254000"/>
-    </dgm:sp3d>
-    <dgm:txPr/>
-    <dgm:style>
-      <a:lnRef idx="0">
-        <a:scrgbClr r="0" g="0" b="0"/>
-      </a:lnRef>
-      <a:fillRef idx="1">
-        <a:scrgbClr r="0" g="0" b="0"/>
-      </a:fillRef>
-      <a:effectRef idx="0">
-        <a:scrgbClr r="0" g="0" b="0"/>
-      </a:effectRef>
-      <a:fontRef idx="minor"/>
-    </dgm:style>
-  </dgm:styleLbl>
-  <dgm:styleLbl name="fgAccFollowNode1">
-    <dgm:scene3d>
-      <a:camera prst="orthographicFront">
-        <a:rot lat="0" lon="0" rev="0"/>
-      </a:camera>
-      <a:lightRig rig="contrasting" dir="t">
-        <a:rot lat="0" lon="0" rev="1200000"/>
-      </a:lightRig>
-    </dgm:scene3d>
-    <dgm:sp3d z="300000" contourW="19050" prstMaterial="metal">
-      <a:bevelT w="88900" h="203200"/>
-      <a:bevelB w="165100" h="254000"/>
-    </dgm:sp3d>
-    <dgm:txPr/>
-    <dgm:style>
-      <a:lnRef idx="0">
-        <a:scrgbClr r="0" g="0" b="0"/>
-      </a:lnRef>
-      <a:fillRef idx="1">
-        <a:scrgbClr r="0" g="0" b="0"/>
-      </a:fillRef>
-      <a:effectRef idx="0">
-        <a:scrgbClr r="0" g="0" b="0"/>
-      </a:effectRef>
-      <a:fontRef idx="minor"/>
-    </dgm:style>
-  </dgm:styleLbl>
-  <dgm:styleLbl name="alignAccFollowNode1">
-    <dgm:scene3d>
-      <a:camera prst="orthographicFront">
-        <a:rot lat="0" lon="0" rev="0"/>
-      </a:camera>
-      <a:lightRig rig="contrasting" dir="t">
-        <a:rot lat="0" lon="0" rev="1200000"/>
-      </a:lightRig>
-    </dgm:scene3d>
-    <dgm:sp3d contourW="19050" prstMaterial="metal">
-      <a:bevelT w="88900" h="203200"/>
-      <a:bevelB w="165100" h="254000"/>
-    </dgm:sp3d>
-    <dgm:txPr/>
-    <dgm:style>
-      <a:lnRef idx="0">
-        <a:scrgbClr r="0" g="0" b="0"/>
-      </a:lnRef>
-      <a:fillRef idx="1">
-        <a:scrgbClr r="0" g="0" b="0"/>
-      </a:fillRef>
-      <a:effectRef idx="0">
-        <a:scrgbClr r="0" g="0" b="0"/>
-      </a:effectRef>
-      <a:fontRef idx="minor"/>
-    </dgm:style>
-  </dgm:styleLbl>
-  <dgm:styleLbl name="bgAccFollowNode1">
-    <dgm:scene3d>
-      <a:camera prst="orthographicFront">
-        <a:rot lat="0" lon="0" rev="0"/>
-      </a:camera>
-      <a:lightRig rig="contrasting" dir="t">
-        <a:rot lat="0" lon="0" rev="1200000"/>
-      </a:lightRig>
-    </dgm:scene3d>
-    <dgm:sp3d z="-300000" contourW="19050" prstMaterial="metal">
-      <a:bevelT w="88900" h="203200"/>
-      <a:bevelB w="165100" h="254000"/>
-    </dgm:sp3d>
-    <dgm:txPr/>
-    <dgm:style>
-      <a:lnRef idx="0">
-        <a:scrgbClr r="0" g="0" b="0"/>
-      </a:lnRef>
-      <a:fillRef idx="1">
-        <a:scrgbClr r="0" g="0" b="0"/>
-      </a:fillRef>
-      <a:effectRef idx="0">
-        <a:scrgbClr r="0" g="0" b="0"/>
-      </a:effectRef>
-      <a:fontRef idx="minor"/>
-    </dgm:style>
-  </dgm:styleLbl>
-  <dgm:styleLbl name="fgAcc0">
-    <dgm:scene3d>
-      <a:camera prst="orthographicFront">
-        <a:rot lat="0" lon="0" rev="0"/>
-      </a:camera>
-      <a:lightRig rig="contrasting" dir="t">
-        <a:rot lat="0" lon="0" rev="1200000"/>
-      </a:lightRig>
-    </dgm:scene3d>
-    <dgm:sp3d z="300000" contourW="19050" prstMaterial="metal">
-      <a:bevelT w="88900" h="203200"/>
-      <a:bevelB w="165100" h="254000"/>
-    </dgm:sp3d>
-    <dgm:txPr/>
-    <dgm:style>
-      <a:lnRef idx="0">
-        <a:scrgbClr r="0" g="0" b="0"/>
-      </a:lnRef>
-      <a:fillRef idx="1">
-        <a:scrgbClr r="0" g="0" b="0"/>
-      </a:fillRef>
-      <a:effectRef idx="0">
-        <a:scrgbClr r="0" g="0" b="0"/>
-      </a:effectRef>
-      <a:fontRef idx="minor"/>
-    </dgm:style>
-  </dgm:styleLbl>
-  <dgm:styleLbl name="fgAcc2">
-    <dgm:scene3d>
-      <a:camera prst="orthographicFront">
-        <a:rot lat="0" lon="0" rev="0"/>
-      </a:camera>
-      <a:lightRig rig="contrasting" dir="t">
-        <a:rot lat="0" lon="0" rev="1200000"/>
-      </a:lightRig>
-    </dgm:scene3d>
-    <dgm:sp3d z="300000" contourW="19050" prstMaterial="metal">
-      <a:bevelT w="88900" h="203200"/>
-      <a:bevelB w="165100" h="254000"/>
-    </dgm:sp3d>
-    <dgm:txPr/>
-    <dgm:style>
-      <a:lnRef idx="0">
-        <a:scrgbClr r="0" g="0" b="0"/>
-      </a:lnRef>
-      <a:fillRef idx="1">
-        <a:scrgbClr r="0" g="0" b="0"/>
-      </a:fillRef>
-      <a:effectRef idx="0">
-        <a:scrgbClr r="0" g="0" b="0"/>
-      </a:effectRef>
-      <a:fontRef idx="minor"/>
-    </dgm:style>
-  </dgm:styleLbl>
-  <dgm:styleLbl name="fgAcc3">
-    <dgm:scene3d>
-      <a:camera prst="orthographicFront">
-        <a:rot lat="0" lon="0" rev="0"/>
-      </a:camera>
-      <a:lightRig rig="contrasting" dir="t">
-        <a:rot lat="0" lon="0" rev="1200000"/>
-      </a:lightRig>
-    </dgm:scene3d>
-    <dgm:sp3d z="300000" contourW="19050" prstMaterial="metal">
-      <a:bevelT w="88900" h="203200"/>
-      <a:bevelB w="165100" h="254000"/>
-    </dgm:sp3d>
-    <dgm:txPr/>
-    <dgm:style>
-      <a:lnRef idx="0">
-        <a:scrgbClr r="0" g="0" b="0"/>
-      </a:lnRef>
-      <a:fillRef idx="1">
-        <a:scrgbClr r="0" g="0" b="0"/>
-      </a:fillRef>
-      <a:effectRef idx="0">
-        <a:scrgbClr r="0" g="0" b="0"/>
-      </a:effectRef>
-      <a:fontRef idx="minor"/>
-    </dgm:style>
-  </dgm:styleLbl>
-  <dgm:styleLbl name="fgAcc4">
-    <dgm:scene3d>
-      <a:camera prst="orthographicFront">
-        <a:rot lat="0" lon="0" rev="0"/>
-      </a:camera>
-      <a:lightRig rig="contrasting" dir="t">
-        <a:rot lat="0" lon="0" rev="1200000"/>
-      </a:lightRig>
-    </dgm:scene3d>
-    <dgm:sp3d z="300000" contourW="19050" prstMaterial="metal">
-      <a:bevelT w="88900" h="203200"/>
-      <a:bevelB w="165100" h="254000"/>
-    </dgm:sp3d>
-    <dgm:txPr/>
-    <dgm:style>
-      <a:lnRef idx="0">
-        <a:scrgbClr r="0" g="0" b="0"/>
-      </a:lnRef>
-      <a:fillRef idx="1">
-        <a:scrgbClr r="0" g="0" b="0"/>
-      </a:fillRef>
-      <a:effectRef idx="0">
-        <a:scrgbClr r="0" g="0" b="0"/>
-      </a:effectRef>
-      <a:fontRef idx="minor"/>
-    </dgm:style>
-  </dgm:styleLbl>
-  <dgm:styleLbl name="bgShp">
-    <dgm:scene3d>
-      <a:camera prst="orthographicFront">
-        <a:rot lat="0" lon="0" rev="0"/>
-      </a:camera>
-      <a:lightRig rig="contrasting" dir="t">
-        <a:rot lat="0" lon="0" rev="1200000"/>
-      </a:lightRig>
-    </dgm:scene3d>
-    <dgm:sp3d z="-300000" prstMaterial="plastic"/>
-    <dgm:txPr/>
-    <dgm:style>
-      <a:lnRef idx="1">
-        <a:scrgbClr r="0" g="0" b="0"/>
-      </a:lnRef>
-      <a:fillRef idx="1">
-        <a:scrgbClr r="0" g="0" b="0"/>
-      </a:fillRef>
-      <a:effectRef idx="0">
-        <a:scrgbClr r="0" g="0" b="0"/>
-      </a:effectRef>
-      <a:fontRef idx="minor"/>
-    </dgm:style>
-  </dgm:styleLbl>
-  <dgm:styleLbl name="dkBgShp">
-    <dgm:scene3d>
-      <a:camera prst="orthographicFront">
-        <a:rot lat="0" lon="0" rev="0"/>
-      </a:camera>
-      <a:lightRig rig="contrasting" dir="t">
-        <a:rot lat="0" lon="0" rev="1200000"/>
-      </a:lightRig>
-    </dgm:scene3d>
-    <dgm:sp3d contourW="12700" prstMaterial="flat">
-      <a:bevelT w="100800" h="154000"/>
-      <a:bevelB w="152400"/>
-    </dgm:sp3d>
-    <dgm:txPr/>
-    <dgm:style>
-      <a:lnRef idx="0">
-        <a:scrgbClr r="0" g="0" b="0"/>
-      </a:lnRef>
-      <a:fillRef idx="1">
-        <a:scrgbClr r="0" g="0" b="0"/>
-      </a:fillRef>
-      <a:effectRef idx="0">
-        <a:scrgbClr r="0" g="0" b="0"/>
-      </a:effectRef>
-      <a:fontRef idx="minor"/>
-    </dgm:style>
-  </dgm:styleLbl>
-  <dgm:styleLbl name="trBgShp">
-    <dgm:scene3d>
-      <a:camera prst="orthographicFront">
-        <a:rot lat="0" lon="0" rev="0"/>
-      </a:camera>
-      <a:lightRig rig="contrasting" dir="t">
-        <a:rot lat="0" lon="0" rev="1200000"/>
-      </a:lightRig>
-    </dgm:scene3d>
-    <dgm:sp3d z="-152400" prstMaterial="matte"/>
-    <dgm:txPr/>
-    <dgm:style>
-      <a:lnRef idx="1">
-        <a:scrgbClr r="0" g="0" b="0"/>
-      </a:lnRef>
-      <a:fillRef idx="1">
-        <a:scrgbClr r="0" g="0" b="0"/>
-      </a:fillRef>
-      <a:effectRef idx="0">
-        <a:scrgbClr r="0" g="0" b="0"/>
-      </a:effectRef>
-      <a:fontRef idx="minor"/>
-    </dgm:style>
-  </dgm:styleLbl>
-  <dgm:styleLbl name="fgShp">
-    <dgm:scene3d>
-      <a:camera prst="orthographicFront">
-        <a:rot lat="0" lon="0" rev="0"/>
-      </a:camera>
-      <a:lightRig rig="contrasting" dir="t">
-        <a:rot lat="0" lon="0" rev="1200000"/>
-      </a:lightRig>
-    </dgm:scene3d>
-    <dgm:sp3d z="300000" contourW="19050" prstMaterial="metal">
-      <a:bevelT w="88900" h="203200"/>
-      <a:bevelB w="165100" h="254000"/>
-    </dgm:sp3d>
-    <dgm:txPr/>
-    <dgm:style>
-      <a:lnRef idx="0">
-        <a:scrgbClr r="0" g="0" b="0"/>
-      </a:lnRef>
-      <a:fillRef idx="1">
-        <a:scrgbClr r="0" g="0" b="0"/>
-      </a:fillRef>
-      <a:effectRef idx="0">
         <a:scrgbClr r="0" g="0" b="0"/>
       </a:effectRef>
       <a:fontRef idx="minor"/>
@@ -11354,7 +13592,1041 @@
     <dgm:sp3d/>
     <dgm:txPr/>
     <dgm:style>
+      <a:lnRef idx="0">
+        <a:scrgbClr r="0" g="0" b="0"/>
+      </a:lnRef>
+      <a:fillRef idx="0">
+        <a:scrgbClr r="0" g="0" b="0"/>
+      </a:fillRef>
+      <a:effectRef idx="0">
+        <a:scrgbClr r="0" g="0" b="0"/>
+      </a:effectRef>
+      <a:fontRef idx="minor"/>
+    </dgm:style>
+  </dgm:styleLbl>
+</dgm:styleDef>
+</file>
+
+<file path=ppt/diagrams/quickStyle3.xml><?xml version="1.0" encoding="utf-8"?>
+<dgm:styleDef xmlns:dgm="http://schemas.openxmlformats.org/drawingml/2006/diagram" xmlns:a="http://schemas.openxmlformats.org/drawingml/2006/main" uniqueId="urn:microsoft.com/office/officeart/2005/8/quickstyle/simple2">
+  <dgm:title val=""/>
+  <dgm:desc val=""/>
+  <dgm:catLst>
+    <dgm:cat type="simple" pri="10200"/>
+  </dgm:catLst>
+  <dgm:scene3d>
+    <a:camera prst="orthographicFront"/>
+    <a:lightRig rig="threePt" dir="t"/>
+  </dgm:scene3d>
+  <dgm:styleLbl name="node0">
+    <dgm:scene3d>
+      <a:camera prst="orthographicFront"/>
+      <a:lightRig rig="threePt" dir="t"/>
+    </dgm:scene3d>
+    <dgm:sp3d/>
+    <dgm:txPr/>
+    <dgm:style>
+      <a:lnRef idx="3">
+        <a:scrgbClr r="0" g="0" b="0"/>
+      </a:lnRef>
+      <a:fillRef idx="1">
+        <a:scrgbClr r="0" g="0" b="0"/>
+      </a:fillRef>
+      <a:effectRef idx="1">
+        <a:scrgbClr r="0" g="0" b="0"/>
+      </a:effectRef>
+      <a:fontRef idx="minor">
+        <a:schemeClr val="lt1"/>
+      </a:fontRef>
+    </dgm:style>
+  </dgm:styleLbl>
+  <dgm:styleLbl name="lnNode1">
+    <dgm:scene3d>
+      <a:camera prst="orthographicFront"/>
+      <a:lightRig rig="threePt" dir="t"/>
+    </dgm:scene3d>
+    <dgm:sp3d/>
+    <dgm:txPr/>
+    <dgm:style>
+      <a:lnRef idx="3">
+        <a:scrgbClr r="0" g="0" b="0"/>
+      </a:lnRef>
+      <a:fillRef idx="1">
+        <a:scrgbClr r="0" g="0" b="0"/>
+      </a:fillRef>
+      <a:effectRef idx="1">
+        <a:scrgbClr r="0" g="0" b="0"/>
+      </a:effectRef>
+      <a:fontRef idx="minor">
+        <a:schemeClr val="lt1"/>
+      </a:fontRef>
+    </dgm:style>
+  </dgm:styleLbl>
+  <dgm:styleLbl name="vennNode1">
+    <dgm:scene3d>
+      <a:camera prst="orthographicFront"/>
+      <a:lightRig rig="threePt" dir="t"/>
+    </dgm:scene3d>
+    <dgm:sp3d/>
+    <dgm:txPr/>
+    <dgm:style>
+      <a:lnRef idx="3">
+        <a:scrgbClr r="0" g="0" b="0"/>
+      </a:lnRef>
+      <a:fillRef idx="1">
+        <a:scrgbClr r="0" g="0" b="0"/>
+      </a:fillRef>
+      <a:effectRef idx="0">
+        <a:scrgbClr r="0" g="0" b="0"/>
+      </a:effectRef>
+      <a:fontRef idx="minor">
+        <a:schemeClr val="tx1"/>
+      </a:fontRef>
+    </dgm:style>
+  </dgm:styleLbl>
+  <dgm:styleLbl name="alignNode1">
+    <dgm:scene3d>
+      <a:camera prst="orthographicFront"/>
+      <a:lightRig rig="threePt" dir="t"/>
+    </dgm:scene3d>
+    <dgm:sp3d/>
+    <dgm:txPr/>
+    <dgm:style>
+      <a:lnRef idx="2">
+        <a:scrgbClr r="0" g="0" b="0"/>
+      </a:lnRef>
+      <a:fillRef idx="1">
+        <a:scrgbClr r="0" g="0" b="0"/>
+      </a:fillRef>
+      <a:effectRef idx="1">
+        <a:scrgbClr r="0" g="0" b="0"/>
+      </a:effectRef>
+      <a:fontRef idx="minor">
+        <a:schemeClr val="lt1"/>
+      </a:fontRef>
+    </dgm:style>
+  </dgm:styleLbl>
+  <dgm:styleLbl name="node1">
+    <dgm:scene3d>
+      <a:camera prst="orthographicFront"/>
+      <a:lightRig rig="threePt" dir="t"/>
+    </dgm:scene3d>
+    <dgm:sp3d/>
+    <dgm:txPr/>
+    <dgm:style>
+      <a:lnRef idx="3">
+        <a:scrgbClr r="0" g="0" b="0"/>
+      </a:lnRef>
+      <a:fillRef idx="1">
+        <a:scrgbClr r="0" g="0" b="0"/>
+      </a:fillRef>
+      <a:effectRef idx="1">
+        <a:scrgbClr r="0" g="0" b="0"/>
+      </a:effectRef>
+      <a:fontRef idx="minor">
+        <a:schemeClr val="lt1"/>
+      </a:fontRef>
+    </dgm:style>
+  </dgm:styleLbl>
+  <dgm:styleLbl name="node2">
+    <dgm:scene3d>
+      <a:camera prst="orthographicFront"/>
+      <a:lightRig rig="threePt" dir="t"/>
+    </dgm:scene3d>
+    <dgm:sp3d/>
+    <dgm:txPr/>
+    <dgm:style>
+      <a:lnRef idx="3">
+        <a:scrgbClr r="0" g="0" b="0"/>
+      </a:lnRef>
+      <a:fillRef idx="1">
+        <a:scrgbClr r="0" g="0" b="0"/>
+      </a:fillRef>
+      <a:effectRef idx="1">
+        <a:scrgbClr r="0" g="0" b="0"/>
+      </a:effectRef>
+      <a:fontRef idx="minor">
+        <a:schemeClr val="lt1"/>
+      </a:fontRef>
+    </dgm:style>
+  </dgm:styleLbl>
+  <dgm:styleLbl name="node3">
+    <dgm:scene3d>
+      <a:camera prst="orthographicFront"/>
+      <a:lightRig rig="threePt" dir="t"/>
+    </dgm:scene3d>
+    <dgm:sp3d/>
+    <dgm:txPr/>
+    <dgm:style>
+      <a:lnRef idx="3">
+        <a:scrgbClr r="0" g="0" b="0"/>
+      </a:lnRef>
+      <a:fillRef idx="1">
+        <a:scrgbClr r="0" g="0" b="0"/>
+      </a:fillRef>
+      <a:effectRef idx="1">
+        <a:scrgbClr r="0" g="0" b="0"/>
+      </a:effectRef>
+      <a:fontRef idx="minor">
+        <a:schemeClr val="lt1"/>
+      </a:fontRef>
+    </dgm:style>
+  </dgm:styleLbl>
+  <dgm:styleLbl name="node4">
+    <dgm:scene3d>
+      <a:camera prst="orthographicFront"/>
+      <a:lightRig rig="threePt" dir="t"/>
+    </dgm:scene3d>
+    <dgm:sp3d/>
+    <dgm:txPr/>
+    <dgm:style>
+      <a:lnRef idx="3">
+        <a:scrgbClr r="0" g="0" b="0"/>
+      </a:lnRef>
+      <a:fillRef idx="1">
+        <a:scrgbClr r="0" g="0" b="0"/>
+      </a:fillRef>
+      <a:effectRef idx="1">
+        <a:scrgbClr r="0" g="0" b="0"/>
+      </a:effectRef>
+      <a:fontRef idx="minor">
+        <a:schemeClr val="lt1"/>
+      </a:fontRef>
+    </dgm:style>
+  </dgm:styleLbl>
+  <dgm:styleLbl name="fgImgPlace1">
+    <dgm:scene3d>
+      <a:camera prst="orthographicFront"/>
+      <a:lightRig rig="threePt" dir="t"/>
+    </dgm:scene3d>
+    <dgm:sp3d/>
+    <dgm:txPr/>
+    <dgm:style>
+      <a:lnRef idx="3">
+        <a:scrgbClr r="0" g="0" b="0"/>
+      </a:lnRef>
+      <a:fillRef idx="1">
+        <a:scrgbClr r="0" g="0" b="0"/>
+      </a:fillRef>
+      <a:effectRef idx="1">
+        <a:scrgbClr r="0" g="0" b="0"/>
+      </a:effectRef>
+      <a:fontRef idx="minor"/>
+    </dgm:style>
+  </dgm:styleLbl>
+  <dgm:styleLbl name="alignImgPlace1">
+    <dgm:scene3d>
+      <a:camera prst="orthographicFront"/>
+      <a:lightRig rig="threePt" dir="t"/>
+    </dgm:scene3d>
+    <dgm:sp3d/>
+    <dgm:txPr/>
+    <dgm:style>
+      <a:lnRef idx="3">
+        <a:scrgbClr r="0" g="0" b="0"/>
+      </a:lnRef>
+      <a:fillRef idx="1">
+        <a:scrgbClr r="0" g="0" b="0"/>
+      </a:fillRef>
+      <a:effectRef idx="1">
+        <a:scrgbClr r="0" g="0" b="0"/>
+      </a:effectRef>
+      <a:fontRef idx="minor"/>
+    </dgm:style>
+  </dgm:styleLbl>
+  <dgm:styleLbl name="bgImgPlace1">
+    <dgm:scene3d>
+      <a:camera prst="orthographicFront"/>
+      <a:lightRig rig="threePt" dir="t"/>
+    </dgm:scene3d>
+    <dgm:sp3d/>
+    <dgm:txPr/>
+    <dgm:style>
+      <a:lnRef idx="3">
+        <a:scrgbClr r="0" g="0" b="0"/>
+      </a:lnRef>
+      <a:fillRef idx="1">
+        <a:scrgbClr r="0" g="0" b="0"/>
+      </a:fillRef>
+      <a:effectRef idx="1">
+        <a:scrgbClr r="0" g="0" b="0"/>
+      </a:effectRef>
+      <a:fontRef idx="minor"/>
+    </dgm:style>
+  </dgm:styleLbl>
+  <dgm:styleLbl name="sibTrans2D1">
+    <dgm:scene3d>
+      <a:camera prst="orthographicFront"/>
+      <a:lightRig rig="threePt" dir="t"/>
+    </dgm:scene3d>
+    <dgm:sp3d/>
+    <dgm:txPr/>
+    <dgm:style>
+      <a:lnRef idx="0">
+        <a:scrgbClr r="0" g="0" b="0"/>
+      </a:lnRef>
+      <a:fillRef idx="1">
+        <a:scrgbClr r="0" g="0" b="0"/>
+      </a:fillRef>
+      <a:effectRef idx="1">
+        <a:scrgbClr r="0" g="0" b="0"/>
+      </a:effectRef>
+      <a:fontRef idx="minor">
+        <a:schemeClr val="lt1"/>
+      </a:fontRef>
+    </dgm:style>
+  </dgm:styleLbl>
+  <dgm:styleLbl name="fgSibTrans2D1">
+    <dgm:scene3d>
+      <a:camera prst="orthographicFront"/>
+      <a:lightRig rig="threePt" dir="t"/>
+    </dgm:scene3d>
+    <dgm:sp3d/>
+    <dgm:txPr/>
+    <dgm:style>
+      <a:lnRef idx="0">
+        <a:scrgbClr r="0" g="0" b="0"/>
+      </a:lnRef>
+      <a:fillRef idx="1">
+        <a:scrgbClr r="0" g="0" b="0"/>
+      </a:fillRef>
+      <a:effectRef idx="1">
+        <a:scrgbClr r="0" g="0" b="0"/>
+      </a:effectRef>
+      <a:fontRef idx="minor">
+        <a:schemeClr val="lt1"/>
+      </a:fontRef>
+    </dgm:style>
+  </dgm:styleLbl>
+  <dgm:styleLbl name="bgSibTrans2D1">
+    <dgm:scene3d>
+      <a:camera prst="orthographicFront"/>
+      <a:lightRig rig="threePt" dir="t"/>
+    </dgm:scene3d>
+    <dgm:sp3d/>
+    <dgm:txPr/>
+    <dgm:style>
+      <a:lnRef idx="0">
+        <a:scrgbClr r="0" g="0" b="0"/>
+      </a:lnRef>
+      <a:fillRef idx="1">
+        <a:scrgbClr r="0" g="0" b="0"/>
+      </a:fillRef>
+      <a:effectRef idx="1">
+        <a:scrgbClr r="0" g="0" b="0"/>
+      </a:effectRef>
+      <a:fontRef idx="minor">
+        <a:schemeClr val="lt1"/>
+      </a:fontRef>
+    </dgm:style>
+  </dgm:styleLbl>
+  <dgm:styleLbl name="sibTrans1D1">
+    <dgm:scene3d>
+      <a:camera prst="orthographicFront"/>
+      <a:lightRig rig="threePt" dir="t"/>
+    </dgm:scene3d>
+    <dgm:sp3d/>
+    <dgm:txPr/>
+    <dgm:style>
       <a:lnRef idx="1">
+        <a:scrgbClr r="0" g="0" b="0"/>
+      </a:lnRef>
+      <a:fillRef idx="0">
+        <a:scrgbClr r="0" g="0" b="0"/>
+      </a:fillRef>
+      <a:effectRef idx="0">
+        <a:scrgbClr r="0" g="0" b="0"/>
+      </a:effectRef>
+      <a:fontRef idx="minor"/>
+    </dgm:style>
+  </dgm:styleLbl>
+  <dgm:styleLbl name="callout">
+    <dgm:scene3d>
+      <a:camera prst="orthographicFront"/>
+      <a:lightRig rig="threePt" dir="t"/>
+    </dgm:scene3d>
+    <dgm:sp3d/>
+    <dgm:txPr/>
+    <dgm:style>
+      <a:lnRef idx="2">
+        <a:scrgbClr r="0" g="0" b="0"/>
+      </a:lnRef>
+      <a:fillRef idx="1">
+        <a:scrgbClr r="0" g="0" b="0"/>
+      </a:fillRef>
+      <a:effectRef idx="1">
+        <a:scrgbClr r="0" g="0" b="0"/>
+      </a:effectRef>
+      <a:fontRef idx="minor"/>
+    </dgm:style>
+  </dgm:styleLbl>
+  <dgm:styleLbl name="asst0">
+    <dgm:scene3d>
+      <a:camera prst="orthographicFront"/>
+      <a:lightRig rig="threePt" dir="t"/>
+    </dgm:scene3d>
+    <dgm:sp3d/>
+    <dgm:txPr/>
+    <dgm:style>
+      <a:lnRef idx="3">
+        <a:scrgbClr r="0" g="0" b="0"/>
+      </a:lnRef>
+      <a:fillRef idx="1">
+        <a:scrgbClr r="0" g="0" b="0"/>
+      </a:fillRef>
+      <a:effectRef idx="1">
+        <a:scrgbClr r="0" g="0" b="0"/>
+      </a:effectRef>
+      <a:fontRef idx="minor">
+        <a:schemeClr val="lt1"/>
+      </a:fontRef>
+    </dgm:style>
+  </dgm:styleLbl>
+  <dgm:styleLbl name="asst1">
+    <dgm:scene3d>
+      <a:camera prst="orthographicFront"/>
+      <a:lightRig rig="threePt" dir="t"/>
+    </dgm:scene3d>
+    <dgm:sp3d/>
+    <dgm:txPr/>
+    <dgm:style>
+      <a:lnRef idx="3">
+        <a:scrgbClr r="0" g="0" b="0"/>
+      </a:lnRef>
+      <a:fillRef idx="1">
+        <a:scrgbClr r="0" g="0" b="0"/>
+      </a:fillRef>
+      <a:effectRef idx="1">
+        <a:scrgbClr r="0" g="0" b="0"/>
+      </a:effectRef>
+      <a:fontRef idx="minor">
+        <a:schemeClr val="lt1"/>
+      </a:fontRef>
+    </dgm:style>
+  </dgm:styleLbl>
+  <dgm:styleLbl name="asst2">
+    <dgm:scene3d>
+      <a:camera prst="orthographicFront"/>
+      <a:lightRig rig="threePt" dir="t"/>
+    </dgm:scene3d>
+    <dgm:sp3d/>
+    <dgm:txPr/>
+    <dgm:style>
+      <a:lnRef idx="3">
+        <a:scrgbClr r="0" g="0" b="0"/>
+      </a:lnRef>
+      <a:fillRef idx="1">
+        <a:scrgbClr r="0" g="0" b="0"/>
+      </a:fillRef>
+      <a:effectRef idx="1">
+        <a:scrgbClr r="0" g="0" b="0"/>
+      </a:effectRef>
+      <a:fontRef idx="minor">
+        <a:schemeClr val="lt1"/>
+      </a:fontRef>
+    </dgm:style>
+  </dgm:styleLbl>
+  <dgm:styleLbl name="asst3">
+    <dgm:scene3d>
+      <a:camera prst="orthographicFront"/>
+      <a:lightRig rig="threePt" dir="t"/>
+    </dgm:scene3d>
+    <dgm:sp3d/>
+    <dgm:txPr/>
+    <dgm:style>
+      <a:lnRef idx="3">
+        <a:scrgbClr r="0" g="0" b="0"/>
+      </a:lnRef>
+      <a:fillRef idx="1">
+        <a:scrgbClr r="0" g="0" b="0"/>
+      </a:fillRef>
+      <a:effectRef idx="1">
+        <a:scrgbClr r="0" g="0" b="0"/>
+      </a:effectRef>
+      <a:fontRef idx="minor">
+        <a:schemeClr val="lt1"/>
+      </a:fontRef>
+    </dgm:style>
+  </dgm:styleLbl>
+  <dgm:styleLbl name="asst4">
+    <dgm:scene3d>
+      <a:camera prst="orthographicFront"/>
+      <a:lightRig rig="threePt" dir="t"/>
+    </dgm:scene3d>
+    <dgm:sp3d/>
+    <dgm:txPr/>
+    <dgm:style>
+      <a:lnRef idx="3">
+        <a:scrgbClr r="0" g="0" b="0"/>
+      </a:lnRef>
+      <a:fillRef idx="1">
+        <a:scrgbClr r="0" g="0" b="0"/>
+      </a:fillRef>
+      <a:effectRef idx="1">
+        <a:scrgbClr r="0" g="0" b="0"/>
+      </a:effectRef>
+      <a:fontRef idx="minor">
+        <a:schemeClr val="lt1"/>
+      </a:fontRef>
+    </dgm:style>
+  </dgm:styleLbl>
+  <dgm:styleLbl name="parChTrans2D1">
+    <dgm:scene3d>
+      <a:camera prst="orthographicFront"/>
+      <a:lightRig rig="threePt" dir="t"/>
+    </dgm:scene3d>
+    <dgm:sp3d/>
+    <dgm:txPr/>
+    <dgm:style>
+      <a:lnRef idx="3">
+        <a:scrgbClr r="0" g="0" b="0"/>
+      </a:lnRef>
+      <a:fillRef idx="1">
+        <a:scrgbClr r="0" g="0" b="0"/>
+      </a:fillRef>
+      <a:effectRef idx="1">
+        <a:scrgbClr r="0" g="0" b="0"/>
+      </a:effectRef>
+      <a:fontRef idx="minor">
+        <a:schemeClr val="lt1"/>
+      </a:fontRef>
+    </dgm:style>
+  </dgm:styleLbl>
+  <dgm:styleLbl name="parChTrans2D2">
+    <dgm:scene3d>
+      <a:camera prst="orthographicFront"/>
+      <a:lightRig rig="threePt" dir="t"/>
+    </dgm:scene3d>
+    <dgm:sp3d/>
+    <dgm:txPr/>
+    <dgm:style>
+      <a:lnRef idx="3">
+        <a:scrgbClr r="0" g="0" b="0"/>
+      </a:lnRef>
+      <a:fillRef idx="1">
+        <a:scrgbClr r="0" g="0" b="0"/>
+      </a:fillRef>
+      <a:effectRef idx="1">
+        <a:scrgbClr r="0" g="0" b="0"/>
+      </a:effectRef>
+      <a:fontRef idx="minor">
+        <a:schemeClr val="lt1"/>
+      </a:fontRef>
+    </dgm:style>
+  </dgm:styleLbl>
+  <dgm:styleLbl name="parChTrans2D3">
+    <dgm:scene3d>
+      <a:camera prst="orthographicFront"/>
+      <a:lightRig rig="threePt" dir="t"/>
+    </dgm:scene3d>
+    <dgm:sp3d/>
+    <dgm:txPr/>
+    <dgm:style>
+      <a:lnRef idx="3">
+        <a:scrgbClr r="0" g="0" b="0"/>
+      </a:lnRef>
+      <a:fillRef idx="1">
+        <a:scrgbClr r="0" g="0" b="0"/>
+      </a:fillRef>
+      <a:effectRef idx="1">
+        <a:scrgbClr r="0" g="0" b="0"/>
+      </a:effectRef>
+      <a:fontRef idx="minor">
+        <a:schemeClr val="lt1"/>
+      </a:fontRef>
+    </dgm:style>
+  </dgm:styleLbl>
+  <dgm:styleLbl name="parChTrans2D4">
+    <dgm:scene3d>
+      <a:camera prst="orthographicFront"/>
+      <a:lightRig rig="threePt" dir="t"/>
+    </dgm:scene3d>
+    <dgm:sp3d/>
+    <dgm:txPr/>
+    <dgm:style>
+      <a:lnRef idx="3">
+        <a:scrgbClr r="0" g="0" b="0"/>
+      </a:lnRef>
+      <a:fillRef idx="1">
+        <a:scrgbClr r="0" g="0" b="0"/>
+      </a:fillRef>
+      <a:effectRef idx="1">
+        <a:scrgbClr r="0" g="0" b="0"/>
+      </a:effectRef>
+      <a:fontRef idx="minor">
+        <a:schemeClr val="lt1"/>
+      </a:fontRef>
+    </dgm:style>
+  </dgm:styleLbl>
+  <dgm:styleLbl name="parChTrans1D1">
+    <dgm:scene3d>
+      <a:camera prst="orthographicFront"/>
+      <a:lightRig rig="threePt" dir="t"/>
+    </dgm:scene3d>
+    <dgm:sp3d/>
+    <dgm:txPr/>
+    <dgm:style>
+      <a:lnRef idx="2">
+        <a:scrgbClr r="0" g="0" b="0"/>
+      </a:lnRef>
+      <a:fillRef idx="0">
+        <a:scrgbClr r="0" g="0" b="0"/>
+      </a:fillRef>
+      <a:effectRef idx="0">
+        <a:scrgbClr r="0" g="0" b="0"/>
+      </a:effectRef>
+      <a:fontRef idx="minor"/>
+    </dgm:style>
+  </dgm:styleLbl>
+  <dgm:styleLbl name="parChTrans1D2">
+    <dgm:scene3d>
+      <a:camera prst="orthographicFront"/>
+      <a:lightRig rig="threePt" dir="t"/>
+    </dgm:scene3d>
+    <dgm:sp3d/>
+    <dgm:txPr/>
+    <dgm:style>
+      <a:lnRef idx="2">
+        <a:scrgbClr r="0" g="0" b="0"/>
+      </a:lnRef>
+      <a:fillRef idx="0">
+        <a:scrgbClr r="0" g="0" b="0"/>
+      </a:fillRef>
+      <a:effectRef idx="0">
+        <a:scrgbClr r="0" g="0" b="0"/>
+      </a:effectRef>
+      <a:fontRef idx="minor"/>
+    </dgm:style>
+  </dgm:styleLbl>
+  <dgm:styleLbl name="parChTrans1D3">
+    <dgm:scene3d>
+      <a:camera prst="orthographicFront"/>
+      <a:lightRig rig="threePt" dir="t"/>
+    </dgm:scene3d>
+    <dgm:sp3d/>
+    <dgm:txPr/>
+    <dgm:style>
+      <a:lnRef idx="2">
+        <a:scrgbClr r="0" g="0" b="0"/>
+      </a:lnRef>
+      <a:fillRef idx="0">
+        <a:scrgbClr r="0" g="0" b="0"/>
+      </a:fillRef>
+      <a:effectRef idx="0">
+        <a:scrgbClr r="0" g="0" b="0"/>
+      </a:effectRef>
+      <a:fontRef idx="minor"/>
+    </dgm:style>
+  </dgm:styleLbl>
+  <dgm:styleLbl name="parChTrans1D4">
+    <dgm:scene3d>
+      <a:camera prst="orthographicFront"/>
+      <a:lightRig rig="threePt" dir="t"/>
+    </dgm:scene3d>
+    <dgm:sp3d/>
+    <dgm:txPr/>
+    <dgm:style>
+      <a:lnRef idx="2">
+        <a:scrgbClr r="0" g="0" b="0"/>
+      </a:lnRef>
+      <a:fillRef idx="0">
+        <a:scrgbClr r="0" g="0" b="0"/>
+      </a:fillRef>
+      <a:effectRef idx="0">
+        <a:scrgbClr r="0" g="0" b="0"/>
+      </a:effectRef>
+      <a:fontRef idx="minor"/>
+    </dgm:style>
+  </dgm:styleLbl>
+  <dgm:styleLbl name="fgAcc1">
+    <dgm:scene3d>
+      <a:camera prst="orthographicFront"/>
+      <a:lightRig rig="threePt" dir="t"/>
+    </dgm:scene3d>
+    <dgm:sp3d/>
+    <dgm:txPr/>
+    <dgm:style>
+      <a:lnRef idx="2">
+        <a:scrgbClr r="0" g="0" b="0"/>
+      </a:lnRef>
+      <a:fillRef idx="1">
+        <a:scrgbClr r="0" g="0" b="0"/>
+      </a:fillRef>
+      <a:effectRef idx="0">
+        <a:scrgbClr r="0" g="0" b="0"/>
+      </a:effectRef>
+      <a:fontRef idx="minor"/>
+    </dgm:style>
+  </dgm:styleLbl>
+  <dgm:styleLbl name="conFgAcc1">
+    <dgm:scene3d>
+      <a:camera prst="orthographicFront"/>
+      <a:lightRig rig="threePt" dir="t"/>
+    </dgm:scene3d>
+    <dgm:sp3d/>
+    <dgm:txPr/>
+    <dgm:style>
+      <a:lnRef idx="2">
+        <a:scrgbClr r="0" g="0" b="0"/>
+      </a:lnRef>
+      <a:fillRef idx="1">
+        <a:scrgbClr r="0" g="0" b="0"/>
+      </a:fillRef>
+      <a:effectRef idx="0">
+        <a:scrgbClr r="0" g="0" b="0"/>
+      </a:effectRef>
+      <a:fontRef idx="minor"/>
+    </dgm:style>
+  </dgm:styleLbl>
+  <dgm:styleLbl name="alignAcc1">
+    <dgm:scene3d>
+      <a:camera prst="orthographicFront"/>
+      <a:lightRig rig="threePt" dir="t"/>
+    </dgm:scene3d>
+    <dgm:sp3d/>
+    <dgm:txPr/>
+    <dgm:style>
+      <a:lnRef idx="2">
+        <a:scrgbClr r="0" g="0" b="0"/>
+      </a:lnRef>
+      <a:fillRef idx="1">
+        <a:scrgbClr r="0" g="0" b="0"/>
+      </a:fillRef>
+      <a:effectRef idx="0">
+        <a:scrgbClr r="0" g="0" b="0"/>
+      </a:effectRef>
+      <a:fontRef idx="minor"/>
+    </dgm:style>
+  </dgm:styleLbl>
+  <dgm:styleLbl name="trAlignAcc1">
+    <dgm:scene3d>
+      <a:camera prst="orthographicFront"/>
+      <a:lightRig rig="threePt" dir="t"/>
+    </dgm:scene3d>
+    <dgm:sp3d/>
+    <dgm:txPr/>
+    <dgm:style>
+      <a:lnRef idx="1">
+        <a:scrgbClr r="0" g="0" b="0"/>
+      </a:lnRef>
+      <a:fillRef idx="1">
+        <a:scrgbClr r="0" g="0" b="0"/>
+      </a:fillRef>
+      <a:effectRef idx="0">
+        <a:scrgbClr r="0" g="0" b="0"/>
+      </a:effectRef>
+      <a:fontRef idx="minor"/>
+    </dgm:style>
+  </dgm:styleLbl>
+  <dgm:styleLbl name="bgAcc1">
+    <dgm:scene3d>
+      <a:camera prst="orthographicFront"/>
+      <a:lightRig rig="threePt" dir="t"/>
+    </dgm:scene3d>
+    <dgm:sp3d/>
+    <dgm:txPr/>
+    <dgm:style>
+      <a:lnRef idx="2">
+        <a:scrgbClr r="0" g="0" b="0"/>
+      </a:lnRef>
+      <a:fillRef idx="1">
+        <a:scrgbClr r="0" g="0" b="0"/>
+      </a:fillRef>
+      <a:effectRef idx="0">
+        <a:scrgbClr r="0" g="0" b="0"/>
+      </a:effectRef>
+      <a:fontRef idx="minor"/>
+    </dgm:style>
+  </dgm:styleLbl>
+  <dgm:styleLbl name="solidFgAcc1">
+    <dgm:scene3d>
+      <a:camera prst="orthographicFront"/>
+      <a:lightRig rig="threePt" dir="t"/>
+    </dgm:scene3d>
+    <dgm:sp3d/>
+    <dgm:txPr/>
+    <dgm:style>
+      <a:lnRef idx="2">
+        <a:scrgbClr r="0" g="0" b="0"/>
+      </a:lnRef>
+      <a:fillRef idx="1">
+        <a:scrgbClr r="0" g="0" b="0"/>
+      </a:fillRef>
+      <a:effectRef idx="0">
+        <a:scrgbClr r="0" g="0" b="0"/>
+      </a:effectRef>
+      <a:fontRef idx="minor"/>
+    </dgm:style>
+  </dgm:styleLbl>
+  <dgm:styleLbl name="solidAlignAcc1">
+    <dgm:scene3d>
+      <a:camera prst="orthographicFront"/>
+      <a:lightRig rig="threePt" dir="t"/>
+    </dgm:scene3d>
+    <dgm:sp3d/>
+    <dgm:txPr/>
+    <dgm:style>
+      <a:lnRef idx="2">
+        <a:scrgbClr r="0" g="0" b="0"/>
+      </a:lnRef>
+      <a:fillRef idx="1">
+        <a:scrgbClr r="0" g="0" b="0"/>
+      </a:fillRef>
+      <a:effectRef idx="0">
+        <a:scrgbClr r="0" g="0" b="0"/>
+      </a:effectRef>
+      <a:fontRef idx="minor"/>
+    </dgm:style>
+  </dgm:styleLbl>
+  <dgm:styleLbl name="solidBgAcc1">
+    <dgm:scene3d>
+      <a:camera prst="orthographicFront"/>
+      <a:lightRig rig="threePt" dir="t"/>
+    </dgm:scene3d>
+    <dgm:sp3d/>
+    <dgm:txPr/>
+    <dgm:style>
+      <a:lnRef idx="2">
+        <a:scrgbClr r="0" g="0" b="0"/>
+      </a:lnRef>
+      <a:fillRef idx="1">
+        <a:scrgbClr r="0" g="0" b="0"/>
+      </a:fillRef>
+      <a:effectRef idx="0">
+        <a:scrgbClr r="0" g="0" b="0"/>
+      </a:effectRef>
+      <a:fontRef idx="minor"/>
+    </dgm:style>
+  </dgm:styleLbl>
+  <dgm:styleLbl name="fgAccFollowNode1">
+    <dgm:scene3d>
+      <a:camera prst="orthographicFront"/>
+      <a:lightRig rig="threePt" dir="t"/>
+    </dgm:scene3d>
+    <dgm:sp3d/>
+    <dgm:txPr/>
+    <dgm:style>
+      <a:lnRef idx="2">
+        <a:scrgbClr r="0" g="0" b="0"/>
+      </a:lnRef>
+      <a:fillRef idx="1">
+        <a:scrgbClr r="0" g="0" b="0"/>
+      </a:fillRef>
+      <a:effectRef idx="0">
+        <a:scrgbClr r="0" g="0" b="0"/>
+      </a:effectRef>
+      <a:fontRef idx="minor"/>
+    </dgm:style>
+  </dgm:styleLbl>
+  <dgm:styleLbl name="alignAccFollowNode1">
+    <dgm:scene3d>
+      <a:camera prst="orthographicFront"/>
+      <a:lightRig rig="threePt" dir="t"/>
+    </dgm:scene3d>
+    <dgm:sp3d/>
+    <dgm:txPr/>
+    <dgm:style>
+      <a:lnRef idx="2">
+        <a:scrgbClr r="0" g="0" b="0"/>
+      </a:lnRef>
+      <a:fillRef idx="1">
+        <a:scrgbClr r="0" g="0" b="0"/>
+      </a:fillRef>
+      <a:effectRef idx="0">
+        <a:scrgbClr r="0" g="0" b="0"/>
+      </a:effectRef>
+      <a:fontRef idx="minor"/>
+    </dgm:style>
+  </dgm:styleLbl>
+  <dgm:styleLbl name="bgAccFollowNode1">
+    <dgm:scene3d>
+      <a:camera prst="orthographicFront"/>
+      <a:lightRig rig="threePt" dir="t"/>
+    </dgm:scene3d>
+    <dgm:sp3d/>
+    <dgm:txPr/>
+    <dgm:style>
+      <a:lnRef idx="2">
+        <a:scrgbClr r="0" g="0" b="0"/>
+      </a:lnRef>
+      <a:fillRef idx="1">
+        <a:scrgbClr r="0" g="0" b="0"/>
+      </a:fillRef>
+      <a:effectRef idx="0">
+        <a:scrgbClr r="0" g="0" b="0"/>
+      </a:effectRef>
+      <a:fontRef idx="minor"/>
+    </dgm:style>
+  </dgm:styleLbl>
+  <dgm:styleLbl name="fgAcc0">
+    <dgm:scene3d>
+      <a:camera prst="orthographicFront"/>
+      <a:lightRig rig="threePt" dir="t"/>
+    </dgm:scene3d>
+    <dgm:sp3d/>
+    <dgm:txPr/>
+    <dgm:style>
+      <a:lnRef idx="2">
+        <a:scrgbClr r="0" g="0" b="0"/>
+      </a:lnRef>
+      <a:fillRef idx="1">
+        <a:scrgbClr r="0" g="0" b="0"/>
+      </a:fillRef>
+      <a:effectRef idx="0">
+        <a:scrgbClr r="0" g="0" b="0"/>
+      </a:effectRef>
+      <a:fontRef idx="minor"/>
+    </dgm:style>
+  </dgm:styleLbl>
+  <dgm:styleLbl name="fgAcc2">
+    <dgm:scene3d>
+      <a:camera prst="orthographicFront"/>
+      <a:lightRig rig="threePt" dir="t"/>
+    </dgm:scene3d>
+    <dgm:sp3d/>
+    <dgm:txPr/>
+    <dgm:style>
+      <a:lnRef idx="2">
+        <a:scrgbClr r="0" g="0" b="0"/>
+      </a:lnRef>
+      <a:fillRef idx="1">
+        <a:scrgbClr r="0" g="0" b="0"/>
+      </a:fillRef>
+      <a:effectRef idx="0">
+        <a:scrgbClr r="0" g="0" b="0"/>
+      </a:effectRef>
+      <a:fontRef idx="minor"/>
+    </dgm:style>
+  </dgm:styleLbl>
+  <dgm:styleLbl name="fgAcc3">
+    <dgm:scene3d>
+      <a:camera prst="orthographicFront"/>
+      <a:lightRig rig="threePt" dir="t"/>
+    </dgm:scene3d>
+    <dgm:sp3d/>
+    <dgm:txPr/>
+    <dgm:style>
+      <a:lnRef idx="2">
+        <a:scrgbClr r="0" g="0" b="0"/>
+      </a:lnRef>
+      <a:fillRef idx="1">
+        <a:scrgbClr r="0" g="0" b="0"/>
+      </a:fillRef>
+      <a:effectRef idx="0">
+        <a:scrgbClr r="0" g="0" b="0"/>
+      </a:effectRef>
+      <a:fontRef idx="minor"/>
+    </dgm:style>
+  </dgm:styleLbl>
+  <dgm:styleLbl name="fgAcc4">
+    <dgm:scene3d>
+      <a:camera prst="orthographicFront"/>
+      <a:lightRig rig="threePt" dir="t"/>
+    </dgm:scene3d>
+    <dgm:sp3d/>
+    <dgm:txPr/>
+    <dgm:style>
+      <a:lnRef idx="2">
+        <a:scrgbClr r="0" g="0" b="0"/>
+      </a:lnRef>
+      <a:fillRef idx="1">
+        <a:scrgbClr r="0" g="0" b="0"/>
+      </a:fillRef>
+      <a:effectRef idx="0">
+        <a:scrgbClr r="0" g="0" b="0"/>
+      </a:effectRef>
+      <a:fontRef idx="minor"/>
+    </dgm:style>
+  </dgm:styleLbl>
+  <dgm:styleLbl name="bgShp">
+    <dgm:scene3d>
+      <a:camera prst="orthographicFront"/>
+      <a:lightRig rig="threePt" dir="t"/>
+    </dgm:scene3d>
+    <dgm:sp3d/>
+    <dgm:txPr/>
+    <dgm:style>
+      <a:lnRef idx="0">
+        <a:scrgbClr r="0" g="0" b="0"/>
+      </a:lnRef>
+      <a:fillRef idx="1">
+        <a:scrgbClr r="0" g="0" b="0"/>
+      </a:fillRef>
+      <a:effectRef idx="0">
+        <a:scrgbClr r="0" g="0" b="0"/>
+      </a:effectRef>
+      <a:fontRef idx="minor"/>
+    </dgm:style>
+  </dgm:styleLbl>
+  <dgm:styleLbl name="dkBgShp">
+    <dgm:scene3d>
+      <a:camera prst="orthographicFront"/>
+      <a:lightRig rig="threePt" dir="t"/>
+    </dgm:scene3d>
+    <dgm:sp3d/>
+    <dgm:txPr/>
+    <dgm:style>
+      <a:lnRef idx="0">
+        <a:scrgbClr r="0" g="0" b="0"/>
+      </a:lnRef>
+      <a:fillRef idx="1">
+        <a:scrgbClr r="0" g="0" b="0"/>
+      </a:fillRef>
+      <a:effectRef idx="0">
+        <a:scrgbClr r="0" g="0" b="0"/>
+      </a:effectRef>
+      <a:fontRef idx="minor"/>
+    </dgm:style>
+  </dgm:styleLbl>
+  <dgm:styleLbl name="trBgShp">
+    <dgm:scene3d>
+      <a:camera prst="orthographicFront"/>
+      <a:lightRig rig="threePt" dir="t"/>
+    </dgm:scene3d>
+    <dgm:sp3d/>
+    <dgm:txPr/>
+    <dgm:style>
+      <a:lnRef idx="0">
+        <a:scrgbClr r="0" g="0" b="0"/>
+      </a:lnRef>
+      <a:fillRef idx="1">
+        <a:scrgbClr r="0" g="0" b="0"/>
+      </a:fillRef>
+      <a:effectRef idx="0">
+        <a:scrgbClr r="0" g="0" b="0"/>
+      </a:effectRef>
+      <a:fontRef idx="minor"/>
+    </dgm:style>
+  </dgm:styleLbl>
+  <dgm:styleLbl name="fgShp">
+    <dgm:scene3d>
+      <a:camera prst="orthographicFront"/>
+      <a:lightRig rig="threePt" dir="t"/>
+    </dgm:scene3d>
+    <dgm:sp3d/>
+    <dgm:txPr/>
+    <dgm:style>
+      <a:lnRef idx="3">
+        <a:scrgbClr r="0" g="0" b="0"/>
+      </a:lnRef>
+      <a:fillRef idx="1">
+        <a:scrgbClr r="0" g="0" b="0"/>
+      </a:fillRef>
+      <a:effectRef idx="1">
+        <a:scrgbClr r="0" g="0" b="0"/>
+      </a:effectRef>
+      <a:fontRef idx="minor"/>
+    </dgm:style>
+  </dgm:styleLbl>
+  <dgm:styleLbl name="revTx">
+    <dgm:scene3d>
+      <a:camera prst="orthographicFront"/>
+      <a:lightRig rig="threePt" dir="t"/>
+    </dgm:scene3d>
+    <dgm:sp3d/>
+    <dgm:txPr/>
+    <dgm:style>
+      <a:lnRef idx="0">
         <a:scrgbClr r="0" g="0" b="0"/>
       </a:lnRef>
       <a:fillRef idx="0">
@@ -19036,6 +22308,109 @@
 <file path=ppt/slides/slide10.xml><?xml version="1.0" encoding="utf-8"?>
 <p:sld xmlns:a="http://schemas.openxmlformats.org/drawingml/2006/main" xmlns:r="http://schemas.openxmlformats.org/officeDocument/2006/relationships" xmlns:p="http://schemas.openxmlformats.org/presentationml/2006/main">
   <p:cSld>
+    <p:spTree>
+      <p:nvGrpSpPr>
+        <p:cNvPr id="1" name=""/>
+        <p:cNvGrpSpPr/>
+        <p:nvPr/>
+      </p:nvGrpSpPr>
+      <p:grpSpPr>
+        <a:xfrm>
+          <a:off x="0" y="0"/>
+          <a:ext cx="0" cy="0"/>
+          <a:chOff x="0" y="0"/>
+          <a:chExt cx="0" cy="0"/>
+        </a:xfrm>
+      </p:grpSpPr>
+      <p:sp>
+        <p:nvSpPr>
+          <p:cNvPr id="2" name="Título 1">
+            <a:extLst>
+              <a:ext uri="{FF2B5EF4-FFF2-40B4-BE49-F238E27FC236}">
+                <a16:creationId xmlns:a16="http://schemas.microsoft.com/office/drawing/2014/main" id="{ECBBDE57-B339-42BE-A360-2FAAFF9A68FF}"/>
+              </a:ext>
+            </a:extLst>
+          </p:cNvPr>
+          <p:cNvSpPr>
+            <a:spLocks noGrp="1"/>
+          </p:cNvSpPr>
+          <p:nvPr>
+            <p:ph type="title"/>
+          </p:nvPr>
+        </p:nvSpPr>
+        <p:spPr/>
+        <p:txBody>
+          <a:bodyPr/>
+          <a:lstStyle/>
+          <a:p>
+            <a:r>
+              <a:rPr lang="es-AR" dirty="0"/>
+              <a:t>Eventos de </a:t>
+            </a:r>
+            <a:r>
+              <a:rPr lang="es-AR" dirty="0" err="1"/>
+              <a:t>Encoder</a:t>
+            </a:r>
+            <a:endParaRPr lang="es-AR" dirty="0"/>
+          </a:p>
+        </p:txBody>
+      </p:sp>
+      <p:pic>
+        <p:nvPicPr>
+          <p:cNvPr id="5" name="Content Placeholder 4" descr="código">
+            <a:extLst>
+              <a:ext uri="{FF2B5EF4-FFF2-40B4-BE49-F238E27FC236}">
+                <a16:creationId xmlns:a16="http://schemas.microsoft.com/office/drawing/2014/main" id="{92FCCB1D-F3AA-4841-B45A-A268FB873AD0}"/>
+              </a:ext>
+            </a:extLst>
+          </p:cNvPr>
+          <p:cNvPicPr>
+            <a:picLocks noChangeAspect="1"/>
+          </p:cNvPicPr>
+          <p:nvPr/>
+        </p:nvPicPr>
+        <p:blipFill>
+          <a:blip r:embed="rId2"/>
+          <a:stretch>
+            <a:fillRect/>
+          </a:stretch>
+        </p:blipFill>
+        <p:spPr>
+          <a:xfrm>
+            <a:off x="1974685" y="1983688"/>
+            <a:ext cx="8451267" cy="4803580"/>
+          </a:xfrm>
+          <a:prstGeom prst="rect">
+            <a:avLst/>
+          </a:prstGeom>
+          <a:ln>
+            <a:noFill/>
+          </a:ln>
+          <a:effectLst>
+            <a:outerShdw blurRad="76200" dist="63500" dir="5040000" algn="tl" rotWithShape="0">
+              <a:srgbClr val="000000">
+                <a:alpha val="41000"/>
+              </a:srgbClr>
+            </a:outerShdw>
+          </a:effectLst>
+        </p:spPr>
+      </p:pic>
+    </p:spTree>
+    <p:extLst>
+      <p:ext uri="{BB962C8B-B14F-4D97-AF65-F5344CB8AC3E}">
+        <p14:creationId xmlns:p14="http://schemas.microsoft.com/office/powerpoint/2010/main" val="212065354"/>
+      </p:ext>
+    </p:extLst>
+  </p:cSld>
+  <p:clrMapOvr>
+    <a:masterClrMapping/>
+  </p:clrMapOvr>
+</p:sld>
+</file>
+
+<file path=ppt/slides/slide11.xml><?xml version="1.0" encoding="utf-8"?>
+<p:sld xmlns:a="http://schemas.openxmlformats.org/drawingml/2006/main" xmlns:r="http://schemas.openxmlformats.org/officeDocument/2006/relationships" xmlns:p="http://schemas.openxmlformats.org/presentationml/2006/main">
+  <p:cSld>
     <p:bg>
       <p:bgPr>
         <a:gradFill rotWithShape="1">
@@ -19278,10 +22653,14 @@
           <a:lstStyle/>
           <a:p>
             <a:r>
-              <a:rPr lang="es-AR" sz="2400"/>
-              <a:t>Eventos de Encoder</a:t>
-            </a:r>
-            <a:endParaRPr lang="en-US" sz="2400"/>
+              <a:rPr lang="es-AR" sz="2400" dirty="0"/>
+              <a:t>Interrupciones de </a:t>
+            </a:r>
+            <a:r>
+              <a:rPr lang="es-AR" sz="2400" dirty="0" err="1"/>
+              <a:t>Encoder</a:t>
+            </a:r>
+            <a:endParaRPr lang="en-US" sz="2400" dirty="0"/>
           </a:p>
         </p:txBody>
       </p:sp>
@@ -19330,82 +22709,38 @@
           </a:prstGeom>
         </p:spPr>
       </p:pic>
-      <p:sp>
-        <p:nvSpPr>
-          <p:cNvPr id="9" name="Content Placeholder 8">
+      <p:graphicFrame>
+        <p:nvGraphicFramePr>
+          <p:cNvPr id="10" name="Diagrama 2">
             <a:extLst>
               <a:ext uri="{FF2B5EF4-FFF2-40B4-BE49-F238E27FC236}">
-                <a16:creationId xmlns:a16="http://schemas.microsoft.com/office/drawing/2014/main" id="{7964440D-53A5-4932-800B-C1967C5D1262}"/>
+                <a16:creationId xmlns:a16="http://schemas.microsoft.com/office/drawing/2014/main" id="{D9C5E93E-B393-423D-BC08-241F07CEC8F6}"/>
               </a:ext>
             </a:extLst>
           </p:cNvPr>
-          <p:cNvSpPr>
-            <a:spLocks noGrp="1"/>
-          </p:cNvSpPr>
+          <p:cNvGraphicFramePr/>
           <p:nvPr>
-            <p:ph idx="1"/>
+            <p:extLst>
+              <p:ext uri="{D42A27DB-BD31-4B8C-83A1-F6EECF244321}">
+                <p14:modId xmlns:p14="http://schemas.microsoft.com/office/powerpoint/2010/main" val="780270582"/>
+              </p:ext>
+            </p:extLst>
           </p:nvPr>
-        </p:nvSpPr>
-        <p:spPr>
-          <a:xfrm>
-            <a:off x="680321" y="2336873"/>
-            <a:ext cx="4136123" cy="3599316"/>
-          </a:xfrm>
-        </p:spPr>
-        <p:txBody>
-          <a:bodyPr>
-            <a:normAutofit/>
-          </a:bodyPr>
-          <a:lstStyle/>
-          <a:p>
-            <a:endParaRPr lang="en-US" sz="1800" dirty="0"/>
-          </a:p>
-        </p:txBody>
-      </p:sp>
-      <p:pic>
-        <p:nvPicPr>
-          <p:cNvPr id="5" name="Content Placeholder 4" descr="A screenshot of a social media post&#10;&#10;Description automatically generated">
-            <a:extLst>
-              <a:ext uri="{FF2B5EF4-FFF2-40B4-BE49-F238E27FC236}">
-                <a16:creationId xmlns:a16="http://schemas.microsoft.com/office/drawing/2014/main" id="{E7E1776D-1CFB-4F7E-8031-9E1450DFE375}"/>
-              </a:ext>
-            </a:extLst>
-          </p:cNvPr>
-          <p:cNvPicPr>
-            <a:picLocks noChangeAspect="1"/>
-          </p:cNvPicPr>
-          <p:nvPr/>
-        </p:nvPicPr>
-        <p:blipFill>
-          <a:blip r:embed="rId4"/>
-          <a:stretch>
-            <a:fillRect/>
-          </a:stretch>
-        </p:blipFill>
-        <p:spPr>
-          <a:xfrm>
-            <a:off x="4982318" y="1639159"/>
-            <a:ext cx="6596906" cy="3749587"/>
-          </a:xfrm>
-          <a:prstGeom prst="rect">
-            <a:avLst/>
-          </a:prstGeom>
-          <a:ln>
-            <a:noFill/>
-          </a:ln>
-          <a:effectLst>
-            <a:outerShdw blurRad="76200" dist="63500" dir="5040000" algn="tl" rotWithShape="0">
-              <a:srgbClr val="000000">
-                <a:alpha val="41000"/>
-              </a:srgbClr>
-            </a:outerShdw>
-          </a:effectLst>
-        </p:spPr>
-      </p:pic>
+        </p:nvGraphicFramePr>
+        <p:xfrm>
+          <a:off x="2097741" y="824559"/>
+          <a:ext cx="8184777" cy="5872075"/>
+        </p:xfrm>
+        <a:graphic>
+          <a:graphicData uri="http://schemas.openxmlformats.org/drawingml/2006/diagram">
+            <dgm:relIds xmlns:dgm="http://schemas.openxmlformats.org/drawingml/2006/diagram" xmlns:r="http://schemas.openxmlformats.org/officeDocument/2006/relationships" r:dm="rId4" r:lo="rId5" r:qs="rId6" r:cs="rId7"/>
+          </a:graphicData>
+        </a:graphic>
+      </p:graphicFrame>
     </p:spTree>
     <p:extLst>
       <p:ext uri="{BB962C8B-B14F-4D97-AF65-F5344CB8AC3E}">
-        <p14:creationId xmlns:p14="http://schemas.microsoft.com/office/powerpoint/2010/main" val="2018990092"/>
+        <p14:creationId xmlns:p14="http://schemas.microsoft.com/office/powerpoint/2010/main" val="3900839084"/>
       </p:ext>
     </p:extLst>
   </p:cSld>
@@ -19415,7 +22750,7 @@
 </p:sld>
 </file>
 
-<file path=ppt/slides/slide11.xml><?xml version="1.0" encoding="utf-8"?>
+<file path=ppt/slides/slide12.xml><?xml version="1.0" encoding="utf-8"?>
 <p:sld xmlns:a="http://schemas.openxmlformats.org/drawingml/2006/main" xmlns:r="http://schemas.openxmlformats.org/officeDocument/2006/relationships" xmlns:p="http://schemas.openxmlformats.org/presentationml/2006/main">
   <p:cSld>
     <p:spTree>
@@ -19532,7 +22867,7 @@
 </p:sld>
 </file>
 
-<file path=ppt/slides/slide12.xml><?xml version="1.0" encoding="utf-8"?>
+<file path=ppt/slides/slide13.xml><?xml version="1.0" encoding="utf-8"?>
 <p:sld xmlns:a="http://schemas.openxmlformats.org/drawingml/2006/main" xmlns:r="http://schemas.openxmlformats.org/officeDocument/2006/relationships" xmlns:p="http://schemas.openxmlformats.org/presentationml/2006/main">
   <p:cSld>
     <p:spTree>
@@ -19670,7 +23005,7 @@
 </p:sld>
 </file>
 
-<file path=ppt/slides/slide13.xml><?xml version="1.0" encoding="utf-8"?>
+<file path=ppt/slides/slide14.xml><?xml version="1.0" encoding="utf-8"?>
 <p:sld xmlns:a="http://schemas.openxmlformats.org/drawingml/2006/main" xmlns:r="http://schemas.openxmlformats.org/officeDocument/2006/relationships" xmlns:p="http://schemas.openxmlformats.org/presentationml/2006/main">
   <p:cSld>
     <p:spTree>
@@ -19796,7 +23131,7 @@
 </p:sld>
 </file>
 
-<file path=ppt/slides/slide14.xml><?xml version="1.0" encoding="utf-8"?>
+<file path=ppt/slides/slide15.xml><?xml version="1.0" encoding="utf-8"?>
 <p:sld xmlns:a="http://schemas.openxmlformats.org/drawingml/2006/main" xmlns:r="http://schemas.openxmlformats.org/officeDocument/2006/relationships" xmlns:p="http://schemas.openxmlformats.org/presentationml/2006/main">
   <p:cSld>
     <p:spTree>
@@ -19919,7 +23254,7 @@
 </p:sld>
 </file>
 
-<file path=ppt/slides/slide15.xml><?xml version="1.0" encoding="utf-8"?>
+<file path=ppt/slides/slide16.xml><?xml version="1.0" encoding="utf-8"?>
 <p:sld xmlns:a="http://schemas.openxmlformats.org/drawingml/2006/main" xmlns:r="http://schemas.openxmlformats.org/officeDocument/2006/relationships" xmlns:p="http://schemas.openxmlformats.org/presentationml/2006/main">
   <p:cSld>
     <p:spTree>
@@ -20048,7 +23383,7 @@
 </p:sld>
 </file>
 
-<file path=ppt/slides/slide16.xml><?xml version="1.0" encoding="utf-8"?>
+<file path=ppt/slides/slide17.xml><?xml version="1.0" encoding="utf-8"?>
 <p:sld xmlns:a="http://schemas.openxmlformats.org/drawingml/2006/main" xmlns:r="http://schemas.openxmlformats.org/officeDocument/2006/relationships" xmlns:p="http://schemas.openxmlformats.org/presentationml/2006/main">
   <p:cSld>
     <p:spTree>
@@ -21390,7 +24725,7 @@
           <p:nvPr>
             <p:extLst>
               <p:ext uri="{D42A27DB-BD31-4B8C-83A1-F6EECF244321}">
-                <p14:modId xmlns:p14="http://schemas.microsoft.com/office/powerpoint/2010/main" val="1919679160"/>
+                <p14:modId xmlns:p14="http://schemas.microsoft.com/office/powerpoint/2010/main" val="2756579975"/>
               </p:ext>
             </p:extLst>
           </p:nvPr>
@@ -21483,7 +24818,15 @@
             </a:r>
             <a:r>
               <a:rPr lang="en-CA" dirty="0"/>
-              <a:t> encoder se </a:t>
+              <a:t> </a:t>
+            </a:r>
+            <a:r>
+              <a:rPr lang="en-CA" b="1" dirty="0"/>
+              <a:t>encoder</a:t>
+            </a:r>
+            <a:r>
+              <a:rPr lang="en-CA" dirty="0"/>
+              <a:t> se </a:t>
             </a:r>
             <a:r>
               <a:rPr lang="en-CA" dirty="0" err="1"/>
@@ -21547,7 +24890,7 @@
               <a:t> </a:t>
             </a:r>
             <a:r>
-              <a:rPr lang="en-CA" dirty="0" err="1"/>
+              <a:rPr lang="en-CA" b="1" dirty="0" err="1"/>
               <a:t>encoderDecoder</a:t>
             </a:r>
             <a:r>
@@ -21642,7 +24985,7 @@
               <a:t> </a:t>
             </a:r>
             <a:r>
-              <a:rPr lang="en-CA" dirty="0" err="1"/>
+              <a:rPr lang="en-CA" b="1" dirty="0" err="1"/>
               <a:t>encoderHAL</a:t>
             </a:r>
             <a:r>

--- a/Control de Acceso.pptx
+++ b/Control de Acceso.pptx
@@ -3028,7 +3028,10 @@
         <a:bodyPr/>
         <a:lstStyle/>
         <a:p>
-          <a:endParaRPr lang="es-AR" dirty="0"/>
+          <a:r>
+            <a:rPr lang="es-AR" dirty="0"/>
+            <a:t>LOW HAL</a:t>
+          </a:r>
         </a:p>
       </dgm:t>
     </dgm:pt>
@@ -3310,7 +3313,10 @@
         <a:bodyPr/>
         <a:lstStyle/>
         <a:p>
-          <a:endParaRPr lang="es-AR" dirty="0"/>
+          <a:r>
+            <a:rPr lang="es-AR" dirty="0"/>
+            <a:t>LOW HAL</a:t>
+          </a:r>
         </a:p>
       </dgm:t>
     </dgm:pt>
@@ -3509,7 +3515,7 @@
       <dgm:spPr/>
     </dgm:pt>
     <dgm:pt modelId="{C506A8BA-439E-4716-BD26-721A6F281A37}" type="pres">
-      <dgm:prSet presAssocID="{DEBFFABF-82B9-4D25-8AD5-D3D639130002}" presName="level2Shape" presStyleLbl="node3" presStyleIdx="1" presStyleCnt="10" custScaleX="5667"/>
+      <dgm:prSet presAssocID="{DEBFFABF-82B9-4D25-8AD5-D3D639130002}" presName="level2Shape" presStyleLbl="node3" presStyleIdx="1" presStyleCnt="10" custScaleX="76873"/>
       <dgm:spPr/>
     </dgm:pt>
     <dgm:pt modelId="{0D14266D-155E-47D2-BD04-D1ADB411484B}" type="pres">
@@ -3637,7 +3643,7 @@
       <dgm:spPr/>
     </dgm:pt>
     <dgm:pt modelId="{7ECB5281-3BE3-458D-9668-FC45289E3411}" type="pres">
-      <dgm:prSet presAssocID="{C194289A-C687-45FE-8049-89294C7C2B30}" presName="level2Shape" presStyleLbl="node3" presStyleIdx="5" presStyleCnt="10" custScaleX="4325"/>
+      <dgm:prSet presAssocID="{C194289A-C687-45FE-8049-89294C7C2B30}" presName="level2Shape" presStyleLbl="node3" presStyleIdx="5" presStyleCnt="10" custScaleX="77643"/>
       <dgm:spPr/>
     </dgm:pt>
     <dgm:pt modelId="{41C358C0-DB22-445C-99B0-377F9DD83D02}" type="pres">
@@ -3996,8 +4002,12 @@
         <a:lstStyle/>
         <a:p>
           <a:r>
+            <a:rPr lang="es-AR"/>
+            <a:t>LOW </a:t>
+          </a:r>
+          <a:r>
             <a:rPr lang="es-AR" dirty="0"/>
-            <a:t>ENCODER HAL</a:t>
+            <a:t>HAL</a:t>
           </a:r>
         </a:p>
       </dgm:t>
@@ -4868,8 +4878,8 @@
       </dsp:nvSpPr>
       <dsp:spPr>
         <a:xfrm>
-          <a:off x="5498408" y="1634102"/>
-          <a:ext cx="1006067" cy="670711"/>
+          <a:off x="5607033" y="1736681"/>
+          <a:ext cx="946887" cy="631258"/>
         </a:xfrm>
         <a:prstGeom prst="roundRect">
           <a:avLst>
@@ -4916,12 +4926,12 @@
         </a:fontRef>
       </dsp:style>
       <dsp:txBody>
-        <a:bodyPr spcFirstLastPara="0" vert="horz" wrap="square" lIns="53340" tIns="53340" rIns="53340" bIns="53340" numCol="1" spcCol="1270" anchor="ctr" anchorCtr="0">
+        <a:bodyPr spcFirstLastPara="0" vert="horz" wrap="square" lIns="49530" tIns="49530" rIns="49530" bIns="49530" numCol="1" spcCol="1270" anchor="ctr" anchorCtr="0">
           <a:noAutofit/>
         </a:bodyPr>
         <a:lstStyle/>
         <a:p>
-          <a:pPr marL="0" lvl="0" indent="0" algn="ctr" defTabSz="622300">
+          <a:pPr marL="0" lvl="0" indent="0" algn="ctr" defTabSz="577850">
             <a:lnSpc>
               <a:spcPct val="90000"/>
             </a:lnSpc>
@@ -4934,14 +4944,14 @@
             <a:buNone/>
           </a:pPr>
           <a:r>
-            <a:rPr lang="es-AR" sz="1400" kern="1200" dirty="0"/>
+            <a:rPr lang="es-AR" sz="1300" kern="1200" dirty="0"/>
             <a:t>APP</a:t>
           </a:r>
         </a:p>
       </dsp:txBody>
       <dsp:txXfrm>
-        <a:off x="5518052" y="1653746"/>
-        <a:ext cx="966779" cy="631423"/>
+        <a:off x="5625522" y="1755170"/>
+        <a:ext cx="909909" cy="594280"/>
       </dsp:txXfrm>
     </dsp:sp>
     <dsp:sp modelId="{41AB122B-081A-4865-AD38-E3670CB221C3}">
@@ -4951,8 +4961,8 @@
       </dsp:nvSpPr>
       <dsp:spPr>
         <a:xfrm>
-          <a:off x="1575302" y="2304814"/>
-          <a:ext cx="4426140" cy="268284"/>
+          <a:off x="1656858" y="2367940"/>
+          <a:ext cx="4423618" cy="252503"/>
         </a:xfrm>
         <a:custGeom>
           <a:avLst/>
@@ -4963,16 +4973,16 @@
           <a:pathLst>
             <a:path>
               <a:moveTo>
-                <a:pt x="4426140" y="0"/>
+                <a:pt x="4423618" y="0"/>
               </a:moveTo>
               <a:lnTo>
-                <a:pt x="4426140" y="134142"/>
+                <a:pt x="4423618" y="126251"/>
               </a:lnTo>
               <a:lnTo>
-                <a:pt x="0" y="134142"/>
+                <a:pt x="0" y="126251"/>
               </a:lnTo>
               <a:lnTo>
-                <a:pt x="0" y="268284"/>
+                <a:pt x="0" y="252503"/>
               </a:lnTo>
             </a:path>
           </a:pathLst>
@@ -5020,8 +5030,8 @@
       </dsp:nvSpPr>
       <dsp:spPr>
         <a:xfrm>
-          <a:off x="1072268" y="2573098"/>
-          <a:ext cx="1006067" cy="670711"/>
+          <a:off x="1183414" y="2620443"/>
+          <a:ext cx="946887" cy="631258"/>
         </a:xfrm>
         <a:prstGeom prst="roundRect">
           <a:avLst>
@@ -5068,12 +5078,12 @@
         </a:fontRef>
       </dsp:style>
       <dsp:txBody>
-        <a:bodyPr spcFirstLastPara="0" vert="horz" wrap="square" lIns="53340" tIns="53340" rIns="53340" bIns="53340" numCol="1" spcCol="1270" anchor="ctr" anchorCtr="0">
+        <a:bodyPr spcFirstLastPara="0" vert="horz" wrap="square" lIns="49530" tIns="49530" rIns="49530" bIns="49530" numCol="1" spcCol="1270" anchor="ctr" anchorCtr="0">
           <a:noAutofit/>
         </a:bodyPr>
         <a:lstStyle/>
         <a:p>
-          <a:pPr marL="0" lvl="0" indent="0" algn="ctr" defTabSz="622300">
+          <a:pPr marL="0" lvl="0" indent="0" algn="ctr" defTabSz="577850">
             <a:lnSpc>
               <a:spcPct val="90000"/>
             </a:lnSpc>
@@ -5086,14 +5096,14 @@
             <a:buNone/>
           </a:pPr>
           <a:r>
-            <a:rPr lang="es-AR" sz="1400" kern="1200" dirty="0"/>
+            <a:rPr lang="es-AR" sz="1300" kern="1200" dirty="0"/>
             <a:t>ENCODER</a:t>
           </a:r>
         </a:p>
       </dsp:txBody>
       <dsp:txXfrm>
-        <a:off x="1091912" y="2592742"/>
-        <a:ext cx="966779" cy="631423"/>
+        <a:off x="1201903" y="2638932"/>
+        <a:ext cx="909909" cy="594280"/>
       </dsp:txXfrm>
     </dsp:sp>
     <dsp:sp modelId="{53BE28EF-99A8-45D2-A439-B1144FBC3954}">
@@ -5103,8 +5113,8 @@
       </dsp:nvSpPr>
       <dsp:spPr>
         <a:xfrm>
-          <a:off x="504677" y="3243810"/>
-          <a:ext cx="1070624" cy="268284"/>
+          <a:off x="480651" y="3251701"/>
+          <a:ext cx="1176206" cy="252503"/>
         </a:xfrm>
         <a:custGeom>
           <a:avLst/>
@@ -5115,16 +5125,16 @@
           <a:pathLst>
             <a:path>
               <a:moveTo>
-                <a:pt x="1070624" y="0"/>
+                <a:pt x="1176206" y="0"/>
               </a:moveTo>
               <a:lnTo>
-                <a:pt x="1070624" y="134142"/>
+                <a:pt x="1176206" y="126251"/>
               </a:lnTo>
               <a:lnTo>
-                <a:pt x="0" y="134142"/>
+                <a:pt x="0" y="126251"/>
               </a:lnTo>
               <a:lnTo>
-                <a:pt x="0" y="268284"/>
+                <a:pt x="0" y="252503"/>
               </a:lnTo>
             </a:path>
           </a:pathLst>
@@ -5172,8 +5182,8 @@
       </dsp:nvSpPr>
       <dsp:spPr>
         <a:xfrm>
-          <a:off x="1643" y="3512095"/>
-          <a:ext cx="1006067" cy="670711"/>
+          <a:off x="7208" y="3504204"/>
+          <a:ext cx="946887" cy="631258"/>
         </a:xfrm>
         <a:prstGeom prst="roundRect">
           <a:avLst>
@@ -5220,12 +5230,12 @@
         </a:fontRef>
       </dsp:style>
       <dsp:txBody>
-        <a:bodyPr spcFirstLastPara="0" vert="horz" wrap="square" lIns="53340" tIns="53340" rIns="53340" bIns="53340" numCol="1" spcCol="1270" anchor="ctr" anchorCtr="0">
+        <a:bodyPr spcFirstLastPara="0" vert="horz" wrap="square" lIns="49530" tIns="49530" rIns="49530" bIns="49530" numCol="1" spcCol="1270" anchor="ctr" anchorCtr="0">
           <a:noAutofit/>
         </a:bodyPr>
         <a:lstStyle/>
         <a:p>
-          <a:pPr marL="0" lvl="0" indent="0" algn="ctr" defTabSz="622300">
+          <a:pPr marL="0" lvl="0" indent="0" algn="ctr" defTabSz="577850">
             <a:lnSpc>
               <a:spcPct val="90000"/>
             </a:lnSpc>
@@ -5238,15 +5248,15 @@
             <a:buNone/>
           </a:pPr>
           <a:r>
-            <a:rPr lang="es-AR" sz="1400" kern="1200" dirty="0"/>
+            <a:rPr lang="es-AR" sz="1300" kern="1200" dirty="0"/>
             <a:t>TIMER</a:t>
           </a:r>
-          <a:endParaRPr lang="en-US" sz="1400" kern="1200" dirty="0"/>
+          <a:endParaRPr lang="en-US" sz="1300" kern="1200" dirty="0"/>
         </a:p>
       </dsp:txBody>
       <dsp:txXfrm>
-        <a:off x="21287" y="3531739"/>
-        <a:ext cx="966779" cy="631423"/>
+        <a:off x="25697" y="3522693"/>
+        <a:ext cx="909909" cy="594280"/>
       </dsp:txXfrm>
     </dsp:sp>
     <dsp:sp modelId="{D2FA8DCC-89A3-4CB1-9FF9-7F8B664B0AF9}">
@@ -5256,8 +5266,8 @@
       </dsp:nvSpPr>
       <dsp:spPr>
         <a:xfrm>
-          <a:off x="458957" y="4182807"/>
-          <a:ext cx="91440" cy="268284"/>
+          <a:off x="434931" y="4135462"/>
+          <a:ext cx="91440" cy="252503"/>
         </a:xfrm>
         <a:custGeom>
           <a:avLst/>
@@ -5271,7 +5281,7 @@
                 <a:pt x="45720" y="0"/>
               </a:moveTo>
               <a:lnTo>
-                <a:pt x="45720" y="268284"/>
+                <a:pt x="45720" y="252503"/>
               </a:lnTo>
             </a:path>
           </a:pathLst>
@@ -5319,8 +5329,8 @@
       </dsp:nvSpPr>
       <dsp:spPr>
         <a:xfrm>
-          <a:off x="1643" y="4451091"/>
-          <a:ext cx="1006067" cy="670711"/>
+          <a:off x="7208" y="4387965"/>
+          <a:ext cx="946887" cy="631258"/>
         </a:xfrm>
         <a:prstGeom prst="roundRect">
           <a:avLst>
@@ -5367,12 +5377,12 @@
         </a:fontRef>
       </dsp:style>
       <dsp:txBody>
-        <a:bodyPr spcFirstLastPara="0" vert="horz" wrap="square" lIns="53340" tIns="53340" rIns="53340" bIns="53340" numCol="1" spcCol="1270" anchor="ctr" anchorCtr="0">
+        <a:bodyPr spcFirstLastPara="0" vert="horz" wrap="square" lIns="49530" tIns="49530" rIns="49530" bIns="49530" numCol="1" spcCol="1270" anchor="ctr" anchorCtr="0">
           <a:noAutofit/>
         </a:bodyPr>
         <a:lstStyle/>
         <a:p>
-          <a:pPr marL="0" lvl="0" indent="0" algn="ctr" defTabSz="622300">
+          <a:pPr marL="0" lvl="0" indent="0" algn="ctr" defTabSz="577850">
             <a:lnSpc>
               <a:spcPct val="90000"/>
             </a:lnSpc>
@@ -5385,15 +5395,15 @@
             <a:buNone/>
           </a:pPr>
           <a:r>
-            <a:rPr lang="es-AR" sz="1400" kern="1200" dirty="0"/>
+            <a:rPr lang="es-AR" sz="1300" kern="1200" dirty="0"/>
             <a:t>SYSTICK</a:t>
           </a:r>
-          <a:endParaRPr lang="en-US" sz="1400" kern="1200" dirty="0"/>
+          <a:endParaRPr lang="en-US" sz="1300" kern="1200" dirty="0"/>
         </a:p>
       </dsp:txBody>
       <dsp:txXfrm>
-        <a:off x="21287" y="4470735"/>
-        <a:ext cx="966779" cy="631423"/>
+        <a:off x="25697" y="4406454"/>
+        <a:ext cx="909909" cy="594280"/>
       </dsp:txXfrm>
     </dsp:sp>
     <dsp:sp modelId="{DDEF067D-8035-4EE8-B26D-F9EF3FCB2EBB}">
@@ -5403,8 +5413,8 @@
       </dsp:nvSpPr>
       <dsp:spPr>
         <a:xfrm>
-          <a:off x="1575302" y="3243810"/>
-          <a:ext cx="237263" cy="268284"/>
+          <a:off x="1611138" y="3251701"/>
+          <a:ext cx="91440" cy="252503"/>
         </a:xfrm>
         <a:custGeom>
           <a:avLst/>
@@ -5415,16 +5425,16 @@
           <a:pathLst>
             <a:path>
               <a:moveTo>
-                <a:pt x="0" y="0"/>
+                <a:pt x="45720" y="0"/>
               </a:moveTo>
               <a:lnTo>
-                <a:pt x="0" y="134142"/>
+                <a:pt x="45720" y="126251"/>
               </a:lnTo>
               <a:lnTo>
-                <a:pt x="237263" y="134142"/>
+                <a:pt x="100466" y="126251"/>
               </a:lnTo>
               <a:lnTo>
-                <a:pt x="237263" y="268284"/>
+                <a:pt x="100466" y="252503"/>
               </a:lnTo>
             </a:path>
           </a:pathLst>
@@ -5472,8 +5482,8 @@
       </dsp:nvSpPr>
       <dsp:spPr>
         <a:xfrm>
-          <a:off x="1784058" y="3512095"/>
-          <a:ext cx="57013" cy="670711"/>
+          <a:off x="1347654" y="3504204"/>
+          <a:ext cx="727900" cy="631258"/>
         </a:xfrm>
         <a:prstGeom prst="roundRect">
           <a:avLst>
@@ -5520,12 +5530,12 @@
         </a:fontRef>
       </dsp:style>
       <dsp:txBody>
-        <a:bodyPr spcFirstLastPara="0" vert="horz" wrap="square" lIns="53340" tIns="53340" rIns="53340" bIns="53340" numCol="1" spcCol="1270" anchor="ctr" anchorCtr="0">
+        <a:bodyPr spcFirstLastPara="0" vert="horz" wrap="square" lIns="49530" tIns="49530" rIns="49530" bIns="49530" numCol="1" spcCol="1270" anchor="ctr" anchorCtr="0">
           <a:noAutofit/>
         </a:bodyPr>
         <a:lstStyle/>
         <a:p>
-          <a:pPr marL="0" lvl="0" indent="0" algn="ctr" defTabSz="622300">
+          <a:pPr marL="0" lvl="0" indent="0" algn="ctr" defTabSz="577850">
             <a:lnSpc>
               <a:spcPct val="90000"/>
             </a:lnSpc>
@@ -5537,12 +5547,15 @@
             </a:spcAft>
             <a:buNone/>
           </a:pPr>
-          <a:endParaRPr lang="es-AR" sz="1400" kern="1200" dirty="0"/>
+          <a:r>
+            <a:rPr lang="es-AR" sz="1300" kern="1200" dirty="0"/>
+            <a:t>LOW HAL</a:t>
+          </a:r>
         </a:p>
       </dsp:txBody>
       <dsp:txXfrm>
-        <a:off x="1785728" y="3513765"/>
-        <a:ext cx="53673" cy="667371"/>
+        <a:off x="1366143" y="3522693"/>
+        <a:ext cx="690922" cy="594280"/>
       </dsp:txXfrm>
     </dsp:sp>
     <dsp:sp modelId="{2B44D44D-9C15-4BE4-8857-6902DD216E02}">
@@ -5552,8 +5565,8 @@
       </dsp:nvSpPr>
       <dsp:spPr>
         <a:xfrm>
-          <a:off x="1766845" y="4182807"/>
-          <a:ext cx="91440" cy="268284"/>
+          <a:off x="1665884" y="4135462"/>
+          <a:ext cx="91440" cy="252503"/>
         </a:xfrm>
         <a:custGeom>
           <a:avLst/>
@@ -5567,7 +5580,7 @@
                 <a:pt x="45720" y="0"/>
               </a:moveTo>
               <a:lnTo>
-                <a:pt x="45720" y="268284"/>
+                <a:pt x="45720" y="252503"/>
               </a:lnTo>
             </a:path>
           </a:pathLst>
@@ -5615,8 +5628,8 @@
       </dsp:nvSpPr>
       <dsp:spPr>
         <a:xfrm>
-          <a:off x="1309531" y="4451091"/>
-          <a:ext cx="1006067" cy="670711"/>
+          <a:off x="1238161" y="4387965"/>
+          <a:ext cx="946887" cy="631258"/>
         </a:xfrm>
         <a:prstGeom prst="roundRect">
           <a:avLst>
@@ -5663,12 +5676,12 @@
         </a:fontRef>
       </dsp:style>
       <dsp:txBody>
-        <a:bodyPr spcFirstLastPara="0" vert="horz" wrap="square" lIns="53340" tIns="53340" rIns="53340" bIns="53340" numCol="1" spcCol="1270" anchor="ctr" anchorCtr="0">
+        <a:bodyPr spcFirstLastPara="0" vert="horz" wrap="square" lIns="49530" tIns="49530" rIns="49530" bIns="49530" numCol="1" spcCol="1270" anchor="ctr" anchorCtr="0">
           <a:noAutofit/>
         </a:bodyPr>
         <a:lstStyle/>
         <a:p>
-          <a:pPr marL="0" lvl="0" indent="0" algn="ctr" defTabSz="622300">
+          <a:pPr marL="0" lvl="0" indent="0" algn="ctr" defTabSz="577850">
             <a:lnSpc>
               <a:spcPct val="90000"/>
             </a:lnSpc>
@@ -5681,14 +5694,14 @@
             <a:buNone/>
           </a:pPr>
           <a:r>
-            <a:rPr lang="es-AR" sz="1400" kern="1200" dirty="0"/>
+            <a:rPr lang="es-AR" sz="1300" kern="1200" dirty="0"/>
             <a:t>GPIO</a:t>
           </a:r>
         </a:p>
       </dsp:txBody>
       <dsp:txXfrm>
-        <a:off x="1329175" y="4470735"/>
-        <a:ext cx="966779" cy="631423"/>
+        <a:off x="1256650" y="4406454"/>
+        <a:ext cx="909909" cy="594280"/>
       </dsp:txXfrm>
     </dsp:sp>
     <dsp:sp modelId="{12D6D663-4501-42C1-84F8-FE7ACFB08125}">
@@ -5698,8 +5711,8 @@
       </dsp:nvSpPr>
       <dsp:spPr>
         <a:xfrm>
-          <a:off x="1575302" y="3243810"/>
-          <a:ext cx="1070624" cy="268284"/>
+          <a:off x="1656858" y="3251701"/>
+          <a:ext cx="1176206" cy="252503"/>
         </a:xfrm>
         <a:custGeom>
           <a:avLst/>
@@ -5713,13 +5726,13 @@
                 <a:pt x="0" y="0"/>
               </a:moveTo>
               <a:lnTo>
-                <a:pt x="0" y="134142"/>
+                <a:pt x="0" y="126251"/>
               </a:lnTo>
               <a:lnTo>
-                <a:pt x="1070624" y="134142"/>
+                <a:pt x="1176206" y="126251"/>
               </a:lnTo>
               <a:lnTo>
-                <a:pt x="1070624" y="268284"/>
+                <a:pt x="1176206" y="252503"/>
               </a:lnTo>
             </a:path>
           </a:pathLst>
@@ -5767,8 +5780,8 @@
       </dsp:nvSpPr>
       <dsp:spPr>
         <a:xfrm>
-          <a:off x="2142892" y="3512095"/>
-          <a:ext cx="1006067" cy="670711"/>
+          <a:off x="2359621" y="3504204"/>
+          <a:ext cx="946887" cy="631258"/>
         </a:xfrm>
         <a:prstGeom prst="roundRect">
           <a:avLst>
@@ -5815,12 +5828,12 @@
         </a:fontRef>
       </dsp:style>
       <dsp:txBody>
-        <a:bodyPr spcFirstLastPara="0" vert="horz" wrap="square" lIns="53340" tIns="53340" rIns="53340" bIns="53340" numCol="1" spcCol="1270" anchor="ctr" anchorCtr="0">
+        <a:bodyPr spcFirstLastPara="0" vert="horz" wrap="square" lIns="49530" tIns="49530" rIns="49530" bIns="49530" numCol="1" spcCol="1270" anchor="ctr" anchorCtr="0">
           <a:noAutofit/>
         </a:bodyPr>
         <a:lstStyle/>
         <a:p>
-          <a:pPr marL="0" lvl="0" indent="0" algn="ctr" defTabSz="622300">
+          <a:pPr marL="0" lvl="0" indent="0" algn="ctr" defTabSz="577850">
             <a:lnSpc>
               <a:spcPct val="90000"/>
             </a:lnSpc>
@@ -5833,14 +5846,14 @@
             <a:buNone/>
           </a:pPr>
           <a:r>
-            <a:rPr lang="es-AR" sz="1400" kern="1200" dirty="0"/>
+            <a:rPr lang="es-AR" sz="1300" kern="1200" dirty="0"/>
             <a:t>DECODER</a:t>
           </a:r>
         </a:p>
       </dsp:txBody>
       <dsp:txXfrm>
-        <a:off x="2162536" y="3531739"/>
-        <a:ext cx="966779" cy="631423"/>
+        <a:off x="2378110" y="3522693"/>
+        <a:ext cx="909909" cy="594280"/>
       </dsp:txXfrm>
     </dsp:sp>
     <dsp:sp modelId="{6D500FE4-6E88-4115-B204-2A401C1E43A0}">
@@ -5850,8 +5863,8 @@
       </dsp:nvSpPr>
       <dsp:spPr>
         <a:xfrm>
-          <a:off x="4607758" y="2304814"/>
-          <a:ext cx="1393684" cy="268284"/>
+          <a:off x="4679494" y="2367940"/>
+          <a:ext cx="1400982" cy="252503"/>
         </a:xfrm>
         <a:custGeom>
           <a:avLst/>
@@ -5862,16 +5875,16 @@
           <a:pathLst>
             <a:path>
               <a:moveTo>
-                <a:pt x="1393684" y="0"/>
+                <a:pt x="1400982" y="0"/>
               </a:moveTo>
               <a:lnTo>
-                <a:pt x="1393684" y="134142"/>
+                <a:pt x="1400982" y="126251"/>
               </a:lnTo>
               <a:lnTo>
-                <a:pt x="0" y="134142"/>
+                <a:pt x="0" y="126251"/>
               </a:lnTo>
               <a:lnTo>
-                <a:pt x="0" y="268284"/>
+                <a:pt x="0" y="252503"/>
               </a:lnTo>
             </a:path>
           </a:pathLst>
@@ -5919,8 +5932,8 @@
       </dsp:nvSpPr>
       <dsp:spPr>
         <a:xfrm>
-          <a:off x="4104724" y="2573098"/>
-          <a:ext cx="1006067" cy="670711"/>
+          <a:off x="4206051" y="2620443"/>
+          <a:ext cx="946887" cy="631258"/>
         </a:xfrm>
         <a:prstGeom prst="roundRect">
           <a:avLst>
@@ -5967,12 +5980,12 @@
         </a:fontRef>
       </dsp:style>
       <dsp:txBody>
-        <a:bodyPr spcFirstLastPara="0" vert="horz" wrap="square" lIns="53340" tIns="53340" rIns="53340" bIns="53340" numCol="1" spcCol="1270" anchor="ctr" anchorCtr="0">
+        <a:bodyPr spcFirstLastPara="0" vert="horz" wrap="square" lIns="49530" tIns="49530" rIns="49530" bIns="49530" numCol="1" spcCol="1270" anchor="ctr" anchorCtr="0">
           <a:noAutofit/>
         </a:bodyPr>
         <a:lstStyle/>
         <a:p>
-          <a:pPr marL="0" lvl="0" indent="0" algn="ctr" defTabSz="622300">
+          <a:pPr marL="0" lvl="0" indent="0" algn="ctr" defTabSz="577850">
             <a:lnSpc>
               <a:spcPct val="90000"/>
             </a:lnSpc>
@@ -5985,14 +5998,14 @@
             <a:buNone/>
           </a:pPr>
           <a:r>
-            <a:rPr lang="es-AR" sz="1400" kern="1200" dirty="0"/>
+            <a:rPr lang="es-AR" sz="1300" kern="1200" dirty="0"/>
             <a:t>DISPLAY</a:t>
           </a:r>
         </a:p>
       </dsp:txBody>
       <dsp:txXfrm>
-        <a:off x="4124368" y="2592742"/>
-        <a:ext cx="966779" cy="631423"/>
+        <a:off x="4224540" y="2638932"/>
+        <a:ext cx="909909" cy="594280"/>
       </dsp:txXfrm>
     </dsp:sp>
     <dsp:sp modelId="{6DFBC8DC-FB04-4552-ACB4-2C723637561B}">
@@ -6002,8 +6015,8 @@
       </dsp:nvSpPr>
       <dsp:spPr>
         <a:xfrm>
-          <a:off x="3953814" y="3243810"/>
-          <a:ext cx="653943" cy="268284"/>
+          <a:off x="4064018" y="3251701"/>
+          <a:ext cx="615476" cy="252503"/>
         </a:xfrm>
         <a:custGeom>
           <a:avLst/>
@@ -6014,16 +6027,16 @@
           <a:pathLst>
             <a:path>
               <a:moveTo>
-                <a:pt x="653943" y="0"/>
+                <a:pt x="615476" y="0"/>
               </a:moveTo>
               <a:lnTo>
-                <a:pt x="653943" y="134142"/>
+                <a:pt x="615476" y="126251"/>
               </a:lnTo>
               <a:lnTo>
-                <a:pt x="0" y="134142"/>
+                <a:pt x="0" y="126251"/>
               </a:lnTo>
               <a:lnTo>
-                <a:pt x="0" y="268284"/>
+                <a:pt x="0" y="252503"/>
               </a:lnTo>
             </a:path>
           </a:pathLst>
@@ -6071,8 +6084,8 @@
       </dsp:nvSpPr>
       <dsp:spPr>
         <a:xfrm>
-          <a:off x="3450780" y="3512095"/>
-          <a:ext cx="1006067" cy="670711"/>
+          <a:off x="3590574" y="3504204"/>
+          <a:ext cx="946887" cy="631258"/>
         </a:xfrm>
         <a:prstGeom prst="roundRect">
           <a:avLst>
@@ -6119,12 +6132,12 @@
         </a:fontRef>
       </dsp:style>
       <dsp:txBody>
-        <a:bodyPr spcFirstLastPara="0" vert="horz" wrap="square" lIns="53340" tIns="53340" rIns="53340" bIns="53340" numCol="1" spcCol="1270" anchor="ctr" anchorCtr="0">
+        <a:bodyPr spcFirstLastPara="0" vert="horz" wrap="square" lIns="49530" tIns="49530" rIns="49530" bIns="49530" numCol="1" spcCol="1270" anchor="ctr" anchorCtr="0">
           <a:noAutofit/>
         </a:bodyPr>
         <a:lstStyle/>
         <a:p>
-          <a:pPr marL="0" lvl="0" indent="0" algn="ctr" defTabSz="622300">
+          <a:pPr marL="0" lvl="0" indent="0" algn="ctr" defTabSz="577850">
             <a:lnSpc>
               <a:spcPct val="90000"/>
             </a:lnSpc>
@@ -6137,14 +6150,14 @@
             <a:buNone/>
           </a:pPr>
           <a:r>
-            <a:rPr lang="es-AR" sz="1400" kern="1200" dirty="0"/>
+            <a:rPr lang="es-AR" sz="1300" kern="1200" dirty="0"/>
             <a:t>TIMER</a:t>
           </a:r>
         </a:p>
       </dsp:txBody>
       <dsp:txXfrm>
-        <a:off x="3470424" y="3531739"/>
-        <a:ext cx="966779" cy="631423"/>
+        <a:off x="3609063" y="3522693"/>
+        <a:ext cx="909909" cy="594280"/>
       </dsp:txXfrm>
     </dsp:sp>
     <dsp:sp modelId="{190E5C43-FF52-41EF-BC65-4C3846DF4B2F}">
@@ -6154,8 +6167,8 @@
       </dsp:nvSpPr>
       <dsp:spPr>
         <a:xfrm>
-          <a:off x="3908094" y="4182807"/>
-          <a:ext cx="91440" cy="268284"/>
+          <a:off x="4018298" y="4135462"/>
+          <a:ext cx="91440" cy="252503"/>
         </a:xfrm>
         <a:custGeom>
           <a:avLst/>
@@ -6169,7 +6182,7 @@
                 <a:pt x="45720" y="0"/>
               </a:moveTo>
               <a:lnTo>
-                <a:pt x="45720" y="268284"/>
+                <a:pt x="45720" y="252503"/>
               </a:lnTo>
             </a:path>
           </a:pathLst>
@@ -6217,8 +6230,8 @@
       </dsp:nvSpPr>
       <dsp:spPr>
         <a:xfrm>
-          <a:off x="3450780" y="4451091"/>
-          <a:ext cx="1006067" cy="670711"/>
+          <a:off x="3590574" y="4387965"/>
+          <a:ext cx="946887" cy="631258"/>
         </a:xfrm>
         <a:prstGeom prst="roundRect">
           <a:avLst>
@@ -6265,12 +6278,12 @@
         </a:fontRef>
       </dsp:style>
       <dsp:txBody>
-        <a:bodyPr spcFirstLastPara="0" vert="horz" wrap="square" lIns="53340" tIns="53340" rIns="53340" bIns="53340" numCol="1" spcCol="1270" anchor="ctr" anchorCtr="0">
+        <a:bodyPr spcFirstLastPara="0" vert="horz" wrap="square" lIns="49530" tIns="49530" rIns="49530" bIns="49530" numCol="1" spcCol="1270" anchor="ctr" anchorCtr="0">
           <a:noAutofit/>
         </a:bodyPr>
         <a:lstStyle/>
         <a:p>
-          <a:pPr marL="0" lvl="0" indent="0" algn="ctr" defTabSz="622300">
+          <a:pPr marL="0" lvl="0" indent="0" algn="ctr" defTabSz="577850">
             <a:lnSpc>
               <a:spcPct val="90000"/>
             </a:lnSpc>
@@ -6283,14 +6296,14 @@
             <a:buNone/>
           </a:pPr>
           <a:r>
-            <a:rPr lang="es-AR" sz="1400" kern="1200" dirty="0"/>
+            <a:rPr lang="es-AR" sz="1300" kern="1200" dirty="0"/>
             <a:t>SYSTICK</a:t>
           </a:r>
         </a:p>
       </dsp:txBody>
       <dsp:txXfrm>
-        <a:off x="3470424" y="4470735"/>
-        <a:ext cx="966779" cy="631423"/>
+        <a:off x="3609063" y="4406454"/>
+        <a:ext cx="909909" cy="594280"/>
       </dsp:txXfrm>
     </dsp:sp>
     <dsp:sp modelId="{86087C67-4375-477E-84D1-836C1F14C793}">
@@ -6300,8 +6313,8 @@
       </dsp:nvSpPr>
       <dsp:spPr>
         <a:xfrm>
-          <a:off x="4607758" y="3243810"/>
-          <a:ext cx="645140" cy="261369"/>
+          <a:off x="4679494" y="3251701"/>
+          <a:ext cx="607191" cy="245994"/>
         </a:xfrm>
         <a:custGeom>
           <a:avLst/>
@@ -6315,13 +6328,13 @@
                 <a:pt x="0" y="0"/>
               </a:moveTo>
               <a:lnTo>
-                <a:pt x="0" y="130684"/>
+                <a:pt x="0" y="122997"/>
               </a:lnTo>
               <a:lnTo>
-                <a:pt x="645140" y="130684"/>
+                <a:pt x="607191" y="122997"/>
               </a:lnTo>
               <a:lnTo>
-                <a:pt x="645140" y="261369"/>
+                <a:pt x="607191" y="245994"/>
               </a:lnTo>
             </a:path>
           </a:pathLst>
@@ -6369,8 +6382,8 @@
       </dsp:nvSpPr>
       <dsp:spPr>
         <a:xfrm>
-          <a:off x="4749865" y="3505180"/>
-          <a:ext cx="1006067" cy="670711"/>
+          <a:off x="4813242" y="3497696"/>
+          <a:ext cx="946887" cy="631258"/>
         </a:xfrm>
         <a:prstGeom prst="roundRect">
           <a:avLst>
@@ -6417,12 +6430,12 @@
         </a:fontRef>
       </dsp:style>
       <dsp:txBody>
-        <a:bodyPr spcFirstLastPara="0" vert="horz" wrap="square" lIns="53340" tIns="53340" rIns="53340" bIns="53340" numCol="1" spcCol="1270" anchor="ctr" anchorCtr="0">
+        <a:bodyPr spcFirstLastPara="0" vert="horz" wrap="square" lIns="49530" tIns="49530" rIns="49530" bIns="49530" numCol="1" spcCol="1270" anchor="ctr" anchorCtr="0">
           <a:noAutofit/>
         </a:bodyPr>
         <a:lstStyle/>
         <a:p>
-          <a:pPr marL="0" lvl="0" indent="0" algn="ctr" defTabSz="622300">
+          <a:pPr marL="0" lvl="0" indent="0" algn="ctr" defTabSz="577850">
             <a:lnSpc>
               <a:spcPct val="90000"/>
             </a:lnSpc>
@@ -6435,14 +6448,14 @@
             <a:buNone/>
           </a:pPr>
           <a:r>
-            <a:rPr lang="es-AR" sz="1400" kern="1200" dirty="0"/>
+            <a:rPr lang="es-AR" sz="1300" kern="1200" dirty="0"/>
             <a:t>7 SEGMENTS</a:t>
           </a:r>
         </a:p>
       </dsp:txBody>
       <dsp:txXfrm>
-        <a:off x="4769509" y="3524824"/>
-        <a:ext cx="966779" cy="631423"/>
+        <a:off x="4831731" y="3516185"/>
+        <a:ext cx="909909" cy="594280"/>
       </dsp:txXfrm>
     </dsp:sp>
     <dsp:sp modelId="{F7EDE524-7426-42F9-9EA5-E64F8887CFAA}">
@@ -6452,8 +6465,8 @@
       </dsp:nvSpPr>
       <dsp:spPr>
         <a:xfrm>
-          <a:off x="6001442" y="2304814"/>
-          <a:ext cx="1876035" cy="268284"/>
+          <a:off x="6080477" y="2367940"/>
+          <a:ext cx="1676400" cy="252503"/>
         </a:xfrm>
         <a:custGeom>
           <a:avLst/>
@@ -6467,13 +6480,13 @@
                 <a:pt x="0" y="0"/>
               </a:moveTo>
               <a:lnTo>
-                <a:pt x="0" y="134142"/>
+                <a:pt x="0" y="126251"/>
               </a:lnTo>
               <a:lnTo>
-                <a:pt x="1876035" y="134142"/>
+                <a:pt x="1676400" y="126251"/>
               </a:lnTo>
               <a:lnTo>
-                <a:pt x="1876035" y="268284"/>
+                <a:pt x="1676400" y="252503"/>
               </a:lnTo>
             </a:path>
           </a:pathLst>
@@ -6521,8 +6534,8 @@
       </dsp:nvSpPr>
       <dsp:spPr>
         <a:xfrm>
-          <a:off x="7374444" y="2573098"/>
-          <a:ext cx="1006067" cy="670711"/>
+          <a:off x="7283434" y="2620443"/>
+          <a:ext cx="946887" cy="631258"/>
         </a:xfrm>
         <a:prstGeom prst="roundRect">
           <a:avLst>
@@ -6569,12 +6582,12 @@
         </a:fontRef>
       </dsp:style>
       <dsp:txBody>
-        <a:bodyPr spcFirstLastPara="0" vert="horz" wrap="square" lIns="53340" tIns="53340" rIns="53340" bIns="53340" numCol="1" spcCol="1270" anchor="ctr" anchorCtr="0">
+        <a:bodyPr spcFirstLastPara="0" vert="horz" wrap="square" lIns="49530" tIns="49530" rIns="49530" bIns="49530" numCol="1" spcCol="1270" anchor="ctr" anchorCtr="0">
           <a:noAutofit/>
         </a:bodyPr>
         <a:lstStyle/>
         <a:p>
-          <a:pPr marL="0" lvl="0" indent="0" algn="ctr" defTabSz="622300">
+          <a:pPr marL="0" lvl="0" indent="0" algn="ctr" defTabSz="577850">
             <a:lnSpc>
               <a:spcPct val="90000"/>
             </a:lnSpc>
@@ -6587,14 +6600,14 @@
             <a:buNone/>
           </a:pPr>
           <a:r>
-            <a:rPr lang="es-AR" sz="1400" kern="1200" dirty="0"/>
+            <a:rPr lang="es-AR" sz="1300" kern="1200" dirty="0"/>
             <a:t>LECTOR </a:t>
           </a:r>
         </a:p>
       </dsp:txBody>
       <dsp:txXfrm>
-        <a:off x="7394088" y="2592742"/>
-        <a:ext cx="966779" cy="631423"/>
+        <a:off x="7301923" y="2638932"/>
+        <a:ext cx="909909" cy="594280"/>
       </dsp:txXfrm>
     </dsp:sp>
     <dsp:sp modelId="{7D9DF814-EB3C-4A52-B166-0E4DD46DE296}">
@@ -6604,8 +6617,8 @@
       </dsp:nvSpPr>
       <dsp:spPr>
         <a:xfrm>
-          <a:off x="6569590" y="3243810"/>
-          <a:ext cx="1307887" cy="268284"/>
+          <a:off x="6525924" y="3251701"/>
+          <a:ext cx="1230953" cy="252503"/>
         </a:xfrm>
         <a:custGeom>
           <a:avLst/>
@@ -6616,16 +6629,16 @@
           <a:pathLst>
             <a:path>
               <a:moveTo>
-                <a:pt x="1307887" y="0"/>
+                <a:pt x="1230953" y="0"/>
               </a:moveTo>
               <a:lnTo>
-                <a:pt x="1307887" y="134142"/>
+                <a:pt x="1230953" y="126251"/>
               </a:lnTo>
               <a:lnTo>
-                <a:pt x="0" y="134142"/>
+                <a:pt x="0" y="126251"/>
               </a:lnTo>
               <a:lnTo>
-                <a:pt x="0" y="268284"/>
+                <a:pt x="0" y="252503"/>
               </a:lnTo>
             </a:path>
           </a:pathLst>
@@ -6673,8 +6686,8 @@
       </dsp:nvSpPr>
       <dsp:spPr>
         <a:xfrm>
-          <a:off x="6547834" y="3512095"/>
-          <a:ext cx="43512" cy="670711"/>
+          <a:off x="6158329" y="3504204"/>
+          <a:ext cx="735191" cy="631258"/>
         </a:xfrm>
         <a:prstGeom prst="roundRect">
           <a:avLst>
@@ -6721,12 +6734,12 @@
         </a:fontRef>
       </dsp:style>
       <dsp:txBody>
-        <a:bodyPr spcFirstLastPara="0" vert="horz" wrap="square" lIns="53340" tIns="53340" rIns="53340" bIns="53340" numCol="1" spcCol="1270" anchor="ctr" anchorCtr="0">
+        <a:bodyPr spcFirstLastPara="0" vert="horz" wrap="square" lIns="49530" tIns="49530" rIns="49530" bIns="49530" numCol="1" spcCol="1270" anchor="ctr" anchorCtr="0">
           <a:noAutofit/>
         </a:bodyPr>
         <a:lstStyle/>
         <a:p>
-          <a:pPr marL="0" lvl="0" indent="0" algn="ctr" defTabSz="622300">
+          <a:pPr marL="0" lvl="0" indent="0" algn="ctr" defTabSz="577850">
             <a:lnSpc>
               <a:spcPct val="90000"/>
             </a:lnSpc>
@@ -6738,12 +6751,15 @@
             </a:spcAft>
             <a:buNone/>
           </a:pPr>
-          <a:endParaRPr lang="es-AR" sz="1400" kern="1200" dirty="0"/>
+          <a:r>
+            <a:rPr lang="es-AR" sz="1300" kern="1200" dirty="0"/>
+            <a:t>LOW HAL</a:t>
+          </a:r>
         </a:p>
       </dsp:txBody>
       <dsp:txXfrm>
-        <a:off x="6549108" y="3513369"/>
-        <a:ext cx="40964" cy="668163"/>
+        <a:off x="6176818" y="3522693"/>
+        <a:ext cx="698213" cy="594280"/>
       </dsp:txXfrm>
     </dsp:sp>
     <dsp:sp modelId="{6693D620-D3B4-43A1-8165-358A23FCEFAD}">
@@ -6753,8 +6769,8 @@
       </dsp:nvSpPr>
       <dsp:spPr>
         <a:xfrm>
-          <a:off x="6523870" y="4182807"/>
-          <a:ext cx="91440" cy="268284"/>
+          <a:off x="6480204" y="4135462"/>
+          <a:ext cx="91440" cy="252503"/>
         </a:xfrm>
         <a:custGeom>
           <a:avLst/>
@@ -6768,7 +6784,7 @@
                 <a:pt x="45720" y="0"/>
               </a:moveTo>
               <a:lnTo>
-                <a:pt x="45720" y="268284"/>
+                <a:pt x="45720" y="252503"/>
               </a:lnTo>
             </a:path>
           </a:pathLst>
@@ -6816,8 +6832,8 @@
       </dsp:nvSpPr>
       <dsp:spPr>
         <a:xfrm>
-          <a:off x="6066556" y="4451091"/>
-          <a:ext cx="1006067" cy="670711"/>
+          <a:off x="6052481" y="4387965"/>
+          <a:ext cx="946887" cy="631258"/>
         </a:xfrm>
         <a:prstGeom prst="roundRect">
           <a:avLst>
@@ -6864,12 +6880,12 @@
         </a:fontRef>
       </dsp:style>
       <dsp:txBody>
-        <a:bodyPr spcFirstLastPara="0" vert="horz" wrap="square" lIns="53340" tIns="53340" rIns="53340" bIns="53340" numCol="1" spcCol="1270" anchor="ctr" anchorCtr="0">
+        <a:bodyPr spcFirstLastPara="0" vert="horz" wrap="square" lIns="49530" tIns="49530" rIns="49530" bIns="49530" numCol="1" spcCol="1270" anchor="ctr" anchorCtr="0">
           <a:noAutofit/>
         </a:bodyPr>
         <a:lstStyle/>
         <a:p>
-          <a:pPr marL="0" lvl="0" indent="0" algn="ctr" defTabSz="622300">
+          <a:pPr marL="0" lvl="0" indent="0" algn="ctr" defTabSz="577850">
             <a:lnSpc>
               <a:spcPct val="90000"/>
             </a:lnSpc>
@@ -6882,14 +6898,14 @@
             <a:buNone/>
           </a:pPr>
           <a:r>
-            <a:rPr lang="es-AR" sz="1400" kern="1200" dirty="0"/>
+            <a:rPr lang="es-AR" sz="1300" kern="1200" dirty="0"/>
             <a:t>GPIO</a:t>
           </a:r>
         </a:p>
       </dsp:txBody>
       <dsp:txXfrm>
-        <a:off x="6086200" y="4470735"/>
-        <a:ext cx="966779" cy="631423"/>
+        <a:off x="6070970" y="4406454"/>
+        <a:ext cx="909909" cy="594280"/>
       </dsp:txXfrm>
     </dsp:sp>
     <dsp:sp modelId="{E6E5601B-39F7-4D6D-B067-78B9A4C88F76}">
@@ -6899,8 +6915,8 @@
       </dsp:nvSpPr>
       <dsp:spPr>
         <a:xfrm>
-          <a:off x="7396200" y="3243810"/>
-          <a:ext cx="481277" cy="268284"/>
+          <a:off x="7651030" y="3251701"/>
+          <a:ext cx="105847" cy="252503"/>
         </a:xfrm>
         <a:custGeom>
           <a:avLst/>
@@ -6911,16 +6927,16 @@
           <a:pathLst>
             <a:path>
               <a:moveTo>
-                <a:pt x="481277" y="0"/>
+                <a:pt x="105847" y="0"/>
               </a:moveTo>
               <a:lnTo>
-                <a:pt x="481277" y="134142"/>
+                <a:pt x="105847" y="126251"/>
               </a:lnTo>
               <a:lnTo>
-                <a:pt x="0" y="134142"/>
+                <a:pt x="0" y="126251"/>
               </a:lnTo>
               <a:lnTo>
-                <a:pt x="0" y="268284"/>
+                <a:pt x="0" y="252503"/>
               </a:lnTo>
             </a:path>
           </a:pathLst>
@@ -6968,8 +6984,8 @@
       </dsp:nvSpPr>
       <dsp:spPr>
         <a:xfrm>
-          <a:off x="6893166" y="3512095"/>
-          <a:ext cx="1006067" cy="670711"/>
+          <a:off x="7177586" y="3504204"/>
+          <a:ext cx="946887" cy="631258"/>
         </a:xfrm>
         <a:prstGeom prst="roundRect">
           <a:avLst>
@@ -7016,12 +7032,12 @@
         </a:fontRef>
       </dsp:style>
       <dsp:txBody>
-        <a:bodyPr spcFirstLastPara="0" vert="horz" wrap="square" lIns="53340" tIns="53340" rIns="53340" bIns="53340" numCol="1" spcCol="1270" anchor="ctr" anchorCtr="0">
+        <a:bodyPr spcFirstLastPara="0" vert="horz" wrap="square" lIns="49530" tIns="49530" rIns="49530" bIns="49530" numCol="1" spcCol="1270" anchor="ctr" anchorCtr="0">
           <a:noAutofit/>
         </a:bodyPr>
         <a:lstStyle/>
         <a:p>
-          <a:pPr marL="0" lvl="0" indent="0" algn="ctr" defTabSz="622300">
+          <a:pPr marL="0" lvl="0" indent="0" algn="ctr" defTabSz="577850">
             <a:lnSpc>
               <a:spcPct val="90000"/>
             </a:lnSpc>
@@ -7034,14 +7050,14 @@
             <a:buNone/>
           </a:pPr>
           <a:r>
-            <a:rPr lang="es-AR" sz="1400" kern="1200" dirty="0"/>
+            <a:rPr lang="es-AR" sz="1300" kern="1200" dirty="0"/>
             <a:t>DECODER</a:t>
           </a:r>
         </a:p>
       </dsp:txBody>
       <dsp:txXfrm>
-        <a:off x="6912810" y="3531739"/>
-        <a:ext cx="966779" cy="631423"/>
+        <a:off x="7196075" y="3522693"/>
+        <a:ext cx="909909" cy="594280"/>
       </dsp:txXfrm>
     </dsp:sp>
     <dsp:sp modelId="{7F15DC38-3E35-4ED9-83CB-208CB23EA7A4}">
@@ -7051,8 +7067,8 @@
       </dsp:nvSpPr>
       <dsp:spPr>
         <a:xfrm>
-          <a:off x="7877478" y="3243810"/>
-          <a:ext cx="826610" cy="268284"/>
+          <a:off x="7756878" y="3251701"/>
+          <a:ext cx="1125105" cy="252503"/>
         </a:xfrm>
         <a:custGeom>
           <a:avLst/>
@@ -7066,13 +7082,13 @@
                 <a:pt x="0" y="0"/>
               </a:moveTo>
               <a:lnTo>
-                <a:pt x="0" y="134142"/>
+                <a:pt x="0" y="126251"/>
               </a:lnTo>
               <a:lnTo>
-                <a:pt x="826610" y="134142"/>
+                <a:pt x="1125105" y="126251"/>
               </a:lnTo>
               <a:lnTo>
-                <a:pt x="826610" y="268284"/>
+                <a:pt x="1125105" y="252503"/>
               </a:lnTo>
             </a:path>
           </a:pathLst>
@@ -7120,8 +7136,8 @@
       </dsp:nvSpPr>
       <dsp:spPr>
         <a:xfrm>
-          <a:off x="8201054" y="3512095"/>
-          <a:ext cx="1006067" cy="670711"/>
+          <a:off x="8408540" y="3504204"/>
+          <a:ext cx="946887" cy="631258"/>
         </a:xfrm>
         <a:prstGeom prst="roundRect">
           <a:avLst>
@@ -7168,12 +7184,12 @@
         </a:fontRef>
       </dsp:style>
       <dsp:txBody>
-        <a:bodyPr spcFirstLastPara="0" vert="horz" wrap="square" lIns="53340" tIns="53340" rIns="53340" bIns="53340" numCol="1" spcCol="1270" anchor="ctr" anchorCtr="0">
+        <a:bodyPr spcFirstLastPara="0" vert="horz" wrap="square" lIns="49530" tIns="49530" rIns="49530" bIns="49530" numCol="1" spcCol="1270" anchor="ctr" anchorCtr="0">
           <a:noAutofit/>
         </a:bodyPr>
         <a:lstStyle/>
         <a:p>
-          <a:pPr marL="0" lvl="0" indent="0" algn="ctr" defTabSz="622300">
+          <a:pPr marL="0" lvl="0" indent="0" algn="ctr" defTabSz="577850">
             <a:lnSpc>
               <a:spcPct val="90000"/>
             </a:lnSpc>
@@ -7186,14 +7202,14 @@
             <a:buNone/>
           </a:pPr>
           <a:r>
-            <a:rPr lang="es-AR" sz="1400" kern="1200" dirty="0"/>
+            <a:rPr lang="es-AR" sz="1300" kern="1200" dirty="0"/>
             <a:t>STANDARD</a:t>
           </a:r>
         </a:p>
       </dsp:txBody>
       <dsp:txXfrm>
-        <a:off x="8220698" y="3531739"/>
-        <a:ext cx="966779" cy="631423"/>
+        <a:off x="8427029" y="3522693"/>
+        <a:ext cx="909909" cy="594280"/>
       </dsp:txXfrm>
     </dsp:sp>
     <dsp:sp modelId="{5B1BDFAD-02C6-44F1-B889-E8B7F6D74DD3}">
@@ -7203,8 +7219,8 @@
       </dsp:nvSpPr>
       <dsp:spPr>
         <a:xfrm>
-          <a:off x="6001442" y="2304814"/>
-          <a:ext cx="4426140" cy="268284"/>
+          <a:off x="6080477" y="2367940"/>
+          <a:ext cx="4423618" cy="252503"/>
         </a:xfrm>
         <a:custGeom>
           <a:avLst/>
@@ -7218,13 +7234,13 @@
                 <a:pt x="0" y="0"/>
               </a:moveTo>
               <a:lnTo>
-                <a:pt x="0" y="134142"/>
+                <a:pt x="0" y="126251"/>
               </a:lnTo>
               <a:lnTo>
-                <a:pt x="4426140" y="134142"/>
+                <a:pt x="4423618" y="126251"/>
               </a:lnTo>
               <a:lnTo>
-                <a:pt x="4426140" y="268284"/>
+                <a:pt x="4423618" y="252503"/>
               </a:lnTo>
             </a:path>
           </a:pathLst>
@@ -7272,8 +7288,8 @@
       </dsp:nvSpPr>
       <dsp:spPr>
         <a:xfrm>
-          <a:off x="9924549" y="2573098"/>
-          <a:ext cx="1006067" cy="670711"/>
+          <a:off x="10030652" y="2620443"/>
+          <a:ext cx="946887" cy="631258"/>
         </a:xfrm>
         <a:prstGeom prst="roundRect">
           <a:avLst>
@@ -7320,12 +7336,12 @@
         </a:fontRef>
       </dsp:style>
       <dsp:txBody>
-        <a:bodyPr spcFirstLastPara="0" vert="horz" wrap="square" lIns="53340" tIns="53340" rIns="53340" bIns="53340" numCol="1" spcCol="1270" anchor="ctr" anchorCtr="0">
+        <a:bodyPr spcFirstLastPara="0" vert="horz" wrap="square" lIns="49530" tIns="49530" rIns="49530" bIns="49530" numCol="1" spcCol="1270" anchor="ctr" anchorCtr="0">
           <a:noAutofit/>
         </a:bodyPr>
         <a:lstStyle/>
         <a:p>
-          <a:pPr marL="0" lvl="0" indent="0" algn="ctr" defTabSz="622300">
+          <a:pPr marL="0" lvl="0" indent="0" algn="ctr" defTabSz="577850">
             <a:lnSpc>
               <a:spcPct val="90000"/>
             </a:lnSpc>
@@ -7338,14 +7354,14 @@
             <a:buNone/>
           </a:pPr>
           <a:r>
-            <a:rPr lang="es-AR" sz="1400" kern="1200" dirty="0"/>
+            <a:rPr lang="es-AR" sz="1300" kern="1200" dirty="0"/>
             <a:t>DOOR MANAGER</a:t>
           </a:r>
         </a:p>
       </dsp:txBody>
       <dsp:txXfrm>
-        <a:off x="9944193" y="2592742"/>
-        <a:ext cx="966779" cy="631423"/>
+        <a:off x="10049141" y="2638932"/>
+        <a:ext cx="909909" cy="594280"/>
       </dsp:txXfrm>
     </dsp:sp>
     <dsp:sp modelId="{15A86F3B-D9E7-41FD-8AB1-37718931BB58}">
@@ -7355,8 +7371,8 @@
       </dsp:nvSpPr>
       <dsp:spPr>
         <a:xfrm>
-          <a:off x="10011976" y="3243810"/>
-          <a:ext cx="415606" cy="268284"/>
+          <a:off x="10112937" y="3251701"/>
+          <a:ext cx="391159" cy="252503"/>
         </a:xfrm>
         <a:custGeom>
           <a:avLst/>
@@ -7367,16 +7383,16 @@
           <a:pathLst>
             <a:path>
               <a:moveTo>
-                <a:pt x="415606" y="0"/>
+                <a:pt x="391159" y="0"/>
               </a:moveTo>
               <a:lnTo>
-                <a:pt x="415606" y="134142"/>
+                <a:pt x="391159" y="126251"/>
               </a:lnTo>
               <a:lnTo>
-                <a:pt x="0" y="134142"/>
+                <a:pt x="0" y="126251"/>
               </a:lnTo>
               <a:lnTo>
-                <a:pt x="0" y="268284"/>
+                <a:pt x="0" y="252503"/>
               </a:lnTo>
             </a:path>
           </a:pathLst>
@@ -7424,8 +7440,8 @@
       </dsp:nvSpPr>
       <dsp:spPr>
         <a:xfrm>
-          <a:off x="9508942" y="3512095"/>
-          <a:ext cx="1006067" cy="670711"/>
+          <a:off x="9639493" y="3504204"/>
+          <a:ext cx="946887" cy="631258"/>
         </a:xfrm>
         <a:prstGeom prst="roundRect">
           <a:avLst>
@@ -7472,12 +7488,12 @@
         </a:fontRef>
       </dsp:style>
       <dsp:txBody>
-        <a:bodyPr spcFirstLastPara="0" vert="horz" wrap="square" lIns="53340" tIns="53340" rIns="53340" bIns="53340" numCol="1" spcCol="1270" anchor="ctr" anchorCtr="0">
+        <a:bodyPr spcFirstLastPara="0" vert="horz" wrap="square" lIns="49530" tIns="49530" rIns="49530" bIns="49530" numCol="1" spcCol="1270" anchor="ctr" anchorCtr="0">
           <a:noAutofit/>
         </a:bodyPr>
         <a:lstStyle/>
         <a:p>
-          <a:pPr marL="0" lvl="0" indent="0" algn="ctr" defTabSz="622300">
+          <a:pPr marL="0" lvl="0" indent="0" algn="ctr" defTabSz="577850">
             <a:lnSpc>
               <a:spcPct val="90000"/>
             </a:lnSpc>
@@ -7490,14 +7506,14 @@
             <a:buNone/>
           </a:pPr>
           <a:r>
-            <a:rPr lang="es-AR" sz="1400" kern="1200" dirty="0"/>
+            <a:rPr lang="es-AR" sz="1300" kern="1200" dirty="0"/>
             <a:t>TIMER</a:t>
           </a:r>
         </a:p>
       </dsp:txBody>
       <dsp:txXfrm>
-        <a:off x="9528586" y="3531739"/>
-        <a:ext cx="966779" cy="631423"/>
+        <a:off x="9657982" y="3522693"/>
+        <a:ext cx="909909" cy="594280"/>
       </dsp:txXfrm>
     </dsp:sp>
     <dsp:sp modelId="{531E14F9-BE8E-487D-9FBC-BD239BDE74DC}">
@@ -7507,8 +7523,8 @@
       </dsp:nvSpPr>
       <dsp:spPr>
         <a:xfrm>
-          <a:off x="9966256" y="4182807"/>
-          <a:ext cx="91440" cy="268284"/>
+          <a:off x="10067217" y="4135462"/>
+          <a:ext cx="91440" cy="252503"/>
         </a:xfrm>
         <a:custGeom>
           <a:avLst/>
@@ -7522,7 +7538,7 @@
                 <a:pt x="45720" y="0"/>
               </a:moveTo>
               <a:lnTo>
-                <a:pt x="45720" y="268284"/>
+                <a:pt x="45720" y="252503"/>
               </a:lnTo>
             </a:path>
           </a:pathLst>
@@ -7570,8 +7586,8 @@
       </dsp:nvSpPr>
       <dsp:spPr>
         <a:xfrm>
-          <a:off x="9508942" y="4451091"/>
-          <a:ext cx="1006067" cy="670711"/>
+          <a:off x="9639493" y="4387965"/>
+          <a:ext cx="946887" cy="631258"/>
         </a:xfrm>
         <a:prstGeom prst="roundRect">
           <a:avLst>
@@ -7618,12 +7634,12 @@
         </a:fontRef>
       </dsp:style>
       <dsp:txBody>
-        <a:bodyPr spcFirstLastPara="0" vert="horz" wrap="square" lIns="53340" tIns="53340" rIns="53340" bIns="53340" numCol="1" spcCol="1270" anchor="ctr" anchorCtr="0">
+        <a:bodyPr spcFirstLastPara="0" vert="horz" wrap="square" lIns="49530" tIns="49530" rIns="49530" bIns="49530" numCol="1" spcCol="1270" anchor="ctr" anchorCtr="0">
           <a:noAutofit/>
         </a:bodyPr>
         <a:lstStyle/>
         <a:p>
-          <a:pPr marL="0" lvl="0" indent="0" algn="ctr" defTabSz="622300">
+          <a:pPr marL="0" lvl="0" indent="0" algn="ctr" defTabSz="577850">
             <a:lnSpc>
               <a:spcPct val="90000"/>
             </a:lnSpc>
@@ -7636,14 +7652,14 @@
             <a:buNone/>
           </a:pPr>
           <a:r>
-            <a:rPr lang="es-AR" sz="1400" kern="1200" dirty="0"/>
+            <a:rPr lang="es-AR" sz="1300" kern="1200" dirty="0"/>
             <a:t>SYSTICK</a:t>
           </a:r>
         </a:p>
       </dsp:txBody>
       <dsp:txXfrm>
-        <a:off x="9528586" y="4470735"/>
-        <a:ext cx="966779" cy="631423"/>
+        <a:off x="9657982" y="4406454"/>
+        <a:ext cx="909909" cy="594280"/>
       </dsp:txXfrm>
     </dsp:sp>
     <dsp:sp modelId="{85E03D00-B215-4479-AFBA-5CEB429504C9}">
@@ -7653,8 +7669,8 @@
       </dsp:nvSpPr>
       <dsp:spPr>
         <a:xfrm>
-          <a:off x="10427582" y="3243810"/>
-          <a:ext cx="892281" cy="268284"/>
+          <a:off x="10504096" y="3251701"/>
+          <a:ext cx="839794" cy="252503"/>
         </a:xfrm>
         <a:custGeom>
           <a:avLst/>
@@ -7668,13 +7684,13 @@
                 <a:pt x="0" y="0"/>
               </a:moveTo>
               <a:lnTo>
-                <a:pt x="0" y="134142"/>
+                <a:pt x="0" y="126251"/>
               </a:lnTo>
               <a:lnTo>
-                <a:pt x="892281" y="134142"/>
+                <a:pt x="839794" y="126251"/>
               </a:lnTo>
               <a:lnTo>
-                <a:pt x="892281" y="268284"/>
+                <a:pt x="839794" y="252503"/>
               </a:lnTo>
             </a:path>
           </a:pathLst>
@@ -7722,8 +7738,8 @@
       </dsp:nvSpPr>
       <dsp:spPr>
         <a:xfrm>
-          <a:off x="11293505" y="3512095"/>
-          <a:ext cx="52717" cy="670711"/>
+          <a:off x="11319081" y="3504204"/>
+          <a:ext cx="49616" cy="631258"/>
         </a:xfrm>
         <a:prstGeom prst="roundRect">
           <a:avLst>
@@ -7770,12 +7786,12 @@
         </a:fontRef>
       </dsp:style>
       <dsp:txBody>
-        <a:bodyPr spcFirstLastPara="0" vert="horz" wrap="square" lIns="53340" tIns="53340" rIns="53340" bIns="53340" numCol="1" spcCol="1270" anchor="ctr" anchorCtr="0">
+        <a:bodyPr spcFirstLastPara="0" vert="horz" wrap="square" lIns="49530" tIns="49530" rIns="49530" bIns="49530" numCol="1" spcCol="1270" anchor="ctr" anchorCtr="0">
           <a:noAutofit/>
         </a:bodyPr>
         <a:lstStyle/>
         <a:p>
-          <a:pPr marL="0" lvl="0" indent="0" algn="ctr" defTabSz="622300">
+          <a:pPr marL="0" lvl="0" indent="0" algn="ctr" defTabSz="577850">
             <a:lnSpc>
               <a:spcPct val="90000"/>
             </a:lnSpc>
@@ -7787,12 +7803,12 @@
             </a:spcAft>
             <a:buNone/>
           </a:pPr>
-          <a:endParaRPr lang="es-AR" sz="1400" kern="1200" dirty="0"/>
+          <a:endParaRPr lang="es-AR" sz="1300" kern="1200" dirty="0"/>
         </a:p>
       </dsp:txBody>
       <dsp:txXfrm>
-        <a:off x="11295049" y="3513639"/>
-        <a:ext cx="49629" cy="667623"/>
+        <a:off x="11320534" y="3505657"/>
+        <a:ext cx="46710" cy="628352"/>
       </dsp:txXfrm>
     </dsp:sp>
     <dsp:sp modelId="{ECB6E3E8-C365-4657-9343-AE63156F3519}">
@@ -7802,8 +7818,8 @@
       </dsp:nvSpPr>
       <dsp:spPr>
         <a:xfrm>
-          <a:off x="11274144" y="4182807"/>
-          <a:ext cx="91440" cy="268284"/>
+          <a:off x="11298170" y="4135462"/>
+          <a:ext cx="91440" cy="252503"/>
         </a:xfrm>
         <a:custGeom>
           <a:avLst/>
@@ -7817,7 +7833,7 @@
                 <a:pt x="45720" y="0"/>
               </a:moveTo>
               <a:lnTo>
-                <a:pt x="45720" y="268284"/>
+                <a:pt x="45720" y="252503"/>
               </a:lnTo>
             </a:path>
           </a:pathLst>
@@ -7865,8 +7881,8 @@
       </dsp:nvSpPr>
       <dsp:spPr>
         <a:xfrm>
-          <a:off x="10816830" y="4451091"/>
-          <a:ext cx="1006067" cy="670711"/>
+          <a:off x="10870446" y="4387965"/>
+          <a:ext cx="946887" cy="631258"/>
         </a:xfrm>
         <a:prstGeom prst="roundRect">
           <a:avLst>
@@ -7913,12 +7929,12 @@
         </a:fontRef>
       </dsp:style>
       <dsp:txBody>
-        <a:bodyPr spcFirstLastPara="0" vert="horz" wrap="square" lIns="53340" tIns="53340" rIns="53340" bIns="53340" numCol="1" spcCol="1270" anchor="ctr" anchorCtr="0">
+        <a:bodyPr spcFirstLastPara="0" vert="horz" wrap="square" lIns="49530" tIns="49530" rIns="49530" bIns="49530" numCol="1" spcCol="1270" anchor="ctr" anchorCtr="0">
           <a:noAutofit/>
         </a:bodyPr>
         <a:lstStyle/>
         <a:p>
-          <a:pPr marL="0" lvl="0" indent="0" algn="ctr" defTabSz="622300">
+          <a:pPr marL="0" lvl="0" indent="0" algn="ctr" defTabSz="577850">
             <a:lnSpc>
               <a:spcPct val="90000"/>
             </a:lnSpc>
@@ -7931,14 +7947,14 @@
             <a:buNone/>
           </a:pPr>
           <a:r>
-            <a:rPr lang="es-AR" sz="1400" kern="1200" dirty="0"/>
+            <a:rPr lang="es-AR" sz="1300" kern="1200" dirty="0"/>
             <a:t>GPIO</a:t>
           </a:r>
         </a:p>
       </dsp:txBody>
       <dsp:txXfrm>
-        <a:off x="10836474" y="4470735"/>
-        <a:ext cx="966779" cy="631423"/>
+        <a:off x="10888935" y="4406454"/>
+        <a:ext cx="909909" cy="594280"/>
       </dsp:txXfrm>
     </dsp:sp>
   </dsp:spTree>
@@ -8161,8 +8177,12 @@
             <a:buNone/>
           </a:pPr>
           <a:r>
+            <a:rPr lang="es-AR" sz="2100" kern="1200"/>
+            <a:t>LOW </a:t>
+          </a:r>
+          <a:r>
             <a:rPr lang="es-AR" sz="2100" kern="1200" dirty="0"/>
-            <a:t>ENCODER HAL</a:t>
+            <a:t>HAL</a:t>
           </a:r>
         </a:p>
       </dsp:txBody>
@@ -14915,7 +14935,7 @@
           <a:p>
             <a:fld id="{78ABE3C1-DBE1-495D-B57B-2849774B866A}" type="datetimeFigureOut">
               <a:rPr lang="en-US" dirty="0"/>
-              <a:t>13-Sep-19</a:t>
+              <a:t>9/13/2019</a:t>
             </a:fld>
             <a:endParaRPr lang="en-US" dirty="0"/>
           </a:p>
@@ -14962,7 +14982,7 @@
           <a:p>
             <a:fld id="{6D22F896-40B5-4ADD-8801-0D06FADFA095}" type="slidenum">
               <a:rPr lang="en-US" dirty="0"/>
-              <a:t>‹#›</a:t>
+              <a:t>‹Nº›</a:t>
             </a:fld>
             <a:endParaRPr lang="en-US" dirty="0"/>
           </a:p>
@@ -15324,7 +15344,7 @@
           <a:p>
             <a:fld id="{446C117F-5CCF-4837-BE5F-2B92066CAFAF}" type="datetimeFigureOut">
               <a:rPr lang="en-US" dirty="0"/>
-              <a:t>13-Sep-19</a:t>
+              <a:t>9/13/2019</a:t>
             </a:fld>
             <a:endParaRPr lang="en-US" dirty="0"/>
           </a:p>
@@ -15371,7 +15391,7 @@
           <a:p>
             <a:fld id="{6D22F896-40B5-4ADD-8801-0D06FADFA095}" type="slidenum">
               <a:rPr lang="en-US" dirty="0"/>
-              <a:t>‹#›</a:t>
+              <a:t>‹Nº›</a:t>
             </a:fld>
             <a:endParaRPr lang="en-US" dirty="0"/>
           </a:p>
@@ -15655,7 +15675,7 @@
           <a:p>
             <a:fld id="{84EB90BD-B6CE-46B7-997F-7313B992CCDC}" type="datetimeFigureOut">
               <a:rPr lang="en-US" dirty="0"/>
-              <a:t>13-Sep-19</a:t>
+              <a:t>9/13/2019</a:t>
             </a:fld>
             <a:endParaRPr lang="en-US" dirty="0"/>
           </a:p>
@@ -15702,7 +15722,7 @@
           <a:p>
             <a:fld id="{6D22F896-40B5-4ADD-8801-0D06FADFA095}" type="slidenum">
               <a:rPr lang="en-US" dirty="0"/>
-              <a:t>‹#›</a:t>
+              <a:t>‹Nº›</a:t>
             </a:fld>
             <a:endParaRPr lang="en-US" dirty="0"/>
           </a:p>
@@ -16055,7 +16075,7 @@
           <a:p>
             <a:fld id="{CDB9D11F-B188-461D-B23F-39381795C052}" type="datetimeFigureOut">
               <a:rPr lang="en-US" dirty="0"/>
-              <a:t>13-Sep-19</a:t>
+              <a:t>9/13/2019</a:t>
             </a:fld>
             <a:endParaRPr lang="en-US" dirty="0"/>
           </a:p>
@@ -16102,7 +16122,7 @@
           <a:p>
             <a:fld id="{6D22F896-40B5-4ADD-8801-0D06FADFA095}" type="slidenum">
               <a:rPr lang="en-US" dirty="0"/>
-              <a:t>‹#›</a:t>
+              <a:t>‹Nº›</a:t>
             </a:fld>
             <a:endParaRPr lang="en-US" dirty="0"/>
           </a:p>
@@ -16618,7 +16638,7 @@
           <a:p>
             <a:fld id="{52E6D8D9-55A2-4063-B0F3-121F44549695}" type="datetimeFigureOut">
               <a:rPr lang="en-US" dirty="0"/>
-              <a:t>13-Sep-19</a:t>
+              <a:t>9/13/2019</a:t>
             </a:fld>
             <a:endParaRPr lang="en-US" dirty="0"/>
           </a:p>
@@ -16665,7 +16685,7 @@
           <a:p>
             <a:fld id="{6D22F896-40B5-4ADD-8801-0D06FADFA095}" type="slidenum">
               <a:rPr lang="en-US" dirty="0"/>
-              <a:t>‹#›</a:t>
+              <a:t>‹Nº›</a:t>
             </a:fld>
             <a:endParaRPr lang="en-US" dirty="0"/>
           </a:p>
@@ -17294,7 +17314,7 @@
           <a:p>
             <a:fld id="{D4B24536-994D-4021-A283-9F449C0DB509}" type="datetimeFigureOut">
               <a:rPr lang="en-US" dirty="0"/>
-              <a:t>13-Sep-19</a:t>
+              <a:t>9/13/2019</a:t>
             </a:fld>
             <a:endParaRPr lang="en-US" dirty="0"/>
           </a:p>
@@ -17336,7 +17356,7 @@
           <a:p>
             <a:fld id="{6D22F896-40B5-4ADD-8801-0D06FADFA095}" type="slidenum">
               <a:rPr lang="en-US" dirty="0"/>
-              <a:t>‹#›</a:t>
+              <a:t>‹Nº›</a:t>
             </a:fld>
             <a:endParaRPr lang="en-US" dirty="0"/>
           </a:p>
@@ -18202,7 +18222,7 @@
           <a:p>
             <a:fld id="{3CBBBB78-C96F-47B7-AB17-D852CA960AC9}" type="datetimeFigureOut">
               <a:rPr lang="en-US" dirty="0"/>
-              <a:t>13-Sep-19</a:t>
+              <a:t>9/13/2019</a:t>
             </a:fld>
             <a:endParaRPr lang="en-US" dirty="0"/>
           </a:p>
@@ -18244,7 +18264,7 @@
           <a:p>
             <a:fld id="{6D22F896-40B5-4ADD-8801-0D06FADFA095}" type="slidenum">
               <a:rPr lang="en-US" dirty="0"/>
-              <a:t>‹#›</a:t>
+              <a:t>‹Nº›</a:t>
             </a:fld>
             <a:endParaRPr lang="en-US" dirty="0"/>
           </a:p>
@@ -18510,7 +18530,7 @@
           <a:p>
             <a:fld id="{1FA3F48C-C7C6-4055-9F49-3777875E72AE}" type="datetimeFigureOut">
               <a:rPr lang="en-US" dirty="0"/>
-              <a:t>13-Sep-19</a:t>
+              <a:t>9/13/2019</a:t>
             </a:fld>
             <a:endParaRPr lang="en-US" dirty="0"/>
           </a:p>
@@ -18552,7 +18572,7 @@
           <a:p>
             <a:fld id="{6D22F896-40B5-4ADD-8801-0D06FADFA095}" type="slidenum">
               <a:rPr lang="en-US" dirty="0"/>
-              <a:t>‹#›</a:t>
+              <a:t>‹Nº›</a:t>
             </a:fld>
             <a:endParaRPr lang="en-US" dirty="0"/>
           </a:p>
@@ -18769,7 +18789,7 @@
           <a:p>
             <a:fld id="{6178E61D-D431-422C-9764-11DAFE33AB63}" type="datetimeFigureOut">
               <a:rPr lang="en-US" dirty="0"/>
-              <a:t>13-Sep-19</a:t>
+              <a:t>9/13/2019</a:t>
             </a:fld>
             <a:endParaRPr lang="en-US" dirty="0"/>
           </a:p>
@@ -18826,7 +18846,7 @@
             <a:fld id="{6D22F896-40B5-4ADD-8801-0D06FADFA095}" type="slidenum">
               <a:rPr lang="en-US" dirty="0"/>
               <a:pPr/>
-              <a:t>‹#›</a:t>
+              <a:t>‹Nº›</a:t>
             </a:fld>
             <a:endParaRPr lang="en-US" dirty="0"/>
           </a:p>
@@ -19088,7 +19108,7 @@
           <a:p>
             <a:fld id="{12DE42F4-6EEF-4EF7-8ED4-2208F0F89A08}" type="datetimeFigureOut">
               <a:rPr lang="en-US" dirty="0"/>
-              <a:t>13-Sep-19</a:t>
+              <a:t>9/13/2019</a:t>
             </a:fld>
             <a:endParaRPr lang="en-US" dirty="0"/>
           </a:p>
@@ -19130,7 +19150,7 @@
           <a:p>
             <a:fld id="{6D22F896-40B5-4ADD-8801-0D06FADFA095}" type="slidenum">
               <a:rPr lang="en-US" dirty="0"/>
-              <a:t>‹#›</a:t>
+              <a:t>‹Nº›</a:t>
             </a:fld>
             <a:endParaRPr lang="en-US" dirty="0"/>
           </a:p>
@@ -19472,7 +19492,7 @@
           <a:p>
             <a:fld id="{30578ACC-22D6-47C1-A373-4FD133E34F3C}" type="datetimeFigureOut">
               <a:rPr lang="en-US" dirty="0"/>
-              <a:t>13-Sep-19</a:t>
+              <a:t>9/13/2019</a:t>
             </a:fld>
             <a:endParaRPr lang="en-US" dirty="0"/>
           </a:p>
@@ -19519,7 +19539,7 @@
           <a:p>
             <a:fld id="{6D22F896-40B5-4ADD-8801-0D06FADFA095}" type="slidenum">
               <a:rPr lang="en-US" dirty="0"/>
-              <a:t>‹#›</a:t>
+              <a:t>‹Nº›</a:t>
             </a:fld>
             <a:endParaRPr lang="en-US" dirty="0"/>
           </a:p>
@@ -19843,7 +19863,7 @@
           <a:p>
             <a:fld id="{4E5A6C69-6797-4E8A-BF37-F2C3751466E9}" type="datetimeFigureOut">
               <a:rPr lang="en-US" dirty="0"/>
-              <a:t>13-Sep-19</a:t>
+              <a:t>9/13/2019</a:t>
             </a:fld>
             <a:endParaRPr lang="en-US" dirty="0"/>
           </a:p>
@@ -19885,7 +19905,7 @@
           <a:p>
             <a:fld id="{6D22F896-40B5-4ADD-8801-0D06FADFA095}" type="slidenum">
               <a:rPr lang="en-US" dirty="0"/>
-              <a:t>‹#›</a:t>
+              <a:t>‹Nº›</a:t>
             </a:fld>
             <a:endParaRPr lang="en-US" dirty="0"/>
           </a:p>
@@ -20344,7 +20364,7 @@
           <a:p>
             <a:fld id="{D82014A1-A632-4878-A0D3-F52BA7563730}" type="datetimeFigureOut">
               <a:rPr lang="en-US" dirty="0"/>
-              <a:t>13-Sep-19</a:t>
+              <a:t>9/13/2019</a:t>
             </a:fld>
             <a:endParaRPr lang="en-US" dirty="0"/>
           </a:p>
@@ -20386,7 +20406,7 @@
           <a:p>
             <a:fld id="{6D22F896-40B5-4ADD-8801-0D06FADFA095}" type="slidenum">
               <a:rPr lang="en-US" dirty="0"/>
-              <a:t>‹#›</a:t>
+              <a:t>‹Nº›</a:t>
             </a:fld>
             <a:endParaRPr lang="en-US" dirty="0"/>
           </a:p>
@@ -20596,7 +20616,7 @@
           <a:p>
             <a:fld id="{CE99F462-093F-4566-844B-4C71F2739DA5}" type="datetimeFigureOut">
               <a:rPr lang="en-US" dirty="0"/>
-              <a:t>13-Sep-19</a:t>
+              <a:t>9/13/2019</a:t>
             </a:fld>
             <a:endParaRPr lang="en-US" dirty="0"/>
           </a:p>
@@ -20638,7 +20658,7 @@
           <a:p>
             <a:fld id="{6D22F896-40B5-4ADD-8801-0D06FADFA095}" type="slidenum">
               <a:rPr lang="en-US" dirty="0"/>
-              <a:t>‹#›</a:t>
+              <a:t>‹Nº›</a:t>
             </a:fld>
             <a:endParaRPr lang="en-US" dirty="0"/>
           </a:p>
@@ -20754,7 +20774,7 @@
           <a:p>
             <a:fld id="{3D24A7AC-904D-4781-85BA-7D10C17ED021}" type="datetimeFigureOut">
               <a:rPr lang="en-US" dirty="0"/>
-              <a:t>13-Sep-19</a:t>
+              <a:t>9/13/2019</a:t>
             </a:fld>
             <a:endParaRPr lang="en-US" dirty="0"/>
           </a:p>
@@ -20796,7 +20816,7 @@
           <a:p>
             <a:fld id="{6D22F896-40B5-4ADD-8801-0D06FADFA095}" type="slidenum">
               <a:rPr lang="en-US" dirty="0"/>
-              <a:t>‹#›</a:t>
+              <a:t>‹Nº›</a:t>
             </a:fld>
             <a:endParaRPr lang="en-US" dirty="0"/>
           </a:p>
@@ -21139,7 +21159,7 @@
           <a:p>
             <a:fld id="{E331444B-B92B-4E27-8C94-BB93EAF5CB18}" type="datetimeFigureOut">
               <a:rPr lang="en-US" dirty="0"/>
-              <a:t>13-Sep-19</a:t>
+              <a:t>9/13/2019</a:t>
             </a:fld>
             <a:endParaRPr lang="en-US" dirty="0"/>
           </a:p>
@@ -21181,7 +21201,7 @@
           <a:p>
             <a:fld id="{6D22F896-40B5-4ADD-8801-0D06FADFA095}" type="slidenum">
               <a:rPr lang="en-US" dirty="0"/>
-              <a:t>‹#›</a:t>
+              <a:t>‹Nº›</a:t>
             </a:fld>
             <a:endParaRPr lang="en-US" dirty="0"/>
           </a:p>
@@ -21543,7 +21563,7 @@
           <a:p>
             <a:fld id="{363EFA5E-FA76-400D-B3DC-F0BA90E6D107}" type="datetimeFigureOut">
               <a:rPr lang="en-US" dirty="0"/>
-              <a:t>13-Sep-19</a:t>
+              <a:t>9/13/2019</a:t>
             </a:fld>
             <a:endParaRPr lang="en-US" dirty="0"/>
           </a:p>
@@ -21585,7 +21605,7 @@
           <a:p>
             <a:fld id="{6D22F896-40B5-4ADD-8801-0D06FADFA095}" type="slidenum">
               <a:rPr lang="en-US" dirty="0"/>
-              <a:t>‹#›</a:t>
+              <a:t>‹Nº›</a:t>
             </a:fld>
             <a:endParaRPr lang="en-US" dirty="0"/>
           </a:p>
@@ -21782,7 +21802,7 @@
           <a:p>
             <a:fld id="{9D6E9DEC-419B-4CC5-A080-3B06BD5A8291}" type="datetimeFigureOut">
               <a:rPr lang="en-US" dirty="0"/>
-              <a:t>13-Sep-19</a:t>
+              <a:t>9/13/2019</a:t>
             </a:fld>
             <a:endParaRPr lang="en-US" dirty="0"/>
           </a:p>
@@ -21861,7 +21881,7 @@
             <a:fld id="{6D22F896-40B5-4ADD-8801-0D06FADFA095}" type="slidenum">
               <a:rPr lang="en-US" dirty="0"/>
               <a:pPr/>
-              <a:t>‹#›</a:t>
+              <a:t>‹Nº›</a:t>
             </a:fld>
             <a:endParaRPr lang="en-US" dirty="0"/>
           </a:p>
@@ -22345,13 +22365,8 @@
           <a:p>
             <a:r>
               <a:rPr lang="es-AR" dirty="0"/>
-              <a:t>Eventos de </a:t>
-            </a:r>
-            <a:r>
-              <a:rPr lang="es-AR" dirty="0" err="1"/>
-              <a:t>Encoder</a:t>
-            </a:r>
-            <a:endParaRPr lang="es-AR" dirty="0"/>
+              <a:t>Eventos de Encoder</a:t>
+            </a:r>
           </a:p>
         </p:txBody>
       </p:sp>
@@ -22854,6 +22869,36 @@
           </a:p>
         </p:txBody>
       </p:sp>
+      <p:pic>
+        <p:nvPicPr>
+          <p:cNvPr id="5" name="Imagen 4">
+            <a:extLst>
+              <a:ext uri="{FF2B5EF4-FFF2-40B4-BE49-F238E27FC236}">
+                <a16:creationId xmlns:a16="http://schemas.microsoft.com/office/drawing/2014/main" id="{371D79A3-402C-4E89-A0A4-91A3A89FBC31}"/>
+              </a:ext>
+            </a:extLst>
+          </p:cNvPr>
+          <p:cNvPicPr>
+            <a:picLocks noChangeAspect="1"/>
+          </p:cNvPicPr>
+          <p:nvPr/>
+        </p:nvPicPr>
+        <p:blipFill>
+          <a:blip r:embed="rId2"/>
+          <a:stretch>
+            <a:fillRect/>
+          </a:stretch>
+        </p:blipFill>
+        <p:spPr>
+          <a:xfrm>
+            <a:off x="1066800" y="4825219"/>
+            <a:ext cx="10058400" cy="1640180"/>
+          </a:xfrm>
+          <a:prstGeom prst="rect">
+            <a:avLst/>
+          </a:prstGeom>
+        </p:spPr>
+      </p:pic>
     </p:spTree>
     <p:extLst>
       <p:ext uri="{BB962C8B-B14F-4D97-AF65-F5344CB8AC3E}">
@@ -22954,7 +22999,7 @@
           <a:p>
             <a:r>
               <a:rPr lang="es-AR" sz="2400" dirty="0"/>
-              <a:t>(x useg de duración)</a:t>
+              <a:t>(2 useg de duración)</a:t>
             </a:r>
           </a:p>
           <a:p>
@@ -22969,7 +23014,7 @@
           <a:p>
             <a:r>
               <a:rPr lang="es-AR" sz="2400" dirty="0"/>
-              <a:t>(x useg de duración)</a:t>
+              <a:t>(3 useg de duración)</a:t>
             </a:r>
           </a:p>
           <a:p>
@@ -22984,7 +23029,7 @@
           <a:p>
             <a:r>
               <a:rPr lang="es-AR" sz="2400" dirty="0"/>
-              <a:t>(x useg de duración)</a:t>
+              <a:t>(2 useg de duración)</a:t>
             </a:r>
           </a:p>
           <a:p>
@@ -23386,6 +23431,41 @@
 <file path=ppt/slides/slide17.xml><?xml version="1.0" encoding="utf-8"?>
 <p:sld xmlns:a="http://schemas.openxmlformats.org/drawingml/2006/main" xmlns:r="http://schemas.openxmlformats.org/officeDocument/2006/relationships" xmlns:p="http://schemas.openxmlformats.org/presentationml/2006/main">
   <p:cSld>
+    <p:bg>
+      <p:bgPr>
+        <a:gradFill rotWithShape="1">
+          <a:gsLst>
+            <a:gs pos="0">
+              <a:schemeClr val="bg2">
+                <a:tint val="96000"/>
+                <a:shade val="100000"/>
+                <a:hueMod val="270000"/>
+                <a:satMod val="200000"/>
+                <a:lumMod val="128000"/>
+              </a:schemeClr>
+            </a:gs>
+            <a:gs pos="50000">
+              <a:schemeClr val="bg2">
+                <a:shade val="100000"/>
+                <a:hueMod val="100000"/>
+                <a:satMod val="110000"/>
+                <a:lumMod val="130000"/>
+              </a:schemeClr>
+            </a:gs>
+            <a:gs pos="100000">
+              <a:schemeClr val="bg2">
+                <a:shade val="78000"/>
+                <a:hueMod val="44000"/>
+                <a:satMod val="200000"/>
+                <a:lumMod val="69000"/>
+              </a:schemeClr>
+            </a:gs>
+          </a:gsLst>
+          <a:lin ang="2520000" scaled="0"/>
+        </a:gradFill>
+        <a:effectLst/>
+      </p:bgPr>
+    </p:bg>
     <p:spTree>
       <p:nvGrpSpPr>
         <p:cNvPr id="1" name=""/>
@@ -23400,6 +23480,468 @@
           <a:chExt cx="0" cy="0"/>
         </a:xfrm>
       </p:grpSpPr>
+      <p:pic>
+        <p:nvPicPr>
+          <p:cNvPr id="7" name="Picture 6">
+            <a:extLst>
+              <a:ext uri="{FF2B5EF4-FFF2-40B4-BE49-F238E27FC236}">
+                <a16:creationId xmlns:a16="http://schemas.microsoft.com/office/drawing/2014/main" id="{AC3E6C53-102E-4ACA-BCBB-3CC973B99486}"/>
+              </a:ext>
+              <a:ext uri="{C183D7F6-B498-43B3-948B-1728B52AA6E4}">
+                <adec:decorative xmlns:adec="http://schemas.microsoft.com/office/drawing/2017/decorative" val="1"/>
+              </a:ext>
+            </a:extLst>
+          </p:cNvPr>
+          <p:cNvPicPr>
+            <a:picLocks noGrp="1" noRot="1" noChangeAspect="1" noMove="1" noResize="1" noEditPoints="1" noAdjustHandles="1" noChangeArrowheads="1" noChangeShapeType="1" noCrop="1"/>
+          </p:cNvPicPr>
+          <p:nvPr>
+            <p:extLst>
+              <p:ext uri="{386F3935-93C4-4BCD-93E2-E3B085C9AB24}">
+                <p16:designElem xmlns:p16="http://schemas.microsoft.com/office/powerpoint/2015/main" val="1"/>
+              </p:ext>
+            </p:extLst>
+          </p:nvPr>
+        </p:nvPicPr>
+        <p:blipFill>
+          <a:blip r:embed="rId2">
+            <a:alphaModFix amt="10000"/>
+            <a:extLst>
+              <a:ext uri="{28A0092B-C50C-407E-A947-70E740481C1C}">
+                <a14:useLocalDpi xmlns:a14="http://schemas.microsoft.com/office/drawing/2010/main" val="0"/>
+              </a:ext>
+            </a:extLst>
+          </a:blip>
+          <a:stretch>
+            <a:fillRect/>
+          </a:stretch>
+        </p:blipFill>
+        <p:spPr>
+          <a:xfrm>
+            <a:off x="0" y="0"/>
+            <a:ext cx="12192000" cy="6858000"/>
+          </a:xfrm>
+          <a:prstGeom prst="rect">
+            <a:avLst/>
+          </a:prstGeom>
+        </p:spPr>
+      </p:pic>
+      <p:pic>
+        <p:nvPicPr>
+          <p:cNvPr id="9" name="Picture 8">
+            <a:extLst>
+              <a:ext uri="{FF2B5EF4-FFF2-40B4-BE49-F238E27FC236}">
+                <a16:creationId xmlns:a16="http://schemas.microsoft.com/office/drawing/2014/main" id="{17B2B42C-0777-4D6E-9432-535281803A88}"/>
+              </a:ext>
+              <a:ext uri="{C183D7F6-B498-43B3-948B-1728B52AA6E4}">
+                <adec:decorative xmlns:adec="http://schemas.microsoft.com/office/drawing/2017/decorative" val="1"/>
+              </a:ext>
+            </a:extLst>
+          </p:cNvPr>
+          <p:cNvPicPr>
+            <a:picLocks noGrp="1" noRot="1" noChangeAspect="1" noMove="1" noResize="1" noEditPoints="1" noAdjustHandles="1" noChangeArrowheads="1" noChangeShapeType="1" noCrop="1"/>
+          </p:cNvPicPr>
+          <p:nvPr>
+            <p:extLst>
+              <p:ext uri="{386F3935-93C4-4BCD-93E2-E3B085C9AB24}">
+                <p16:designElem xmlns:p16="http://schemas.microsoft.com/office/powerpoint/2015/main" val="1"/>
+              </p:ext>
+            </p:extLst>
+          </p:nvPr>
+        </p:nvPicPr>
+        <p:blipFill>
+          <a:blip r:embed="rId3">
+            <a:extLst>
+              <a:ext uri="{28A0092B-C50C-407E-A947-70E740481C1C}">
+                <a14:useLocalDpi xmlns:a14="http://schemas.microsoft.com/office/drawing/2010/main" val="0"/>
+              </a:ext>
+            </a:extLst>
+          </a:blip>
+          <a:stretch>
+            <a:fillRect/>
+          </a:stretch>
+        </p:blipFill>
+        <p:spPr>
+          <a:xfrm>
+            <a:off x="1" y="4242851"/>
+            <a:ext cx="8968084" cy="275942"/>
+          </a:xfrm>
+          <a:prstGeom prst="rect">
+            <a:avLst/>
+          </a:prstGeom>
+        </p:spPr>
+      </p:pic>
+      <p:pic>
+        <p:nvPicPr>
+          <p:cNvPr id="11" name="Picture 10">
+            <a:extLst>
+              <a:ext uri="{FF2B5EF4-FFF2-40B4-BE49-F238E27FC236}">
+                <a16:creationId xmlns:a16="http://schemas.microsoft.com/office/drawing/2014/main" id="{EFEAAB60-93E2-4DC6-99AC-939637BCE864}"/>
+              </a:ext>
+              <a:ext uri="{C183D7F6-B498-43B3-948B-1728B52AA6E4}">
+                <adec:decorative xmlns:adec="http://schemas.microsoft.com/office/drawing/2017/decorative" val="1"/>
+              </a:ext>
+            </a:extLst>
+          </p:cNvPr>
+          <p:cNvPicPr>
+            <a:picLocks noGrp="1" noRot="1" noChangeAspect="1" noMove="1" noResize="1" noEditPoints="1" noAdjustHandles="1" noChangeArrowheads="1" noChangeShapeType="1" noCrop="1"/>
+          </p:cNvPicPr>
+          <p:nvPr>
+            <p:extLst>
+              <p:ext uri="{386F3935-93C4-4BCD-93E2-E3B085C9AB24}">
+                <p16:designElem xmlns:p16="http://schemas.microsoft.com/office/powerpoint/2015/main" val="1"/>
+              </p:ext>
+            </p:extLst>
+          </p:nvPr>
+        </p:nvPicPr>
+        <p:blipFill>
+          <a:blip r:embed="rId4">
+            <a:extLst>
+              <a:ext uri="{28A0092B-C50C-407E-A947-70E740481C1C}">
+                <a14:useLocalDpi xmlns:a14="http://schemas.microsoft.com/office/drawing/2010/main" val="0"/>
+              </a:ext>
+            </a:extLst>
+          </a:blip>
+          <a:stretch>
+            <a:fillRect/>
+          </a:stretch>
+        </p:blipFill>
+        <p:spPr>
+          <a:xfrm>
+            <a:off x="9111716" y="4243845"/>
+            <a:ext cx="3077108" cy="276940"/>
+          </a:xfrm>
+          <a:prstGeom prst="rect">
+            <a:avLst/>
+          </a:prstGeom>
+        </p:spPr>
+      </p:pic>
+      <p:sp>
+        <p:nvSpPr>
+          <p:cNvPr id="13" name="Rectangle 12">
+            <a:extLst>
+              <a:ext uri="{FF2B5EF4-FFF2-40B4-BE49-F238E27FC236}">
+                <a16:creationId xmlns:a16="http://schemas.microsoft.com/office/drawing/2014/main" id="{7EF5ECB8-D49C-48FB-A93E-88EB2FFDFD42}"/>
+              </a:ext>
+              <a:ext uri="{C183D7F6-B498-43B3-948B-1728B52AA6E4}">
+                <adec:decorative xmlns:adec="http://schemas.microsoft.com/office/drawing/2017/decorative" val="1"/>
+              </a:ext>
+            </a:extLst>
+          </p:cNvPr>
+          <p:cNvSpPr>
+            <a:spLocks noGrp="1" noRot="1" noChangeAspect="1" noMove="1" noResize="1" noEditPoints="1" noAdjustHandles="1" noChangeArrowheads="1" noChangeShapeType="1" noTextEdit="1"/>
+          </p:cNvSpPr>
+          <p:nvPr>
+            <p:extLst>
+              <p:ext uri="{386F3935-93C4-4BCD-93E2-E3B085C9AB24}">
+                <p16:designElem xmlns:p16="http://schemas.microsoft.com/office/powerpoint/2015/main" val="1"/>
+              </p:ext>
+            </p:extLst>
+          </p:nvPr>
+        </p:nvSpPr>
+        <p:spPr bwMode="ltGray">
+          <a:xfrm>
+            <a:off x="0" y="2590078"/>
+            <a:ext cx="8968085" cy="1660332"/>
+          </a:xfrm>
+          <a:prstGeom prst="rect">
+            <a:avLst/>
+          </a:prstGeom>
+          <a:solidFill>
+            <a:schemeClr val="bg1">
+              <a:lumMod val="85000"/>
+              <a:lumOff val="15000"/>
+            </a:schemeClr>
+          </a:solidFill>
+          <a:ln>
+            <a:noFill/>
+          </a:ln>
+        </p:spPr>
+        <p:style>
+          <a:lnRef idx="2">
+            <a:schemeClr val="accent1">
+              <a:shade val="50000"/>
+            </a:schemeClr>
+          </a:lnRef>
+          <a:fillRef idx="1">
+            <a:schemeClr val="accent1"/>
+          </a:fillRef>
+          <a:effectRef idx="0">
+            <a:schemeClr val="accent1"/>
+          </a:effectRef>
+          <a:fontRef idx="minor">
+            <a:schemeClr val="lt1"/>
+          </a:fontRef>
+        </p:style>
+      </p:sp>
+      <p:sp>
+        <p:nvSpPr>
+          <p:cNvPr id="15" name="Rectangle 14">
+            <a:extLst>
+              <a:ext uri="{FF2B5EF4-FFF2-40B4-BE49-F238E27FC236}">
+                <a16:creationId xmlns:a16="http://schemas.microsoft.com/office/drawing/2014/main" id="{411B77A2-BD5C-432D-B52E-C12612C74C17}"/>
+              </a:ext>
+              <a:ext uri="{C183D7F6-B498-43B3-948B-1728B52AA6E4}">
+                <adec:decorative xmlns:adec="http://schemas.microsoft.com/office/drawing/2017/decorative" val="1"/>
+              </a:ext>
+            </a:extLst>
+          </p:cNvPr>
+          <p:cNvSpPr>
+            <a:spLocks noGrp="1" noRot="1" noChangeAspect="1" noMove="1" noResize="1" noEditPoints="1" noAdjustHandles="1" noChangeArrowheads="1" noChangeShapeType="1" noTextEdit="1"/>
+          </p:cNvSpPr>
+          <p:nvPr>
+            <p:extLst>
+              <p:ext uri="{386F3935-93C4-4BCD-93E2-E3B085C9AB24}">
+                <p16:designElem xmlns:p16="http://schemas.microsoft.com/office/powerpoint/2015/main" val="1"/>
+              </p:ext>
+            </p:extLst>
+          </p:nvPr>
+        </p:nvSpPr>
+        <p:spPr>
+          <a:xfrm>
+            <a:off x="9111715" y="2590078"/>
+            <a:ext cx="3077109" cy="1660332"/>
+          </a:xfrm>
+          <a:prstGeom prst="rect">
+            <a:avLst/>
+          </a:prstGeom>
+          <a:solidFill>
+            <a:schemeClr val="accent1"/>
+          </a:solidFill>
+          <a:ln>
+            <a:noFill/>
+          </a:ln>
+        </p:spPr>
+        <p:style>
+          <a:lnRef idx="2">
+            <a:schemeClr val="accent1">
+              <a:shade val="50000"/>
+            </a:schemeClr>
+          </a:lnRef>
+          <a:fillRef idx="1">
+            <a:schemeClr val="accent1"/>
+          </a:fillRef>
+          <a:effectRef idx="0">
+            <a:schemeClr val="accent1"/>
+          </a:effectRef>
+          <a:fontRef idx="minor">
+            <a:schemeClr val="lt1"/>
+          </a:fontRef>
+        </p:style>
+      </p:sp>
+      <p:sp useBgFill="1">
+        <p:nvSpPr>
+          <p:cNvPr id="17" name="Rectangle 16">
+            <a:extLst>
+              <a:ext uri="{FF2B5EF4-FFF2-40B4-BE49-F238E27FC236}">
+                <a16:creationId xmlns:a16="http://schemas.microsoft.com/office/drawing/2014/main" id="{87C031CB-DEB3-405F-9996-5322C24A6A93}"/>
+              </a:ext>
+              <a:ext uri="{C183D7F6-B498-43B3-948B-1728B52AA6E4}">
+                <adec:decorative xmlns:adec="http://schemas.microsoft.com/office/drawing/2017/decorative" val="1"/>
+              </a:ext>
+            </a:extLst>
+          </p:cNvPr>
+          <p:cNvSpPr>
+            <a:spLocks noGrp="1" noRot="1" noChangeAspect="1" noMove="1" noResize="1" noEditPoints="1" noAdjustHandles="1" noChangeArrowheads="1" noChangeShapeType="1" noTextEdit="1"/>
+          </p:cNvSpPr>
+          <p:nvPr>
+            <p:extLst>
+              <p:ext uri="{386F3935-93C4-4BCD-93E2-E3B085C9AB24}">
+                <p16:designElem xmlns:p16="http://schemas.microsoft.com/office/powerpoint/2015/main" val="1"/>
+              </p:ext>
+            </p:extLst>
+          </p:nvPr>
+        </p:nvSpPr>
+        <p:spPr>
+          <a:xfrm>
+            <a:off x="0" y="0"/>
+            <a:ext cx="12192000" cy="6858000"/>
+          </a:xfrm>
+          <a:prstGeom prst="rect">
+            <a:avLst/>
+          </a:prstGeom>
+          <a:ln>
+            <a:noFill/>
+          </a:ln>
+        </p:spPr>
+        <p:style>
+          <a:lnRef idx="2">
+            <a:schemeClr val="accent1">
+              <a:shade val="50000"/>
+            </a:schemeClr>
+          </a:lnRef>
+          <a:fillRef idx="1">
+            <a:schemeClr val="accent1"/>
+          </a:fillRef>
+          <a:effectRef idx="0">
+            <a:schemeClr val="accent1"/>
+          </a:effectRef>
+          <a:fontRef idx="minor">
+            <a:schemeClr val="lt1"/>
+          </a:fontRef>
+        </p:style>
+        <p:txBody>
+          <a:bodyPr rtlCol="0" anchor="ctr"/>
+          <a:lstStyle/>
+          <a:p>
+            <a:pPr algn="ctr"/>
+            <a:endParaRPr lang="en-US"/>
+          </a:p>
+        </p:txBody>
+      </p:sp>
+      <p:pic>
+        <p:nvPicPr>
+          <p:cNvPr id="19" name="Picture 18">
+            <a:extLst>
+              <a:ext uri="{FF2B5EF4-FFF2-40B4-BE49-F238E27FC236}">
+                <a16:creationId xmlns:a16="http://schemas.microsoft.com/office/drawing/2014/main" id="{92031F0E-C3FA-4DAF-BD13-4AC665CFF0FC}"/>
+              </a:ext>
+              <a:ext uri="{C183D7F6-B498-43B3-948B-1728B52AA6E4}">
+                <adec:decorative xmlns:adec="http://schemas.microsoft.com/office/drawing/2017/decorative" val="1"/>
+              </a:ext>
+            </a:extLst>
+          </p:cNvPr>
+          <p:cNvPicPr>
+            <a:picLocks noGrp="1" noRot="1" noChangeAspect="1" noMove="1" noResize="1" noEditPoints="1" noAdjustHandles="1" noChangeArrowheads="1" noChangeShapeType="1" noCrop="1"/>
+          </p:cNvPicPr>
+          <p:nvPr>
+            <p:extLst>
+              <p:ext uri="{386F3935-93C4-4BCD-93E2-E3B085C9AB24}">
+                <p16:designElem xmlns:p16="http://schemas.microsoft.com/office/powerpoint/2015/main" val="1"/>
+              </p:ext>
+            </p:extLst>
+          </p:nvPr>
+        </p:nvPicPr>
+        <p:blipFill>
+          <a:blip r:embed="rId2">
+            <a:alphaModFix amt="10000"/>
+            <a:extLst>
+              <a:ext uri="{28A0092B-C50C-407E-A947-70E740481C1C}">
+                <a14:useLocalDpi xmlns:a14="http://schemas.microsoft.com/office/drawing/2010/main" val="0"/>
+              </a:ext>
+            </a:extLst>
+          </a:blip>
+          <a:stretch>
+            <a:fillRect/>
+          </a:stretch>
+        </p:blipFill>
+        <p:spPr>
+          <a:xfrm>
+            <a:off x="0" y="0"/>
+            <a:ext cx="12192000" cy="6858000"/>
+          </a:xfrm>
+          <a:prstGeom prst="rect">
+            <a:avLst/>
+          </a:prstGeom>
+        </p:spPr>
+      </p:pic>
+      <p:pic>
+        <p:nvPicPr>
+          <p:cNvPr id="21" name="Picture 20">
+            <a:extLst>
+              <a:ext uri="{FF2B5EF4-FFF2-40B4-BE49-F238E27FC236}">
+                <a16:creationId xmlns:a16="http://schemas.microsoft.com/office/drawing/2014/main" id="{BE685C68-BF28-4330-A4FE-33ABD88511AA}"/>
+              </a:ext>
+              <a:ext uri="{C183D7F6-B498-43B3-948B-1728B52AA6E4}">
+                <adec:decorative xmlns:adec="http://schemas.microsoft.com/office/drawing/2017/decorative" val="1"/>
+              </a:ext>
+            </a:extLst>
+          </p:cNvPr>
+          <p:cNvPicPr>
+            <a:picLocks noGrp="1" noRot="1" noChangeAspect="1" noMove="1" noResize="1" noEditPoints="1" noAdjustHandles="1" noChangeArrowheads="1" noChangeShapeType="1" noCrop="1"/>
+          </p:cNvPicPr>
+          <p:nvPr>
+            <p:extLst>
+              <p:ext uri="{386F3935-93C4-4BCD-93E2-E3B085C9AB24}">
+                <p16:designElem xmlns:p16="http://schemas.microsoft.com/office/powerpoint/2015/main" val="1"/>
+              </p:ext>
+            </p:extLst>
+          </p:nvPr>
+        </p:nvPicPr>
+        <p:blipFill>
+          <a:blip r:embed="rId3">
+            <a:extLst>
+              <a:ext uri="{28A0092B-C50C-407E-A947-70E740481C1C}">
+                <a14:useLocalDpi xmlns:a14="http://schemas.microsoft.com/office/drawing/2010/main" val="0"/>
+              </a:ext>
+            </a:extLst>
+          </a:blip>
+          <a:stretch>
+            <a:fillRect/>
+          </a:stretch>
+        </p:blipFill>
+        <p:spPr>
+          <a:xfrm>
+            <a:off x="0" y="5349629"/>
+            <a:ext cx="11525954" cy="275942"/>
+          </a:xfrm>
+          <a:prstGeom prst="rect">
+            <a:avLst/>
+          </a:prstGeom>
+        </p:spPr>
+      </p:pic>
+      <p:sp>
+        <p:nvSpPr>
+          <p:cNvPr id="23" name="Rectangle 22">
+            <a:extLst>
+              <a:ext uri="{FF2B5EF4-FFF2-40B4-BE49-F238E27FC236}">
+                <a16:creationId xmlns:a16="http://schemas.microsoft.com/office/drawing/2014/main" id="{273350E1-40B5-47D9-8DDD-3C2A17B4B6D9}"/>
+              </a:ext>
+              <a:ext uri="{C183D7F6-B498-43B3-948B-1728B52AA6E4}">
+                <adec:decorative xmlns:adec="http://schemas.microsoft.com/office/drawing/2017/decorative" val="1"/>
+              </a:ext>
+            </a:extLst>
+          </p:cNvPr>
+          <p:cNvSpPr>
+            <a:spLocks noGrp="1" noRot="1" noChangeAspect="1" noMove="1" noResize="1" noEditPoints="1" noAdjustHandles="1" noChangeArrowheads="1" noChangeShapeType="1" noTextEdit="1"/>
+          </p:cNvSpPr>
+          <p:nvPr>
+            <p:extLst>
+              <p:ext uri="{386F3935-93C4-4BCD-93E2-E3B085C9AB24}">
+                <p16:designElem xmlns:p16="http://schemas.microsoft.com/office/powerpoint/2015/main" val="1"/>
+              </p:ext>
+            </p:extLst>
+          </p:nvPr>
+        </p:nvSpPr>
+        <p:spPr bwMode="ltGray">
+          <a:xfrm>
+            <a:off x="1" y="0"/>
+            <a:ext cx="11525954" cy="5379499"/>
+          </a:xfrm>
+          <a:prstGeom prst="rect">
+            <a:avLst/>
+          </a:prstGeom>
+          <a:solidFill>
+            <a:srgbClr val="262626"/>
+          </a:solidFill>
+          <a:ln>
+            <a:noFill/>
+          </a:ln>
+        </p:spPr>
+        <p:style>
+          <a:lnRef idx="2">
+            <a:schemeClr val="accent1">
+              <a:shade val="50000"/>
+            </a:schemeClr>
+          </a:lnRef>
+          <a:fillRef idx="1">
+            <a:schemeClr val="accent1"/>
+          </a:fillRef>
+          <a:effectRef idx="0">
+            <a:schemeClr val="accent1"/>
+          </a:effectRef>
+          <a:fontRef idx="minor">
+            <a:schemeClr val="lt1"/>
+          </a:fontRef>
+        </p:style>
+        <p:txBody>
+          <a:bodyPr/>
+          <a:lstStyle/>
+          <a:p>
+            <a:endParaRPr lang="en-US"/>
+          </a:p>
+        </p:txBody>
+      </p:sp>
       <p:sp>
         <p:nvSpPr>
           <p:cNvPr id="2" name="Título 1">
@@ -23416,17 +23958,128 @@
             <p:ph type="title"/>
           </p:nvPr>
         </p:nvSpPr>
-        <p:spPr/>
+        <p:spPr>
+          <a:xfrm>
+            <a:off x="4063113" y="1997765"/>
+            <a:ext cx="5872891" cy="2696635"/>
+          </a:xfrm>
+        </p:spPr>
         <p:txBody>
-          <a:bodyPr/>
+          <a:bodyPr vert="horz" lIns="91440" tIns="45720" rIns="91440" bIns="45720" rtlCol="0" anchor="b">
+            <a:normAutofit/>
+          </a:bodyPr>
           <a:lstStyle/>
           <a:p>
             <a:r>
-              <a:rPr lang="es-AR" dirty="0"/>
-              <a:t>¿10?</a:t>
+              <a:rPr lang="en-US" sz="6000" dirty="0">
+                <a:solidFill>
+                  <a:srgbClr val="FFFFFF"/>
+                </a:solidFill>
+              </a:rPr>
+              <a:t>GRACIAS POR SU ATENCIÓN</a:t>
             </a:r>
           </a:p>
         </p:txBody>
+      </p:sp>
+      <p:pic>
+        <p:nvPicPr>
+          <p:cNvPr id="25" name="Picture 24">
+            <a:extLst>
+              <a:ext uri="{FF2B5EF4-FFF2-40B4-BE49-F238E27FC236}">
+                <a16:creationId xmlns:a16="http://schemas.microsoft.com/office/drawing/2014/main" id="{A1500D0A-0DCA-4E06-8B25-618E6299CC9A}"/>
+              </a:ext>
+              <a:ext uri="{C183D7F6-B498-43B3-948B-1728B52AA6E4}">
+                <adec:decorative xmlns:adec="http://schemas.microsoft.com/office/drawing/2017/decorative" val="1"/>
+              </a:ext>
+            </a:extLst>
+          </p:cNvPr>
+          <p:cNvPicPr>
+            <a:picLocks noGrp="1" noRot="1" noChangeAspect="1" noMove="1" noResize="1" noEditPoints="1" noAdjustHandles="1" noChangeArrowheads="1" noChangeShapeType="1" noCrop="1"/>
+          </p:cNvPicPr>
+          <p:nvPr>
+            <p:extLst>
+              <p:ext uri="{386F3935-93C4-4BCD-93E2-E3B085C9AB24}">
+                <p16:designElem xmlns:p16="http://schemas.microsoft.com/office/powerpoint/2015/main" val="1"/>
+              </p:ext>
+            </p:extLst>
+          </p:nvPr>
+        </p:nvPicPr>
+        <p:blipFill>
+          <a:blip r:embed="rId4" cstate="print">
+            <a:extLst>
+              <a:ext uri="{28A0092B-C50C-407E-A947-70E740481C1C}">
+                <a14:useLocalDpi xmlns:a14="http://schemas.microsoft.com/office/drawing/2010/main" val="0"/>
+              </a:ext>
+            </a:extLst>
+          </a:blip>
+          <a:stretch>
+            <a:fillRect/>
+          </a:stretch>
+        </p:blipFill>
+        <p:spPr>
+          <a:xfrm>
+            <a:off x="10585826" y="4686838"/>
+            <a:ext cx="1602997" cy="144270"/>
+          </a:xfrm>
+          <a:prstGeom prst="rect">
+            <a:avLst/>
+          </a:prstGeom>
+        </p:spPr>
+      </p:pic>
+      <p:sp>
+        <p:nvSpPr>
+          <p:cNvPr id="27" name="Rectangle 26">
+            <a:extLst>
+              <a:ext uri="{FF2B5EF4-FFF2-40B4-BE49-F238E27FC236}">
+                <a16:creationId xmlns:a16="http://schemas.microsoft.com/office/drawing/2014/main" id="{108AC4DC-69B5-4DD1-84BC-850C5A286185}"/>
+              </a:ext>
+              <a:ext uri="{C183D7F6-B498-43B3-948B-1728B52AA6E4}">
+                <adec:decorative xmlns:adec="http://schemas.microsoft.com/office/drawing/2017/decorative" val="1"/>
+              </a:ext>
+            </a:extLst>
+          </p:cNvPr>
+          <p:cNvSpPr>
+            <a:spLocks noGrp="1" noRot="1" noChangeAspect="1" noMove="1" noResize="1" noEditPoints="1" noAdjustHandles="1" noChangeArrowheads="1" noChangeShapeType="1" noTextEdit="1"/>
+          </p:cNvSpPr>
+          <p:nvPr>
+            <p:extLst>
+              <p:ext uri="{386F3935-93C4-4BCD-93E2-E3B085C9AB24}">
+                <p16:designElem xmlns:p16="http://schemas.microsoft.com/office/powerpoint/2015/main" val="1"/>
+              </p:ext>
+            </p:extLst>
+          </p:nvPr>
+        </p:nvSpPr>
+        <p:spPr>
+          <a:xfrm>
+            <a:off x="10585827" y="3034068"/>
+            <a:ext cx="1602997" cy="1660332"/>
+          </a:xfrm>
+          <a:prstGeom prst="rect">
+            <a:avLst/>
+          </a:prstGeom>
+          <a:solidFill>
+            <a:schemeClr val="accent1"/>
+          </a:solidFill>
+          <a:ln>
+            <a:noFill/>
+          </a:ln>
+        </p:spPr>
+        <p:style>
+          <a:lnRef idx="2">
+            <a:schemeClr val="accent1">
+              <a:shade val="50000"/>
+            </a:schemeClr>
+          </a:lnRef>
+          <a:fillRef idx="1">
+            <a:schemeClr val="accent1"/>
+          </a:fillRef>
+          <a:effectRef idx="0">
+            <a:schemeClr val="accent1"/>
+          </a:effectRef>
+          <a:fontRef idx="minor">
+            <a:schemeClr val="lt1"/>
+          </a:fontRef>
+        </p:style>
       </p:sp>
     </p:spTree>
     <p:extLst>
@@ -23471,7 +24124,7 @@
           <p:nvPr>
             <p:extLst>
               <p:ext uri="{D42A27DB-BD31-4B8C-83A1-F6EECF244321}">
-                <p14:modId xmlns:p14="http://schemas.microsoft.com/office/powerpoint/2010/main" val="2629440265"/>
+                <p14:modId xmlns:p14="http://schemas.microsoft.com/office/powerpoint/2010/main" val="1412148335"/>
               </p:ext>
             </p:extLst>
           </p:nvPr>
@@ -23544,6 +24197,929 @@
           </a:p>
         </p:txBody>
       </p:sp>
+      <p:sp>
+        <p:nvSpPr>
+          <p:cNvPr id="3" name="Elipse 2">
+            <a:extLst>
+              <a:ext uri="{FF2B5EF4-FFF2-40B4-BE49-F238E27FC236}">
+                <a16:creationId xmlns:a16="http://schemas.microsoft.com/office/drawing/2014/main" id="{052E7970-F2DA-4D46-AC57-44B841CD74D2}"/>
+              </a:ext>
+            </a:extLst>
+          </p:cNvPr>
+          <p:cNvSpPr/>
+          <p:nvPr/>
+        </p:nvSpPr>
+        <p:spPr>
+          <a:xfrm>
+            <a:off x="470452" y="3383876"/>
+            <a:ext cx="1510748" cy="1285461"/>
+          </a:xfrm>
+          <a:prstGeom prst="ellipse">
+            <a:avLst/>
+          </a:prstGeom>
+        </p:spPr>
+        <p:style>
+          <a:lnRef idx="2">
+            <a:schemeClr val="accent1">
+              <a:shade val="50000"/>
+            </a:schemeClr>
+          </a:lnRef>
+          <a:fillRef idx="1">
+            <a:schemeClr val="accent1"/>
+          </a:fillRef>
+          <a:effectRef idx="0">
+            <a:schemeClr val="accent1"/>
+          </a:effectRef>
+          <a:fontRef idx="minor">
+            <a:schemeClr val="lt1"/>
+          </a:fontRef>
+        </p:style>
+        <p:txBody>
+          <a:bodyPr rtlCol="0" anchor="ctr"/>
+          <a:lstStyle/>
+          <a:p>
+            <a:pPr algn="ctr"/>
+            <a:r>
+              <a:rPr lang="es-AR" dirty="0"/>
+              <a:t>MENU</a:t>
+            </a:r>
+          </a:p>
+        </p:txBody>
+      </p:sp>
+      <p:sp>
+        <p:nvSpPr>
+          <p:cNvPr id="4" name="Elipse 3">
+            <a:extLst>
+              <a:ext uri="{FF2B5EF4-FFF2-40B4-BE49-F238E27FC236}">
+                <a16:creationId xmlns:a16="http://schemas.microsoft.com/office/drawing/2014/main" id="{CA4A7CF1-D96A-4BBD-89FF-70117E82D51D}"/>
+              </a:ext>
+            </a:extLst>
+          </p:cNvPr>
+          <p:cNvSpPr/>
+          <p:nvPr/>
+        </p:nvSpPr>
+        <p:spPr>
+          <a:xfrm>
+            <a:off x="2292611" y="2617299"/>
+            <a:ext cx="1961337" cy="1285461"/>
+          </a:xfrm>
+          <a:prstGeom prst="ellipse">
+            <a:avLst/>
+          </a:prstGeom>
+        </p:spPr>
+        <p:style>
+          <a:lnRef idx="2">
+            <a:schemeClr val="accent1">
+              <a:shade val="50000"/>
+            </a:schemeClr>
+          </a:lnRef>
+          <a:fillRef idx="1">
+            <a:schemeClr val="accent1"/>
+          </a:fillRef>
+          <a:effectRef idx="0">
+            <a:schemeClr val="accent1"/>
+          </a:effectRef>
+          <a:fontRef idx="minor">
+            <a:schemeClr val="lt1"/>
+          </a:fontRef>
+        </p:style>
+        <p:txBody>
+          <a:bodyPr rtlCol="0" anchor="ctr"/>
+          <a:lstStyle/>
+          <a:p>
+            <a:pPr algn="ctr"/>
+            <a:r>
+              <a:rPr lang="es-AR" dirty="0"/>
+              <a:t>RECEIVING ID</a:t>
+            </a:r>
+          </a:p>
+        </p:txBody>
+      </p:sp>
+      <p:sp>
+        <p:nvSpPr>
+          <p:cNvPr id="5" name="Elipse 4">
+            <a:extLst>
+              <a:ext uri="{FF2B5EF4-FFF2-40B4-BE49-F238E27FC236}">
+                <a16:creationId xmlns:a16="http://schemas.microsoft.com/office/drawing/2014/main" id="{39C22ED0-BBEE-43EB-8AEB-C84BA90D5633}"/>
+              </a:ext>
+            </a:extLst>
+          </p:cNvPr>
+          <p:cNvSpPr/>
+          <p:nvPr/>
+        </p:nvSpPr>
+        <p:spPr>
+          <a:xfrm>
+            <a:off x="5258075" y="5367606"/>
+            <a:ext cx="1675849" cy="1285461"/>
+          </a:xfrm>
+          <a:prstGeom prst="ellipse">
+            <a:avLst/>
+          </a:prstGeom>
+        </p:spPr>
+        <p:style>
+          <a:lnRef idx="2">
+            <a:schemeClr val="accent1">
+              <a:shade val="50000"/>
+            </a:schemeClr>
+          </a:lnRef>
+          <a:fillRef idx="1">
+            <a:schemeClr val="accent1"/>
+          </a:fillRef>
+          <a:effectRef idx="0">
+            <a:schemeClr val="accent1"/>
+          </a:effectRef>
+          <a:fontRef idx="minor">
+            <a:schemeClr val="lt1"/>
+          </a:fontRef>
+        </p:style>
+        <p:txBody>
+          <a:bodyPr rtlCol="0" anchor="ctr"/>
+          <a:lstStyle/>
+          <a:p>
+            <a:pPr algn="ctr"/>
+            <a:r>
+              <a:rPr lang="es-AR" dirty="0"/>
+              <a:t>BLOCKED</a:t>
+            </a:r>
+          </a:p>
+        </p:txBody>
+      </p:sp>
+      <p:sp>
+        <p:nvSpPr>
+          <p:cNvPr id="6" name="Elipse 5">
+            <a:extLst>
+              <a:ext uri="{FF2B5EF4-FFF2-40B4-BE49-F238E27FC236}">
+                <a16:creationId xmlns:a16="http://schemas.microsoft.com/office/drawing/2014/main" id="{93B278F0-1F7B-4C72-A738-0A89E4956C12}"/>
+              </a:ext>
+            </a:extLst>
+          </p:cNvPr>
+          <p:cNvSpPr/>
+          <p:nvPr/>
+        </p:nvSpPr>
+        <p:spPr>
+          <a:xfrm>
+            <a:off x="1433720" y="5129056"/>
+            <a:ext cx="1510748" cy="1285461"/>
+          </a:xfrm>
+          <a:prstGeom prst="ellipse">
+            <a:avLst/>
+          </a:prstGeom>
+        </p:spPr>
+        <p:style>
+          <a:lnRef idx="2">
+            <a:schemeClr val="accent1">
+              <a:shade val="50000"/>
+            </a:schemeClr>
+          </a:lnRef>
+          <a:fillRef idx="1">
+            <a:schemeClr val="accent1"/>
+          </a:fillRef>
+          <a:effectRef idx="0">
+            <a:schemeClr val="accent1"/>
+          </a:effectRef>
+          <a:fontRef idx="minor">
+            <a:schemeClr val="lt1"/>
+          </a:fontRef>
+        </p:style>
+        <p:txBody>
+          <a:bodyPr rtlCol="0" anchor="ctr"/>
+          <a:lstStyle/>
+          <a:p>
+            <a:pPr algn="ctr"/>
+            <a:r>
+              <a:rPr lang="es-AR" dirty="0"/>
+              <a:t>GLOW</a:t>
+            </a:r>
+          </a:p>
+        </p:txBody>
+      </p:sp>
+      <p:sp>
+        <p:nvSpPr>
+          <p:cNvPr id="7" name="Elipse 6">
+            <a:extLst>
+              <a:ext uri="{FF2B5EF4-FFF2-40B4-BE49-F238E27FC236}">
+                <a16:creationId xmlns:a16="http://schemas.microsoft.com/office/drawing/2014/main" id="{BE068FCA-C128-4D52-A533-0E9541BAB911}"/>
+              </a:ext>
+            </a:extLst>
+          </p:cNvPr>
+          <p:cNvSpPr/>
+          <p:nvPr/>
+        </p:nvSpPr>
+        <p:spPr>
+          <a:xfrm>
+            <a:off x="3235188" y="4486326"/>
+            <a:ext cx="1785300" cy="1285461"/>
+          </a:xfrm>
+          <a:prstGeom prst="ellipse">
+            <a:avLst/>
+          </a:prstGeom>
+        </p:spPr>
+        <p:style>
+          <a:lnRef idx="2">
+            <a:schemeClr val="accent1">
+              <a:shade val="50000"/>
+            </a:schemeClr>
+          </a:lnRef>
+          <a:fillRef idx="1">
+            <a:schemeClr val="accent1"/>
+          </a:fillRef>
+          <a:effectRef idx="0">
+            <a:schemeClr val="accent1"/>
+          </a:effectRef>
+          <a:fontRef idx="minor">
+            <a:schemeClr val="lt1"/>
+          </a:fontRef>
+        </p:style>
+        <p:txBody>
+          <a:bodyPr rtlCol="0" anchor="ctr"/>
+          <a:lstStyle/>
+          <a:p>
+            <a:pPr algn="ctr"/>
+            <a:r>
+              <a:rPr lang="es-AR" dirty="0"/>
+              <a:t>RECEIVING PIN</a:t>
+            </a:r>
+          </a:p>
+        </p:txBody>
+      </p:sp>
+      <p:sp>
+        <p:nvSpPr>
+          <p:cNvPr id="8" name="Elipse 7">
+            <a:extLst>
+              <a:ext uri="{FF2B5EF4-FFF2-40B4-BE49-F238E27FC236}">
+                <a16:creationId xmlns:a16="http://schemas.microsoft.com/office/drawing/2014/main" id="{6B718CB9-9A09-4859-B015-D0BD944DEBE0}"/>
+              </a:ext>
+            </a:extLst>
+          </p:cNvPr>
+          <p:cNvSpPr/>
+          <p:nvPr/>
+        </p:nvSpPr>
+        <p:spPr>
+          <a:xfrm>
+            <a:off x="9144015" y="2222415"/>
+            <a:ext cx="1510748" cy="1285461"/>
+          </a:xfrm>
+          <a:prstGeom prst="ellipse">
+            <a:avLst/>
+          </a:prstGeom>
+        </p:spPr>
+        <p:style>
+          <a:lnRef idx="2">
+            <a:schemeClr val="accent1">
+              <a:shade val="50000"/>
+            </a:schemeClr>
+          </a:lnRef>
+          <a:fillRef idx="1">
+            <a:schemeClr val="accent1"/>
+          </a:fillRef>
+          <a:effectRef idx="0">
+            <a:schemeClr val="accent1"/>
+          </a:effectRef>
+          <a:fontRef idx="minor">
+            <a:schemeClr val="lt1"/>
+          </a:fontRef>
+        </p:style>
+        <p:txBody>
+          <a:bodyPr rtlCol="0" anchor="ctr"/>
+          <a:lstStyle/>
+          <a:p>
+            <a:pPr algn="ctr"/>
+            <a:r>
+              <a:rPr lang="es-AR" dirty="0"/>
+              <a:t>ADDING USER</a:t>
+            </a:r>
+          </a:p>
+        </p:txBody>
+      </p:sp>
+      <p:sp>
+        <p:nvSpPr>
+          <p:cNvPr id="10" name="Elipse 9">
+            <a:extLst>
+              <a:ext uri="{FF2B5EF4-FFF2-40B4-BE49-F238E27FC236}">
+                <a16:creationId xmlns:a16="http://schemas.microsoft.com/office/drawing/2014/main" id="{CB74364F-0952-4914-93B0-2B34E95E2184}"/>
+              </a:ext>
+            </a:extLst>
+          </p:cNvPr>
+          <p:cNvSpPr/>
+          <p:nvPr/>
+        </p:nvSpPr>
+        <p:spPr>
+          <a:xfrm>
+            <a:off x="6561905" y="4082145"/>
+            <a:ext cx="1917442" cy="1285461"/>
+          </a:xfrm>
+          <a:prstGeom prst="ellipse">
+            <a:avLst/>
+          </a:prstGeom>
+        </p:spPr>
+        <p:style>
+          <a:lnRef idx="2">
+            <a:schemeClr val="accent1">
+              <a:shade val="50000"/>
+            </a:schemeClr>
+          </a:lnRef>
+          <a:fillRef idx="1">
+            <a:schemeClr val="accent1"/>
+          </a:fillRef>
+          <a:effectRef idx="0">
+            <a:schemeClr val="accent1"/>
+          </a:effectRef>
+          <a:fontRef idx="minor">
+            <a:schemeClr val="lt1"/>
+          </a:fontRef>
+        </p:style>
+        <p:txBody>
+          <a:bodyPr rtlCol="0" anchor="ctr"/>
+          <a:lstStyle/>
+          <a:p>
+            <a:pPr algn="ctr"/>
+            <a:r>
+              <a:rPr lang="es-AR" dirty="0"/>
+              <a:t>CHANGING PIN</a:t>
+            </a:r>
+          </a:p>
+        </p:txBody>
+      </p:sp>
+      <p:sp>
+        <p:nvSpPr>
+          <p:cNvPr id="11" name="Elipse 10">
+            <a:extLst>
+              <a:ext uri="{FF2B5EF4-FFF2-40B4-BE49-F238E27FC236}">
+                <a16:creationId xmlns:a16="http://schemas.microsoft.com/office/drawing/2014/main" id="{1D22E770-8A08-4ADB-B05E-5D07F8CE0CE7}"/>
+              </a:ext>
+            </a:extLst>
+          </p:cNvPr>
+          <p:cNvSpPr/>
+          <p:nvPr/>
+        </p:nvSpPr>
+        <p:spPr>
+          <a:xfrm>
+            <a:off x="9402144" y="3717221"/>
+            <a:ext cx="1784075" cy="1285461"/>
+          </a:xfrm>
+          <a:prstGeom prst="ellipse">
+            <a:avLst/>
+          </a:prstGeom>
+        </p:spPr>
+        <p:style>
+          <a:lnRef idx="2">
+            <a:schemeClr val="accent1">
+              <a:shade val="50000"/>
+            </a:schemeClr>
+          </a:lnRef>
+          <a:fillRef idx="1">
+            <a:schemeClr val="accent1"/>
+          </a:fillRef>
+          <a:effectRef idx="0">
+            <a:schemeClr val="accent1"/>
+          </a:effectRef>
+          <a:fontRef idx="minor">
+            <a:schemeClr val="lt1"/>
+          </a:fontRef>
+        </p:style>
+        <p:txBody>
+          <a:bodyPr rtlCol="0" anchor="ctr"/>
+          <a:lstStyle/>
+          <a:p>
+            <a:pPr algn="ctr"/>
+            <a:r>
+              <a:rPr lang="es-AR" dirty="0"/>
+              <a:t>REMOVING USER</a:t>
+            </a:r>
+          </a:p>
+        </p:txBody>
+      </p:sp>
+      <p:sp>
+        <p:nvSpPr>
+          <p:cNvPr id="12" name="Elipse 11">
+            <a:extLst>
+              <a:ext uri="{FF2B5EF4-FFF2-40B4-BE49-F238E27FC236}">
+                <a16:creationId xmlns:a16="http://schemas.microsoft.com/office/drawing/2014/main" id="{55785116-39C8-4B6E-A5C1-F578224FD4B8}"/>
+              </a:ext>
+            </a:extLst>
+          </p:cNvPr>
+          <p:cNvSpPr/>
+          <p:nvPr/>
+        </p:nvSpPr>
+        <p:spPr>
+          <a:xfrm>
+            <a:off x="4777830" y="3034270"/>
+            <a:ext cx="1784075" cy="1285461"/>
+          </a:xfrm>
+          <a:prstGeom prst="ellipse">
+            <a:avLst/>
+          </a:prstGeom>
+        </p:spPr>
+        <p:style>
+          <a:lnRef idx="2">
+            <a:schemeClr val="accent1">
+              <a:shade val="50000"/>
+            </a:schemeClr>
+          </a:lnRef>
+          <a:fillRef idx="1">
+            <a:schemeClr val="accent1"/>
+          </a:fillRef>
+          <a:effectRef idx="0">
+            <a:schemeClr val="accent1"/>
+          </a:effectRef>
+          <a:fontRef idx="minor">
+            <a:schemeClr val="lt1"/>
+          </a:fontRef>
+        </p:style>
+        <p:txBody>
+          <a:bodyPr rtlCol="0" anchor="ctr"/>
+          <a:lstStyle/>
+          <a:p>
+            <a:pPr algn="ctr"/>
+            <a:r>
+              <a:rPr lang="es-AR" dirty="0"/>
+              <a:t>USER APPROVED</a:t>
+            </a:r>
+          </a:p>
+        </p:txBody>
+      </p:sp>
+      <p:sp>
+        <p:nvSpPr>
+          <p:cNvPr id="13" name="Elipse 12">
+            <a:extLst>
+              <a:ext uri="{FF2B5EF4-FFF2-40B4-BE49-F238E27FC236}">
+                <a16:creationId xmlns:a16="http://schemas.microsoft.com/office/drawing/2014/main" id="{BD2342EB-AA50-4326-8594-CE01308572C9}"/>
+              </a:ext>
+            </a:extLst>
+          </p:cNvPr>
+          <p:cNvSpPr/>
+          <p:nvPr/>
+        </p:nvSpPr>
+        <p:spPr>
+          <a:xfrm>
+            <a:off x="6898346" y="2315425"/>
+            <a:ext cx="1510748" cy="1285461"/>
+          </a:xfrm>
+          <a:prstGeom prst="ellipse">
+            <a:avLst/>
+          </a:prstGeom>
+        </p:spPr>
+        <p:style>
+          <a:lnRef idx="2">
+            <a:schemeClr val="accent1">
+              <a:shade val="50000"/>
+            </a:schemeClr>
+          </a:lnRef>
+          <a:fillRef idx="1">
+            <a:schemeClr val="accent1"/>
+          </a:fillRef>
+          <a:effectRef idx="0">
+            <a:schemeClr val="accent1"/>
+          </a:effectRef>
+          <a:fontRef idx="minor">
+            <a:schemeClr val="lt1"/>
+          </a:fontRef>
+        </p:style>
+        <p:txBody>
+          <a:bodyPr rtlCol="0" anchor="ctr"/>
+          <a:lstStyle/>
+          <a:p>
+            <a:pPr algn="ctr"/>
+            <a:r>
+              <a:rPr lang="es-AR" dirty="0"/>
+              <a:t>ADMIN MODE</a:t>
+            </a:r>
+          </a:p>
+        </p:txBody>
+      </p:sp>
+      <p:cxnSp>
+        <p:nvCxnSpPr>
+          <p:cNvPr id="19" name="Conector: curvado 18">
+            <a:extLst>
+              <a:ext uri="{FF2B5EF4-FFF2-40B4-BE49-F238E27FC236}">
+                <a16:creationId xmlns:a16="http://schemas.microsoft.com/office/drawing/2014/main" id="{56ACD009-5B3A-4BEC-BF15-5B1A21ABBCA6}"/>
+              </a:ext>
+            </a:extLst>
+          </p:cNvPr>
+          <p:cNvCxnSpPr/>
+          <p:nvPr/>
+        </p:nvCxnSpPr>
+        <p:spPr>
+          <a:xfrm flipV="1">
+            <a:off x="1433720" y="2909559"/>
+            <a:ext cx="978176" cy="518731"/>
+          </a:xfrm>
+          <a:prstGeom prst="curvedConnector3">
+            <a:avLst>
+              <a:gd name="adj1" fmla="val 21549"/>
+            </a:avLst>
+          </a:prstGeom>
+          <a:ln>
+            <a:solidFill>
+              <a:schemeClr val="bg1"/>
+            </a:solidFill>
+            <a:tailEnd type="triangle"/>
+          </a:ln>
+        </p:spPr>
+        <p:style>
+          <a:lnRef idx="1">
+            <a:schemeClr val="accent1"/>
+          </a:lnRef>
+          <a:fillRef idx="0">
+            <a:schemeClr val="accent1"/>
+          </a:fillRef>
+          <a:effectRef idx="0">
+            <a:schemeClr val="accent1"/>
+          </a:effectRef>
+          <a:fontRef idx="minor">
+            <a:schemeClr val="tx1"/>
+          </a:fontRef>
+        </p:style>
+      </p:cxnSp>
+      <p:cxnSp>
+        <p:nvCxnSpPr>
+          <p:cNvPr id="24" name="Conector: curvado 23">
+            <a:extLst>
+              <a:ext uri="{FF2B5EF4-FFF2-40B4-BE49-F238E27FC236}">
+                <a16:creationId xmlns:a16="http://schemas.microsoft.com/office/drawing/2014/main" id="{DE9D2ACC-74F7-4438-A308-01A6BEADC646}"/>
+              </a:ext>
+            </a:extLst>
+          </p:cNvPr>
+          <p:cNvCxnSpPr/>
+          <p:nvPr/>
+        </p:nvCxnSpPr>
+        <p:spPr>
+          <a:xfrm rot="16200000" flipH="1">
+            <a:off x="3466133" y="4085193"/>
+            <a:ext cx="598317" cy="203947"/>
+          </a:xfrm>
+          <a:prstGeom prst="curvedConnector3">
+            <a:avLst/>
+          </a:prstGeom>
+          <a:ln>
+            <a:solidFill>
+              <a:schemeClr val="bg1"/>
+            </a:solidFill>
+            <a:tailEnd type="triangle"/>
+          </a:ln>
+        </p:spPr>
+        <p:style>
+          <a:lnRef idx="1">
+            <a:schemeClr val="accent1"/>
+          </a:lnRef>
+          <a:fillRef idx="0">
+            <a:schemeClr val="accent1"/>
+          </a:fillRef>
+          <a:effectRef idx="0">
+            <a:schemeClr val="accent1"/>
+          </a:effectRef>
+          <a:fontRef idx="minor">
+            <a:schemeClr val="tx1"/>
+          </a:fontRef>
+        </p:style>
+      </p:cxnSp>
+      <p:cxnSp>
+        <p:nvCxnSpPr>
+          <p:cNvPr id="26" name="Conector: curvado 25">
+            <a:extLst>
+              <a:ext uri="{FF2B5EF4-FFF2-40B4-BE49-F238E27FC236}">
+                <a16:creationId xmlns:a16="http://schemas.microsoft.com/office/drawing/2014/main" id="{D8390069-A0BE-4C22-8EB0-8BFA7F8544AA}"/>
+              </a:ext>
+            </a:extLst>
+          </p:cNvPr>
+          <p:cNvCxnSpPr/>
+          <p:nvPr/>
+        </p:nvCxnSpPr>
+        <p:spPr>
+          <a:xfrm rot="5400000" flipH="1" flipV="1">
+            <a:off x="4762237" y="4409284"/>
+            <a:ext cx="607042" cy="221973"/>
+          </a:xfrm>
+          <a:prstGeom prst="curvedConnector3">
+            <a:avLst/>
+          </a:prstGeom>
+          <a:ln>
+            <a:solidFill>
+              <a:schemeClr val="bg1"/>
+            </a:solidFill>
+            <a:tailEnd type="triangle"/>
+          </a:ln>
+        </p:spPr>
+        <p:style>
+          <a:lnRef idx="1">
+            <a:schemeClr val="accent1"/>
+          </a:lnRef>
+          <a:fillRef idx="0">
+            <a:schemeClr val="accent1"/>
+          </a:fillRef>
+          <a:effectRef idx="0">
+            <a:schemeClr val="accent1"/>
+          </a:effectRef>
+          <a:fontRef idx="minor">
+            <a:schemeClr val="tx1"/>
+          </a:fontRef>
+        </p:style>
+      </p:cxnSp>
+      <p:cxnSp>
+        <p:nvCxnSpPr>
+          <p:cNvPr id="28" name="Conector: curvado 27">
+            <a:extLst>
+              <a:ext uri="{FF2B5EF4-FFF2-40B4-BE49-F238E27FC236}">
+                <a16:creationId xmlns:a16="http://schemas.microsoft.com/office/drawing/2014/main" id="{5E834FFA-B1C2-4D91-8CD0-972DDEC4394D}"/>
+              </a:ext>
+            </a:extLst>
+          </p:cNvPr>
+          <p:cNvCxnSpPr/>
+          <p:nvPr/>
+        </p:nvCxnSpPr>
+        <p:spPr>
+          <a:xfrm flipV="1">
+            <a:off x="6122728" y="2744753"/>
+            <a:ext cx="816316" cy="379636"/>
+          </a:xfrm>
+          <a:prstGeom prst="curvedConnector3">
+            <a:avLst/>
+          </a:prstGeom>
+          <a:ln>
+            <a:solidFill>
+              <a:schemeClr val="bg1"/>
+            </a:solidFill>
+            <a:tailEnd type="triangle"/>
+          </a:ln>
+        </p:spPr>
+        <p:style>
+          <a:lnRef idx="1">
+            <a:schemeClr val="accent1"/>
+          </a:lnRef>
+          <a:fillRef idx="0">
+            <a:schemeClr val="accent1"/>
+          </a:fillRef>
+          <a:effectRef idx="0">
+            <a:schemeClr val="accent1"/>
+          </a:effectRef>
+          <a:fontRef idx="minor">
+            <a:schemeClr val="tx1"/>
+          </a:fontRef>
+        </p:style>
+      </p:cxnSp>
+      <p:cxnSp>
+        <p:nvCxnSpPr>
+          <p:cNvPr id="30" name="Conector: curvado 29">
+            <a:extLst>
+              <a:ext uri="{FF2B5EF4-FFF2-40B4-BE49-F238E27FC236}">
+                <a16:creationId xmlns:a16="http://schemas.microsoft.com/office/drawing/2014/main" id="{44E42827-3E00-439E-BD93-9196ABB910CD}"/>
+              </a:ext>
+            </a:extLst>
+          </p:cNvPr>
+          <p:cNvCxnSpPr/>
+          <p:nvPr/>
+        </p:nvCxnSpPr>
+        <p:spPr>
+          <a:xfrm>
+            <a:off x="6561905" y="3888008"/>
+            <a:ext cx="336441" cy="299158"/>
+          </a:xfrm>
+          <a:prstGeom prst="curvedConnector3">
+            <a:avLst/>
+          </a:prstGeom>
+          <a:ln>
+            <a:solidFill>
+              <a:schemeClr val="bg1"/>
+            </a:solidFill>
+            <a:tailEnd type="triangle"/>
+          </a:ln>
+        </p:spPr>
+        <p:style>
+          <a:lnRef idx="1">
+            <a:schemeClr val="accent1"/>
+          </a:lnRef>
+          <a:fillRef idx="0">
+            <a:schemeClr val="accent1"/>
+          </a:fillRef>
+          <a:effectRef idx="0">
+            <a:schemeClr val="accent1"/>
+          </a:effectRef>
+          <a:fontRef idx="minor">
+            <a:schemeClr val="tx1"/>
+          </a:fontRef>
+        </p:style>
+      </p:cxnSp>
+      <p:cxnSp>
+        <p:nvCxnSpPr>
+          <p:cNvPr id="35" name="Conector: curvado 34">
+            <a:extLst>
+              <a:ext uri="{FF2B5EF4-FFF2-40B4-BE49-F238E27FC236}">
+                <a16:creationId xmlns:a16="http://schemas.microsoft.com/office/drawing/2014/main" id="{45021C92-48D7-4C1B-8C79-927D10BC69B4}"/>
+              </a:ext>
+            </a:extLst>
+          </p:cNvPr>
+          <p:cNvCxnSpPr/>
+          <p:nvPr/>
+        </p:nvCxnSpPr>
+        <p:spPr>
+          <a:xfrm>
+            <a:off x="8357593" y="3260029"/>
+            <a:ext cx="1144216" cy="822116"/>
+          </a:xfrm>
+          <a:prstGeom prst="curvedConnector3">
+            <a:avLst/>
+          </a:prstGeom>
+          <a:ln>
+            <a:solidFill>
+              <a:schemeClr val="bg1"/>
+            </a:solidFill>
+            <a:tailEnd type="triangle"/>
+          </a:ln>
+        </p:spPr>
+        <p:style>
+          <a:lnRef idx="1">
+            <a:schemeClr val="accent1"/>
+          </a:lnRef>
+          <a:fillRef idx="0">
+            <a:schemeClr val="accent1"/>
+          </a:fillRef>
+          <a:effectRef idx="0">
+            <a:schemeClr val="accent1"/>
+          </a:effectRef>
+          <a:fontRef idx="minor">
+            <a:schemeClr val="tx1"/>
+          </a:fontRef>
+        </p:style>
+      </p:cxnSp>
+      <p:cxnSp>
+        <p:nvCxnSpPr>
+          <p:cNvPr id="37" name="Conector: curvado 36">
+            <a:extLst>
+              <a:ext uri="{FF2B5EF4-FFF2-40B4-BE49-F238E27FC236}">
+                <a16:creationId xmlns:a16="http://schemas.microsoft.com/office/drawing/2014/main" id="{B26E4BD7-2D8C-457E-810E-50619225E4E7}"/>
+              </a:ext>
+            </a:extLst>
+          </p:cNvPr>
+          <p:cNvCxnSpPr/>
+          <p:nvPr/>
+        </p:nvCxnSpPr>
+        <p:spPr>
+          <a:xfrm flipV="1">
+            <a:off x="8308554" y="2564927"/>
+            <a:ext cx="889425" cy="127454"/>
+          </a:xfrm>
+          <a:prstGeom prst="curvedConnector3">
+            <a:avLst/>
+          </a:prstGeom>
+          <a:ln>
+            <a:solidFill>
+              <a:schemeClr val="bg1"/>
+            </a:solidFill>
+            <a:tailEnd type="triangle"/>
+          </a:ln>
+        </p:spPr>
+        <p:style>
+          <a:lnRef idx="1">
+            <a:schemeClr val="accent1"/>
+          </a:lnRef>
+          <a:fillRef idx="0">
+            <a:schemeClr val="accent1"/>
+          </a:fillRef>
+          <a:effectRef idx="0">
+            <a:schemeClr val="accent1"/>
+          </a:effectRef>
+          <a:fontRef idx="minor">
+            <a:schemeClr val="tx1"/>
+          </a:fontRef>
+        </p:style>
+      </p:cxnSp>
+      <p:cxnSp>
+        <p:nvCxnSpPr>
+          <p:cNvPr id="39" name="Conector: curvado 38">
+            <a:extLst>
+              <a:ext uri="{FF2B5EF4-FFF2-40B4-BE49-F238E27FC236}">
+                <a16:creationId xmlns:a16="http://schemas.microsoft.com/office/drawing/2014/main" id="{35D67D8B-7C52-4697-9B32-7EFE1A51B581}"/>
+              </a:ext>
+            </a:extLst>
+          </p:cNvPr>
+          <p:cNvCxnSpPr>
+            <a:cxnSpLocks/>
+          </p:cNvCxnSpPr>
+          <p:nvPr/>
+        </p:nvCxnSpPr>
+        <p:spPr>
+          <a:xfrm>
+            <a:off x="5004242" y="5129056"/>
+            <a:ext cx="623579" cy="371115"/>
+          </a:xfrm>
+          <a:prstGeom prst="curvedConnector3">
+            <a:avLst>
+              <a:gd name="adj1" fmla="val 50000"/>
+            </a:avLst>
+          </a:prstGeom>
+          <a:ln>
+            <a:solidFill>
+              <a:schemeClr val="bg1"/>
+            </a:solidFill>
+            <a:tailEnd type="triangle"/>
+          </a:ln>
+        </p:spPr>
+        <p:style>
+          <a:lnRef idx="1">
+            <a:schemeClr val="accent1"/>
+          </a:lnRef>
+          <a:fillRef idx="0">
+            <a:schemeClr val="accent1"/>
+          </a:fillRef>
+          <a:effectRef idx="0">
+            <a:schemeClr val="accent1"/>
+          </a:effectRef>
+          <a:fontRef idx="minor">
+            <a:schemeClr val="tx1"/>
+          </a:fontRef>
+        </p:style>
+      </p:cxnSp>
+      <p:cxnSp>
+        <p:nvCxnSpPr>
+          <p:cNvPr id="42" name="Conector: curvado 41">
+            <a:extLst>
+              <a:ext uri="{FF2B5EF4-FFF2-40B4-BE49-F238E27FC236}">
+                <a16:creationId xmlns:a16="http://schemas.microsoft.com/office/drawing/2014/main" id="{7B867338-BAAF-4ECF-B0CF-095C9ABB5992}"/>
+              </a:ext>
+            </a:extLst>
+          </p:cNvPr>
+          <p:cNvCxnSpPr>
+            <a:endCxn id="7" idx="5"/>
+          </p:cNvCxnSpPr>
+          <p:nvPr/>
+        </p:nvCxnSpPr>
+        <p:spPr>
+          <a:xfrm rot="10800000">
+            <a:off x="4759037" y="5583536"/>
+            <a:ext cx="556994" cy="188250"/>
+          </a:xfrm>
+          <a:prstGeom prst="curvedConnector4">
+            <a:avLst>
+              <a:gd name="adj1" fmla="val 26530"/>
+              <a:gd name="adj2" fmla="val -121435"/>
+            </a:avLst>
+          </a:prstGeom>
+          <a:ln>
+            <a:solidFill>
+              <a:schemeClr val="bg1"/>
+            </a:solidFill>
+            <a:tailEnd type="triangle"/>
+          </a:ln>
+        </p:spPr>
+        <p:style>
+          <a:lnRef idx="1">
+            <a:schemeClr val="accent1"/>
+          </a:lnRef>
+          <a:fillRef idx="0">
+            <a:schemeClr val="accent1"/>
+          </a:fillRef>
+          <a:effectRef idx="0">
+            <a:schemeClr val="accent1"/>
+          </a:effectRef>
+          <a:fontRef idx="minor">
+            <a:schemeClr val="tx1"/>
+          </a:fontRef>
+        </p:style>
+      </p:cxnSp>
+      <p:cxnSp>
+        <p:nvCxnSpPr>
+          <p:cNvPr id="44" name="Conector: curvado 43">
+            <a:extLst>
+              <a:ext uri="{FF2B5EF4-FFF2-40B4-BE49-F238E27FC236}">
+                <a16:creationId xmlns:a16="http://schemas.microsoft.com/office/drawing/2014/main" id="{8EE79135-B4DA-4768-9F9E-A75FB6A3B1FD}"/>
+              </a:ext>
+            </a:extLst>
+          </p:cNvPr>
+          <p:cNvCxnSpPr>
+            <a:endCxn id="6" idx="1"/>
+          </p:cNvCxnSpPr>
+          <p:nvPr/>
+        </p:nvCxnSpPr>
+        <p:spPr>
+          <a:xfrm rot="16200000" flipH="1">
+            <a:off x="1220357" y="4882700"/>
+            <a:ext cx="647970" cy="221244"/>
+          </a:xfrm>
+          <a:prstGeom prst="curvedConnector3">
+            <a:avLst/>
+          </a:prstGeom>
+          <a:ln>
+            <a:solidFill>
+              <a:schemeClr val="bg1"/>
+            </a:solidFill>
+            <a:tailEnd type="triangle"/>
+          </a:ln>
+        </p:spPr>
+        <p:style>
+          <a:lnRef idx="1">
+            <a:schemeClr val="accent1"/>
+          </a:lnRef>
+          <a:fillRef idx="0">
+            <a:schemeClr val="accent1"/>
+          </a:fillRef>
+          <a:effectRef idx="0">
+            <a:schemeClr val="accent1"/>
+          </a:effectRef>
+          <a:fontRef idx="minor">
+            <a:schemeClr val="tx1"/>
+          </a:fontRef>
+        </p:style>
+      </p:cxnSp>
     </p:spTree>
     <p:extLst>
       <p:ext uri="{BB962C8B-B14F-4D97-AF65-F5344CB8AC3E}">
@@ -23602,6 +25178,36 @@
           </a:p>
         </p:txBody>
       </p:sp>
+      <p:pic>
+        <p:nvPicPr>
+          <p:cNvPr id="4" name="Imagen 3" descr="Imagen que contiene captura de pantalla&#10;&#10;Descripción generada automáticamente">
+            <a:extLst>
+              <a:ext uri="{FF2B5EF4-FFF2-40B4-BE49-F238E27FC236}">
+                <a16:creationId xmlns:a16="http://schemas.microsoft.com/office/drawing/2014/main" id="{79783A38-9C69-409E-8DA3-70AD472556D3}"/>
+              </a:ext>
+            </a:extLst>
+          </p:cNvPr>
+          <p:cNvPicPr>
+            <a:picLocks noChangeAspect="1"/>
+          </p:cNvPicPr>
+          <p:nvPr/>
+        </p:nvPicPr>
+        <p:blipFill>
+          <a:blip r:embed="rId2"/>
+          <a:stretch>
+            <a:fillRect/>
+          </a:stretch>
+        </p:blipFill>
+        <p:spPr>
+          <a:xfrm>
+            <a:off x="680321" y="2039895"/>
+            <a:ext cx="10278411" cy="4677428"/>
+          </a:xfrm>
+          <a:prstGeom prst="rect">
+            <a:avLst/>
+          </a:prstGeom>
+        </p:spPr>
+      </p:pic>
     </p:spTree>
     <p:extLst>
       <p:ext uri="{BB962C8B-B14F-4D97-AF65-F5344CB8AC3E}">
@@ -24632,7 +26238,7 @@
           </p:cNvPicPr>
           <p:nvPr/>
         </p:nvPicPr>
-        <p:blipFill>
+        <p:blipFill rotWithShape="1">
           <a:blip r:embed="rId2">
             <a:extLst>
               <a:ext uri="{28A0092B-C50C-407E-A947-70E740481C1C}">
@@ -24640,14 +26246,13 @@
               </a:ext>
             </a:extLst>
           </a:blip>
-          <a:stretch>
-            <a:fillRect/>
-          </a:stretch>
+          <a:srcRect t="4262" r="994" b="7983"/>
+          <a:stretch/>
         </p:blipFill>
         <p:spPr>
           <a:xfrm>
-            <a:off x="6285680" y="2076994"/>
-            <a:ext cx="5728078" cy="4598125"/>
+            <a:off x="6285680" y="2272937"/>
+            <a:ext cx="5671189" cy="4035098"/>
           </a:xfrm>
           <a:prstGeom prst="rect">
             <a:avLst/>
@@ -24725,7 +26330,7 @@
           <p:nvPr>
             <p:extLst>
               <p:ext uri="{D42A27DB-BD31-4B8C-83A1-F6EECF244321}">
-                <p14:modId xmlns:p14="http://schemas.microsoft.com/office/powerpoint/2010/main" val="2756579975"/>
+                <p14:modId xmlns:p14="http://schemas.microsoft.com/office/powerpoint/2010/main" val="2747016530"/>
               </p:ext>
             </p:extLst>
           </p:nvPr>
